--- a/slides/22_Reinforcement_Learning.pptx
+++ b/slides/22_Reinforcement_Learning.pptx
@@ -945,6 +945,326 @@
     <p:extLst>
       <p:ext uri="{BB962C8B-B14F-4D97-AF65-F5344CB8AC3E}">
         <p14:creationId xmlns:p14="http://schemas.microsoft.com/office/powerpoint/2010/main" val="3375797701"/>
+      </p:ext>
+    </p:extLst>
+  </p:cSld>
+  <p:clrMapOvr>
+    <a:masterClrMapping/>
+  </p:clrMapOvr>
+</p:notes>
+</file>
+
+<file path=ppt/notesSlides/notesSlide2.xml><?xml version="1.0" encoding="utf-8"?>
+<p:notes xmlns:a="http://schemas.openxmlformats.org/drawingml/2006/main" xmlns:r="http://schemas.openxmlformats.org/officeDocument/2006/relationships" xmlns:p="http://schemas.openxmlformats.org/presentationml/2006/main">
+  <p:cSld>
+    <p:spTree>
+      <p:nvGrpSpPr>
+        <p:cNvPr id="1" name=""/>
+        <p:cNvGrpSpPr/>
+        <p:nvPr/>
+      </p:nvGrpSpPr>
+      <p:grpSpPr>
+        <a:xfrm>
+          <a:off x="0" y="0"/>
+          <a:ext cx="0" cy="0"/>
+          <a:chOff x="0" y="0"/>
+          <a:chExt cx="0" cy="0"/>
+        </a:xfrm>
+      </p:grpSpPr>
+      <p:sp>
+        <p:nvSpPr>
+          <p:cNvPr id="2" name="Slide Image Placeholder 1"/>
+          <p:cNvSpPr>
+            <a:spLocks noGrp="1" noRot="1" noChangeAspect="1"/>
+          </p:cNvSpPr>
+          <p:nvPr>
+            <p:ph type="sldImg"/>
+          </p:nvPr>
+        </p:nvSpPr>
+        <p:spPr>
+          <a:xfrm>
+            <a:off x="138113" y="768350"/>
+            <a:ext cx="6823075" cy="3838575"/>
+          </a:xfrm>
+        </p:spPr>
+      </p:sp>
+      <p:sp>
+        <p:nvSpPr>
+          <p:cNvPr id="3" name="Notes Placeholder 2"/>
+          <p:cNvSpPr>
+            <a:spLocks noGrp="1"/>
+          </p:cNvSpPr>
+          <p:nvPr>
+            <p:ph type="body" idx="1"/>
+          </p:nvPr>
+        </p:nvSpPr>
+        <p:spPr/>
+        <p:txBody>
+          <a:bodyPr/>
+          <a:lstStyle/>
+          <a:p>
+            <a:r>
+              <a:rPr lang="en-US" dirty="0"/>
+              <a:t> </a:t>
+            </a:r>
+          </a:p>
+        </p:txBody>
+      </p:sp>
+      <p:sp>
+        <p:nvSpPr>
+          <p:cNvPr id="4" name="Slide Number Placeholder 3"/>
+          <p:cNvSpPr>
+            <a:spLocks noGrp="1"/>
+          </p:cNvSpPr>
+          <p:nvPr>
+            <p:ph type="sldNum" sz="quarter" idx="5"/>
+          </p:nvPr>
+        </p:nvSpPr>
+        <p:spPr/>
+        <p:txBody>
+          <a:bodyPr/>
+          <a:lstStyle/>
+          <a:p>
+            <a:pPr>
+              <a:defRPr/>
+            </a:pPr>
+            <a:fld id="{7BDF81BA-2724-47AE-8C5A-18C6541FAE5A}" type="slidenum">
+              <a:rPr lang="en-US" smtClean="0"/>
+              <a:pPr>
+                <a:defRPr/>
+              </a:pPr>
+              <a:t>4</a:t>
+            </a:fld>
+            <a:endParaRPr lang="en-US" dirty="0"/>
+          </a:p>
+        </p:txBody>
+      </p:sp>
+    </p:spTree>
+    <p:extLst>
+      <p:ext uri="{BB962C8B-B14F-4D97-AF65-F5344CB8AC3E}">
+        <p14:creationId xmlns:p14="http://schemas.microsoft.com/office/powerpoint/2010/main" val="2615417632"/>
+      </p:ext>
+    </p:extLst>
+  </p:cSld>
+  <p:clrMapOvr>
+    <a:masterClrMapping/>
+  </p:clrMapOvr>
+</p:notes>
+</file>
+
+<file path=ppt/notesSlides/notesSlide3.xml><?xml version="1.0" encoding="utf-8"?>
+<p:notes xmlns:a="http://schemas.openxmlformats.org/drawingml/2006/main" xmlns:r="http://schemas.openxmlformats.org/officeDocument/2006/relationships" xmlns:p="http://schemas.openxmlformats.org/presentationml/2006/main">
+  <p:cSld>
+    <p:spTree>
+      <p:nvGrpSpPr>
+        <p:cNvPr id="1" name=""/>
+        <p:cNvGrpSpPr/>
+        <p:nvPr/>
+      </p:nvGrpSpPr>
+      <p:grpSpPr>
+        <a:xfrm>
+          <a:off x="0" y="0"/>
+          <a:ext cx="0" cy="0"/>
+          <a:chOff x="0" y="0"/>
+          <a:chExt cx="0" cy="0"/>
+        </a:xfrm>
+      </p:grpSpPr>
+      <p:sp>
+        <p:nvSpPr>
+          <p:cNvPr id="2" name="Slide Image Placeholder 1"/>
+          <p:cNvSpPr>
+            <a:spLocks noGrp="1" noRot="1" noChangeAspect="1"/>
+          </p:cNvSpPr>
+          <p:nvPr>
+            <p:ph type="sldImg"/>
+          </p:nvPr>
+        </p:nvSpPr>
+        <p:spPr>
+          <a:xfrm>
+            <a:off x="138113" y="768350"/>
+            <a:ext cx="6823075" cy="3838575"/>
+          </a:xfrm>
+        </p:spPr>
+      </p:sp>
+      <p:sp>
+        <p:nvSpPr>
+          <p:cNvPr id="3" name="Notes Placeholder 2"/>
+          <p:cNvSpPr>
+            <a:spLocks noGrp="1"/>
+          </p:cNvSpPr>
+          <p:nvPr>
+            <p:ph type="body" idx="1"/>
+          </p:nvPr>
+        </p:nvSpPr>
+        <p:spPr/>
+        <p:txBody>
+          <a:bodyPr/>
+          <a:lstStyle/>
+          <a:p>
+            <a:r>
+              <a:rPr lang="en-US" dirty="0"/>
+              <a:t>Reward may be sparse. Need for credit assignment.</a:t>
+            </a:r>
+          </a:p>
+          <a:p>
+            <a:r>
+              <a:rPr lang="en-US" dirty="0"/>
+              <a:t>Reward shaping creates pseudo rewards that advance learning (e.g., ball possession or distance to the goal in soccer).</a:t>
+            </a:r>
+          </a:p>
+          <a:p>
+            <a:endParaRPr lang="en-US" dirty="0"/>
+          </a:p>
+          <a:p>
+            <a:r>
+              <a:rPr lang="en-US" dirty="0"/>
+              <a:t>Hierarchical RL: Break the task into smaller sub-tasks so we can learn </a:t>
+            </a:r>
+            <a:r>
+              <a:rPr lang="en-US"/>
+              <a:t>the succession of </a:t>
+            </a:r>
+            <a:r>
+              <a:rPr lang="en-US" dirty="0"/>
+              <a:t>sub-task efficiently.</a:t>
+            </a:r>
+          </a:p>
+        </p:txBody>
+      </p:sp>
+      <p:sp>
+        <p:nvSpPr>
+          <p:cNvPr id="4" name="Slide Number Placeholder 3"/>
+          <p:cNvSpPr>
+            <a:spLocks noGrp="1"/>
+          </p:cNvSpPr>
+          <p:nvPr>
+            <p:ph type="sldNum" sz="quarter" idx="5"/>
+          </p:nvPr>
+        </p:nvSpPr>
+        <p:spPr/>
+        <p:txBody>
+          <a:bodyPr/>
+          <a:lstStyle/>
+          <a:p>
+            <a:pPr>
+              <a:defRPr/>
+            </a:pPr>
+            <a:fld id="{7BDF81BA-2724-47AE-8C5A-18C6541FAE5A}" type="slidenum">
+              <a:rPr lang="en-US" smtClean="0"/>
+              <a:pPr>
+                <a:defRPr/>
+              </a:pPr>
+              <a:t>11</a:t>
+            </a:fld>
+            <a:endParaRPr lang="en-US" dirty="0"/>
+          </a:p>
+        </p:txBody>
+      </p:sp>
+    </p:spTree>
+    <p:extLst>
+      <p:ext uri="{BB962C8B-B14F-4D97-AF65-F5344CB8AC3E}">
+        <p14:creationId xmlns:p14="http://schemas.microsoft.com/office/powerpoint/2010/main" val="1242372668"/>
+      </p:ext>
+    </p:extLst>
+  </p:cSld>
+  <p:clrMapOvr>
+    <a:masterClrMapping/>
+  </p:clrMapOvr>
+</p:notes>
+</file>
+
+<file path=ppt/notesSlides/notesSlide4.xml><?xml version="1.0" encoding="utf-8"?>
+<p:notes xmlns:a="http://schemas.openxmlformats.org/drawingml/2006/main" xmlns:r="http://schemas.openxmlformats.org/officeDocument/2006/relationships" xmlns:p="http://schemas.openxmlformats.org/presentationml/2006/main">
+  <p:cSld>
+    <p:spTree>
+      <p:nvGrpSpPr>
+        <p:cNvPr id="1" name=""/>
+        <p:cNvGrpSpPr/>
+        <p:nvPr/>
+      </p:nvGrpSpPr>
+      <p:grpSpPr>
+        <a:xfrm>
+          <a:off x="0" y="0"/>
+          <a:ext cx="0" cy="0"/>
+          <a:chOff x="0" y="0"/>
+          <a:chExt cx="0" cy="0"/>
+        </a:xfrm>
+      </p:grpSpPr>
+      <p:sp>
+        <p:nvSpPr>
+          <p:cNvPr id="2" name="Slide Image Placeholder 1"/>
+          <p:cNvSpPr>
+            <a:spLocks noGrp="1" noRot="1" noChangeAspect="1"/>
+          </p:cNvSpPr>
+          <p:nvPr>
+            <p:ph type="sldImg"/>
+          </p:nvPr>
+        </p:nvSpPr>
+        <p:spPr>
+          <a:xfrm>
+            <a:off x="138113" y="768350"/>
+            <a:ext cx="6823075" cy="3838575"/>
+          </a:xfrm>
+        </p:spPr>
+      </p:sp>
+      <p:sp>
+        <p:nvSpPr>
+          <p:cNvPr id="3" name="Notes Placeholder 2"/>
+          <p:cNvSpPr>
+            <a:spLocks noGrp="1"/>
+          </p:cNvSpPr>
+          <p:nvPr>
+            <p:ph type="body" idx="1"/>
+          </p:nvPr>
+        </p:nvSpPr>
+        <p:spPr/>
+        <p:txBody>
+          <a:bodyPr/>
+          <a:lstStyle/>
+          <a:p>
+            <a:r>
+              <a:rPr lang="en-US" dirty="0"/>
+              <a:t>Deep RL is still somewhat unpredictable since the deep ANN has many parameters…</a:t>
+            </a:r>
+          </a:p>
+          <a:p>
+            <a:endParaRPr lang="en-US" dirty="0"/>
+          </a:p>
+        </p:txBody>
+      </p:sp>
+      <p:sp>
+        <p:nvSpPr>
+          <p:cNvPr id="4" name="Slide Number Placeholder 3"/>
+          <p:cNvSpPr>
+            <a:spLocks noGrp="1"/>
+          </p:cNvSpPr>
+          <p:nvPr>
+            <p:ph type="sldNum" sz="quarter" idx="5"/>
+          </p:nvPr>
+        </p:nvSpPr>
+        <p:spPr/>
+        <p:txBody>
+          <a:bodyPr/>
+          <a:lstStyle/>
+          <a:p>
+            <a:pPr>
+              <a:defRPr/>
+            </a:pPr>
+            <a:fld id="{7BDF81BA-2724-47AE-8C5A-18C6541FAE5A}" type="slidenum">
+              <a:rPr lang="en-US" smtClean="0"/>
+              <a:pPr>
+                <a:defRPr/>
+              </a:pPr>
+              <a:t>13</a:t>
+            </a:fld>
+            <a:endParaRPr lang="en-US" dirty="0"/>
+          </a:p>
+        </p:txBody>
+      </p:sp>
+    </p:spTree>
+    <p:extLst>
+      <p:ext uri="{BB962C8B-B14F-4D97-AF65-F5344CB8AC3E}">
+        <p14:creationId xmlns:p14="http://schemas.microsoft.com/office/powerpoint/2010/main" val="4062540240"/>
       </p:ext>
     </p:extLst>
   </p:cSld>
@@ -5662,8 +5982,8 @@
           </a:p>
         </p:txBody>
       </p:sp>
-      <mc:AlternateContent xmlns:mc="http://schemas.openxmlformats.org/markup-compatibility/2006" xmlns:a14="http://schemas.microsoft.com/office/drawing/2010/main">
-        <mc:Choice Requires="a14">
+      <mc:AlternateContent xmlns:mc="http://schemas.openxmlformats.org/markup-compatibility/2006">
+        <mc:Choice xmlns:a14="http://schemas.microsoft.com/office/drawing/2010/main" Requires="a14">
           <p:sp>
             <p:nvSpPr>
               <p:cNvPr id="3" name="Content Placeholder 2">
@@ -5694,7 +6014,7 @@
               <a:p>
                 <a:r>
                   <a:rPr lang="en-US" dirty="0"/>
-                  <a:t>Q-Learning learns the state-action utility function </a:t>
+                  <a:t>Q-Learning learns the state-action value function </a:t>
                 </a:r>
                 <a14:m>
                   <m:oMath xmlns:m="http://schemas.openxmlformats.org/officeDocument/2006/math">
@@ -5744,7 +6064,7 @@
               <a:p>
                 <a:r>
                   <a:rPr lang="en-US" dirty="0"/>
-                  <a:t>Relationship with the state utility function:</a:t>
+                  <a:t>Relationship with the state value function:</a:t>
                 </a:r>
               </a:p>
               <a:p>
@@ -5762,7 +6082,7 @@
             </p:txBody>
           </p:sp>
         </mc:Choice>
-        <mc:Fallback xmlns="">
+        <mc:Fallback>
           <p:sp>
             <p:nvSpPr>
               <p:cNvPr id="3" name="Content Placeholder 2">
@@ -6210,18 +6530,18 @@
             <p:spPr>
               <a:xfrm>
                 <a:off x="838200" y="1563687"/>
-                <a:ext cx="10515600" cy="2547938"/>
+                <a:ext cx="10515600" cy="2398713"/>
               </a:xfrm>
             </p:spPr>
             <p:txBody>
               <a:bodyPr>
-                <a:normAutofit fontScale="62500" lnSpcReduction="20000"/>
+                <a:normAutofit fontScale="55000" lnSpcReduction="20000"/>
               </a:bodyPr>
               <a:lstStyle/>
               <a:p>
                 <a:r>
                   <a:rPr lang="en-US" dirty="0"/>
-                  <a:t>The Q-function needs to store and estimate one entry for each state/action combination! </a:t>
+                  <a:t>U (Q) needs to store and estimate one entry for each state (state/action combination)! </a:t>
                 </a:r>
               </a:p>
               <a:p>
@@ -6234,14 +6554,14 @@
                 <a:pPr lvl="1"/>
                 <a:r>
                   <a:rPr lang="en-US" dirty="0"/>
-                  <a:t>Too many entries to store 			-&gt; lossy compression with a function</a:t>
+                  <a:t>Too many entries to store 			 → lossy compression</a:t>
                 </a:r>
               </a:p>
               <a:p>
                 <a:pPr lvl="1"/>
                 <a:r>
                   <a:rPr lang="en-US" dirty="0"/>
-                  <a:t>Many combinations are rarely seen 		-&gt; use a function that generalizes to unseen entries</a:t>
+                  <a:t>Many combinations are rarely seen 		 → generalize to unseen entries</a:t>
                 </a:r>
               </a:p>
               <a:p>
@@ -6479,12 +6799,12 @@
             <p:spPr>
               <a:xfrm>
                 <a:off x="838200" y="1563687"/>
-                <a:ext cx="10515600" cy="2547938"/>
+                <a:ext cx="10515600" cy="2398713"/>
               </a:xfrm>
               <a:blipFill>
-                <a:blip r:embed="rId2"/>
+                <a:blip r:embed="rId3"/>
                 <a:stretch>
-                  <a:fillRect l="-406" t="-4077" b="-3597"/>
+                  <a:fillRect l="-174" t="-3053"/>
                 </a:stretch>
               </a:blipFill>
             </p:spPr>
@@ -6518,23 +6838,23 @@
           <p:nvPr/>
         </p:nvPicPr>
         <p:blipFill>
-          <a:blip r:embed="rId3"/>
+          <a:blip r:embed="rId4"/>
           <a:stretch>
             <a:fillRect/>
           </a:stretch>
         </p:blipFill>
         <p:spPr>
           <a:xfrm>
-            <a:off x="7620000" y="4199593"/>
-            <a:ext cx="3498160" cy="2547938"/>
+            <a:off x="7772400" y="3886200"/>
+            <a:ext cx="2777633" cy="2023131"/>
           </a:xfrm>
           <a:prstGeom prst="rect">
             <a:avLst/>
           </a:prstGeom>
         </p:spPr>
       </p:pic>
-      <mc:AlternateContent xmlns:mc="http://schemas.openxmlformats.org/markup-compatibility/2006" xmlns:a14="http://schemas.microsoft.com/office/drawing/2010/main">
-        <mc:Choice Requires="a14">
+      <mc:AlternateContent xmlns:mc="http://schemas.openxmlformats.org/markup-compatibility/2006">
+        <mc:Choice xmlns:a14="http://schemas.microsoft.com/office/drawing/2010/main" Requires="a14">
           <p:sp>
             <p:nvSpPr>
               <p:cNvPr id="8" name="TextBox 7">
@@ -6549,7 +6869,7 @@
             </p:nvSpPr>
             <p:spPr>
               <a:xfrm>
-                <a:off x="10975684" y="4235063"/>
+                <a:off x="10437399" y="3886200"/>
                 <a:ext cx="520592" cy="276999"/>
               </a:xfrm>
               <a:prstGeom prst="rect">
@@ -6602,7 +6922,7 @@
             </p:txBody>
           </p:sp>
         </mc:Choice>
-        <mc:Fallback xmlns="">
+        <mc:Fallback>
           <p:sp>
             <p:nvSpPr>
               <p:cNvPr id="8" name="TextBox 7">
@@ -6619,16 +6939,16 @@
             </p:nvSpPr>
             <p:spPr>
               <a:xfrm>
-                <a:off x="10975684" y="4235063"/>
+                <a:off x="10437399" y="3886200"/>
                 <a:ext cx="520592" cy="276999"/>
               </a:xfrm>
               <a:prstGeom prst="rect">
                 <a:avLst/>
               </a:prstGeom>
               <a:blipFill>
-                <a:blip r:embed="rId4"/>
+                <a:blip r:embed="rId5"/>
                 <a:stretch>
-                  <a:fillRect l="-9302" t="-4444" r="-15116" b="-35556"/>
+                  <a:fillRect l="-9302" t="-4444" r="-15116" b="-33333"/>
                 </a:stretch>
               </a:blipFill>
             </p:spPr>
@@ -6647,8 +6967,8 @@
           </p:sp>
         </mc:Fallback>
       </mc:AlternateContent>
-      <mc:AlternateContent xmlns:mc="http://schemas.openxmlformats.org/markup-compatibility/2006" xmlns:a14="http://schemas.microsoft.com/office/drawing/2010/main">
-        <mc:Choice Requires="a14">
+      <mc:AlternateContent xmlns:mc="http://schemas.openxmlformats.org/markup-compatibility/2006">
+        <mc:Choice xmlns:a14="http://schemas.microsoft.com/office/drawing/2010/main" Requires="a14">
           <p:sp>
             <p:nvSpPr>
               <p:cNvPr id="9" name="Arrow: Right 8">
@@ -6663,13 +6983,13 @@
             </p:nvSpPr>
             <p:spPr>
               <a:xfrm>
-                <a:off x="4922520" y="4102629"/>
-                <a:ext cx="2667000" cy="2286000"/>
+                <a:off x="4957739" y="3920135"/>
+                <a:ext cx="2666999" cy="1789760"/>
               </a:xfrm>
               <a:prstGeom prst="rightArrow">
                 <a:avLst>
-                  <a:gd name="adj1" fmla="val 50000"/>
-                  <a:gd name="adj2" fmla="val 27333"/>
+                  <a:gd name="adj1" fmla="val 66670"/>
+                  <a:gd name="adj2" fmla="val 26333"/>
                 </a:avLst>
               </a:prstGeom>
             </p:spPr>
@@ -6693,13 +7013,13 @@
               <a:p>
                 <a:pPr algn="ctr"/>
                 <a:r>
-                  <a:rPr lang="en-US" dirty="0"/>
+                  <a:rPr lang="en-US" sz="1600" dirty="0"/>
                   <a:t>Learn </a:t>
                 </a:r>
                 <a14:m>
                   <m:oMath xmlns:m="http://schemas.openxmlformats.org/officeDocument/2006/math">
                     <m:r>
-                      <a:rPr lang="en-US" b="1" i="1" smtClean="0">
+                      <a:rPr lang="en-US" sz="1600" b="1" i="1" smtClean="0">
                         <a:latin typeface="Cambria Math" panose="02040503050406030204" pitchFamily="18" charset="0"/>
                       </a:rPr>
                       <m:t>𝜽</m:t>
@@ -6707,31 +7027,31 @@
                   </m:oMath>
                 </a14:m>
                 <a:r>
-                  <a:rPr lang="en-US" dirty="0"/>
+                  <a:rPr lang="en-US" sz="1600" dirty="0"/>
                   <a:t> from observed interactions with the environment to approximate </a:t>
                 </a:r>
                 <a14:m>
                   <m:oMath xmlns:m="http://schemas.openxmlformats.org/officeDocument/2006/math">
                     <m:r>
-                      <a:rPr lang="en-US" i="1">
+                      <a:rPr lang="en-US" sz="1600" i="1">
                         <a:latin typeface="Cambria Math" panose="02040503050406030204" pitchFamily="18" charset="0"/>
                       </a:rPr>
                       <m:t>𝑈</m:t>
                     </m:r>
                     <m:r>
-                      <a:rPr lang="en-US" i="1">
+                      <a:rPr lang="en-US" sz="1600" i="1">
                         <a:latin typeface="Cambria Math" panose="02040503050406030204" pitchFamily="18" charset="0"/>
                       </a:rPr>
                       <m:t>(</m:t>
                     </m:r>
                     <m:r>
-                      <a:rPr lang="en-US" i="1">
+                      <a:rPr lang="en-US" sz="1600" i="1">
                         <a:latin typeface="Cambria Math" panose="02040503050406030204" pitchFamily="18" charset="0"/>
                       </a:rPr>
                       <m:t>𝑠</m:t>
                     </m:r>
                     <m:r>
-                      <a:rPr lang="en-US" i="1">
+                      <a:rPr lang="en-US" sz="1600" i="1">
                         <a:latin typeface="Cambria Math" panose="02040503050406030204" pitchFamily="18" charset="0"/>
                       </a:rPr>
                       <m:t>)</m:t>
@@ -6739,14 +7059,14 @@
                   </m:oMath>
                 </a14:m>
                 <a:r>
-                  <a:rPr lang="en-US" dirty="0"/>
+                  <a:rPr lang="en-US" sz="1600" dirty="0"/>
                   <a:t> </a:t>
                 </a:r>
               </a:p>
             </p:txBody>
           </p:sp>
         </mc:Choice>
-        <mc:Fallback xmlns="">
+        <mc:Fallback>
           <p:sp>
             <p:nvSpPr>
               <p:cNvPr id="9" name="Arrow: Right 8">
@@ -6763,19 +7083,19 @@
             </p:nvSpPr>
             <p:spPr>
               <a:xfrm>
-                <a:off x="4922520" y="4102629"/>
-                <a:ext cx="2667000" cy="2286000"/>
+                <a:off x="4957739" y="3920135"/>
+                <a:ext cx="2666999" cy="1789760"/>
               </a:xfrm>
               <a:prstGeom prst="rightArrow">
                 <a:avLst>
-                  <a:gd name="adj1" fmla="val 50000"/>
-                  <a:gd name="adj2" fmla="val 27333"/>
+                  <a:gd name="adj1" fmla="val 66670"/>
+                  <a:gd name="adj2" fmla="val 26333"/>
                 </a:avLst>
               </a:prstGeom>
               <a:blipFill>
-                <a:blip r:embed="rId5"/>
+                <a:blip r:embed="rId6"/>
                 <a:stretch>
-                  <a:fillRect l="-1361"/>
+                  <a:fillRect/>
                 </a:stretch>
               </a:blipFill>
             </p:spPr>
@@ -6810,7 +7130,7 @@
             </p:nvSpPr>
             <p:spPr>
               <a:xfrm>
-                <a:off x="1219200" y="5089172"/>
+                <a:off x="1219200" y="4609874"/>
                 <a:ext cx="3325204" cy="376770"/>
               </a:xfrm>
               <a:prstGeom prst="rect">
@@ -7040,16 +7360,16 @@
             </p:nvSpPr>
             <p:spPr>
               <a:xfrm>
-                <a:off x="1219200" y="5089172"/>
+                <a:off x="1219200" y="4609874"/>
                 <a:ext cx="3325204" cy="376770"/>
               </a:xfrm>
               <a:prstGeom prst="rect">
                 <a:avLst/>
               </a:prstGeom>
               <a:blipFill>
-                <a:blip r:embed="rId6"/>
+                <a:blip r:embed="rId7"/>
                 <a:stretch>
-                  <a:fillRect b="-3077"/>
+                  <a:fillRect b="-4615"/>
                 </a:stretch>
               </a:blipFill>
             </p:spPr>
@@ -7068,6 +7388,57 @@
           </p:sp>
         </mc:Fallback>
       </mc:AlternateContent>
+      <p:sp>
+        <p:nvSpPr>
+          <p:cNvPr id="4" name="TextBox 3">
+            <a:extLst>
+              <a:ext uri="{FF2B5EF4-FFF2-40B4-BE49-F238E27FC236}">
+                <a16:creationId xmlns:a16="http://schemas.microsoft.com/office/drawing/2014/main" id="{AA30E349-ECB3-964A-60AA-E1811149372D}"/>
+              </a:ext>
+            </a:extLst>
+          </p:cNvPr>
+          <p:cNvSpPr txBox="1"/>
+          <p:nvPr/>
+        </p:nvSpPr>
+        <p:spPr>
+          <a:xfrm>
+            <a:off x="838200" y="5615226"/>
+            <a:ext cx="10744200" cy="830997"/>
+          </a:xfrm>
+          <a:prstGeom prst="rect">
+            <a:avLst/>
+          </a:prstGeom>
+          <a:noFill/>
+        </p:spPr>
+        <p:txBody>
+          <a:bodyPr wrap="square" rtlCol="0">
+            <a:spAutoFit/>
+          </a:bodyPr>
+          <a:lstStyle/>
+          <a:p>
+            <a:r>
+              <a:rPr lang="en-US" sz="1600" b="1" dirty="0"/>
+              <a:t>Notes</a:t>
+            </a:r>
+            <a:r>
+              <a:rPr lang="en-US" sz="1600" dirty="0"/>
+              <a:t>:</a:t>
+            </a:r>
+          </a:p>
+          <a:p>
+            <a:r>
+              <a:rPr lang="en-US" sz="1600" dirty="0"/>
+              <a:t>We can also approximate the state-value function Q.</a:t>
+            </a:r>
+          </a:p>
+          <a:p>
+            <a:r>
+              <a:rPr lang="en-US" sz="1600" dirty="0"/>
+              <a:t>We typically need non-linear approximators that can be incrementally updated (online learning).  → Deep ANNs</a:t>
+            </a:r>
+          </a:p>
+        </p:txBody>
+      </p:sp>
     </p:spTree>
     <p:extLst>
       <p:ext uri="{BB962C8B-B14F-4D97-AF65-F5344CB8AC3E}">
@@ -9601,7 +9972,7 @@
             </p:nvSpPr>
             <p:spPr>
               <a:blipFill>
-                <a:blip r:embed="rId2"/>
+                <a:blip r:embed="rId3"/>
                 <a:stretch>
                   <a:fillRect l="-1043" t="-2241" r="-174" b="-1261"/>
                 </a:stretch>

--- a/slides/22_Reinforcement_Learning.pptx
+++ b/slides/22_Reinforcement_Learning.pptx
@@ -5884,12 +5884,14 @@
         </p:nvSpPr>
         <p:spPr/>
         <p:txBody>
-          <a:bodyPr/>
+          <a:bodyPr>
+            <a:normAutofit lnSpcReduction="10000"/>
+          </a:bodyPr>
           <a:lstStyle/>
           <a:p>
             <a:r>
               <a:rPr lang="en-US" dirty="0"/>
-              <a:t>The basis of reinforcement learning are MDPs.</a:t>
+              <a:t>Reinforcement learning assumes that the problem can be modeled by an MDP.</a:t>
             </a:r>
           </a:p>
           <a:p>
@@ -5898,10 +5900,14 @@
           <a:p>
             <a:r>
               <a:rPr lang="en-US" dirty="0"/>
-              <a:t>What if we do not have a transition model 𝑃(𝑠′ | 𝑠, 𝑎)?</a:t>
+              <a:t>What if we do not know the transition model 𝑃(𝑠′ | 𝑠, 𝑎)?</a:t>
             </a:r>
-          </a:p>
-          <a:p>
+            <a:br>
+              <a:rPr lang="en-US" dirty="0"/>
+            </a:br>
+            <a:br>
+              <a:rPr lang="en-US" dirty="0"/>
+            </a:br>
             <a:r>
               <a:rPr lang="en-US" dirty="0"/>
               <a:t>Now we cannot solve the MDP (estimate the state utility function/policy) because we cannot predict future states!</a:t>
@@ -5913,7 +5919,7 @@
           <a:p>
             <a:r>
               <a:rPr lang="en-US" dirty="0"/>
-              <a:t>The agent needs to explore (try actions) and use the reward signal to update its belief about the utility of states and actions (i.e., this is also called learning or estimation)</a:t>
+              <a:t>The agent needs to explore (try actions) and use the reward signal to update its estimate (=learn) of the utility of states and actions.</a:t>
             </a:r>
           </a:p>
           <a:p>
@@ -6008,7 +6014,7 @@
             </p:spPr>
             <p:txBody>
               <a:bodyPr>
-                <a:normAutofit fontScale="92500" lnSpcReduction="20000"/>
+                <a:normAutofit lnSpcReduction="10000"/>
               </a:bodyPr>
               <a:lstStyle/>
               <a:p>
@@ -6024,51 +6030,154 @@
                       </a:rPr>
                       <m:t>𝑄</m:t>
                     </m:r>
-                    <m:r>
-                      <a:rPr lang="en-US" i="1" dirty="0" smtClean="0">
-                        <a:latin typeface="Cambria Math" panose="02040503050406030204" pitchFamily="18" charset="0"/>
-                      </a:rPr>
-                      <m:t>(</m:t>
-                    </m:r>
-                    <m:r>
-                      <a:rPr lang="en-US" i="1" dirty="0" smtClean="0">
-                        <a:latin typeface="Cambria Math" panose="02040503050406030204" pitchFamily="18" charset="0"/>
-                      </a:rPr>
-                      <m:t>𝑠</m:t>
-                    </m:r>
-                    <m:r>
-                      <a:rPr lang="en-US" i="1" dirty="0" smtClean="0">
-                        <a:latin typeface="Cambria Math" panose="02040503050406030204" pitchFamily="18" charset="0"/>
-                      </a:rPr>
-                      <m:t>, </m:t>
-                    </m:r>
-                    <m:r>
-                      <a:rPr lang="en-US" i="1" dirty="0" smtClean="0">
-                        <a:latin typeface="Cambria Math" panose="02040503050406030204" pitchFamily="18" charset="0"/>
-                      </a:rPr>
-                      <m:t>𝑎</m:t>
-                    </m:r>
-                    <m:r>
-                      <a:rPr lang="en-US" i="1" dirty="0" smtClean="0">
-                        <a:latin typeface="Cambria Math" panose="02040503050406030204" pitchFamily="18" charset="0"/>
-                      </a:rPr>
-                      <m:t>).</m:t>
-                    </m:r>
+                    <m:d>
+                      <m:dPr>
+                        <m:ctrlPr>
+                          <a:rPr lang="en-US" i="1" dirty="0" smtClean="0">
+                            <a:latin typeface="Cambria Math" panose="02040503050406030204" pitchFamily="18" charset="0"/>
+                          </a:rPr>
+                        </m:ctrlPr>
+                      </m:dPr>
+                      <m:e>
+                        <m:r>
+                          <a:rPr lang="en-US" i="1" dirty="0" smtClean="0">
+                            <a:latin typeface="Cambria Math" panose="02040503050406030204" pitchFamily="18" charset="0"/>
+                          </a:rPr>
+                          <m:t>𝑠</m:t>
+                        </m:r>
+                        <m:r>
+                          <a:rPr lang="en-US" i="1" dirty="0" smtClean="0">
+                            <a:latin typeface="Cambria Math" panose="02040503050406030204" pitchFamily="18" charset="0"/>
+                          </a:rPr>
+                          <m:t>, </m:t>
+                        </m:r>
+                        <m:r>
+                          <a:rPr lang="en-US" i="1" dirty="0" smtClean="0">
+                            <a:latin typeface="Cambria Math" panose="02040503050406030204" pitchFamily="18" charset="0"/>
+                          </a:rPr>
+                          <m:t>𝑎</m:t>
+                        </m:r>
+                      </m:e>
+                    </m:d>
                   </m:oMath>
                 </a14:m>
                 <a:r>
                   <a:rPr lang="en-US" dirty="0"/>
-                  <a:t>  </a:t>
+                  <a:t> where </a:t>
                 </a:r>
-              </a:p>
-              <a:p>
+                <a14:m>
+                  <m:oMath xmlns:m="http://schemas.openxmlformats.org/officeDocument/2006/math">
+                    <m:r>
+                      <a:rPr lang="en-US" b="0" i="1" dirty="0" smtClean="0">
+                        <a:latin typeface="Cambria Math" panose="02040503050406030204" pitchFamily="18" charset="0"/>
+                      </a:rPr>
+                      <m:t>𝑈</m:t>
+                    </m:r>
+                    <m:d>
+                      <m:dPr>
+                        <m:ctrlPr>
+                          <a:rPr lang="en-US" b="0" i="1" dirty="0" smtClean="0">
+                            <a:latin typeface="Cambria Math" panose="02040503050406030204" pitchFamily="18" charset="0"/>
+                          </a:rPr>
+                        </m:ctrlPr>
+                      </m:dPr>
+                      <m:e>
+                        <m:r>
+                          <a:rPr lang="en-US" b="0" i="1" dirty="0" smtClean="0">
+                            <a:latin typeface="Cambria Math" panose="02040503050406030204" pitchFamily="18" charset="0"/>
+                          </a:rPr>
+                          <m:t>𝑠</m:t>
+                        </m:r>
+                      </m:e>
+                    </m:d>
+                    <m:r>
+                      <a:rPr lang="en-US" b="0" i="1" dirty="0" smtClean="0">
+                        <a:latin typeface="Cambria Math" panose="02040503050406030204" pitchFamily="18" charset="0"/>
+                      </a:rPr>
+                      <m:t>=</m:t>
+                    </m:r>
+                    <m:func>
+                      <m:funcPr>
+                        <m:ctrlPr>
+                          <a:rPr lang="en-US" b="0" i="1" dirty="0" smtClean="0">
+                            <a:latin typeface="Cambria Math" panose="02040503050406030204" pitchFamily="18" charset="0"/>
+                          </a:rPr>
+                        </m:ctrlPr>
+                      </m:funcPr>
+                      <m:fName>
+                        <m:limLow>
+                          <m:limLowPr>
+                            <m:ctrlPr>
+                              <a:rPr lang="en-US" b="0" i="1" dirty="0" smtClean="0">
+                                <a:latin typeface="Cambria Math" panose="02040503050406030204" pitchFamily="18" charset="0"/>
+                              </a:rPr>
+                            </m:ctrlPr>
+                          </m:limLowPr>
+                          <m:e>
+                            <m:r>
+                              <m:rPr>
+                                <m:sty m:val="p"/>
+                              </m:rPr>
+                              <a:rPr lang="en-US" b="0" i="0" dirty="0" smtClean="0">
+                                <a:latin typeface="Cambria Math" panose="02040503050406030204" pitchFamily="18" charset="0"/>
+                              </a:rPr>
+                              <m:t>max</m:t>
+                            </m:r>
+                          </m:e>
+                          <m:lim>
+                            <m:r>
+                              <a:rPr lang="en-US" b="0" i="1" dirty="0" smtClean="0">
+                                <a:latin typeface="Cambria Math" panose="02040503050406030204" pitchFamily="18" charset="0"/>
+                              </a:rPr>
+                              <m:t>𝑎</m:t>
+                            </m:r>
+                          </m:lim>
+                        </m:limLow>
+                      </m:fName>
+                      <m:e>
+                        <m:r>
+                          <a:rPr lang="en-US" i="1" dirty="0">
+                            <a:latin typeface="Cambria Math" panose="02040503050406030204" pitchFamily="18" charset="0"/>
+                          </a:rPr>
+                          <m:t>𝑄</m:t>
+                        </m:r>
+                        <m:d>
+                          <m:dPr>
+                            <m:ctrlPr>
+                              <a:rPr lang="en-US" i="1" dirty="0">
+                                <a:latin typeface="Cambria Math" panose="02040503050406030204" pitchFamily="18" charset="0"/>
+                              </a:rPr>
+                            </m:ctrlPr>
+                          </m:dPr>
+                          <m:e>
+                            <m:r>
+                              <a:rPr lang="en-US" i="1" dirty="0">
+                                <a:latin typeface="Cambria Math" panose="02040503050406030204" pitchFamily="18" charset="0"/>
+                              </a:rPr>
+                              <m:t>𝑠</m:t>
+                            </m:r>
+                            <m:r>
+                              <a:rPr lang="en-US" i="1" dirty="0">
+                                <a:latin typeface="Cambria Math" panose="02040503050406030204" pitchFamily="18" charset="0"/>
+                              </a:rPr>
+                              <m:t>, </m:t>
+                            </m:r>
+                            <m:r>
+                              <a:rPr lang="en-US" i="1" dirty="0">
+                                <a:latin typeface="Cambria Math" panose="02040503050406030204" pitchFamily="18" charset="0"/>
+                              </a:rPr>
+                              <m:t>𝑎</m:t>
+                            </m:r>
+                          </m:e>
+                        </m:d>
+                      </m:e>
+                    </m:func>
+                  </m:oMath>
+                </a14:m>
                 <a:r>
                   <a:rPr lang="en-US" dirty="0"/>
-                  <a:t>Relationship with the state value function:</a:t>
+                  <a:t>.</a:t>
                 </a:r>
-              </a:p>
-              <a:p>
-                <a:endParaRPr lang="en-US" dirty="0"/>
               </a:p>
               <a:p>
                 <a:endParaRPr lang="en-US" dirty="0"/>
@@ -6107,7 +6216,7 @@
               <a:blipFill>
                 <a:blip r:embed="rId2"/>
                 <a:stretch>
-                  <a:fillRect l="-870" t="-20000" b="-19231"/>
+                  <a:fillRect l="-1043" t="-17692" b="-20769"/>
                 </a:stretch>
               </a:blipFill>
             </p:spPr>
@@ -6128,10 +6237,10 @@
       </mc:AlternateContent>
       <p:pic>
         <p:nvPicPr>
-          <p:cNvPr id="5" name="Picture 4">
+          <p:cNvPr id="7" name="Picture 6">
             <a:extLst>
               <a:ext uri="{FF2B5EF4-FFF2-40B4-BE49-F238E27FC236}">
-                <a16:creationId xmlns:a16="http://schemas.microsoft.com/office/drawing/2014/main" id="{CBC9101C-785A-74DB-2B4A-2BEA90FF740D}"/>
+                <a16:creationId xmlns:a16="http://schemas.microsoft.com/office/drawing/2014/main" id="{C2AB3349-7E28-E758-7D0B-BABE9AD4BBE3}"/>
               </a:ext>
             </a:extLst>
           </p:cNvPr>
@@ -6148,46 +6257,16 @@
         </p:blipFill>
         <p:spPr>
           <a:xfrm>
-            <a:off x="7239000" y="1855505"/>
-            <a:ext cx="3444949" cy="846640"/>
+            <a:off x="603331" y="2243036"/>
+            <a:ext cx="11117472" cy="4452196"/>
           </a:xfrm>
           <a:prstGeom prst="rect">
             <a:avLst/>
           </a:prstGeom>
         </p:spPr>
       </p:pic>
-      <p:pic>
-        <p:nvPicPr>
-          <p:cNvPr id="7" name="Picture 6">
-            <a:extLst>
-              <a:ext uri="{FF2B5EF4-FFF2-40B4-BE49-F238E27FC236}">
-                <a16:creationId xmlns:a16="http://schemas.microsoft.com/office/drawing/2014/main" id="{C2AB3349-7E28-E758-7D0B-BABE9AD4BBE3}"/>
-              </a:ext>
-            </a:extLst>
-          </p:cNvPr>
-          <p:cNvPicPr>
-            <a:picLocks noChangeAspect="1"/>
-          </p:cNvPicPr>
-          <p:nvPr/>
-        </p:nvPicPr>
-        <p:blipFill>
-          <a:blip r:embed="rId4"/>
-          <a:stretch>
-            <a:fillRect/>
-          </a:stretch>
-        </p:blipFill>
-        <p:spPr>
-          <a:xfrm>
-            <a:off x="1066799" y="2773364"/>
-            <a:ext cx="9793203" cy="3921868"/>
-          </a:xfrm>
-          <a:prstGeom prst="rect">
-            <a:avLst/>
-          </a:prstGeom>
-        </p:spPr>
-      </p:pic>
-      <mc:AlternateContent xmlns:mc="http://schemas.openxmlformats.org/markup-compatibility/2006" xmlns:a14="http://schemas.microsoft.com/office/drawing/2010/main">
-        <mc:Choice Requires="a14">
+      <mc:AlternateContent xmlns:mc="http://schemas.openxmlformats.org/markup-compatibility/2006">
+        <mc:Choice xmlns:a14="http://schemas.microsoft.com/office/drawing/2010/main" Requires="a14">
           <p:sp>
             <p:nvSpPr>
               <p:cNvPr id="9" name="Speech Bubble: Rectangle with Corners Rounded 8">
@@ -6202,7 +6281,7 @@
             </p:nvSpPr>
             <p:spPr>
               <a:xfrm>
-                <a:off x="4419600" y="6172200"/>
+                <a:off x="4343400" y="6145192"/>
                 <a:ext cx="6172200" cy="523032"/>
               </a:xfrm>
               <a:prstGeom prst="wedgeRoundRectCallout">
@@ -6252,7 +6331,7 @@
             </p:txBody>
           </p:sp>
         </mc:Choice>
-        <mc:Fallback xmlns="">
+        <mc:Fallback>
           <p:sp>
             <p:nvSpPr>
               <p:cNvPr id="9" name="Speech Bubble: Rectangle with Corners Rounded 8">
@@ -6269,7 +6348,7 @@
             </p:nvSpPr>
             <p:spPr>
               <a:xfrm>
-                <a:off x="4419600" y="6172200"/>
+                <a:off x="4343400" y="6145192"/>
                 <a:ext cx="6172200" cy="523032"/>
               </a:xfrm>
               <a:prstGeom prst="wedgeRoundRectCallout">
@@ -6280,9 +6359,9 @@
                 </a:avLst>
               </a:prstGeom>
               <a:blipFill>
-                <a:blip r:embed="rId5"/>
+                <a:blip r:embed="rId4"/>
                 <a:stretch>
-                  <a:fillRect r="-493" b="-23810"/>
+                  <a:fillRect r="-493" b="-22642"/>
                 </a:stretch>
               </a:blipFill>
             </p:spPr>
@@ -6301,8 +6380,8 @@
           </p:sp>
         </mc:Fallback>
       </mc:AlternateContent>
-      <mc:AlternateContent xmlns:mc="http://schemas.openxmlformats.org/markup-compatibility/2006" xmlns:a14="http://schemas.microsoft.com/office/drawing/2010/main">
-        <mc:Choice Requires="a14">
+      <mc:AlternateContent xmlns:mc="http://schemas.openxmlformats.org/markup-compatibility/2006">
+        <mc:Choice xmlns:a14="http://schemas.microsoft.com/office/drawing/2010/main" Requires="a14">
           <p:sp>
             <p:nvSpPr>
               <p:cNvPr id="10" name="Speech Bubble: Rectangle with Corners Rounded 9">
@@ -6317,7 +6396,7 @@
             </p:nvSpPr>
             <p:spPr>
               <a:xfrm>
-                <a:off x="5638800" y="4544471"/>
+                <a:off x="6067063" y="4469134"/>
                 <a:ext cx="4953000" cy="523032"/>
               </a:xfrm>
               <a:prstGeom prst="wedgeRoundRectCallout">
@@ -6402,7 +6481,7 @@
             </p:txBody>
           </p:sp>
         </mc:Choice>
-        <mc:Fallback xmlns="">
+        <mc:Fallback>
           <p:sp>
             <p:nvSpPr>
               <p:cNvPr id="10" name="Speech Bubble: Rectangle with Corners Rounded 9">
@@ -6419,7 +6498,7 @@
             </p:nvSpPr>
             <p:spPr>
               <a:xfrm>
-                <a:off x="5638800" y="4544471"/>
+                <a:off x="6067063" y="4469134"/>
                 <a:ext cx="4953000" cy="523032"/>
               </a:xfrm>
               <a:prstGeom prst="wedgeRoundRectCallout">
@@ -6430,7 +6509,7 @@
                 </a:avLst>
               </a:prstGeom>
               <a:blipFill>
-                <a:blip r:embed="rId6"/>
+                <a:blip r:embed="rId5"/>
                 <a:stretch>
                   <a:fillRect t="-9396"/>
                 </a:stretch>
@@ -6529,13 +6608,13 @@
             </p:nvSpPr>
             <p:spPr>
               <a:xfrm>
-                <a:off x="838200" y="1563687"/>
-                <a:ext cx="10515600" cy="2398713"/>
+                <a:off x="838200" y="1343455"/>
+                <a:ext cx="10515600" cy="2618945"/>
               </a:xfrm>
             </p:spPr>
             <p:txBody>
               <a:bodyPr>
-                <a:normAutofit fontScale="55000" lnSpcReduction="20000"/>
+                <a:normAutofit fontScale="70000" lnSpcReduction="20000"/>
               </a:bodyPr>
               <a:lstStyle/>
               <a:p>
@@ -6574,7 +6653,7 @@
                 </a:r>
                 <a:r>
                   <a:rPr lang="en-US" dirty="0"/>
-                  <a:t>: Estimate the state value using a function approximator </a:t>
+                  <a:t>: Estimate the state value by learning a approximation function </a:t>
                 </a:r>
                 <a14:m>
                   <m:oMath xmlns:m="http://schemas.openxmlformats.org/officeDocument/2006/math">
@@ -6665,40 +6744,7 @@
                 </a14:m>
                 <a:r>
                   <a:rPr lang="en-US" dirty="0"/>
-                  <a:t> that learns </a:t>
-                </a:r>
-                <a14:m>
-                  <m:oMath xmlns:m="http://schemas.openxmlformats.org/officeDocument/2006/math">
-                    <m:sSub>
-                      <m:sSubPr>
-                        <m:ctrlPr>
-                          <a:rPr lang="en-US" b="0" i="1" smtClean="0">
-                            <a:latin typeface="Cambria Math" panose="02040503050406030204" pitchFamily="18" charset="0"/>
-                          </a:rPr>
-                        </m:ctrlPr>
-                      </m:sSubPr>
-                      <m:e>
-                        <m:r>
-                          <a:rPr lang="en-US" b="0" i="1" smtClean="0">
-                            <a:latin typeface="Cambria Math" panose="02040503050406030204" pitchFamily="18" charset="0"/>
-                          </a:rPr>
-                          <m:t>𝑔</m:t>
-                        </m:r>
-                      </m:e>
-                      <m:sub>
-                        <m:r>
-                          <a:rPr lang="en-US" b="0" i="1" smtClean="0">
-                            <a:latin typeface="Cambria Math" panose="02040503050406030204" pitchFamily="18" charset="0"/>
-                          </a:rPr>
-                          <m:t>𝑡h𝑒𝑡𝑎</m:t>
-                        </m:r>
-                      </m:sub>
-                    </m:sSub>
-                  </m:oMath>
-                </a14:m>
-                <a:r>
-                  <a:rPr lang="en-US" dirty="0"/>
-                  <a:t>based on features of </a:t>
+                  <a:t> based on features of </a:t>
                 </a:r>
                 <a14:m>
                   <m:oMath xmlns:m="http://schemas.openxmlformats.org/officeDocument/2006/math">
@@ -6714,9 +6760,6 @@
                   <a:rPr lang="en-US" dirty="0"/>
                   <a:t>.</a:t>
                 </a:r>
-              </a:p>
-              <a:p>
-                <a:endParaRPr lang="en-US" dirty="0"/>
               </a:p>
               <a:p>
                 <a:r>
@@ -6798,13 +6841,13 @@
             </p:nvSpPr>
             <p:spPr>
               <a:xfrm>
-                <a:off x="838200" y="1563687"/>
-                <a:ext cx="10515600" cy="2398713"/>
+                <a:off x="838200" y="1343455"/>
+                <a:ext cx="10515600" cy="2618945"/>
               </a:xfrm>
               <a:blipFill>
                 <a:blip r:embed="rId3"/>
                 <a:stretch>
-                  <a:fillRect l="-174" t="-3053"/>
+                  <a:fillRect l="-522" t="-4186" b="-3488"/>
                 </a:stretch>
               </a:blipFill>
             </p:spPr>
@@ -6853,8 +6896,8 @@
           </a:prstGeom>
         </p:spPr>
       </p:pic>
-      <mc:AlternateContent xmlns:mc="http://schemas.openxmlformats.org/markup-compatibility/2006">
-        <mc:Choice xmlns:a14="http://schemas.microsoft.com/office/drawing/2010/main" Requires="a14">
+      <mc:AlternateContent xmlns:mc="http://schemas.openxmlformats.org/markup-compatibility/2006" xmlns:a14="http://schemas.microsoft.com/office/drawing/2010/main">
+        <mc:Choice Requires="a14">
           <p:sp>
             <p:nvSpPr>
               <p:cNvPr id="8" name="TextBox 7">
@@ -6922,7 +6965,7 @@
             </p:txBody>
           </p:sp>
         </mc:Choice>
-        <mc:Fallback>
+        <mc:Fallback xmlns="">
           <p:sp>
             <p:nvSpPr>
               <p:cNvPr id="8" name="TextBox 7">
@@ -6967,8 +7010,8 @@
           </p:sp>
         </mc:Fallback>
       </mc:AlternateContent>
-      <mc:AlternateContent xmlns:mc="http://schemas.openxmlformats.org/markup-compatibility/2006">
-        <mc:Choice xmlns:a14="http://schemas.microsoft.com/office/drawing/2010/main" Requires="a14">
+      <mc:AlternateContent xmlns:mc="http://schemas.openxmlformats.org/markup-compatibility/2006" xmlns:a14="http://schemas.microsoft.com/office/drawing/2010/main">
+        <mc:Choice Requires="a14">
           <p:sp>
             <p:nvSpPr>
               <p:cNvPr id="9" name="Arrow: Right 8">
@@ -7066,7 +7109,7 @@
             </p:txBody>
           </p:sp>
         </mc:Choice>
-        <mc:Fallback>
+        <mc:Fallback xmlns="">
           <p:sp>
             <p:nvSpPr>
               <p:cNvPr id="9" name="Arrow: Right 8">
@@ -7114,8 +7157,8 @@
           </p:sp>
         </mc:Fallback>
       </mc:AlternateContent>
-      <mc:AlternateContent xmlns:mc="http://schemas.openxmlformats.org/markup-compatibility/2006">
-        <mc:Choice xmlns:a14="http://schemas.microsoft.com/office/drawing/2010/main" Requires="a14">
+      <mc:AlternateContent xmlns:mc="http://schemas.openxmlformats.org/markup-compatibility/2006" xmlns:a14="http://schemas.microsoft.com/office/drawing/2010/main">
+        <mc:Choice Requires="a14">
           <p:sp>
             <p:nvSpPr>
               <p:cNvPr id="11" name="TextBox 10">
@@ -7343,7 +7386,7 @@
             </p:txBody>
           </p:sp>
         </mc:Choice>
-        <mc:Fallback>
+        <mc:Fallback xmlns="">
           <p:sp>
             <p:nvSpPr>
               <p:cNvPr id="11" name="TextBox 10">
@@ -7428,7 +7471,7 @@
           <a:p>
             <a:r>
               <a:rPr lang="en-US" sz="1600" dirty="0"/>
-              <a:t>We can also approximate the state-value function Q.</a:t>
+              <a:t>We can also approximate the state-value function Q for Q-learning.</a:t>
             </a:r>
           </a:p>
           <a:p>
@@ -7662,7 +7705,7 @@
           <a:lstStyle/>
           <a:p>
             <a:r>
-              <a:rPr lang="en-US" sz="4000"/>
+              <a:rPr lang="en-US" sz="4000" dirty="0"/>
               <a:t>Summary</a:t>
             </a:r>
           </a:p>
@@ -7686,8 +7729,8 @@
         </p:nvSpPr>
         <p:spPr>
           <a:xfrm>
-            <a:off x="6115317" y="2743200"/>
-            <a:ext cx="5247340" cy="3496878"/>
+            <a:off x="6095999" y="2531178"/>
+            <a:ext cx="5484285" cy="4081643"/>
           </a:xfrm>
         </p:spPr>
         <p:txBody>
@@ -7697,66 +7740,60 @@
           <a:lstStyle/>
           <a:p>
             <a:r>
-              <a:rPr lang="en-US" sz="1600" dirty="0"/>
+              <a:rPr lang="en-US" sz="1800" dirty="0"/>
               <a:t>Agents can learn the value of being in a state from </a:t>
             </a:r>
             <a:r>
-              <a:rPr lang="en-US" sz="1600" b="1" dirty="0"/>
+              <a:rPr lang="en-US" sz="1800" b="1" dirty="0"/>
               <a:t>reward signals</a:t>
             </a:r>
             <a:r>
-              <a:rPr lang="en-US" sz="1600" dirty="0"/>
+              <a:rPr lang="en-US" sz="1800" dirty="0"/>
               <a:t>.</a:t>
             </a:r>
           </a:p>
           <a:p>
             <a:r>
-              <a:rPr lang="en-US" sz="1600" dirty="0"/>
+              <a:rPr lang="en-US" sz="1800" dirty="0"/>
               <a:t>Rewards can be delayed (e.g., at the end of a game).</a:t>
             </a:r>
           </a:p>
           <a:p>
             <a:r>
-              <a:rPr lang="en-US" sz="1600" dirty="0"/>
+              <a:rPr lang="en-US" sz="1800" dirty="0"/>
               <a:t>Not being able to fully </a:t>
             </a:r>
             <a:r>
-              <a:rPr lang="en-US" sz="1600" b="1" dirty="0"/>
+              <a:rPr lang="en-US" sz="1800" b="1" dirty="0"/>
               <a:t>observe the state </a:t>
             </a:r>
             <a:r>
-              <a:rPr lang="en-US" sz="1600" dirty="0"/>
+              <a:rPr lang="en-US" sz="1800" dirty="0"/>
               <a:t>makes the problem more difficult (POMDP).</a:t>
             </a:r>
           </a:p>
           <a:p>
             <a:r>
-              <a:rPr lang="en-US" sz="1600" b="1" dirty="0"/>
+              <a:rPr lang="en-US" sz="1800" b="1" dirty="0"/>
               <a:t>Unknown transition models </a:t>
             </a:r>
             <a:r>
-              <a:rPr lang="en-US" sz="1600" dirty="0"/>
+              <a:rPr lang="en-US" sz="1800" dirty="0"/>
               <a:t>lead to the need of exploration by trying actions (model free methods like Q-Learning).</a:t>
             </a:r>
           </a:p>
           <a:p>
             <a:r>
-              <a:rPr lang="en-US" sz="1600" dirty="0"/>
+              <a:rPr lang="en-US" sz="1800" dirty="0"/>
               <a:t>All these problems are computationally very expensive and often can only be solved by </a:t>
             </a:r>
             <a:r>
-              <a:rPr lang="en-US" sz="1600" b="1" dirty="0"/>
+              <a:rPr lang="en-US" sz="1800" b="1" dirty="0"/>
               <a:t>approximation</a:t>
             </a:r>
             <a:r>
-              <a:rPr lang="en-US" sz="1600" dirty="0"/>
-              <a:t>.</a:t>
-            </a:r>
-          </a:p>
-          <a:p>
-            <a:r>
-              <a:rPr lang="en-US" sz="1600" dirty="0"/>
-              <a:t>All functions (U, Q, etc.) can be approximated. State of the art is to use deep artificial neural networks. </a:t>
+              <a:rPr lang="en-US" sz="1800" dirty="0"/>
+              <a:t>. State of the art is to use deep artificial neural networks for function approximation. </a:t>
             </a:r>
           </a:p>
         </p:txBody>
@@ -8165,7 +8202,7 @@
             </a:r>
             <a:r>
               <a:rPr lang="en-US" dirty="0"/>
-              <a:t>: The agent’s utility depends on a sequence of decisions. </a:t>
+              <a:t>: The agent’s utility depends on a sequence of decisions spread out over time.</a:t>
             </a:r>
           </a:p>
           <a:p>
@@ -9230,8 +9267,8 @@
           </a:p>
         </p:txBody>
       </p:sp>
-      <mc:AlternateContent xmlns:mc="http://schemas.openxmlformats.org/markup-compatibility/2006" xmlns:a14="http://schemas.microsoft.com/office/drawing/2010/main">
-        <mc:Choice Requires="a14">
+      <mc:AlternateContent xmlns:mc="http://schemas.openxmlformats.org/markup-compatibility/2006">
+        <mc:Choice xmlns:a14="http://schemas.microsoft.com/office/drawing/2010/main" Requires="a14">
           <p:sp>
             <p:nvSpPr>
               <p:cNvPr id="24" name="TextBox 23">
@@ -9247,7 +9284,7 @@
             <p:spPr>
               <a:xfrm>
                 <a:off x="7264401" y="4369000"/>
-                <a:ext cx="4394199" cy="2162708"/>
+                <a:ext cx="4590859" cy="2162708"/>
               </a:xfrm>
               <a:prstGeom prst="rect">
                 <a:avLst/>
@@ -9275,7 +9312,7 @@
               <a:p>
                 <a:r>
                   <a:rPr lang="en-US" sz="2000" dirty="0"/>
-                  <a:t>Observation and reward depend on the state of the system and the agent wants to maximize (discounted) expected reward over time</a:t>
+                  <a:t>Observations and rewards depend on the state of the system and the agent wants to maximize (discounted) expected reward over time</a:t>
                 </a:r>
               </a:p>
               <a:p>
@@ -9409,7 +9446,7 @@
             </p:txBody>
           </p:sp>
         </mc:Choice>
-        <mc:Fallback xmlns="">
+        <mc:Fallback>
           <p:sp>
             <p:nvSpPr>
               <p:cNvPr id="24" name="TextBox 23">
@@ -9427,7 +9464,7 @@
             <p:spPr>
               <a:xfrm>
                 <a:off x="7264401" y="4369000"/>
-                <a:ext cx="4394199" cy="2162708"/>
+                <a:ext cx="4590859" cy="2162708"/>
               </a:xfrm>
               <a:prstGeom prst="rect">
                 <a:avLst/>
@@ -9435,7 +9472,7 @@
               <a:blipFill>
                 <a:blip r:embed="rId6"/>
                 <a:stretch>
-                  <a:fillRect l="-1381" t="-1401" r="-276"/>
+                  <a:fillRect l="-1323" t="-1401" r="-1984"/>
                 </a:stretch>
               </a:blipFill>
             </p:spPr>
@@ -9512,8 +9549,8 @@
           </a:p>
         </p:txBody>
       </p:sp>
-      <mc:AlternateContent xmlns:mc="http://schemas.openxmlformats.org/markup-compatibility/2006" xmlns:a14="http://schemas.microsoft.com/office/drawing/2010/main">
-        <mc:Choice Requires="a14">
+      <mc:AlternateContent xmlns:mc="http://schemas.openxmlformats.org/markup-compatibility/2006">
+        <mc:Choice xmlns:a14="http://schemas.microsoft.com/office/drawing/2010/main" Requires="a14">
           <p:sp>
             <p:nvSpPr>
               <p:cNvPr id="3" name="Content Placeholder 2">
@@ -9537,7 +9574,7 @@
               <a:p>
                 <a:r>
                   <a:rPr lang="en-US" dirty="0"/>
-                  <a:t>Fully observable environment: The agent’s observation is the state </a:t>
+                  <a:t>Models a fully observable environment: The agent’s observation is the state </a:t>
                 </a:r>
                 <a14:m>
                   <m:oMath xmlns:m="http://schemas.openxmlformats.org/officeDocument/2006/math">
@@ -9607,7 +9644,7 @@
               <a:p>
                 <a:r>
                   <a:rPr lang="en-US" dirty="0"/>
-                  <a:t>A MDP defines a sequential decision problem with</a:t>
+                  <a:t>An MDP defines a sequential decision problem with</a:t>
                 </a:r>
               </a:p>
               <a:p>
@@ -9668,7 +9705,7 @@
                 <a:pPr lvl="1"/>
                 <a:r>
                   <a:rPr lang="en-US" dirty="0"/>
-                  <a:t>a set actions </a:t>
+                  <a:t>a set of available actions </a:t>
                 </a:r>
                 <a14:m>
                   <m:oMath xmlns:m="http://schemas.openxmlformats.org/officeDocument/2006/math">
@@ -9712,10 +9749,7 @@
                     </m:r>
                   </m:oMath>
                 </a14:m>
-                <a:r>
-                  <a:rPr lang="en-US" dirty="0"/>
-                  <a:t> of actions</a:t>
-                </a:r>
+                <a:endParaRPr lang="en-US" dirty="0"/>
               </a:p>
               <a:p>
                 <a:pPr lvl="1"/>
@@ -9861,7 +9895,10 @@
                     </m:r>
                   </m:oMath>
                 </a14:m>
-                <a:endParaRPr lang="en-US" dirty="0"/>
+                <a:r>
+                  <a:rPr lang="en-US" dirty="0"/>
+                  <a:t> where the reward depends on the current state.</a:t>
+                </a:r>
               </a:p>
               <a:p>
                 <a:pPr lvl="1"/>
@@ -9953,7 +9990,7 @@
             </p:txBody>
           </p:sp>
         </mc:Choice>
-        <mc:Fallback xmlns="">
+        <mc:Fallback>
           <p:sp>
             <p:nvSpPr>
               <p:cNvPr id="3" name="Content Placeholder 2">
@@ -10497,8 +10534,8 @@
             </p:sp>
           </mc:Fallback>
         </mc:AlternateContent>
-        <mc:AlternateContent xmlns:mc="http://schemas.openxmlformats.org/markup-compatibility/2006" xmlns:a14="http://schemas.microsoft.com/office/drawing/2010/main">
-          <mc:Choice Requires="a14">
+        <mc:AlternateContent xmlns:mc="http://schemas.openxmlformats.org/markup-compatibility/2006">
+          <mc:Choice xmlns:a14="http://schemas.microsoft.com/office/drawing/2010/main" Requires="a14">
             <p:sp>
               <p:nvSpPr>
                 <p:cNvPr id="14" name="Speech Bubble: Rectangle with Corners Rounded 13">
@@ -10513,13 +10550,13 @@
               </p:nvSpPr>
               <p:spPr>
                 <a:xfrm>
-                  <a:off x="648184" y="4053681"/>
-                  <a:ext cx="1600200" cy="720726"/>
+                  <a:off x="648184" y="3429000"/>
+                  <a:ext cx="1600200" cy="1345407"/>
                 </a:xfrm>
                 <a:prstGeom prst="wedgeRoundRectCallout">
                   <a:avLst>
-                    <a:gd name="adj1" fmla="val 71030"/>
-                    <a:gd name="adj2" fmla="val -29041"/>
+                    <a:gd name="adj1" fmla="val 80433"/>
+                    <a:gd name="adj2" fmla="val 7092"/>
                     <a:gd name="adj3" fmla="val 16667"/>
                   </a:avLst>
                 </a:prstGeom>
@@ -10561,13 +10598,13 @@
                   </a14:m>
                   <a:r>
                     <a:rPr lang="en-US" dirty="0"/>
-                    <a:t> are squares</a:t>
+                    <a:t> are squares. START is the initial state</a:t>
                   </a:r>
                 </a:p>
               </p:txBody>
             </p:sp>
           </mc:Choice>
-          <mc:Fallback xmlns="">
+          <mc:Fallback>
             <p:sp>
               <p:nvSpPr>
                 <p:cNvPr id="14" name="Speech Bubble: Rectangle with Corners Rounded 13">
@@ -10584,20 +10621,20 @@
               </p:nvSpPr>
               <p:spPr>
                 <a:xfrm>
-                  <a:off x="648184" y="4053681"/>
-                  <a:ext cx="1600200" cy="720726"/>
+                  <a:off x="648184" y="3429000"/>
+                  <a:ext cx="1600200" cy="1345407"/>
                 </a:xfrm>
                 <a:prstGeom prst="wedgeRoundRectCallout">
                   <a:avLst>
-                    <a:gd name="adj1" fmla="val 71030"/>
-                    <a:gd name="adj2" fmla="val -29041"/>
+                    <a:gd name="adj1" fmla="val 80433"/>
+                    <a:gd name="adj2" fmla="val 7092"/>
                     <a:gd name="adj3" fmla="val 16667"/>
                   </a:avLst>
                 </a:prstGeom>
                 <a:blipFill>
                   <a:blip r:embed="rId6"/>
                   <a:stretch>
-                    <a:fillRect b="-7500"/>
+                    <a:fillRect b="-901"/>
                   </a:stretch>
                 </a:blipFill>
               </p:spPr>
@@ -11698,7 +11735,7 @@
         </p:nvSpPr>
         <p:spPr>
           <a:xfrm>
-            <a:off x="1214873" y="5599969"/>
+            <a:off x="1173866" y="5857874"/>
             <a:ext cx="9762254" cy="400110"/>
           </a:xfrm>
           <a:prstGeom prst="rect">
@@ -11719,6 +11756,86 @@
           </a:p>
         </p:txBody>
       </p:sp>
+      <p:sp>
+        <p:nvSpPr>
+          <p:cNvPr id="3" name="Speech Bubble: Rectangle with Corners Rounded 2">
+            <a:extLst>
+              <a:ext uri="{FF2B5EF4-FFF2-40B4-BE49-F238E27FC236}">
+                <a16:creationId xmlns:a16="http://schemas.microsoft.com/office/drawing/2014/main" id="{B5C7546A-738F-A235-D50D-7D2ABEC84806}"/>
+              </a:ext>
+            </a:extLst>
+          </p:cNvPr>
+          <p:cNvSpPr/>
+          <p:nvPr/>
+        </p:nvSpPr>
+        <p:spPr>
+          <a:xfrm>
+            <a:off x="1909777" y="5016007"/>
+            <a:ext cx="3919526" cy="610789"/>
+          </a:xfrm>
+          <a:prstGeom prst="wedgeRoundRectCallout">
+            <a:avLst>
+              <a:gd name="adj1" fmla="val -12447"/>
+              <a:gd name="adj2" fmla="val -143655"/>
+              <a:gd name="adj3" fmla="val 16667"/>
+            </a:avLst>
+          </a:prstGeom>
+        </p:spPr>
+        <p:style>
+          <a:lnRef idx="3">
+            <a:schemeClr val="lt1"/>
+          </a:lnRef>
+          <a:fillRef idx="1">
+            <a:schemeClr val="accent2"/>
+          </a:fillRef>
+          <a:effectRef idx="1">
+            <a:schemeClr val="accent2"/>
+          </a:effectRef>
+          <a:fontRef idx="minor">
+            <a:schemeClr val="lt1"/>
+          </a:fontRef>
+        </p:style>
+        <p:txBody>
+          <a:bodyPr rtlCol="0" anchor="ctr"/>
+          <a:lstStyle/>
+          <a:p>
+            <a:pPr algn="ctr"/>
+            <a:r>
+              <a:rPr lang="en-US" dirty="0"/>
+              <a:t>Why is it optimal to walk away from the +1 square?</a:t>
+            </a:r>
+          </a:p>
+        </p:txBody>
+      </p:sp>
+      <p:pic>
+        <p:nvPicPr>
+          <p:cNvPr id="6" name="Picture 5">
+            <a:extLst>
+              <a:ext uri="{FF2B5EF4-FFF2-40B4-BE49-F238E27FC236}">
+                <a16:creationId xmlns:a16="http://schemas.microsoft.com/office/drawing/2014/main" id="{B424C420-03DB-6564-0BFF-2FF483E83EA8}"/>
+              </a:ext>
+            </a:extLst>
+          </p:cNvPr>
+          <p:cNvPicPr>
+            <a:picLocks noChangeAspect="1"/>
+          </p:cNvPicPr>
+          <p:nvPr/>
+        </p:nvPicPr>
+        <p:blipFill rotWithShape="1">
+          <a:blip r:embed="rId7"/>
+          <a:srcRect l="60114" t="12257" r="21331" b="58249"/>
+          <a:stretch/>
+        </p:blipFill>
+        <p:spPr>
+          <a:xfrm>
+            <a:off x="10171732" y="365125"/>
+            <a:ext cx="1528775" cy="1219200"/>
+          </a:xfrm>
+          <a:prstGeom prst="rect">
+            <a:avLst/>
+          </a:prstGeom>
+        </p:spPr>
+      </p:pic>
     </p:spTree>
     <p:extLst>
       <p:ext uri="{BB962C8B-B14F-4D97-AF65-F5344CB8AC3E}">
@@ -11772,7 +11889,7 @@
           <a:p>
             <a:r>
               <a:rPr lang="en-US" dirty="0"/>
-              <a:t>Value Iteration</a:t>
+              <a:t>Value Iteration: Estimate the Value function</a:t>
             </a:r>
           </a:p>
         </p:txBody>
@@ -11821,13 +11938,13 @@
         </p:nvSpPr>
         <p:spPr>
           <a:xfrm>
-            <a:off x="8686800" y="4191000"/>
-            <a:ext cx="2057400" cy="381000"/>
+            <a:off x="8229600" y="3611065"/>
+            <a:ext cx="2904175" cy="1570536"/>
           </a:xfrm>
           <a:prstGeom prst="wedgeRoundRectCallout">
             <a:avLst>
-              <a:gd name="adj1" fmla="val -111410"/>
-              <a:gd name="adj2" fmla="val 68576"/>
+              <a:gd name="adj1" fmla="val -78352"/>
+              <a:gd name="adj2" fmla="val 20137"/>
               <a:gd name="adj3" fmla="val 16667"/>
             </a:avLst>
           </a:prstGeom>
@@ -11854,14 +11971,18 @@
           <a:p>
             <a:pPr algn="ctr"/>
             <a:r>
+              <a:rPr lang="en-US" b="1" dirty="0"/>
+              <a:t>Bellman update: </a:t>
+            </a:r>
+            <a:r>
               <a:rPr lang="en-US" dirty="0"/>
-              <a:t>Bellman update</a:t>
+              <a:t>Update a state with the reward + the expected utility of the state reached with the best action</a:t>
             </a:r>
           </a:p>
         </p:txBody>
       </p:sp>
-      <mc:AlternateContent xmlns:mc="http://schemas.openxmlformats.org/markup-compatibility/2006" xmlns:a14="http://schemas.microsoft.com/office/drawing/2010/main">
-        <mc:Choice Requires="a14">
+      <mc:AlternateContent xmlns:mc="http://schemas.openxmlformats.org/markup-compatibility/2006">
+        <mc:Choice xmlns:a14="http://schemas.microsoft.com/office/drawing/2010/main" Requires="a14">
           <p:sp>
             <p:nvSpPr>
               <p:cNvPr id="7" name="TextBox 6">
@@ -11876,8 +11997,8 @@
             </p:nvSpPr>
             <p:spPr>
               <a:xfrm>
-                <a:off x="8779186" y="5751131"/>
-                <a:ext cx="2193614" cy="421782"/>
+                <a:off x="8574284" y="5486400"/>
+                <a:ext cx="2474716" cy="729559"/>
               </a:xfrm>
               <a:prstGeom prst="rect">
                 <a:avLst/>
@@ -11968,12 +12089,52 @@
                     </m:sSup>
                   </m:oMath>
                 </a14:m>
+                <a:r>
+                  <a:rPr lang="en-US" sz="2000" dirty="0"/>
+                  <a:t> </a:t>
+                </a:r>
+                <a:br>
+                  <a:rPr lang="en-US" sz="2000" dirty="0"/>
+                </a:br>
+                <a:r>
+                  <a:rPr lang="en-US" sz="2000" dirty="0"/>
+                  <a:t>and we can extract </a:t>
+                </a:r>
+                <a14:m>
+                  <m:oMath xmlns:m="http://schemas.openxmlformats.org/officeDocument/2006/math">
+                    <m:sSup>
+                      <m:sSupPr>
+                        <m:ctrlPr>
+                          <a:rPr lang="en-US" sz="2000" b="0" i="1" smtClean="0">
+                            <a:latin typeface="Cambria Math" panose="02040503050406030204" pitchFamily="18" charset="0"/>
+                          </a:rPr>
+                        </m:ctrlPr>
+                      </m:sSupPr>
+                      <m:e>
+                        <m:r>
+                          <a:rPr lang="en-US" sz="2000" b="0" i="1" smtClean="0">
+                            <a:latin typeface="Cambria Math" panose="02040503050406030204" pitchFamily="18" charset="0"/>
+                          </a:rPr>
+                          <m:t>𝜋</m:t>
+                        </m:r>
+                      </m:e>
+                      <m:sup>
+                        <m:r>
+                          <a:rPr lang="en-US" sz="2000" b="0" i="1" smtClean="0">
+                            <a:latin typeface="Cambria Math" panose="02040503050406030204" pitchFamily="18" charset="0"/>
+                          </a:rPr>
+                          <m:t>∗</m:t>
+                        </m:r>
+                      </m:sup>
+                    </m:sSup>
+                  </m:oMath>
+                </a14:m>
                 <a:endParaRPr lang="en-US" sz="2000" dirty="0"/>
               </a:p>
             </p:txBody>
           </p:sp>
         </mc:Choice>
-        <mc:Fallback xmlns="">
+        <mc:Fallback>
           <p:sp>
             <p:nvSpPr>
               <p:cNvPr id="7" name="TextBox 6">
@@ -11990,8 +12151,8 @@
             </p:nvSpPr>
             <p:spPr>
               <a:xfrm>
-                <a:off x="8779186" y="5751131"/>
-                <a:ext cx="2193614" cy="421782"/>
+                <a:off x="8574284" y="5486400"/>
+                <a:ext cx="2474716" cy="729559"/>
               </a:xfrm>
               <a:prstGeom prst="rect">
                 <a:avLst/>
@@ -11999,7 +12160,7 @@
               <a:blipFill>
                 <a:blip r:embed="rId3"/>
                 <a:stretch>
-                  <a:fillRect b="-22222"/>
+                  <a:fillRect l="-1961" b="-13115"/>
                 </a:stretch>
               </a:blipFill>
             </p:spPr>
@@ -12071,7 +12232,7 @@
           <a:p>
             <a:r>
               <a:rPr lang="en-US" dirty="0"/>
-              <a:t>Policy Iteration</a:t>
+              <a:t>Policy Iteration: Learn the optimal policy</a:t>
             </a:r>
           </a:p>
         </p:txBody>
@@ -12253,8 +12414,8 @@
           </a:p>
         </p:txBody>
       </p:sp>
-      <mc:AlternateContent xmlns:mc="http://schemas.openxmlformats.org/markup-compatibility/2006" xmlns:a14="http://schemas.microsoft.com/office/drawing/2010/main">
-        <mc:Choice Requires="a14">
+      <mc:AlternateContent xmlns:mc="http://schemas.openxmlformats.org/markup-compatibility/2006">
+        <mc:Choice xmlns:a14="http://schemas.microsoft.com/office/drawing/2010/main" Requires="a14">
           <p:sp>
             <p:nvSpPr>
               <p:cNvPr id="9" name="TextBox 8">
@@ -12269,8 +12430,8 @@
             </p:nvSpPr>
             <p:spPr>
               <a:xfrm>
-                <a:off x="8339418" y="5598817"/>
-                <a:ext cx="2498441" cy="729559"/>
+                <a:off x="7929865" y="5614896"/>
+                <a:ext cx="2885470" cy="729559"/>
               </a:xfrm>
               <a:prstGeom prst="rect">
                 <a:avLst/>
@@ -12302,10 +12463,10 @@
                 <a14:m>
                   <m:oMath xmlns:m="http://schemas.openxmlformats.org/officeDocument/2006/math">
                     <m:r>
-                      <a:rPr lang="en-US" sz="2000" i="1" dirty="0" smtClean="0">
+                      <a:rPr lang="en-US" sz="2000" b="0" i="1" smtClean="0">
                         <a:latin typeface="Cambria Math" panose="02040503050406030204" pitchFamily="18" charset="0"/>
                       </a:rPr>
-                      <m:t>𝑈</m:t>
+                      <m:t>𝜋</m:t>
                     </m:r>
                   </m:oMath>
                 </a14:m>
@@ -12315,6 +12476,89 @@
                 </a:r>
                 <a14:m>
                   <m:oMath xmlns:m="http://schemas.openxmlformats.org/officeDocument/2006/math">
+                    <m:sSup>
+                      <m:sSupPr>
+                        <m:ctrlPr>
+                          <a:rPr lang="en-US" sz="2000" b="0" i="1" smtClean="0">
+                            <a:latin typeface="Cambria Math" panose="02040503050406030204" pitchFamily="18" charset="0"/>
+                          </a:rPr>
+                        </m:ctrlPr>
+                      </m:sSupPr>
+                      <m:e>
+                        <m:r>
+                          <a:rPr lang="en-US" sz="2000" b="0" i="1" smtClean="0">
+                            <a:latin typeface="Cambria Math" panose="02040503050406030204" pitchFamily="18" charset="0"/>
+                          </a:rPr>
+                          <m:t>𝜋</m:t>
+                        </m:r>
+                      </m:e>
+                      <m:sup>
+                        <m:r>
+                          <a:rPr lang="en-US" sz="2000" b="0" i="1" smtClean="0">
+                            <a:latin typeface="Cambria Math" panose="02040503050406030204" pitchFamily="18" charset="0"/>
+                          </a:rPr>
+                          <m:t>∗</m:t>
+                        </m:r>
+                      </m:sup>
+                    </m:sSup>
+                  </m:oMath>
+                </a14:m>
+                <a:br>
+                  <a:rPr lang="en-US" sz="2000" dirty="0"/>
+                </a:br>
+                <a:r>
+                  <a:rPr lang="en-US" sz="2000" dirty="0"/>
+                  <a:t>(and </a:t>
+                </a:r>
+                <a14:m>
+                  <m:oMath xmlns:m="http://schemas.openxmlformats.org/officeDocument/2006/math">
+                    <m:r>
+                      <a:rPr lang="en-US" sz="2000" b="0" i="1" smtClean="0">
+                        <a:latin typeface="Cambria Math" panose="02040503050406030204" pitchFamily="18" charset="0"/>
+                      </a:rPr>
+                      <m:t> </m:t>
+                    </m:r>
+                    <m:r>
+                      <a:rPr lang="en-US" sz="2000" i="1" dirty="0">
+                        <a:latin typeface="Cambria Math" panose="02040503050406030204" pitchFamily="18" charset="0"/>
+                      </a:rPr>
+                      <m:t>𝑈</m:t>
+                    </m:r>
+                    <m:r>
+                      <m:rPr>
+                        <m:nor/>
+                      </m:rPr>
+                      <a:rPr lang="en-US" sz="2000" dirty="0"/>
+                      <m:t> </m:t>
+                    </m:r>
+                    <m:r>
+                      <m:rPr>
+                        <m:nor/>
+                      </m:rPr>
+                      <a:rPr lang="en-US" sz="2000" dirty="0"/>
+                      <m:t>converges</m:t>
+                    </m:r>
+                    <m:r>
+                      <m:rPr>
+                        <m:nor/>
+                      </m:rPr>
+                      <a:rPr lang="en-US" sz="2000" dirty="0"/>
+                      <m:t> </m:t>
+                    </m:r>
+                    <m:r>
+                      <m:rPr>
+                        <m:nor/>
+                      </m:rPr>
+                      <a:rPr lang="en-US" sz="2000" dirty="0"/>
+                      <m:t>to</m:t>
+                    </m:r>
+                    <m:r>
+                      <m:rPr>
+                        <m:nor/>
+                      </m:rPr>
+                      <a:rPr lang="en-US" sz="2000" dirty="0"/>
+                      <m:t> </m:t>
+                    </m:r>
                     <m:sSup>
                       <m:sSupPr>
                         <m:ctrlPr>
@@ -12361,63 +12605,15 @@
                     </m:sSup>
                   </m:oMath>
                 </a14:m>
-                <a:endParaRPr lang="en-US" sz="2000" dirty="0"/>
-              </a:p>
-              <a:p>
-                <a:pPr algn="ctr"/>
                 <a:r>
                   <a:rPr lang="en-US" sz="2000" dirty="0"/>
-                  <a:t>and </a:t>
+                  <a:t>)</a:t>
                 </a:r>
-                <a14:m>
-                  <m:oMath xmlns:m="http://schemas.openxmlformats.org/officeDocument/2006/math">
-                    <m:r>
-                      <a:rPr lang="en-US" sz="2000" b="0" i="1" smtClean="0">
-                        <a:latin typeface="Cambria Math" panose="02040503050406030204" pitchFamily="18" charset="0"/>
-                      </a:rPr>
-                      <m:t>𝜋</m:t>
-                    </m:r>
-                  </m:oMath>
-                </a14:m>
-                <a:r>
-                  <a:rPr lang="en-US" sz="2000" dirty="0"/>
-                  <a:t> converges to </a:t>
-                </a:r>
-                <a14:m>
-                  <m:oMath xmlns:m="http://schemas.openxmlformats.org/officeDocument/2006/math">
-                    <m:sSup>
-                      <m:sSupPr>
-                        <m:ctrlPr>
-                          <a:rPr lang="en-US" sz="2000" b="0" i="1" smtClean="0">
-                            <a:latin typeface="Cambria Math" panose="02040503050406030204" pitchFamily="18" charset="0"/>
-                          </a:rPr>
-                        </m:ctrlPr>
-                      </m:sSupPr>
-                      <m:e>
-                        <m:r>
-                          <a:rPr lang="en-US" sz="2000" b="0" i="1" smtClean="0">
-                            <a:latin typeface="Cambria Math" panose="02040503050406030204" pitchFamily="18" charset="0"/>
-                          </a:rPr>
-                          <m:t>𝜋</m:t>
-                        </m:r>
-                      </m:e>
-                      <m:sup>
-                        <m:r>
-                          <a:rPr lang="en-US" sz="2000" b="0" i="1" smtClean="0">
-                            <a:latin typeface="Cambria Math" panose="02040503050406030204" pitchFamily="18" charset="0"/>
-                          </a:rPr>
-                          <m:t>∗</m:t>
-                        </m:r>
-                      </m:sup>
-                    </m:sSup>
-                  </m:oMath>
-                </a14:m>
-                <a:endParaRPr lang="en-US" sz="2000" dirty="0"/>
               </a:p>
             </p:txBody>
           </p:sp>
         </mc:Choice>
-        <mc:Fallback xmlns="">
+        <mc:Fallback>
           <p:sp>
             <p:nvSpPr>
               <p:cNvPr id="9" name="TextBox 8">
@@ -12434,8 +12630,8 @@
             </p:nvSpPr>
             <p:spPr>
               <a:xfrm>
-                <a:off x="8339418" y="5598817"/>
-                <a:ext cx="2498441" cy="729559"/>
+                <a:off x="7929865" y="5614896"/>
+                <a:ext cx="2885470" cy="729559"/>
               </a:xfrm>
               <a:prstGeom prst="rect">
                 <a:avLst/>
@@ -12443,7 +12639,7 @@
               <a:blipFill>
                 <a:blip r:embed="rId3"/>
                 <a:stretch>
-                  <a:fillRect l="-1699" b="-13115"/>
+                  <a:fillRect l="-1684" t="-3279" r="-1474" b="-13115"/>
                 </a:stretch>
               </a:blipFill>
             </p:spPr>
@@ -12522,8 +12718,8 @@
           </a:p>
         </p:txBody>
       </p:sp>
-      <mc:AlternateContent xmlns:mc="http://schemas.openxmlformats.org/markup-compatibility/2006" xmlns:a14="http://schemas.microsoft.com/office/drawing/2010/main">
-        <mc:Choice Requires="a14">
+      <mc:AlternateContent xmlns:mc="http://schemas.openxmlformats.org/markup-compatibility/2006">
+        <mc:Choice xmlns:a14="http://schemas.microsoft.com/office/drawing/2010/main" Requires="a14">
           <p:sp>
             <p:nvSpPr>
               <p:cNvPr id="4" name="Content Placeholder 3">
@@ -12543,20 +12739,24 @@
             <p:spPr/>
             <p:txBody>
               <a:bodyPr>
-                <a:normAutofit fontScale="85000" lnSpcReduction="10000"/>
+                <a:normAutofit fontScale="77500" lnSpcReduction="20000"/>
               </a:bodyPr>
               <a:lstStyle/>
               <a:p>
                 <a:r>
                   <a:rPr lang="en-US" dirty="0"/>
-                  <a:t>If the environment is partially observable then the model is expanded by</a:t>
+                  <a:t>If the environment is partially observable, then the model is expanded by</a:t>
                 </a:r>
               </a:p>
               <a:p>
                 <a:pPr lvl="1"/>
                 <a:r>
                   <a:rPr lang="en-US" dirty="0"/>
-                  <a:t>a sensor model </a:t>
+                  <a:t>a </a:t>
+                </a:r>
+                <a:r>
+                  <a:rPr lang="en-US" b="1" dirty="0"/>
+                  <a:t>sensor model </a:t>
                 </a:r>
                 <a14:m>
                   <m:oMath xmlns:m="http://schemas.openxmlformats.org/officeDocument/2006/math">
@@ -12638,7 +12838,7 @@
               <a:p>
                 <a:r>
                   <a:rPr lang="en-US" dirty="0"/>
-                  <a:t>This makes things a lot more complicated and we have to work with </a:t>
+                  <a:t>This makes things a lot more complicated, and we have to work with </a:t>
                 </a:r>
                 <a:r>
                   <a:rPr lang="en-US" b="1" dirty="0"/>
@@ -12667,13 +12867,19 @@
                       <a:rPr lang="en-US" i="1" dirty="0" smtClean="0">
                         <a:latin typeface="Cambria Math" panose="02040503050406030204" pitchFamily="18" charset="0"/>
                       </a:rPr>
-                      <m:t> = &lt;.2, .8, 0&gt;</m:t>
+                      <m:t> =(.2,</m:t>
+                    </m:r>
+                    <m:r>
+                      <a:rPr lang="en-US" i="1" dirty="0" smtClean="0">
+                        <a:latin typeface="Cambria Math" panose="02040503050406030204" pitchFamily="18" charset="0"/>
+                      </a:rPr>
+                      <m:t> .8, 0)</m:t>
                     </m:r>
                   </m:oMath>
                 </a14:m>
                 <a:r>
                   <a:rPr lang="en-US" dirty="0"/>
-                  <a:t> means the agent beliefs that is 20% in state 1 and 80% in state 2.</a:t>
+                  <a:t> means the agent beliefs that it is 20% in state 1 and 80% in state 2 but not in state 3.</a:t>
                 </a:r>
               </a:p>
               <a:p>
@@ -12682,21 +12888,21 @@
               <a:p>
                 <a:r>
                   <a:rPr lang="en-US" dirty="0"/>
-                  <a:t>This leads to a </a:t>
+                  <a:t>An MDP that uses belief states is called a </a:t>
                 </a:r>
                 <a:r>
                   <a:rPr lang="en-US" b="1" dirty="0"/>
-                  <a:t>belief MDP </a:t>
+                  <a:t>belief MDP</a:t>
                 </a:r>
                 <a:r>
                   <a:rPr lang="en-US" dirty="0"/>
-                  <a:t>that has an infinite number of states (the belief states).</a:t>
+                  <a:t>. Issue: belief states are continuous, and the number of different belief states is infinite.</a:t>
                 </a:r>
               </a:p>
               <a:p>
                 <a:r>
                   <a:rPr lang="en-US" dirty="0"/>
-                  <a:t>The solution of a POMDP is a policy with the optimal action for a set of belief states. </a:t>
+                  <a:t>The solution of a POMDP is a policy with the optimal actions for sets of belief states (i.e., ranges of belief). </a:t>
                 </a:r>
               </a:p>
               <a:p>
@@ -12706,17 +12912,17 @@
                 </a:r>
                 <a:r>
                   <a:rPr lang="en-US" b="1" dirty="0"/>
-                  <a:t>approximately</a:t>
+                  <a:t>approximately </a:t>
                 </a:r>
                 <a:r>
                   <a:rPr lang="en-US" dirty="0"/>
-                  <a:t>. </a:t>
+                  <a:t>(e.g., by grid-based methods).</a:t>
                 </a:r>
               </a:p>
             </p:txBody>
           </p:sp>
         </mc:Choice>
-        <mc:Fallback xmlns="">
+        <mc:Fallback>
           <p:sp>
             <p:nvSpPr>
               <p:cNvPr id="4" name="Content Placeholder 3">
@@ -12737,7 +12943,7 @@
               <a:blipFill>
                 <a:blip r:embed="rId2"/>
                 <a:stretch>
-                  <a:fillRect l="-812" t="-2661" r="-870" b="-1401"/>
+                  <a:fillRect l="-696" t="-2801" r="-464"/>
                 </a:stretch>
               </a:blipFill>
             </p:spPr>

--- a/slides/22_Reinforcement_Learning.pptx
+++ b/slides/22_Reinforcement_Learning.pptx
@@ -5,31 +5,32 @@
     <p:sldMasterId id="2147483769" r:id="rId1"/>
   </p:sldMasterIdLst>
   <p:notesMasterIdLst>
-    <p:notesMasterId r:id="rId16"/>
+    <p:notesMasterId r:id="rId17"/>
   </p:notesMasterIdLst>
   <p:handoutMasterIdLst>
-    <p:handoutMasterId r:id="rId17"/>
+    <p:handoutMasterId r:id="rId18"/>
   </p:handoutMasterIdLst>
   <p:sldIdLst>
     <p:sldId id="455" r:id="rId2"/>
     <p:sldId id="466" r:id="rId3"/>
     <p:sldId id="456" r:id="rId4"/>
-    <p:sldId id="457" r:id="rId5"/>
+    <p:sldId id="469" r:id="rId5"/>
     <p:sldId id="458" r:id="rId6"/>
-    <p:sldId id="459" r:id="rId7"/>
-    <p:sldId id="460" r:id="rId8"/>
-    <p:sldId id="461" r:id="rId9"/>
-    <p:sldId id="462" r:id="rId10"/>
-    <p:sldId id="467" r:id="rId11"/>
-    <p:sldId id="463" r:id="rId12"/>
-    <p:sldId id="464" r:id="rId13"/>
-    <p:sldId id="468" r:id="rId14"/>
-    <p:sldId id="465" r:id="rId15"/>
+    <p:sldId id="457" r:id="rId7"/>
+    <p:sldId id="459" r:id="rId8"/>
+    <p:sldId id="460" r:id="rId9"/>
+    <p:sldId id="461" r:id="rId10"/>
+    <p:sldId id="462" r:id="rId11"/>
+    <p:sldId id="467" r:id="rId12"/>
+    <p:sldId id="463" r:id="rId13"/>
+    <p:sldId id="464" r:id="rId14"/>
+    <p:sldId id="468" r:id="rId15"/>
+    <p:sldId id="465" r:id="rId16"/>
   </p:sldIdLst>
   <p:sldSz cx="12192000" cy="6858000"/>
   <p:notesSz cx="7099300" cy="10234613"/>
   <p:custDataLst>
-    <p:tags r:id="rId18"/>
+    <p:tags r:id="rId19"/>
   </p:custDataLst>
   <p:defaultTextStyle>
     <a:defPPr>
@@ -134,8 +135,9 @@
             <p14:sldId id="455"/>
             <p14:sldId id="466"/>
             <p14:sldId id="456"/>
+            <p14:sldId id="469"/>
+            <p14:sldId id="458"/>
             <p14:sldId id="457"/>
-            <p14:sldId id="458"/>
             <p14:sldId id="459"/>
             <p14:sldId id="460"/>
             <p14:sldId id="461"/>
@@ -1042,7 +1044,7 @@
     </p:spTree>
     <p:extLst>
       <p:ext uri="{BB962C8B-B14F-4D97-AF65-F5344CB8AC3E}">
-        <p14:creationId xmlns:p14="http://schemas.microsoft.com/office/powerpoint/2010/main" val="2615417632"/>
+        <p14:creationId xmlns:p14="http://schemas.microsoft.com/office/powerpoint/2010/main" val="3441505824"/>
       </p:ext>
     </p:extLst>
   </p:cSld>
@@ -1103,30 +1105,7 @@
           <a:p>
             <a:r>
               <a:rPr lang="en-US" dirty="0"/>
-              <a:t>Reward may be sparse. Need for credit assignment.</a:t>
-            </a:r>
-          </a:p>
-          <a:p>
-            <a:r>
-              <a:rPr lang="en-US" dirty="0"/>
-              <a:t>Reward shaping creates pseudo rewards that advance learning (e.g., ball possession or distance to the goal in soccer).</a:t>
-            </a:r>
-          </a:p>
-          <a:p>
-            <a:endParaRPr lang="en-US" dirty="0"/>
-          </a:p>
-          <a:p>
-            <a:r>
-              <a:rPr lang="en-US" dirty="0"/>
-              <a:t>Hierarchical RL: Break the task into smaller sub-tasks so we can learn </a:t>
-            </a:r>
-            <a:r>
-              <a:rPr lang="en-US"/>
-              <a:t>the succession of </a:t>
-            </a:r>
-            <a:r>
-              <a:rPr lang="en-US" dirty="0"/>
-              <a:t>sub-task efficiently.</a:t>
+              <a:t> </a:t>
             </a:r>
           </a:p>
         </p:txBody>
@@ -1154,7 +1133,7 @@
               <a:pPr>
                 <a:defRPr/>
               </a:pPr>
-              <a:t>11</a:t>
+              <a:t>6</a:t>
             </a:fld>
             <a:endParaRPr lang="en-US" dirty="0"/>
           </a:p>
@@ -1163,7 +1142,7 @@
     </p:spTree>
     <p:extLst>
       <p:ext uri="{BB962C8B-B14F-4D97-AF65-F5344CB8AC3E}">
-        <p14:creationId xmlns:p14="http://schemas.microsoft.com/office/powerpoint/2010/main" val="1242372668"/>
+        <p14:creationId xmlns:p14="http://schemas.microsoft.com/office/powerpoint/2010/main" val="2615417632"/>
       </p:ext>
     </p:extLst>
   </p:cSld>
@@ -1224,11 +1203,31 @@
           <a:p>
             <a:r>
               <a:rPr lang="en-US" dirty="0"/>
-              <a:t>Deep RL is still somewhat unpredictable since the deep ANN has many parameters…</a:t>
+              <a:t>Reward may be sparse. Need for credit assignment.</a:t>
             </a:r>
           </a:p>
           <a:p>
+            <a:r>
+              <a:rPr lang="en-US" dirty="0"/>
+              <a:t>Reward shaping creates pseudo rewards that advance learning (e.g., ball possession or distance to the goal in soccer).</a:t>
+            </a:r>
+          </a:p>
+          <a:p>
             <a:endParaRPr lang="en-US" dirty="0"/>
+          </a:p>
+          <a:p>
+            <a:r>
+              <a:rPr lang="en-US" dirty="0"/>
+              <a:t>Hierarchical RL: Break the task into smaller sub-tasks so we can learn </a:t>
+            </a:r>
+            <a:r>
+              <a:rPr lang="en-US"/>
+              <a:t>the succession of </a:t>
+            </a:r>
+            <a:r>
+              <a:rPr lang="en-US" dirty="0"/>
+              <a:t>sub-task efficiently.</a:t>
+            </a:r>
           </a:p>
         </p:txBody>
       </p:sp>
@@ -1255,7 +1254,108 @@
               <a:pPr>
                 <a:defRPr/>
               </a:pPr>
-              <a:t>13</a:t>
+              <a:t>12</a:t>
+            </a:fld>
+            <a:endParaRPr lang="en-US" dirty="0"/>
+          </a:p>
+        </p:txBody>
+      </p:sp>
+    </p:spTree>
+    <p:extLst>
+      <p:ext uri="{BB962C8B-B14F-4D97-AF65-F5344CB8AC3E}">
+        <p14:creationId xmlns:p14="http://schemas.microsoft.com/office/powerpoint/2010/main" val="1242372668"/>
+      </p:ext>
+    </p:extLst>
+  </p:cSld>
+  <p:clrMapOvr>
+    <a:masterClrMapping/>
+  </p:clrMapOvr>
+</p:notes>
+</file>
+
+<file path=ppt/notesSlides/notesSlide5.xml><?xml version="1.0" encoding="utf-8"?>
+<p:notes xmlns:a="http://schemas.openxmlformats.org/drawingml/2006/main" xmlns:r="http://schemas.openxmlformats.org/officeDocument/2006/relationships" xmlns:p="http://schemas.openxmlformats.org/presentationml/2006/main">
+  <p:cSld>
+    <p:spTree>
+      <p:nvGrpSpPr>
+        <p:cNvPr id="1" name=""/>
+        <p:cNvGrpSpPr/>
+        <p:nvPr/>
+      </p:nvGrpSpPr>
+      <p:grpSpPr>
+        <a:xfrm>
+          <a:off x="0" y="0"/>
+          <a:ext cx="0" cy="0"/>
+          <a:chOff x="0" y="0"/>
+          <a:chExt cx="0" cy="0"/>
+        </a:xfrm>
+      </p:grpSpPr>
+      <p:sp>
+        <p:nvSpPr>
+          <p:cNvPr id="2" name="Slide Image Placeholder 1"/>
+          <p:cNvSpPr>
+            <a:spLocks noGrp="1" noRot="1" noChangeAspect="1"/>
+          </p:cNvSpPr>
+          <p:nvPr>
+            <p:ph type="sldImg"/>
+          </p:nvPr>
+        </p:nvSpPr>
+        <p:spPr>
+          <a:xfrm>
+            <a:off x="138113" y="768350"/>
+            <a:ext cx="6823075" cy="3838575"/>
+          </a:xfrm>
+        </p:spPr>
+      </p:sp>
+      <p:sp>
+        <p:nvSpPr>
+          <p:cNvPr id="3" name="Notes Placeholder 2"/>
+          <p:cNvSpPr>
+            <a:spLocks noGrp="1"/>
+          </p:cNvSpPr>
+          <p:nvPr>
+            <p:ph type="body" idx="1"/>
+          </p:nvPr>
+        </p:nvSpPr>
+        <p:spPr/>
+        <p:txBody>
+          <a:bodyPr/>
+          <a:lstStyle/>
+          <a:p>
+            <a:r>
+              <a:rPr lang="en-US" dirty="0"/>
+              <a:t>Deep RL is still somewhat unpredictable since the deep ANN has many parameters…</a:t>
+            </a:r>
+          </a:p>
+          <a:p>
+            <a:endParaRPr lang="en-US" dirty="0"/>
+          </a:p>
+        </p:txBody>
+      </p:sp>
+      <p:sp>
+        <p:nvSpPr>
+          <p:cNvPr id="4" name="Slide Number Placeholder 3"/>
+          <p:cNvSpPr>
+            <a:spLocks noGrp="1"/>
+          </p:cNvSpPr>
+          <p:nvPr>
+            <p:ph type="sldNum" sz="quarter" idx="5"/>
+          </p:nvPr>
+        </p:nvSpPr>
+        <p:spPr/>
+        <p:txBody>
+          <a:bodyPr/>
+          <a:lstStyle/>
+          <a:p>
+            <a:pPr>
+              <a:defRPr/>
+            </a:pPr>
+            <a:fld id="{7BDF81BA-2724-47AE-8C5A-18C6541FAE5A}" type="slidenum">
+              <a:rPr lang="en-US" smtClean="0"/>
+              <a:pPr>
+                <a:defRPr/>
+              </a:pPr>
+              <a:t>14</a:t>
             </a:fld>
             <a:endParaRPr lang="en-US" dirty="0"/>
           </a:p>
@@ -5512,6 +5612,304 @@
 <file path=ppt/slides/slide10.xml><?xml version="1.0" encoding="utf-8"?>
 <p:sld xmlns:a="http://schemas.openxmlformats.org/drawingml/2006/main" xmlns:r="http://schemas.openxmlformats.org/officeDocument/2006/relationships" xmlns:p="http://schemas.openxmlformats.org/presentationml/2006/main">
   <p:cSld>
+    <p:spTree>
+      <p:nvGrpSpPr>
+        <p:cNvPr id="1" name=""/>
+        <p:cNvGrpSpPr/>
+        <p:nvPr/>
+      </p:nvGrpSpPr>
+      <p:grpSpPr>
+        <a:xfrm>
+          <a:off x="0" y="0"/>
+          <a:ext cx="0" cy="0"/>
+          <a:chOff x="0" y="0"/>
+          <a:chExt cx="0" cy="0"/>
+        </a:xfrm>
+      </p:grpSpPr>
+      <p:sp>
+        <p:nvSpPr>
+          <p:cNvPr id="3" name="Title 2">
+            <a:extLst>
+              <a:ext uri="{FF2B5EF4-FFF2-40B4-BE49-F238E27FC236}">
+                <a16:creationId xmlns:a16="http://schemas.microsoft.com/office/drawing/2014/main" id="{F31C0A40-7725-1505-8930-DC82CB78057C}"/>
+              </a:ext>
+            </a:extLst>
+          </p:cNvPr>
+          <p:cNvSpPr>
+            <a:spLocks noGrp="1"/>
+          </p:cNvSpPr>
+          <p:nvPr>
+            <p:ph type="title"/>
+          </p:nvPr>
+        </p:nvSpPr>
+        <p:spPr/>
+        <p:txBody>
+          <a:bodyPr>
+            <a:normAutofit/>
+          </a:bodyPr>
+          <a:lstStyle/>
+          <a:p>
+            <a:r>
+              <a:rPr lang="en-US" sz="3600" dirty="0"/>
+              <a:t>Partially Observable Markov Decision Model (POMDP)</a:t>
+            </a:r>
+          </a:p>
+        </p:txBody>
+      </p:sp>
+      <mc:AlternateContent xmlns:mc="http://schemas.openxmlformats.org/markup-compatibility/2006" xmlns:a14="http://schemas.microsoft.com/office/drawing/2010/main">
+        <mc:Choice Requires="a14">
+          <p:sp>
+            <p:nvSpPr>
+              <p:cNvPr id="4" name="Content Placeholder 3">
+                <a:extLst>
+                  <a:ext uri="{FF2B5EF4-FFF2-40B4-BE49-F238E27FC236}">
+                    <a16:creationId xmlns:a16="http://schemas.microsoft.com/office/drawing/2014/main" id="{C00B6C47-EA5C-F94C-DD50-5B2B163423B0}"/>
+                  </a:ext>
+                </a:extLst>
+              </p:cNvPr>
+              <p:cNvSpPr>
+                <a:spLocks noGrp="1"/>
+              </p:cNvSpPr>
+              <p:nvPr>
+                <p:ph idx="1"/>
+              </p:nvPr>
+            </p:nvSpPr>
+            <p:spPr/>
+            <p:txBody>
+              <a:bodyPr>
+                <a:normAutofit fontScale="77500" lnSpcReduction="20000"/>
+              </a:bodyPr>
+              <a:lstStyle/>
+              <a:p>
+                <a:r>
+                  <a:rPr lang="en-US" dirty="0"/>
+                  <a:t>If the environment is partially observable, then the model is expanded by</a:t>
+                </a:r>
+              </a:p>
+              <a:p>
+                <a:pPr lvl="1"/>
+                <a:r>
+                  <a:rPr lang="en-US" dirty="0"/>
+                  <a:t>a </a:t>
+                </a:r>
+                <a:r>
+                  <a:rPr lang="en-US" b="1" dirty="0"/>
+                  <a:t>sensor model </a:t>
+                </a:r>
+                <a14:m>
+                  <m:oMath xmlns:m="http://schemas.openxmlformats.org/officeDocument/2006/math">
+                    <m:r>
+                      <a:rPr lang="en-US" i="1" dirty="0" smtClean="0">
+                        <a:latin typeface="Cambria Math" panose="02040503050406030204" pitchFamily="18" charset="0"/>
+                      </a:rPr>
+                      <m:t>𝑃</m:t>
+                    </m:r>
+                    <m:r>
+                      <a:rPr lang="en-US" i="1" dirty="0" smtClean="0">
+                        <a:latin typeface="Cambria Math" panose="02040503050406030204" pitchFamily="18" charset="0"/>
+                      </a:rPr>
+                      <m:t>(</m:t>
+                    </m:r>
+                    <m:r>
+                      <a:rPr lang="en-US" b="0" i="1" dirty="0" smtClean="0">
+                        <a:latin typeface="Cambria Math" panose="02040503050406030204" pitchFamily="18" charset="0"/>
+                      </a:rPr>
+                      <m:t>𝑜</m:t>
+                    </m:r>
+                    <m:r>
+                      <a:rPr lang="en-US" i="1" dirty="0" smtClean="0">
+                        <a:latin typeface="Cambria Math" panose="02040503050406030204" pitchFamily="18" charset="0"/>
+                      </a:rPr>
+                      <m:t> | </m:t>
+                    </m:r>
+                    <m:r>
+                      <a:rPr lang="en-US" i="1" dirty="0" smtClean="0">
+                        <a:latin typeface="Cambria Math" panose="02040503050406030204" pitchFamily="18" charset="0"/>
+                      </a:rPr>
+                      <m:t>𝑠</m:t>
+                    </m:r>
+                    <m:r>
+                      <a:rPr lang="en-US" i="1" dirty="0" smtClean="0">
+                        <a:latin typeface="Cambria Math" panose="02040503050406030204" pitchFamily="18" charset="0"/>
+                      </a:rPr>
+                      <m:t>)</m:t>
+                    </m:r>
+                  </m:oMath>
+                </a14:m>
+                <a:r>
+                  <a:rPr lang="en-US" dirty="0"/>
+                  <a:t> for receiving observation </a:t>
+                </a:r>
+                <a14:m>
+                  <m:oMath xmlns:m="http://schemas.openxmlformats.org/officeDocument/2006/math">
+                    <m:r>
+                      <a:rPr lang="en-US" i="1" dirty="0" smtClean="0">
+                        <a:latin typeface="Cambria Math" panose="02040503050406030204" pitchFamily="18" charset="0"/>
+                      </a:rPr>
+                      <m:t>𝑜</m:t>
+                    </m:r>
+                  </m:oMath>
+                </a14:m>
+                <a:r>
+                  <a:rPr lang="en-US" dirty="0"/>
+                  <a:t> given being in state </a:t>
+                </a:r>
+                <a14:m>
+                  <m:oMath xmlns:m="http://schemas.openxmlformats.org/officeDocument/2006/math">
+                    <m:r>
+                      <a:rPr lang="en-US" i="1" dirty="0" smtClean="0">
+                        <a:latin typeface="Cambria Math" panose="02040503050406030204" pitchFamily="18" charset="0"/>
+                      </a:rPr>
+                      <m:t>𝑠</m:t>
+                    </m:r>
+                  </m:oMath>
+                </a14:m>
+                <a:r>
+                  <a:rPr lang="en-US" dirty="0"/>
+                  <a:t>. </a:t>
+                </a:r>
+              </a:p>
+              <a:p>
+                <a:pPr lvl="1"/>
+                <a:endParaRPr lang="en-US" dirty="0"/>
+              </a:p>
+              <a:p>
+                <a:r>
+                  <a:rPr lang="en-US" dirty="0"/>
+                  <a:t>This makes things a lot more complicated, and we have to work with </a:t>
+                </a:r>
+                <a:r>
+                  <a:rPr lang="en-US" b="1" dirty="0"/>
+                  <a:t>belief states</a:t>
+                </a:r>
+                <a:r>
+                  <a:rPr lang="en-US" dirty="0"/>
+                  <a:t>. A belief state is a distribution over states. </a:t>
+                </a:r>
+                <a:br>
+                  <a:rPr lang="en-US" dirty="0"/>
+                </a:br>
+                <a:r>
+                  <a:rPr lang="en-US" dirty="0"/>
+                  <a:t>Example: For a problem with three states, the belief state </a:t>
+                </a:r>
+                <a14:m>
+                  <m:oMath xmlns:m="http://schemas.openxmlformats.org/officeDocument/2006/math">
+                    <m:r>
+                      <a:rPr lang="en-US" i="1" dirty="0" smtClean="0">
+                        <a:latin typeface="Cambria Math" panose="02040503050406030204" pitchFamily="18" charset="0"/>
+                      </a:rPr>
+                      <m:t>𝑏</m:t>
+                    </m:r>
+                    <m:r>
+                      <a:rPr lang="en-US" i="1" dirty="0" smtClean="0">
+                        <a:latin typeface="Cambria Math" panose="02040503050406030204" pitchFamily="18" charset="0"/>
+                      </a:rPr>
+                      <m:t> =(.2, .8, 0)</m:t>
+                    </m:r>
+                  </m:oMath>
+                </a14:m>
+                <a:r>
+                  <a:rPr lang="en-US" dirty="0"/>
+                  <a:t> means the agent beliefs that it is 20% in state 1 and 80% in state 2 but not in state 3.</a:t>
+                </a:r>
+              </a:p>
+              <a:p>
+                <a:endParaRPr lang="en-US" dirty="0"/>
+              </a:p>
+              <a:p>
+                <a:r>
+                  <a:rPr lang="en-US" dirty="0"/>
+                  <a:t>An MDP that uses belief states is called a </a:t>
+                </a:r>
+                <a:r>
+                  <a:rPr lang="en-US" b="1" dirty="0"/>
+                  <a:t>belief MDP</a:t>
+                </a:r>
+                <a:r>
+                  <a:rPr lang="en-US" dirty="0"/>
+                  <a:t>. Issue: belief states are continuous, and the number of different belief states is infinite.</a:t>
+                </a:r>
+              </a:p>
+              <a:p>
+                <a:r>
+                  <a:rPr lang="en-US" dirty="0"/>
+                  <a:t>The solution of a POMDP is a policy with the optimal actions for sets of belief states (i.e., ranges of belief). </a:t>
+                </a:r>
+              </a:p>
+              <a:p>
+                <a:r>
+                  <a:rPr lang="en-US" dirty="0"/>
+                  <a:t>For all but tiny problems, POMDPs can only be solved </a:t>
+                </a:r>
+                <a:r>
+                  <a:rPr lang="en-US" b="1" dirty="0"/>
+                  <a:t>approximately </a:t>
+                </a:r>
+                <a:r>
+                  <a:rPr lang="en-US" dirty="0"/>
+                  <a:t>(e.g., by grid-based methods).</a:t>
+                </a:r>
+              </a:p>
+            </p:txBody>
+          </p:sp>
+        </mc:Choice>
+        <mc:Fallback xmlns="">
+          <p:sp>
+            <p:nvSpPr>
+              <p:cNvPr id="4" name="Content Placeholder 3">
+                <a:extLst>
+                  <a:ext uri="{FF2B5EF4-FFF2-40B4-BE49-F238E27FC236}">
+                    <a16:creationId xmlns:a16="http://schemas.microsoft.com/office/drawing/2014/main" id="{C00B6C47-EA5C-F94C-DD50-5B2B163423B0}"/>
+                  </a:ext>
+                </a:extLst>
+              </p:cNvPr>
+              <p:cNvSpPr>
+                <a:spLocks noGrp="1" noRot="1" noChangeAspect="1" noMove="1" noResize="1" noEditPoints="1" noAdjustHandles="1" noChangeArrowheads="1" noChangeShapeType="1" noTextEdit="1"/>
+              </p:cNvSpPr>
+              <p:nvPr>
+                <p:ph idx="1"/>
+              </p:nvPr>
+            </p:nvSpPr>
+            <p:spPr>
+              <a:blipFill>
+                <a:blip r:embed="rId2"/>
+                <a:stretch>
+                  <a:fillRect l="-696" t="-2801" r="-464"/>
+                </a:stretch>
+              </a:blipFill>
+            </p:spPr>
+            <p:txBody>
+              <a:bodyPr/>
+              <a:lstStyle/>
+              <a:p>
+                <a:r>
+                  <a:rPr lang="en-US">
+                    <a:noFill/>
+                  </a:rPr>
+                  <a:t> </a:t>
+                </a:r>
+              </a:p>
+            </p:txBody>
+          </p:sp>
+        </mc:Fallback>
+      </mc:AlternateContent>
+    </p:spTree>
+    <p:extLst>
+      <p:ext uri="{BB962C8B-B14F-4D97-AF65-F5344CB8AC3E}">
+        <p14:creationId xmlns:p14="http://schemas.microsoft.com/office/powerpoint/2010/main" val="2489327736"/>
+      </p:ext>
+    </p:extLst>
+  </p:cSld>
+  <p:clrMapOvr>
+    <a:masterClrMapping/>
+  </p:clrMapOvr>
+</p:sld>
+</file>
+
+<file path=ppt/slides/slide11.xml><?xml version="1.0" encoding="utf-8"?>
+<p:sld xmlns:a="http://schemas.openxmlformats.org/drawingml/2006/main" xmlns:r="http://schemas.openxmlformats.org/officeDocument/2006/relationships" xmlns:p="http://schemas.openxmlformats.org/presentationml/2006/main">
+  <p:cSld>
     <p:bg>
       <p:bgPr>
         <a:solidFill>
@@ -5821,7 +6219,7 @@
 </p:sld>
 </file>
 
-<file path=ppt/slides/slide11.xml><?xml version="1.0" encoding="utf-8"?>
+<file path=ppt/slides/slide12.xml><?xml version="1.0" encoding="utf-8"?>
 <p:sld xmlns:a="http://schemas.openxmlformats.org/drawingml/2006/main" xmlns:r="http://schemas.openxmlformats.org/officeDocument/2006/relationships" xmlns:p="http://schemas.openxmlformats.org/presentationml/2006/main">
   <p:cSld>
     <p:spTree>
@@ -5861,129 +6259,7 @@
           <a:p>
             <a:r>
               <a:rPr lang="en-US" dirty="0"/>
-              <a:t>Reinforcement Learning</a:t>
-            </a:r>
-          </a:p>
-        </p:txBody>
-      </p:sp>
-      <p:sp>
-        <p:nvSpPr>
-          <p:cNvPr id="3" name="Content Placeholder 2">
-            <a:extLst>
-              <a:ext uri="{FF2B5EF4-FFF2-40B4-BE49-F238E27FC236}">
-                <a16:creationId xmlns:a16="http://schemas.microsoft.com/office/drawing/2014/main" id="{CFD10D10-A65F-B05F-35CA-8B1597D1D2EB}"/>
-              </a:ext>
-            </a:extLst>
-          </p:cNvPr>
-          <p:cNvSpPr>
-            <a:spLocks noGrp="1"/>
-          </p:cNvSpPr>
-          <p:nvPr>
-            <p:ph idx="1"/>
-          </p:nvPr>
-        </p:nvSpPr>
-        <p:spPr/>
-        <p:txBody>
-          <a:bodyPr>
-            <a:normAutofit lnSpcReduction="10000"/>
-          </a:bodyPr>
-          <a:lstStyle/>
-          <a:p>
-            <a:r>
-              <a:rPr lang="en-US" dirty="0"/>
-              <a:t>Reinforcement learning assumes that the problem can be modeled by an MDP.</a:t>
-            </a:r>
-          </a:p>
-          <a:p>
-            <a:endParaRPr lang="en-US" dirty="0"/>
-          </a:p>
-          <a:p>
-            <a:r>
-              <a:rPr lang="en-US" dirty="0"/>
-              <a:t>What if we do not know the transition model 𝑃(𝑠′ | 𝑠, 𝑎)?</a:t>
-            </a:r>
-            <a:br>
-              <a:rPr lang="en-US" dirty="0"/>
-            </a:br>
-            <a:br>
-              <a:rPr lang="en-US" dirty="0"/>
-            </a:br>
-            <a:r>
-              <a:rPr lang="en-US" dirty="0"/>
-              <a:t>Now we cannot solve the MDP (estimate the state utility function/policy) because we cannot predict future states!</a:t>
-            </a:r>
-          </a:p>
-          <a:p>
-            <a:endParaRPr lang="en-US" dirty="0"/>
-          </a:p>
-          <a:p>
-            <a:r>
-              <a:rPr lang="en-US" dirty="0"/>
-              <a:t>The agent needs to explore (try actions) and use the reward signal to update its estimate (=learn) of the utility of states and actions.</a:t>
-            </a:r>
-          </a:p>
-          <a:p>
-            <a:endParaRPr lang="en-US" dirty="0"/>
-          </a:p>
-          <a:p>
-            <a:endParaRPr lang="en-US" dirty="0"/>
-          </a:p>
-        </p:txBody>
-      </p:sp>
-    </p:spTree>
-    <p:extLst>
-      <p:ext uri="{BB962C8B-B14F-4D97-AF65-F5344CB8AC3E}">
-        <p14:creationId xmlns:p14="http://schemas.microsoft.com/office/powerpoint/2010/main" val="4169817705"/>
-      </p:ext>
-    </p:extLst>
-  </p:cSld>
-  <p:clrMapOvr>
-    <a:masterClrMapping/>
-  </p:clrMapOvr>
-</p:sld>
-</file>
-
-<file path=ppt/slides/slide12.xml><?xml version="1.0" encoding="utf-8"?>
-<p:sld xmlns:a="http://schemas.openxmlformats.org/drawingml/2006/main" xmlns:r="http://schemas.openxmlformats.org/officeDocument/2006/relationships" xmlns:p="http://schemas.openxmlformats.org/presentationml/2006/main">
-  <p:cSld>
-    <p:spTree>
-      <p:nvGrpSpPr>
-        <p:cNvPr id="1" name=""/>
-        <p:cNvGrpSpPr/>
-        <p:nvPr/>
-      </p:nvGrpSpPr>
-      <p:grpSpPr>
-        <a:xfrm>
-          <a:off x="0" y="0"/>
-          <a:ext cx="0" cy="0"/>
-          <a:chOff x="0" y="0"/>
-          <a:chExt cx="0" cy="0"/>
-        </a:xfrm>
-      </p:grpSpPr>
-      <p:sp>
-        <p:nvSpPr>
-          <p:cNvPr id="2" name="Title 1">
-            <a:extLst>
-              <a:ext uri="{FF2B5EF4-FFF2-40B4-BE49-F238E27FC236}">
-                <a16:creationId xmlns:a16="http://schemas.microsoft.com/office/drawing/2014/main" id="{34CF712C-C87E-E832-8A1B-CDAF9756804E}"/>
-              </a:ext>
-            </a:extLst>
-          </p:cNvPr>
-          <p:cNvSpPr>
-            <a:spLocks noGrp="1"/>
-          </p:cNvSpPr>
-          <p:nvPr>
-            <p:ph type="title"/>
-          </p:nvPr>
-        </p:nvSpPr>
-        <p:spPr/>
-        <p:txBody>
-          <a:bodyPr/>
-          <a:lstStyle/>
-          <a:p>
-            <a:r>
-              <a:rPr lang="en-US" dirty="0"/>
-              <a:t>Q-Learning</a:t>
+              <a:t>Reinforcement Learning (RL)</a:t>
             </a:r>
           </a:p>
         </p:txBody>
@@ -5995,7 +6271,7 @@
               <p:cNvPr id="3" name="Content Placeholder 2">
                 <a:extLst>
                   <a:ext uri="{FF2B5EF4-FFF2-40B4-BE49-F238E27FC236}">
-                    <a16:creationId xmlns:a16="http://schemas.microsoft.com/office/drawing/2014/main" id="{CED399C3-7D5D-01FA-4D2E-966DFF22A4BA}"/>
+                    <a16:creationId xmlns:a16="http://schemas.microsoft.com/office/drawing/2014/main" id="{CFD10D10-A65F-B05F-35CA-8B1597D1D2EB}"/>
                   </a:ext>
                 </a:extLst>
               </p:cNvPr>
@@ -6006,21 +6282,53 @@
                 <p:ph idx="1"/>
               </p:nvPr>
             </p:nvSpPr>
-            <p:spPr>
-              <a:xfrm>
-                <a:off x="1066799" y="1448683"/>
-                <a:ext cx="10515600" cy="794353"/>
-              </a:xfrm>
-            </p:spPr>
+            <p:spPr/>
             <p:txBody>
               <a:bodyPr>
-                <a:normAutofit lnSpcReduction="10000"/>
+                <a:normAutofit fontScale="77500" lnSpcReduction="20000"/>
               </a:bodyPr>
               <a:lstStyle/>
               <a:p>
                 <a:r>
                   <a:rPr lang="en-US" dirty="0"/>
-                  <a:t>Q-Learning learns the state-action value function </a:t>
+                  <a:t>RL assumes that the problem can be modeled by an MDP.</a:t>
+                </a:r>
+              </a:p>
+              <a:p>
+                <a:endParaRPr lang="en-US" dirty="0"/>
+              </a:p>
+              <a:p>
+                <a:r>
+                  <a:rPr lang="en-US" dirty="0"/>
+                  <a:t>What if we do not know the transition model 𝑃(𝑠′ | 𝑠, 𝑎)?</a:t>
+                </a:r>
+                <a:br>
+                  <a:rPr lang="en-US" dirty="0"/>
+                </a:br>
+                <a:br>
+                  <a:rPr lang="en-US" dirty="0"/>
+                </a:br>
+                <a:r>
+                  <a:rPr lang="en-US" dirty="0"/>
+                  <a:t>Now we cannot solve the MDP (estimate the state utility function/policy) because we cannot predict future states!</a:t>
+                </a:r>
+              </a:p>
+              <a:p>
+                <a:endParaRPr lang="en-US" dirty="0"/>
+              </a:p>
+              <a:p>
+                <a:r>
+                  <a:rPr lang="en-US" dirty="0"/>
+                  <a:t>The agent needs to explore (try actions) and use the reward signal to update its estimate (=learn) of the utility of states and actions.</a:t>
+                </a:r>
+              </a:p>
+              <a:p>
+                <a:endParaRPr lang="en-US" dirty="0"/>
+              </a:p>
+              <a:p>
+                <a:r>
+                  <a:rPr lang="en-US" dirty="0"/>
+                  <a:t>RL often uses a state-action function function </a:t>
                 </a:r>
                 <a14:m>
                   <m:oMath xmlns:m="http://schemas.openxmlformats.org/officeDocument/2006/math">
@@ -6063,8 +6371,13 @@
                 </a14:m>
                 <a:r>
                   <a:rPr lang="en-US" dirty="0"/>
-                  <a:t> where </a:t>
+                  <a:t>. The function gives the expected value of taking an action in a state and action optimally after wards. It is related to the state value function as:</a:t>
                 </a:r>
+              </a:p>
+              <a:p>
+                <a:pPr marL="0" indent="0" algn="ctr">
+                  <a:buNone/>
+                </a:pPr>
                 <a14:m>
                   <m:oMath xmlns:m="http://schemas.openxmlformats.org/officeDocument/2006/math">
                     <m:r>
@@ -6197,7 +6510,7 @@
               <p:cNvPr id="3" name="Content Placeholder 2">
                 <a:extLst>
                   <a:ext uri="{FF2B5EF4-FFF2-40B4-BE49-F238E27FC236}">
-                    <a16:creationId xmlns:a16="http://schemas.microsoft.com/office/drawing/2014/main" id="{CED399C3-7D5D-01FA-4D2E-966DFF22A4BA}"/>
+                    <a16:creationId xmlns:a16="http://schemas.microsoft.com/office/drawing/2014/main" id="{CFD10D10-A65F-B05F-35CA-8B1597D1D2EB}"/>
                   </a:ext>
                 </a:extLst>
               </p:cNvPr>
@@ -6209,14 +6522,10 @@
               </p:nvPr>
             </p:nvSpPr>
             <p:spPr>
-              <a:xfrm>
-                <a:off x="1066799" y="1448683"/>
-                <a:ext cx="10515600" cy="794353"/>
-              </a:xfrm>
               <a:blipFill>
-                <a:blip r:embed="rId2"/>
+                <a:blip r:embed="rId3"/>
                 <a:stretch>
-                  <a:fillRect l="-1043" t="-17692" b="-20769"/>
+                  <a:fillRect l="-696" t="-2801" r="-522" b="-1120"/>
                 </a:stretch>
               </a:blipFill>
             </p:spPr>
@@ -6235,12 +6544,86 @@
           </p:sp>
         </mc:Fallback>
       </mc:AlternateContent>
+    </p:spTree>
+    <p:extLst>
+      <p:ext uri="{BB962C8B-B14F-4D97-AF65-F5344CB8AC3E}">
+        <p14:creationId xmlns:p14="http://schemas.microsoft.com/office/powerpoint/2010/main" val="4169817705"/>
+      </p:ext>
+    </p:extLst>
+  </p:cSld>
+  <p:clrMapOvr>
+    <a:masterClrMapping/>
+  </p:clrMapOvr>
+</p:sld>
+</file>
+
+<file path=ppt/slides/slide13.xml><?xml version="1.0" encoding="utf-8"?>
+<p:sld xmlns:a="http://schemas.openxmlformats.org/drawingml/2006/main" xmlns:r="http://schemas.openxmlformats.org/officeDocument/2006/relationships" xmlns:p="http://schemas.openxmlformats.org/presentationml/2006/main">
+  <p:cSld>
+    <p:spTree>
+      <p:nvGrpSpPr>
+        <p:cNvPr id="1" name=""/>
+        <p:cNvGrpSpPr/>
+        <p:nvPr/>
+      </p:nvGrpSpPr>
+      <p:grpSpPr>
+        <a:xfrm>
+          <a:off x="0" y="0"/>
+          <a:ext cx="0" cy="0"/>
+          <a:chOff x="0" y="0"/>
+          <a:chExt cx="0" cy="0"/>
+        </a:xfrm>
+      </p:grpSpPr>
+      <p:sp>
+        <p:nvSpPr>
+          <p:cNvPr id="6" name="Rectangle 5">
+            <a:extLst>
+              <a:ext uri="{FF2B5EF4-FFF2-40B4-BE49-F238E27FC236}">
+                <a16:creationId xmlns:a16="http://schemas.microsoft.com/office/drawing/2014/main" id="{7A96D03A-DAF0-70EB-FA0C-8F1FD2E3ADDD}"/>
+              </a:ext>
+            </a:extLst>
+          </p:cNvPr>
+          <p:cNvSpPr/>
+          <p:nvPr/>
+        </p:nvSpPr>
+        <p:spPr>
+          <a:xfrm>
+            <a:off x="1066801" y="2438400"/>
+            <a:ext cx="9815986" cy="3902075"/>
+          </a:xfrm>
+          <a:prstGeom prst="rect">
+            <a:avLst/>
+          </a:prstGeom>
+        </p:spPr>
+        <p:style>
+          <a:lnRef idx="2">
+            <a:schemeClr val="accent2"/>
+          </a:lnRef>
+          <a:fillRef idx="1">
+            <a:schemeClr val="lt1"/>
+          </a:fillRef>
+          <a:effectRef idx="0">
+            <a:schemeClr val="accent2"/>
+          </a:effectRef>
+          <a:fontRef idx="minor">
+            <a:schemeClr val="dk1"/>
+          </a:fontRef>
+        </p:style>
+        <p:txBody>
+          <a:bodyPr rtlCol="0" anchor="ctr"/>
+          <a:lstStyle/>
+          <a:p>
+            <a:pPr algn="ctr"/>
+            <a:endParaRPr lang="en-US"/>
+          </a:p>
+        </p:txBody>
+      </p:sp>
       <p:pic>
         <p:nvPicPr>
-          <p:cNvPr id="7" name="Picture 6">
+          <p:cNvPr id="5" name="Picture 4">
             <a:extLst>
               <a:ext uri="{FF2B5EF4-FFF2-40B4-BE49-F238E27FC236}">
-                <a16:creationId xmlns:a16="http://schemas.microsoft.com/office/drawing/2014/main" id="{C2AB3349-7E28-E758-7D0B-BABE9AD4BBE3}"/>
+                <a16:creationId xmlns:a16="http://schemas.microsoft.com/office/drawing/2014/main" id="{A7F3BF8E-C1E2-E0EA-4693-1A4CC34D2896}"/>
               </a:ext>
             </a:extLst>
           </p:cNvPr>
@@ -6249,22 +6632,151 @@
           </p:cNvPicPr>
           <p:nvPr/>
         </p:nvPicPr>
-        <p:blipFill>
-          <a:blip r:embed="rId3"/>
-          <a:stretch>
-            <a:fillRect/>
-          </a:stretch>
+        <p:blipFill rotWithShape="1">
+          <a:blip r:embed="rId2"/>
+          <a:srcRect r="2964" b="6008"/>
+          <a:stretch/>
         </p:blipFill>
         <p:spPr>
           <a:xfrm>
-            <a:off x="603331" y="2243036"/>
-            <a:ext cx="11117472" cy="4452196"/>
+            <a:off x="1143001" y="2504551"/>
+            <a:ext cx="9525000" cy="3667649"/>
           </a:xfrm>
           <a:prstGeom prst="rect">
             <a:avLst/>
           </a:prstGeom>
         </p:spPr>
       </p:pic>
+      <p:sp>
+        <p:nvSpPr>
+          <p:cNvPr id="2" name="Title 1">
+            <a:extLst>
+              <a:ext uri="{FF2B5EF4-FFF2-40B4-BE49-F238E27FC236}">
+                <a16:creationId xmlns:a16="http://schemas.microsoft.com/office/drawing/2014/main" id="{34CF712C-C87E-E832-8A1B-CDAF9756804E}"/>
+              </a:ext>
+            </a:extLst>
+          </p:cNvPr>
+          <p:cNvSpPr>
+            <a:spLocks noGrp="1"/>
+          </p:cNvSpPr>
+          <p:nvPr>
+            <p:ph type="title"/>
+          </p:nvPr>
+        </p:nvSpPr>
+        <p:spPr/>
+        <p:txBody>
+          <a:bodyPr/>
+          <a:lstStyle/>
+          <a:p>
+            <a:r>
+              <a:rPr lang="en-US" dirty="0"/>
+              <a:t>Q-Learning</a:t>
+            </a:r>
+          </a:p>
+        </p:txBody>
+      </p:sp>
+      <mc:AlternateContent xmlns:mc="http://schemas.openxmlformats.org/markup-compatibility/2006">
+        <mc:Choice xmlns:a14="http://schemas.microsoft.com/office/drawing/2010/main" Requires="a14">
+          <p:sp>
+            <p:nvSpPr>
+              <p:cNvPr id="3" name="Content Placeholder 2">
+                <a:extLst>
+                  <a:ext uri="{FF2B5EF4-FFF2-40B4-BE49-F238E27FC236}">
+                    <a16:creationId xmlns:a16="http://schemas.microsoft.com/office/drawing/2014/main" id="{CED399C3-7D5D-01FA-4D2E-966DFF22A4BA}"/>
+                  </a:ext>
+                </a:extLst>
+              </p:cNvPr>
+              <p:cNvSpPr>
+                <a:spLocks noGrp="1"/>
+              </p:cNvSpPr>
+              <p:nvPr>
+                <p:ph idx="1"/>
+              </p:nvPr>
+            </p:nvSpPr>
+            <p:spPr>
+              <a:xfrm>
+                <a:off x="1066799" y="1448684"/>
+                <a:ext cx="10515600" cy="989716"/>
+              </a:xfrm>
+            </p:spPr>
+            <p:txBody>
+              <a:bodyPr>
+                <a:normAutofit fontScale="77500" lnSpcReduction="20000"/>
+              </a:bodyPr>
+              <a:lstStyle/>
+              <a:p>
+                <a:r>
+                  <a:rPr lang="en-US" dirty="0"/>
+                  <a:t>Q-Learning learns the state-action value function from interactions with the environment (percepts). </a:t>
+                </a:r>
+              </a:p>
+              <a:p>
+                <a:r>
+                  <a:rPr lang="en-US" dirty="0"/>
+                  <a:t>This agent function learns a table for the state-action function </a:t>
+                </a:r>
+                <a14:m>
+                  <m:oMath xmlns:m="http://schemas.openxmlformats.org/officeDocument/2006/math">
+                    <m:r>
+                      <a:rPr lang="en-US" i="1" dirty="0" smtClean="0">
+                        <a:latin typeface="Cambria Math" panose="02040503050406030204" pitchFamily="18" charset="0"/>
+                      </a:rPr>
+                      <m:t>𝑄</m:t>
+                    </m:r>
+                  </m:oMath>
+                </a14:m>
+                <a:r>
+                  <a:rPr lang="en-US" dirty="0"/>
+                  <a:t>.</a:t>
+                </a:r>
+              </a:p>
+            </p:txBody>
+          </p:sp>
+        </mc:Choice>
+        <mc:Fallback>
+          <p:sp>
+            <p:nvSpPr>
+              <p:cNvPr id="3" name="Content Placeholder 2">
+                <a:extLst>
+                  <a:ext uri="{FF2B5EF4-FFF2-40B4-BE49-F238E27FC236}">
+                    <a16:creationId xmlns:a16="http://schemas.microsoft.com/office/drawing/2014/main" id="{CED399C3-7D5D-01FA-4D2E-966DFF22A4BA}"/>
+                  </a:ext>
+                </a:extLst>
+              </p:cNvPr>
+              <p:cNvSpPr>
+                <a:spLocks noGrp="1" noRot="1" noChangeAspect="1" noMove="1" noResize="1" noEditPoints="1" noAdjustHandles="1" noChangeArrowheads="1" noChangeShapeType="1" noTextEdit="1"/>
+              </p:cNvSpPr>
+              <p:nvPr>
+                <p:ph idx="1"/>
+              </p:nvPr>
+            </p:nvSpPr>
+            <p:spPr>
+              <a:xfrm>
+                <a:off x="1066799" y="1448684"/>
+                <a:ext cx="10515600" cy="989716"/>
+              </a:xfrm>
+              <a:blipFill>
+                <a:blip r:embed="rId3"/>
+                <a:stretch>
+                  <a:fillRect l="-638" t="-12963" r="-1101" b="-7407"/>
+                </a:stretch>
+              </a:blipFill>
+            </p:spPr>
+            <p:txBody>
+              <a:bodyPr/>
+              <a:lstStyle/>
+              <a:p>
+                <a:r>
+                  <a:rPr lang="en-US">
+                    <a:noFill/>
+                  </a:rPr>
+                  <a:t> </a:t>
+                </a:r>
+              </a:p>
+            </p:txBody>
+          </p:sp>
+        </mc:Fallback>
+      </mc:AlternateContent>
       <mc:AlternateContent xmlns:mc="http://schemas.openxmlformats.org/markup-compatibility/2006">
         <mc:Choice xmlns:a14="http://schemas.microsoft.com/office/drawing/2010/main" Requires="a14">
           <p:sp>
@@ -6281,7 +6793,7 @@
             </p:nvSpPr>
             <p:spPr>
               <a:xfrm>
-                <a:off x="4343400" y="6145192"/>
+                <a:off x="4343400" y="5969843"/>
                 <a:ext cx="6172200" cy="523032"/>
               </a:xfrm>
               <a:prstGeom prst="wedgeRoundRectCallout">
@@ -6348,7 +6860,7 @@
             </p:nvSpPr>
             <p:spPr>
               <a:xfrm>
-                <a:off x="4343400" y="6145192"/>
+                <a:off x="4343400" y="5969843"/>
                 <a:ext cx="6172200" cy="523032"/>
               </a:xfrm>
               <a:prstGeom prst="wedgeRoundRectCallout">
@@ -6361,7 +6873,7 @@
               <a:blipFill>
                 <a:blip r:embed="rId4"/>
                 <a:stretch>
-                  <a:fillRect r="-493" b="-22642"/>
+                  <a:fillRect r="-493" b="-23585"/>
                 </a:stretch>
               </a:blipFill>
             </p:spPr>
@@ -6396,13 +6908,13 @@
             </p:nvSpPr>
             <p:spPr>
               <a:xfrm>
-                <a:off x="6067063" y="4469134"/>
+                <a:off x="6781800" y="4353449"/>
                 <a:ext cx="4953000" cy="523032"/>
               </a:xfrm>
               <a:prstGeom prst="wedgeRoundRectCallout">
                 <a:avLst>
-                  <a:gd name="adj1" fmla="val -35235"/>
-                  <a:gd name="adj2" fmla="val 120038"/>
+                  <a:gd name="adj1" fmla="val -37850"/>
+                  <a:gd name="adj2" fmla="val 98185"/>
                   <a:gd name="adj3" fmla="val 16667"/>
                 </a:avLst>
               </a:prstGeom>
@@ -6498,20 +7010,20 @@
             </p:nvSpPr>
             <p:spPr>
               <a:xfrm>
-                <a:off x="6067063" y="4469134"/>
+                <a:off x="6781800" y="4353449"/>
                 <a:ext cx="4953000" cy="523032"/>
               </a:xfrm>
               <a:prstGeom prst="wedgeRoundRectCallout">
                 <a:avLst>
-                  <a:gd name="adj1" fmla="val -35235"/>
-                  <a:gd name="adj2" fmla="val 120038"/>
+                  <a:gd name="adj1" fmla="val -37850"/>
+                  <a:gd name="adj2" fmla="val 98185"/>
                   <a:gd name="adj3" fmla="val 16667"/>
                 </a:avLst>
               </a:prstGeom>
               <a:blipFill>
                 <a:blip r:embed="rId5"/>
                 <a:stretch>
-                  <a:fillRect t="-9396"/>
+                  <a:fillRect t="-10769"/>
                 </a:stretch>
               </a:blipFill>
             </p:spPr>
@@ -6530,6 +7042,112 @@
           </p:sp>
         </mc:Fallback>
       </mc:AlternateContent>
+      <p:sp>
+        <p:nvSpPr>
+          <p:cNvPr id="8" name="Speech Bubble: Rectangle with Corners Rounded 7">
+            <a:extLst>
+              <a:ext uri="{FF2B5EF4-FFF2-40B4-BE49-F238E27FC236}">
+                <a16:creationId xmlns:a16="http://schemas.microsoft.com/office/drawing/2014/main" id="{CF7BA659-C3F3-52AC-CDB2-877CF651F0CF}"/>
+              </a:ext>
+            </a:extLst>
+          </p:cNvPr>
+          <p:cNvSpPr/>
+          <p:nvPr/>
+        </p:nvSpPr>
+        <p:spPr>
+          <a:xfrm>
+            <a:off x="214788" y="4191000"/>
+            <a:ext cx="1094425" cy="523032"/>
+          </a:xfrm>
+          <a:prstGeom prst="wedgeRoundRectCallout">
+            <a:avLst>
+              <a:gd name="adj1" fmla="val 80516"/>
+              <a:gd name="adj2" fmla="val 25822"/>
+              <a:gd name="adj3" fmla="val 16667"/>
+            </a:avLst>
+          </a:prstGeom>
+        </p:spPr>
+        <p:style>
+          <a:lnRef idx="2">
+            <a:schemeClr val="accent1">
+              <a:shade val="15000"/>
+            </a:schemeClr>
+          </a:lnRef>
+          <a:fillRef idx="1">
+            <a:schemeClr val="accent1"/>
+          </a:fillRef>
+          <a:effectRef idx="0">
+            <a:schemeClr val="accent1"/>
+          </a:effectRef>
+          <a:fontRef idx="minor">
+            <a:schemeClr val="lt1"/>
+          </a:fontRef>
+        </p:style>
+        <p:txBody>
+          <a:bodyPr rtlCol="0" anchor="ctr"/>
+          <a:lstStyle/>
+          <a:p>
+            <a:pPr algn="ctr"/>
+            <a:r>
+              <a:rPr lang="en-US" sz="1200" dirty="0"/>
+              <a:t>New episode has no s.</a:t>
+            </a:r>
+          </a:p>
+        </p:txBody>
+      </p:sp>
+      <p:sp>
+        <p:nvSpPr>
+          <p:cNvPr id="11" name="Speech Bubble: Rectangle with Corners Rounded 10">
+            <a:extLst>
+              <a:ext uri="{FF2B5EF4-FFF2-40B4-BE49-F238E27FC236}">
+                <a16:creationId xmlns:a16="http://schemas.microsoft.com/office/drawing/2014/main" id="{4101AE6A-DC96-865C-966E-F5B22D2ED04B}"/>
+              </a:ext>
+            </a:extLst>
+          </p:cNvPr>
+          <p:cNvSpPr/>
+          <p:nvPr/>
+        </p:nvSpPr>
+        <p:spPr>
+          <a:xfrm>
+            <a:off x="5071583" y="4484207"/>
+            <a:ext cx="1094425" cy="261516"/>
+          </a:xfrm>
+          <a:prstGeom prst="wedgeRoundRectCallout">
+            <a:avLst>
+              <a:gd name="adj1" fmla="val -85193"/>
+              <a:gd name="adj2" fmla="val 203563"/>
+              <a:gd name="adj3" fmla="val 16667"/>
+            </a:avLst>
+          </a:prstGeom>
+        </p:spPr>
+        <p:style>
+          <a:lnRef idx="2">
+            <a:schemeClr val="accent1">
+              <a:shade val="15000"/>
+            </a:schemeClr>
+          </a:lnRef>
+          <a:fillRef idx="1">
+            <a:schemeClr val="accent1"/>
+          </a:fillRef>
+          <a:effectRef idx="0">
+            <a:schemeClr val="accent1"/>
+          </a:effectRef>
+          <a:fontRef idx="minor">
+            <a:schemeClr val="lt1"/>
+          </a:fontRef>
+        </p:style>
+        <p:txBody>
+          <a:bodyPr rtlCol="0" anchor="ctr"/>
+          <a:lstStyle/>
+          <a:p>
+            <a:pPr algn="ctr"/>
+            <a:r>
+              <a:rPr lang="en-US" sz="1200" dirty="0"/>
+              <a:t>Learning rate</a:t>
+            </a:r>
+          </a:p>
+        </p:txBody>
+      </p:sp>
     </p:spTree>
     <p:extLst>
       <p:ext uri="{BB962C8B-B14F-4D97-AF65-F5344CB8AC3E}">
@@ -6543,7 +7161,7 @@
 </p:sld>
 </file>
 
-<file path=ppt/slides/slide13.xml><?xml version="1.0" encoding="utf-8"?>
+<file path=ppt/slides/slide14.xml><?xml version="1.0" encoding="utf-8"?>
 <p:sld xmlns:a="http://schemas.openxmlformats.org/drawingml/2006/main" xmlns:r="http://schemas.openxmlformats.org/officeDocument/2006/relationships" xmlns:p="http://schemas.openxmlformats.org/presentationml/2006/main">
   <p:cSld>
     <p:spTree>
@@ -6618,9 +7236,37 @@
               </a:bodyPr>
               <a:lstStyle/>
               <a:p>
+                <a14:m>
+                  <m:oMath xmlns:m="http://schemas.openxmlformats.org/officeDocument/2006/math">
+                    <m:r>
+                      <a:rPr lang="en-US" i="1" dirty="0" smtClean="0">
+                        <a:latin typeface="Cambria Math" panose="02040503050406030204" pitchFamily="18" charset="0"/>
+                      </a:rPr>
+                      <m:t>𝑈</m:t>
+                    </m:r>
+                    <m:r>
+                      <a:rPr lang="en-US" i="1" dirty="0" smtClean="0">
+                        <a:latin typeface="Cambria Math" panose="02040503050406030204" pitchFamily="18" charset="0"/>
+                      </a:rPr>
+                      <m:t> (</m:t>
+                    </m:r>
+                    <m:r>
+                      <a:rPr lang="en-US" i="1" dirty="0" smtClean="0">
+                        <a:latin typeface="Cambria Math" panose="02040503050406030204" pitchFamily="18" charset="0"/>
+                      </a:rPr>
+                      <m:t>𝑄</m:t>
+                    </m:r>
+                    <m:r>
+                      <a:rPr lang="en-US" i="1" dirty="0" smtClean="0">
+                        <a:latin typeface="Cambria Math" panose="02040503050406030204" pitchFamily="18" charset="0"/>
+                      </a:rPr>
+                      <m:t>) </m:t>
+                    </m:r>
+                  </m:oMath>
+                </a14:m>
                 <a:r>
                   <a:rPr lang="en-US" dirty="0"/>
-                  <a:t>U (Q) needs to store and estimate one entry for each state (state/action combination)! </a:t>
+                  <a:t>needs to store and estimate one entry for each state (state/action combination). </a:t>
                 </a:r>
               </a:p>
               <a:p>
@@ -6653,7 +7299,7 @@
                 </a:r>
                 <a:r>
                   <a:rPr lang="en-US" dirty="0"/>
-                  <a:t>: Estimate the state value by learning a approximation function </a:t>
+                  <a:t>: Estimate the state value by learning an approximation function </a:t>
                 </a:r>
                 <a14:m>
                   <m:oMath xmlns:m="http://schemas.openxmlformats.org/officeDocument/2006/math">
@@ -7157,8 +7803,8 @@
           </p:sp>
         </mc:Fallback>
       </mc:AlternateContent>
-      <mc:AlternateContent xmlns:mc="http://schemas.openxmlformats.org/markup-compatibility/2006" xmlns:a14="http://schemas.microsoft.com/office/drawing/2010/main">
-        <mc:Choice Requires="a14">
+      <mc:AlternateContent xmlns:mc="http://schemas.openxmlformats.org/markup-compatibility/2006">
+        <mc:Choice xmlns:a14="http://schemas.microsoft.com/office/drawing/2010/main" Requires="a14">
           <p:sp>
             <p:nvSpPr>
               <p:cNvPr id="11" name="TextBox 10">
@@ -7240,7 +7886,7 @@
                             <a:rPr lang="en-US" b="0" i="1" smtClean="0">
                               <a:latin typeface="Cambria Math" panose="02040503050406030204" pitchFamily="18" charset="0"/>
                             </a:rPr>
-                            <m:t>𝑡h𝑒𝑡𝑎</m:t>
+                            <m:t>𝜃</m:t>
                           </m:r>
                         </m:sub>
                       </m:sSub>
@@ -7386,7 +8032,7 @@
             </p:txBody>
           </p:sp>
         </mc:Choice>
-        <mc:Fallback xmlns="">
+        <mc:Fallback>
           <p:sp>
             <p:nvSpPr>
               <p:cNvPr id="11" name="TextBox 10">
@@ -7431,57 +8077,123 @@
           </p:sp>
         </mc:Fallback>
       </mc:AlternateContent>
-      <p:sp>
-        <p:nvSpPr>
-          <p:cNvPr id="4" name="TextBox 3">
-            <a:extLst>
-              <a:ext uri="{FF2B5EF4-FFF2-40B4-BE49-F238E27FC236}">
-                <a16:creationId xmlns:a16="http://schemas.microsoft.com/office/drawing/2014/main" id="{AA30E349-ECB3-964A-60AA-E1811149372D}"/>
-              </a:ext>
-            </a:extLst>
-          </p:cNvPr>
-          <p:cNvSpPr txBox="1"/>
-          <p:nvPr/>
-        </p:nvSpPr>
-        <p:spPr>
-          <a:xfrm>
-            <a:off x="838200" y="5615226"/>
-            <a:ext cx="10744200" cy="830997"/>
-          </a:xfrm>
-          <a:prstGeom prst="rect">
-            <a:avLst/>
-          </a:prstGeom>
-          <a:noFill/>
-        </p:spPr>
-        <p:txBody>
-          <a:bodyPr wrap="square" rtlCol="0">
-            <a:spAutoFit/>
-          </a:bodyPr>
-          <a:lstStyle/>
-          <a:p>
-            <a:r>
-              <a:rPr lang="en-US" sz="1600" b="1" dirty="0"/>
-              <a:t>Notes</a:t>
-            </a:r>
-            <a:r>
-              <a:rPr lang="en-US" sz="1600" dirty="0"/>
-              <a:t>:</a:t>
-            </a:r>
-          </a:p>
-          <a:p>
-            <a:r>
-              <a:rPr lang="en-US" sz="1600" dirty="0"/>
-              <a:t>We can also approximate the state-value function Q for Q-learning.</a:t>
-            </a:r>
-          </a:p>
-          <a:p>
-            <a:r>
-              <a:rPr lang="en-US" sz="1600" dirty="0"/>
-              <a:t>We typically need non-linear approximators that can be incrementally updated (online learning).  → Deep ANNs</a:t>
-            </a:r>
-          </a:p>
-        </p:txBody>
-      </p:sp>
+      <mc:AlternateContent xmlns:mc="http://schemas.openxmlformats.org/markup-compatibility/2006">
+        <mc:Choice xmlns:a14="http://schemas.microsoft.com/office/drawing/2010/main" Requires="a14">
+          <p:sp>
+            <p:nvSpPr>
+              <p:cNvPr id="4" name="TextBox 3">
+                <a:extLst>
+                  <a:ext uri="{FF2B5EF4-FFF2-40B4-BE49-F238E27FC236}">
+                    <a16:creationId xmlns:a16="http://schemas.microsoft.com/office/drawing/2014/main" id="{AA30E349-ECB3-964A-60AA-E1811149372D}"/>
+                  </a:ext>
+                </a:extLst>
+              </p:cNvPr>
+              <p:cNvSpPr txBox="1"/>
+              <p:nvPr/>
+            </p:nvSpPr>
+            <p:spPr>
+              <a:xfrm>
+                <a:off x="838200" y="5615226"/>
+                <a:ext cx="10744200" cy="830997"/>
+              </a:xfrm>
+              <a:prstGeom prst="rect">
+                <a:avLst/>
+              </a:prstGeom>
+              <a:noFill/>
+            </p:spPr>
+            <p:txBody>
+              <a:bodyPr wrap="square" rtlCol="0">
+                <a:spAutoFit/>
+              </a:bodyPr>
+              <a:lstStyle/>
+              <a:p>
+                <a:r>
+                  <a:rPr lang="en-US" sz="1600" b="1" dirty="0"/>
+                  <a:t>Notes</a:t>
+                </a:r>
+                <a:r>
+                  <a:rPr lang="en-US" sz="1600" dirty="0"/>
+                  <a:t>:</a:t>
+                </a:r>
+              </a:p>
+              <a:p>
+                <a:pPr marL="285750" indent="-285750">
+                  <a:buFont typeface="Arial" panose="020B0604020202020204" pitchFamily="34" charset="0"/>
+                  <a:buChar char="•"/>
+                </a:pPr>
+                <a14:m>
+                  <m:oMath xmlns:m="http://schemas.openxmlformats.org/officeDocument/2006/math">
+                    <m:r>
+                      <a:rPr lang="en-US" sz="1600" b="1" i="1" smtClean="0">
+                        <a:latin typeface="Cambria Math" panose="02040503050406030204" pitchFamily="18" charset="0"/>
+                      </a:rPr>
+                      <m:t>𝜽</m:t>
+                    </m:r>
+                  </m:oMath>
+                </a14:m>
+                <a:r>
+                  <a:rPr lang="en-US" sz="1600" dirty="0"/>
+                  <a:t> can be updated iteratively after each new observed utility.</a:t>
+                </a:r>
+              </a:p>
+              <a:p>
+                <a:pPr marL="285750" indent="-285750">
+                  <a:buFont typeface="Arial" panose="020B0604020202020204" pitchFamily="34" charset="0"/>
+                  <a:buChar char="•"/>
+                </a:pPr>
+                <a:r>
+                  <a:rPr lang="en-US" sz="1600" dirty="0"/>
+                  <a:t>We typically need non-linear approximators that can be incrementally updated (online learning).  → Deep ANNs</a:t>
+                </a:r>
+              </a:p>
+            </p:txBody>
+          </p:sp>
+        </mc:Choice>
+        <mc:Fallback>
+          <p:sp>
+            <p:nvSpPr>
+              <p:cNvPr id="4" name="TextBox 3">
+                <a:extLst>
+                  <a:ext uri="{FF2B5EF4-FFF2-40B4-BE49-F238E27FC236}">
+                    <a16:creationId xmlns:a16="http://schemas.microsoft.com/office/drawing/2014/main" id="{AA30E349-ECB3-964A-60AA-E1811149372D}"/>
+                  </a:ext>
+                </a:extLst>
+              </p:cNvPr>
+              <p:cNvSpPr txBox="1">
+                <a:spLocks noRot="1" noChangeAspect="1" noMove="1" noResize="1" noEditPoints="1" noAdjustHandles="1" noChangeArrowheads="1" noChangeShapeType="1" noTextEdit="1"/>
+              </p:cNvSpPr>
+              <p:nvPr/>
+            </p:nvSpPr>
+            <p:spPr>
+              <a:xfrm>
+                <a:off x="838200" y="5615226"/>
+                <a:ext cx="10744200" cy="830997"/>
+              </a:xfrm>
+              <a:prstGeom prst="rect">
+                <a:avLst/>
+              </a:prstGeom>
+              <a:blipFill>
+                <a:blip r:embed="rId8"/>
+                <a:stretch>
+                  <a:fillRect l="-341" t="-2206" b="-8824"/>
+                </a:stretch>
+              </a:blipFill>
+            </p:spPr>
+            <p:txBody>
+              <a:bodyPr/>
+              <a:lstStyle/>
+              <a:p>
+                <a:r>
+                  <a:rPr lang="en-US">
+                    <a:noFill/>
+                  </a:rPr>
+                  <a:t> </a:t>
+                </a:r>
+              </a:p>
+            </p:txBody>
+          </p:sp>
+        </mc:Fallback>
+      </mc:AlternateContent>
     </p:spTree>
     <p:extLst>
       <p:ext uri="{BB962C8B-B14F-4D97-AF65-F5344CB8AC3E}">
@@ -7495,7 +8207,7 @@
 </p:sld>
 </file>
 
-<file path=ppt/slides/slide14.xml><?xml version="1.0" encoding="utf-8"?>
+<file path=ppt/slides/slide15.xml><?xml version="1.0" encoding="utf-8"?>
 <p:sld xmlns:a="http://schemas.openxmlformats.org/drawingml/2006/main" xmlns:r="http://schemas.openxmlformats.org/officeDocument/2006/relationships" xmlns:p="http://schemas.openxmlformats.org/presentationml/2006/main">
   <p:cSld>
     <p:bg>
@@ -8215,10 +8927,10 @@
       </p:sp>
       <p:grpSp>
         <p:nvGrpSpPr>
-          <p:cNvPr id="21" name="Group 20">
+          <p:cNvPr id="30" name="Group 29">
             <a:extLst>
               <a:ext uri="{FF2B5EF4-FFF2-40B4-BE49-F238E27FC236}">
-                <a16:creationId xmlns:a16="http://schemas.microsoft.com/office/drawing/2014/main" id="{42641CD2-2401-1ECB-AE59-ACE90441E3F4}"/>
+                <a16:creationId xmlns:a16="http://schemas.microsoft.com/office/drawing/2014/main" id="{CC0FE0EC-4123-5E44-D92D-2C48475436C1}"/>
               </a:ext>
             </a:extLst>
           </p:cNvPr>
@@ -8227,9 +8939,9 @@
         </p:nvGrpSpPr>
         <p:grpSpPr>
           <a:xfrm>
-            <a:off x="1828800" y="3349993"/>
+            <a:off x="1828800" y="3469035"/>
             <a:ext cx="3797460" cy="3154202"/>
-            <a:chOff x="4131037" y="3596833"/>
+            <a:chOff x="1828800" y="3338673"/>
             <a:chExt cx="3797460" cy="3154202"/>
           </a:xfrm>
         </p:grpSpPr>
@@ -8247,7 +8959,7 @@
           </p:nvSpPr>
           <p:spPr>
             <a:xfrm>
-              <a:off x="5486400" y="5257800"/>
+              <a:off x="3184163" y="4999640"/>
               <a:ext cx="1600200" cy="1066800"/>
             </a:xfrm>
             <a:prstGeom prst="rect">
@@ -8294,7 +9006,7 @@
           </p:nvSpPr>
           <p:spPr>
             <a:xfrm>
-              <a:off x="5486400" y="3761772"/>
+              <a:off x="3184163" y="3503612"/>
               <a:ext cx="1600200" cy="1066800"/>
             </a:xfrm>
             <a:prstGeom prst="rect">
@@ -8344,7 +9056,7 @@
           </p:nvCxnSpPr>
           <p:spPr>
             <a:xfrm>
-              <a:off x="7086600" y="4295172"/>
+              <a:off x="4784363" y="4037012"/>
               <a:ext cx="12700" cy="1496028"/>
             </a:xfrm>
             <a:prstGeom prst="curvedConnector3">
@@ -8381,6 +9093,7 @@
               </a:extLst>
             </p:cNvPr>
             <p:cNvCxnSpPr>
+              <a:cxnSpLocks/>
               <a:stCxn id="4" idx="1"/>
               <a:endCxn id="5" idx="1"/>
             </p:cNvCxnSpPr>
@@ -8388,7 +9101,7 @@
           </p:nvCxnSpPr>
           <p:spPr>
             <a:xfrm rot="10800000">
-              <a:off x="5486400" y="4295172"/>
+              <a:off x="3184163" y="4037012"/>
               <a:ext cx="12700" cy="1496028"/>
             </a:xfrm>
             <a:prstGeom prst="curvedConnector3">
@@ -8424,12 +9137,14 @@
                 </a:ext>
               </a:extLst>
             </p:cNvPr>
-            <p:cNvCxnSpPr/>
+            <p:cNvCxnSpPr>
+              <a:cxnSpLocks/>
+            </p:cNvCxnSpPr>
             <p:nvPr/>
           </p:nvCxnSpPr>
           <p:spPr>
             <a:xfrm rot="10800000">
-              <a:off x="5499100" y="4295172"/>
+              <a:off x="3196863" y="4037012"/>
               <a:ext cx="12700" cy="1496028"/>
             </a:xfrm>
             <a:prstGeom prst="curvedConnector3">
@@ -8456,8 +9171,8 @@
             </a:fontRef>
           </p:style>
         </p:cxnSp>
-        <mc:AlternateContent xmlns:mc="http://schemas.openxmlformats.org/markup-compatibility/2006" xmlns:a14="http://schemas.microsoft.com/office/drawing/2010/main">
-          <mc:Choice Requires="a14">
+        <mc:AlternateContent xmlns:mc="http://schemas.openxmlformats.org/markup-compatibility/2006">
+          <mc:Choice xmlns:a14="http://schemas.microsoft.com/office/drawing/2010/main" Requires="a14">
             <p:sp>
               <p:nvSpPr>
                 <p:cNvPr id="16" name="TextBox 15">
@@ -8472,7 +9187,7 @@
               </p:nvSpPr>
               <p:spPr>
                 <a:xfrm>
-                  <a:off x="7086600" y="3596833"/>
+                  <a:off x="4784363" y="3338673"/>
                   <a:ext cx="841897" cy="646331"/>
                 </a:xfrm>
                 <a:prstGeom prst="rect">
@@ -8530,7 +9245,7 @@
               </p:txBody>
             </p:sp>
           </mc:Choice>
-          <mc:Fallback xmlns="">
+          <mc:Fallback>
             <p:sp>
               <p:nvSpPr>
                 <p:cNvPr id="16" name="TextBox 15">
@@ -8547,7 +9262,7 @@
               </p:nvSpPr>
               <p:spPr>
                 <a:xfrm>
-                  <a:off x="7086600" y="3596833"/>
+                  <a:off x="4784363" y="3338673"/>
                   <a:ext cx="841897" cy="646331"/>
                 </a:xfrm>
                 <a:prstGeom prst="rect">
@@ -8556,7 +9271,7 @@
                 <a:blipFill>
                   <a:blip r:embed="rId2"/>
                   <a:stretch>
-                    <a:fillRect l="-6522" t="-5660" r="-5072"/>
+                    <a:fillRect l="-6522" t="-4717" r="-5072"/>
                   </a:stretch>
                 </a:blipFill>
               </p:spPr>
@@ -8575,8 +9290,8 @@
             </p:sp>
           </mc:Fallback>
         </mc:AlternateContent>
-        <mc:AlternateContent xmlns:mc="http://schemas.openxmlformats.org/markup-compatibility/2006" xmlns:a14="http://schemas.microsoft.com/office/drawing/2010/main">
-          <mc:Choice Requires="a14">
+        <mc:AlternateContent xmlns:mc="http://schemas.openxmlformats.org/markup-compatibility/2006">
+          <mc:Choice xmlns:a14="http://schemas.microsoft.com/office/drawing/2010/main" Requires="a14">
             <p:sp>
               <p:nvSpPr>
                 <p:cNvPr id="17" name="TextBox 16">
@@ -8591,7 +9306,7 @@
               </p:nvSpPr>
               <p:spPr>
                 <a:xfrm>
-                  <a:off x="4131037" y="5827705"/>
+                  <a:off x="1828800" y="5569545"/>
                   <a:ext cx="1380763" cy="923330"/>
                 </a:xfrm>
                 <a:prstGeom prst="rect">
@@ -8664,7 +9379,7 @@
               </p:txBody>
             </p:sp>
           </mc:Choice>
-          <mc:Fallback xmlns="">
+          <mc:Fallback>
             <p:sp>
               <p:nvSpPr>
                 <p:cNvPr id="17" name="TextBox 16">
@@ -8681,7 +9396,7 @@
               </p:nvSpPr>
               <p:spPr>
                 <a:xfrm>
-                  <a:off x="4131037" y="5827705"/>
+                  <a:off x="1828800" y="5569545"/>
                   <a:ext cx="1380763" cy="923330"/>
                 </a:xfrm>
                 <a:prstGeom prst="rect">
@@ -8690,7 +9405,7 @@
                 <a:blipFill>
                   <a:blip r:embed="rId3"/>
                   <a:stretch>
-                    <a:fillRect l="-3084" t="-3289" r="-2643"/>
+                    <a:fillRect l="-3084" t="-3311" r="-2643"/>
                   </a:stretch>
                 </a:blipFill>
               </p:spPr>
@@ -8709,8 +9424,8 @@
             </p:sp>
           </mc:Fallback>
         </mc:AlternateContent>
-        <mc:AlternateContent xmlns:mc="http://schemas.openxmlformats.org/markup-compatibility/2006" xmlns:a14="http://schemas.microsoft.com/office/drawing/2010/main">
-          <mc:Choice Requires="a14">
+        <mc:AlternateContent xmlns:mc="http://schemas.openxmlformats.org/markup-compatibility/2006">
+          <mc:Choice xmlns:a14="http://schemas.microsoft.com/office/drawing/2010/main" Requires="a14">
             <p:sp>
               <p:nvSpPr>
                 <p:cNvPr id="18" name="TextBox 17">
@@ -8725,7 +9440,7 @@
               </p:nvSpPr>
               <p:spPr>
                 <a:xfrm>
-                  <a:off x="4622157" y="5013238"/>
+                  <a:off x="2319920" y="4755078"/>
                   <a:ext cx="1014380" cy="923330"/>
                 </a:xfrm>
                 <a:prstGeom prst="rect">
@@ -8798,7 +9513,7 @@
               </p:txBody>
             </p:sp>
           </mc:Choice>
-          <mc:Fallback xmlns="">
+          <mc:Fallback>
             <p:sp>
               <p:nvSpPr>
                 <p:cNvPr id="18" name="TextBox 17">
@@ -8815,7 +9530,7 @@
               </p:nvSpPr>
               <p:spPr>
                 <a:xfrm>
-                  <a:off x="4622157" y="5013238"/>
+                  <a:off x="2319920" y="4755078"/>
                   <a:ext cx="1014380" cy="923330"/>
                 </a:xfrm>
                 <a:prstGeom prst="rect">
@@ -8824,7 +9539,7 @@
                 <a:blipFill>
                   <a:blip r:embed="rId4"/>
                   <a:stretch>
-                    <a:fillRect l="-1807" t="-3974" r="-602"/>
+                    <a:fillRect l="-1807" t="-3289" r="-602"/>
                   </a:stretch>
                 </a:blipFill>
               </p:spPr>
@@ -9267,8 +9982,8 @@
           </a:p>
         </p:txBody>
       </p:sp>
-      <mc:AlternateContent xmlns:mc="http://schemas.openxmlformats.org/markup-compatibility/2006">
-        <mc:Choice xmlns:a14="http://schemas.microsoft.com/office/drawing/2010/main" Requires="a14">
+      <mc:AlternateContent xmlns:mc="http://schemas.openxmlformats.org/markup-compatibility/2006" xmlns:a14="http://schemas.microsoft.com/office/drawing/2010/main">
+        <mc:Choice Requires="a14">
           <p:sp>
             <p:nvSpPr>
               <p:cNvPr id="24" name="TextBox 23">
@@ -9446,7 +10161,7 @@
             </p:txBody>
           </p:sp>
         </mc:Choice>
-        <mc:Fallback>
+        <mc:Fallback xmlns="">
           <p:sp>
             <p:nvSpPr>
               <p:cNvPr id="24" name="TextBox 23">
@@ -9544,7 +10259,7 @@
           <a:p>
             <a:r>
               <a:rPr lang="en-US" dirty="0"/>
-              <a:t>Markov Decision Process (MDP)</a:t>
+              <a:t>Definition: Markov Decision Process (MDP)</a:t>
             </a:r>
           </a:p>
         </p:txBody>
@@ -9569,7 +10284,9 @@
             </p:nvSpPr>
             <p:spPr/>
             <p:txBody>
-              <a:bodyPr/>
+              <a:bodyPr>
+                <a:normAutofit fontScale="77500" lnSpcReduction="20000"/>
+              </a:bodyPr>
               <a:lstStyle/>
               <a:p>
                 <a:r>
@@ -9640,6 +10357,9 @@
                   <a:rPr lang="en-US" dirty="0"/>
                   <a:t>. </a:t>
                 </a:r>
+              </a:p>
+              <a:p>
+                <a:endParaRPr lang="en-US" dirty="0"/>
               </a:p>
               <a:p>
                 <a:r>
@@ -9907,85 +10627,31 @@
               <a:p>
                 <a:r>
                   <a:rPr lang="en-US" dirty="0"/>
-                  <a:t>The goal is to find an </a:t>
+                  <a:t>The transition model is Markovian: Transitions only depend on the previous state and the action.</a:t>
                 </a:r>
-                <a:r>
-                  <a:rPr lang="en-US" b="1" dirty="0"/>
-                  <a:t>optimal policy </a:t>
-                </a:r>
-                <a14:m>
-                  <m:oMath xmlns:m="http://schemas.openxmlformats.org/officeDocument/2006/math">
-                    <m:sSup>
-                      <m:sSupPr>
-                        <m:ctrlPr>
-                          <a:rPr lang="en-US" b="1" i="1" smtClean="0">
-                            <a:latin typeface="Cambria Math" panose="02040503050406030204" pitchFamily="18" charset="0"/>
-                          </a:rPr>
-                        </m:ctrlPr>
-                      </m:sSupPr>
-                      <m:e>
-                        <m:r>
-                          <a:rPr lang="en-US" b="1" i="1" smtClean="0">
-                            <a:latin typeface="Cambria Math" panose="02040503050406030204" pitchFamily="18" charset="0"/>
-                          </a:rPr>
-                          <m:t>𝝅</m:t>
-                        </m:r>
-                      </m:e>
-                      <m:sup>
-                        <m:r>
-                          <a:rPr lang="en-US" b="1" i="1" smtClean="0">
-                            <a:latin typeface="Cambria Math" panose="02040503050406030204" pitchFamily="18" charset="0"/>
-                          </a:rPr>
-                          <m:t>∗</m:t>
-                        </m:r>
-                      </m:sup>
-                    </m:sSup>
-                  </m:oMath>
-                </a14:m>
-                <a:r>
-                  <a:rPr lang="en-US" b="1" dirty="0"/>
-                  <a:t> </a:t>
-                </a:r>
+              </a:p>
+              <a:p>
+                <a:endParaRPr lang="en-US" dirty="0"/>
+              </a:p>
+              <a:p>
                 <a:r>
                   <a:rPr lang="en-US" dirty="0"/>
-                  <a:t>that prescribes for each state the optimal action </a:t>
+                  <a:t>Time horizon</a:t>
                 </a:r>
-                <a14:m>
-                  <m:oMath xmlns:m="http://schemas.openxmlformats.org/officeDocument/2006/math">
-                    <m:r>
-                      <a:rPr lang="en-US" b="0" i="1" smtClean="0">
-                        <a:latin typeface="Cambria Math" panose="02040503050406030204" pitchFamily="18" charset="0"/>
-                      </a:rPr>
-                      <m:t>𝜋</m:t>
-                    </m:r>
-                    <m:d>
-                      <m:dPr>
-                        <m:ctrlPr>
-                          <a:rPr lang="en-US" b="0" i="1" smtClean="0">
-                            <a:latin typeface="Cambria Math" panose="02040503050406030204" pitchFamily="18" charset="0"/>
-                          </a:rPr>
-                        </m:ctrlPr>
-                      </m:dPr>
-                      <m:e>
-                        <m:r>
-                          <a:rPr lang="en-US" b="0" i="1" smtClean="0">
-                            <a:latin typeface="Cambria Math" panose="02040503050406030204" pitchFamily="18" charset="0"/>
-                          </a:rPr>
-                          <m:t>𝑠</m:t>
-                        </m:r>
-                      </m:e>
-                    </m:d>
-                  </m:oMath>
-                </a14:m>
-                <a:r>
-                  <a:rPr lang="en-US" b="1" dirty="0"/>
-                  <a:t> </a:t>
-                </a:r>
+              </a:p>
+              <a:p>
+                <a:pPr lvl="1"/>
                 <a:r>
                   <a:rPr lang="en-US" dirty="0"/>
-                  <a:t>to maximize the expected utility over time.</a:t>
+                  <a:t>Infinite horizon: non-episodic task environment</a:t>
                 </a:r>
-                <a:endParaRPr lang="en-US" b="1" dirty="0"/>
+              </a:p>
+              <a:p>
+                <a:pPr lvl="1"/>
+                <a:r>
+                  <a:rPr lang="en-US" dirty="0"/>
+                  <a:t>Finite horizon: episodic task environment</a:t>
+                </a:r>
               </a:p>
             </p:txBody>
           </p:sp>
@@ -10011,7 +10677,7 @@
               <a:blipFill>
                 <a:blip r:embed="rId3"/>
                 <a:stretch>
-                  <a:fillRect l="-1043" t="-2241" r="-174" b="-1261"/>
+                  <a:fillRect l="-696" t="-2801" r="-1101"/>
                 </a:stretch>
               </a:blipFill>
             </p:spPr>
@@ -10033,7 +10699,7 @@
     </p:spTree>
     <p:extLst>
       <p:ext uri="{BB962C8B-B14F-4D97-AF65-F5344CB8AC3E}">
-        <p14:creationId xmlns:p14="http://schemas.microsoft.com/office/powerpoint/2010/main" val="4148830465"/>
+        <p14:creationId xmlns:p14="http://schemas.microsoft.com/office/powerpoint/2010/main" val="2760546627"/>
       </p:ext>
     </p:extLst>
   </p:cSld>
@@ -10088,135 +10754,52 @@
           </a:p>
         </p:txBody>
       </p:sp>
-      <mc:AlternateContent xmlns:mc="http://schemas.openxmlformats.org/markup-compatibility/2006" xmlns:a14="http://schemas.microsoft.com/office/drawing/2010/main">
-        <mc:Choice Requires="a14">
-          <p:sp>
-            <p:nvSpPr>
-              <p:cNvPr id="3" name="Content Placeholder 2">
-                <a:extLst>
-                  <a:ext uri="{FF2B5EF4-FFF2-40B4-BE49-F238E27FC236}">
-                    <a16:creationId xmlns:a16="http://schemas.microsoft.com/office/drawing/2014/main" id="{E2C4ED40-DE5A-5D21-F8C7-D6BE61B02DD2}"/>
-                  </a:ext>
-                </a:extLst>
-              </p:cNvPr>
-              <p:cNvSpPr>
-                <a:spLocks noGrp="1"/>
-              </p:cNvSpPr>
-              <p:nvPr>
-                <p:ph idx="1"/>
-              </p:nvPr>
-            </p:nvSpPr>
-            <p:spPr>
-              <a:xfrm>
-                <a:off x="9208320" y="2437065"/>
-                <a:ext cx="2540767" cy="2896936"/>
-              </a:xfrm>
-            </p:spPr>
-            <p:txBody>
-              <a:bodyPr/>
-              <a:lstStyle/>
-              <a:p>
-                <a:pPr marL="0" indent="0">
-                  <a:buNone/>
-                </a:pPr>
-                <a:r>
-                  <a:rPr lang="en-US" b="1" dirty="0"/>
-                  <a:t>Goal</a:t>
-                </a:r>
-                <a:r>
-                  <a:rPr lang="en-US" dirty="0"/>
-                  <a:t>: What direction should we go in each square?</a:t>
-                </a:r>
-              </a:p>
-              <a:p>
-                <a:endParaRPr lang="en-US" dirty="0"/>
-              </a:p>
-              <a:p>
-                <a:pPr marL="0" indent="0">
-                  <a:buNone/>
-                </a:pPr>
-                <a14:m>
-                  <m:oMathPara xmlns:m="http://schemas.openxmlformats.org/officeDocument/2006/math">
-                    <m:oMathParaPr>
-                      <m:jc m:val="centerGroup"/>
-                    </m:oMathParaPr>
-                    <m:oMath xmlns:m="http://schemas.openxmlformats.org/officeDocument/2006/math">
-                      <m:r>
-                        <a:rPr lang="en-US" b="0" i="1" smtClean="0">
-                          <a:latin typeface="Cambria Math" panose="02040503050406030204" pitchFamily="18" charset="0"/>
-                        </a:rPr>
-                        <m:t>𝜋</m:t>
-                      </m:r>
-                      <m:r>
-                        <a:rPr lang="en-US" b="0" i="1" smtClean="0">
-                          <a:latin typeface="Cambria Math" panose="02040503050406030204" pitchFamily="18" charset="0"/>
-                        </a:rPr>
-                        <m:t>(</m:t>
-                      </m:r>
-                      <m:r>
-                        <a:rPr lang="en-US" b="0" i="1" smtClean="0">
-                          <a:latin typeface="Cambria Math" panose="02040503050406030204" pitchFamily="18" charset="0"/>
-                        </a:rPr>
-                        <m:t>𝑠</m:t>
-                      </m:r>
-                      <m:r>
-                        <a:rPr lang="en-US" b="0" i="1" smtClean="0">
-                          <a:latin typeface="Cambria Math" panose="02040503050406030204" pitchFamily="18" charset="0"/>
-                        </a:rPr>
-                        <m:t>)</m:t>
-                      </m:r>
-                    </m:oMath>
-                  </m:oMathPara>
-                </a14:m>
-                <a:endParaRPr lang="en-US" dirty="0"/>
-              </a:p>
-            </p:txBody>
-          </p:sp>
-        </mc:Choice>
-        <mc:Fallback xmlns="">
-          <p:sp>
-            <p:nvSpPr>
-              <p:cNvPr id="3" name="Content Placeholder 2">
-                <a:extLst>
-                  <a:ext uri="{FF2B5EF4-FFF2-40B4-BE49-F238E27FC236}">
-                    <a16:creationId xmlns:a16="http://schemas.microsoft.com/office/drawing/2014/main" id="{E2C4ED40-DE5A-5D21-F8C7-D6BE61B02DD2}"/>
-                  </a:ext>
-                </a:extLst>
-              </p:cNvPr>
-              <p:cNvSpPr>
-                <a:spLocks noGrp="1" noRot="1" noChangeAspect="1" noMove="1" noResize="1" noEditPoints="1" noAdjustHandles="1" noChangeArrowheads="1" noChangeShapeType="1" noTextEdit="1"/>
-              </p:cNvSpPr>
-              <p:nvPr>
-                <p:ph idx="1"/>
-              </p:nvPr>
-            </p:nvSpPr>
-            <p:spPr>
-              <a:xfrm>
-                <a:off x="9208320" y="2437065"/>
-                <a:ext cx="2540767" cy="2896936"/>
-              </a:xfrm>
-              <a:blipFill>
-                <a:blip r:embed="rId2"/>
-                <a:stretch>
-                  <a:fillRect l="-5048" t="-3579" r="-7452"/>
-                </a:stretch>
-              </a:blipFill>
-            </p:spPr>
-            <p:txBody>
-              <a:bodyPr/>
-              <a:lstStyle/>
-              <a:p>
-                <a:r>
-                  <a:rPr lang="en-US">
-                    <a:noFill/>
-                  </a:rPr>
-                  <a:t> </a:t>
-                </a:r>
-              </a:p>
-            </p:txBody>
-          </p:sp>
-        </mc:Fallback>
-      </mc:AlternateContent>
+      <p:sp>
+        <p:nvSpPr>
+          <p:cNvPr id="3" name="Content Placeholder 2">
+            <a:extLst>
+              <a:ext uri="{FF2B5EF4-FFF2-40B4-BE49-F238E27FC236}">
+                <a16:creationId xmlns:a16="http://schemas.microsoft.com/office/drawing/2014/main" id="{E2C4ED40-DE5A-5D21-F8C7-D6BE61B02DD2}"/>
+              </a:ext>
+            </a:extLst>
+          </p:cNvPr>
+          <p:cNvSpPr>
+            <a:spLocks noGrp="1"/>
+          </p:cNvSpPr>
+          <p:nvPr>
+            <p:ph idx="1"/>
+          </p:nvPr>
+        </p:nvSpPr>
+        <p:spPr>
+          <a:xfrm>
+            <a:off x="9208320" y="2437065"/>
+            <a:ext cx="2540767" cy="2896936"/>
+          </a:xfrm>
+        </p:spPr>
+        <p:txBody>
+          <a:bodyPr/>
+          <a:lstStyle/>
+          <a:p>
+            <a:pPr marL="0" indent="0">
+              <a:buNone/>
+            </a:pPr>
+            <a:r>
+              <a:rPr lang="en-US" b="1" dirty="0"/>
+              <a:t>Goal</a:t>
+            </a:r>
+            <a:r>
+              <a:rPr lang="en-US" dirty="0"/>
+              <a:t>: What direction should we go in each square?</a:t>
+            </a:r>
+          </a:p>
+          <a:p>
+            <a:pPr marL="0" indent="0">
+              <a:buNone/>
+            </a:pPr>
+            <a:endParaRPr lang="en-US" dirty="0"/>
+          </a:p>
+        </p:txBody>
+      </p:sp>
       <p:grpSp>
         <p:nvGrpSpPr>
           <p:cNvPr id="25" name="Group 24">
@@ -10252,7 +10835,7 @@
             <p:nvPr/>
           </p:nvPicPr>
           <p:blipFill>
-            <a:blip r:embed="rId3"/>
+            <a:blip r:embed="rId2"/>
             <a:stretch>
               <a:fillRect/>
             </a:stretch>
@@ -10534,8 +11117,8 @@
             </p:sp>
           </mc:Fallback>
         </mc:AlternateContent>
-        <mc:AlternateContent xmlns:mc="http://schemas.openxmlformats.org/markup-compatibility/2006">
-          <mc:Choice xmlns:a14="http://schemas.microsoft.com/office/drawing/2010/main" Requires="a14">
+        <mc:AlternateContent xmlns:mc="http://schemas.openxmlformats.org/markup-compatibility/2006" xmlns:a14="http://schemas.microsoft.com/office/drawing/2010/main">
+          <mc:Choice Requires="a14">
             <p:sp>
               <p:nvSpPr>
                 <p:cNvPr id="14" name="Speech Bubble: Rectangle with Corners Rounded 13">
@@ -10604,7 +11187,7 @@
               </p:txBody>
             </p:sp>
           </mc:Choice>
-          <mc:Fallback>
+          <mc:Fallback xmlns="">
             <p:sp>
               <p:nvSpPr>
                 <p:cNvPr id="14" name="Speech Bubble: Rectangle with Corners Rounded 13">
@@ -11171,6 +11754,1168 @@
           <p:cNvPr id="2" name="Title 1">
             <a:extLst>
               <a:ext uri="{FF2B5EF4-FFF2-40B4-BE49-F238E27FC236}">
+                <a16:creationId xmlns:a16="http://schemas.microsoft.com/office/drawing/2014/main" id="{D9F5F5F5-EC40-5394-0867-04B1ECEE8CC3}"/>
+              </a:ext>
+            </a:extLst>
+          </p:cNvPr>
+          <p:cNvSpPr>
+            <a:spLocks noGrp="1"/>
+          </p:cNvSpPr>
+          <p:nvPr>
+            <p:ph type="title"/>
+          </p:nvPr>
+        </p:nvSpPr>
+        <p:spPr/>
+        <p:txBody>
+          <a:bodyPr/>
+          <a:lstStyle/>
+          <a:p>
+            <a:r>
+              <a:rPr lang="en-US" dirty="0"/>
+              <a:t>Optimal Policy</a:t>
+            </a:r>
+          </a:p>
+        </p:txBody>
+      </p:sp>
+      <mc:AlternateContent xmlns:mc="http://schemas.openxmlformats.org/markup-compatibility/2006">
+        <mc:Choice xmlns:a14="http://schemas.microsoft.com/office/drawing/2010/main" Requires="a14">
+          <p:sp>
+            <p:nvSpPr>
+              <p:cNvPr id="3" name="Content Placeholder 2">
+                <a:extLst>
+                  <a:ext uri="{FF2B5EF4-FFF2-40B4-BE49-F238E27FC236}">
+                    <a16:creationId xmlns:a16="http://schemas.microsoft.com/office/drawing/2014/main" id="{304E457B-8075-F4C1-A239-1B05210072DE}"/>
+                  </a:ext>
+                </a:extLst>
+              </p:cNvPr>
+              <p:cNvSpPr>
+                <a:spLocks noGrp="1"/>
+              </p:cNvSpPr>
+              <p:nvPr>
+                <p:ph idx="1"/>
+              </p:nvPr>
+            </p:nvSpPr>
+            <p:spPr>
+              <a:xfrm>
+                <a:off x="838200" y="1825625"/>
+                <a:ext cx="10515600" cy="3736975"/>
+              </a:xfrm>
+            </p:spPr>
+            <p:txBody>
+              <a:bodyPr>
+                <a:normAutofit fontScale="85000" lnSpcReduction="20000"/>
+              </a:bodyPr>
+              <a:lstStyle/>
+              <a:p>
+                <a:r>
+                  <a:rPr lang="en-US" dirty="0"/>
+                  <a:t>The goal is to find an </a:t>
+                </a:r>
+                <a:r>
+                  <a:rPr lang="en-US" b="1" dirty="0"/>
+                  <a:t>optimal policy </a:t>
+                </a:r>
+                <a14:m>
+                  <m:oMath xmlns:m="http://schemas.openxmlformats.org/officeDocument/2006/math">
+                    <m:sSup>
+                      <m:sSupPr>
+                        <m:ctrlPr>
+                          <a:rPr lang="en-US" b="1" i="1" smtClean="0">
+                            <a:latin typeface="Cambria Math" panose="02040503050406030204" pitchFamily="18" charset="0"/>
+                          </a:rPr>
+                        </m:ctrlPr>
+                      </m:sSupPr>
+                      <m:e>
+                        <m:r>
+                          <a:rPr lang="en-US" b="1" i="1" smtClean="0">
+                            <a:latin typeface="Cambria Math" panose="02040503050406030204" pitchFamily="18" charset="0"/>
+                          </a:rPr>
+                          <m:t>𝝅</m:t>
+                        </m:r>
+                      </m:e>
+                      <m:sup>
+                        <m:r>
+                          <a:rPr lang="en-US" b="1" i="1" smtClean="0">
+                            <a:latin typeface="Cambria Math" panose="02040503050406030204" pitchFamily="18" charset="0"/>
+                          </a:rPr>
+                          <m:t>∗</m:t>
+                        </m:r>
+                      </m:sup>
+                    </m:sSup>
+                  </m:oMath>
+                </a14:m>
+                <a:r>
+                  <a:rPr lang="en-US" b="1" dirty="0"/>
+                  <a:t> </a:t>
+                </a:r>
+                <a:r>
+                  <a:rPr lang="en-US" dirty="0"/>
+                  <a:t>(a plan) that prescribes for each state the optimal action </a:t>
+                </a:r>
+                <a14:m>
+                  <m:oMath xmlns:m="http://schemas.openxmlformats.org/officeDocument/2006/math">
+                    <m:sSup>
+                      <m:sSupPr>
+                        <m:ctrlPr>
+                          <a:rPr lang="en-US" b="0" i="1" smtClean="0">
+                            <a:latin typeface="Cambria Math" panose="02040503050406030204" pitchFamily="18" charset="0"/>
+                          </a:rPr>
+                        </m:ctrlPr>
+                      </m:sSupPr>
+                      <m:e>
+                        <m:r>
+                          <a:rPr lang="en-US" b="0" i="1" smtClean="0">
+                            <a:latin typeface="Cambria Math" panose="02040503050406030204" pitchFamily="18" charset="0"/>
+                          </a:rPr>
+                          <m:t>𝜋</m:t>
+                        </m:r>
+                      </m:e>
+                      <m:sup>
+                        <m:r>
+                          <a:rPr lang="en-US" b="0" i="1" smtClean="0">
+                            <a:latin typeface="Cambria Math" panose="02040503050406030204" pitchFamily="18" charset="0"/>
+                          </a:rPr>
+                          <m:t>∗</m:t>
+                        </m:r>
+                      </m:sup>
+                    </m:sSup>
+                    <m:d>
+                      <m:dPr>
+                        <m:ctrlPr>
+                          <a:rPr lang="en-US" b="0" i="1" smtClean="0">
+                            <a:latin typeface="Cambria Math" panose="02040503050406030204" pitchFamily="18" charset="0"/>
+                          </a:rPr>
+                        </m:ctrlPr>
+                      </m:dPr>
+                      <m:e>
+                        <m:r>
+                          <a:rPr lang="en-US" b="0" i="1" smtClean="0">
+                            <a:latin typeface="Cambria Math" panose="02040503050406030204" pitchFamily="18" charset="0"/>
+                          </a:rPr>
+                          <m:t>𝑠</m:t>
+                        </m:r>
+                      </m:e>
+                    </m:d>
+                  </m:oMath>
+                </a14:m>
+                <a:r>
+                  <a:rPr lang="en-US" b="1" dirty="0"/>
+                  <a:t> </a:t>
+                </a:r>
+                <a:r>
+                  <a:rPr lang="en-US" dirty="0"/>
+                  <a:t>to maximize the expected utility over time. The policy is later executed by a simple reflex agent.</a:t>
+                </a:r>
+              </a:p>
+              <a:p>
+                <a:endParaRPr lang="en-US" dirty="0"/>
+              </a:p>
+              <a:p>
+                <a:r>
+                  <a:rPr lang="en-US" dirty="0"/>
+                  <a:t>Expected value of a state: </a:t>
+                </a:r>
+                <a14:m>
+                  <m:oMath xmlns:m="http://schemas.openxmlformats.org/officeDocument/2006/math">
+                    <m:sSup>
+                      <m:sSupPr>
+                        <m:ctrlPr>
+                          <a:rPr lang="en-US" b="0" i="1" smtClean="0">
+                            <a:latin typeface="Cambria Math" panose="02040503050406030204" pitchFamily="18" charset="0"/>
+                          </a:rPr>
+                        </m:ctrlPr>
+                      </m:sSupPr>
+                      <m:e>
+                        <m:r>
+                          <a:rPr lang="en-US" b="0" i="1" smtClean="0">
+                            <a:latin typeface="Cambria Math" panose="02040503050406030204" pitchFamily="18" charset="0"/>
+                          </a:rPr>
+                          <m:t>𝑈</m:t>
+                        </m:r>
+                      </m:e>
+                      <m:sup>
+                        <m:r>
+                          <a:rPr lang="en-US" b="0" i="1" smtClean="0">
+                            <a:latin typeface="Cambria Math" panose="02040503050406030204" pitchFamily="18" charset="0"/>
+                          </a:rPr>
+                          <m:t>𝜋</m:t>
+                        </m:r>
+                      </m:sup>
+                    </m:sSup>
+                    <m:d>
+                      <m:dPr>
+                        <m:ctrlPr>
+                          <a:rPr lang="en-US" b="0" i="1" smtClean="0">
+                            <a:latin typeface="Cambria Math" panose="02040503050406030204" pitchFamily="18" charset="0"/>
+                          </a:rPr>
+                        </m:ctrlPr>
+                      </m:dPr>
+                      <m:e>
+                        <m:r>
+                          <a:rPr lang="en-US" b="0" i="1" smtClean="0">
+                            <a:latin typeface="Cambria Math" panose="02040503050406030204" pitchFamily="18" charset="0"/>
+                          </a:rPr>
+                          <m:t>𝑠</m:t>
+                        </m:r>
+                      </m:e>
+                    </m:d>
+                    <m:r>
+                      <a:rPr lang="en-US" b="0" i="1" smtClean="0">
+                        <a:latin typeface="Cambria Math" panose="02040503050406030204" pitchFamily="18" charset="0"/>
+                      </a:rPr>
+                      <m:t>=</m:t>
+                    </m:r>
+                    <m:sSub>
+                      <m:sSubPr>
+                        <m:ctrlPr>
+                          <a:rPr lang="en-US" b="0" i="1" smtClean="0">
+                            <a:latin typeface="Cambria Math" panose="02040503050406030204" pitchFamily="18" charset="0"/>
+                          </a:rPr>
+                        </m:ctrlPr>
+                      </m:sSubPr>
+                      <m:e>
+                        <m:r>
+                          <a:rPr lang="en-US" b="0" i="1" smtClean="0">
+                            <a:latin typeface="Cambria Math" panose="02040503050406030204" pitchFamily="18" charset="0"/>
+                          </a:rPr>
+                          <m:t>𝐸</m:t>
+                        </m:r>
+                      </m:e>
+                      <m:sub>
+                        <m:r>
+                          <a:rPr lang="en-US" b="0" i="1" smtClean="0">
+                            <a:latin typeface="Cambria Math" panose="02040503050406030204" pitchFamily="18" charset="0"/>
+                          </a:rPr>
+                          <m:t>𝜋</m:t>
+                        </m:r>
+                      </m:sub>
+                    </m:sSub>
+                    <m:d>
+                      <m:dPr>
+                        <m:begChr m:val="["/>
+                        <m:endChr m:val="]"/>
+                        <m:ctrlPr>
+                          <a:rPr lang="en-US" b="0" i="1" smtClean="0">
+                            <a:latin typeface="Cambria Math" panose="02040503050406030204" pitchFamily="18" charset="0"/>
+                          </a:rPr>
+                        </m:ctrlPr>
+                      </m:dPr>
+                      <m:e>
+                        <m:nary>
+                          <m:naryPr>
+                            <m:chr m:val="∑"/>
+                            <m:ctrlPr>
+                              <a:rPr lang="en-US" b="0" i="1" smtClean="0">
+                                <a:latin typeface="Cambria Math" panose="02040503050406030204" pitchFamily="18" charset="0"/>
+                              </a:rPr>
+                            </m:ctrlPr>
+                          </m:naryPr>
+                          <m:sub>
+                            <m:r>
+                              <m:rPr>
+                                <m:brk m:alnAt="23"/>
+                              </m:rPr>
+                              <a:rPr lang="en-US" b="0" i="1" smtClean="0">
+                                <a:latin typeface="Cambria Math" panose="02040503050406030204" pitchFamily="18" charset="0"/>
+                              </a:rPr>
+                              <m:t>𝑡</m:t>
+                            </m:r>
+                            <m:r>
+                              <a:rPr lang="en-US" b="0" i="1" smtClean="0">
+                                <a:latin typeface="Cambria Math" panose="02040503050406030204" pitchFamily="18" charset="0"/>
+                              </a:rPr>
+                              <m:t>=0</m:t>
+                            </m:r>
+                          </m:sub>
+                          <m:sup>
+                            <m:r>
+                              <a:rPr lang="en-US" b="0" i="1" smtClean="0">
+                                <a:latin typeface="Cambria Math" panose="02040503050406030204" pitchFamily="18" charset="0"/>
+                              </a:rPr>
+                              <m:t>∞</m:t>
+                            </m:r>
+                          </m:sup>
+                          <m:e>
+                            <m:sSup>
+                              <m:sSupPr>
+                                <m:ctrlPr>
+                                  <a:rPr lang="en-US" b="0" i="1" smtClean="0">
+                                    <a:latin typeface="Cambria Math" panose="02040503050406030204" pitchFamily="18" charset="0"/>
+                                  </a:rPr>
+                                </m:ctrlPr>
+                              </m:sSupPr>
+                              <m:e>
+                                <m:r>
+                                  <a:rPr lang="en-US" b="0" i="1" smtClean="0">
+                                    <a:latin typeface="Cambria Math" panose="02040503050406030204" pitchFamily="18" charset="0"/>
+                                  </a:rPr>
+                                  <m:t>𝛾</m:t>
+                                </m:r>
+                              </m:e>
+                              <m:sup>
+                                <m:r>
+                                  <a:rPr lang="en-US" b="0" i="1" smtClean="0">
+                                    <a:latin typeface="Cambria Math" panose="02040503050406030204" pitchFamily="18" charset="0"/>
+                                  </a:rPr>
+                                  <m:t>𝑡</m:t>
+                                </m:r>
+                              </m:sup>
+                            </m:sSup>
+                            <m:r>
+                              <a:rPr lang="en-US" b="0" i="1" smtClean="0">
+                                <a:latin typeface="Cambria Math" panose="02040503050406030204" pitchFamily="18" charset="0"/>
+                              </a:rPr>
+                              <m:t>𝑅</m:t>
+                            </m:r>
+                            <m:r>
+                              <a:rPr lang="en-US" b="0" i="1" smtClean="0">
+                                <a:latin typeface="Cambria Math" panose="02040503050406030204" pitchFamily="18" charset="0"/>
+                              </a:rPr>
+                              <m:t>(</m:t>
+                            </m:r>
+                            <m:sSub>
+                              <m:sSubPr>
+                                <m:ctrlPr>
+                                  <a:rPr lang="en-US" b="0" i="1" smtClean="0">
+                                    <a:latin typeface="Cambria Math" panose="02040503050406030204" pitchFamily="18" charset="0"/>
+                                  </a:rPr>
+                                </m:ctrlPr>
+                              </m:sSubPr>
+                              <m:e>
+                                <m:r>
+                                  <a:rPr lang="en-US" b="0" i="1" smtClean="0">
+                                    <a:latin typeface="Cambria Math" panose="02040503050406030204" pitchFamily="18" charset="0"/>
+                                  </a:rPr>
+                                  <m:t>𝑠</m:t>
+                                </m:r>
+                              </m:e>
+                              <m:sub>
+                                <m:r>
+                                  <a:rPr lang="en-US" b="0" i="1" smtClean="0">
+                                    <a:latin typeface="Cambria Math" panose="02040503050406030204" pitchFamily="18" charset="0"/>
+                                  </a:rPr>
+                                  <m:t>𝑡</m:t>
+                                </m:r>
+                              </m:sub>
+                            </m:sSub>
+                            <m:r>
+                              <a:rPr lang="en-US" b="0" i="1" smtClean="0">
+                                <a:latin typeface="Cambria Math" panose="02040503050406030204" pitchFamily="18" charset="0"/>
+                              </a:rPr>
+                              <m:t>)</m:t>
+                            </m:r>
+                          </m:e>
+                        </m:nary>
+                        <m:r>
+                          <a:rPr lang="en-US" b="0" i="1" smtClean="0">
+                            <a:latin typeface="Cambria Math" panose="02040503050406030204" pitchFamily="18" charset="0"/>
+                          </a:rPr>
+                          <m:t>|</m:t>
+                        </m:r>
+                        <m:sSub>
+                          <m:sSubPr>
+                            <m:ctrlPr>
+                              <a:rPr lang="en-US" b="0" i="1" smtClean="0">
+                                <a:latin typeface="Cambria Math" panose="02040503050406030204" pitchFamily="18" charset="0"/>
+                              </a:rPr>
+                            </m:ctrlPr>
+                          </m:sSubPr>
+                          <m:e>
+                            <m:r>
+                              <a:rPr lang="en-US" b="0" i="1" smtClean="0">
+                                <a:latin typeface="Cambria Math" panose="02040503050406030204" pitchFamily="18" charset="0"/>
+                              </a:rPr>
+                              <m:t>𝑠</m:t>
+                            </m:r>
+                          </m:e>
+                          <m:sub>
+                            <m:r>
+                              <a:rPr lang="en-US" b="0" i="1" smtClean="0">
+                                <a:latin typeface="Cambria Math" panose="02040503050406030204" pitchFamily="18" charset="0"/>
+                              </a:rPr>
+                              <m:t>𝑜</m:t>
+                            </m:r>
+                          </m:sub>
+                        </m:sSub>
+                        <m:r>
+                          <a:rPr lang="en-US" b="0" i="1" smtClean="0">
+                            <a:latin typeface="Cambria Math" panose="02040503050406030204" pitchFamily="18" charset="0"/>
+                          </a:rPr>
+                          <m:t>=</m:t>
+                        </m:r>
+                        <m:r>
+                          <a:rPr lang="en-US" b="0" i="1" smtClean="0">
+                            <a:latin typeface="Cambria Math" panose="02040503050406030204" pitchFamily="18" charset="0"/>
+                          </a:rPr>
+                          <m:t>𝑠</m:t>
+                        </m:r>
+                      </m:e>
+                    </m:d>
+                  </m:oMath>
+                </a14:m>
+                <a:r>
+                  <a:rPr lang="en-US" dirty="0"/>
+                  <a:t>. </a:t>
+                </a:r>
+                <a:br>
+                  <a:rPr lang="en-US" dirty="0"/>
+                </a:br>
+                <a:r>
+                  <a:rPr lang="en-US" dirty="0"/>
+                  <a:t>The expectation is taken over all state sequences determined by the policy.</a:t>
+                </a:r>
+              </a:p>
+              <a:p>
+                <a:pPr marL="457200" lvl="1" indent="0">
+                  <a:buNone/>
+                </a:pPr>
+                <a:endParaRPr lang="en-US" dirty="0"/>
+              </a:p>
+              <a:p>
+                <a:r>
+                  <a:rPr lang="en-US" dirty="0"/>
+                  <a:t>The </a:t>
+                </a:r>
+                <a:r>
+                  <a:rPr lang="en-US" b="1" dirty="0"/>
+                  <a:t>Bellman equation </a:t>
+                </a:r>
+                <a:r>
+                  <a:rPr lang="en-US" dirty="0"/>
+                  <a:t>holds for the optimal value function </a:t>
+                </a:r>
+                <a14:m>
+                  <m:oMath xmlns:m="http://schemas.openxmlformats.org/officeDocument/2006/math">
+                    <m:r>
+                      <a:rPr lang="en-US" i="1" dirty="0" smtClean="0">
+                        <a:latin typeface="Cambria Math" panose="02040503050406030204" pitchFamily="18" charset="0"/>
+                      </a:rPr>
+                      <m:t>𝑈</m:t>
+                    </m:r>
+                  </m:oMath>
+                </a14:m>
+                <a:r>
+                  <a:rPr lang="en-US" dirty="0"/>
+                  <a:t> (“Bellman optimality condition”):  </a:t>
+                </a:r>
+              </a:p>
+              <a:p>
+                <a:pPr marL="0" indent="0">
+                  <a:buNone/>
+                </a:pPr>
+                <a14:m>
+                  <m:oMathPara xmlns:m="http://schemas.openxmlformats.org/officeDocument/2006/math">
+                    <m:oMathParaPr>
+                      <m:jc m:val="centerGroup"/>
+                    </m:oMathParaPr>
+                    <m:oMath xmlns:m="http://schemas.openxmlformats.org/officeDocument/2006/math">
+                      <m:sSup>
+                        <m:sSupPr>
+                          <m:ctrlPr>
+                            <a:rPr lang="en-US" b="0" i="1" smtClean="0">
+                              <a:latin typeface="Cambria Math" panose="02040503050406030204" pitchFamily="18" charset="0"/>
+                            </a:rPr>
+                          </m:ctrlPr>
+                        </m:sSupPr>
+                        <m:e>
+                          <m:r>
+                            <a:rPr lang="en-US" b="0" i="1" smtClean="0">
+                              <a:latin typeface="Cambria Math" panose="02040503050406030204" pitchFamily="18" charset="0"/>
+                            </a:rPr>
+                            <m:t>𝑈</m:t>
+                          </m:r>
+                        </m:e>
+                        <m:sup>
+                          <m:sSup>
+                            <m:sSupPr>
+                              <m:ctrlPr>
+                                <a:rPr lang="en-US" b="0" i="1" smtClean="0">
+                                  <a:latin typeface="Cambria Math" panose="02040503050406030204" pitchFamily="18" charset="0"/>
+                                </a:rPr>
+                              </m:ctrlPr>
+                            </m:sSupPr>
+                            <m:e>
+                              <m:r>
+                                <a:rPr lang="en-US" b="0" i="1" smtClean="0">
+                                  <a:latin typeface="Cambria Math" panose="02040503050406030204" pitchFamily="18" charset="0"/>
+                                </a:rPr>
+                                <m:t>𝜋</m:t>
+                              </m:r>
+                            </m:e>
+                            <m:sup>
+                              <m:r>
+                                <a:rPr lang="en-US" b="0" i="1" smtClean="0">
+                                  <a:latin typeface="Cambria Math" panose="02040503050406030204" pitchFamily="18" charset="0"/>
+                                </a:rPr>
+                                <m:t>∗</m:t>
+                              </m:r>
+                            </m:sup>
+                          </m:sSup>
+                        </m:sup>
+                      </m:sSup>
+                      <m:d>
+                        <m:dPr>
+                          <m:ctrlPr>
+                            <a:rPr lang="en-US" b="0" i="1" smtClean="0">
+                              <a:latin typeface="Cambria Math" panose="02040503050406030204" pitchFamily="18" charset="0"/>
+                            </a:rPr>
+                          </m:ctrlPr>
+                        </m:dPr>
+                        <m:e>
+                          <m:r>
+                            <a:rPr lang="en-US" b="0" i="1" smtClean="0">
+                              <a:latin typeface="Cambria Math" panose="02040503050406030204" pitchFamily="18" charset="0"/>
+                            </a:rPr>
+                            <m:t>𝑠</m:t>
+                          </m:r>
+                        </m:e>
+                      </m:d>
+                      <m:r>
+                        <a:rPr lang="en-US" b="0" i="1" smtClean="0">
+                          <a:latin typeface="Cambria Math" panose="02040503050406030204" pitchFamily="18" charset="0"/>
+                        </a:rPr>
+                        <m:t>=</m:t>
+                      </m:r>
+                      <m:r>
+                        <a:rPr lang="en-US" b="0" i="1" smtClean="0">
+                          <a:latin typeface="Cambria Math" panose="02040503050406030204" pitchFamily="18" charset="0"/>
+                        </a:rPr>
+                        <m:t>𝑅</m:t>
+                      </m:r>
+                      <m:d>
+                        <m:dPr>
+                          <m:ctrlPr>
+                            <a:rPr lang="en-US" b="0" i="1" smtClean="0">
+                              <a:latin typeface="Cambria Math" panose="02040503050406030204" pitchFamily="18" charset="0"/>
+                            </a:rPr>
+                          </m:ctrlPr>
+                        </m:dPr>
+                        <m:e>
+                          <m:r>
+                            <a:rPr lang="en-US" b="0" i="1" smtClean="0">
+                              <a:latin typeface="Cambria Math" panose="02040503050406030204" pitchFamily="18" charset="0"/>
+                            </a:rPr>
+                            <m:t>𝑠</m:t>
+                          </m:r>
+                        </m:e>
+                      </m:d>
+                      <m:r>
+                        <a:rPr lang="en-US" b="0" i="1" smtClean="0">
+                          <a:latin typeface="Cambria Math" panose="02040503050406030204" pitchFamily="18" charset="0"/>
+                        </a:rPr>
+                        <m:t>+</m:t>
+                      </m:r>
+                      <m:r>
+                        <a:rPr lang="en-US" b="0" i="1" smtClean="0">
+                          <a:latin typeface="Cambria Math" panose="02040503050406030204" pitchFamily="18" charset="0"/>
+                        </a:rPr>
+                        <m:t>𝛾</m:t>
+                      </m:r>
+                      <m:func>
+                        <m:funcPr>
+                          <m:ctrlPr>
+                            <a:rPr lang="en-US" b="0" i="1" smtClean="0">
+                              <a:latin typeface="Cambria Math" panose="02040503050406030204" pitchFamily="18" charset="0"/>
+                            </a:rPr>
+                          </m:ctrlPr>
+                        </m:funcPr>
+                        <m:fName>
+                          <m:limLow>
+                            <m:limLowPr>
+                              <m:ctrlPr>
+                                <a:rPr lang="en-US" b="0" i="1" smtClean="0">
+                                  <a:latin typeface="Cambria Math" panose="02040503050406030204" pitchFamily="18" charset="0"/>
+                                </a:rPr>
+                              </m:ctrlPr>
+                            </m:limLowPr>
+                            <m:e>
+                              <m:r>
+                                <m:rPr>
+                                  <m:sty m:val="p"/>
+                                </m:rPr>
+                                <a:rPr lang="en-US" b="0" i="0" smtClean="0">
+                                  <a:latin typeface="Cambria Math" panose="02040503050406030204" pitchFamily="18" charset="0"/>
+                                </a:rPr>
+                                <m:t>max</m:t>
+                              </m:r>
+                            </m:e>
+                            <m:lim>
+                              <m:r>
+                                <a:rPr lang="en-US" b="0" i="1" smtClean="0">
+                                  <a:latin typeface="Cambria Math" panose="02040503050406030204" pitchFamily="18" charset="0"/>
+                                </a:rPr>
+                                <m:t>𝑎</m:t>
+                              </m:r>
+                              <m:r>
+                                <a:rPr lang="en-US" b="0" i="1" smtClean="0">
+                                  <a:latin typeface="Cambria Math" panose="02040503050406030204" pitchFamily="18" charset="0"/>
+                                </a:rPr>
+                                <m:t>∈</m:t>
+                              </m:r>
+                              <m:r>
+                                <a:rPr lang="en-US" b="0" i="1" smtClean="0">
+                                  <a:latin typeface="Cambria Math" panose="02040503050406030204" pitchFamily="18" charset="0"/>
+                                </a:rPr>
+                                <m:t>𝐴</m:t>
+                              </m:r>
+                            </m:lim>
+                          </m:limLow>
+                        </m:fName>
+                        <m:e>
+                          <m:nary>
+                            <m:naryPr>
+                              <m:chr m:val="∑"/>
+                              <m:supHide m:val="on"/>
+                              <m:ctrlPr>
+                                <a:rPr lang="en-US" b="0" i="1" smtClean="0">
+                                  <a:latin typeface="Cambria Math" panose="02040503050406030204" pitchFamily="18" charset="0"/>
+                                </a:rPr>
+                              </m:ctrlPr>
+                            </m:naryPr>
+                            <m:sub>
+                              <m:r>
+                                <m:rPr>
+                                  <m:brk m:alnAt="7"/>
+                                </m:rPr>
+                                <a:rPr lang="en-US" b="0" i="1" smtClean="0">
+                                  <a:latin typeface="Cambria Math" panose="02040503050406030204" pitchFamily="18" charset="0"/>
+                                </a:rPr>
+                                <m:t>𝑠</m:t>
+                              </m:r>
+                              <m:r>
+                                <a:rPr lang="en-US" b="0" i="1" smtClean="0">
+                                  <a:latin typeface="Cambria Math" panose="02040503050406030204" pitchFamily="18" charset="0"/>
+                                </a:rPr>
+                                <m:t>′</m:t>
+                              </m:r>
+                            </m:sub>
+                            <m:sup/>
+                            <m:e>
+                              <m:r>
+                                <a:rPr lang="en-US" b="0" i="1" smtClean="0">
+                                  <a:latin typeface="Cambria Math" panose="02040503050406030204" pitchFamily="18" charset="0"/>
+                                </a:rPr>
+                                <m:t>𝑃</m:t>
+                              </m:r>
+                              <m:d>
+                                <m:dPr>
+                                  <m:ctrlPr>
+                                    <a:rPr lang="en-US" b="0" i="1" smtClean="0">
+                                      <a:latin typeface="Cambria Math" panose="02040503050406030204" pitchFamily="18" charset="0"/>
+                                    </a:rPr>
+                                  </m:ctrlPr>
+                                </m:dPr>
+                                <m:e>
+                                  <m:sSup>
+                                    <m:sSupPr>
+                                      <m:ctrlPr>
+                                        <a:rPr lang="en-US" b="0" i="1" smtClean="0">
+                                          <a:latin typeface="Cambria Math" panose="02040503050406030204" pitchFamily="18" charset="0"/>
+                                        </a:rPr>
+                                      </m:ctrlPr>
+                                    </m:sSupPr>
+                                    <m:e>
+                                      <m:r>
+                                        <a:rPr lang="en-US" b="0" i="1" smtClean="0">
+                                          <a:latin typeface="Cambria Math" panose="02040503050406030204" pitchFamily="18" charset="0"/>
+                                        </a:rPr>
+                                        <m:t>𝑠</m:t>
+                                      </m:r>
+                                    </m:e>
+                                    <m:sup>
+                                      <m:r>
+                                        <a:rPr lang="en-US" b="0" i="1" smtClean="0">
+                                          <a:latin typeface="Cambria Math" panose="02040503050406030204" pitchFamily="18" charset="0"/>
+                                        </a:rPr>
+                                        <m:t>′</m:t>
+                                      </m:r>
+                                    </m:sup>
+                                  </m:sSup>
+                                </m:e>
+                                <m:e>
+                                  <m:r>
+                                    <a:rPr lang="en-US" b="0" i="1" smtClean="0">
+                                      <a:latin typeface="Cambria Math" panose="02040503050406030204" pitchFamily="18" charset="0"/>
+                                    </a:rPr>
+                                    <m:t>𝑠</m:t>
+                                  </m:r>
+                                  <m:r>
+                                    <a:rPr lang="en-US" b="0" i="1" smtClean="0">
+                                      <a:latin typeface="Cambria Math" panose="02040503050406030204" pitchFamily="18" charset="0"/>
+                                    </a:rPr>
+                                    <m:t>,</m:t>
+                                  </m:r>
+                                  <m:r>
+                                    <a:rPr lang="en-US" b="0" i="1" smtClean="0">
+                                      <a:latin typeface="Cambria Math" panose="02040503050406030204" pitchFamily="18" charset="0"/>
+                                    </a:rPr>
+                                    <m:t>𝑎</m:t>
+                                  </m:r>
+                                </m:e>
+                              </m:d>
+                              <m:sSup>
+                                <m:sSupPr>
+                                  <m:ctrlPr>
+                                    <a:rPr lang="en-US" i="1">
+                                      <a:latin typeface="Cambria Math" panose="02040503050406030204" pitchFamily="18" charset="0"/>
+                                    </a:rPr>
+                                  </m:ctrlPr>
+                                </m:sSupPr>
+                                <m:e>
+                                  <m:r>
+                                    <a:rPr lang="en-US" b="0" i="1" smtClean="0">
+                                      <a:latin typeface="Cambria Math" panose="02040503050406030204" pitchFamily="18" charset="0"/>
+                                    </a:rPr>
+                                    <m:t>  </m:t>
+                                  </m:r>
+                                  <m:r>
+                                    <a:rPr lang="en-US" i="1">
+                                      <a:latin typeface="Cambria Math" panose="02040503050406030204" pitchFamily="18" charset="0"/>
+                                    </a:rPr>
+                                    <m:t>𝑈</m:t>
+                                  </m:r>
+                                </m:e>
+                                <m:sup>
+                                  <m:sSup>
+                                    <m:sSupPr>
+                                      <m:ctrlPr>
+                                        <a:rPr lang="en-US" i="1">
+                                          <a:latin typeface="Cambria Math" panose="02040503050406030204" pitchFamily="18" charset="0"/>
+                                        </a:rPr>
+                                      </m:ctrlPr>
+                                    </m:sSupPr>
+                                    <m:e>
+                                      <m:r>
+                                        <a:rPr lang="en-US" i="1">
+                                          <a:latin typeface="Cambria Math" panose="02040503050406030204" pitchFamily="18" charset="0"/>
+                                        </a:rPr>
+                                        <m:t>𝜋</m:t>
+                                      </m:r>
+                                    </m:e>
+                                    <m:sup>
+                                      <m:r>
+                                        <a:rPr lang="en-US" i="1">
+                                          <a:latin typeface="Cambria Math" panose="02040503050406030204" pitchFamily="18" charset="0"/>
+                                        </a:rPr>
+                                        <m:t>∗</m:t>
+                                      </m:r>
+                                    </m:sup>
+                                  </m:sSup>
+                                </m:sup>
+                              </m:sSup>
+                              <m:d>
+                                <m:dPr>
+                                  <m:ctrlPr>
+                                    <a:rPr lang="en-US" b="0" i="1" smtClean="0">
+                                      <a:latin typeface="Cambria Math" panose="02040503050406030204" pitchFamily="18" charset="0"/>
+                                    </a:rPr>
+                                  </m:ctrlPr>
+                                </m:dPr>
+                                <m:e>
+                                  <m:sSup>
+                                    <m:sSupPr>
+                                      <m:ctrlPr>
+                                        <a:rPr lang="en-US" b="0" i="1" smtClean="0">
+                                          <a:latin typeface="Cambria Math" panose="02040503050406030204" pitchFamily="18" charset="0"/>
+                                        </a:rPr>
+                                      </m:ctrlPr>
+                                    </m:sSupPr>
+                                    <m:e>
+                                      <m:r>
+                                        <a:rPr lang="en-US" b="0" i="1" smtClean="0">
+                                          <a:latin typeface="Cambria Math" panose="02040503050406030204" pitchFamily="18" charset="0"/>
+                                        </a:rPr>
+                                        <m:t>𝑠</m:t>
+                                      </m:r>
+                                    </m:e>
+                                    <m:sup>
+                                      <m:r>
+                                        <a:rPr lang="en-US" b="0" i="1" smtClean="0">
+                                          <a:latin typeface="Cambria Math" panose="02040503050406030204" pitchFamily="18" charset="0"/>
+                                        </a:rPr>
+                                        <m:t>′</m:t>
+                                      </m:r>
+                                    </m:sup>
+                                  </m:sSup>
+                                </m:e>
+                              </m:d>
+                            </m:e>
+                          </m:nary>
+                        </m:e>
+                      </m:func>
+                    </m:oMath>
+                  </m:oMathPara>
+                </a14:m>
+                <a:endParaRPr lang="en-US" dirty="0"/>
+              </a:p>
+              <a:p>
+                <a:pPr marL="0" indent="0">
+                  <a:buNone/>
+                </a:pPr>
+                <a:endParaRPr lang="en-US" dirty="0"/>
+              </a:p>
+              <a:p>
+                <a:pPr marL="0" indent="0">
+                  <a:buNone/>
+                </a:pPr>
+                <a:endParaRPr lang="en-US" b="0" i="1" dirty="0">
+                  <a:latin typeface="Cambria Math" panose="02040503050406030204" pitchFamily="18" charset="0"/>
+                </a:endParaRPr>
+              </a:p>
+              <a:p>
+                <a:pPr marL="0" indent="0">
+                  <a:buNone/>
+                </a:pPr>
+                <a:endParaRPr lang="en-US" b="0" i="1" dirty="0">
+                  <a:latin typeface="Cambria Math" panose="02040503050406030204" pitchFamily="18" charset="0"/>
+                </a:endParaRPr>
+              </a:p>
+              <a:p>
+                <a:pPr marL="0" indent="0">
+                  <a:buNone/>
+                </a:pPr>
+                <a:endParaRPr lang="en-US" dirty="0"/>
+              </a:p>
+              <a:p>
+                <a:endParaRPr lang="en-US" dirty="0"/>
+              </a:p>
+              <a:p>
+                <a:endParaRPr lang="en-US" dirty="0"/>
+              </a:p>
+            </p:txBody>
+          </p:sp>
+        </mc:Choice>
+        <mc:Fallback>
+          <p:sp>
+            <p:nvSpPr>
+              <p:cNvPr id="3" name="Content Placeholder 2">
+                <a:extLst>
+                  <a:ext uri="{FF2B5EF4-FFF2-40B4-BE49-F238E27FC236}">
+                    <a16:creationId xmlns:a16="http://schemas.microsoft.com/office/drawing/2014/main" id="{304E457B-8075-F4C1-A239-1B05210072DE}"/>
+                  </a:ext>
+                </a:extLst>
+              </p:cNvPr>
+              <p:cNvSpPr>
+                <a:spLocks noGrp="1" noRot="1" noChangeAspect="1" noMove="1" noResize="1" noEditPoints="1" noAdjustHandles="1" noChangeArrowheads="1" noChangeShapeType="1" noTextEdit="1"/>
+              </p:cNvSpPr>
+              <p:nvPr>
+                <p:ph idx="1"/>
+              </p:nvPr>
+            </p:nvSpPr>
+            <p:spPr>
+              <a:xfrm>
+                <a:off x="838200" y="1825625"/>
+                <a:ext cx="10515600" cy="3736975"/>
+              </a:xfrm>
+              <a:blipFill>
+                <a:blip r:embed="rId3"/>
+                <a:stretch>
+                  <a:fillRect l="-812" t="-3746" r="-290"/>
+                </a:stretch>
+              </a:blipFill>
+            </p:spPr>
+            <p:txBody>
+              <a:bodyPr/>
+              <a:lstStyle/>
+              <a:p>
+                <a:r>
+                  <a:rPr lang="en-US">
+                    <a:noFill/>
+                  </a:rPr>
+                  <a:t> </a:t>
+                </a:r>
+              </a:p>
+            </p:txBody>
+          </p:sp>
+        </mc:Fallback>
+      </mc:AlternateContent>
+      <p:sp>
+        <p:nvSpPr>
+          <p:cNvPr id="4" name="Speech Bubble: Rectangle with Corners Rounded 3">
+            <a:extLst>
+              <a:ext uri="{FF2B5EF4-FFF2-40B4-BE49-F238E27FC236}">
+                <a16:creationId xmlns:a16="http://schemas.microsoft.com/office/drawing/2014/main" id="{A26210CC-9E29-9A04-E6E5-11C82105BE20}"/>
+              </a:ext>
+            </a:extLst>
+          </p:cNvPr>
+          <p:cNvSpPr/>
+          <p:nvPr/>
+        </p:nvSpPr>
+        <p:spPr>
+          <a:xfrm>
+            <a:off x="4876800" y="5697537"/>
+            <a:ext cx="1524000" cy="795338"/>
+          </a:xfrm>
+          <a:prstGeom prst="wedgeRoundRectCallout">
+            <a:avLst>
+              <a:gd name="adj1" fmla="val 18698"/>
+              <a:gd name="adj2" fmla="val -100014"/>
+              <a:gd name="adj3" fmla="val 16667"/>
+            </a:avLst>
+          </a:prstGeom>
+        </p:spPr>
+        <p:style>
+          <a:lnRef idx="2">
+            <a:schemeClr val="accent1">
+              <a:shade val="15000"/>
+            </a:schemeClr>
+          </a:lnRef>
+          <a:fillRef idx="1">
+            <a:schemeClr val="accent1"/>
+          </a:fillRef>
+          <a:effectRef idx="0">
+            <a:schemeClr val="accent1"/>
+          </a:effectRef>
+          <a:fontRef idx="minor">
+            <a:schemeClr val="lt1"/>
+          </a:fontRef>
+        </p:style>
+        <p:txBody>
+          <a:bodyPr rtlCol="0" anchor="ctr"/>
+          <a:lstStyle/>
+          <a:p>
+            <a:pPr algn="ctr"/>
+            <a:r>
+              <a:rPr lang="en-US" sz="1600" dirty="0"/>
+              <a:t>Use the best action as the policy</a:t>
+            </a:r>
+          </a:p>
+        </p:txBody>
+      </p:sp>
+      <p:sp>
+        <p:nvSpPr>
+          <p:cNvPr id="5" name="Right Brace 4">
+            <a:extLst>
+              <a:ext uri="{FF2B5EF4-FFF2-40B4-BE49-F238E27FC236}">
+                <a16:creationId xmlns:a16="http://schemas.microsoft.com/office/drawing/2014/main" id="{C67C9803-8943-8C24-4457-784219B8D714}"/>
+              </a:ext>
+            </a:extLst>
+          </p:cNvPr>
+          <p:cNvSpPr/>
+          <p:nvPr/>
+        </p:nvSpPr>
+        <p:spPr>
+          <a:xfrm rot="5400000">
+            <a:off x="6994046" y="4649310"/>
+            <a:ext cx="246063" cy="1767843"/>
+          </a:xfrm>
+          <a:prstGeom prst="rightBrace">
+            <a:avLst/>
+          </a:prstGeom>
+        </p:spPr>
+        <p:style>
+          <a:lnRef idx="3">
+            <a:schemeClr val="accent1"/>
+          </a:lnRef>
+          <a:fillRef idx="0">
+            <a:schemeClr val="accent1"/>
+          </a:fillRef>
+          <a:effectRef idx="2">
+            <a:schemeClr val="accent1"/>
+          </a:effectRef>
+          <a:fontRef idx="minor">
+            <a:schemeClr val="tx1"/>
+          </a:fontRef>
+        </p:style>
+        <p:txBody>
+          <a:bodyPr rtlCol="0" anchor="ctr"/>
+          <a:lstStyle/>
+          <a:p>
+            <a:pPr algn="ctr"/>
+            <a:endParaRPr lang="en-US"/>
+          </a:p>
+        </p:txBody>
+      </p:sp>
+      <p:sp>
+        <p:nvSpPr>
+          <p:cNvPr id="6" name="Rectangle: Rounded Corners 5">
+            <a:extLst>
+              <a:ext uri="{FF2B5EF4-FFF2-40B4-BE49-F238E27FC236}">
+                <a16:creationId xmlns:a16="http://schemas.microsoft.com/office/drawing/2014/main" id="{941E7BE1-ED92-8AD8-287D-44F97CB02A5B}"/>
+              </a:ext>
+            </a:extLst>
+          </p:cNvPr>
+          <p:cNvSpPr/>
+          <p:nvPr/>
+        </p:nvSpPr>
+        <p:spPr>
+          <a:xfrm>
+            <a:off x="6553200" y="5708331"/>
+            <a:ext cx="1203961" cy="381000"/>
+          </a:xfrm>
+          <a:prstGeom prst="roundRect">
+            <a:avLst/>
+          </a:prstGeom>
+        </p:spPr>
+        <p:style>
+          <a:lnRef idx="2">
+            <a:schemeClr val="accent1">
+              <a:shade val="15000"/>
+            </a:schemeClr>
+          </a:lnRef>
+          <a:fillRef idx="1">
+            <a:schemeClr val="accent1"/>
+          </a:fillRef>
+          <a:effectRef idx="0">
+            <a:schemeClr val="accent1"/>
+          </a:effectRef>
+          <a:fontRef idx="minor">
+            <a:schemeClr val="lt1"/>
+          </a:fontRef>
+        </p:style>
+        <p:txBody>
+          <a:bodyPr rtlCol="0" anchor="ctr"/>
+          <a:lstStyle/>
+          <a:p>
+            <a:pPr algn="ctr"/>
+            <a:r>
+              <a:rPr lang="en-US" sz="1600" dirty="0"/>
+              <a:t>Expectation</a:t>
+            </a:r>
+          </a:p>
+        </p:txBody>
+      </p:sp>
+      <p:sp>
+        <p:nvSpPr>
+          <p:cNvPr id="7" name="Speech Bubble: Rectangle with Corners Rounded 6">
+            <a:extLst>
+              <a:ext uri="{FF2B5EF4-FFF2-40B4-BE49-F238E27FC236}">
+                <a16:creationId xmlns:a16="http://schemas.microsoft.com/office/drawing/2014/main" id="{37AC0B2C-DA4A-CAA0-E09F-86796BEC180E}"/>
+              </a:ext>
+            </a:extLst>
+          </p:cNvPr>
+          <p:cNvSpPr/>
+          <p:nvPr/>
+        </p:nvSpPr>
+        <p:spPr>
+          <a:xfrm>
+            <a:off x="3581400" y="5697537"/>
+            <a:ext cx="1150620" cy="703263"/>
+          </a:xfrm>
+          <a:prstGeom prst="wedgeRoundRectCallout">
+            <a:avLst>
+              <a:gd name="adj1" fmla="val 48142"/>
+              <a:gd name="adj2" fmla="val -121698"/>
+              <a:gd name="adj3" fmla="val 16667"/>
+            </a:avLst>
+          </a:prstGeom>
+        </p:spPr>
+        <p:style>
+          <a:lnRef idx="2">
+            <a:schemeClr val="accent1">
+              <a:shade val="15000"/>
+            </a:schemeClr>
+          </a:lnRef>
+          <a:fillRef idx="1">
+            <a:schemeClr val="accent1"/>
+          </a:fillRef>
+          <a:effectRef idx="0">
+            <a:schemeClr val="accent1"/>
+          </a:effectRef>
+          <a:fontRef idx="minor">
+            <a:schemeClr val="lt1"/>
+          </a:fontRef>
+        </p:style>
+        <p:txBody>
+          <a:bodyPr rtlCol="0" anchor="ctr"/>
+          <a:lstStyle/>
+          <a:p>
+            <a:pPr algn="ctr"/>
+            <a:r>
+              <a:rPr lang="en-US" sz="1600" dirty="0"/>
+              <a:t>Immediate Reward</a:t>
+            </a:r>
+          </a:p>
+        </p:txBody>
+      </p:sp>
+      <p:sp>
+        <p:nvSpPr>
+          <p:cNvPr id="8" name="Speech Bubble: Rectangle with Corners Rounded 7">
+            <a:extLst>
+              <a:ext uri="{FF2B5EF4-FFF2-40B4-BE49-F238E27FC236}">
+                <a16:creationId xmlns:a16="http://schemas.microsoft.com/office/drawing/2014/main" id="{02AB34F9-A061-85C1-4FF3-710294F2C039}"/>
+              </a:ext>
+            </a:extLst>
+          </p:cNvPr>
+          <p:cNvSpPr/>
+          <p:nvPr/>
+        </p:nvSpPr>
+        <p:spPr>
+          <a:xfrm>
+            <a:off x="8077200" y="5697537"/>
+            <a:ext cx="2133600" cy="381000"/>
+          </a:xfrm>
+          <a:prstGeom prst="wedgeRoundRectCallout">
+            <a:avLst>
+              <a:gd name="adj1" fmla="val -39207"/>
+              <a:gd name="adj2" fmla="val -183500"/>
+              <a:gd name="adj3" fmla="val 16667"/>
+            </a:avLst>
+          </a:prstGeom>
+        </p:spPr>
+        <p:style>
+          <a:lnRef idx="2">
+            <a:schemeClr val="accent1">
+              <a:shade val="15000"/>
+            </a:schemeClr>
+          </a:lnRef>
+          <a:fillRef idx="1">
+            <a:schemeClr val="accent1"/>
+          </a:fillRef>
+          <a:effectRef idx="0">
+            <a:schemeClr val="accent1"/>
+          </a:effectRef>
+          <a:fontRef idx="minor">
+            <a:schemeClr val="lt1"/>
+          </a:fontRef>
+        </p:style>
+        <p:txBody>
+          <a:bodyPr rtlCol="0" anchor="ctr"/>
+          <a:lstStyle/>
+          <a:p>
+            <a:pPr algn="ctr"/>
+            <a:r>
+              <a:rPr lang="en-US" sz="1600" dirty="0"/>
+              <a:t>Utility of the next state</a:t>
+            </a:r>
+          </a:p>
+        </p:txBody>
+      </p:sp>
+    </p:spTree>
+    <p:extLst>
+      <p:ext uri="{BB962C8B-B14F-4D97-AF65-F5344CB8AC3E}">
+        <p14:creationId xmlns:p14="http://schemas.microsoft.com/office/powerpoint/2010/main" val="4148830465"/>
+      </p:ext>
+    </p:extLst>
+  </p:cSld>
+  <p:clrMapOvr>
+    <a:masterClrMapping/>
+  </p:clrMapOvr>
+</p:sld>
+</file>
+
+<file path=ppt/slides/slide7.xml><?xml version="1.0" encoding="utf-8"?>
+<p:sld xmlns:a="http://schemas.openxmlformats.org/drawingml/2006/main" xmlns:r="http://schemas.openxmlformats.org/officeDocument/2006/relationships" xmlns:p="http://schemas.openxmlformats.org/presentationml/2006/main">
+  <p:cSld>
+    <p:spTree>
+      <p:nvGrpSpPr>
+        <p:cNvPr id="1" name=""/>
+        <p:cNvGrpSpPr/>
+        <p:nvPr/>
+      </p:nvGrpSpPr>
+      <p:grpSpPr>
+        <a:xfrm>
+          <a:off x="0" y="0"/>
+          <a:ext cx="0" cy="0"/>
+          <a:chOff x="0" y="0"/>
+          <a:chExt cx="0" cy="0"/>
+        </a:xfrm>
+      </p:grpSpPr>
+      <p:sp>
+        <p:nvSpPr>
+          <p:cNvPr id="2" name="Title 1">
+            <a:extLst>
+              <a:ext uri="{FF2B5EF4-FFF2-40B4-BE49-F238E27FC236}">
                 <a16:creationId xmlns:a16="http://schemas.microsoft.com/office/drawing/2014/main" id="{5D8DF327-BBB7-F84A-8091-46B1673AB5DB}"/>
               </a:ext>
             </a:extLst>
@@ -11775,8 +13520,8 @@
           </a:xfrm>
           <a:prstGeom prst="wedgeRoundRectCallout">
             <a:avLst>
-              <a:gd name="adj1" fmla="val -12447"/>
-              <a:gd name="adj2" fmla="val -143655"/>
+              <a:gd name="adj1" fmla="val -7462"/>
+              <a:gd name="adj2" fmla="val -130859"/>
               <a:gd name="adj3" fmla="val 16667"/>
             </a:avLst>
           </a:prstGeom>
@@ -11849,7 +13594,7 @@
 </p:sld>
 </file>
 
-<file path=ppt/slides/slide7.xml><?xml version="1.0" encoding="utf-8"?>
+<file path=ppt/slides/slide8.xml><?xml version="1.0" encoding="utf-8"?>
 <p:sld xmlns:a="http://schemas.openxmlformats.org/drawingml/2006/main" xmlns:r="http://schemas.openxmlformats.org/officeDocument/2006/relationships" xmlns:p="http://schemas.openxmlformats.org/presentationml/2006/main">
   <p:cSld>
     <p:spTree>
@@ -11868,32 +13613,132 @@
       </p:grpSpPr>
       <p:sp>
         <p:nvSpPr>
-          <p:cNvPr id="2" name="Title 1">
+          <p:cNvPr id="8" name="Rectangle 7">
             <a:extLst>
               <a:ext uri="{FF2B5EF4-FFF2-40B4-BE49-F238E27FC236}">
-                <a16:creationId xmlns:a16="http://schemas.microsoft.com/office/drawing/2014/main" id="{FDD04F8B-2712-4C1A-7E81-016616375E98}"/>
+                <a16:creationId xmlns:a16="http://schemas.microsoft.com/office/drawing/2014/main" id="{77DC87FB-91A0-993F-BBD1-7E4BFB7FF34D}"/>
               </a:ext>
             </a:extLst>
           </p:cNvPr>
-          <p:cNvSpPr>
-            <a:spLocks noGrp="1"/>
-          </p:cNvSpPr>
-          <p:nvPr>
-            <p:ph type="title"/>
-          </p:nvPr>
+          <p:cNvSpPr/>
+          <p:nvPr/>
         </p:nvSpPr>
-        <p:spPr/>
+        <p:spPr>
+          <a:xfrm>
+            <a:off x="1295400" y="1600200"/>
+            <a:ext cx="8763000" cy="4664076"/>
+          </a:xfrm>
+          <a:prstGeom prst="rect">
+            <a:avLst/>
+          </a:prstGeom>
+        </p:spPr>
+        <p:style>
+          <a:lnRef idx="2">
+            <a:schemeClr val="accent2"/>
+          </a:lnRef>
+          <a:fillRef idx="1">
+            <a:schemeClr val="lt1"/>
+          </a:fillRef>
+          <a:effectRef idx="0">
+            <a:schemeClr val="accent2"/>
+          </a:effectRef>
+          <a:fontRef idx="minor">
+            <a:schemeClr val="dk1"/>
+          </a:fontRef>
+        </p:style>
         <p:txBody>
-          <a:bodyPr/>
+          <a:bodyPr rtlCol="0" anchor="ctr"/>
           <a:lstStyle/>
           <a:p>
-            <a:r>
-              <a:rPr lang="en-US" dirty="0"/>
-              <a:t>Value Iteration: Estimate the Value function</a:t>
-            </a:r>
+            <a:pPr algn="ctr"/>
+            <a:endParaRPr lang="en-US"/>
           </a:p>
         </p:txBody>
       </p:sp>
+      <mc:AlternateContent xmlns:mc="http://schemas.openxmlformats.org/markup-compatibility/2006">
+        <mc:Choice xmlns:a14="http://schemas.microsoft.com/office/drawing/2010/main" Requires="a14">
+          <p:sp>
+            <p:nvSpPr>
+              <p:cNvPr id="2" name="Title 1">
+                <a:extLst>
+                  <a:ext uri="{FF2B5EF4-FFF2-40B4-BE49-F238E27FC236}">
+                    <a16:creationId xmlns:a16="http://schemas.microsoft.com/office/drawing/2014/main" id="{FDD04F8B-2712-4C1A-7E81-016616375E98}"/>
+                  </a:ext>
+                </a:extLst>
+              </p:cNvPr>
+              <p:cNvSpPr>
+                <a:spLocks noGrp="1"/>
+              </p:cNvSpPr>
+              <p:nvPr>
+                <p:ph type="title"/>
+              </p:nvPr>
+            </p:nvSpPr>
+            <p:spPr/>
+            <p:txBody>
+              <a:bodyPr>
+                <a:normAutofit/>
+              </a:bodyPr>
+              <a:lstStyle/>
+              <a:p>
+                <a:r>
+                  <a:rPr lang="en-US" dirty="0"/>
+                  <a:t>Value Iteration: Estimate the Value function </a:t>
+                </a:r>
+                <a14:m>
+                  <m:oMath xmlns:m="http://schemas.openxmlformats.org/officeDocument/2006/math">
+                    <m:r>
+                      <a:rPr lang="en-US" b="0" i="1" smtClean="0">
+                        <a:latin typeface="Cambria Math" panose="02040503050406030204" pitchFamily="18" charset="0"/>
+                      </a:rPr>
+                      <m:t>𝑈</m:t>
+                    </m:r>
+                  </m:oMath>
+                </a14:m>
+                <a:endParaRPr lang="en-US" dirty="0"/>
+              </a:p>
+            </p:txBody>
+          </p:sp>
+        </mc:Choice>
+        <mc:Fallback>
+          <p:sp>
+            <p:nvSpPr>
+              <p:cNvPr id="2" name="Title 1">
+                <a:extLst>
+                  <a:ext uri="{FF2B5EF4-FFF2-40B4-BE49-F238E27FC236}">
+                    <a16:creationId xmlns:a16="http://schemas.microsoft.com/office/drawing/2014/main" id="{FDD04F8B-2712-4C1A-7E81-016616375E98}"/>
+                  </a:ext>
+                </a:extLst>
+              </p:cNvPr>
+              <p:cNvSpPr>
+                <a:spLocks noGrp="1" noRot="1" noChangeAspect="1" noMove="1" noResize="1" noEditPoints="1" noAdjustHandles="1" noChangeArrowheads="1" noChangeShapeType="1" noTextEdit="1"/>
+              </p:cNvSpPr>
+              <p:nvPr>
+                <p:ph type="title"/>
+              </p:nvPr>
+            </p:nvSpPr>
+            <p:spPr>
+              <a:blipFill>
+                <a:blip r:embed="rId2"/>
+                <a:stretch>
+                  <a:fillRect l="-2377"/>
+                </a:stretch>
+              </a:blipFill>
+            </p:spPr>
+            <p:txBody>
+              <a:bodyPr/>
+              <a:lstStyle/>
+              <a:p>
+                <a:r>
+                  <a:rPr lang="en-US">
+                    <a:noFill/>
+                  </a:rPr>
+                  <a:t> </a:t>
+                </a:r>
+              </a:p>
+            </p:txBody>
+          </p:sp>
+        </mc:Fallback>
+      </mc:AlternateContent>
       <p:pic>
         <p:nvPicPr>
           <p:cNvPr id="5" name="Picture 4">
@@ -11908,16 +13753,15 @@
           </p:cNvPicPr>
           <p:nvPr/>
         </p:nvPicPr>
-        <p:blipFill>
-          <a:blip r:embed="rId2"/>
-          <a:stretch>
-            <a:fillRect/>
-          </a:stretch>
+        <p:blipFill rotWithShape="1">
+          <a:blip r:embed="rId3"/>
+          <a:srcRect l="1526" t="3164" r="12985" b="5055"/>
+          <a:stretch/>
         </p:blipFill>
         <p:spPr>
           <a:xfrm>
-            <a:off x="1219200" y="1524000"/>
-            <a:ext cx="9983165" cy="4815409"/>
+            <a:off x="1371601" y="1676399"/>
+            <a:ext cx="8534400" cy="4419601"/>
           </a:xfrm>
           <a:prstGeom prst="rect">
             <a:avLst/>
@@ -11997,7 +13841,7 @@
             </p:nvSpPr>
             <p:spPr>
               <a:xfrm>
-                <a:off x="8574284" y="5486400"/>
+                <a:off x="8744843" y="5711275"/>
                 <a:ext cx="2474716" cy="729559"/>
               </a:xfrm>
               <a:prstGeom prst="rect">
@@ -12151,16 +13995,16 @@
             </p:nvSpPr>
             <p:spPr>
               <a:xfrm>
-                <a:off x="8574284" y="5486400"/>
+                <a:off x="8744843" y="5711275"/>
                 <a:ext cx="2474716" cy="729559"/>
               </a:xfrm>
               <a:prstGeom prst="rect">
                 <a:avLst/>
               </a:prstGeom>
               <a:blipFill>
-                <a:blip r:embed="rId3"/>
+                <a:blip r:embed="rId4"/>
                 <a:stretch>
-                  <a:fillRect l="-1961" b="-13115"/>
+                  <a:fillRect l="-1966" t="-820" b="-13115"/>
                 </a:stretch>
               </a:blipFill>
             </p:spPr>
@@ -12192,7 +14036,7 @@
 </p:sld>
 </file>
 
-<file path=ppt/slides/slide8.xml><?xml version="1.0" encoding="utf-8"?>
+<file path=ppt/slides/slide9.xml><?xml version="1.0" encoding="utf-8"?>
 <p:sld xmlns:a="http://schemas.openxmlformats.org/drawingml/2006/main" xmlns:r="http://schemas.openxmlformats.org/officeDocument/2006/relationships" xmlns:p="http://schemas.openxmlformats.org/presentationml/2006/main">
   <p:cSld>
     <p:spTree>
@@ -12211,38 +14055,54 @@
       </p:grpSpPr>
       <p:sp>
         <p:nvSpPr>
-          <p:cNvPr id="2" name="Title 1">
+          <p:cNvPr id="10" name="Rectangle 9">
             <a:extLst>
               <a:ext uri="{FF2B5EF4-FFF2-40B4-BE49-F238E27FC236}">
-                <a16:creationId xmlns:a16="http://schemas.microsoft.com/office/drawing/2014/main" id="{C8C32B98-2B97-D8C0-2282-F86B2C8C583E}"/>
+                <a16:creationId xmlns:a16="http://schemas.microsoft.com/office/drawing/2014/main" id="{90F18446-04DB-D98B-9D7E-E2DECCF5F82D}"/>
               </a:ext>
             </a:extLst>
           </p:cNvPr>
-          <p:cNvSpPr>
-            <a:spLocks noGrp="1"/>
-          </p:cNvSpPr>
-          <p:nvPr>
-            <p:ph type="title"/>
-          </p:nvPr>
+          <p:cNvSpPr/>
+          <p:nvPr/>
         </p:nvSpPr>
-        <p:spPr/>
+        <p:spPr>
+          <a:xfrm>
+            <a:off x="1066801" y="1406456"/>
+            <a:ext cx="9296399" cy="4934019"/>
+          </a:xfrm>
+          <a:prstGeom prst="rect">
+            <a:avLst/>
+          </a:prstGeom>
+        </p:spPr>
+        <p:style>
+          <a:lnRef idx="2">
+            <a:schemeClr val="accent2"/>
+          </a:lnRef>
+          <a:fillRef idx="1">
+            <a:schemeClr val="lt1"/>
+          </a:fillRef>
+          <a:effectRef idx="0">
+            <a:schemeClr val="accent2"/>
+          </a:effectRef>
+          <a:fontRef idx="minor">
+            <a:schemeClr val="dk1"/>
+          </a:fontRef>
+        </p:style>
         <p:txBody>
-          <a:bodyPr/>
+          <a:bodyPr rtlCol="0" anchor="ctr"/>
           <a:lstStyle/>
           <a:p>
-            <a:r>
-              <a:rPr lang="en-US" dirty="0"/>
-              <a:t>Policy Iteration: Learn the optimal policy</a:t>
-            </a:r>
+            <a:pPr algn="ctr"/>
+            <a:endParaRPr lang="en-US"/>
           </a:p>
         </p:txBody>
       </p:sp>
       <p:pic>
         <p:nvPicPr>
-          <p:cNvPr id="4" name="Picture 3">
+          <p:cNvPr id="14" name="Picture 13">
             <a:extLst>
               <a:ext uri="{FF2B5EF4-FFF2-40B4-BE49-F238E27FC236}">
-                <a16:creationId xmlns:a16="http://schemas.microsoft.com/office/drawing/2014/main" id="{58D04C10-2A07-ED2E-A674-E8DC6F154CAB}"/>
+                <a16:creationId xmlns:a16="http://schemas.microsoft.com/office/drawing/2014/main" id="{F20912BC-8AC6-E0CB-A966-4F9562DF7E31}"/>
               </a:ext>
             </a:extLst>
           </p:cNvPr>
@@ -12259,14 +14119,115 @@
         </p:blipFill>
         <p:spPr>
           <a:xfrm>
-            <a:off x="1143001" y="1447800"/>
-            <a:ext cx="9829800" cy="5025152"/>
+            <a:off x="1243013" y="1513064"/>
+            <a:ext cx="8580903" cy="4720801"/>
           </a:xfrm>
           <a:prstGeom prst="rect">
             <a:avLst/>
           </a:prstGeom>
         </p:spPr>
       </p:pic>
+      <mc:AlternateContent xmlns:mc="http://schemas.openxmlformats.org/markup-compatibility/2006">
+        <mc:Choice xmlns:a14="http://schemas.microsoft.com/office/drawing/2010/main" Requires="a14">
+          <p:sp>
+            <p:nvSpPr>
+              <p:cNvPr id="2" name="Title 1">
+                <a:extLst>
+                  <a:ext uri="{FF2B5EF4-FFF2-40B4-BE49-F238E27FC236}">
+                    <a16:creationId xmlns:a16="http://schemas.microsoft.com/office/drawing/2014/main" id="{C8C32B98-2B97-D8C0-2282-F86B2C8C583E}"/>
+                  </a:ext>
+                </a:extLst>
+              </p:cNvPr>
+              <p:cNvSpPr>
+                <a:spLocks noGrp="1"/>
+              </p:cNvSpPr>
+              <p:nvPr>
+                <p:ph type="title"/>
+              </p:nvPr>
+            </p:nvSpPr>
+            <p:spPr/>
+            <p:txBody>
+              <a:bodyPr/>
+              <a:lstStyle/>
+              <a:p>
+                <a:r>
+                  <a:rPr lang="en-US" dirty="0"/>
+                  <a:t>Policy Iteration: Learn the optimal policy </a:t>
+                </a:r>
+                <a14:m>
+                  <m:oMath xmlns:m="http://schemas.openxmlformats.org/officeDocument/2006/math">
+                    <m:sSup>
+                      <m:sSupPr>
+                        <m:ctrlPr>
+                          <a:rPr lang="en-US" b="0" i="1" smtClean="0">
+                            <a:latin typeface="Cambria Math" panose="02040503050406030204" pitchFamily="18" charset="0"/>
+                          </a:rPr>
+                        </m:ctrlPr>
+                      </m:sSupPr>
+                      <m:e>
+                        <m:r>
+                          <a:rPr lang="en-US" b="0" i="1" smtClean="0">
+                            <a:latin typeface="Cambria Math" panose="02040503050406030204" pitchFamily="18" charset="0"/>
+                          </a:rPr>
+                          <m:t>𝜋</m:t>
+                        </m:r>
+                      </m:e>
+                      <m:sup>
+                        <m:r>
+                          <a:rPr lang="en-US" b="0" i="1" smtClean="0">
+                            <a:latin typeface="Cambria Math" panose="02040503050406030204" pitchFamily="18" charset="0"/>
+                          </a:rPr>
+                          <m:t>∗</m:t>
+                        </m:r>
+                      </m:sup>
+                    </m:sSup>
+                  </m:oMath>
+                </a14:m>
+                <a:endParaRPr lang="en-US" dirty="0"/>
+              </a:p>
+            </p:txBody>
+          </p:sp>
+        </mc:Choice>
+        <mc:Fallback>
+          <p:sp>
+            <p:nvSpPr>
+              <p:cNvPr id="2" name="Title 1">
+                <a:extLst>
+                  <a:ext uri="{FF2B5EF4-FFF2-40B4-BE49-F238E27FC236}">
+                    <a16:creationId xmlns:a16="http://schemas.microsoft.com/office/drawing/2014/main" id="{C8C32B98-2B97-D8C0-2282-F86B2C8C583E}"/>
+                  </a:ext>
+                </a:extLst>
+              </p:cNvPr>
+              <p:cNvSpPr>
+                <a:spLocks noGrp="1" noRot="1" noChangeAspect="1" noMove="1" noResize="1" noEditPoints="1" noAdjustHandles="1" noChangeArrowheads="1" noChangeShapeType="1" noTextEdit="1"/>
+              </p:cNvSpPr>
+              <p:nvPr>
+                <p:ph type="title"/>
+              </p:nvPr>
+            </p:nvSpPr>
+            <p:spPr>
+              <a:blipFill>
+                <a:blip r:embed="rId3"/>
+                <a:stretch>
+                  <a:fillRect l="-2377"/>
+                </a:stretch>
+              </a:blipFill>
+            </p:spPr>
+            <p:txBody>
+              <a:bodyPr/>
+              <a:lstStyle/>
+              <a:p>
+                <a:r>
+                  <a:rPr lang="en-US">
+                    <a:noFill/>
+                  </a:rPr>
+                  <a:t> </a:t>
+                </a:r>
+              </a:p>
+            </p:txBody>
+          </p:sp>
+        </mc:Fallback>
+      </mc:AlternateContent>
       <p:sp>
         <p:nvSpPr>
           <p:cNvPr id="5" name="Right Brace 4">
@@ -12281,7 +14242,7 @@
         </p:nvSpPr>
         <p:spPr>
           <a:xfrm>
-            <a:off x="9067800" y="3733800"/>
+            <a:off x="9671516" y="3866345"/>
             <a:ext cx="304800" cy="1752600"/>
           </a:xfrm>
           <a:prstGeom prst="rightBrace">
@@ -12311,109 +14272,6 @@
           </a:p>
         </p:txBody>
       </p:sp>
-      <p:sp>
-        <p:nvSpPr>
-          <p:cNvPr id="6" name="TextBox 5">
-            <a:extLst>
-              <a:ext uri="{FF2B5EF4-FFF2-40B4-BE49-F238E27FC236}">
-                <a16:creationId xmlns:a16="http://schemas.microsoft.com/office/drawing/2014/main" id="{8BFD8371-AFD6-DC4D-FEC2-3696400424EA}"/>
-              </a:ext>
-            </a:extLst>
-          </p:cNvPr>
-          <p:cNvSpPr txBox="1"/>
-          <p:nvPr/>
-        </p:nvSpPr>
-        <p:spPr>
-          <a:xfrm>
-            <a:off x="9442917" y="4286934"/>
-            <a:ext cx="1459567" cy="646331"/>
-          </a:xfrm>
-          <a:prstGeom prst="rect">
-            <a:avLst/>
-          </a:prstGeom>
-          <a:noFill/>
-        </p:spPr>
-        <p:txBody>
-          <a:bodyPr wrap="none" rtlCol="0">
-            <a:spAutoFit/>
-          </a:bodyPr>
-          <a:lstStyle/>
-          <a:p>
-            <a:r>
-              <a:rPr lang="en-US" dirty="0">
-                <a:solidFill>
-                  <a:srgbClr val="0070C0"/>
-                </a:solidFill>
-              </a:rPr>
-              <a:t>Policy </a:t>
-            </a:r>
-          </a:p>
-          <a:p>
-            <a:r>
-              <a:rPr lang="en-US" dirty="0">
-                <a:solidFill>
-                  <a:srgbClr val="0070C0"/>
-                </a:solidFill>
-              </a:rPr>
-              <a:t>Improvement</a:t>
-            </a:r>
-          </a:p>
-        </p:txBody>
-      </p:sp>
-      <p:sp>
-        <p:nvSpPr>
-          <p:cNvPr id="7" name="TextBox 6">
-            <a:extLst>
-              <a:ext uri="{FF2B5EF4-FFF2-40B4-BE49-F238E27FC236}">
-                <a16:creationId xmlns:a16="http://schemas.microsoft.com/office/drawing/2014/main" id="{BA9008B3-E03C-5305-5B24-099F212DBF58}"/>
-              </a:ext>
-            </a:extLst>
-          </p:cNvPr>
-          <p:cNvSpPr txBox="1"/>
-          <p:nvPr/>
-        </p:nvSpPr>
-        <p:spPr>
-          <a:xfrm>
-            <a:off x="6925946" y="3068248"/>
-            <a:ext cx="3976538" cy="646331"/>
-          </a:xfrm>
-          <a:prstGeom prst="rect">
-            <a:avLst/>
-          </a:prstGeom>
-          <a:noFill/>
-        </p:spPr>
-        <p:txBody>
-          <a:bodyPr wrap="none" rtlCol="0">
-            <a:spAutoFit/>
-          </a:bodyPr>
-          <a:lstStyle/>
-          <a:p>
-            <a:r>
-              <a:rPr lang="en-US" dirty="0">
-                <a:solidFill>
-                  <a:srgbClr val="0070C0"/>
-                </a:solidFill>
-              </a:rPr>
-              <a:t>Calculate U given current policy</a:t>
-            </a:r>
-            <a:br>
-              <a:rPr lang="en-US" dirty="0">
-                <a:solidFill>
-                  <a:srgbClr val="0070C0"/>
-                </a:solidFill>
-              </a:rPr>
-            </a:br>
-            <a:r>
-              <a:rPr lang="en-US" dirty="0">
-                <a:solidFill>
-                  <a:srgbClr val="0070C0"/>
-                </a:solidFill>
-              </a:rPr>
-              <a:t>(eighter solve an LP or iterative solution)</a:t>
-            </a:r>
-          </a:p>
-        </p:txBody>
-      </p:sp>
       <mc:AlternateContent xmlns:mc="http://schemas.openxmlformats.org/markup-compatibility/2006">
         <mc:Choice xmlns:a14="http://schemas.microsoft.com/office/drawing/2010/main" Requires="a14">
           <p:sp>
@@ -12430,7 +14288,7 @@
             </p:nvSpPr>
             <p:spPr>
               <a:xfrm>
-                <a:off x="7929865" y="5614896"/>
+                <a:off x="8533581" y="5747441"/>
                 <a:ext cx="2885470" cy="729559"/>
               </a:xfrm>
               <a:prstGeom prst="rect">
@@ -12630,16 +14488,16 @@
             </p:nvSpPr>
             <p:spPr>
               <a:xfrm>
-                <a:off x="7929865" y="5614896"/>
+                <a:off x="8533581" y="5747441"/>
                 <a:ext cx="2885470" cy="729559"/>
               </a:xfrm>
               <a:prstGeom prst="rect">
                 <a:avLst/>
               </a:prstGeom>
               <a:blipFill>
-                <a:blip r:embed="rId3"/>
+                <a:blip r:embed="rId4"/>
                 <a:stretch>
-                  <a:fillRect l="-1684" t="-3279" r="-1474" b="-13115"/>
+                  <a:fillRect l="-1684" t="-4098" r="-1474" b="-13115"/>
                 </a:stretch>
               </a:blipFill>
             </p:spPr>
@@ -12658,314 +14516,124 @@
           </p:sp>
         </mc:Fallback>
       </mc:AlternateContent>
+      <p:sp>
+        <p:nvSpPr>
+          <p:cNvPr id="11" name="Speech Bubble: Rectangle with Corners Rounded 10">
+            <a:extLst>
+              <a:ext uri="{FF2B5EF4-FFF2-40B4-BE49-F238E27FC236}">
+                <a16:creationId xmlns:a16="http://schemas.microsoft.com/office/drawing/2014/main" id="{F1C3BD76-4D67-69DA-592A-34CE6D8B73AF}"/>
+              </a:ext>
+            </a:extLst>
+          </p:cNvPr>
+          <p:cNvSpPr/>
+          <p:nvPr/>
+        </p:nvSpPr>
+        <p:spPr>
+          <a:xfrm>
+            <a:off x="6858000" y="2928041"/>
+            <a:ext cx="4724400" cy="729559"/>
+          </a:xfrm>
+          <a:prstGeom prst="wedgeRoundRectCallout">
+            <a:avLst>
+              <a:gd name="adj1" fmla="val -65187"/>
+              <a:gd name="adj2" fmla="val 14454"/>
+              <a:gd name="adj3" fmla="val 16667"/>
+            </a:avLst>
+          </a:prstGeom>
+        </p:spPr>
+        <p:style>
+          <a:lnRef idx="2">
+            <a:schemeClr val="accent1">
+              <a:shade val="15000"/>
+            </a:schemeClr>
+          </a:lnRef>
+          <a:fillRef idx="1">
+            <a:schemeClr val="accent1"/>
+          </a:fillRef>
+          <a:effectRef idx="0">
+            <a:schemeClr val="accent1"/>
+          </a:effectRef>
+          <a:fontRef idx="minor">
+            <a:schemeClr val="lt1"/>
+          </a:fontRef>
+        </p:style>
+        <p:txBody>
+          <a:bodyPr rtlCol="0" anchor="ctr"/>
+          <a:lstStyle/>
+          <a:p>
+            <a:pPr algn="ctr"/>
+            <a:r>
+              <a:rPr lang="en-US" dirty="0"/>
+              <a:t>Calculate U given current policy</a:t>
+            </a:r>
+            <a:br>
+              <a:rPr lang="en-US" dirty="0"/>
+            </a:br>
+            <a:r>
+              <a:rPr lang="en-US" dirty="0"/>
+              <a:t>(eighter solve an LP or iterative solution)</a:t>
+            </a:r>
+          </a:p>
+        </p:txBody>
+      </p:sp>
+      <p:sp>
+        <p:nvSpPr>
+          <p:cNvPr id="12" name="Rectangle: Rounded Corners 11">
+            <a:extLst>
+              <a:ext uri="{FF2B5EF4-FFF2-40B4-BE49-F238E27FC236}">
+                <a16:creationId xmlns:a16="http://schemas.microsoft.com/office/drawing/2014/main" id="{B6B0E704-A11F-E670-6F2B-4D697F469B15}"/>
+              </a:ext>
+            </a:extLst>
+          </p:cNvPr>
+          <p:cNvSpPr/>
+          <p:nvPr/>
+        </p:nvSpPr>
+        <p:spPr>
+          <a:xfrm>
+            <a:off x="10058400" y="4419600"/>
+            <a:ext cx="1524000" cy="685800"/>
+          </a:xfrm>
+          <a:prstGeom prst="roundRect">
+            <a:avLst/>
+          </a:prstGeom>
+        </p:spPr>
+        <p:style>
+          <a:lnRef idx="2">
+            <a:schemeClr val="accent1">
+              <a:shade val="15000"/>
+            </a:schemeClr>
+          </a:lnRef>
+          <a:fillRef idx="1">
+            <a:schemeClr val="accent1"/>
+          </a:fillRef>
+          <a:effectRef idx="0">
+            <a:schemeClr val="accent1"/>
+          </a:effectRef>
+          <a:fontRef idx="minor">
+            <a:schemeClr val="lt1"/>
+          </a:fontRef>
+        </p:style>
+        <p:txBody>
+          <a:bodyPr rtlCol="0" anchor="ctr"/>
+          <a:lstStyle/>
+          <a:p>
+            <a:r>
+              <a:rPr lang="en-US" dirty="0"/>
+              <a:t>Policy </a:t>
+            </a:r>
+          </a:p>
+          <a:p>
+            <a:r>
+              <a:rPr lang="en-US" dirty="0"/>
+              <a:t>Improvement</a:t>
+            </a:r>
+          </a:p>
+        </p:txBody>
+      </p:sp>
     </p:spTree>
     <p:extLst>
       <p:ext uri="{BB962C8B-B14F-4D97-AF65-F5344CB8AC3E}">
         <p14:creationId xmlns:p14="http://schemas.microsoft.com/office/powerpoint/2010/main" val="2301558060"/>
-      </p:ext>
-    </p:extLst>
-  </p:cSld>
-  <p:clrMapOvr>
-    <a:masterClrMapping/>
-  </p:clrMapOvr>
-</p:sld>
-</file>
-
-<file path=ppt/slides/slide9.xml><?xml version="1.0" encoding="utf-8"?>
-<p:sld xmlns:a="http://schemas.openxmlformats.org/drawingml/2006/main" xmlns:r="http://schemas.openxmlformats.org/officeDocument/2006/relationships" xmlns:p="http://schemas.openxmlformats.org/presentationml/2006/main">
-  <p:cSld>
-    <p:spTree>
-      <p:nvGrpSpPr>
-        <p:cNvPr id="1" name=""/>
-        <p:cNvGrpSpPr/>
-        <p:nvPr/>
-      </p:nvGrpSpPr>
-      <p:grpSpPr>
-        <a:xfrm>
-          <a:off x="0" y="0"/>
-          <a:ext cx="0" cy="0"/>
-          <a:chOff x="0" y="0"/>
-          <a:chExt cx="0" cy="0"/>
-        </a:xfrm>
-      </p:grpSpPr>
-      <p:sp>
-        <p:nvSpPr>
-          <p:cNvPr id="3" name="Title 2">
-            <a:extLst>
-              <a:ext uri="{FF2B5EF4-FFF2-40B4-BE49-F238E27FC236}">
-                <a16:creationId xmlns:a16="http://schemas.microsoft.com/office/drawing/2014/main" id="{F31C0A40-7725-1505-8930-DC82CB78057C}"/>
-              </a:ext>
-            </a:extLst>
-          </p:cNvPr>
-          <p:cNvSpPr>
-            <a:spLocks noGrp="1"/>
-          </p:cNvSpPr>
-          <p:nvPr>
-            <p:ph type="title"/>
-          </p:nvPr>
-        </p:nvSpPr>
-        <p:spPr/>
-        <p:txBody>
-          <a:bodyPr>
-            <a:normAutofit/>
-          </a:bodyPr>
-          <a:lstStyle/>
-          <a:p>
-            <a:r>
-              <a:rPr lang="en-US" sz="3600" dirty="0"/>
-              <a:t>Partially Observable Markov Decision Model (POMDP)</a:t>
-            </a:r>
-          </a:p>
-        </p:txBody>
-      </p:sp>
-      <mc:AlternateContent xmlns:mc="http://schemas.openxmlformats.org/markup-compatibility/2006">
-        <mc:Choice xmlns:a14="http://schemas.microsoft.com/office/drawing/2010/main" Requires="a14">
-          <p:sp>
-            <p:nvSpPr>
-              <p:cNvPr id="4" name="Content Placeholder 3">
-                <a:extLst>
-                  <a:ext uri="{FF2B5EF4-FFF2-40B4-BE49-F238E27FC236}">
-                    <a16:creationId xmlns:a16="http://schemas.microsoft.com/office/drawing/2014/main" id="{C00B6C47-EA5C-F94C-DD50-5B2B163423B0}"/>
-                  </a:ext>
-                </a:extLst>
-              </p:cNvPr>
-              <p:cNvSpPr>
-                <a:spLocks noGrp="1"/>
-              </p:cNvSpPr>
-              <p:nvPr>
-                <p:ph idx="1"/>
-              </p:nvPr>
-            </p:nvSpPr>
-            <p:spPr/>
-            <p:txBody>
-              <a:bodyPr>
-                <a:normAutofit fontScale="77500" lnSpcReduction="20000"/>
-              </a:bodyPr>
-              <a:lstStyle/>
-              <a:p>
-                <a:r>
-                  <a:rPr lang="en-US" dirty="0"/>
-                  <a:t>If the environment is partially observable, then the model is expanded by</a:t>
-                </a:r>
-              </a:p>
-              <a:p>
-                <a:pPr lvl="1"/>
-                <a:r>
-                  <a:rPr lang="en-US" dirty="0"/>
-                  <a:t>a </a:t>
-                </a:r>
-                <a:r>
-                  <a:rPr lang="en-US" b="1" dirty="0"/>
-                  <a:t>sensor model </a:t>
-                </a:r>
-                <a14:m>
-                  <m:oMath xmlns:m="http://schemas.openxmlformats.org/officeDocument/2006/math">
-                    <m:r>
-                      <a:rPr lang="en-US" i="1" dirty="0" smtClean="0">
-                        <a:latin typeface="Cambria Math" panose="02040503050406030204" pitchFamily="18" charset="0"/>
-                      </a:rPr>
-                      <m:t>𝑃</m:t>
-                    </m:r>
-                    <m:r>
-                      <a:rPr lang="en-US" i="1" dirty="0" smtClean="0">
-                        <a:latin typeface="Cambria Math" panose="02040503050406030204" pitchFamily="18" charset="0"/>
-                      </a:rPr>
-                      <m:t>(</m:t>
-                    </m:r>
-                    <m:r>
-                      <a:rPr lang="en-US" b="0" i="1" dirty="0" smtClean="0">
-                        <a:latin typeface="Cambria Math" panose="02040503050406030204" pitchFamily="18" charset="0"/>
-                      </a:rPr>
-                      <m:t>𝑜</m:t>
-                    </m:r>
-                    <m:r>
-                      <a:rPr lang="en-US" i="1" dirty="0" smtClean="0">
-                        <a:latin typeface="Cambria Math" panose="02040503050406030204" pitchFamily="18" charset="0"/>
-                      </a:rPr>
-                      <m:t> | </m:t>
-                    </m:r>
-                    <m:r>
-                      <a:rPr lang="en-US" i="1" dirty="0" smtClean="0">
-                        <a:latin typeface="Cambria Math" panose="02040503050406030204" pitchFamily="18" charset="0"/>
-                      </a:rPr>
-                      <m:t>𝑠</m:t>
-                    </m:r>
-                    <m:r>
-                      <a:rPr lang="en-US" i="1" dirty="0" smtClean="0">
-                        <a:latin typeface="Cambria Math" panose="02040503050406030204" pitchFamily="18" charset="0"/>
-                      </a:rPr>
-                      <m:t>)</m:t>
-                    </m:r>
-                  </m:oMath>
-                </a14:m>
-                <a:r>
-                  <a:rPr lang="en-US" dirty="0"/>
-                  <a:t> for receiving observation </a:t>
-                </a:r>
-                <a14:m>
-                  <m:oMath xmlns:m="http://schemas.openxmlformats.org/officeDocument/2006/math">
-                    <m:r>
-                      <a:rPr lang="en-US" i="1" dirty="0" smtClean="0">
-                        <a:latin typeface="Cambria Math" panose="02040503050406030204" pitchFamily="18" charset="0"/>
-                      </a:rPr>
-                      <m:t>𝑜</m:t>
-                    </m:r>
-                  </m:oMath>
-                </a14:m>
-                <a:r>
-                  <a:rPr lang="en-US" dirty="0"/>
-                  <a:t> given being in state </a:t>
-                </a:r>
-                <a14:m>
-                  <m:oMath xmlns:m="http://schemas.openxmlformats.org/officeDocument/2006/math">
-                    <m:r>
-                      <a:rPr lang="en-US" i="1" dirty="0" smtClean="0">
-                        <a:latin typeface="Cambria Math" panose="02040503050406030204" pitchFamily="18" charset="0"/>
-                      </a:rPr>
-                      <m:t>𝑠</m:t>
-                    </m:r>
-                  </m:oMath>
-                </a14:m>
-                <a:r>
-                  <a:rPr lang="en-US" dirty="0"/>
-                  <a:t>. </a:t>
-                </a:r>
-              </a:p>
-              <a:p>
-                <a:pPr lvl="1"/>
-                <a:endParaRPr lang="en-US" dirty="0"/>
-              </a:p>
-              <a:p>
-                <a:r>
-                  <a:rPr lang="en-US" dirty="0"/>
-                  <a:t>This makes things a lot more complicated, and we have to work with </a:t>
-                </a:r>
-                <a:r>
-                  <a:rPr lang="en-US" b="1" dirty="0"/>
-                  <a:t>belief states</a:t>
-                </a:r>
-                <a:r>
-                  <a:rPr lang="en-US" dirty="0"/>
-                  <a:t>. A belief state is a distribution over states. </a:t>
-                </a:r>
-                <a:br>
-                  <a:rPr lang="en-US" dirty="0"/>
-                </a:br>
-                <a:r>
-                  <a:rPr lang="en-US" dirty="0"/>
-                  <a:t>Example: For a problem with three states, the belief state </a:t>
-                </a:r>
-                <a14:m>
-                  <m:oMath xmlns:m="http://schemas.openxmlformats.org/officeDocument/2006/math">
-                    <m:r>
-                      <a:rPr lang="en-US" i="1" dirty="0" smtClean="0">
-                        <a:latin typeface="Cambria Math" panose="02040503050406030204" pitchFamily="18" charset="0"/>
-                      </a:rPr>
-                      <m:t>𝑏</m:t>
-                    </m:r>
-                    <m:r>
-                      <a:rPr lang="en-US" i="1" dirty="0" smtClean="0">
-                        <a:latin typeface="Cambria Math" panose="02040503050406030204" pitchFamily="18" charset="0"/>
-                      </a:rPr>
-                      <m:t> =(.2,</m:t>
-                    </m:r>
-                    <m:r>
-                      <a:rPr lang="en-US" i="1" dirty="0" smtClean="0">
-                        <a:latin typeface="Cambria Math" panose="02040503050406030204" pitchFamily="18" charset="0"/>
-                      </a:rPr>
-                      <m:t> .8, 0)</m:t>
-                    </m:r>
-                  </m:oMath>
-                </a14:m>
-                <a:r>
-                  <a:rPr lang="en-US" dirty="0"/>
-                  <a:t> means the agent beliefs that it is 20% in state 1 and 80% in state 2 but not in state 3.</a:t>
-                </a:r>
-              </a:p>
-              <a:p>
-                <a:endParaRPr lang="en-US" dirty="0"/>
-              </a:p>
-              <a:p>
-                <a:r>
-                  <a:rPr lang="en-US" dirty="0"/>
-                  <a:t>An MDP that uses belief states is called a </a:t>
-                </a:r>
-                <a:r>
-                  <a:rPr lang="en-US" b="1" dirty="0"/>
-                  <a:t>belief MDP</a:t>
-                </a:r>
-                <a:r>
-                  <a:rPr lang="en-US" dirty="0"/>
-                  <a:t>. Issue: belief states are continuous, and the number of different belief states is infinite.</a:t>
-                </a:r>
-              </a:p>
-              <a:p>
-                <a:r>
-                  <a:rPr lang="en-US" dirty="0"/>
-                  <a:t>The solution of a POMDP is a policy with the optimal actions for sets of belief states (i.e., ranges of belief). </a:t>
-                </a:r>
-              </a:p>
-              <a:p>
-                <a:r>
-                  <a:rPr lang="en-US" dirty="0"/>
-                  <a:t>For all but tiny problems, POMDPs can only be solved </a:t>
-                </a:r>
-                <a:r>
-                  <a:rPr lang="en-US" b="1" dirty="0"/>
-                  <a:t>approximately </a:t>
-                </a:r>
-                <a:r>
-                  <a:rPr lang="en-US" dirty="0"/>
-                  <a:t>(e.g., by grid-based methods).</a:t>
-                </a:r>
-              </a:p>
-            </p:txBody>
-          </p:sp>
-        </mc:Choice>
-        <mc:Fallback>
-          <p:sp>
-            <p:nvSpPr>
-              <p:cNvPr id="4" name="Content Placeholder 3">
-                <a:extLst>
-                  <a:ext uri="{FF2B5EF4-FFF2-40B4-BE49-F238E27FC236}">
-                    <a16:creationId xmlns:a16="http://schemas.microsoft.com/office/drawing/2014/main" id="{C00B6C47-EA5C-F94C-DD50-5B2B163423B0}"/>
-                  </a:ext>
-                </a:extLst>
-              </p:cNvPr>
-              <p:cNvSpPr>
-                <a:spLocks noGrp="1" noRot="1" noChangeAspect="1" noMove="1" noResize="1" noEditPoints="1" noAdjustHandles="1" noChangeArrowheads="1" noChangeShapeType="1" noTextEdit="1"/>
-              </p:cNvSpPr>
-              <p:nvPr>
-                <p:ph idx="1"/>
-              </p:nvPr>
-            </p:nvSpPr>
-            <p:spPr>
-              <a:blipFill>
-                <a:blip r:embed="rId2"/>
-                <a:stretch>
-                  <a:fillRect l="-696" t="-2801" r="-464"/>
-                </a:stretch>
-              </a:blipFill>
-            </p:spPr>
-            <p:txBody>
-              <a:bodyPr/>
-              <a:lstStyle/>
-              <a:p>
-                <a:r>
-                  <a:rPr lang="en-US">
-                    <a:noFill/>
-                  </a:rPr>
-                  <a:t> </a:t>
-                </a:r>
-              </a:p>
-            </p:txBody>
-          </p:sp>
-        </mc:Fallback>
-      </mc:AlternateContent>
-    </p:spTree>
-    <p:extLst>
-      <p:ext uri="{BB962C8B-B14F-4D97-AF65-F5344CB8AC3E}">
-        <p14:creationId xmlns:p14="http://schemas.microsoft.com/office/powerpoint/2010/main" val="2489327736"/>
       </p:ext>
     </p:extLst>
   </p:cSld>

--- a/slides/22_Reinforcement_Learning.pptx
+++ b/slides/22_Reinforcement_Learning.pptx
@@ -5,10 +5,10 @@
     <p:sldMasterId id="2147483769" r:id="rId1"/>
   </p:sldMasterIdLst>
   <p:notesMasterIdLst>
-    <p:notesMasterId r:id="rId17"/>
+    <p:notesMasterId r:id="rId18"/>
   </p:notesMasterIdLst>
   <p:handoutMasterIdLst>
-    <p:handoutMasterId r:id="rId18"/>
+    <p:handoutMasterId r:id="rId19"/>
   </p:handoutMasterIdLst>
   <p:sldIdLst>
     <p:sldId id="455" r:id="rId2"/>
@@ -16,21 +16,22 @@
     <p:sldId id="456" r:id="rId4"/>
     <p:sldId id="469" r:id="rId5"/>
     <p:sldId id="458" r:id="rId6"/>
-    <p:sldId id="457" r:id="rId7"/>
+    <p:sldId id="471" r:id="rId7"/>
     <p:sldId id="459" r:id="rId8"/>
-    <p:sldId id="460" r:id="rId9"/>
-    <p:sldId id="461" r:id="rId10"/>
-    <p:sldId id="462" r:id="rId11"/>
-    <p:sldId id="467" r:id="rId12"/>
-    <p:sldId id="463" r:id="rId13"/>
-    <p:sldId id="464" r:id="rId14"/>
-    <p:sldId id="468" r:id="rId15"/>
-    <p:sldId id="465" r:id="rId16"/>
+    <p:sldId id="470" r:id="rId9"/>
+    <p:sldId id="460" r:id="rId10"/>
+    <p:sldId id="461" r:id="rId11"/>
+    <p:sldId id="462" r:id="rId12"/>
+    <p:sldId id="467" r:id="rId13"/>
+    <p:sldId id="463" r:id="rId14"/>
+    <p:sldId id="464" r:id="rId15"/>
+    <p:sldId id="468" r:id="rId16"/>
+    <p:sldId id="465" r:id="rId17"/>
   </p:sldIdLst>
   <p:sldSz cx="12192000" cy="6858000"/>
   <p:notesSz cx="7099300" cy="10234613"/>
   <p:custDataLst>
-    <p:tags r:id="rId19"/>
+    <p:tags r:id="rId20"/>
   </p:custDataLst>
   <p:defaultTextStyle>
     <a:defPPr>
@@ -137,8 +138,9 @@
             <p14:sldId id="456"/>
             <p14:sldId id="469"/>
             <p14:sldId id="458"/>
-            <p14:sldId id="457"/>
+            <p14:sldId id="471"/>
             <p14:sldId id="459"/>
+            <p14:sldId id="470"/>
             <p14:sldId id="460"/>
             <p14:sldId id="461"/>
             <p14:sldId id="462"/>
@@ -1142,7 +1144,7 @@
     </p:spTree>
     <p:extLst>
       <p:ext uri="{BB962C8B-B14F-4D97-AF65-F5344CB8AC3E}">
-        <p14:creationId xmlns:p14="http://schemas.microsoft.com/office/powerpoint/2010/main" val="2615417632"/>
+        <p14:creationId xmlns:p14="http://schemas.microsoft.com/office/powerpoint/2010/main" val="4241087478"/>
       </p:ext>
     </p:extLst>
   </p:cSld>
@@ -1254,7 +1256,7 @@
               <a:pPr>
                 <a:defRPr/>
               </a:pPr>
-              <a:t>12</a:t>
+              <a:t>13</a:t>
             </a:fld>
             <a:endParaRPr lang="en-US" dirty="0"/>
           </a:p>
@@ -1355,7 +1357,7 @@
               <a:pPr>
                 <a:defRPr/>
               </a:pPr>
-              <a:t>14</a:t>
+              <a:t>15</a:t>
             </a:fld>
             <a:endParaRPr lang="en-US" dirty="0"/>
           </a:p>
@@ -5626,6 +5628,649 @@
           <a:chExt cx="0" cy="0"/>
         </a:xfrm>
       </p:grpSpPr>
+      <p:pic>
+        <p:nvPicPr>
+          <p:cNvPr id="16" name="Picture 15">
+            <a:extLst>
+              <a:ext uri="{FF2B5EF4-FFF2-40B4-BE49-F238E27FC236}">
+                <a16:creationId xmlns:a16="http://schemas.microsoft.com/office/drawing/2014/main" id="{BBBF0129-0985-4F48-A0E8-CBBB90085CE1}"/>
+              </a:ext>
+            </a:extLst>
+          </p:cNvPr>
+          <p:cNvPicPr>
+            <a:picLocks noChangeAspect="1"/>
+          </p:cNvPicPr>
+          <p:nvPr/>
+        </p:nvPicPr>
+        <p:blipFill>
+          <a:blip r:embed="rId2"/>
+          <a:stretch>
+            <a:fillRect/>
+          </a:stretch>
+        </p:blipFill>
+        <p:spPr>
+          <a:xfrm>
+            <a:off x="1489541" y="2071688"/>
+            <a:ext cx="8181975" cy="4200525"/>
+          </a:xfrm>
+          <a:prstGeom prst="rect">
+            <a:avLst/>
+          </a:prstGeom>
+        </p:spPr>
+      </p:pic>
+      <p:sp>
+        <p:nvSpPr>
+          <p:cNvPr id="10" name="Rectangle 9">
+            <a:extLst>
+              <a:ext uri="{FF2B5EF4-FFF2-40B4-BE49-F238E27FC236}">
+                <a16:creationId xmlns:a16="http://schemas.microsoft.com/office/drawing/2014/main" id="{90F18446-04DB-D98B-9D7E-E2DECCF5F82D}"/>
+              </a:ext>
+            </a:extLst>
+          </p:cNvPr>
+          <p:cNvSpPr/>
+          <p:nvPr/>
+        </p:nvSpPr>
+        <p:spPr>
+          <a:xfrm>
+            <a:off x="1407457" y="1981200"/>
+            <a:ext cx="8041343" cy="4343400"/>
+          </a:xfrm>
+          <a:prstGeom prst="rect">
+            <a:avLst/>
+          </a:prstGeom>
+          <a:noFill/>
+        </p:spPr>
+        <p:style>
+          <a:lnRef idx="2">
+            <a:schemeClr val="accent2"/>
+          </a:lnRef>
+          <a:fillRef idx="1">
+            <a:schemeClr val="lt1"/>
+          </a:fillRef>
+          <a:effectRef idx="0">
+            <a:schemeClr val="accent2"/>
+          </a:effectRef>
+          <a:fontRef idx="minor">
+            <a:schemeClr val="dk1"/>
+          </a:fontRef>
+        </p:style>
+        <p:txBody>
+          <a:bodyPr rtlCol="0" anchor="ctr"/>
+          <a:lstStyle/>
+          <a:p>
+            <a:pPr algn="ctr"/>
+            <a:endParaRPr lang="en-US"/>
+          </a:p>
+        </p:txBody>
+      </p:sp>
+      <mc:AlternateContent xmlns:mc="http://schemas.openxmlformats.org/markup-compatibility/2006">
+        <mc:Choice xmlns:a14="http://schemas.microsoft.com/office/drawing/2010/main" Requires="a14">
+          <p:sp>
+            <p:nvSpPr>
+              <p:cNvPr id="2" name="Title 1">
+                <a:extLst>
+                  <a:ext uri="{FF2B5EF4-FFF2-40B4-BE49-F238E27FC236}">
+                    <a16:creationId xmlns:a16="http://schemas.microsoft.com/office/drawing/2014/main" id="{C8C32B98-2B97-D8C0-2282-F86B2C8C583E}"/>
+                  </a:ext>
+                </a:extLst>
+              </p:cNvPr>
+              <p:cNvSpPr>
+                <a:spLocks noGrp="1"/>
+              </p:cNvSpPr>
+              <p:nvPr>
+                <p:ph type="title"/>
+              </p:nvPr>
+            </p:nvSpPr>
+            <p:spPr/>
+            <p:txBody>
+              <a:bodyPr/>
+              <a:lstStyle/>
+              <a:p>
+                <a:r>
+                  <a:rPr lang="en-US" dirty="0"/>
+                  <a:t>Policy Iteration: Learn the optimal policy </a:t>
+                </a:r>
+                <a14:m>
+                  <m:oMath xmlns:m="http://schemas.openxmlformats.org/officeDocument/2006/math">
+                    <m:sSup>
+                      <m:sSupPr>
+                        <m:ctrlPr>
+                          <a:rPr lang="en-US" b="0" i="1" smtClean="0">
+                            <a:latin typeface="Cambria Math" panose="02040503050406030204" pitchFamily="18" charset="0"/>
+                          </a:rPr>
+                        </m:ctrlPr>
+                      </m:sSupPr>
+                      <m:e>
+                        <m:r>
+                          <a:rPr lang="en-US" b="0" i="1" smtClean="0">
+                            <a:latin typeface="Cambria Math" panose="02040503050406030204" pitchFamily="18" charset="0"/>
+                          </a:rPr>
+                          <m:t>𝜋</m:t>
+                        </m:r>
+                      </m:e>
+                      <m:sup>
+                        <m:r>
+                          <a:rPr lang="en-US" b="0" i="1" smtClean="0">
+                            <a:latin typeface="Cambria Math" panose="02040503050406030204" pitchFamily="18" charset="0"/>
+                          </a:rPr>
+                          <m:t>∗</m:t>
+                        </m:r>
+                      </m:sup>
+                    </m:sSup>
+                  </m:oMath>
+                </a14:m>
+                <a:endParaRPr lang="en-US" dirty="0"/>
+              </a:p>
+            </p:txBody>
+          </p:sp>
+        </mc:Choice>
+        <mc:Fallback>
+          <p:sp>
+            <p:nvSpPr>
+              <p:cNvPr id="2" name="Title 1">
+                <a:extLst>
+                  <a:ext uri="{FF2B5EF4-FFF2-40B4-BE49-F238E27FC236}">
+                    <a16:creationId xmlns:a16="http://schemas.microsoft.com/office/drawing/2014/main" id="{C8C32B98-2B97-D8C0-2282-F86B2C8C583E}"/>
+                  </a:ext>
+                </a:extLst>
+              </p:cNvPr>
+              <p:cNvSpPr>
+                <a:spLocks noGrp="1" noRot="1" noChangeAspect="1" noMove="1" noResize="1" noEditPoints="1" noAdjustHandles="1" noChangeArrowheads="1" noChangeShapeType="1" noTextEdit="1"/>
+              </p:cNvSpPr>
+              <p:nvPr>
+                <p:ph type="title"/>
+              </p:nvPr>
+            </p:nvSpPr>
+            <p:spPr>
+              <a:blipFill>
+                <a:blip r:embed="rId3"/>
+                <a:stretch>
+                  <a:fillRect l="-2377"/>
+                </a:stretch>
+              </a:blipFill>
+            </p:spPr>
+            <p:txBody>
+              <a:bodyPr/>
+              <a:lstStyle/>
+              <a:p>
+                <a:r>
+                  <a:rPr lang="en-US">
+                    <a:noFill/>
+                  </a:rPr>
+                  <a:t> </a:t>
+                </a:r>
+              </a:p>
+            </p:txBody>
+          </p:sp>
+        </mc:Fallback>
+      </mc:AlternateContent>
+      <p:sp>
+        <p:nvSpPr>
+          <p:cNvPr id="5" name="Right Brace 4">
+            <a:extLst>
+              <a:ext uri="{FF2B5EF4-FFF2-40B4-BE49-F238E27FC236}">
+                <a16:creationId xmlns:a16="http://schemas.microsoft.com/office/drawing/2014/main" id="{F3E77754-BB52-49DF-160C-43083A9A9262}"/>
+              </a:ext>
+            </a:extLst>
+          </p:cNvPr>
+          <p:cNvSpPr/>
+          <p:nvPr/>
+        </p:nvSpPr>
+        <p:spPr>
+          <a:xfrm>
+            <a:off x="8834258" y="4233710"/>
+            <a:ext cx="304800" cy="1752600"/>
+          </a:xfrm>
+          <a:prstGeom prst="rightBrace">
+            <a:avLst/>
+          </a:prstGeom>
+        </p:spPr>
+        <p:style>
+          <a:lnRef idx="3">
+            <a:schemeClr val="accent1"/>
+          </a:lnRef>
+          <a:fillRef idx="0">
+            <a:schemeClr val="accent1"/>
+          </a:fillRef>
+          <a:effectRef idx="2">
+            <a:schemeClr val="accent1"/>
+          </a:effectRef>
+          <a:fontRef idx="minor">
+            <a:schemeClr val="tx1"/>
+          </a:fontRef>
+        </p:style>
+        <p:txBody>
+          <a:bodyPr rtlCol="0" anchor="ctr"/>
+          <a:lstStyle/>
+          <a:p>
+            <a:pPr algn="ctr"/>
+            <a:endParaRPr lang="en-US" dirty="0"/>
+          </a:p>
+        </p:txBody>
+      </p:sp>
+      <mc:AlternateContent xmlns:mc="http://schemas.openxmlformats.org/markup-compatibility/2006">
+        <mc:Choice xmlns:a14="http://schemas.microsoft.com/office/drawing/2010/main" Requires="a14">
+          <p:sp>
+            <p:nvSpPr>
+              <p:cNvPr id="9" name="TextBox 8">
+                <a:extLst>
+                  <a:ext uri="{FF2B5EF4-FFF2-40B4-BE49-F238E27FC236}">
+                    <a16:creationId xmlns:a16="http://schemas.microsoft.com/office/drawing/2014/main" id="{2BBA4292-2680-B6EA-AEBA-92D340D7C265}"/>
+                  </a:ext>
+                </a:extLst>
+              </p:cNvPr>
+              <p:cNvSpPr txBox="1"/>
+              <p:nvPr/>
+            </p:nvSpPr>
+            <p:spPr>
+              <a:xfrm>
+                <a:off x="9259724" y="6047117"/>
+                <a:ext cx="2885470" cy="729559"/>
+              </a:xfrm>
+              <a:prstGeom prst="rect">
+                <a:avLst/>
+              </a:prstGeom>
+            </p:spPr>
+            <p:style>
+              <a:lnRef idx="2">
+                <a:schemeClr val="accent6">
+                  <a:shade val="15000"/>
+                </a:schemeClr>
+              </a:lnRef>
+              <a:fillRef idx="1">
+                <a:schemeClr val="accent6"/>
+              </a:fillRef>
+              <a:effectRef idx="0">
+                <a:schemeClr val="accent6"/>
+              </a:effectRef>
+              <a:fontRef idx="minor">
+                <a:schemeClr val="lt1"/>
+              </a:fontRef>
+            </p:style>
+            <p:txBody>
+              <a:bodyPr wrap="none" rtlCol="0">
+                <a:spAutoFit/>
+              </a:bodyPr>
+              <a:lstStyle/>
+              <a:p>
+                <a:pPr algn="ctr"/>
+                <a14:m>
+                  <m:oMath xmlns:m="http://schemas.openxmlformats.org/officeDocument/2006/math">
+                    <m:r>
+                      <a:rPr lang="en-US" sz="2000" b="0" i="1" smtClean="0">
+                        <a:latin typeface="Cambria Math" panose="02040503050406030204" pitchFamily="18" charset="0"/>
+                      </a:rPr>
+                      <m:t>𝜋</m:t>
+                    </m:r>
+                  </m:oMath>
+                </a14:m>
+                <a:r>
+                  <a:rPr lang="en-US" sz="2000" dirty="0"/>
+                  <a:t> converges to </a:t>
+                </a:r>
+                <a14:m>
+                  <m:oMath xmlns:m="http://schemas.openxmlformats.org/officeDocument/2006/math">
+                    <m:sSup>
+                      <m:sSupPr>
+                        <m:ctrlPr>
+                          <a:rPr lang="en-US" sz="2000" b="0" i="1" smtClean="0">
+                            <a:latin typeface="Cambria Math" panose="02040503050406030204" pitchFamily="18" charset="0"/>
+                          </a:rPr>
+                        </m:ctrlPr>
+                      </m:sSupPr>
+                      <m:e>
+                        <m:r>
+                          <a:rPr lang="en-US" sz="2000" b="0" i="1" smtClean="0">
+                            <a:latin typeface="Cambria Math" panose="02040503050406030204" pitchFamily="18" charset="0"/>
+                          </a:rPr>
+                          <m:t>𝜋</m:t>
+                        </m:r>
+                      </m:e>
+                      <m:sup>
+                        <m:r>
+                          <a:rPr lang="en-US" sz="2000" b="0" i="1" smtClean="0">
+                            <a:latin typeface="Cambria Math" panose="02040503050406030204" pitchFamily="18" charset="0"/>
+                          </a:rPr>
+                          <m:t>∗</m:t>
+                        </m:r>
+                      </m:sup>
+                    </m:sSup>
+                  </m:oMath>
+                </a14:m>
+                <a:br>
+                  <a:rPr lang="en-US" sz="2000" dirty="0"/>
+                </a:br>
+                <a:r>
+                  <a:rPr lang="en-US" sz="2000" dirty="0"/>
+                  <a:t>(and </a:t>
+                </a:r>
+                <a14:m>
+                  <m:oMath xmlns:m="http://schemas.openxmlformats.org/officeDocument/2006/math">
+                    <m:r>
+                      <a:rPr lang="en-US" sz="2000" b="0" i="1" smtClean="0">
+                        <a:latin typeface="Cambria Math" panose="02040503050406030204" pitchFamily="18" charset="0"/>
+                      </a:rPr>
+                      <m:t> </m:t>
+                    </m:r>
+                    <m:r>
+                      <a:rPr lang="en-US" sz="2000" i="1" dirty="0">
+                        <a:latin typeface="Cambria Math" panose="02040503050406030204" pitchFamily="18" charset="0"/>
+                      </a:rPr>
+                      <m:t>𝑈</m:t>
+                    </m:r>
+                    <m:r>
+                      <m:rPr>
+                        <m:nor/>
+                      </m:rPr>
+                      <a:rPr lang="en-US" sz="2000" dirty="0"/>
+                      <m:t> </m:t>
+                    </m:r>
+                    <m:r>
+                      <m:rPr>
+                        <m:nor/>
+                      </m:rPr>
+                      <a:rPr lang="en-US" sz="2000" dirty="0"/>
+                      <m:t>converges</m:t>
+                    </m:r>
+                    <m:r>
+                      <m:rPr>
+                        <m:nor/>
+                      </m:rPr>
+                      <a:rPr lang="en-US" sz="2000" dirty="0"/>
+                      <m:t> </m:t>
+                    </m:r>
+                    <m:r>
+                      <m:rPr>
+                        <m:nor/>
+                      </m:rPr>
+                      <a:rPr lang="en-US" sz="2000" dirty="0"/>
+                      <m:t>to</m:t>
+                    </m:r>
+                    <m:r>
+                      <m:rPr>
+                        <m:nor/>
+                      </m:rPr>
+                      <a:rPr lang="en-US" sz="2000" dirty="0"/>
+                      <m:t> </m:t>
+                    </m:r>
+                    <m:sSup>
+                      <m:sSupPr>
+                        <m:ctrlPr>
+                          <a:rPr lang="en-US" sz="2000" i="1">
+                            <a:latin typeface="Cambria Math" panose="02040503050406030204" pitchFamily="18" charset="0"/>
+                          </a:rPr>
+                        </m:ctrlPr>
+                      </m:sSupPr>
+                      <m:e>
+                        <m:r>
+                          <a:rPr lang="en-US" sz="2000" i="1">
+                            <a:latin typeface="Cambria Math" panose="02040503050406030204" pitchFamily="18" charset="0"/>
+                          </a:rPr>
+                          <m:t>𝑈</m:t>
+                        </m:r>
+                      </m:e>
+                      <m:sup>
+                        <m:sSup>
+                          <m:sSupPr>
+                            <m:ctrlPr>
+                              <a:rPr lang="en-US" sz="2000" i="1">
+                                <a:latin typeface="Cambria Math" panose="02040503050406030204" pitchFamily="18" charset="0"/>
+                              </a:rPr>
+                            </m:ctrlPr>
+                          </m:sSupPr>
+                          <m:e>
+                            <m:r>
+                              <a:rPr lang="en-US" sz="2000" i="1">
+                                <a:latin typeface="Cambria Math" panose="02040503050406030204" pitchFamily="18" charset="0"/>
+                              </a:rPr>
+                              <m:t>𝜋</m:t>
+                            </m:r>
+                          </m:e>
+                          <m:sup>
+                            <m:r>
+                              <a:rPr lang="en-US" sz="2000" i="1">
+                                <a:latin typeface="Cambria Math" panose="02040503050406030204" pitchFamily="18" charset="0"/>
+                              </a:rPr>
+                              <m:t>∗</m:t>
+                            </m:r>
+                          </m:sup>
+                        </m:sSup>
+                      </m:sup>
+                    </m:sSup>
+                  </m:oMath>
+                </a14:m>
+                <a:r>
+                  <a:rPr lang="en-US" sz="2000" dirty="0"/>
+                  <a:t>)</a:t>
+                </a:r>
+              </a:p>
+            </p:txBody>
+          </p:sp>
+        </mc:Choice>
+        <mc:Fallback>
+          <p:sp>
+            <p:nvSpPr>
+              <p:cNvPr id="9" name="TextBox 8">
+                <a:extLst>
+                  <a:ext uri="{FF2B5EF4-FFF2-40B4-BE49-F238E27FC236}">
+                    <a16:creationId xmlns:a16="http://schemas.microsoft.com/office/drawing/2014/main" id="{2BBA4292-2680-B6EA-AEBA-92D340D7C265}"/>
+                  </a:ext>
+                </a:extLst>
+              </p:cNvPr>
+              <p:cNvSpPr txBox="1">
+                <a:spLocks noRot="1" noChangeAspect="1" noMove="1" noResize="1" noEditPoints="1" noAdjustHandles="1" noChangeArrowheads="1" noChangeShapeType="1" noTextEdit="1"/>
+              </p:cNvSpPr>
+              <p:nvPr/>
+            </p:nvSpPr>
+            <p:spPr>
+              <a:xfrm>
+                <a:off x="9259724" y="6047117"/>
+                <a:ext cx="2885470" cy="729559"/>
+              </a:xfrm>
+              <a:prstGeom prst="rect">
+                <a:avLst/>
+              </a:prstGeom>
+              <a:blipFill>
+                <a:blip r:embed="rId4"/>
+                <a:stretch>
+                  <a:fillRect l="-1474" t="-4098" r="-1684" b="-13115"/>
+                </a:stretch>
+              </a:blipFill>
+            </p:spPr>
+            <p:txBody>
+              <a:bodyPr/>
+              <a:lstStyle/>
+              <a:p>
+                <a:r>
+                  <a:rPr lang="en-US">
+                    <a:noFill/>
+                  </a:rPr>
+                  <a:t> </a:t>
+                </a:r>
+              </a:p>
+            </p:txBody>
+          </p:sp>
+        </mc:Fallback>
+      </mc:AlternateContent>
+      <p:sp>
+        <p:nvSpPr>
+          <p:cNvPr id="11" name="Speech Bubble: Rectangle with Corners Rounded 10">
+            <a:extLst>
+              <a:ext uri="{FF2B5EF4-FFF2-40B4-BE49-F238E27FC236}">
+                <a16:creationId xmlns:a16="http://schemas.microsoft.com/office/drawing/2014/main" id="{F1C3BD76-4D67-69DA-592A-34CE6D8B73AF}"/>
+              </a:ext>
+            </a:extLst>
+          </p:cNvPr>
+          <p:cNvSpPr/>
+          <p:nvPr/>
+        </p:nvSpPr>
+        <p:spPr>
+          <a:xfrm>
+            <a:off x="6858000" y="3309041"/>
+            <a:ext cx="3657600" cy="809808"/>
+          </a:xfrm>
+          <a:prstGeom prst="wedgeRoundRectCallout">
+            <a:avLst>
+              <a:gd name="adj1" fmla="val -65187"/>
+              <a:gd name="adj2" fmla="val 14454"/>
+              <a:gd name="adj3" fmla="val 16667"/>
+            </a:avLst>
+          </a:prstGeom>
+        </p:spPr>
+        <p:style>
+          <a:lnRef idx="2">
+            <a:schemeClr val="accent1">
+              <a:shade val="15000"/>
+            </a:schemeClr>
+          </a:lnRef>
+          <a:fillRef idx="1">
+            <a:schemeClr val="accent1"/>
+          </a:fillRef>
+          <a:effectRef idx="0">
+            <a:schemeClr val="accent1"/>
+          </a:effectRef>
+          <a:fontRef idx="minor">
+            <a:schemeClr val="lt1"/>
+          </a:fontRef>
+        </p:style>
+        <p:txBody>
+          <a:bodyPr rtlCol="0" anchor="ctr"/>
+          <a:lstStyle/>
+          <a:p>
+            <a:pPr algn="ctr"/>
+            <a:r>
+              <a:rPr lang="en-US" dirty="0"/>
+              <a:t>Calculate U given current policy</a:t>
+            </a:r>
+            <a:br>
+              <a:rPr lang="en-US" dirty="0"/>
+            </a:br>
+            <a:r>
+              <a:rPr lang="en-US" dirty="0"/>
+              <a:t>(either solve an LP or value iteration with fixed policy)</a:t>
+            </a:r>
+          </a:p>
+        </p:txBody>
+      </p:sp>
+      <p:sp>
+        <p:nvSpPr>
+          <p:cNvPr id="12" name="Rectangle: Rounded Corners 11">
+            <a:extLst>
+              <a:ext uri="{FF2B5EF4-FFF2-40B4-BE49-F238E27FC236}">
+                <a16:creationId xmlns:a16="http://schemas.microsoft.com/office/drawing/2014/main" id="{B6B0E704-A11F-E670-6F2B-4D697F469B15}"/>
+              </a:ext>
+            </a:extLst>
+          </p:cNvPr>
+          <p:cNvSpPr/>
+          <p:nvPr/>
+        </p:nvSpPr>
+        <p:spPr>
+          <a:xfrm>
+            <a:off x="9331558" y="4767110"/>
+            <a:ext cx="1524000" cy="685800"/>
+          </a:xfrm>
+          <a:prstGeom prst="roundRect">
+            <a:avLst/>
+          </a:prstGeom>
+        </p:spPr>
+        <p:style>
+          <a:lnRef idx="2">
+            <a:schemeClr val="accent1">
+              <a:shade val="15000"/>
+            </a:schemeClr>
+          </a:lnRef>
+          <a:fillRef idx="1">
+            <a:schemeClr val="accent1"/>
+          </a:fillRef>
+          <a:effectRef idx="0">
+            <a:schemeClr val="accent1"/>
+          </a:effectRef>
+          <a:fontRef idx="minor">
+            <a:schemeClr val="lt1"/>
+          </a:fontRef>
+        </p:style>
+        <p:txBody>
+          <a:bodyPr rtlCol="0" anchor="ctr"/>
+          <a:lstStyle/>
+          <a:p>
+            <a:r>
+              <a:rPr lang="en-US" dirty="0"/>
+              <a:t>Greedy policy </a:t>
+            </a:r>
+          </a:p>
+          <a:p>
+            <a:r>
+              <a:rPr lang="en-US" dirty="0"/>
+              <a:t>Improvement</a:t>
+            </a:r>
+          </a:p>
+        </p:txBody>
+      </p:sp>
+      <p:sp>
+        <p:nvSpPr>
+          <p:cNvPr id="18" name="TextBox 17">
+            <a:extLst>
+              <a:ext uri="{FF2B5EF4-FFF2-40B4-BE49-F238E27FC236}">
+                <a16:creationId xmlns:a16="http://schemas.microsoft.com/office/drawing/2014/main" id="{572D7E8A-8745-B3AE-DDEA-E6FBAE0E1EE7}"/>
+              </a:ext>
+            </a:extLst>
+          </p:cNvPr>
+          <p:cNvSpPr txBox="1"/>
+          <p:nvPr/>
+        </p:nvSpPr>
+        <p:spPr>
+          <a:xfrm>
+            <a:off x="837235" y="1328890"/>
+            <a:ext cx="9830765" cy="369332"/>
+          </a:xfrm>
+          <a:prstGeom prst="rect">
+            <a:avLst/>
+          </a:prstGeom>
+          <a:noFill/>
+        </p:spPr>
+        <p:txBody>
+          <a:bodyPr wrap="square">
+            <a:spAutoFit/>
+          </a:bodyPr>
+          <a:lstStyle/>
+          <a:p>
+            <a:r>
+              <a:rPr lang="en-US" dirty="0"/>
+              <a:t>Policy iteration tries to directly find the optimal policy by iterating policy evaluation and improvement.</a:t>
+            </a:r>
+          </a:p>
+        </p:txBody>
+      </p:sp>
+    </p:spTree>
+    <p:extLst>
+      <p:ext uri="{BB962C8B-B14F-4D97-AF65-F5344CB8AC3E}">
+        <p14:creationId xmlns:p14="http://schemas.microsoft.com/office/powerpoint/2010/main" val="2301558060"/>
+      </p:ext>
+    </p:extLst>
+  </p:cSld>
+  <p:clrMapOvr>
+    <a:masterClrMapping/>
+  </p:clrMapOvr>
+</p:sld>
+</file>
+
+<file path=ppt/slides/slide11.xml><?xml version="1.0" encoding="utf-8"?>
+<p:sld xmlns:a="http://schemas.openxmlformats.org/drawingml/2006/main" xmlns:r="http://schemas.openxmlformats.org/officeDocument/2006/relationships" xmlns:p="http://schemas.openxmlformats.org/presentationml/2006/main">
+  <p:cSld>
+    <p:spTree>
+      <p:nvGrpSpPr>
+        <p:cNvPr id="1" name=""/>
+        <p:cNvGrpSpPr/>
+        <p:nvPr/>
+      </p:nvGrpSpPr>
+      <p:grpSpPr>
+        <a:xfrm>
+          <a:off x="0" y="0"/>
+          <a:ext cx="0" cy="0"/>
+          <a:chOff x="0" y="0"/>
+          <a:chExt cx="0" cy="0"/>
+        </a:xfrm>
+      </p:grpSpPr>
       <p:sp>
         <p:nvSpPr>
           <p:cNvPr id="3" name="Title 2">
@@ -5656,8 +6301,8 @@
           </a:p>
         </p:txBody>
       </p:sp>
-      <mc:AlternateContent xmlns:mc="http://schemas.openxmlformats.org/markup-compatibility/2006" xmlns:a14="http://schemas.microsoft.com/office/drawing/2010/main">
-        <mc:Choice Requires="a14">
+      <mc:AlternateContent xmlns:mc="http://schemas.openxmlformats.org/markup-compatibility/2006">
+        <mc:Choice xmlns:a14="http://schemas.microsoft.com/office/drawing/2010/main" Requires="a14">
           <p:sp>
             <p:nvSpPr>
               <p:cNvPr id="4" name="Content Placeholder 3">
@@ -5699,7 +6344,7 @@
                 <a14:m>
                   <m:oMath xmlns:m="http://schemas.openxmlformats.org/officeDocument/2006/math">
                     <m:r>
-                      <a:rPr lang="en-US" i="1" dirty="0" smtClean="0">
+                      <a:rPr lang="en-US" b="0" i="1" dirty="0" smtClean="0">
                         <a:latin typeface="Cambria Math" panose="02040503050406030204" pitchFamily="18" charset="0"/>
                       </a:rPr>
                       <m:t>𝑃</m:t>
@@ -5811,7 +6456,7 @@
                 </a14:m>
                 <a:r>
                   <a:rPr lang="en-US" dirty="0"/>
-                  <a:t> means the agent beliefs that it is 20% in state 1 and 80% in state 2 but not in state 3.</a:t>
+                  <a:t> means the agent beliefs that it is with 20% in state 1 and 80% in state 2 but not in state 3.</a:t>
                 </a:r>
               </a:p>
               <a:p>
@@ -5820,7 +6465,7 @@
               <a:p>
                 <a:r>
                   <a:rPr lang="en-US" dirty="0"/>
-                  <a:t>An MDP that uses belief states is called a </a:t>
+                  <a:t>An MDP that uses belief states instead of system states is called a </a:t>
                 </a:r>
                 <a:r>
                   <a:rPr lang="en-US" b="1" dirty="0"/>
@@ -5828,7 +6473,14 @@
                 </a:r>
                 <a:r>
                   <a:rPr lang="en-US" dirty="0"/>
-                  <a:t>. Issue: belief states are continuous, and the number of different belief states is infinite.</a:t>
+                  <a:t>. </a:t>
+                </a:r>
+                <a:br>
+                  <a:rPr lang="en-US" dirty="0"/>
+                </a:br>
+                <a:r>
+                  <a:rPr lang="en-US" dirty="0"/>
+                  <a:t>Issue: belief states are continuous, and the number of different belief states is infinite.</a:t>
                 </a:r>
               </a:p>
               <a:p>
@@ -5854,7 +6506,7 @@
             </p:txBody>
           </p:sp>
         </mc:Choice>
-        <mc:Fallback xmlns="">
+        <mc:Fallback>
           <p:sp>
             <p:nvSpPr>
               <p:cNvPr id="4" name="Content Placeholder 3">
@@ -5907,7 +6559,7 @@
 </p:sld>
 </file>
 
-<file path=ppt/slides/slide11.xml><?xml version="1.0" encoding="utf-8"?>
+<file path=ppt/slides/slide12.xml><?xml version="1.0" encoding="utf-8"?>
 <p:sld xmlns:a="http://schemas.openxmlformats.org/drawingml/2006/main" xmlns:r="http://schemas.openxmlformats.org/officeDocument/2006/relationships" xmlns:p="http://schemas.openxmlformats.org/presentationml/2006/main">
   <p:cSld>
     <p:bg>
@@ -6219,7 +6871,7 @@
 </p:sld>
 </file>
 
-<file path=ppt/slides/slide12.xml><?xml version="1.0" encoding="utf-8"?>
+<file path=ppt/slides/slide13.xml><?xml version="1.0" encoding="utf-8"?>
 <p:sld xmlns:a="http://schemas.openxmlformats.org/drawingml/2006/main" xmlns:r="http://schemas.openxmlformats.org/officeDocument/2006/relationships" xmlns:p="http://schemas.openxmlformats.org/presentationml/2006/main">
   <p:cSld>
     <p:spTree>
@@ -6264,286 +6916,86 @@
           </a:p>
         </p:txBody>
       </p:sp>
-      <mc:AlternateContent xmlns:mc="http://schemas.openxmlformats.org/markup-compatibility/2006">
-        <mc:Choice xmlns:a14="http://schemas.microsoft.com/office/drawing/2010/main" Requires="a14">
-          <p:sp>
-            <p:nvSpPr>
-              <p:cNvPr id="3" name="Content Placeholder 2">
-                <a:extLst>
-                  <a:ext uri="{FF2B5EF4-FFF2-40B4-BE49-F238E27FC236}">
-                    <a16:creationId xmlns:a16="http://schemas.microsoft.com/office/drawing/2014/main" id="{CFD10D10-A65F-B05F-35CA-8B1597D1D2EB}"/>
-                  </a:ext>
-                </a:extLst>
-              </p:cNvPr>
-              <p:cNvSpPr>
-                <a:spLocks noGrp="1"/>
-              </p:cNvSpPr>
-              <p:nvPr>
-                <p:ph idx="1"/>
-              </p:nvPr>
-            </p:nvSpPr>
-            <p:spPr/>
-            <p:txBody>
-              <a:bodyPr>
-                <a:normAutofit fontScale="77500" lnSpcReduction="20000"/>
-              </a:bodyPr>
-              <a:lstStyle/>
-              <a:p>
-                <a:r>
-                  <a:rPr lang="en-US" dirty="0"/>
-                  <a:t>RL assumes that the problem can be modeled by an MDP.</a:t>
-                </a:r>
-              </a:p>
-              <a:p>
-                <a:endParaRPr lang="en-US" dirty="0"/>
-              </a:p>
-              <a:p>
-                <a:r>
-                  <a:rPr lang="en-US" dirty="0"/>
-                  <a:t>What if we do not know the transition model 𝑃(𝑠′ | 𝑠, 𝑎)?</a:t>
-                </a:r>
-                <a:br>
-                  <a:rPr lang="en-US" dirty="0"/>
-                </a:br>
-                <a:br>
-                  <a:rPr lang="en-US" dirty="0"/>
-                </a:br>
-                <a:r>
-                  <a:rPr lang="en-US" dirty="0"/>
-                  <a:t>Now we cannot solve the MDP (estimate the state utility function/policy) because we cannot predict future states!</a:t>
-                </a:r>
-              </a:p>
-              <a:p>
-                <a:endParaRPr lang="en-US" dirty="0"/>
-              </a:p>
-              <a:p>
-                <a:r>
-                  <a:rPr lang="en-US" dirty="0"/>
-                  <a:t>The agent needs to explore (try actions) and use the reward signal to update its estimate (=learn) of the utility of states and actions.</a:t>
-                </a:r>
-              </a:p>
-              <a:p>
-                <a:endParaRPr lang="en-US" dirty="0"/>
-              </a:p>
-              <a:p>
-                <a:r>
-                  <a:rPr lang="en-US" dirty="0"/>
-                  <a:t>RL often uses a state-action function function </a:t>
-                </a:r>
-                <a14:m>
-                  <m:oMath xmlns:m="http://schemas.openxmlformats.org/officeDocument/2006/math">
-                    <m:r>
-                      <a:rPr lang="en-US" i="1" dirty="0" smtClean="0">
-                        <a:latin typeface="Cambria Math" panose="02040503050406030204" pitchFamily="18" charset="0"/>
-                      </a:rPr>
-                      <m:t>𝑄</m:t>
-                    </m:r>
-                    <m:d>
-                      <m:dPr>
-                        <m:ctrlPr>
-                          <a:rPr lang="en-US" i="1" dirty="0" smtClean="0">
-                            <a:latin typeface="Cambria Math" panose="02040503050406030204" pitchFamily="18" charset="0"/>
-                          </a:rPr>
-                        </m:ctrlPr>
-                      </m:dPr>
-                      <m:e>
-                        <m:r>
-                          <a:rPr lang="en-US" i="1" dirty="0" smtClean="0">
-                            <a:latin typeface="Cambria Math" panose="02040503050406030204" pitchFamily="18" charset="0"/>
-                          </a:rPr>
-                          <m:t>𝑠</m:t>
-                        </m:r>
-                        <m:r>
-                          <a:rPr lang="en-US" i="1" dirty="0" smtClean="0">
-                            <a:latin typeface="Cambria Math" panose="02040503050406030204" pitchFamily="18" charset="0"/>
-                          </a:rPr>
-                          <m:t>, </m:t>
-                        </m:r>
-                        <m:r>
-                          <a:rPr lang="en-US" i="1" dirty="0" smtClean="0">
-                            <a:latin typeface="Cambria Math" panose="02040503050406030204" pitchFamily="18" charset="0"/>
-                          </a:rPr>
-                          <m:t>𝑎</m:t>
-                        </m:r>
-                      </m:e>
-                    </m:d>
-                  </m:oMath>
-                </a14:m>
-                <a:r>
-                  <a:rPr lang="en-US" dirty="0"/>
-                  <a:t>. The function gives the expected value of taking an action in a state and action optimally after wards. It is related to the state value function as:</a:t>
-                </a:r>
-              </a:p>
-              <a:p>
-                <a:pPr marL="0" indent="0" algn="ctr">
-                  <a:buNone/>
-                </a:pPr>
-                <a14:m>
-                  <m:oMath xmlns:m="http://schemas.openxmlformats.org/officeDocument/2006/math">
-                    <m:r>
-                      <a:rPr lang="en-US" b="0" i="1" dirty="0" smtClean="0">
-                        <a:latin typeface="Cambria Math" panose="02040503050406030204" pitchFamily="18" charset="0"/>
-                      </a:rPr>
-                      <m:t>𝑈</m:t>
-                    </m:r>
-                    <m:d>
-                      <m:dPr>
-                        <m:ctrlPr>
-                          <a:rPr lang="en-US" b="0" i="1" dirty="0" smtClean="0">
-                            <a:latin typeface="Cambria Math" panose="02040503050406030204" pitchFamily="18" charset="0"/>
-                          </a:rPr>
-                        </m:ctrlPr>
-                      </m:dPr>
-                      <m:e>
-                        <m:r>
-                          <a:rPr lang="en-US" b="0" i="1" dirty="0" smtClean="0">
-                            <a:latin typeface="Cambria Math" panose="02040503050406030204" pitchFamily="18" charset="0"/>
-                          </a:rPr>
-                          <m:t>𝑠</m:t>
-                        </m:r>
-                      </m:e>
-                    </m:d>
-                    <m:r>
-                      <a:rPr lang="en-US" b="0" i="1" dirty="0" smtClean="0">
-                        <a:latin typeface="Cambria Math" panose="02040503050406030204" pitchFamily="18" charset="0"/>
-                      </a:rPr>
-                      <m:t>=</m:t>
-                    </m:r>
-                    <m:func>
-                      <m:funcPr>
-                        <m:ctrlPr>
-                          <a:rPr lang="en-US" b="0" i="1" dirty="0" smtClean="0">
-                            <a:latin typeface="Cambria Math" panose="02040503050406030204" pitchFamily="18" charset="0"/>
-                          </a:rPr>
-                        </m:ctrlPr>
-                      </m:funcPr>
-                      <m:fName>
-                        <m:limLow>
-                          <m:limLowPr>
-                            <m:ctrlPr>
-                              <a:rPr lang="en-US" b="0" i="1" dirty="0" smtClean="0">
-                                <a:latin typeface="Cambria Math" panose="02040503050406030204" pitchFamily="18" charset="0"/>
-                              </a:rPr>
-                            </m:ctrlPr>
-                          </m:limLowPr>
-                          <m:e>
-                            <m:r>
-                              <m:rPr>
-                                <m:sty m:val="p"/>
-                              </m:rPr>
-                              <a:rPr lang="en-US" b="0" i="0" dirty="0" smtClean="0">
-                                <a:latin typeface="Cambria Math" panose="02040503050406030204" pitchFamily="18" charset="0"/>
-                              </a:rPr>
-                              <m:t>max</m:t>
-                            </m:r>
-                          </m:e>
-                          <m:lim>
-                            <m:r>
-                              <a:rPr lang="en-US" b="0" i="1" dirty="0" smtClean="0">
-                                <a:latin typeface="Cambria Math" panose="02040503050406030204" pitchFamily="18" charset="0"/>
-                              </a:rPr>
-                              <m:t>𝑎</m:t>
-                            </m:r>
-                          </m:lim>
-                        </m:limLow>
-                      </m:fName>
-                      <m:e>
-                        <m:r>
-                          <a:rPr lang="en-US" i="1" dirty="0">
-                            <a:latin typeface="Cambria Math" panose="02040503050406030204" pitchFamily="18" charset="0"/>
-                          </a:rPr>
-                          <m:t>𝑄</m:t>
-                        </m:r>
-                        <m:d>
-                          <m:dPr>
-                            <m:ctrlPr>
-                              <a:rPr lang="en-US" i="1" dirty="0">
-                                <a:latin typeface="Cambria Math" panose="02040503050406030204" pitchFamily="18" charset="0"/>
-                              </a:rPr>
-                            </m:ctrlPr>
-                          </m:dPr>
-                          <m:e>
-                            <m:r>
-                              <a:rPr lang="en-US" i="1" dirty="0">
-                                <a:latin typeface="Cambria Math" panose="02040503050406030204" pitchFamily="18" charset="0"/>
-                              </a:rPr>
-                              <m:t>𝑠</m:t>
-                            </m:r>
-                            <m:r>
-                              <a:rPr lang="en-US" i="1" dirty="0">
-                                <a:latin typeface="Cambria Math" panose="02040503050406030204" pitchFamily="18" charset="0"/>
-                              </a:rPr>
-                              <m:t>, </m:t>
-                            </m:r>
-                            <m:r>
-                              <a:rPr lang="en-US" i="1" dirty="0">
-                                <a:latin typeface="Cambria Math" panose="02040503050406030204" pitchFamily="18" charset="0"/>
-                              </a:rPr>
-                              <m:t>𝑎</m:t>
-                            </m:r>
-                          </m:e>
-                        </m:d>
-                      </m:e>
-                    </m:func>
-                  </m:oMath>
-                </a14:m>
-                <a:r>
-                  <a:rPr lang="en-US" dirty="0"/>
-                  <a:t>.</a:t>
-                </a:r>
-              </a:p>
-              <a:p>
-                <a:endParaRPr lang="en-US" dirty="0"/>
-              </a:p>
-              <a:p>
-                <a:endParaRPr lang="en-US" dirty="0"/>
-              </a:p>
-              <a:p>
-                <a:endParaRPr lang="en-US" dirty="0"/>
-              </a:p>
-            </p:txBody>
-          </p:sp>
-        </mc:Choice>
-        <mc:Fallback>
-          <p:sp>
-            <p:nvSpPr>
-              <p:cNvPr id="3" name="Content Placeholder 2">
-                <a:extLst>
-                  <a:ext uri="{FF2B5EF4-FFF2-40B4-BE49-F238E27FC236}">
-                    <a16:creationId xmlns:a16="http://schemas.microsoft.com/office/drawing/2014/main" id="{CFD10D10-A65F-B05F-35CA-8B1597D1D2EB}"/>
-                  </a:ext>
-                </a:extLst>
-              </p:cNvPr>
-              <p:cNvSpPr>
-                <a:spLocks noGrp="1" noRot="1" noChangeAspect="1" noMove="1" noResize="1" noEditPoints="1" noAdjustHandles="1" noChangeArrowheads="1" noChangeShapeType="1" noTextEdit="1"/>
-              </p:cNvSpPr>
-              <p:nvPr>
-                <p:ph idx="1"/>
-              </p:nvPr>
-            </p:nvSpPr>
-            <p:spPr>
-              <a:blipFill>
-                <a:blip r:embed="rId3"/>
-                <a:stretch>
-                  <a:fillRect l="-696" t="-2801" r="-522" b="-1120"/>
-                </a:stretch>
-              </a:blipFill>
-            </p:spPr>
-            <p:txBody>
-              <a:bodyPr/>
-              <a:lstStyle/>
-              <a:p>
-                <a:r>
-                  <a:rPr lang="en-US">
-                    <a:noFill/>
-                  </a:rPr>
-                  <a:t> </a:t>
-                </a:r>
-              </a:p>
-            </p:txBody>
-          </p:sp>
-        </mc:Fallback>
-      </mc:AlternateContent>
+      <p:sp>
+        <p:nvSpPr>
+          <p:cNvPr id="3" name="Content Placeholder 2">
+            <a:extLst>
+              <a:ext uri="{FF2B5EF4-FFF2-40B4-BE49-F238E27FC236}">
+                <a16:creationId xmlns:a16="http://schemas.microsoft.com/office/drawing/2014/main" id="{CFD10D10-A65F-B05F-35CA-8B1597D1D2EB}"/>
+              </a:ext>
+            </a:extLst>
+          </p:cNvPr>
+          <p:cNvSpPr>
+            <a:spLocks noGrp="1"/>
+          </p:cNvSpPr>
+          <p:nvPr>
+            <p:ph idx="1"/>
+          </p:nvPr>
+        </p:nvSpPr>
+        <p:spPr/>
+        <p:txBody>
+          <a:bodyPr>
+            <a:normAutofit fontScale="92500"/>
+          </a:bodyPr>
+          <a:lstStyle/>
+          <a:p>
+            <a:r>
+              <a:rPr lang="en-US" dirty="0"/>
+              <a:t>RL assumes that the problem can be modeled by an </a:t>
+            </a:r>
+            <a:r>
+              <a:rPr lang="en-US" b="1" dirty="0"/>
+              <a:t>MDP</a:t>
+            </a:r>
+            <a:r>
+              <a:rPr lang="en-US" dirty="0"/>
+              <a:t>.</a:t>
+            </a:r>
+          </a:p>
+          <a:p>
+            <a:endParaRPr lang="en-US" dirty="0"/>
+          </a:p>
+          <a:p>
+            <a:r>
+              <a:rPr lang="en-US" dirty="0"/>
+              <a:t>What if we do not know the exact transition model 𝑃(𝑠′ | 𝑠, 𝑎)?</a:t>
+            </a:r>
+            <a:br>
+              <a:rPr lang="en-US" dirty="0"/>
+            </a:br>
+            <a:br>
+              <a:rPr lang="en-US" dirty="0"/>
+            </a:br>
+            <a:r>
+              <a:rPr lang="en-US" dirty="0"/>
+              <a:t>Now we cannot solve the MDP (estimate the state utility function/policy) because we cannot predict what the future states after an action are!</a:t>
+            </a:r>
+          </a:p>
+          <a:p>
+            <a:endParaRPr lang="en-US" dirty="0"/>
+          </a:p>
+          <a:p>
+            <a:r>
+              <a:rPr lang="en-US" dirty="0"/>
+              <a:t>The agent needs to explore (try actions) and </a:t>
+            </a:r>
+            <a:r>
+              <a:rPr lang="en-US" b="1" dirty="0"/>
+              <a:t>use the reward signal to update its estimate of the utility of states and actions</a:t>
+            </a:r>
+            <a:r>
+              <a:rPr lang="en-US" dirty="0"/>
+              <a:t>. This is a learning process where the reward provides positive reinforcement.</a:t>
+            </a:r>
+          </a:p>
+          <a:p>
+            <a:endParaRPr lang="en-US" dirty="0"/>
+          </a:p>
+          <a:p>
+            <a:endParaRPr lang="en-US" dirty="0"/>
+          </a:p>
+        </p:txBody>
+      </p:sp>
     </p:spTree>
     <p:extLst>
       <p:ext uri="{BB962C8B-B14F-4D97-AF65-F5344CB8AC3E}">
@@ -6557,7 +7009,7 @@
 </p:sld>
 </file>
 
-<file path=ppt/slides/slide13.xml><?xml version="1.0" encoding="utf-8"?>
+<file path=ppt/slides/slide14.xml><?xml version="1.0" encoding="utf-8"?>
 <p:sld xmlns:a="http://schemas.openxmlformats.org/drawingml/2006/main" xmlns:r="http://schemas.openxmlformats.org/officeDocument/2006/relationships" xmlns:p="http://schemas.openxmlformats.org/presentationml/2006/main">
   <p:cSld>
     <p:spTree>
@@ -7161,7 +7613,7 @@
 </p:sld>
 </file>
 
-<file path=ppt/slides/slide14.xml><?xml version="1.0" encoding="utf-8"?>
+<file path=ppt/slides/slide15.xml><?xml version="1.0" encoding="utf-8"?>
 <p:sld xmlns:a="http://schemas.openxmlformats.org/drawingml/2006/main" xmlns:r="http://schemas.openxmlformats.org/officeDocument/2006/relationships" xmlns:p="http://schemas.openxmlformats.org/presentationml/2006/main">
   <p:cSld>
     <p:spTree>
@@ -7178,6 +7630,36 @@
           <a:chExt cx="0" cy="0"/>
         </a:xfrm>
       </p:grpSpPr>
+      <p:pic>
+        <p:nvPicPr>
+          <p:cNvPr id="5" name="Picture 4">
+            <a:extLst>
+              <a:ext uri="{FF2B5EF4-FFF2-40B4-BE49-F238E27FC236}">
+                <a16:creationId xmlns:a16="http://schemas.microsoft.com/office/drawing/2014/main" id="{B79E81CF-2921-8452-2486-6E9A31C6F1E5}"/>
+              </a:ext>
+            </a:extLst>
+          </p:cNvPr>
+          <p:cNvPicPr>
+            <a:picLocks noChangeAspect="1"/>
+          </p:cNvPicPr>
+          <p:nvPr/>
+        </p:nvPicPr>
+        <p:blipFill>
+          <a:blip r:embed="rId3"/>
+          <a:stretch>
+            <a:fillRect/>
+          </a:stretch>
+        </p:blipFill>
+        <p:spPr>
+          <a:xfrm>
+            <a:off x="1143000" y="3920135"/>
+            <a:ext cx="2786074" cy="2010277"/>
+          </a:xfrm>
+          <a:prstGeom prst="rect">
+            <a:avLst/>
+          </a:prstGeom>
+        </p:spPr>
+      </p:pic>
       <p:sp>
         <p:nvSpPr>
           <p:cNvPr id="2" name="Title 1">
@@ -7226,8 +7708,8 @@
             </p:nvSpPr>
             <p:spPr>
               <a:xfrm>
-                <a:off x="838200" y="1343455"/>
-                <a:ext cx="10515600" cy="2618945"/>
+                <a:off x="838200" y="1343456"/>
+                <a:ext cx="10515600" cy="2618944"/>
               </a:xfrm>
             </p:spPr>
             <p:txBody>
@@ -7487,11 +7969,11 @@
             </p:nvSpPr>
             <p:spPr>
               <a:xfrm>
-                <a:off x="838200" y="1343455"/>
-                <a:ext cx="10515600" cy="2618945"/>
+                <a:off x="838200" y="1343456"/>
+                <a:ext cx="10515600" cy="2618944"/>
               </a:xfrm>
               <a:blipFill>
-                <a:blip r:embed="rId3"/>
+                <a:blip r:embed="rId4"/>
                 <a:stretch>
                   <a:fillRect l="-522" t="-4186" b="-3488"/>
                 </a:stretch>
@@ -7512,38 +7994,8 @@
           </p:sp>
         </mc:Fallback>
       </mc:AlternateContent>
-      <p:pic>
-        <p:nvPicPr>
-          <p:cNvPr id="6" name="Content Placeholder 6">
-            <a:extLst>
-              <a:ext uri="{FF2B5EF4-FFF2-40B4-BE49-F238E27FC236}">
-                <a16:creationId xmlns:a16="http://schemas.microsoft.com/office/drawing/2014/main" id="{4E032DF1-954A-5C93-C948-94D43FA7A788}"/>
-              </a:ext>
-            </a:extLst>
-          </p:cNvPr>
-          <p:cNvPicPr>
-            <a:picLocks noChangeAspect="1"/>
-          </p:cNvPicPr>
-          <p:nvPr/>
-        </p:nvPicPr>
-        <p:blipFill>
-          <a:blip r:embed="rId4"/>
-          <a:stretch>
-            <a:fillRect/>
-          </a:stretch>
-        </p:blipFill>
-        <p:spPr>
-          <a:xfrm>
-            <a:off x="7772400" y="3886200"/>
-            <a:ext cx="2777633" cy="2023131"/>
-          </a:xfrm>
-          <a:prstGeom prst="rect">
-            <a:avLst/>
-          </a:prstGeom>
-        </p:spPr>
-      </p:pic>
-      <mc:AlternateContent xmlns:mc="http://schemas.openxmlformats.org/markup-compatibility/2006" xmlns:a14="http://schemas.microsoft.com/office/drawing/2010/main">
-        <mc:Choice Requires="a14">
+      <mc:AlternateContent xmlns:mc="http://schemas.openxmlformats.org/markup-compatibility/2006">
+        <mc:Choice xmlns:a14="http://schemas.microsoft.com/office/drawing/2010/main" Requires="a14">
           <p:sp>
             <p:nvSpPr>
               <p:cNvPr id="8" name="TextBox 7">
@@ -7558,7 +8010,7 @@
             </p:nvSpPr>
             <p:spPr>
               <a:xfrm>
-                <a:off x="10437399" y="3886200"/>
+                <a:off x="3750325" y="3865915"/>
                 <a:ext cx="520592" cy="276999"/>
               </a:xfrm>
               <a:prstGeom prst="rect">
@@ -7611,7 +8063,7 @@
             </p:txBody>
           </p:sp>
         </mc:Choice>
-        <mc:Fallback xmlns="">
+        <mc:Fallback>
           <p:sp>
             <p:nvSpPr>
               <p:cNvPr id="8" name="TextBox 7">
@@ -7628,7 +8080,7 @@
             </p:nvSpPr>
             <p:spPr>
               <a:xfrm>
-                <a:off x="10437399" y="3886200"/>
+                <a:off x="3750325" y="3865915"/>
                 <a:ext cx="520592" cy="276999"/>
               </a:xfrm>
               <a:prstGeom prst="rect">
@@ -7637,7 +8089,7 @@
               <a:blipFill>
                 <a:blip r:embed="rId5"/>
                 <a:stretch>
-                  <a:fillRect l="-9302" t="-4444" r="-15116" b="-33333"/>
+                  <a:fillRect l="-9302" t="-2174" r="-15116" b="-32609"/>
                 </a:stretch>
               </a:blipFill>
             </p:spPr>
@@ -7656,8 +8108,8 @@
           </p:sp>
         </mc:Fallback>
       </mc:AlternateContent>
-      <mc:AlternateContent xmlns:mc="http://schemas.openxmlformats.org/markup-compatibility/2006" xmlns:a14="http://schemas.microsoft.com/office/drawing/2010/main">
-        <mc:Choice Requires="a14">
+      <mc:AlternateContent xmlns:mc="http://schemas.openxmlformats.org/markup-compatibility/2006">
+        <mc:Choice xmlns:a14="http://schemas.microsoft.com/office/drawing/2010/main" Requires="a14">
           <p:sp>
             <p:nvSpPr>
               <p:cNvPr id="9" name="Arrow: Right 8">
@@ -7672,7 +8124,7 @@
             </p:nvSpPr>
             <p:spPr>
               <a:xfrm>
-                <a:off x="4957739" y="3920135"/>
+                <a:off x="4500539" y="3920135"/>
                 <a:ext cx="2666999" cy="1789760"/>
               </a:xfrm>
               <a:prstGeom prst="rightArrow">
@@ -7755,7 +8207,7 @@
             </p:txBody>
           </p:sp>
         </mc:Choice>
-        <mc:Fallback xmlns="">
+        <mc:Fallback>
           <p:sp>
             <p:nvSpPr>
               <p:cNvPr id="9" name="Arrow: Right 8">
@@ -7772,7 +8224,7 @@
             </p:nvSpPr>
             <p:spPr>
               <a:xfrm>
-                <a:off x="4957739" y="3920135"/>
+                <a:off x="4500539" y="3920135"/>
                 <a:ext cx="2666999" cy="1789760"/>
               </a:xfrm>
               <a:prstGeom prst="rightArrow">
@@ -7819,7 +8271,7 @@
             </p:nvSpPr>
             <p:spPr>
               <a:xfrm>
-                <a:off x="1219200" y="4609874"/>
+                <a:off x="7467600" y="4600428"/>
                 <a:ext cx="3325204" cy="376770"/>
               </a:xfrm>
               <a:prstGeom prst="rect">
@@ -8049,7 +8501,7 @@
             </p:nvSpPr>
             <p:spPr>
               <a:xfrm>
-                <a:off x="1219200" y="4609874"/>
+                <a:off x="7467600" y="4600428"/>
                 <a:ext cx="3325204" cy="376770"/>
               </a:xfrm>
               <a:prstGeom prst="rect">
@@ -8058,7 +8510,7 @@
               <a:blipFill>
                 <a:blip r:embed="rId7"/>
                 <a:stretch>
-                  <a:fillRect b="-4615"/>
+                  <a:fillRect b="-4688"/>
                 </a:stretch>
               </a:blipFill>
             </p:spPr>
@@ -8093,7 +8545,7 @@
             </p:nvSpPr>
             <p:spPr>
               <a:xfrm>
-                <a:off x="838200" y="5615226"/>
+                <a:off x="838200" y="5776348"/>
                 <a:ext cx="10744200" cy="830997"/>
               </a:xfrm>
               <a:prstGeom prst="rect">
@@ -8166,7 +8618,7 @@
             </p:nvSpPr>
             <p:spPr>
               <a:xfrm>
-                <a:off x="838200" y="5615226"/>
+                <a:off x="838200" y="5776348"/>
                 <a:ext cx="10744200" cy="830997"/>
               </a:xfrm>
               <a:prstGeom prst="rect">
@@ -8207,7 +8659,7 @@
 </p:sld>
 </file>
 
-<file path=ppt/slides/slide15.xml><?xml version="1.0" encoding="utf-8"?>
+<file path=ppt/slides/slide16.xml><?xml version="1.0" encoding="utf-8"?>
 <p:sld xmlns:a="http://schemas.openxmlformats.org/drawingml/2006/main" xmlns:r="http://schemas.openxmlformats.org/officeDocument/2006/relationships" xmlns:p="http://schemas.openxmlformats.org/presentationml/2006/main">
   <p:cSld>
     <p:bg>
@@ -10282,7 +10734,12 @@
                 <p:ph idx="1"/>
               </p:nvPr>
             </p:nvSpPr>
-            <p:spPr/>
+            <p:spPr>
+              <a:xfrm>
+                <a:off x="838200" y="1600200"/>
+                <a:ext cx="10515600" cy="4576763"/>
+              </a:xfrm>
+            </p:spPr>
             <p:txBody>
               <a:bodyPr>
                 <a:normAutofit fontScale="77500" lnSpcReduction="20000"/>
@@ -10291,7 +10748,14 @@
               <a:p>
                 <a:r>
                   <a:rPr lang="en-US" dirty="0"/>
-                  <a:t>Models a fully observable environment: The agent’s observation is the state </a:t>
+                  <a:t>MDPs are sequential decision problems with</a:t>
+                </a:r>
+              </a:p>
+              <a:p>
+                <a:pPr lvl="1"/>
+                <a:r>
+                  <a:rPr lang="en-US" dirty="0"/>
+                  <a:t>a fully observable (</a:t>
                 </a:r>
                 <a14:m>
                   <m:oMath xmlns:m="http://schemas.openxmlformats.org/officeDocument/2006/math">
@@ -10355,7 +10819,21 @@
                 </a14:m>
                 <a:r>
                   <a:rPr lang="en-US" dirty="0"/>
-                  <a:t>. </a:t>
+                  <a:t>), stochastic environment,</a:t>
+                </a:r>
+              </a:p>
+              <a:p>
+                <a:pPr lvl="1"/>
+                <a:r>
+                  <a:rPr lang="en-US" dirty="0"/>
+                  <a:t>a Markovian transition model (future states do not depend on past states give the current state), </a:t>
+                </a:r>
+              </a:p>
+              <a:p>
+                <a:pPr lvl="1"/>
+                <a:r>
+                  <a:rPr lang="en-US" dirty="0"/>
+                  <a:t>additive rewards.</a:t>
                 </a:r>
               </a:p>
               <a:p>
@@ -10364,7 +10842,7 @@
               <a:p>
                 <a:r>
                   <a:rPr lang="en-US" dirty="0"/>
-                  <a:t>An MDP defines a sequential decision problem with</a:t>
+                  <a:t>MDPs are defines by</a:t>
                 </a:r>
               </a:p>
               <a:p>
@@ -10617,20 +11095,69 @@
                 </a14:m>
                 <a:r>
                   <a:rPr lang="en-US" dirty="0"/>
-                  <a:t> where the reward depends on the current state.</a:t>
+                  <a:t> where the reward depends on the current state (often </a:t>
+                </a:r>
+                <a14:m>
+                  <m:oMath xmlns:m="http://schemas.openxmlformats.org/officeDocument/2006/math">
+                    <m:r>
+                      <a:rPr lang="en-US" i="1" dirty="0" smtClean="0">
+                        <a:latin typeface="Cambria Math" panose="02040503050406030204" pitchFamily="18" charset="0"/>
+                      </a:rPr>
+                      <m:t>𝑅</m:t>
+                    </m:r>
+                    <m:r>
+                      <a:rPr lang="en-US" i="1" dirty="0" smtClean="0">
+                        <a:latin typeface="Cambria Math" panose="02040503050406030204" pitchFamily="18" charset="0"/>
+                      </a:rPr>
+                      <m:t>(</m:t>
+                    </m:r>
+                    <m:r>
+                      <a:rPr lang="en-US" i="1" dirty="0" err="1" smtClean="0">
+                        <a:latin typeface="Cambria Math" panose="02040503050406030204" pitchFamily="18" charset="0"/>
+                      </a:rPr>
+                      <m:t>𝑠</m:t>
+                    </m:r>
+                    <m:r>
+                      <a:rPr lang="en-US" i="1" dirty="0" err="1" smtClean="0">
+                        <a:latin typeface="Cambria Math" panose="02040503050406030204" pitchFamily="18" charset="0"/>
+                      </a:rPr>
+                      <m:t>,</m:t>
+                    </m:r>
+                    <m:r>
+                      <a:rPr lang="en-US" i="1" dirty="0" err="1" smtClean="0">
+                        <a:latin typeface="Cambria Math" panose="02040503050406030204" pitchFamily="18" charset="0"/>
+                      </a:rPr>
+                      <m:t>𝑎</m:t>
+                    </m:r>
+                    <m:r>
+                      <a:rPr lang="en-US" i="1" dirty="0" err="1" smtClean="0">
+                        <a:latin typeface="Cambria Math" panose="02040503050406030204" pitchFamily="18" charset="0"/>
+                      </a:rPr>
+                      <m:t>,</m:t>
+                    </m:r>
+                    <m:r>
+                      <a:rPr lang="en-US" i="1" dirty="0" err="1" smtClean="0">
+                        <a:latin typeface="Cambria Math" panose="02040503050406030204" pitchFamily="18" charset="0"/>
+                      </a:rPr>
+                      <m:t>𝑠</m:t>
+                    </m:r>
+                    <m:r>
+                      <a:rPr lang="en-US" i="1" dirty="0" smtClean="0">
+                        <a:latin typeface="Cambria Math" panose="02040503050406030204" pitchFamily="18" charset="0"/>
+                      </a:rPr>
+                      <m:t>’) </m:t>
+                    </m:r>
+                  </m:oMath>
+                </a14:m>
+                <a:r>
+                  <a:rPr lang="en-US" dirty="0"/>
+                  <a:t>is used).</a:t>
                 </a:r>
               </a:p>
               <a:p>
-                <a:pPr lvl="1"/>
-                <a:endParaRPr lang="en-US" dirty="0"/>
-              </a:p>
-              <a:p>
-                <a:r>
-                  <a:rPr lang="en-US" dirty="0"/>
-                  <a:t>The transition model is Markovian: Transitions only depend on the previous state and the action.</a:t>
-                </a:r>
-              </a:p>
-              <a:p>
+                <a:pPr marL="0" indent="0">
+                  <a:buNone/>
+                </a:pPr>
                 <a:endParaRPr lang="en-US" dirty="0"/>
               </a:p>
               <a:p>
@@ -10674,10 +11201,14 @@
               </p:nvPr>
             </p:nvSpPr>
             <p:spPr>
+              <a:xfrm>
+                <a:off x="838200" y="1600200"/>
+                <a:ext cx="10515600" cy="4576763"/>
+              </a:xfrm>
               <a:blipFill>
                 <a:blip r:embed="rId3"/>
                 <a:stretch>
-                  <a:fillRect l="-696" t="-2801" r="-1101"/>
+                  <a:fillRect l="-696" t="-2800"/>
                 </a:stretch>
               </a:blipFill>
             </p:spPr>
@@ -10726,6 +11257,36 @@
           <a:chExt cx="0" cy="0"/>
         </a:xfrm>
       </p:grpSpPr>
+      <p:pic>
+        <p:nvPicPr>
+          <p:cNvPr id="6" name="Picture 5">
+            <a:extLst>
+              <a:ext uri="{FF2B5EF4-FFF2-40B4-BE49-F238E27FC236}">
+                <a16:creationId xmlns:a16="http://schemas.microsoft.com/office/drawing/2014/main" id="{38C3C0EB-B496-B3E8-15BB-FCC5F37303E8}"/>
+              </a:ext>
+            </a:extLst>
+          </p:cNvPr>
+          <p:cNvPicPr>
+            <a:picLocks noChangeAspect="1"/>
+          </p:cNvPicPr>
+          <p:nvPr/>
+        </p:nvPicPr>
+        <p:blipFill>
+          <a:blip r:embed="rId2"/>
+          <a:stretch>
+            <a:fillRect/>
+          </a:stretch>
+        </p:blipFill>
+        <p:spPr>
+          <a:xfrm>
+            <a:off x="1357045" y="2527249"/>
+            <a:ext cx="6796355" cy="3797351"/>
+          </a:xfrm>
+          <a:prstGeom prst="rect">
+            <a:avLst/>
+          </a:prstGeom>
+        </p:spPr>
+      </p:pic>
       <p:sp>
         <p:nvSpPr>
           <p:cNvPr id="2" name="Title 1">
@@ -10800,925 +11361,874 @@
           </a:p>
         </p:txBody>
       </p:sp>
-      <p:grpSp>
-        <p:nvGrpSpPr>
-          <p:cNvPr id="25" name="Group 24">
+      <mc:AlternateContent xmlns:mc="http://schemas.openxmlformats.org/markup-compatibility/2006">
+        <mc:Choice xmlns:a14="http://schemas.microsoft.com/office/drawing/2010/main" Requires="a14">
+          <p:sp>
+            <p:nvSpPr>
+              <p:cNvPr id="12" name="Speech Bubble: Rectangle with Corners Rounded 11">
+                <a:extLst>
+                  <a:ext uri="{FF2B5EF4-FFF2-40B4-BE49-F238E27FC236}">
+                    <a16:creationId xmlns:a16="http://schemas.microsoft.com/office/drawing/2014/main" id="{7B336FFC-97FC-F486-4336-82F07857FA0F}"/>
+                  </a:ext>
+                </a:extLst>
+              </p:cNvPr>
+              <p:cNvSpPr/>
+              <p:nvPr/>
+            </p:nvSpPr>
+            <p:spPr>
+              <a:xfrm>
+                <a:off x="4648201" y="1524000"/>
+                <a:ext cx="2057882" cy="547688"/>
+              </a:xfrm>
+              <a:prstGeom prst="wedgeRoundRectCallout">
+                <a:avLst>
+                  <a:gd name="adj1" fmla="val -38832"/>
+                  <a:gd name="adj2" fmla="val 172395"/>
+                  <a:gd name="adj3" fmla="val 16667"/>
+                </a:avLst>
+              </a:prstGeom>
+            </p:spPr>
+            <p:style>
+              <a:lnRef idx="2">
+                <a:schemeClr val="accent1">
+                  <a:shade val="15000"/>
+                </a:schemeClr>
+              </a:lnRef>
+              <a:fillRef idx="1">
+                <a:schemeClr val="accent1"/>
+              </a:fillRef>
+              <a:effectRef idx="0">
+                <a:schemeClr val="accent1"/>
+              </a:effectRef>
+              <a:fontRef idx="minor">
+                <a:schemeClr val="lt1"/>
+              </a:fontRef>
+            </p:style>
+            <p:txBody>
+              <a:bodyPr rtlCol="0" anchor="ctr"/>
+              <a:lstStyle/>
+              <a:p>
+                <a:pPr algn="ctr"/>
+                <a:r>
+                  <a:rPr lang="en-US" dirty="0"/>
+                  <a:t>Rewards </a:t>
+                </a:r>
+                <a14:m>
+                  <m:oMath xmlns:m="http://schemas.openxmlformats.org/officeDocument/2006/math">
+                    <m:r>
+                      <a:rPr lang="en-US" i="1" dirty="0" smtClean="0">
+                        <a:latin typeface="Cambria Math" panose="02040503050406030204" pitchFamily="18" charset="0"/>
+                      </a:rPr>
+                      <m:t>𝑅</m:t>
+                    </m:r>
+                    <m:r>
+                      <a:rPr lang="en-US" i="1" dirty="0" smtClean="0">
+                        <a:latin typeface="Cambria Math" panose="02040503050406030204" pitchFamily="18" charset="0"/>
+                      </a:rPr>
+                      <m:t>(</m:t>
+                    </m:r>
+                    <m:r>
+                      <a:rPr lang="en-US" i="1" dirty="0" smtClean="0">
+                        <a:latin typeface="Cambria Math" panose="02040503050406030204" pitchFamily="18" charset="0"/>
+                      </a:rPr>
+                      <m:t>𝑠</m:t>
+                    </m:r>
+                    <m:r>
+                      <a:rPr lang="en-US" i="1" dirty="0" smtClean="0">
+                        <a:latin typeface="Cambria Math" panose="02040503050406030204" pitchFamily="18" charset="0"/>
+                      </a:rPr>
+                      <m:t>)</m:t>
+                    </m:r>
+                  </m:oMath>
+                </a14:m>
+                <a:endParaRPr lang="en-US" dirty="0"/>
+              </a:p>
+            </p:txBody>
+          </p:sp>
+        </mc:Choice>
+        <mc:Fallback>
+          <p:sp>
+            <p:nvSpPr>
+              <p:cNvPr id="12" name="Speech Bubble: Rectangle with Corners Rounded 11">
+                <a:extLst>
+                  <a:ext uri="{FF2B5EF4-FFF2-40B4-BE49-F238E27FC236}">
+                    <a16:creationId xmlns:a16="http://schemas.microsoft.com/office/drawing/2014/main" id="{7B336FFC-97FC-F486-4336-82F07857FA0F}"/>
+                  </a:ext>
+                </a:extLst>
+              </p:cNvPr>
+              <p:cNvSpPr>
+                <a:spLocks noRot="1" noChangeAspect="1" noMove="1" noResize="1" noEditPoints="1" noAdjustHandles="1" noChangeArrowheads="1" noChangeShapeType="1" noTextEdit="1"/>
+              </p:cNvSpPr>
+              <p:nvPr/>
+            </p:nvSpPr>
+            <p:spPr>
+              <a:xfrm>
+                <a:off x="4648201" y="1524000"/>
+                <a:ext cx="2057882" cy="547688"/>
+              </a:xfrm>
+              <a:prstGeom prst="wedgeRoundRectCallout">
+                <a:avLst>
+                  <a:gd name="adj1" fmla="val -38832"/>
+                  <a:gd name="adj2" fmla="val 172395"/>
+                  <a:gd name="adj3" fmla="val 16667"/>
+                </a:avLst>
+              </a:prstGeom>
+              <a:blipFill>
+                <a:blip r:embed="rId3"/>
+                <a:stretch>
+                  <a:fillRect/>
+                </a:stretch>
+              </a:blipFill>
+            </p:spPr>
+            <p:txBody>
+              <a:bodyPr/>
+              <a:lstStyle/>
+              <a:p>
+                <a:r>
+                  <a:rPr lang="en-US">
+                    <a:noFill/>
+                  </a:rPr>
+                  <a:t> </a:t>
+                </a:r>
+              </a:p>
+            </p:txBody>
+          </p:sp>
+        </mc:Fallback>
+      </mc:AlternateContent>
+      <mc:AlternateContent xmlns:mc="http://schemas.openxmlformats.org/markup-compatibility/2006">
+        <mc:Choice xmlns:a14="http://schemas.microsoft.com/office/drawing/2010/main" Requires="a14">
+          <p:sp>
+            <p:nvSpPr>
+              <p:cNvPr id="13" name="Speech Bubble: Rectangle with Corners Rounded 12">
+                <a:extLst>
+                  <a:ext uri="{FF2B5EF4-FFF2-40B4-BE49-F238E27FC236}">
+                    <a16:creationId xmlns:a16="http://schemas.microsoft.com/office/drawing/2014/main" id="{89FF21E4-E93B-82AF-A6BF-AF54E9B56191}"/>
+                  </a:ext>
+                </a:extLst>
+              </p:cNvPr>
+              <p:cNvSpPr/>
+              <p:nvPr/>
+            </p:nvSpPr>
+            <p:spPr>
+              <a:xfrm>
+                <a:off x="990601" y="1687116"/>
+                <a:ext cx="2057882" cy="547688"/>
+              </a:xfrm>
+              <a:prstGeom prst="wedgeRoundRectCallout">
+                <a:avLst>
+                  <a:gd name="adj1" fmla="val 43287"/>
+                  <a:gd name="adj2" fmla="val 125902"/>
+                  <a:gd name="adj3" fmla="val 16667"/>
+                </a:avLst>
+              </a:prstGeom>
+            </p:spPr>
+            <p:style>
+              <a:lnRef idx="2">
+                <a:schemeClr val="accent1">
+                  <a:shade val="15000"/>
+                </a:schemeClr>
+              </a:lnRef>
+              <a:fillRef idx="1">
+                <a:schemeClr val="accent1"/>
+              </a:fillRef>
+              <a:effectRef idx="0">
+                <a:schemeClr val="accent1"/>
+              </a:effectRef>
+              <a:fontRef idx="minor">
+                <a:schemeClr val="lt1"/>
+              </a:fontRef>
+            </p:style>
+            <p:txBody>
+              <a:bodyPr rtlCol="0" anchor="ctr"/>
+              <a:lstStyle/>
+              <a:p>
+                <a:pPr algn="ctr"/>
+                <a14:m>
+                  <m:oMath xmlns:m="http://schemas.openxmlformats.org/officeDocument/2006/math">
+                    <m:r>
+                      <a:rPr lang="en-US" i="1" dirty="0">
+                        <a:latin typeface="Cambria Math" panose="02040503050406030204" pitchFamily="18" charset="0"/>
+                      </a:rPr>
+                      <m:t>𝐴𝐶𝑇𝐼𝑂𝑁𝑆</m:t>
+                    </m:r>
+                    <m:r>
+                      <a:rPr lang="en-US" i="1" dirty="0">
+                        <a:latin typeface="Cambria Math" panose="02040503050406030204" pitchFamily="18" charset="0"/>
+                      </a:rPr>
+                      <m:t>(</m:t>
+                    </m:r>
+                    <m:r>
+                      <a:rPr lang="en-US" i="1" dirty="0">
+                        <a:latin typeface="Cambria Math" panose="02040503050406030204" pitchFamily="18" charset="0"/>
+                      </a:rPr>
+                      <m:t>𝑠</m:t>
+                    </m:r>
+                    <m:r>
+                      <a:rPr lang="en-US" i="1" dirty="0">
+                        <a:latin typeface="Cambria Math" panose="02040503050406030204" pitchFamily="18" charset="0"/>
+                      </a:rPr>
+                      <m:t>)</m:t>
+                    </m:r>
+                  </m:oMath>
+                </a14:m>
+                <a:r>
+                  <a:rPr lang="en-US" dirty="0"/>
+                  <a:t> </a:t>
+                </a:r>
+              </a:p>
+            </p:txBody>
+          </p:sp>
+        </mc:Choice>
+        <mc:Fallback>
+          <p:sp>
+            <p:nvSpPr>
+              <p:cNvPr id="13" name="Speech Bubble: Rectangle with Corners Rounded 12">
+                <a:extLst>
+                  <a:ext uri="{FF2B5EF4-FFF2-40B4-BE49-F238E27FC236}">
+                    <a16:creationId xmlns:a16="http://schemas.microsoft.com/office/drawing/2014/main" id="{89FF21E4-E93B-82AF-A6BF-AF54E9B56191}"/>
+                  </a:ext>
+                </a:extLst>
+              </p:cNvPr>
+              <p:cNvSpPr>
+                <a:spLocks noRot="1" noChangeAspect="1" noMove="1" noResize="1" noEditPoints="1" noAdjustHandles="1" noChangeArrowheads="1" noChangeShapeType="1" noTextEdit="1"/>
+              </p:cNvSpPr>
+              <p:nvPr/>
+            </p:nvSpPr>
+            <p:spPr>
+              <a:xfrm>
+                <a:off x="990601" y="1687116"/>
+                <a:ext cx="2057882" cy="547688"/>
+              </a:xfrm>
+              <a:prstGeom prst="wedgeRoundRectCallout">
+                <a:avLst>
+                  <a:gd name="adj1" fmla="val 43287"/>
+                  <a:gd name="adj2" fmla="val 125902"/>
+                  <a:gd name="adj3" fmla="val 16667"/>
+                </a:avLst>
+              </a:prstGeom>
+              <a:blipFill>
+                <a:blip r:embed="rId4"/>
+                <a:stretch>
+                  <a:fillRect/>
+                </a:stretch>
+              </a:blipFill>
+            </p:spPr>
+            <p:txBody>
+              <a:bodyPr/>
+              <a:lstStyle/>
+              <a:p>
+                <a:r>
+                  <a:rPr lang="en-US">
+                    <a:noFill/>
+                  </a:rPr>
+                  <a:t> </a:t>
+                </a:r>
+              </a:p>
+            </p:txBody>
+          </p:sp>
+        </mc:Fallback>
+      </mc:AlternateContent>
+      <mc:AlternateContent xmlns:mc="http://schemas.openxmlformats.org/markup-compatibility/2006">
+        <mc:Choice xmlns:a14="http://schemas.microsoft.com/office/drawing/2010/main" Requires="a14">
+          <p:sp>
+            <p:nvSpPr>
+              <p:cNvPr id="14" name="Speech Bubble: Rectangle with Corners Rounded 13">
+                <a:extLst>
+                  <a:ext uri="{FF2B5EF4-FFF2-40B4-BE49-F238E27FC236}">
+                    <a16:creationId xmlns:a16="http://schemas.microsoft.com/office/drawing/2014/main" id="{38B68508-EF92-6382-782A-27E0C3FCA43C}"/>
+                  </a:ext>
+                </a:extLst>
+              </p:cNvPr>
+              <p:cNvSpPr/>
+              <p:nvPr/>
+            </p:nvSpPr>
+            <p:spPr>
+              <a:xfrm>
+                <a:off x="648184" y="3429000"/>
+                <a:ext cx="1600200" cy="1345407"/>
+              </a:xfrm>
+              <a:prstGeom prst="wedgeRoundRectCallout">
+                <a:avLst>
+                  <a:gd name="adj1" fmla="val 80433"/>
+                  <a:gd name="adj2" fmla="val 7092"/>
+                  <a:gd name="adj3" fmla="val 16667"/>
+                </a:avLst>
+              </a:prstGeom>
+            </p:spPr>
+            <p:style>
+              <a:lnRef idx="2">
+                <a:schemeClr val="accent1">
+                  <a:shade val="15000"/>
+                </a:schemeClr>
+              </a:lnRef>
+              <a:fillRef idx="1">
+                <a:schemeClr val="accent1"/>
+              </a:fillRef>
+              <a:effectRef idx="0">
+                <a:schemeClr val="accent1"/>
+              </a:effectRef>
+              <a:fontRef idx="minor">
+                <a:schemeClr val="lt1"/>
+              </a:fontRef>
+            </p:style>
+            <p:txBody>
+              <a:bodyPr rtlCol="0" anchor="ctr"/>
+              <a:lstStyle/>
+              <a:p>
+                <a:pPr algn="ctr"/>
+                <a:r>
+                  <a:rPr lang="en-US" dirty="0"/>
+                  <a:t>States </a:t>
+                </a:r>
+                <a14:m>
+                  <m:oMath xmlns:m="http://schemas.openxmlformats.org/officeDocument/2006/math">
+                    <m:r>
+                      <a:rPr lang="en-US" i="1" dirty="0">
+                        <a:latin typeface="Cambria Math" panose="02040503050406030204" pitchFamily="18" charset="0"/>
+                      </a:rPr>
+                      <m:t>𝑆</m:t>
+                    </m:r>
+                  </m:oMath>
+                </a14:m>
+                <a:r>
+                  <a:rPr lang="en-US" dirty="0"/>
+                  <a:t> are squares. START is the initial state</a:t>
+                </a:r>
+              </a:p>
+            </p:txBody>
+          </p:sp>
+        </mc:Choice>
+        <mc:Fallback>
+          <p:sp>
+            <p:nvSpPr>
+              <p:cNvPr id="14" name="Speech Bubble: Rectangle with Corners Rounded 13">
+                <a:extLst>
+                  <a:ext uri="{FF2B5EF4-FFF2-40B4-BE49-F238E27FC236}">
+                    <a16:creationId xmlns:a16="http://schemas.microsoft.com/office/drawing/2014/main" id="{38B68508-EF92-6382-782A-27E0C3FCA43C}"/>
+                  </a:ext>
+                </a:extLst>
+              </p:cNvPr>
+              <p:cNvSpPr>
+                <a:spLocks noRot="1" noChangeAspect="1" noMove="1" noResize="1" noEditPoints="1" noAdjustHandles="1" noChangeArrowheads="1" noChangeShapeType="1" noTextEdit="1"/>
+              </p:cNvSpPr>
+              <p:nvPr/>
+            </p:nvSpPr>
+            <p:spPr>
+              <a:xfrm>
+                <a:off x="648184" y="3429000"/>
+                <a:ext cx="1600200" cy="1345407"/>
+              </a:xfrm>
+              <a:prstGeom prst="wedgeRoundRectCallout">
+                <a:avLst>
+                  <a:gd name="adj1" fmla="val 80433"/>
+                  <a:gd name="adj2" fmla="val 7092"/>
+                  <a:gd name="adj3" fmla="val 16667"/>
+                </a:avLst>
+              </a:prstGeom>
+              <a:blipFill>
+                <a:blip r:embed="rId5"/>
+                <a:stretch>
+                  <a:fillRect b="-901"/>
+                </a:stretch>
+              </a:blipFill>
+            </p:spPr>
+            <p:txBody>
+              <a:bodyPr/>
+              <a:lstStyle/>
+              <a:p>
+                <a:r>
+                  <a:rPr lang="en-US">
+                    <a:noFill/>
+                  </a:rPr>
+                  <a:t> </a:t>
+                </a:r>
+              </a:p>
+            </p:txBody>
+          </p:sp>
+        </mc:Fallback>
+      </mc:AlternateContent>
+      <mc:AlternateContent xmlns:mc="http://schemas.openxmlformats.org/markup-compatibility/2006">
+        <mc:Choice xmlns:a14="http://schemas.microsoft.com/office/drawing/2010/main" Requires="a14">
+          <p:sp>
+            <p:nvSpPr>
+              <p:cNvPr id="15" name="Speech Bubble: Rectangle with Corners Rounded 14">
+                <a:extLst>
+                  <a:ext uri="{FF2B5EF4-FFF2-40B4-BE49-F238E27FC236}">
+                    <a16:creationId xmlns:a16="http://schemas.microsoft.com/office/drawing/2014/main" id="{6E323D86-BEF5-E35F-ED49-3FCDBF978A3A}"/>
+                  </a:ext>
+                </a:extLst>
+              </p:cNvPr>
+              <p:cNvSpPr/>
+              <p:nvPr/>
+            </p:nvSpPr>
+            <p:spPr>
+              <a:xfrm>
+                <a:off x="7162801" y="3999641"/>
+                <a:ext cx="1333016" cy="927165"/>
+              </a:xfrm>
+              <a:prstGeom prst="wedgeRoundRectCallout">
+                <a:avLst>
+                  <a:gd name="adj1" fmla="val -101155"/>
+                  <a:gd name="adj2" fmla="val -77320"/>
+                  <a:gd name="adj3" fmla="val 16667"/>
+                </a:avLst>
+              </a:prstGeom>
+            </p:spPr>
+            <p:style>
+              <a:lnRef idx="2">
+                <a:schemeClr val="accent1">
+                  <a:shade val="15000"/>
+                </a:schemeClr>
+              </a:lnRef>
+              <a:fillRef idx="1">
+                <a:schemeClr val="accent1"/>
+              </a:fillRef>
+              <a:effectRef idx="0">
+                <a:schemeClr val="accent1"/>
+              </a:effectRef>
+              <a:fontRef idx="minor">
+                <a:schemeClr val="lt1"/>
+              </a:fontRef>
+            </p:style>
+            <p:txBody>
+              <a:bodyPr rtlCol="0" anchor="ctr"/>
+              <a:lstStyle/>
+              <a:p>
+                <a:pPr algn="ctr"/>
+                <a:r>
+                  <a:rPr lang="en-US" dirty="0"/>
+                  <a:t>Transition model</a:t>
+                </a:r>
+                <a:endParaRPr lang="en-US" i="1" dirty="0">
+                  <a:latin typeface="Cambria Math" panose="02040503050406030204" pitchFamily="18" charset="0"/>
+                </a:endParaRPr>
+              </a:p>
+              <a:p>
+                <a:pPr algn="ctr"/>
+                <a14:m>
+                  <m:oMath xmlns:m="http://schemas.openxmlformats.org/officeDocument/2006/math">
+                    <m:r>
+                      <a:rPr lang="en-US" i="1" dirty="0">
+                        <a:latin typeface="Cambria Math" panose="02040503050406030204" pitchFamily="18" charset="0"/>
+                      </a:rPr>
+                      <m:t>𝑃</m:t>
+                    </m:r>
+                    <m:r>
+                      <a:rPr lang="en-US" i="1" dirty="0">
+                        <a:latin typeface="Cambria Math" panose="02040503050406030204" pitchFamily="18" charset="0"/>
+                      </a:rPr>
+                      <m:t>(</m:t>
+                    </m:r>
+                    <m:r>
+                      <a:rPr lang="en-US" i="1" dirty="0">
+                        <a:latin typeface="Cambria Math" panose="02040503050406030204" pitchFamily="18" charset="0"/>
+                      </a:rPr>
+                      <m:t>𝑠</m:t>
+                    </m:r>
+                    <m:r>
+                      <a:rPr lang="en-US" i="1" dirty="0">
+                        <a:latin typeface="Cambria Math" panose="02040503050406030204" pitchFamily="18" charset="0"/>
+                      </a:rPr>
+                      <m:t>′ | </m:t>
+                    </m:r>
+                    <m:r>
+                      <a:rPr lang="en-US" i="1" dirty="0">
+                        <a:latin typeface="Cambria Math" panose="02040503050406030204" pitchFamily="18" charset="0"/>
+                      </a:rPr>
+                      <m:t>𝑠</m:t>
+                    </m:r>
+                    <m:r>
+                      <a:rPr lang="en-US" i="1" dirty="0">
+                        <a:latin typeface="Cambria Math" panose="02040503050406030204" pitchFamily="18" charset="0"/>
+                      </a:rPr>
+                      <m:t>, </m:t>
+                    </m:r>
+                    <m:r>
+                      <a:rPr lang="en-US" i="1" dirty="0">
+                        <a:latin typeface="Cambria Math" panose="02040503050406030204" pitchFamily="18" charset="0"/>
+                      </a:rPr>
+                      <m:t>𝑎</m:t>
+                    </m:r>
+                    <m:r>
+                      <a:rPr lang="en-US" i="1" dirty="0">
+                        <a:latin typeface="Cambria Math" panose="02040503050406030204" pitchFamily="18" charset="0"/>
+                      </a:rPr>
+                      <m:t>)</m:t>
+                    </m:r>
+                  </m:oMath>
+                </a14:m>
+                <a:r>
+                  <a:rPr lang="en-US" dirty="0"/>
+                  <a:t> </a:t>
+                </a:r>
+              </a:p>
+            </p:txBody>
+          </p:sp>
+        </mc:Choice>
+        <mc:Fallback>
+          <p:sp>
+            <p:nvSpPr>
+              <p:cNvPr id="15" name="Speech Bubble: Rectangle with Corners Rounded 14">
+                <a:extLst>
+                  <a:ext uri="{FF2B5EF4-FFF2-40B4-BE49-F238E27FC236}">
+                    <a16:creationId xmlns:a16="http://schemas.microsoft.com/office/drawing/2014/main" id="{6E323D86-BEF5-E35F-ED49-3FCDBF978A3A}"/>
+                  </a:ext>
+                </a:extLst>
+              </p:cNvPr>
+              <p:cNvSpPr>
+                <a:spLocks noRot="1" noChangeAspect="1" noMove="1" noResize="1" noEditPoints="1" noAdjustHandles="1" noChangeArrowheads="1" noChangeShapeType="1" noTextEdit="1"/>
+              </p:cNvSpPr>
+              <p:nvPr/>
+            </p:nvSpPr>
+            <p:spPr>
+              <a:xfrm>
+                <a:off x="7162801" y="3999641"/>
+                <a:ext cx="1333016" cy="927165"/>
+              </a:xfrm>
+              <a:prstGeom prst="wedgeRoundRectCallout">
+                <a:avLst>
+                  <a:gd name="adj1" fmla="val -101155"/>
+                  <a:gd name="adj2" fmla="val -77320"/>
+                  <a:gd name="adj3" fmla="val 16667"/>
+                </a:avLst>
+              </a:prstGeom>
+              <a:blipFill>
+                <a:blip r:embed="rId6"/>
+                <a:stretch>
+                  <a:fillRect b="-3500"/>
+                </a:stretch>
+              </a:blipFill>
+            </p:spPr>
+            <p:txBody>
+              <a:bodyPr/>
+              <a:lstStyle/>
+              <a:p>
+                <a:r>
+                  <a:rPr lang="en-US">
+                    <a:noFill/>
+                  </a:rPr>
+                  <a:t> </a:t>
+                </a:r>
+              </a:p>
+            </p:txBody>
+          </p:sp>
+        </mc:Fallback>
+      </mc:AlternateContent>
+      <p:sp>
+        <p:nvSpPr>
+          <p:cNvPr id="16" name="TextBox 15">
             <a:extLst>
               <a:ext uri="{FF2B5EF4-FFF2-40B4-BE49-F238E27FC236}">
-                <a16:creationId xmlns:a16="http://schemas.microsoft.com/office/drawing/2014/main" id="{65D1B519-DF1F-B089-8AEA-0672F70D34A7}"/>
+                <a16:creationId xmlns:a16="http://schemas.microsoft.com/office/drawing/2014/main" id="{93068467-0FCB-1E4D-E4E0-E7F68DCFDC53}"/>
               </a:ext>
             </a:extLst>
           </p:cNvPr>
-          <p:cNvGrpSpPr/>
+          <p:cNvSpPr txBox="1"/>
           <p:nvPr/>
-        </p:nvGrpSpPr>
-        <p:grpSpPr>
+        </p:nvSpPr>
+        <p:spPr>
           <a:xfrm>
-            <a:off x="648184" y="1524000"/>
-            <a:ext cx="8276741" cy="4925219"/>
-            <a:chOff x="648184" y="1524000"/>
-            <a:chExt cx="8276741" cy="4925219"/>
+            <a:off x="3962400" y="2743200"/>
+            <a:ext cx="533400" cy="253916"/>
           </a:xfrm>
-        </p:grpSpPr>
-        <p:pic>
-          <p:nvPicPr>
-            <p:cNvPr id="5" name="Picture 4">
-              <a:extLst>
-                <a:ext uri="{FF2B5EF4-FFF2-40B4-BE49-F238E27FC236}">
-                  <a16:creationId xmlns:a16="http://schemas.microsoft.com/office/drawing/2014/main" id="{328B7AAC-1F5E-41DE-9202-16307DFD6B16}"/>
-                </a:ext>
-              </a:extLst>
-            </p:cNvPr>
-            <p:cNvPicPr>
-              <a:picLocks noChangeAspect="1"/>
-            </p:cNvPicPr>
-            <p:nvPr/>
-          </p:nvPicPr>
-          <p:blipFill>
-            <a:blip r:embed="rId2"/>
-            <a:stretch>
-              <a:fillRect/>
-            </a:stretch>
-          </p:blipFill>
-          <p:spPr>
-            <a:xfrm>
-              <a:off x="685800" y="2315369"/>
-              <a:ext cx="8239125" cy="4133850"/>
-            </a:xfrm>
-            <a:prstGeom prst="rect">
-              <a:avLst/>
-            </a:prstGeom>
-          </p:spPr>
-        </p:pic>
-        <mc:AlternateContent xmlns:mc="http://schemas.openxmlformats.org/markup-compatibility/2006" xmlns:a14="http://schemas.microsoft.com/office/drawing/2010/main">
-          <mc:Choice Requires="a14">
-            <p:sp>
-              <p:nvSpPr>
-                <p:cNvPr id="12" name="Speech Bubble: Rectangle with Corners Rounded 11">
-                  <a:extLst>
-                    <a:ext uri="{FF2B5EF4-FFF2-40B4-BE49-F238E27FC236}">
-                      <a16:creationId xmlns:a16="http://schemas.microsoft.com/office/drawing/2014/main" id="{7B336FFC-97FC-F486-4336-82F07857FA0F}"/>
-                    </a:ext>
-                  </a:extLst>
-                </p:cNvPr>
-                <p:cNvSpPr/>
-                <p:nvPr/>
-              </p:nvSpPr>
-              <p:spPr>
-                <a:xfrm>
-                  <a:off x="4648201" y="1524000"/>
-                  <a:ext cx="2057882" cy="547688"/>
-                </a:xfrm>
-                <a:prstGeom prst="wedgeRoundRectCallout">
-                  <a:avLst>
-                    <a:gd name="adj1" fmla="val -38832"/>
-                    <a:gd name="adj2" fmla="val 172395"/>
-                    <a:gd name="adj3" fmla="val 16667"/>
-                  </a:avLst>
-                </a:prstGeom>
-              </p:spPr>
-              <p:style>
-                <a:lnRef idx="2">
-                  <a:schemeClr val="accent1">
-                    <a:shade val="15000"/>
-                  </a:schemeClr>
-                </a:lnRef>
-                <a:fillRef idx="1">
-                  <a:schemeClr val="accent1"/>
-                </a:fillRef>
-                <a:effectRef idx="0">
-                  <a:schemeClr val="accent1"/>
-                </a:effectRef>
-                <a:fontRef idx="minor">
-                  <a:schemeClr val="lt1"/>
-                </a:fontRef>
-              </p:style>
-              <p:txBody>
-                <a:bodyPr rtlCol="0" anchor="ctr"/>
-                <a:lstStyle/>
-                <a:p>
-                  <a:pPr algn="ctr"/>
-                  <a:r>
-                    <a:rPr lang="en-US" dirty="0"/>
-                    <a:t>Rewards </a:t>
-                  </a:r>
-                  <a14:m>
-                    <m:oMath xmlns:m="http://schemas.openxmlformats.org/officeDocument/2006/math">
-                      <m:r>
-                        <a:rPr lang="en-US" i="1" dirty="0" smtClean="0">
-                          <a:latin typeface="Cambria Math" panose="02040503050406030204" pitchFamily="18" charset="0"/>
-                        </a:rPr>
-                        <m:t>𝑅</m:t>
-                      </m:r>
-                      <m:r>
-                        <a:rPr lang="en-US" i="1" dirty="0" smtClean="0">
-                          <a:latin typeface="Cambria Math" panose="02040503050406030204" pitchFamily="18" charset="0"/>
-                        </a:rPr>
-                        <m:t>(</m:t>
-                      </m:r>
-                      <m:r>
-                        <a:rPr lang="en-US" i="1" dirty="0" smtClean="0">
-                          <a:latin typeface="Cambria Math" panose="02040503050406030204" pitchFamily="18" charset="0"/>
-                        </a:rPr>
-                        <m:t>𝑠</m:t>
-                      </m:r>
-                      <m:r>
-                        <a:rPr lang="en-US" i="1" dirty="0" smtClean="0">
-                          <a:latin typeface="Cambria Math" panose="02040503050406030204" pitchFamily="18" charset="0"/>
-                        </a:rPr>
-                        <m:t>)</m:t>
-                      </m:r>
-                    </m:oMath>
-                  </a14:m>
-                  <a:endParaRPr lang="en-US" dirty="0"/>
-                </a:p>
-              </p:txBody>
-            </p:sp>
-          </mc:Choice>
-          <mc:Fallback xmlns="">
-            <p:sp>
-              <p:nvSpPr>
-                <p:cNvPr id="12" name="Speech Bubble: Rectangle with Corners Rounded 11">
-                  <a:extLst>
-                    <a:ext uri="{FF2B5EF4-FFF2-40B4-BE49-F238E27FC236}">
-                      <a16:creationId xmlns:a16="http://schemas.microsoft.com/office/drawing/2014/main" id="{7B336FFC-97FC-F486-4336-82F07857FA0F}"/>
-                    </a:ext>
-                  </a:extLst>
-                </p:cNvPr>
-                <p:cNvSpPr>
-                  <a:spLocks noRot="1" noChangeAspect="1" noMove="1" noResize="1" noEditPoints="1" noAdjustHandles="1" noChangeArrowheads="1" noChangeShapeType="1" noTextEdit="1"/>
-                </p:cNvSpPr>
-                <p:nvPr/>
-              </p:nvSpPr>
-              <p:spPr>
-                <a:xfrm>
-                  <a:off x="4648201" y="1524000"/>
-                  <a:ext cx="2057882" cy="547688"/>
-                </a:xfrm>
-                <a:prstGeom prst="wedgeRoundRectCallout">
-                  <a:avLst>
-                    <a:gd name="adj1" fmla="val -38832"/>
-                    <a:gd name="adj2" fmla="val 172395"/>
-                    <a:gd name="adj3" fmla="val 16667"/>
-                  </a:avLst>
-                </a:prstGeom>
-                <a:blipFill>
-                  <a:blip r:embed="rId4"/>
-                  <a:stretch>
-                    <a:fillRect/>
-                  </a:stretch>
-                </a:blipFill>
-              </p:spPr>
-              <p:txBody>
-                <a:bodyPr/>
-                <a:lstStyle/>
-                <a:p>
-                  <a:r>
-                    <a:rPr lang="en-US">
-                      <a:noFill/>
-                    </a:rPr>
-                    <a:t> </a:t>
-                  </a:r>
-                </a:p>
-              </p:txBody>
-            </p:sp>
-          </mc:Fallback>
-        </mc:AlternateContent>
-        <mc:AlternateContent xmlns:mc="http://schemas.openxmlformats.org/markup-compatibility/2006" xmlns:a14="http://schemas.microsoft.com/office/drawing/2010/main">
-          <mc:Choice Requires="a14">
-            <p:sp>
-              <p:nvSpPr>
-                <p:cNvPr id="13" name="Speech Bubble: Rectangle with Corners Rounded 12">
-                  <a:extLst>
-                    <a:ext uri="{FF2B5EF4-FFF2-40B4-BE49-F238E27FC236}">
-                      <a16:creationId xmlns:a16="http://schemas.microsoft.com/office/drawing/2014/main" id="{89FF21E4-E93B-82AF-A6BF-AF54E9B56191}"/>
-                    </a:ext>
-                  </a:extLst>
-                </p:cNvPr>
-                <p:cNvSpPr/>
-                <p:nvPr/>
-              </p:nvSpPr>
-              <p:spPr>
-                <a:xfrm>
-                  <a:off x="990601" y="1687116"/>
-                  <a:ext cx="2057882" cy="547688"/>
-                </a:xfrm>
-                <a:prstGeom prst="wedgeRoundRectCallout">
-                  <a:avLst>
-                    <a:gd name="adj1" fmla="val 43287"/>
-                    <a:gd name="adj2" fmla="val 125902"/>
-                    <a:gd name="adj3" fmla="val 16667"/>
-                  </a:avLst>
-                </a:prstGeom>
-              </p:spPr>
-              <p:style>
-                <a:lnRef idx="2">
-                  <a:schemeClr val="accent1">
-                    <a:shade val="15000"/>
-                  </a:schemeClr>
-                </a:lnRef>
-                <a:fillRef idx="1">
-                  <a:schemeClr val="accent1"/>
-                </a:fillRef>
-                <a:effectRef idx="0">
-                  <a:schemeClr val="accent1"/>
-                </a:effectRef>
-                <a:fontRef idx="minor">
-                  <a:schemeClr val="lt1"/>
-                </a:fontRef>
-              </p:style>
-              <p:txBody>
-                <a:bodyPr rtlCol="0" anchor="ctr"/>
-                <a:lstStyle/>
-                <a:p>
-                  <a:pPr algn="ctr"/>
-                  <a14:m>
-                    <m:oMath xmlns:m="http://schemas.openxmlformats.org/officeDocument/2006/math">
-                      <m:r>
-                        <a:rPr lang="en-US" i="1" dirty="0">
-                          <a:latin typeface="Cambria Math" panose="02040503050406030204" pitchFamily="18" charset="0"/>
-                        </a:rPr>
-                        <m:t>𝐴𝐶𝑇𝐼𝑂𝑁𝑆</m:t>
-                      </m:r>
-                      <m:r>
-                        <a:rPr lang="en-US" i="1" dirty="0">
-                          <a:latin typeface="Cambria Math" panose="02040503050406030204" pitchFamily="18" charset="0"/>
-                        </a:rPr>
-                        <m:t>(</m:t>
-                      </m:r>
-                      <m:r>
-                        <a:rPr lang="en-US" i="1" dirty="0">
-                          <a:latin typeface="Cambria Math" panose="02040503050406030204" pitchFamily="18" charset="0"/>
-                        </a:rPr>
-                        <m:t>𝑠</m:t>
-                      </m:r>
-                      <m:r>
-                        <a:rPr lang="en-US" i="1" dirty="0">
-                          <a:latin typeface="Cambria Math" panose="02040503050406030204" pitchFamily="18" charset="0"/>
-                        </a:rPr>
-                        <m:t>)</m:t>
-                      </m:r>
-                    </m:oMath>
-                  </a14:m>
-                  <a:r>
-                    <a:rPr lang="en-US" dirty="0"/>
-                    <a:t> </a:t>
-                  </a:r>
-                </a:p>
-              </p:txBody>
-            </p:sp>
-          </mc:Choice>
-          <mc:Fallback xmlns="">
-            <p:sp>
-              <p:nvSpPr>
-                <p:cNvPr id="13" name="Speech Bubble: Rectangle with Corners Rounded 12">
-                  <a:extLst>
-                    <a:ext uri="{FF2B5EF4-FFF2-40B4-BE49-F238E27FC236}">
-                      <a16:creationId xmlns:a16="http://schemas.microsoft.com/office/drawing/2014/main" id="{89FF21E4-E93B-82AF-A6BF-AF54E9B56191}"/>
-                    </a:ext>
-                  </a:extLst>
-                </p:cNvPr>
-                <p:cNvSpPr>
-                  <a:spLocks noRot="1" noChangeAspect="1" noMove="1" noResize="1" noEditPoints="1" noAdjustHandles="1" noChangeArrowheads="1" noChangeShapeType="1" noTextEdit="1"/>
-                </p:cNvSpPr>
-                <p:nvPr/>
-              </p:nvSpPr>
-              <p:spPr>
-                <a:xfrm>
-                  <a:off x="990601" y="1687116"/>
-                  <a:ext cx="2057882" cy="547688"/>
-                </a:xfrm>
-                <a:prstGeom prst="wedgeRoundRectCallout">
-                  <a:avLst>
-                    <a:gd name="adj1" fmla="val 43287"/>
-                    <a:gd name="adj2" fmla="val 125902"/>
-                    <a:gd name="adj3" fmla="val 16667"/>
-                  </a:avLst>
-                </a:prstGeom>
-                <a:blipFill>
-                  <a:blip r:embed="rId5"/>
-                  <a:stretch>
-                    <a:fillRect/>
-                  </a:stretch>
-                </a:blipFill>
-              </p:spPr>
-              <p:txBody>
-                <a:bodyPr/>
-                <a:lstStyle/>
-                <a:p>
-                  <a:r>
-                    <a:rPr lang="en-US">
-                      <a:noFill/>
-                    </a:rPr>
-                    <a:t> </a:t>
-                  </a:r>
-                </a:p>
-              </p:txBody>
-            </p:sp>
-          </mc:Fallback>
-        </mc:AlternateContent>
-        <mc:AlternateContent xmlns:mc="http://schemas.openxmlformats.org/markup-compatibility/2006" xmlns:a14="http://schemas.microsoft.com/office/drawing/2010/main">
-          <mc:Choice Requires="a14">
-            <p:sp>
-              <p:nvSpPr>
-                <p:cNvPr id="14" name="Speech Bubble: Rectangle with Corners Rounded 13">
-                  <a:extLst>
-                    <a:ext uri="{FF2B5EF4-FFF2-40B4-BE49-F238E27FC236}">
-                      <a16:creationId xmlns:a16="http://schemas.microsoft.com/office/drawing/2014/main" id="{38B68508-EF92-6382-782A-27E0C3FCA43C}"/>
-                    </a:ext>
-                  </a:extLst>
-                </p:cNvPr>
-                <p:cNvSpPr/>
-                <p:nvPr/>
-              </p:nvSpPr>
-              <p:spPr>
-                <a:xfrm>
-                  <a:off x="648184" y="3429000"/>
-                  <a:ext cx="1600200" cy="1345407"/>
-                </a:xfrm>
-                <a:prstGeom prst="wedgeRoundRectCallout">
-                  <a:avLst>
-                    <a:gd name="adj1" fmla="val 80433"/>
-                    <a:gd name="adj2" fmla="val 7092"/>
-                    <a:gd name="adj3" fmla="val 16667"/>
-                  </a:avLst>
-                </a:prstGeom>
-              </p:spPr>
-              <p:style>
-                <a:lnRef idx="2">
-                  <a:schemeClr val="accent1">
-                    <a:shade val="15000"/>
-                  </a:schemeClr>
-                </a:lnRef>
-                <a:fillRef idx="1">
-                  <a:schemeClr val="accent1"/>
-                </a:fillRef>
-                <a:effectRef idx="0">
-                  <a:schemeClr val="accent1"/>
-                </a:effectRef>
-                <a:fontRef idx="minor">
-                  <a:schemeClr val="lt1"/>
-                </a:fontRef>
-              </p:style>
-              <p:txBody>
-                <a:bodyPr rtlCol="0" anchor="ctr"/>
-                <a:lstStyle/>
-                <a:p>
-                  <a:pPr algn="ctr"/>
-                  <a:r>
-                    <a:rPr lang="en-US" dirty="0"/>
-                    <a:t>States </a:t>
-                  </a:r>
-                  <a14:m>
-                    <m:oMath xmlns:m="http://schemas.openxmlformats.org/officeDocument/2006/math">
-                      <m:r>
-                        <a:rPr lang="en-US" i="1" dirty="0">
-                          <a:latin typeface="Cambria Math" panose="02040503050406030204" pitchFamily="18" charset="0"/>
-                        </a:rPr>
-                        <m:t>𝑆</m:t>
-                      </m:r>
-                    </m:oMath>
-                  </a14:m>
-                  <a:r>
-                    <a:rPr lang="en-US" dirty="0"/>
-                    <a:t> are squares. START is the initial state</a:t>
-                  </a:r>
-                </a:p>
-              </p:txBody>
-            </p:sp>
-          </mc:Choice>
-          <mc:Fallback xmlns="">
-            <p:sp>
-              <p:nvSpPr>
-                <p:cNvPr id="14" name="Speech Bubble: Rectangle with Corners Rounded 13">
-                  <a:extLst>
-                    <a:ext uri="{FF2B5EF4-FFF2-40B4-BE49-F238E27FC236}">
-                      <a16:creationId xmlns:a16="http://schemas.microsoft.com/office/drawing/2014/main" id="{38B68508-EF92-6382-782A-27E0C3FCA43C}"/>
-                    </a:ext>
-                  </a:extLst>
-                </p:cNvPr>
-                <p:cNvSpPr>
-                  <a:spLocks noRot="1" noChangeAspect="1" noMove="1" noResize="1" noEditPoints="1" noAdjustHandles="1" noChangeArrowheads="1" noChangeShapeType="1" noTextEdit="1"/>
-                </p:cNvSpPr>
-                <p:nvPr/>
-              </p:nvSpPr>
-              <p:spPr>
-                <a:xfrm>
-                  <a:off x="648184" y="3429000"/>
-                  <a:ext cx="1600200" cy="1345407"/>
-                </a:xfrm>
-                <a:prstGeom prst="wedgeRoundRectCallout">
-                  <a:avLst>
-                    <a:gd name="adj1" fmla="val 80433"/>
-                    <a:gd name="adj2" fmla="val 7092"/>
-                    <a:gd name="adj3" fmla="val 16667"/>
-                  </a:avLst>
-                </a:prstGeom>
-                <a:blipFill>
-                  <a:blip r:embed="rId6"/>
-                  <a:stretch>
-                    <a:fillRect b="-901"/>
-                  </a:stretch>
-                </a:blipFill>
-              </p:spPr>
-              <p:txBody>
-                <a:bodyPr/>
-                <a:lstStyle/>
-                <a:p>
-                  <a:r>
-                    <a:rPr lang="en-US">
-                      <a:noFill/>
-                    </a:rPr>
-                    <a:t> </a:t>
-                  </a:r>
-                </a:p>
-              </p:txBody>
-            </p:sp>
-          </mc:Fallback>
-        </mc:AlternateContent>
-        <mc:AlternateContent xmlns:mc="http://schemas.openxmlformats.org/markup-compatibility/2006" xmlns:a14="http://schemas.microsoft.com/office/drawing/2010/main">
-          <mc:Choice Requires="a14">
-            <p:sp>
-              <p:nvSpPr>
-                <p:cNvPr id="15" name="Speech Bubble: Rectangle with Corners Rounded 14">
-                  <a:extLst>
-                    <a:ext uri="{FF2B5EF4-FFF2-40B4-BE49-F238E27FC236}">
-                      <a16:creationId xmlns:a16="http://schemas.microsoft.com/office/drawing/2014/main" id="{6E323D86-BEF5-E35F-ED49-3FCDBF978A3A}"/>
-                    </a:ext>
-                  </a:extLst>
-                </p:cNvPr>
-                <p:cNvSpPr/>
-                <p:nvPr/>
-              </p:nvSpPr>
-              <p:spPr>
-                <a:xfrm>
-                  <a:off x="7162801" y="3999641"/>
-                  <a:ext cx="1333016" cy="927165"/>
-                </a:xfrm>
-                <a:prstGeom prst="wedgeRoundRectCallout">
-                  <a:avLst>
-                    <a:gd name="adj1" fmla="val -101155"/>
-                    <a:gd name="adj2" fmla="val -77320"/>
-                    <a:gd name="adj3" fmla="val 16667"/>
-                  </a:avLst>
-                </a:prstGeom>
-              </p:spPr>
-              <p:style>
-                <a:lnRef idx="2">
-                  <a:schemeClr val="accent1">
-                    <a:shade val="15000"/>
-                  </a:schemeClr>
-                </a:lnRef>
-                <a:fillRef idx="1">
-                  <a:schemeClr val="accent1"/>
-                </a:fillRef>
-                <a:effectRef idx="0">
-                  <a:schemeClr val="accent1"/>
-                </a:effectRef>
-                <a:fontRef idx="minor">
-                  <a:schemeClr val="lt1"/>
-                </a:fontRef>
-              </p:style>
-              <p:txBody>
-                <a:bodyPr rtlCol="0" anchor="ctr"/>
-                <a:lstStyle/>
-                <a:p>
-                  <a:pPr algn="ctr"/>
-                  <a:r>
-                    <a:rPr lang="en-US" dirty="0"/>
-                    <a:t>Transition model</a:t>
-                  </a:r>
-                  <a:endParaRPr lang="en-US" i="1" dirty="0">
-                    <a:latin typeface="Cambria Math" panose="02040503050406030204" pitchFamily="18" charset="0"/>
-                  </a:endParaRPr>
-                </a:p>
-                <a:p>
-                  <a:pPr algn="ctr"/>
-                  <a14:m>
-                    <m:oMath xmlns:m="http://schemas.openxmlformats.org/officeDocument/2006/math">
-                      <m:r>
-                        <a:rPr lang="en-US" i="1" dirty="0">
-                          <a:latin typeface="Cambria Math" panose="02040503050406030204" pitchFamily="18" charset="0"/>
-                        </a:rPr>
-                        <m:t>𝑃</m:t>
-                      </m:r>
-                      <m:r>
-                        <a:rPr lang="en-US" i="1" dirty="0">
-                          <a:latin typeface="Cambria Math" panose="02040503050406030204" pitchFamily="18" charset="0"/>
-                        </a:rPr>
-                        <m:t>(</m:t>
-                      </m:r>
-                      <m:r>
-                        <a:rPr lang="en-US" i="1" dirty="0">
-                          <a:latin typeface="Cambria Math" panose="02040503050406030204" pitchFamily="18" charset="0"/>
-                        </a:rPr>
-                        <m:t>𝑠</m:t>
-                      </m:r>
-                      <m:r>
-                        <a:rPr lang="en-US" i="1" dirty="0">
-                          <a:latin typeface="Cambria Math" panose="02040503050406030204" pitchFamily="18" charset="0"/>
-                        </a:rPr>
-                        <m:t>′ | </m:t>
-                      </m:r>
-                      <m:r>
-                        <a:rPr lang="en-US" i="1" dirty="0">
-                          <a:latin typeface="Cambria Math" panose="02040503050406030204" pitchFamily="18" charset="0"/>
-                        </a:rPr>
-                        <m:t>𝑠</m:t>
-                      </m:r>
-                      <m:r>
-                        <a:rPr lang="en-US" i="1" dirty="0">
-                          <a:latin typeface="Cambria Math" panose="02040503050406030204" pitchFamily="18" charset="0"/>
-                        </a:rPr>
-                        <m:t>, </m:t>
-                      </m:r>
-                      <m:r>
-                        <a:rPr lang="en-US" i="1" dirty="0">
-                          <a:latin typeface="Cambria Math" panose="02040503050406030204" pitchFamily="18" charset="0"/>
-                        </a:rPr>
-                        <m:t>𝑎</m:t>
-                      </m:r>
-                      <m:r>
-                        <a:rPr lang="en-US" i="1" dirty="0">
-                          <a:latin typeface="Cambria Math" panose="02040503050406030204" pitchFamily="18" charset="0"/>
-                        </a:rPr>
-                        <m:t>)</m:t>
-                      </m:r>
-                    </m:oMath>
-                  </a14:m>
-                  <a:r>
-                    <a:rPr lang="en-US" dirty="0"/>
-                    <a:t> </a:t>
-                  </a:r>
-                </a:p>
-              </p:txBody>
-            </p:sp>
-          </mc:Choice>
-          <mc:Fallback xmlns="">
-            <p:sp>
-              <p:nvSpPr>
-                <p:cNvPr id="15" name="Speech Bubble: Rectangle with Corners Rounded 14">
-                  <a:extLst>
-                    <a:ext uri="{FF2B5EF4-FFF2-40B4-BE49-F238E27FC236}">
-                      <a16:creationId xmlns:a16="http://schemas.microsoft.com/office/drawing/2014/main" id="{6E323D86-BEF5-E35F-ED49-3FCDBF978A3A}"/>
-                    </a:ext>
-                  </a:extLst>
-                </p:cNvPr>
-                <p:cNvSpPr>
-                  <a:spLocks noRot="1" noChangeAspect="1" noMove="1" noResize="1" noEditPoints="1" noAdjustHandles="1" noChangeArrowheads="1" noChangeShapeType="1" noTextEdit="1"/>
-                </p:cNvSpPr>
-                <p:nvPr/>
-              </p:nvSpPr>
-              <p:spPr>
-                <a:xfrm>
-                  <a:off x="7162801" y="3999641"/>
-                  <a:ext cx="1333016" cy="927165"/>
-                </a:xfrm>
-                <a:prstGeom prst="wedgeRoundRectCallout">
-                  <a:avLst>
-                    <a:gd name="adj1" fmla="val -101155"/>
-                    <a:gd name="adj2" fmla="val -77320"/>
-                    <a:gd name="adj3" fmla="val 16667"/>
-                  </a:avLst>
-                </a:prstGeom>
-                <a:blipFill>
-                  <a:blip r:embed="rId7"/>
-                  <a:stretch>
-                    <a:fillRect b="-3500"/>
-                  </a:stretch>
-                </a:blipFill>
-              </p:spPr>
-              <p:txBody>
-                <a:bodyPr/>
-                <a:lstStyle/>
-                <a:p>
-                  <a:r>
-                    <a:rPr lang="en-US">
-                      <a:noFill/>
-                    </a:rPr>
-                    <a:t> </a:t>
-                  </a:r>
-                </a:p>
-              </p:txBody>
-            </p:sp>
-          </mc:Fallback>
-        </mc:AlternateContent>
-        <p:sp>
-          <p:nvSpPr>
-            <p:cNvPr id="16" name="TextBox 15">
-              <a:extLst>
-                <a:ext uri="{FF2B5EF4-FFF2-40B4-BE49-F238E27FC236}">
-                  <a16:creationId xmlns:a16="http://schemas.microsoft.com/office/drawing/2014/main" id="{93068467-0FCB-1E4D-E4E0-E7F68DCFDC53}"/>
-                </a:ext>
-              </a:extLst>
-            </p:cNvPr>
-            <p:cNvSpPr txBox="1"/>
-            <p:nvPr/>
-          </p:nvSpPr>
-          <p:spPr>
-            <a:xfrm>
-              <a:off x="3962400" y="2743200"/>
-              <a:ext cx="533400" cy="253916"/>
-            </a:xfrm>
-            <a:prstGeom prst="rect">
-              <a:avLst/>
-            </a:prstGeom>
-            <a:noFill/>
-          </p:spPr>
-          <p:txBody>
-            <a:bodyPr wrap="square" rtlCol="0">
-              <a:spAutoFit/>
-            </a:bodyPr>
-            <a:lstStyle/>
-            <a:p>
-              <a:r>
-                <a:rPr lang="en-US" sz="1050" dirty="0"/>
-                <a:t>-0.04</a:t>
-              </a:r>
-            </a:p>
-          </p:txBody>
-        </p:sp>
-        <p:sp>
-          <p:nvSpPr>
-            <p:cNvPr id="17" name="TextBox 16">
-              <a:extLst>
-                <a:ext uri="{FF2B5EF4-FFF2-40B4-BE49-F238E27FC236}">
-                  <a16:creationId xmlns:a16="http://schemas.microsoft.com/office/drawing/2014/main" id="{23DBC30E-D02B-BD92-3754-2FFB7E222026}"/>
-                </a:ext>
-              </a:extLst>
-            </p:cNvPr>
-            <p:cNvSpPr txBox="1"/>
-            <p:nvPr/>
-          </p:nvSpPr>
-          <p:spPr>
-            <a:xfrm>
-              <a:off x="3352800" y="2743200"/>
-              <a:ext cx="533400" cy="253916"/>
-            </a:xfrm>
-            <a:prstGeom prst="rect">
-              <a:avLst/>
-            </a:prstGeom>
-            <a:noFill/>
-          </p:spPr>
-          <p:txBody>
-            <a:bodyPr wrap="square" rtlCol="0">
-              <a:spAutoFit/>
-            </a:bodyPr>
-            <a:lstStyle/>
-            <a:p>
-              <a:r>
-                <a:rPr lang="en-US" sz="1050" dirty="0"/>
-                <a:t>-0.04</a:t>
-              </a:r>
-            </a:p>
-          </p:txBody>
-        </p:sp>
-        <p:sp>
-          <p:nvSpPr>
-            <p:cNvPr id="18" name="TextBox 17">
-              <a:extLst>
-                <a:ext uri="{FF2B5EF4-FFF2-40B4-BE49-F238E27FC236}">
-                  <a16:creationId xmlns:a16="http://schemas.microsoft.com/office/drawing/2014/main" id="{0469C976-4813-B15A-A743-906C34A1F818}"/>
-                </a:ext>
-              </a:extLst>
-            </p:cNvPr>
-            <p:cNvSpPr txBox="1"/>
-            <p:nvPr/>
-          </p:nvSpPr>
-          <p:spPr>
-            <a:xfrm>
-              <a:off x="2743200" y="2758763"/>
-              <a:ext cx="533400" cy="253916"/>
-            </a:xfrm>
-            <a:prstGeom prst="rect">
-              <a:avLst/>
-            </a:prstGeom>
-            <a:noFill/>
-          </p:spPr>
-          <p:txBody>
-            <a:bodyPr wrap="square" rtlCol="0">
-              <a:spAutoFit/>
-            </a:bodyPr>
-            <a:lstStyle/>
-            <a:p>
-              <a:r>
-                <a:rPr lang="en-US" sz="1050" dirty="0"/>
-                <a:t>-0.04</a:t>
-              </a:r>
-            </a:p>
-          </p:txBody>
-        </p:sp>
-        <p:sp>
-          <p:nvSpPr>
-            <p:cNvPr id="19" name="TextBox 18">
-              <a:extLst>
-                <a:ext uri="{FF2B5EF4-FFF2-40B4-BE49-F238E27FC236}">
-                  <a16:creationId xmlns:a16="http://schemas.microsoft.com/office/drawing/2014/main" id="{D2943E52-15C4-9CB7-081F-96BC5918B02E}"/>
-                </a:ext>
-              </a:extLst>
-            </p:cNvPr>
-            <p:cNvSpPr txBox="1"/>
-            <p:nvPr/>
-          </p:nvSpPr>
-          <p:spPr>
-            <a:xfrm>
-              <a:off x="2743200" y="3329115"/>
-              <a:ext cx="533400" cy="253916"/>
-            </a:xfrm>
-            <a:prstGeom prst="rect">
-              <a:avLst/>
-            </a:prstGeom>
-            <a:noFill/>
-          </p:spPr>
-          <p:txBody>
-            <a:bodyPr wrap="square" rtlCol="0">
-              <a:spAutoFit/>
-            </a:bodyPr>
-            <a:lstStyle/>
-            <a:p>
-              <a:r>
-                <a:rPr lang="en-US" sz="1050" dirty="0"/>
-                <a:t>-0.04</a:t>
-              </a:r>
-            </a:p>
-          </p:txBody>
-        </p:sp>
-        <p:sp>
-          <p:nvSpPr>
-            <p:cNvPr id="20" name="TextBox 19">
-              <a:extLst>
-                <a:ext uri="{FF2B5EF4-FFF2-40B4-BE49-F238E27FC236}">
-                  <a16:creationId xmlns:a16="http://schemas.microsoft.com/office/drawing/2014/main" id="{BA4974F9-684E-3AAE-CE41-E30A6DCD6B7E}"/>
-                </a:ext>
-              </a:extLst>
-            </p:cNvPr>
-            <p:cNvSpPr txBox="1"/>
-            <p:nvPr/>
-          </p:nvSpPr>
-          <p:spPr>
-            <a:xfrm>
-              <a:off x="3962400" y="3329115"/>
-              <a:ext cx="533400" cy="253916"/>
-            </a:xfrm>
-            <a:prstGeom prst="rect">
-              <a:avLst/>
-            </a:prstGeom>
-            <a:noFill/>
-          </p:spPr>
-          <p:txBody>
-            <a:bodyPr wrap="square" rtlCol="0">
-              <a:spAutoFit/>
-            </a:bodyPr>
-            <a:lstStyle/>
-            <a:p>
-              <a:r>
-                <a:rPr lang="en-US" sz="1050" dirty="0"/>
-                <a:t>-0.04</a:t>
-              </a:r>
-            </a:p>
-          </p:txBody>
-        </p:sp>
-        <p:sp>
-          <p:nvSpPr>
-            <p:cNvPr id="21" name="TextBox 20">
-              <a:extLst>
-                <a:ext uri="{FF2B5EF4-FFF2-40B4-BE49-F238E27FC236}">
-                  <a16:creationId xmlns:a16="http://schemas.microsoft.com/office/drawing/2014/main" id="{03A0A62B-D258-BEE9-C232-8832220A4985}"/>
-                </a:ext>
-              </a:extLst>
-            </p:cNvPr>
-            <p:cNvSpPr txBox="1"/>
-            <p:nvPr/>
-          </p:nvSpPr>
-          <p:spPr>
-            <a:xfrm>
-              <a:off x="2743200" y="4114276"/>
-              <a:ext cx="533400" cy="253916"/>
-            </a:xfrm>
-            <a:prstGeom prst="rect">
-              <a:avLst/>
-            </a:prstGeom>
-            <a:noFill/>
-          </p:spPr>
-          <p:txBody>
-            <a:bodyPr wrap="square" rtlCol="0">
-              <a:spAutoFit/>
-            </a:bodyPr>
-            <a:lstStyle/>
-            <a:p>
-              <a:r>
-                <a:rPr lang="en-US" sz="1050" dirty="0"/>
-                <a:t>-0.04</a:t>
-              </a:r>
-            </a:p>
-          </p:txBody>
-        </p:sp>
-        <p:sp>
-          <p:nvSpPr>
-            <p:cNvPr id="22" name="TextBox 21">
-              <a:extLst>
-                <a:ext uri="{FF2B5EF4-FFF2-40B4-BE49-F238E27FC236}">
-                  <a16:creationId xmlns:a16="http://schemas.microsoft.com/office/drawing/2014/main" id="{D34F2771-31FE-779B-C33A-7B83C8586708}"/>
-                </a:ext>
-              </a:extLst>
-            </p:cNvPr>
-            <p:cNvSpPr txBox="1"/>
-            <p:nvPr/>
-          </p:nvSpPr>
-          <p:spPr>
-            <a:xfrm>
-              <a:off x="3352800" y="3958590"/>
-              <a:ext cx="533400" cy="253916"/>
-            </a:xfrm>
-            <a:prstGeom prst="rect">
-              <a:avLst/>
-            </a:prstGeom>
-            <a:noFill/>
-          </p:spPr>
-          <p:txBody>
-            <a:bodyPr wrap="square" rtlCol="0">
-              <a:spAutoFit/>
-            </a:bodyPr>
-            <a:lstStyle/>
-            <a:p>
-              <a:r>
-                <a:rPr lang="en-US" sz="1050" dirty="0"/>
-                <a:t>-0.04</a:t>
-              </a:r>
-            </a:p>
-          </p:txBody>
-        </p:sp>
-        <p:sp>
-          <p:nvSpPr>
-            <p:cNvPr id="23" name="TextBox 22">
-              <a:extLst>
-                <a:ext uri="{FF2B5EF4-FFF2-40B4-BE49-F238E27FC236}">
-                  <a16:creationId xmlns:a16="http://schemas.microsoft.com/office/drawing/2014/main" id="{EA2F734F-DC1C-10CA-A1E2-BDAA434243AE}"/>
-                </a:ext>
-              </a:extLst>
-            </p:cNvPr>
-            <p:cNvSpPr txBox="1"/>
-            <p:nvPr/>
-          </p:nvSpPr>
-          <p:spPr>
-            <a:xfrm>
-              <a:off x="3980246" y="3958590"/>
-              <a:ext cx="533400" cy="253916"/>
-            </a:xfrm>
-            <a:prstGeom prst="rect">
-              <a:avLst/>
-            </a:prstGeom>
-            <a:noFill/>
-          </p:spPr>
-          <p:txBody>
-            <a:bodyPr wrap="square" rtlCol="0">
-              <a:spAutoFit/>
-            </a:bodyPr>
-            <a:lstStyle/>
-            <a:p>
-              <a:r>
-                <a:rPr lang="en-US" sz="1050" dirty="0"/>
-                <a:t>-0.04</a:t>
-              </a:r>
-            </a:p>
-          </p:txBody>
-        </p:sp>
-        <p:sp>
-          <p:nvSpPr>
-            <p:cNvPr id="24" name="TextBox 23">
-              <a:extLst>
-                <a:ext uri="{FF2B5EF4-FFF2-40B4-BE49-F238E27FC236}">
-                  <a16:creationId xmlns:a16="http://schemas.microsoft.com/office/drawing/2014/main" id="{56AF65A6-EAEE-1855-E522-73765B98CBD7}"/>
-                </a:ext>
-              </a:extLst>
-            </p:cNvPr>
-            <p:cNvSpPr txBox="1"/>
-            <p:nvPr/>
-          </p:nvSpPr>
-          <p:spPr>
-            <a:xfrm>
-              <a:off x="4607692" y="3942507"/>
-              <a:ext cx="533400" cy="253916"/>
-            </a:xfrm>
-            <a:prstGeom prst="rect">
-              <a:avLst/>
-            </a:prstGeom>
-            <a:noFill/>
-          </p:spPr>
-          <p:txBody>
-            <a:bodyPr wrap="square" rtlCol="0">
-              <a:spAutoFit/>
-            </a:bodyPr>
-            <a:lstStyle/>
-            <a:p>
-              <a:r>
-                <a:rPr lang="en-US" sz="1050" dirty="0"/>
-                <a:t>-0.04</a:t>
-              </a:r>
-            </a:p>
-          </p:txBody>
-        </p:sp>
-      </p:grpSp>
+          <a:prstGeom prst="rect">
+            <a:avLst/>
+          </a:prstGeom>
+          <a:noFill/>
+        </p:spPr>
+        <p:txBody>
+          <a:bodyPr wrap="square" rtlCol="0">
+            <a:spAutoFit/>
+          </a:bodyPr>
+          <a:lstStyle/>
+          <a:p>
+            <a:r>
+              <a:rPr lang="en-US" sz="1050" dirty="0"/>
+              <a:t>-0.04</a:t>
+            </a:r>
+          </a:p>
+        </p:txBody>
+      </p:sp>
+      <p:sp>
+        <p:nvSpPr>
+          <p:cNvPr id="17" name="TextBox 16">
+            <a:extLst>
+              <a:ext uri="{FF2B5EF4-FFF2-40B4-BE49-F238E27FC236}">
+                <a16:creationId xmlns:a16="http://schemas.microsoft.com/office/drawing/2014/main" id="{23DBC30E-D02B-BD92-3754-2FFB7E222026}"/>
+              </a:ext>
+            </a:extLst>
+          </p:cNvPr>
+          <p:cNvSpPr txBox="1"/>
+          <p:nvPr/>
+        </p:nvSpPr>
+        <p:spPr>
+          <a:xfrm>
+            <a:off x="3352800" y="2743200"/>
+            <a:ext cx="533400" cy="253916"/>
+          </a:xfrm>
+          <a:prstGeom prst="rect">
+            <a:avLst/>
+          </a:prstGeom>
+          <a:noFill/>
+        </p:spPr>
+        <p:txBody>
+          <a:bodyPr wrap="square" rtlCol="0">
+            <a:spAutoFit/>
+          </a:bodyPr>
+          <a:lstStyle/>
+          <a:p>
+            <a:r>
+              <a:rPr lang="en-US" sz="1050" dirty="0"/>
+              <a:t>-0.04</a:t>
+            </a:r>
+          </a:p>
+        </p:txBody>
+      </p:sp>
+      <p:sp>
+        <p:nvSpPr>
+          <p:cNvPr id="18" name="TextBox 17">
+            <a:extLst>
+              <a:ext uri="{FF2B5EF4-FFF2-40B4-BE49-F238E27FC236}">
+                <a16:creationId xmlns:a16="http://schemas.microsoft.com/office/drawing/2014/main" id="{0469C976-4813-B15A-A743-906C34A1F818}"/>
+              </a:ext>
+            </a:extLst>
+          </p:cNvPr>
+          <p:cNvSpPr txBox="1"/>
+          <p:nvPr/>
+        </p:nvSpPr>
+        <p:spPr>
+          <a:xfrm>
+            <a:off x="2743200" y="2758763"/>
+            <a:ext cx="533400" cy="253916"/>
+          </a:xfrm>
+          <a:prstGeom prst="rect">
+            <a:avLst/>
+          </a:prstGeom>
+          <a:noFill/>
+        </p:spPr>
+        <p:txBody>
+          <a:bodyPr wrap="square" rtlCol="0">
+            <a:spAutoFit/>
+          </a:bodyPr>
+          <a:lstStyle/>
+          <a:p>
+            <a:r>
+              <a:rPr lang="en-US" sz="1050" dirty="0"/>
+              <a:t>-0.04</a:t>
+            </a:r>
+          </a:p>
+        </p:txBody>
+      </p:sp>
+      <p:sp>
+        <p:nvSpPr>
+          <p:cNvPr id="19" name="TextBox 18">
+            <a:extLst>
+              <a:ext uri="{FF2B5EF4-FFF2-40B4-BE49-F238E27FC236}">
+                <a16:creationId xmlns:a16="http://schemas.microsoft.com/office/drawing/2014/main" id="{D2943E52-15C4-9CB7-081F-96BC5918B02E}"/>
+              </a:ext>
+            </a:extLst>
+          </p:cNvPr>
+          <p:cNvSpPr txBox="1"/>
+          <p:nvPr/>
+        </p:nvSpPr>
+        <p:spPr>
+          <a:xfrm>
+            <a:off x="2743200" y="3329115"/>
+            <a:ext cx="533400" cy="253916"/>
+          </a:xfrm>
+          <a:prstGeom prst="rect">
+            <a:avLst/>
+          </a:prstGeom>
+          <a:noFill/>
+        </p:spPr>
+        <p:txBody>
+          <a:bodyPr wrap="square" rtlCol="0">
+            <a:spAutoFit/>
+          </a:bodyPr>
+          <a:lstStyle/>
+          <a:p>
+            <a:r>
+              <a:rPr lang="en-US" sz="1050" dirty="0"/>
+              <a:t>-0.04</a:t>
+            </a:r>
+          </a:p>
+        </p:txBody>
+      </p:sp>
+      <p:sp>
+        <p:nvSpPr>
+          <p:cNvPr id="20" name="TextBox 19">
+            <a:extLst>
+              <a:ext uri="{FF2B5EF4-FFF2-40B4-BE49-F238E27FC236}">
+                <a16:creationId xmlns:a16="http://schemas.microsoft.com/office/drawing/2014/main" id="{BA4974F9-684E-3AAE-CE41-E30A6DCD6B7E}"/>
+              </a:ext>
+            </a:extLst>
+          </p:cNvPr>
+          <p:cNvSpPr txBox="1"/>
+          <p:nvPr/>
+        </p:nvSpPr>
+        <p:spPr>
+          <a:xfrm>
+            <a:off x="3962400" y="3329115"/>
+            <a:ext cx="533400" cy="253916"/>
+          </a:xfrm>
+          <a:prstGeom prst="rect">
+            <a:avLst/>
+          </a:prstGeom>
+          <a:noFill/>
+        </p:spPr>
+        <p:txBody>
+          <a:bodyPr wrap="square" rtlCol="0">
+            <a:spAutoFit/>
+          </a:bodyPr>
+          <a:lstStyle/>
+          <a:p>
+            <a:r>
+              <a:rPr lang="en-US" sz="1050" dirty="0"/>
+              <a:t>-0.04</a:t>
+            </a:r>
+          </a:p>
+        </p:txBody>
+      </p:sp>
+      <p:sp>
+        <p:nvSpPr>
+          <p:cNvPr id="21" name="TextBox 20">
+            <a:extLst>
+              <a:ext uri="{FF2B5EF4-FFF2-40B4-BE49-F238E27FC236}">
+                <a16:creationId xmlns:a16="http://schemas.microsoft.com/office/drawing/2014/main" id="{03A0A62B-D258-BEE9-C232-8832220A4985}"/>
+              </a:ext>
+            </a:extLst>
+          </p:cNvPr>
+          <p:cNvSpPr txBox="1"/>
+          <p:nvPr/>
+        </p:nvSpPr>
+        <p:spPr>
+          <a:xfrm>
+            <a:off x="2743200" y="4114276"/>
+            <a:ext cx="533400" cy="253916"/>
+          </a:xfrm>
+          <a:prstGeom prst="rect">
+            <a:avLst/>
+          </a:prstGeom>
+          <a:noFill/>
+        </p:spPr>
+        <p:txBody>
+          <a:bodyPr wrap="square" rtlCol="0">
+            <a:spAutoFit/>
+          </a:bodyPr>
+          <a:lstStyle/>
+          <a:p>
+            <a:r>
+              <a:rPr lang="en-US" sz="1050" dirty="0"/>
+              <a:t>-0.04</a:t>
+            </a:r>
+          </a:p>
+        </p:txBody>
+      </p:sp>
+      <p:sp>
+        <p:nvSpPr>
+          <p:cNvPr id="22" name="TextBox 21">
+            <a:extLst>
+              <a:ext uri="{FF2B5EF4-FFF2-40B4-BE49-F238E27FC236}">
+                <a16:creationId xmlns:a16="http://schemas.microsoft.com/office/drawing/2014/main" id="{D34F2771-31FE-779B-C33A-7B83C8586708}"/>
+              </a:ext>
+            </a:extLst>
+          </p:cNvPr>
+          <p:cNvSpPr txBox="1"/>
+          <p:nvPr/>
+        </p:nvSpPr>
+        <p:spPr>
+          <a:xfrm>
+            <a:off x="3352800" y="3958590"/>
+            <a:ext cx="533400" cy="253916"/>
+          </a:xfrm>
+          <a:prstGeom prst="rect">
+            <a:avLst/>
+          </a:prstGeom>
+          <a:noFill/>
+        </p:spPr>
+        <p:txBody>
+          <a:bodyPr wrap="square" rtlCol="0">
+            <a:spAutoFit/>
+          </a:bodyPr>
+          <a:lstStyle/>
+          <a:p>
+            <a:r>
+              <a:rPr lang="en-US" sz="1050" dirty="0"/>
+              <a:t>-0.04</a:t>
+            </a:r>
+          </a:p>
+        </p:txBody>
+      </p:sp>
+      <p:sp>
+        <p:nvSpPr>
+          <p:cNvPr id="23" name="TextBox 22">
+            <a:extLst>
+              <a:ext uri="{FF2B5EF4-FFF2-40B4-BE49-F238E27FC236}">
+                <a16:creationId xmlns:a16="http://schemas.microsoft.com/office/drawing/2014/main" id="{EA2F734F-DC1C-10CA-A1E2-BDAA434243AE}"/>
+              </a:ext>
+            </a:extLst>
+          </p:cNvPr>
+          <p:cNvSpPr txBox="1"/>
+          <p:nvPr/>
+        </p:nvSpPr>
+        <p:spPr>
+          <a:xfrm>
+            <a:off x="3980246" y="3958590"/>
+            <a:ext cx="533400" cy="253916"/>
+          </a:xfrm>
+          <a:prstGeom prst="rect">
+            <a:avLst/>
+          </a:prstGeom>
+          <a:noFill/>
+        </p:spPr>
+        <p:txBody>
+          <a:bodyPr wrap="square" rtlCol="0">
+            <a:spAutoFit/>
+          </a:bodyPr>
+          <a:lstStyle/>
+          <a:p>
+            <a:r>
+              <a:rPr lang="en-US" sz="1050" dirty="0"/>
+              <a:t>-0.04</a:t>
+            </a:r>
+          </a:p>
+        </p:txBody>
+      </p:sp>
+      <p:sp>
+        <p:nvSpPr>
+          <p:cNvPr id="24" name="TextBox 23">
+            <a:extLst>
+              <a:ext uri="{FF2B5EF4-FFF2-40B4-BE49-F238E27FC236}">
+                <a16:creationId xmlns:a16="http://schemas.microsoft.com/office/drawing/2014/main" id="{56AF65A6-EAEE-1855-E522-73765B98CBD7}"/>
+              </a:ext>
+            </a:extLst>
+          </p:cNvPr>
+          <p:cNvSpPr txBox="1"/>
+          <p:nvPr/>
+        </p:nvSpPr>
+        <p:spPr>
+          <a:xfrm>
+            <a:off x="4607692" y="3942507"/>
+            <a:ext cx="533400" cy="253916"/>
+          </a:xfrm>
+          <a:prstGeom prst="rect">
+            <a:avLst/>
+          </a:prstGeom>
+          <a:noFill/>
+        </p:spPr>
+        <p:txBody>
+          <a:bodyPr wrap="square" rtlCol="0">
+            <a:spAutoFit/>
+          </a:bodyPr>
+          <a:lstStyle/>
+          <a:p>
+            <a:r>
+              <a:rPr lang="en-US" sz="1050" dirty="0"/>
+              <a:t>-0.04</a:t>
+            </a:r>
+          </a:p>
+        </p:txBody>
+      </p:sp>
     </p:spTree>
     <p:extLst>
       <p:ext uri="{BB962C8B-B14F-4D97-AF65-F5344CB8AC3E}">
@@ -11797,60 +12307,516 @@
             </p:nvSpPr>
             <p:spPr>
               <a:xfrm>
-                <a:off x="838200" y="1825625"/>
-                <a:ext cx="10515600" cy="3736975"/>
+                <a:off x="838200" y="1524001"/>
+                <a:ext cx="10515600" cy="4038600"/>
               </a:xfrm>
             </p:spPr>
             <p:txBody>
               <a:bodyPr>
-                <a:normAutofit fontScale="85000" lnSpcReduction="20000"/>
+                <a:normAutofit fontScale="62500" lnSpcReduction="20000"/>
               </a:bodyPr>
               <a:lstStyle/>
               <a:p>
                 <a:r>
                   <a:rPr lang="en-US" dirty="0"/>
-                  <a:t>The goal is to find an </a:t>
+                  <a:t>A policy</a:t>
                 </a:r>
                 <a:r>
                   <a:rPr lang="en-US" b="1" dirty="0"/>
-                  <a:t>optimal policy </a:t>
+                  <a:t> </a:t>
                 </a:r>
+                <a14:m>
+                  <m:oMath xmlns:m="http://schemas.openxmlformats.org/officeDocument/2006/math">
+                    <m:r>
+                      <a:rPr lang="en-US" b="1" i="1" smtClean="0">
+                        <a:latin typeface="Cambria Math" panose="02040503050406030204" pitchFamily="18" charset="0"/>
+                      </a:rPr>
+                      <m:t>𝝅</m:t>
+                    </m:r>
+                    <m:r>
+                      <a:rPr lang="en-US" b="0" i="1" smtClean="0">
+                        <a:latin typeface="Cambria Math" panose="02040503050406030204" pitchFamily="18" charset="0"/>
+                      </a:rPr>
+                      <m:t>=</m:t>
+                    </m:r>
+                    <m:d>
+                      <m:dPr>
+                        <m:begChr m:val="{"/>
+                        <m:endChr m:val="}"/>
+                        <m:ctrlPr>
+                          <a:rPr lang="en-US" b="0" i="1" smtClean="0">
+                            <a:latin typeface="Cambria Math" panose="02040503050406030204" pitchFamily="18" charset="0"/>
+                          </a:rPr>
+                        </m:ctrlPr>
+                      </m:dPr>
+                      <m:e>
+                        <m:r>
+                          <a:rPr lang="en-US" b="0" i="1" smtClean="0">
+                            <a:latin typeface="Cambria Math" panose="02040503050406030204" pitchFamily="18" charset="0"/>
+                          </a:rPr>
+                          <m:t>𝜋</m:t>
+                        </m:r>
+                        <m:d>
+                          <m:dPr>
+                            <m:ctrlPr>
+                              <a:rPr lang="en-US" b="0" i="1" smtClean="0">
+                                <a:latin typeface="Cambria Math" panose="02040503050406030204" pitchFamily="18" charset="0"/>
+                              </a:rPr>
+                            </m:ctrlPr>
+                          </m:dPr>
+                          <m:e>
+                            <m:sSub>
+                              <m:sSubPr>
+                                <m:ctrlPr>
+                                  <a:rPr lang="en-US" b="0" i="1" smtClean="0">
+                                    <a:latin typeface="Cambria Math" panose="02040503050406030204" pitchFamily="18" charset="0"/>
+                                  </a:rPr>
+                                </m:ctrlPr>
+                              </m:sSubPr>
+                              <m:e>
+                                <m:r>
+                                  <a:rPr lang="en-US" b="0" i="1" smtClean="0">
+                                    <a:latin typeface="Cambria Math" panose="02040503050406030204" pitchFamily="18" charset="0"/>
+                                  </a:rPr>
+                                  <m:t>𝑠</m:t>
+                                </m:r>
+                              </m:e>
+                              <m:sub>
+                                <m:r>
+                                  <a:rPr lang="en-US" b="0" i="1" smtClean="0">
+                                    <a:latin typeface="Cambria Math" panose="02040503050406030204" pitchFamily="18" charset="0"/>
+                                  </a:rPr>
+                                  <m:t>0</m:t>
+                                </m:r>
+                              </m:sub>
+                            </m:sSub>
+                          </m:e>
+                        </m:d>
+                        <m:r>
+                          <a:rPr lang="en-US" b="0" i="1" smtClean="0">
+                            <a:latin typeface="Cambria Math" panose="02040503050406030204" pitchFamily="18" charset="0"/>
+                          </a:rPr>
+                          <m:t>, </m:t>
+                        </m:r>
+                        <m:r>
+                          <a:rPr lang="en-US" b="0" i="1" smtClean="0">
+                            <a:latin typeface="Cambria Math" panose="02040503050406030204" pitchFamily="18" charset="0"/>
+                          </a:rPr>
+                          <m:t>𝜋</m:t>
+                        </m:r>
+                        <m:d>
+                          <m:dPr>
+                            <m:ctrlPr>
+                              <a:rPr lang="en-US" b="0" i="1" smtClean="0">
+                                <a:latin typeface="Cambria Math" panose="02040503050406030204" pitchFamily="18" charset="0"/>
+                              </a:rPr>
+                            </m:ctrlPr>
+                          </m:dPr>
+                          <m:e>
+                            <m:sSub>
+                              <m:sSubPr>
+                                <m:ctrlPr>
+                                  <a:rPr lang="en-US" b="0" i="1" smtClean="0">
+                                    <a:latin typeface="Cambria Math" panose="02040503050406030204" pitchFamily="18" charset="0"/>
+                                  </a:rPr>
+                                </m:ctrlPr>
+                              </m:sSubPr>
+                              <m:e>
+                                <m:r>
+                                  <a:rPr lang="en-US" b="0" i="1" smtClean="0">
+                                    <a:latin typeface="Cambria Math" panose="02040503050406030204" pitchFamily="18" charset="0"/>
+                                  </a:rPr>
+                                  <m:t>𝑠</m:t>
+                                </m:r>
+                              </m:e>
+                              <m:sub>
+                                <m:r>
+                                  <a:rPr lang="en-US" b="0" i="1" smtClean="0">
+                                    <a:latin typeface="Cambria Math" panose="02040503050406030204" pitchFamily="18" charset="0"/>
+                                  </a:rPr>
+                                  <m:t>1</m:t>
+                                </m:r>
+                              </m:sub>
+                            </m:sSub>
+                          </m:e>
+                        </m:d>
+                        <m:r>
+                          <a:rPr lang="en-US" b="0" i="1" smtClean="0">
+                            <a:latin typeface="Cambria Math" panose="02040503050406030204" pitchFamily="18" charset="0"/>
+                          </a:rPr>
+                          <m:t>, …</m:t>
+                        </m:r>
+                      </m:e>
+                    </m:d>
+                  </m:oMath>
+                </a14:m>
+                <a:r>
+                  <a:rPr lang="en-US" dirty="0"/>
+                  <a:t> defines for each state which action to take.</a:t>
+                </a:r>
+              </a:p>
+              <a:p>
+                <a:r>
+                  <a:rPr lang="en-US" dirty="0"/>
+                  <a:t>The expected utility of being in state </a:t>
+                </a:r>
+                <a14:m>
+                  <m:oMath xmlns:m="http://schemas.openxmlformats.org/officeDocument/2006/math">
+                    <m:sSub>
+                      <m:sSubPr>
+                        <m:ctrlPr>
+                          <a:rPr lang="en-US" b="0" i="1" smtClean="0">
+                            <a:latin typeface="Cambria Math" panose="02040503050406030204" pitchFamily="18" charset="0"/>
+                          </a:rPr>
+                        </m:ctrlPr>
+                      </m:sSubPr>
+                      <m:e>
+                        <m:r>
+                          <a:rPr lang="en-US" b="0" i="1" smtClean="0">
+                            <a:latin typeface="Cambria Math" panose="02040503050406030204" pitchFamily="18" charset="0"/>
+                          </a:rPr>
+                          <m:t>𝑠</m:t>
+                        </m:r>
+                      </m:e>
+                      <m:sub>
+                        <m:r>
+                          <a:rPr lang="en-US" b="0" i="1" smtClean="0">
+                            <a:latin typeface="Cambria Math" panose="02040503050406030204" pitchFamily="18" charset="0"/>
+                          </a:rPr>
+                          <m:t>0</m:t>
+                        </m:r>
+                      </m:sub>
+                    </m:sSub>
+                  </m:oMath>
+                </a14:m>
+                <a:r>
+                  <a:rPr lang="en-US" dirty="0"/>
+                  <a:t> under policy </a:t>
+                </a:r>
+                <a14:m>
+                  <m:oMath xmlns:m="http://schemas.openxmlformats.org/officeDocument/2006/math">
+                    <m:r>
+                      <a:rPr lang="en-US" b="0" i="1" smtClean="0">
+                        <a:latin typeface="Cambria Math" panose="02040503050406030204" pitchFamily="18" charset="0"/>
+                      </a:rPr>
+                      <m:t>𝜋</m:t>
+                    </m:r>
+                  </m:oMath>
+                </a14:m>
+                <a:r>
+                  <a:rPr lang="en-US" dirty="0"/>
+                  <a:t> can be calculated as the sum (</a:t>
+                </a:r>
+                <a14:m>
+                  <m:oMath xmlns:m="http://schemas.openxmlformats.org/officeDocument/2006/math">
+                    <m:r>
+                      <a:rPr lang="en-US" b="0" i="1" smtClean="0">
+                        <a:latin typeface="Cambria Math" panose="02040503050406030204" pitchFamily="18" charset="0"/>
+                      </a:rPr>
+                      <m:t>𝛾</m:t>
+                    </m:r>
+                  </m:oMath>
+                </a14:m>
+                <a:r>
+                  <a:rPr lang="en-US" dirty="0"/>
+                  <a:t> is a discounting factor).</a:t>
+                </a:r>
+                <a:br>
+                  <a:rPr lang="en-US" dirty="0"/>
+                </a:br>
+                <a:br>
+                  <a:rPr lang="en-US" dirty="0"/>
+                </a:br>
                 <a14:m>
                   <m:oMath xmlns:m="http://schemas.openxmlformats.org/officeDocument/2006/math">
                     <m:sSup>
                       <m:sSupPr>
                         <m:ctrlPr>
-                          <a:rPr lang="en-US" b="1" i="1" smtClean="0">
+                          <a:rPr lang="en-US" i="1">
                             <a:latin typeface="Cambria Math" panose="02040503050406030204" pitchFamily="18" charset="0"/>
                           </a:rPr>
                         </m:ctrlPr>
                       </m:sSupPr>
                       <m:e>
                         <m:r>
-                          <a:rPr lang="en-US" b="1" i="1" smtClean="0">
+                          <a:rPr lang="en-US" i="1">
                             <a:latin typeface="Cambria Math" panose="02040503050406030204" pitchFamily="18" charset="0"/>
                           </a:rPr>
-                          <m:t>𝝅</m:t>
+                          <m:t>𝑈</m:t>
                         </m:r>
                       </m:e>
                       <m:sup>
                         <m:r>
-                          <a:rPr lang="en-US" b="1" i="1" smtClean="0">
+                          <a:rPr lang="en-US" i="1">
                             <a:latin typeface="Cambria Math" panose="02040503050406030204" pitchFamily="18" charset="0"/>
                           </a:rPr>
-                          <m:t>∗</m:t>
+                          <m:t>𝜋</m:t>
                         </m:r>
                       </m:sup>
                     </m:sSup>
+                    <m:d>
+                      <m:dPr>
+                        <m:ctrlPr>
+                          <a:rPr lang="en-US" i="1">
+                            <a:latin typeface="Cambria Math" panose="02040503050406030204" pitchFamily="18" charset="0"/>
+                          </a:rPr>
+                        </m:ctrlPr>
+                      </m:dPr>
+                      <m:e>
+                        <m:sSub>
+                          <m:sSubPr>
+                            <m:ctrlPr>
+                              <a:rPr lang="en-US" b="0" i="1" smtClean="0">
+                                <a:latin typeface="Cambria Math" panose="02040503050406030204" pitchFamily="18" charset="0"/>
+                              </a:rPr>
+                            </m:ctrlPr>
+                          </m:sSubPr>
+                          <m:e>
+                            <m:r>
+                              <a:rPr lang="en-US" i="1">
+                                <a:latin typeface="Cambria Math" panose="02040503050406030204" pitchFamily="18" charset="0"/>
+                              </a:rPr>
+                              <m:t>𝑠</m:t>
+                            </m:r>
+                          </m:e>
+                          <m:sub>
+                            <m:r>
+                              <a:rPr lang="en-US" b="0" i="1" smtClean="0">
+                                <a:latin typeface="Cambria Math" panose="02040503050406030204" pitchFamily="18" charset="0"/>
+                              </a:rPr>
+                              <m:t>0</m:t>
+                            </m:r>
+                          </m:sub>
+                        </m:sSub>
+                      </m:e>
+                    </m:d>
+                    <m:r>
+                      <a:rPr lang="en-US" i="1">
+                        <a:latin typeface="Cambria Math" panose="02040503050406030204" pitchFamily="18" charset="0"/>
+                      </a:rPr>
+                      <m:t>=</m:t>
+                    </m:r>
+                    <m:sSub>
+                      <m:sSubPr>
+                        <m:ctrlPr>
+                          <a:rPr lang="en-US" i="1">
+                            <a:latin typeface="Cambria Math" panose="02040503050406030204" pitchFamily="18" charset="0"/>
+                          </a:rPr>
+                        </m:ctrlPr>
+                      </m:sSubPr>
+                      <m:e>
+                        <m:r>
+                          <a:rPr lang="en-US" i="1">
+                            <a:latin typeface="Cambria Math" panose="02040503050406030204" pitchFamily="18" charset="0"/>
+                          </a:rPr>
+                          <m:t>𝐸</m:t>
+                        </m:r>
+                      </m:e>
+                      <m:sub>
+                        <m:r>
+                          <a:rPr lang="en-US" i="1">
+                            <a:latin typeface="Cambria Math" panose="02040503050406030204" pitchFamily="18" charset="0"/>
+                          </a:rPr>
+                          <m:t>𝜋</m:t>
+                        </m:r>
+                      </m:sub>
+                    </m:sSub>
+                    <m:d>
+                      <m:dPr>
+                        <m:begChr m:val="["/>
+                        <m:endChr m:val="]"/>
+                        <m:ctrlPr>
+                          <a:rPr lang="en-US" i="1">
+                            <a:latin typeface="Cambria Math" panose="02040503050406030204" pitchFamily="18" charset="0"/>
+                          </a:rPr>
+                        </m:ctrlPr>
+                      </m:dPr>
+                      <m:e>
+                        <m:nary>
+                          <m:naryPr>
+                            <m:chr m:val="∑"/>
+                            <m:ctrlPr>
+                              <a:rPr lang="en-US" i="1">
+                                <a:latin typeface="Cambria Math" panose="02040503050406030204" pitchFamily="18" charset="0"/>
+                              </a:rPr>
+                            </m:ctrlPr>
+                          </m:naryPr>
+                          <m:sub>
+                            <m:r>
+                              <m:rPr>
+                                <m:brk m:alnAt="23"/>
+                              </m:rPr>
+                              <a:rPr lang="en-US" i="1">
+                                <a:latin typeface="Cambria Math" panose="02040503050406030204" pitchFamily="18" charset="0"/>
+                              </a:rPr>
+                              <m:t>𝑡</m:t>
+                            </m:r>
+                            <m:r>
+                              <a:rPr lang="en-US" i="1">
+                                <a:latin typeface="Cambria Math" panose="02040503050406030204" pitchFamily="18" charset="0"/>
+                              </a:rPr>
+                              <m:t>=0</m:t>
+                            </m:r>
+                          </m:sub>
+                          <m:sup>
+                            <m:r>
+                              <a:rPr lang="en-US" i="1">
+                                <a:latin typeface="Cambria Math" panose="02040503050406030204" pitchFamily="18" charset="0"/>
+                              </a:rPr>
+                              <m:t>∞</m:t>
+                            </m:r>
+                          </m:sup>
+                          <m:e>
+                            <m:sSup>
+                              <m:sSupPr>
+                                <m:ctrlPr>
+                                  <a:rPr lang="en-US" i="1">
+                                    <a:latin typeface="Cambria Math" panose="02040503050406030204" pitchFamily="18" charset="0"/>
+                                  </a:rPr>
+                                </m:ctrlPr>
+                              </m:sSupPr>
+                              <m:e>
+                                <m:r>
+                                  <a:rPr lang="en-US" i="1">
+                                    <a:latin typeface="Cambria Math" panose="02040503050406030204" pitchFamily="18" charset="0"/>
+                                  </a:rPr>
+                                  <m:t>𝛾</m:t>
+                                </m:r>
+                              </m:e>
+                              <m:sup>
+                                <m:r>
+                                  <a:rPr lang="en-US" i="1">
+                                    <a:latin typeface="Cambria Math" panose="02040503050406030204" pitchFamily="18" charset="0"/>
+                                  </a:rPr>
+                                  <m:t>𝑡</m:t>
+                                </m:r>
+                              </m:sup>
+                            </m:sSup>
+                            <m:r>
+                              <a:rPr lang="en-US" i="1">
+                                <a:latin typeface="Cambria Math" panose="02040503050406030204" pitchFamily="18" charset="0"/>
+                              </a:rPr>
+                              <m:t>𝑅</m:t>
+                            </m:r>
+                            <m:r>
+                              <a:rPr lang="en-US" i="1">
+                                <a:latin typeface="Cambria Math" panose="02040503050406030204" pitchFamily="18" charset="0"/>
+                              </a:rPr>
+                              <m:t>(</m:t>
+                            </m:r>
+                            <m:sSub>
+                              <m:sSubPr>
+                                <m:ctrlPr>
+                                  <a:rPr lang="en-US" i="1">
+                                    <a:latin typeface="Cambria Math" panose="02040503050406030204" pitchFamily="18" charset="0"/>
+                                  </a:rPr>
+                                </m:ctrlPr>
+                              </m:sSubPr>
+                              <m:e>
+                                <m:r>
+                                  <a:rPr lang="en-US" i="1">
+                                    <a:latin typeface="Cambria Math" panose="02040503050406030204" pitchFamily="18" charset="0"/>
+                                  </a:rPr>
+                                  <m:t>𝑠</m:t>
+                                </m:r>
+                              </m:e>
+                              <m:sub>
+                                <m:r>
+                                  <a:rPr lang="en-US" i="1">
+                                    <a:latin typeface="Cambria Math" panose="02040503050406030204" pitchFamily="18" charset="0"/>
+                                  </a:rPr>
+                                  <m:t>𝑡</m:t>
+                                </m:r>
+                              </m:sub>
+                            </m:sSub>
+                            <m:r>
+                              <a:rPr lang="en-US" i="1">
+                                <a:latin typeface="Cambria Math" panose="02040503050406030204" pitchFamily="18" charset="0"/>
+                              </a:rPr>
+                              <m:t>)</m:t>
+                            </m:r>
+                          </m:e>
+                        </m:nary>
+                        <m:r>
+                          <a:rPr lang="en-US" i="1">
+                            <a:latin typeface="Cambria Math" panose="02040503050406030204" pitchFamily="18" charset="0"/>
+                          </a:rPr>
+                          <m:t>|</m:t>
+                        </m:r>
+                        <m:sSub>
+                          <m:sSubPr>
+                            <m:ctrlPr>
+                              <a:rPr lang="en-US" i="1">
+                                <a:latin typeface="Cambria Math" panose="02040503050406030204" pitchFamily="18" charset="0"/>
+                              </a:rPr>
+                            </m:ctrlPr>
+                          </m:sSubPr>
+                          <m:e>
+                            <m:r>
+                              <a:rPr lang="en-US" i="1">
+                                <a:latin typeface="Cambria Math" panose="02040503050406030204" pitchFamily="18" charset="0"/>
+                              </a:rPr>
+                              <m:t>𝑠</m:t>
+                            </m:r>
+                          </m:e>
+                          <m:sub>
+                            <m:r>
+                              <a:rPr lang="en-US" b="0" i="1" smtClean="0">
+                                <a:latin typeface="Cambria Math" panose="02040503050406030204" pitchFamily="18" charset="0"/>
+                              </a:rPr>
+                              <m:t>0</m:t>
+                            </m:r>
+                          </m:sub>
+                        </m:sSub>
+                        <m:r>
+                          <a:rPr lang="en-US" i="1">
+                            <a:latin typeface="Cambria Math" panose="02040503050406030204" pitchFamily="18" charset="0"/>
+                          </a:rPr>
+                          <m:t>=</m:t>
+                        </m:r>
+                        <m:r>
+                          <a:rPr lang="en-US" i="1">
+                            <a:latin typeface="Cambria Math" panose="02040503050406030204" pitchFamily="18" charset="0"/>
+                          </a:rPr>
+                          <m:t>𝑠</m:t>
+                        </m:r>
+                      </m:e>
+                    </m:d>
+                  </m:oMath>
+                </a14:m>
+                <a:endParaRPr lang="en-US" dirty="0"/>
+              </a:p>
+              <a:p>
+                <a:pPr marL="0" indent="0">
+                  <a:buNone/>
+                </a:pPr>
+                <a:endParaRPr lang="en-US" dirty="0"/>
+              </a:p>
+              <a:p>
+                <a:r>
+                  <a:rPr lang="en-US" dirty="0"/>
+                  <a:t>The goal of solving a MDP is to find an optimal policy </a:t>
+                </a:r>
+                <a14:m>
+                  <m:oMath xmlns:m="http://schemas.openxmlformats.org/officeDocument/2006/math">
+                    <m:r>
+                      <a:rPr lang="en-US" b="1" i="1">
+                        <a:latin typeface="Cambria Math" panose="02040503050406030204" pitchFamily="18" charset="0"/>
+                      </a:rPr>
+                      <m:t>𝝅</m:t>
+                    </m:r>
                   </m:oMath>
                 </a14:m>
                 <a:r>
-                  <a:rPr lang="en-US" b="1" dirty="0"/>
-                  <a:t> </a:t>
+                  <a:rPr lang="en-US" dirty="0"/>
+                  <a:t> that maximizes the expected future utility for each state</a:t>
                 </a:r>
+                <a:br>
+                  <a:rPr lang="en-US" dirty="0"/>
+                </a:br>
                 <a:r>
                   <a:rPr lang="en-US" dirty="0"/>
-                  <a:t>(a plan) that prescribes for each state the optimal action </a:t>
+                  <a:t>			</a:t>
                 </a:r>
                 <a14:m>
                   <m:oMath xmlns:m="http://schemas.openxmlformats.org/officeDocument/2006/math">
@@ -11896,230 +12862,93 @@
                         </m:r>
                       </m:e>
                     </m:d>
-                  </m:oMath>
-                </a14:m>
-                <a:r>
-                  <a:rPr lang="en-US" b="1" dirty="0"/>
-                  <a:t> </a:t>
-                </a:r>
-                <a:r>
-                  <a:rPr lang="en-US" dirty="0"/>
-                  <a:t>to maximize the expected utility over time. The policy is later executed by a simple reflex agent.</a:t>
-                </a:r>
-              </a:p>
-              <a:p>
-                <a:endParaRPr lang="en-US" dirty="0"/>
-              </a:p>
-              <a:p>
-                <a:r>
-                  <a:rPr lang="en-US" dirty="0"/>
-                  <a:t>Expected value of a state: </a:t>
-                </a:r>
-                <a14:m>
-                  <m:oMath xmlns:m="http://schemas.openxmlformats.org/officeDocument/2006/math">
-                    <m:sSup>
-                      <m:sSupPr>
+                    <m:r>
+                      <a:rPr lang="en-US" b="0" i="0" smtClean="0">
+                        <a:latin typeface="Cambria Math" panose="02040503050406030204" pitchFamily="18" charset="0"/>
+                      </a:rPr>
+                      <m:t>=</m:t>
+                    </m:r>
+                    <m:func>
+                      <m:funcPr>
                         <m:ctrlPr>
                           <a:rPr lang="en-US" b="0" i="1" smtClean="0">
                             <a:latin typeface="Cambria Math" panose="02040503050406030204" pitchFamily="18" charset="0"/>
                           </a:rPr>
                         </m:ctrlPr>
-                      </m:sSupPr>
-                      <m:e>
-                        <m:r>
-                          <a:rPr lang="en-US" b="0" i="1" smtClean="0">
-                            <a:latin typeface="Cambria Math" panose="02040503050406030204" pitchFamily="18" charset="0"/>
-                          </a:rPr>
-                          <m:t>𝑈</m:t>
-                        </m:r>
-                      </m:e>
-                      <m:sup>
-                        <m:r>
-                          <a:rPr lang="en-US" b="0" i="1" smtClean="0">
-                            <a:latin typeface="Cambria Math" panose="02040503050406030204" pitchFamily="18" charset="0"/>
-                          </a:rPr>
-                          <m:t>𝜋</m:t>
-                        </m:r>
-                      </m:sup>
-                    </m:sSup>
-                    <m:d>
-                      <m:dPr>
-                        <m:ctrlPr>
-                          <a:rPr lang="en-US" b="0" i="1" smtClean="0">
-                            <a:latin typeface="Cambria Math" panose="02040503050406030204" pitchFamily="18" charset="0"/>
-                          </a:rPr>
-                        </m:ctrlPr>
-                      </m:dPr>
-                      <m:e>
-                        <m:r>
-                          <a:rPr lang="en-US" b="0" i="1" smtClean="0">
-                            <a:latin typeface="Cambria Math" panose="02040503050406030204" pitchFamily="18" charset="0"/>
-                          </a:rPr>
-                          <m:t>𝑠</m:t>
-                        </m:r>
-                      </m:e>
-                    </m:d>
-                    <m:r>
-                      <a:rPr lang="en-US" b="0" i="1" smtClean="0">
-                        <a:latin typeface="Cambria Math" panose="02040503050406030204" pitchFamily="18" charset="0"/>
-                      </a:rPr>
-                      <m:t>=</m:t>
-                    </m:r>
-                    <m:sSub>
-                      <m:sSubPr>
-                        <m:ctrlPr>
-                          <a:rPr lang="en-US" b="0" i="1" smtClean="0">
-                            <a:latin typeface="Cambria Math" panose="02040503050406030204" pitchFamily="18" charset="0"/>
-                          </a:rPr>
-                        </m:ctrlPr>
-                      </m:sSubPr>
-                      <m:e>
-                        <m:r>
-                          <a:rPr lang="en-US" b="0" i="1" smtClean="0">
-                            <a:latin typeface="Cambria Math" panose="02040503050406030204" pitchFamily="18" charset="0"/>
-                          </a:rPr>
-                          <m:t>𝐸</m:t>
-                        </m:r>
-                      </m:e>
-                      <m:sub>
-                        <m:r>
-                          <a:rPr lang="en-US" b="0" i="1" smtClean="0">
-                            <a:latin typeface="Cambria Math" panose="02040503050406030204" pitchFamily="18" charset="0"/>
-                          </a:rPr>
-                          <m:t>𝜋</m:t>
-                        </m:r>
-                      </m:sub>
-                    </m:sSub>
-                    <m:d>
-                      <m:dPr>
-                        <m:begChr m:val="["/>
-                        <m:endChr m:val="]"/>
-                        <m:ctrlPr>
-                          <a:rPr lang="en-US" b="0" i="1" smtClean="0">
-                            <a:latin typeface="Cambria Math" panose="02040503050406030204" pitchFamily="18" charset="0"/>
-                          </a:rPr>
-                        </m:ctrlPr>
-                      </m:dPr>
-                      <m:e>
-                        <m:nary>
-                          <m:naryPr>
-                            <m:chr m:val="∑"/>
+                      </m:funcPr>
+                      <m:fName>
+                        <m:limLow>
+                          <m:limLowPr>
                             <m:ctrlPr>
                               <a:rPr lang="en-US" b="0" i="1" smtClean="0">
                                 <a:latin typeface="Cambria Math" panose="02040503050406030204" pitchFamily="18" charset="0"/>
                               </a:rPr>
                             </m:ctrlPr>
-                          </m:naryPr>
-                          <m:sub>
+                          </m:limLowPr>
+                          <m:e>
                             <m:r>
                               <m:rPr>
-                                <m:brk m:alnAt="23"/>
+                                <m:sty m:val="p"/>
                               </m:rPr>
-                              <a:rPr lang="en-US" b="0" i="1" smtClean="0">
+                              <a:rPr lang="en-US" b="0" i="0" smtClean="0">
                                 <a:latin typeface="Cambria Math" panose="02040503050406030204" pitchFamily="18" charset="0"/>
                               </a:rPr>
-                              <m:t>𝑡</m:t>
+                              <m:t>arg</m:t>
                             </m:r>
+                            <m:r>
+                              <m:rPr>
+                                <m:sty m:val="p"/>
+                              </m:rPr>
+                              <a:rPr lang="en-US" b="0" i="0" smtClean="0">
+                                <a:latin typeface="Cambria Math" panose="02040503050406030204" pitchFamily="18" charset="0"/>
+                              </a:rPr>
+                              <m:t>max</m:t>
+                            </m:r>
+                          </m:e>
+                          <m:lim>
                             <m:r>
                               <a:rPr lang="en-US" b="0" i="1" smtClean="0">
                                 <a:latin typeface="Cambria Math" panose="02040503050406030204" pitchFamily="18" charset="0"/>
                               </a:rPr>
-                              <m:t>=0</m:t>
+                              <m:t>𝜋</m:t>
                             </m:r>
-                          </m:sub>
+                          </m:lim>
+                        </m:limLow>
+                      </m:fName>
+                      <m:e>
+                        <m:sSup>
+                          <m:sSupPr>
+                            <m:ctrlPr>
+                              <a:rPr lang="en-US" b="0" i="1" smtClean="0">
+                                <a:latin typeface="Cambria Math" panose="02040503050406030204" pitchFamily="18" charset="0"/>
+                              </a:rPr>
+                            </m:ctrlPr>
+                          </m:sSupPr>
+                          <m:e>
+                            <m:r>
+                              <a:rPr lang="en-US" b="0" i="1" smtClean="0">
+                                <a:latin typeface="Cambria Math" panose="02040503050406030204" pitchFamily="18" charset="0"/>
+                              </a:rPr>
+                              <m:t>𝑈</m:t>
+                            </m:r>
+                          </m:e>
                           <m:sup>
                             <m:r>
                               <a:rPr lang="en-US" b="0" i="1" smtClean="0">
                                 <a:latin typeface="Cambria Math" panose="02040503050406030204" pitchFamily="18" charset="0"/>
                               </a:rPr>
-                              <m:t>∞</m:t>
+                              <m:t>𝜋</m:t>
                             </m:r>
                           </m:sup>
-                          <m:e>
-                            <m:sSup>
-                              <m:sSupPr>
-                                <m:ctrlPr>
-                                  <a:rPr lang="en-US" b="0" i="1" smtClean="0">
-                                    <a:latin typeface="Cambria Math" panose="02040503050406030204" pitchFamily="18" charset="0"/>
-                                  </a:rPr>
-                                </m:ctrlPr>
-                              </m:sSupPr>
-                              <m:e>
-                                <m:r>
-                                  <a:rPr lang="en-US" b="0" i="1" smtClean="0">
-                                    <a:latin typeface="Cambria Math" panose="02040503050406030204" pitchFamily="18" charset="0"/>
-                                  </a:rPr>
-                                  <m:t>𝛾</m:t>
-                                </m:r>
-                              </m:e>
-                              <m:sup>
-                                <m:r>
-                                  <a:rPr lang="en-US" b="0" i="1" smtClean="0">
-                                    <a:latin typeface="Cambria Math" panose="02040503050406030204" pitchFamily="18" charset="0"/>
-                                  </a:rPr>
-                                  <m:t>𝑡</m:t>
-                                </m:r>
-                              </m:sup>
-                            </m:sSup>
-                            <m:r>
-                              <a:rPr lang="en-US" b="0" i="1" smtClean="0">
-                                <a:latin typeface="Cambria Math" panose="02040503050406030204" pitchFamily="18" charset="0"/>
-                              </a:rPr>
-                              <m:t>𝑅</m:t>
-                            </m:r>
-                            <m:r>
-                              <a:rPr lang="en-US" b="0" i="1" smtClean="0">
-                                <a:latin typeface="Cambria Math" panose="02040503050406030204" pitchFamily="18" charset="0"/>
-                              </a:rPr>
-                              <m:t>(</m:t>
-                            </m:r>
-                            <m:sSub>
-                              <m:sSubPr>
-                                <m:ctrlPr>
-                                  <a:rPr lang="en-US" b="0" i="1" smtClean="0">
-                                    <a:latin typeface="Cambria Math" panose="02040503050406030204" pitchFamily="18" charset="0"/>
-                                  </a:rPr>
-                                </m:ctrlPr>
-                              </m:sSubPr>
-                              <m:e>
-                                <m:r>
-                                  <a:rPr lang="en-US" b="0" i="1" smtClean="0">
-                                    <a:latin typeface="Cambria Math" panose="02040503050406030204" pitchFamily="18" charset="0"/>
-                                  </a:rPr>
-                                  <m:t>𝑠</m:t>
-                                </m:r>
-                              </m:e>
-                              <m:sub>
-                                <m:r>
-                                  <a:rPr lang="en-US" b="0" i="1" smtClean="0">
-                                    <a:latin typeface="Cambria Math" panose="02040503050406030204" pitchFamily="18" charset="0"/>
-                                  </a:rPr>
-                                  <m:t>𝑡</m:t>
-                                </m:r>
-                              </m:sub>
-                            </m:sSub>
-                            <m:r>
-                              <a:rPr lang="en-US" b="0" i="1" smtClean="0">
-                                <a:latin typeface="Cambria Math" panose="02040503050406030204" pitchFamily="18" charset="0"/>
-                              </a:rPr>
-                              <m:t>)</m:t>
-                            </m:r>
-                          </m:e>
-                        </m:nary>
-                        <m:r>
-                          <a:rPr lang="en-US" b="0" i="1" smtClean="0">
-                            <a:latin typeface="Cambria Math" panose="02040503050406030204" pitchFamily="18" charset="0"/>
-                          </a:rPr>
-                          <m:t>|</m:t>
-                        </m:r>
-                        <m:sSub>
-                          <m:sSubPr>
+                        </m:sSup>
+                        <m:d>
+                          <m:dPr>
                             <m:ctrlPr>
                               <a:rPr lang="en-US" b="0" i="1" smtClean="0">
                                 <a:latin typeface="Cambria Math" panose="02040503050406030204" pitchFamily="18" charset="0"/>
                               </a:rPr>
                             </m:ctrlPr>
-                          </m:sSubPr>
+                          </m:dPr>
                           <m:e>
                             <m:r>
                               <a:rPr lang="en-US" b="0" i="1" smtClean="0">
@@ -12128,53 +12957,55 @@
                               <m:t>𝑠</m:t>
                             </m:r>
                           </m:e>
-                          <m:sub>
-                            <m:r>
-                              <a:rPr lang="en-US" b="0" i="1" smtClean="0">
-                                <a:latin typeface="Cambria Math" panose="02040503050406030204" pitchFamily="18" charset="0"/>
-                              </a:rPr>
-                              <m:t>𝑜</m:t>
-                            </m:r>
-                          </m:sub>
-                        </m:sSub>
-                        <m:r>
-                          <a:rPr lang="en-US" b="0" i="1" smtClean="0">
-                            <a:latin typeface="Cambria Math" panose="02040503050406030204" pitchFamily="18" charset="0"/>
-                          </a:rPr>
-                          <m:t>=</m:t>
-                        </m:r>
-                        <m:r>
-                          <a:rPr lang="en-US" b="0" i="1" smtClean="0">
-                            <a:latin typeface="Cambria Math" panose="02040503050406030204" pitchFamily="18" charset="0"/>
-                          </a:rPr>
-                          <m:t>𝑠</m:t>
-                        </m:r>
+                        </m:d>
                       </m:e>
-                    </m:d>
+                    </m:func>
                   </m:oMath>
                 </a14:m>
                 <a:r>
                   <a:rPr lang="en-US" dirty="0"/>
-                  <a:t>. </a:t>
+                  <a:t> for all </a:t>
                 </a:r>
-                <a:br>
-                  <a:rPr lang="en-US" dirty="0"/>
-                </a:br>
-                <a:r>
-                  <a:rPr lang="en-US" dirty="0"/>
-                  <a:t>The expectation is taken over all state sequences determined by the policy.</a:t>
-                </a:r>
+                <a14:m>
+                  <m:oMath xmlns:m="http://schemas.openxmlformats.org/officeDocument/2006/math">
+                    <m:r>
+                      <a:rPr lang="en-US" b="0" i="1" smtClean="0">
+                        <a:latin typeface="Cambria Math" panose="02040503050406030204" pitchFamily="18" charset="0"/>
+                      </a:rPr>
+                      <m:t>𝑠</m:t>
+                    </m:r>
+                    <m:r>
+                      <a:rPr lang="en-US" b="0" i="1" smtClean="0">
+                        <a:latin typeface="Cambria Math" panose="02040503050406030204" pitchFamily="18" charset="0"/>
+                      </a:rPr>
+                      <m:t>∈</m:t>
+                    </m:r>
+                    <m:r>
+                      <m:rPr>
+                        <m:sty m:val="p"/>
+                      </m:rPr>
+                      <a:rPr lang="en-US" b="0" i="1" smtClean="0">
+                        <a:latin typeface="Cambria Math" panose="02040503050406030204" pitchFamily="18" charset="0"/>
+                      </a:rPr>
+                      <m:t>S</m:t>
+                    </m:r>
+                    <m:r>
+                      <a:rPr lang="en-US" b="0" i="1" smtClean="0">
+                        <a:latin typeface="Cambria Math" panose="02040503050406030204" pitchFamily="18" charset="0"/>
+                      </a:rPr>
+                      <m:t> </m:t>
+                    </m:r>
+                  </m:oMath>
+                </a14:m>
+                <a:endParaRPr lang="en-US" dirty="0"/>
               </a:p>
               <a:p>
-                <a:pPr marL="457200" lvl="1" indent="0">
-                  <a:buNone/>
-                </a:pPr>
                 <a:endParaRPr lang="en-US" dirty="0"/>
               </a:p>
               <a:p>
                 <a:r>
                   <a:rPr lang="en-US" dirty="0"/>
-                  <a:t>The </a:t>
+                  <a:t>The recursive </a:t>
                 </a:r>
                 <a:r>
                   <a:rPr lang="en-US" b="1" dirty="0"/>
@@ -12549,34 +13380,6 @@
                 <a:endParaRPr lang="en-US" dirty="0"/>
               </a:p>
               <a:p>
-                <a:pPr marL="0" indent="0">
-                  <a:buNone/>
-                </a:pPr>
-                <a:endParaRPr lang="en-US" dirty="0"/>
-              </a:p>
-              <a:p>
-                <a:pPr marL="0" indent="0">
-                  <a:buNone/>
-                </a:pPr>
-                <a:endParaRPr lang="en-US" b="0" i="1" dirty="0">
-                  <a:latin typeface="Cambria Math" panose="02040503050406030204" pitchFamily="18" charset="0"/>
-                </a:endParaRPr>
-              </a:p>
-              <a:p>
-                <a:pPr marL="0" indent="0">
-                  <a:buNone/>
-                </a:pPr>
-                <a:endParaRPr lang="en-US" b="0" i="1" dirty="0">
-                  <a:latin typeface="Cambria Math" panose="02040503050406030204" pitchFamily="18" charset="0"/>
-                </a:endParaRPr>
-              </a:p>
-              <a:p>
-                <a:pPr marL="0" indent="0">
-                  <a:buNone/>
-                </a:pPr>
-                <a:endParaRPr lang="en-US" dirty="0"/>
-              </a:p>
-              <a:p>
                 <a:endParaRPr lang="en-US" dirty="0"/>
               </a:p>
               <a:p>
@@ -12604,13 +13407,147 @@
             </p:nvSpPr>
             <p:spPr>
               <a:xfrm>
-                <a:off x="838200" y="1825625"/>
-                <a:ext cx="10515600" cy="3736975"/>
+                <a:off x="838200" y="1524001"/>
+                <a:ext cx="10515600" cy="4038600"/>
               </a:xfrm>
               <a:blipFill>
                 <a:blip r:embed="rId3"/>
                 <a:stretch>
-                  <a:fillRect l="-812" t="-3746" r="-290"/>
+                  <a:fillRect l="-406" t="-3922"/>
+                </a:stretch>
+              </a:blipFill>
+            </p:spPr>
+            <p:txBody>
+              <a:bodyPr/>
+              <a:lstStyle/>
+              <a:p>
+                <a:r>
+                  <a:rPr lang="en-US">
+                    <a:noFill/>
+                  </a:rPr>
+                  <a:t> </a:t>
+                </a:r>
+              </a:p>
+            </p:txBody>
+          </p:sp>
+        </mc:Fallback>
+      </mc:AlternateContent>
+      <mc:AlternateContent xmlns:mc="http://schemas.openxmlformats.org/markup-compatibility/2006">
+        <mc:Choice xmlns:a14="http://schemas.microsoft.com/office/drawing/2010/main" Requires="a14">
+          <p:sp>
+            <p:nvSpPr>
+              <p:cNvPr id="4" name="Speech Bubble: Rectangle with Corners Rounded 3">
+                <a:extLst>
+                  <a:ext uri="{FF2B5EF4-FFF2-40B4-BE49-F238E27FC236}">
+                    <a16:creationId xmlns:a16="http://schemas.microsoft.com/office/drawing/2014/main" id="{A26210CC-9E29-9A04-E6E5-11C82105BE20}"/>
+                  </a:ext>
+                </a:extLst>
+              </p:cNvPr>
+              <p:cNvSpPr/>
+              <p:nvPr/>
+            </p:nvSpPr>
+            <p:spPr>
+              <a:xfrm>
+                <a:off x="4709156" y="5640388"/>
+                <a:ext cx="1249689" cy="700087"/>
+              </a:xfrm>
+              <a:prstGeom prst="wedgeRoundRectCallout">
+                <a:avLst>
+                  <a:gd name="adj1" fmla="val 46502"/>
+                  <a:gd name="adj2" fmla="val -105241"/>
+                  <a:gd name="adj3" fmla="val 16667"/>
+                </a:avLst>
+              </a:prstGeom>
+            </p:spPr>
+            <p:style>
+              <a:lnRef idx="2">
+                <a:schemeClr val="accent1">
+                  <a:shade val="15000"/>
+                </a:schemeClr>
+              </a:lnRef>
+              <a:fillRef idx="1">
+                <a:schemeClr val="accent1"/>
+              </a:fillRef>
+              <a:effectRef idx="0">
+                <a:schemeClr val="accent1"/>
+              </a:effectRef>
+              <a:fontRef idx="minor">
+                <a:schemeClr val="lt1"/>
+              </a:fontRef>
+            </p:style>
+            <p:txBody>
+              <a:bodyPr rtlCol="0" anchor="ctr"/>
+              <a:lstStyle/>
+              <a:p>
+                <a:pPr algn="ctr"/>
+                <a14:m>
+                  <m:oMath xmlns:m="http://schemas.openxmlformats.org/officeDocument/2006/math">
+                    <m:sSup>
+                      <m:sSupPr>
+                        <m:ctrlPr>
+                          <a:rPr lang="en-US" sz="1600" b="0" i="1" smtClean="0">
+                            <a:latin typeface="Cambria Math" panose="02040503050406030204" pitchFamily="18" charset="0"/>
+                          </a:rPr>
+                        </m:ctrlPr>
+                      </m:sSupPr>
+                      <m:e>
+                        <m:r>
+                          <a:rPr lang="en-US" sz="1600" b="0" i="1" smtClean="0">
+                            <a:latin typeface="Cambria Math" panose="02040503050406030204" pitchFamily="18" charset="0"/>
+                          </a:rPr>
+                          <m:t>𝜋</m:t>
+                        </m:r>
+                      </m:e>
+                      <m:sup>
+                        <m:r>
+                          <a:rPr lang="en-US" sz="1600" b="0" i="1" smtClean="0">
+                            <a:latin typeface="Cambria Math" panose="02040503050406030204" pitchFamily="18" charset="0"/>
+                          </a:rPr>
+                          <m:t>∗</m:t>
+                        </m:r>
+                      </m:sup>
+                    </m:sSup>
+                  </m:oMath>
+                </a14:m>
+                <a:r>
+                  <a:rPr lang="en-US" sz="1600" dirty="0"/>
+                  <a:t> uses the best action</a:t>
+                </a:r>
+              </a:p>
+            </p:txBody>
+          </p:sp>
+        </mc:Choice>
+        <mc:Fallback>
+          <p:sp>
+            <p:nvSpPr>
+              <p:cNvPr id="4" name="Speech Bubble: Rectangle with Corners Rounded 3">
+                <a:extLst>
+                  <a:ext uri="{FF2B5EF4-FFF2-40B4-BE49-F238E27FC236}">
+                    <a16:creationId xmlns:a16="http://schemas.microsoft.com/office/drawing/2014/main" id="{A26210CC-9E29-9A04-E6E5-11C82105BE20}"/>
+                  </a:ext>
+                </a:extLst>
+              </p:cNvPr>
+              <p:cNvSpPr>
+                <a:spLocks noRot="1" noChangeAspect="1" noMove="1" noResize="1" noEditPoints="1" noAdjustHandles="1" noChangeArrowheads="1" noChangeShapeType="1" noTextEdit="1"/>
+              </p:cNvSpPr>
+              <p:nvPr/>
+            </p:nvSpPr>
+            <p:spPr>
+              <a:xfrm>
+                <a:off x="4709156" y="5640388"/>
+                <a:ext cx="1249689" cy="700087"/>
+              </a:xfrm>
+              <a:prstGeom prst="wedgeRoundRectCallout">
+                <a:avLst>
+                  <a:gd name="adj1" fmla="val 46502"/>
+                  <a:gd name="adj2" fmla="val -105241"/>
+                  <a:gd name="adj3" fmla="val 16667"/>
+                </a:avLst>
+              </a:prstGeom>
+              <a:blipFill>
+                <a:blip r:embed="rId4"/>
+                <a:stretch>
+                  <a:fillRect r="-1442" b="-1093"/>
                 </a:stretch>
               </a:blipFill>
             </p:spPr>
@@ -12631,59 +13568,6 @@
       </mc:AlternateContent>
       <p:sp>
         <p:nvSpPr>
-          <p:cNvPr id="4" name="Speech Bubble: Rectangle with Corners Rounded 3">
-            <a:extLst>
-              <a:ext uri="{FF2B5EF4-FFF2-40B4-BE49-F238E27FC236}">
-                <a16:creationId xmlns:a16="http://schemas.microsoft.com/office/drawing/2014/main" id="{A26210CC-9E29-9A04-E6E5-11C82105BE20}"/>
-              </a:ext>
-            </a:extLst>
-          </p:cNvPr>
-          <p:cNvSpPr/>
-          <p:nvPr/>
-        </p:nvSpPr>
-        <p:spPr>
-          <a:xfrm>
-            <a:off x="4876800" y="5697537"/>
-            <a:ext cx="1524000" cy="795338"/>
-          </a:xfrm>
-          <a:prstGeom prst="wedgeRoundRectCallout">
-            <a:avLst>
-              <a:gd name="adj1" fmla="val 18698"/>
-              <a:gd name="adj2" fmla="val -100014"/>
-              <a:gd name="adj3" fmla="val 16667"/>
-            </a:avLst>
-          </a:prstGeom>
-        </p:spPr>
-        <p:style>
-          <a:lnRef idx="2">
-            <a:schemeClr val="accent1">
-              <a:shade val="15000"/>
-            </a:schemeClr>
-          </a:lnRef>
-          <a:fillRef idx="1">
-            <a:schemeClr val="accent1"/>
-          </a:fillRef>
-          <a:effectRef idx="0">
-            <a:schemeClr val="accent1"/>
-          </a:effectRef>
-          <a:fontRef idx="minor">
-            <a:schemeClr val="lt1"/>
-          </a:fontRef>
-        </p:style>
-        <p:txBody>
-          <a:bodyPr rtlCol="0" anchor="ctr"/>
-          <a:lstStyle/>
-          <a:p>
-            <a:pPr algn="ctr"/>
-            <a:r>
-              <a:rPr lang="en-US" sz="1600" dirty="0"/>
-              <a:t>Use the best action as the policy</a:t>
-            </a:r>
-          </a:p>
-        </p:txBody>
-      </p:sp>
-      <p:sp>
-        <p:nvSpPr>
           <p:cNvPr id="5" name="Right Brace 4">
             <a:extLst>
               <a:ext uri="{FF2B5EF4-FFF2-40B4-BE49-F238E27FC236}">
@@ -12696,8 +13580,8 @@
         </p:nvSpPr>
         <p:spPr>
           <a:xfrm rot="5400000">
-            <a:off x="6994046" y="4649310"/>
-            <a:ext cx="246063" cy="1767843"/>
+            <a:off x="6697184" y="4946172"/>
+            <a:ext cx="230188" cy="1158244"/>
           </a:xfrm>
           <a:prstGeom prst="rightBrace">
             <a:avLst/>
@@ -12740,7 +13624,7 @@
         </p:nvSpPr>
         <p:spPr>
           <a:xfrm>
-            <a:off x="6553200" y="5708331"/>
+            <a:off x="6173935" y="5658073"/>
             <a:ext cx="1203961" cy="381000"/>
           </a:xfrm>
           <a:prstGeom prst="roundRect">
@@ -12789,13 +13673,13 @@
         </p:nvSpPr>
         <p:spPr>
           <a:xfrm>
-            <a:off x="3581400" y="5697537"/>
+            <a:off x="3433808" y="5637212"/>
             <a:ext cx="1150620" cy="703263"/>
           </a:xfrm>
           <a:prstGeom prst="wedgeRoundRectCallout">
             <a:avLst>
-              <a:gd name="adj1" fmla="val 48142"/>
-              <a:gd name="adj2" fmla="val -121698"/>
+              <a:gd name="adj1" fmla="val 97434"/>
+              <a:gd name="adj2" fmla="val -134865"/>
               <a:gd name="adj3" fmla="val 16667"/>
             </a:avLst>
           </a:prstGeom>
@@ -12842,13 +13726,13 @@
         </p:nvSpPr>
         <p:spPr>
           <a:xfrm>
-            <a:off x="8077200" y="5697537"/>
+            <a:off x="7592986" y="5658414"/>
             <a:ext cx="2133600" cy="381000"/>
           </a:xfrm>
           <a:prstGeom prst="wedgeRoundRectCallout">
             <a:avLst>
-              <a:gd name="adj1" fmla="val -39207"/>
-              <a:gd name="adj2" fmla="val -183500"/>
+              <a:gd name="adj1" fmla="val -36495"/>
+              <a:gd name="adj2" fmla="val -210842"/>
               <a:gd name="adj3" fmla="val 16667"/>
             </a:avLst>
           </a:prstGeom>
@@ -12884,7 +13768,7 @@
     </p:spTree>
     <p:extLst>
       <p:ext uri="{BB962C8B-B14F-4D97-AF65-F5344CB8AC3E}">
-        <p14:creationId xmlns:p14="http://schemas.microsoft.com/office/powerpoint/2010/main" val="4148830465"/>
+        <p14:creationId xmlns:p14="http://schemas.microsoft.com/office/powerpoint/2010/main" val="86166019"/>
       </p:ext>
     </p:extLst>
   </p:cSld>
@@ -12911,6 +13795,36 @@
           <a:chExt cx="0" cy="0"/>
         </a:xfrm>
       </p:grpSpPr>
+      <p:pic>
+        <p:nvPicPr>
+          <p:cNvPr id="26" name="Picture 25">
+            <a:extLst>
+              <a:ext uri="{FF2B5EF4-FFF2-40B4-BE49-F238E27FC236}">
+                <a16:creationId xmlns:a16="http://schemas.microsoft.com/office/drawing/2014/main" id="{3EDEEFA4-E419-AF4D-78C1-B8281FED2C4B}"/>
+              </a:ext>
+            </a:extLst>
+          </p:cNvPr>
+          <p:cNvPicPr>
+            <a:picLocks noChangeAspect="1"/>
+          </p:cNvPicPr>
+          <p:nvPr/>
+        </p:nvPicPr>
+        <p:blipFill>
+          <a:blip r:embed="rId2"/>
+          <a:stretch>
+            <a:fillRect/>
+          </a:stretch>
+        </p:blipFill>
+        <p:spPr>
+          <a:xfrm>
+            <a:off x="1384303" y="2351872"/>
+            <a:ext cx="3471874" cy="2780790"/>
+          </a:xfrm>
+          <a:prstGeom prst="rect">
+            <a:avLst/>
+          </a:prstGeom>
+        </p:spPr>
+      </p:pic>
       <p:sp>
         <p:nvSpPr>
           <p:cNvPr id="2" name="Title 1">
@@ -12939,65 +13853,6 @@
           </a:p>
         </p:txBody>
       </p:sp>
-      <p:pic>
-        <p:nvPicPr>
-          <p:cNvPr id="7" name="Content Placeholder 6">
-            <a:extLst>
-              <a:ext uri="{FF2B5EF4-FFF2-40B4-BE49-F238E27FC236}">
-                <a16:creationId xmlns:a16="http://schemas.microsoft.com/office/drawing/2014/main" id="{B4761669-2866-4446-BF5D-E4DABF2D42A3}"/>
-              </a:ext>
-            </a:extLst>
-          </p:cNvPr>
-          <p:cNvPicPr>
-            <a:picLocks noGrp="1" noChangeAspect="1"/>
-          </p:cNvPicPr>
-          <p:nvPr>
-            <p:ph idx="1"/>
-          </p:nvPr>
-        </p:nvPicPr>
-        <p:blipFill>
-          <a:blip r:embed="rId2"/>
-          <a:stretch>
-            <a:fillRect/>
-          </a:stretch>
-        </p:blipFill>
-        <p:spPr>
-          <a:xfrm>
-            <a:off x="7239002" y="2500312"/>
-            <a:ext cx="3498160" cy="2547938"/>
-          </a:xfrm>
-        </p:spPr>
-      </p:pic>
-      <p:pic>
-        <p:nvPicPr>
-          <p:cNvPr id="5" name="Picture 4">
-            <a:extLst>
-              <a:ext uri="{FF2B5EF4-FFF2-40B4-BE49-F238E27FC236}">
-                <a16:creationId xmlns:a16="http://schemas.microsoft.com/office/drawing/2014/main" id="{0816313B-5C38-A3DF-2019-DB85E05EEBAA}"/>
-              </a:ext>
-            </a:extLst>
-          </p:cNvPr>
-          <p:cNvPicPr>
-            <a:picLocks noChangeAspect="1"/>
-          </p:cNvPicPr>
-          <p:nvPr/>
-        </p:nvPicPr>
-        <p:blipFill>
-          <a:blip r:embed="rId3"/>
-          <a:stretch>
-            <a:fillRect/>
-          </a:stretch>
-        </p:blipFill>
-        <p:spPr>
-          <a:xfrm>
-            <a:off x="1600200" y="2362200"/>
-            <a:ext cx="3352800" cy="2686050"/>
-          </a:xfrm>
-          <a:prstGeom prst="rect">
-            <a:avLst/>
-          </a:prstGeom>
-        </p:spPr>
-      </p:pic>
       <mc:AlternateContent xmlns:mc="http://schemas.openxmlformats.org/markup-compatibility/2006" xmlns:a14="http://schemas.microsoft.com/office/drawing/2010/main">
         <mc:Choice Requires="a14">
           <p:sp>
@@ -13277,8 +14132,8 @@
           </p:sp>
         </mc:Fallback>
       </mc:AlternateContent>
-      <mc:AlternateContent xmlns:mc="http://schemas.openxmlformats.org/markup-compatibility/2006" xmlns:a14="http://schemas.microsoft.com/office/drawing/2010/main">
-        <mc:Choice Requires="a14">
+      <mc:AlternateContent xmlns:mc="http://schemas.openxmlformats.org/markup-compatibility/2006">
+        <mc:Choice xmlns:a14="http://schemas.microsoft.com/office/drawing/2010/main" Requires="a14">
           <p:sp>
             <p:nvSpPr>
               <p:cNvPr id="11" name="TextBox 10">
@@ -13334,7 +14189,7 @@
             </p:txBody>
           </p:sp>
         </mc:Choice>
-        <mc:Fallback xmlns="">
+        <mc:Fallback>
           <p:sp>
             <p:nvSpPr>
               <p:cNvPr id="11" name="TextBox 10">
@@ -13480,23 +14335,37 @@
         </p:nvSpPr>
         <p:spPr>
           <a:xfrm>
-            <a:off x="1173866" y="5857874"/>
+            <a:off x="1210518" y="5989706"/>
             <a:ext cx="9762254" cy="400110"/>
           </a:xfrm>
           <a:prstGeom prst="rect">
             <a:avLst/>
           </a:prstGeom>
-          <a:noFill/>
         </p:spPr>
+        <p:style>
+          <a:lnRef idx="3">
+            <a:schemeClr val="lt1"/>
+          </a:lnRef>
+          <a:fillRef idx="1">
+            <a:schemeClr val="accent6"/>
+          </a:fillRef>
+          <a:effectRef idx="1">
+            <a:schemeClr val="accent6"/>
+          </a:effectRef>
+          <a:fontRef idx="minor">
+            <a:schemeClr val="lt1"/>
+          </a:fontRef>
+        </p:style>
         <p:txBody>
           <a:bodyPr wrap="square" rtlCol="0">
             <a:spAutoFit/>
           </a:bodyPr>
           <a:lstStyle/>
           <a:p>
+            <a:pPr algn="ctr"/>
             <a:r>
               <a:rPr lang="en-US" sz="2000" dirty="0"/>
-              <a:t>Question: How to we find the optimal value function/optimal policy?</a:t>
+              <a:t>How to we find the optimal value function/optimal policy?</a:t>
             </a:r>
           </a:p>
         </p:txBody>
@@ -13520,8 +14389,8 @@
           </a:xfrm>
           <a:prstGeom prst="wedgeRoundRectCallout">
             <a:avLst>
-              <a:gd name="adj1" fmla="val -7462"/>
-              <a:gd name="adj2" fmla="val -130859"/>
+              <a:gd name="adj1" fmla="val -22417"/>
+              <a:gd name="adj2" fmla="val -141095"/>
               <a:gd name="adj3" fmla="val 16667"/>
             </a:avLst>
           </a:prstGeom>
@@ -13575,6 +14444,36 @@
           <a:xfrm>
             <a:off x="10171732" y="365125"/>
             <a:ext cx="1528775" cy="1219200"/>
+          </a:xfrm>
+          <a:prstGeom prst="rect">
+            <a:avLst/>
+          </a:prstGeom>
+        </p:spPr>
+      </p:pic>
+      <p:pic>
+        <p:nvPicPr>
+          <p:cNvPr id="22" name="Picture 21">
+            <a:extLst>
+              <a:ext uri="{FF2B5EF4-FFF2-40B4-BE49-F238E27FC236}">
+                <a16:creationId xmlns:a16="http://schemas.microsoft.com/office/drawing/2014/main" id="{7E9B2602-8B3F-6D0F-0A77-E83DBBBB1388}"/>
+              </a:ext>
+            </a:extLst>
+          </p:cNvPr>
+          <p:cNvPicPr>
+            <a:picLocks noChangeAspect="1"/>
+          </p:cNvPicPr>
+          <p:nvPr/>
+        </p:nvPicPr>
+        <p:blipFill>
+          <a:blip r:embed="rId8"/>
+          <a:stretch>
+            <a:fillRect/>
+          </a:stretch>
+        </p:blipFill>
+        <p:spPr>
+          <a:xfrm>
+            <a:off x="7424726" y="2513973"/>
+            <a:ext cx="3471874" cy="2505112"/>
           </a:xfrm>
           <a:prstGeom prst="rect">
             <a:avLst/>
@@ -13613,6 +14512,711 @@
       </p:grpSpPr>
       <p:sp>
         <p:nvSpPr>
+          <p:cNvPr id="2" name="Title 1">
+            <a:extLst>
+              <a:ext uri="{FF2B5EF4-FFF2-40B4-BE49-F238E27FC236}">
+                <a16:creationId xmlns:a16="http://schemas.microsoft.com/office/drawing/2014/main" id="{02B681C6-B1B6-F112-A6F9-054D2D603569}"/>
+              </a:ext>
+            </a:extLst>
+          </p:cNvPr>
+          <p:cNvSpPr>
+            <a:spLocks noGrp="1"/>
+          </p:cNvSpPr>
+          <p:nvPr>
+            <p:ph type="title"/>
+          </p:nvPr>
+        </p:nvSpPr>
+        <p:spPr/>
+        <p:txBody>
+          <a:bodyPr/>
+          <a:lstStyle/>
+          <a:p>
+            <a:r>
+              <a:rPr lang="en-US" dirty="0"/>
+              <a:t>Q-Function</a:t>
+            </a:r>
+          </a:p>
+        </p:txBody>
+      </p:sp>
+      <mc:AlternateContent xmlns:mc="http://schemas.openxmlformats.org/markup-compatibility/2006">
+        <mc:Choice xmlns:a14="http://schemas.microsoft.com/office/drawing/2010/main" Requires="a14">
+          <p:sp>
+            <p:nvSpPr>
+              <p:cNvPr id="3" name="Content Placeholder 2">
+                <a:extLst>
+                  <a:ext uri="{FF2B5EF4-FFF2-40B4-BE49-F238E27FC236}">
+                    <a16:creationId xmlns:a16="http://schemas.microsoft.com/office/drawing/2014/main" id="{9E567E42-948A-F22D-8397-4FA0611D447F}"/>
+                  </a:ext>
+                </a:extLst>
+              </p:cNvPr>
+              <p:cNvSpPr>
+                <a:spLocks noGrp="1"/>
+              </p:cNvSpPr>
+              <p:nvPr>
+                <p:ph idx="1"/>
+              </p:nvPr>
+            </p:nvSpPr>
+            <p:spPr/>
+            <p:txBody>
+              <a:bodyPr>
+                <a:normAutofit fontScale="92500" lnSpcReduction="20000"/>
+              </a:bodyPr>
+              <a:lstStyle/>
+              <a:p>
+                <a14:m>
+                  <m:oMath xmlns:m="http://schemas.openxmlformats.org/officeDocument/2006/math">
+                    <m:r>
+                      <a:rPr lang="en-US" i="1" dirty="0" smtClean="0">
+                        <a:latin typeface="Cambria Math" panose="02040503050406030204" pitchFamily="18" charset="0"/>
+                      </a:rPr>
+                      <m:t>𝑄</m:t>
+                    </m:r>
+                    <m:r>
+                      <a:rPr lang="en-US" i="1" dirty="0" smtClean="0">
+                        <a:latin typeface="Cambria Math" panose="02040503050406030204" pitchFamily="18" charset="0"/>
+                      </a:rPr>
+                      <m:t>(</m:t>
+                    </m:r>
+                    <m:r>
+                      <a:rPr lang="en-US" i="1" dirty="0" err="1" smtClean="0">
+                        <a:latin typeface="Cambria Math" panose="02040503050406030204" pitchFamily="18" charset="0"/>
+                      </a:rPr>
+                      <m:t>𝑠</m:t>
+                    </m:r>
+                    <m:r>
+                      <a:rPr lang="en-US" i="1" dirty="0" err="1" smtClean="0">
+                        <a:latin typeface="Cambria Math" panose="02040503050406030204" pitchFamily="18" charset="0"/>
+                      </a:rPr>
+                      <m:t>,</m:t>
+                    </m:r>
+                    <m:r>
+                      <a:rPr lang="en-US" i="1" dirty="0" err="1" smtClean="0">
+                        <a:latin typeface="Cambria Math" panose="02040503050406030204" pitchFamily="18" charset="0"/>
+                      </a:rPr>
+                      <m:t>𝑎</m:t>
+                    </m:r>
+                    <m:r>
+                      <a:rPr lang="en-US" i="1" dirty="0" smtClean="0">
+                        <a:latin typeface="Cambria Math" panose="02040503050406030204" pitchFamily="18" charset="0"/>
+                      </a:rPr>
+                      <m:t>)</m:t>
+                    </m:r>
+                  </m:oMath>
+                </a14:m>
+                <a:r>
+                  <a:rPr lang="en-US" dirty="0"/>
+                  <a:t> is called the state-action value function. It gives the expected utility of action </a:t>
+                </a:r>
+                <a14:m>
+                  <m:oMath xmlns:m="http://schemas.openxmlformats.org/officeDocument/2006/math">
+                    <m:r>
+                      <a:rPr lang="en-US" i="1" dirty="0" smtClean="0">
+                        <a:latin typeface="Cambria Math" panose="02040503050406030204" pitchFamily="18" charset="0"/>
+                      </a:rPr>
+                      <m:t>𝑎</m:t>
+                    </m:r>
+                  </m:oMath>
+                </a14:m>
+                <a:r>
+                  <a:rPr lang="en-US" dirty="0"/>
+                  <a:t> in state </a:t>
+                </a:r>
+                <a14:m>
+                  <m:oMath xmlns:m="http://schemas.openxmlformats.org/officeDocument/2006/math">
+                    <m:r>
+                      <a:rPr lang="en-US" b="0" i="1" smtClean="0">
+                        <a:latin typeface="Cambria Math" panose="02040503050406030204" pitchFamily="18" charset="0"/>
+                      </a:rPr>
+                      <m:t>𝑠</m:t>
+                    </m:r>
+                  </m:oMath>
+                </a14:m>
+                <a:r>
+                  <a:rPr lang="en-US" dirty="0"/>
+                  <a:t>.</a:t>
+                </a:r>
+                <a:br>
+                  <a:rPr lang="en-US" dirty="0"/>
+                </a:br>
+                <a14:m>
+                  <m:oMath xmlns:m="http://schemas.openxmlformats.org/officeDocument/2006/math">
+                    <m:r>
+                      <a:rPr lang="en-US" i="1">
+                        <a:latin typeface="Cambria Math" panose="02040503050406030204" pitchFamily="18" charset="0"/>
+                      </a:rPr>
+                      <m:t>𝑄</m:t>
+                    </m:r>
+                    <m:d>
+                      <m:dPr>
+                        <m:ctrlPr>
+                          <a:rPr lang="en-US" i="1">
+                            <a:latin typeface="Cambria Math" panose="02040503050406030204" pitchFamily="18" charset="0"/>
+                          </a:rPr>
+                        </m:ctrlPr>
+                      </m:dPr>
+                      <m:e>
+                        <m:r>
+                          <a:rPr lang="en-US" i="1">
+                            <a:latin typeface="Cambria Math" panose="02040503050406030204" pitchFamily="18" charset="0"/>
+                          </a:rPr>
+                          <m:t>𝑠</m:t>
+                        </m:r>
+                        <m:r>
+                          <a:rPr lang="en-US" i="1">
+                            <a:latin typeface="Cambria Math" panose="02040503050406030204" pitchFamily="18" charset="0"/>
+                          </a:rPr>
+                          <m:t>,</m:t>
+                        </m:r>
+                        <m:r>
+                          <a:rPr lang="en-US" i="1">
+                            <a:latin typeface="Cambria Math" panose="02040503050406030204" pitchFamily="18" charset="0"/>
+                          </a:rPr>
+                          <m:t>𝑎</m:t>
+                        </m:r>
+                      </m:e>
+                    </m:d>
+                    <m:r>
+                      <a:rPr lang="en-US" i="1">
+                        <a:latin typeface="Cambria Math" panose="02040503050406030204" pitchFamily="18" charset="0"/>
+                      </a:rPr>
+                      <m:t>=</m:t>
+                    </m:r>
+                    <m:r>
+                      <a:rPr lang="en-US" b="0" i="1" smtClean="0">
+                        <a:latin typeface="Cambria Math" panose="02040503050406030204" pitchFamily="18" charset="0"/>
+                      </a:rPr>
+                      <m:t>𝑅</m:t>
+                    </m:r>
+                    <m:d>
+                      <m:dPr>
+                        <m:ctrlPr>
+                          <a:rPr lang="en-US" b="0" i="1" smtClean="0">
+                            <a:latin typeface="Cambria Math" panose="02040503050406030204" pitchFamily="18" charset="0"/>
+                          </a:rPr>
+                        </m:ctrlPr>
+                      </m:dPr>
+                      <m:e>
+                        <m:r>
+                          <a:rPr lang="en-US" b="0" i="1" smtClean="0">
+                            <a:latin typeface="Cambria Math" panose="02040503050406030204" pitchFamily="18" charset="0"/>
+                          </a:rPr>
+                          <m:t>𝑠</m:t>
+                        </m:r>
+                      </m:e>
+                    </m:d>
+                    <m:r>
+                      <a:rPr lang="en-US" b="0" i="1" smtClean="0">
+                        <a:latin typeface="Cambria Math" panose="02040503050406030204" pitchFamily="18" charset="0"/>
+                      </a:rPr>
+                      <m:t>+</m:t>
+                    </m:r>
+                    <m:r>
+                      <a:rPr lang="en-US" i="1">
+                        <a:latin typeface="Cambria Math" panose="02040503050406030204" pitchFamily="18" charset="0"/>
+                      </a:rPr>
+                      <m:t>𝛾</m:t>
+                    </m:r>
+                    <m:nary>
+                      <m:naryPr>
+                        <m:chr m:val="∑"/>
+                        <m:ctrlPr>
+                          <a:rPr lang="en-US" i="1" smtClean="0">
+                            <a:latin typeface="Cambria Math" panose="02040503050406030204" pitchFamily="18" charset="0"/>
+                          </a:rPr>
+                        </m:ctrlPr>
+                      </m:naryPr>
+                      <m:sub>
+                        <m:r>
+                          <a:rPr lang="en-US" i="1">
+                            <a:latin typeface="Cambria Math" panose="02040503050406030204" pitchFamily="18" charset="0"/>
+                          </a:rPr>
+                          <m:t>𝑠</m:t>
+                        </m:r>
+                        <m:r>
+                          <a:rPr lang="en-US" i="1">
+                            <a:latin typeface="Cambria Math" panose="02040503050406030204" pitchFamily="18" charset="0"/>
+                          </a:rPr>
+                          <m:t>′</m:t>
+                        </m:r>
+                      </m:sub>
+                      <m:sup/>
+                      <m:e>
+                        <m:r>
+                          <a:rPr lang="en-US" i="1">
+                            <a:latin typeface="Cambria Math" panose="02040503050406030204" pitchFamily="18" charset="0"/>
+                          </a:rPr>
+                          <m:t>𝑃</m:t>
+                        </m:r>
+                        <m:d>
+                          <m:dPr>
+                            <m:ctrlPr>
+                              <a:rPr lang="en-US" i="1">
+                                <a:latin typeface="Cambria Math" panose="02040503050406030204" pitchFamily="18" charset="0"/>
+                              </a:rPr>
+                            </m:ctrlPr>
+                          </m:dPr>
+                          <m:e>
+                            <m:sSup>
+                              <m:sSupPr>
+                                <m:ctrlPr>
+                                  <a:rPr lang="en-US" i="1">
+                                    <a:latin typeface="Cambria Math" panose="02040503050406030204" pitchFamily="18" charset="0"/>
+                                  </a:rPr>
+                                </m:ctrlPr>
+                              </m:sSupPr>
+                              <m:e>
+                                <m:r>
+                                  <a:rPr lang="en-US" i="1">
+                                    <a:latin typeface="Cambria Math" panose="02040503050406030204" pitchFamily="18" charset="0"/>
+                                  </a:rPr>
+                                  <m:t>𝑠</m:t>
+                                </m:r>
+                              </m:e>
+                              <m:sup>
+                                <m:r>
+                                  <a:rPr lang="en-US" i="1">
+                                    <a:latin typeface="Cambria Math" panose="02040503050406030204" pitchFamily="18" charset="0"/>
+                                  </a:rPr>
+                                  <m:t>′</m:t>
+                                </m:r>
+                              </m:sup>
+                            </m:sSup>
+                          </m:e>
+                          <m:e>
+                            <m:r>
+                              <a:rPr lang="en-US" i="1">
+                                <a:latin typeface="Cambria Math" panose="02040503050406030204" pitchFamily="18" charset="0"/>
+                              </a:rPr>
+                              <m:t>𝑠</m:t>
+                            </m:r>
+                            <m:r>
+                              <a:rPr lang="en-US" i="1">
+                                <a:latin typeface="Cambria Math" panose="02040503050406030204" pitchFamily="18" charset="0"/>
+                              </a:rPr>
+                              <m:t>,</m:t>
+                            </m:r>
+                            <m:r>
+                              <a:rPr lang="en-US" i="1">
+                                <a:latin typeface="Cambria Math" panose="02040503050406030204" pitchFamily="18" charset="0"/>
+                              </a:rPr>
+                              <m:t>𝑎</m:t>
+                            </m:r>
+                          </m:e>
+                        </m:d>
+                        <m:r>
+                          <a:rPr lang="en-US" i="1">
+                            <a:latin typeface="Cambria Math" panose="02040503050406030204" pitchFamily="18" charset="0"/>
+                          </a:rPr>
+                          <m:t>[</m:t>
+                        </m:r>
+                      </m:e>
+                    </m:nary>
+                    <m:r>
+                      <a:rPr lang="en-US" i="1">
+                        <a:latin typeface="Cambria Math" panose="02040503050406030204" pitchFamily="18" charset="0"/>
+                      </a:rPr>
+                      <m:t>𝑈</m:t>
+                    </m:r>
+                    <m:r>
+                      <a:rPr lang="en-US" i="1">
+                        <a:latin typeface="Cambria Math" panose="02040503050406030204" pitchFamily="18" charset="0"/>
+                      </a:rPr>
+                      <m:t>(</m:t>
+                    </m:r>
+                    <m:sSup>
+                      <m:sSupPr>
+                        <m:ctrlPr>
+                          <a:rPr lang="en-US" i="1">
+                            <a:latin typeface="Cambria Math" panose="02040503050406030204" pitchFamily="18" charset="0"/>
+                          </a:rPr>
+                        </m:ctrlPr>
+                      </m:sSupPr>
+                      <m:e>
+                        <m:r>
+                          <a:rPr lang="en-US" i="1">
+                            <a:latin typeface="Cambria Math" panose="02040503050406030204" pitchFamily="18" charset="0"/>
+                          </a:rPr>
+                          <m:t>𝑠</m:t>
+                        </m:r>
+                      </m:e>
+                      <m:sup>
+                        <m:r>
+                          <a:rPr lang="en-US" i="1">
+                            <a:latin typeface="Cambria Math" panose="02040503050406030204" pitchFamily="18" charset="0"/>
+                          </a:rPr>
+                          <m:t>′</m:t>
+                        </m:r>
+                      </m:sup>
+                    </m:sSup>
+                    <m:r>
+                      <a:rPr lang="en-US" i="1">
+                        <a:latin typeface="Cambria Math" panose="02040503050406030204" pitchFamily="18" charset="0"/>
+                      </a:rPr>
+                      <m:t>)]</m:t>
+                    </m:r>
+                  </m:oMath>
+                </a14:m>
+                <a:endParaRPr lang="en-US" b="0" i="1" dirty="0">
+                  <a:latin typeface="Cambria Math" panose="02040503050406030204" pitchFamily="18" charset="0"/>
+                </a:endParaRPr>
+              </a:p>
+              <a:p>
+                <a:endParaRPr lang="en-US" dirty="0"/>
+              </a:p>
+              <a:p>
+                <a:endParaRPr lang="en-US" dirty="0"/>
+              </a:p>
+              <a:p>
+                <a:endParaRPr lang="en-US" dirty="0"/>
+              </a:p>
+              <a:p>
+                <a:r>
+                  <a:rPr lang="en-US" dirty="0"/>
+                  <a:t>Relationship with the state value function: </a:t>
+                </a:r>
+                <a14:m>
+                  <m:oMath xmlns:m="http://schemas.openxmlformats.org/officeDocument/2006/math">
+                    <m:r>
+                      <a:rPr lang="en-US" b="0" i="1" dirty="0" smtClean="0">
+                        <a:latin typeface="Cambria Math" panose="02040503050406030204" pitchFamily="18" charset="0"/>
+                      </a:rPr>
+                      <m:t>𝑈</m:t>
+                    </m:r>
+                    <m:d>
+                      <m:dPr>
+                        <m:ctrlPr>
+                          <a:rPr lang="en-US" b="0" i="1" dirty="0" smtClean="0">
+                            <a:latin typeface="Cambria Math" panose="02040503050406030204" pitchFamily="18" charset="0"/>
+                          </a:rPr>
+                        </m:ctrlPr>
+                      </m:dPr>
+                      <m:e>
+                        <m:r>
+                          <a:rPr lang="en-US" b="0" i="1" dirty="0" smtClean="0">
+                            <a:latin typeface="Cambria Math" panose="02040503050406030204" pitchFamily="18" charset="0"/>
+                          </a:rPr>
+                          <m:t>𝑠</m:t>
+                        </m:r>
+                      </m:e>
+                    </m:d>
+                    <m:r>
+                      <a:rPr lang="en-US" b="0" i="1" dirty="0" smtClean="0">
+                        <a:latin typeface="Cambria Math" panose="02040503050406030204" pitchFamily="18" charset="0"/>
+                      </a:rPr>
+                      <m:t>=</m:t>
+                    </m:r>
+                    <m:func>
+                      <m:funcPr>
+                        <m:ctrlPr>
+                          <a:rPr lang="en-US" b="0" i="1" dirty="0" smtClean="0">
+                            <a:latin typeface="Cambria Math" panose="02040503050406030204" pitchFamily="18" charset="0"/>
+                          </a:rPr>
+                        </m:ctrlPr>
+                      </m:funcPr>
+                      <m:fName>
+                        <m:limLow>
+                          <m:limLowPr>
+                            <m:ctrlPr>
+                              <a:rPr lang="en-US" b="0" i="1" dirty="0" smtClean="0">
+                                <a:latin typeface="Cambria Math" panose="02040503050406030204" pitchFamily="18" charset="0"/>
+                              </a:rPr>
+                            </m:ctrlPr>
+                          </m:limLowPr>
+                          <m:e>
+                            <m:r>
+                              <m:rPr>
+                                <m:sty m:val="p"/>
+                              </m:rPr>
+                              <a:rPr lang="en-US" b="0" i="0" dirty="0" smtClean="0">
+                                <a:latin typeface="Cambria Math" panose="02040503050406030204" pitchFamily="18" charset="0"/>
+                              </a:rPr>
+                              <m:t>max</m:t>
+                            </m:r>
+                          </m:e>
+                          <m:lim>
+                            <m:r>
+                              <a:rPr lang="en-US" b="0" i="1" dirty="0" smtClean="0">
+                                <a:latin typeface="Cambria Math" panose="02040503050406030204" pitchFamily="18" charset="0"/>
+                              </a:rPr>
+                              <m:t>𝑎</m:t>
+                            </m:r>
+                          </m:lim>
+                        </m:limLow>
+                      </m:fName>
+                      <m:e>
+                        <m:r>
+                          <a:rPr lang="en-US" i="1" dirty="0">
+                            <a:latin typeface="Cambria Math" panose="02040503050406030204" pitchFamily="18" charset="0"/>
+                          </a:rPr>
+                          <m:t>𝑄</m:t>
+                        </m:r>
+                        <m:d>
+                          <m:dPr>
+                            <m:ctrlPr>
+                              <a:rPr lang="en-US" i="1" dirty="0">
+                                <a:latin typeface="Cambria Math" panose="02040503050406030204" pitchFamily="18" charset="0"/>
+                              </a:rPr>
+                            </m:ctrlPr>
+                          </m:dPr>
+                          <m:e>
+                            <m:r>
+                              <a:rPr lang="en-US" i="1" dirty="0">
+                                <a:latin typeface="Cambria Math" panose="02040503050406030204" pitchFamily="18" charset="0"/>
+                              </a:rPr>
+                              <m:t>𝑠</m:t>
+                            </m:r>
+                            <m:r>
+                              <a:rPr lang="en-US" i="1" dirty="0">
+                                <a:latin typeface="Cambria Math" panose="02040503050406030204" pitchFamily="18" charset="0"/>
+                              </a:rPr>
+                              <m:t>, </m:t>
+                            </m:r>
+                            <m:r>
+                              <a:rPr lang="en-US" i="1" dirty="0">
+                                <a:latin typeface="Cambria Math" panose="02040503050406030204" pitchFamily="18" charset="0"/>
+                              </a:rPr>
+                              <m:t>𝑎</m:t>
+                            </m:r>
+                          </m:e>
+                        </m:d>
+                      </m:e>
+                    </m:func>
+                  </m:oMath>
+                </a14:m>
+                <a:endParaRPr lang="en-US" dirty="0"/>
+              </a:p>
+              <a:p>
+                <a:endParaRPr lang="en-US" dirty="0"/>
+              </a:p>
+              <a:p>
+                <a:r>
+                  <a:rPr lang="en-US" dirty="0"/>
+                  <a:t>The Q-function is often used for convenience in solving MDPs.</a:t>
+                </a:r>
+              </a:p>
+              <a:p>
+                <a:endParaRPr lang="en-US" dirty="0"/>
+              </a:p>
+              <a:p>
+                <a:endParaRPr lang="en-US" dirty="0"/>
+              </a:p>
+              <a:p>
+                <a:endParaRPr lang="en-US" dirty="0"/>
+              </a:p>
+              <a:p>
+                <a:endParaRPr lang="en-US" dirty="0"/>
+              </a:p>
+            </p:txBody>
+          </p:sp>
+        </mc:Choice>
+        <mc:Fallback>
+          <p:sp>
+            <p:nvSpPr>
+              <p:cNvPr id="3" name="Content Placeholder 2">
+                <a:extLst>
+                  <a:ext uri="{FF2B5EF4-FFF2-40B4-BE49-F238E27FC236}">
+                    <a16:creationId xmlns:a16="http://schemas.microsoft.com/office/drawing/2014/main" id="{9E567E42-948A-F22D-8397-4FA0611D447F}"/>
+                  </a:ext>
+                </a:extLst>
+              </p:cNvPr>
+              <p:cNvSpPr>
+                <a:spLocks noGrp="1" noRot="1" noChangeAspect="1" noMove="1" noResize="1" noEditPoints="1" noAdjustHandles="1" noChangeArrowheads="1" noChangeShapeType="1" noTextEdit="1"/>
+              </p:cNvSpPr>
+              <p:nvPr>
+                <p:ph idx="1"/>
+              </p:nvPr>
+            </p:nvSpPr>
+            <p:spPr>
+              <a:blipFill>
+                <a:blip r:embed="rId2"/>
+                <a:stretch>
+                  <a:fillRect l="-928" t="-3501" r="-1333"/>
+                </a:stretch>
+              </a:blipFill>
+            </p:spPr>
+            <p:txBody>
+              <a:bodyPr/>
+              <a:lstStyle/>
+              <a:p>
+                <a:r>
+                  <a:rPr lang="en-US">
+                    <a:noFill/>
+                  </a:rPr>
+                  <a:t> </a:t>
+                </a:r>
+              </a:p>
+            </p:txBody>
+          </p:sp>
+        </mc:Fallback>
+      </mc:AlternateContent>
+      <p:sp>
+        <p:nvSpPr>
+          <p:cNvPr id="7" name="Speech Bubble: Rectangle with Corners Rounded 6">
+            <a:extLst>
+              <a:ext uri="{FF2B5EF4-FFF2-40B4-BE49-F238E27FC236}">
+                <a16:creationId xmlns:a16="http://schemas.microsoft.com/office/drawing/2014/main" id="{6B52A89E-DE87-F732-750C-99C3E8996E3D}"/>
+              </a:ext>
+            </a:extLst>
+          </p:cNvPr>
+          <p:cNvSpPr/>
+          <p:nvPr/>
+        </p:nvSpPr>
+        <p:spPr>
+          <a:xfrm>
+            <a:off x="3962400" y="3276600"/>
+            <a:ext cx="1150620" cy="573723"/>
+          </a:xfrm>
+          <a:prstGeom prst="wedgeRoundRectCallout">
+            <a:avLst>
+              <a:gd name="adj1" fmla="val 33573"/>
+              <a:gd name="adj2" fmla="val -97546"/>
+              <a:gd name="adj3" fmla="val 16667"/>
+            </a:avLst>
+          </a:prstGeom>
+        </p:spPr>
+        <p:style>
+          <a:lnRef idx="2">
+            <a:schemeClr val="accent1">
+              <a:shade val="15000"/>
+            </a:schemeClr>
+          </a:lnRef>
+          <a:fillRef idx="1">
+            <a:schemeClr val="accent1"/>
+          </a:fillRef>
+          <a:effectRef idx="0">
+            <a:schemeClr val="accent1"/>
+          </a:effectRef>
+          <a:fontRef idx="minor">
+            <a:schemeClr val="lt1"/>
+          </a:fontRef>
+        </p:style>
+        <p:txBody>
+          <a:bodyPr rtlCol="0" anchor="ctr"/>
+          <a:lstStyle/>
+          <a:p>
+            <a:pPr algn="ctr"/>
+            <a:r>
+              <a:rPr lang="en-US" sz="1600" dirty="0"/>
+              <a:t>Immediate Reward</a:t>
+            </a:r>
+          </a:p>
+        </p:txBody>
+      </p:sp>
+      <p:sp>
+        <p:nvSpPr>
+          <p:cNvPr id="8" name="Speech Bubble: Rectangle with Corners Rounded 7">
+            <a:extLst>
+              <a:ext uri="{FF2B5EF4-FFF2-40B4-BE49-F238E27FC236}">
+                <a16:creationId xmlns:a16="http://schemas.microsoft.com/office/drawing/2014/main" id="{48098075-90D7-0EF8-081A-B4F043DB9761}"/>
+              </a:ext>
+            </a:extLst>
+          </p:cNvPr>
+          <p:cNvSpPr/>
+          <p:nvPr/>
+        </p:nvSpPr>
+        <p:spPr>
+          <a:xfrm>
+            <a:off x="6934200" y="3299460"/>
+            <a:ext cx="2209800" cy="550863"/>
+          </a:xfrm>
+          <a:prstGeom prst="wedgeRoundRectCallout">
+            <a:avLst>
+              <a:gd name="adj1" fmla="val -22655"/>
+              <a:gd name="adj2" fmla="val -99120"/>
+              <a:gd name="adj3" fmla="val 16667"/>
+            </a:avLst>
+          </a:prstGeom>
+        </p:spPr>
+        <p:style>
+          <a:lnRef idx="2">
+            <a:schemeClr val="accent1">
+              <a:shade val="15000"/>
+            </a:schemeClr>
+          </a:lnRef>
+          <a:fillRef idx="1">
+            <a:schemeClr val="accent1"/>
+          </a:fillRef>
+          <a:effectRef idx="0">
+            <a:schemeClr val="accent1"/>
+          </a:effectRef>
+          <a:fontRef idx="minor">
+            <a:schemeClr val="lt1"/>
+          </a:fontRef>
+        </p:style>
+        <p:txBody>
+          <a:bodyPr rtlCol="0" anchor="ctr"/>
+          <a:lstStyle/>
+          <a:p>
+            <a:pPr algn="ctr"/>
+            <a:r>
+              <a:rPr lang="en-US" sz="1600" dirty="0"/>
+              <a:t>Expected utility of the next state</a:t>
+            </a:r>
+          </a:p>
+        </p:txBody>
+      </p:sp>
+    </p:spTree>
+    <p:extLst>
+      <p:ext uri="{BB962C8B-B14F-4D97-AF65-F5344CB8AC3E}">
+        <p14:creationId xmlns:p14="http://schemas.microsoft.com/office/powerpoint/2010/main" val="3738914856"/>
+      </p:ext>
+    </p:extLst>
+  </p:cSld>
+  <p:clrMapOvr>
+    <a:masterClrMapping/>
+  </p:clrMapOvr>
+</p:sld>
+</file>
+
+<file path=ppt/slides/slide9.xml><?xml version="1.0" encoding="utf-8"?>
+<p:sld xmlns:a="http://schemas.openxmlformats.org/drawingml/2006/main" xmlns:r="http://schemas.openxmlformats.org/officeDocument/2006/relationships" xmlns:p="http://schemas.openxmlformats.org/presentationml/2006/main">
+  <p:cSld>
+    <p:spTree>
+      <p:nvGrpSpPr>
+        <p:cNvPr id="1" name=""/>
+        <p:cNvGrpSpPr/>
+        <p:nvPr/>
+      </p:nvGrpSpPr>
+      <p:grpSpPr>
+        <a:xfrm>
+          <a:off x="0" y="0"/>
+          <a:ext cx="0" cy="0"/>
+          <a:chOff x="0" y="0"/>
+          <a:chExt cx="0" cy="0"/>
+        </a:xfrm>
+      </p:grpSpPr>
+      <p:pic>
+        <p:nvPicPr>
+          <p:cNvPr id="10" name="Picture 9">
+            <a:extLst>
+              <a:ext uri="{FF2B5EF4-FFF2-40B4-BE49-F238E27FC236}">
+                <a16:creationId xmlns:a16="http://schemas.microsoft.com/office/drawing/2014/main" id="{BCBAC27E-ED2B-1569-2BB8-44BBD27FCC89}"/>
+              </a:ext>
+            </a:extLst>
+          </p:cNvPr>
+          <p:cNvPicPr>
+            <a:picLocks noChangeAspect="1"/>
+          </p:cNvPicPr>
+          <p:nvPr/>
+        </p:nvPicPr>
+        <p:blipFill>
+          <a:blip r:embed="rId2"/>
+          <a:stretch>
+            <a:fillRect/>
+          </a:stretch>
+        </p:blipFill>
+        <p:spPr>
+          <a:xfrm>
+            <a:off x="1524000" y="2169765"/>
+            <a:ext cx="8521370" cy="4191001"/>
+          </a:xfrm>
+          <a:prstGeom prst="rect">
+            <a:avLst/>
+          </a:prstGeom>
+        </p:spPr>
+      </p:pic>
+      <p:sp>
+        <p:nvSpPr>
           <p:cNvPr id="8" name="Rectangle 7">
             <a:extLst>
               <a:ext uri="{FF2B5EF4-FFF2-40B4-BE49-F238E27FC236}">
@@ -13625,12 +15229,13 @@
         </p:nvSpPr>
         <p:spPr>
           <a:xfrm>
-            <a:off x="1295400" y="1600200"/>
-            <a:ext cx="8763000" cy="4664076"/>
+            <a:off x="1371600" y="2133600"/>
+            <a:ext cx="8763000" cy="4267200"/>
           </a:xfrm>
           <a:prstGeom prst="rect">
             <a:avLst/>
           </a:prstGeom>
+          <a:noFill/>
         </p:spPr>
         <p:style>
           <a:lnRef idx="2">
@@ -13651,7 +15256,7 @@
           <a:lstStyle/>
           <a:p>
             <a:pPr algn="ctr"/>
-            <a:endParaRPr lang="en-US"/>
+            <a:endParaRPr lang="en-US" dirty="0"/>
           </a:p>
         </p:txBody>
       </p:sp>
@@ -13718,7 +15323,7 @@
             </p:nvSpPr>
             <p:spPr>
               <a:blipFill>
-                <a:blip r:embed="rId2"/>
+                <a:blip r:embed="rId3"/>
                 <a:stretch>
                   <a:fillRect l="-2377"/>
                 </a:stretch>
@@ -13739,35 +15344,6 @@
           </p:sp>
         </mc:Fallback>
       </mc:AlternateContent>
-      <p:pic>
-        <p:nvPicPr>
-          <p:cNvPr id="5" name="Picture 4">
-            <a:extLst>
-              <a:ext uri="{FF2B5EF4-FFF2-40B4-BE49-F238E27FC236}">
-                <a16:creationId xmlns:a16="http://schemas.microsoft.com/office/drawing/2014/main" id="{0EEDB9C2-69E7-EDE1-2D73-EEC7A36FD838}"/>
-              </a:ext>
-            </a:extLst>
-          </p:cNvPr>
-          <p:cNvPicPr>
-            <a:picLocks noChangeAspect="1"/>
-          </p:cNvPicPr>
-          <p:nvPr/>
-        </p:nvPicPr>
-        <p:blipFill rotWithShape="1">
-          <a:blip r:embed="rId3"/>
-          <a:srcRect l="1526" t="3164" r="12985" b="5055"/>
-          <a:stretch/>
-        </p:blipFill>
-        <p:spPr>
-          <a:xfrm>
-            <a:off x="1371601" y="1676399"/>
-            <a:ext cx="8534400" cy="4419601"/>
-          </a:xfrm>
-          <a:prstGeom prst="rect">
-            <a:avLst/>
-          </a:prstGeom>
-        </p:spPr>
-      </p:pic>
       <p:sp>
         <p:nvSpPr>
           <p:cNvPr id="6" name="Speech Bubble: Rectangle with Corners Rounded 5">
@@ -13782,8 +15358,8 @@
         </p:nvSpPr>
         <p:spPr>
           <a:xfrm>
-            <a:off x="8229600" y="3611065"/>
-            <a:ext cx="2904175" cy="1570536"/>
+            <a:off x="8098277" y="4760566"/>
+            <a:ext cx="2667000" cy="685801"/>
           </a:xfrm>
           <a:prstGeom prst="wedgeRoundRectCallout">
             <a:avLst>
@@ -13816,12 +15392,9 @@
             <a:pPr algn="ctr"/>
             <a:r>
               <a:rPr lang="en-US" b="1" dirty="0"/>
-              <a:t>Bellman update: </a:t>
+              <a:t>Update with the value of the best action in state s.</a:t>
             </a:r>
-            <a:r>
-              <a:rPr lang="en-US" dirty="0"/>
-              <a:t>Update a state with the reward + the expected utility of the state reached with the best action</a:t>
-            </a:r>
+            <a:endParaRPr lang="en-US" dirty="0"/>
           </a:p>
         </p:txBody>
       </p:sp>
@@ -13841,7 +15414,7 @@
             </p:nvSpPr>
             <p:spPr>
               <a:xfrm>
-                <a:off x="8744843" y="5711275"/>
+                <a:off x="8821043" y="5976041"/>
                 <a:ext cx="2474716" cy="729559"/>
               </a:xfrm>
               <a:prstGeom prst="rect">
@@ -13995,7 +15568,7 @@
             </p:nvSpPr>
             <p:spPr>
               <a:xfrm>
-                <a:off x="8744843" y="5711275"/>
+                <a:off x="8821043" y="5976041"/>
                 <a:ext cx="2474716" cy="729559"/>
               </a:xfrm>
               <a:prstGeom prst="rect">
@@ -14004,7 +15577,311 @@
               <a:blipFill>
                 <a:blip r:embed="rId4"/>
                 <a:stretch>
-                  <a:fillRect l="-1966" t="-820" b="-13115"/>
+                  <a:fillRect l="-1716" b="-13115"/>
+                </a:stretch>
+              </a:blipFill>
+            </p:spPr>
+            <p:txBody>
+              <a:bodyPr/>
+              <a:lstStyle/>
+              <a:p>
+                <a:r>
+                  <a:rPr lang="en-US">
+                    <a:noFill/>
+                  </a:rPr>
+                  <a:t> </a:t>
+                </a:r>
+              </a:p>
+            </p:txBody>
+          </p:sp>
+        </mc:Fallback>
+      </mc:AlternateContent>
+      <mc:AlternateContent xmlns:mc="http://schemas.openxmlformats.org/markup-compatibility/2006">
+        <mc:Choice xmlns:a14="http://schemas.microsoft.com/office/drawing/2010/main" Requires="a14">
+          <p:sp>
+            <p:nvSpPr>
+              <p:cNvPr id="13" name="TextBox 12">
+                <a:extLst>
+                  <a:ext uri="{FF2B5EF4-FFF2-40B4-BE49-F238E27FC236}">
+                    <a16:creationId xmlns:a16="http://schemas.microsoft.com/office/drawing/2014/main" id="{D4CCCAA1-E3F2-9AE6-C76D-6DAB64DEC95C}"/>
+                  </a:ext>
+                </a:extLst>
+              </p:cNvPr>
+              <p:cNvSpPr txBox="1"/>
+              <p:nvPr/>
+            </p:nvSpPr>
+            <p:spPr>
+              <a:xfrm>
+                <a:off x="905320" y="1367135"/>
+                <a:ext cx="10381359" cy="923330"/>
+              </a:xfrm>
+              <a:prstGeom prst="rect">
+                <a:avLst/>
+              </a:prstGeom>
+              <a:noFill/>
+            </p:spPr>
+            <p:txBody>
+              <a:bodyPr wrap="square">
+                <a:spAutoFit/>
+              </a:bodyPr>
+              <a:lstStyle/>
+              <a:p>
+                <a:r>
+                  <a:rPr lang="en-US" b="1" dirty="0"/>
+                  <a:t>Algorithm</a:t>
+                </a:r>
+                <a:r>
+                  <a:rPr lang="en-US" dirty="0"/>
+                  <a:t>: Start with a </a:t>
+                </a:r>
+                <a14:m>
+                  <m:oMath xmlns:m="http://schemas.openxmlformats.org/officeDocument/2006/math">
+                    <m:r>
+                      <a:rPr lang="en-US" i="1" dirty="0" smtClean="0">
+                        <a:latin typeface="Cambria Math" panose="02040503050406030204" pitchFamily="18" charset="0"/>
+                      </a:rPr>
+                      <m:t>𝑈</m:t>
+                    </m:r>
+                    <m:r>
+                      <a:rPr lang="en-US" i="1" dirty="0" smtClean="0">
+                        <a:latin typeface="Cambria Math" panose="02040503050406030204" pitchFamily="18" charset="0"/>
+                      </a:rPr>
+                      <m:t>(</m:t>
+                    </m:r>
+                    <m:r>
+                      <a:rPr lang="en-US" i="1" dirty="0" smtClean="0">
+                        <a:latin typeface="Cambria Math" panose="02040503050406030204" pitchFamily="18" charset="0"/>
+                      </a:rPr>
+                      <m:t>𝑠</m:t>
+                    </m:r>
+                    <m:r>
+                      <a:rPr lang="en-US" i="1" dirty="0" smtClean="0">
+                        <a:latin typeface="Cambria Math" panose="02040503050406030204" pitchFamily="18" charset="0"/>
+                      </a:rPr>
+                      <m:t>)</m:t>
+                    </m:r>
+                  </m:oMath>
+                </a14:m>
+                <a:r>
+                  <a:rPr lang="en-US" dirty="0"/>
+                  <a:t> vector of 0 for all states and then update (Bellman update) the vector iteratively until it converges to the unique optimal solution.</a:t>
+                </a:r>
+              </a:p>
+              <a:p>
+                <a:endParaRPr lang="en-US" dirty="0"/>
+              </a:p>
+            </p:txBody>
+          </p:sp>
+        </mc:Choice>
+        <mc:Fallback>
+          <p:sp>
+            <p:nvSpPr>
+              <p:cNvPr id="13" name="TextBox 12">
+                <a:extLst>
+                  <a:ext uri="{FF2B5EF4-FFF2-40B4-BE49-F238E27FC236}">
+                    <a16:creationId xmlns:a16="http://schemas.microsoft.com/office/drawing/2014/main" id="{D4CCCAA1-E3F2-9AE6-C76D-6DAB64DEC95C}"/>
+                  </a:ext>
+                </a:extLst>
+              </p:cNvPr>
+              <p:cNvSpPr txBox="1">
+                <a:spLocks noRot="1" noChangeAspect="1" noMove="1" noResize="1" noEditPoints="1" noAdjustHandles="1" noChangeArrowheads="1" noChangeShapeType="1" noTextEdit="1"/>
+              </p:cNvSpPr>
+              <p:nvPr/>
+            </p:nvSpPr>
+            <p:spPr>
+              <a:xfrm>
+                <a:off x="905320" y="1367135"/>
+                <a:ext cx="10381359" cy="923330"/>
+              </a:xfrm>
+              <a:prstGeom prst="rect">
+                <a:avLst/>
+              </a:prstGeom>
+              <a:blipFill>
+                <a:blip r:embed="rId5"/>
+                <a:stretch>
+                  <a:fillRect l="-529" t="-3289" r="-176"/>
+                </a:stretch>
+              </a:blipFill>
+            </p:spPr>
+            <p:txBody>
+              <a:bodyPr/>
+              <a:lstStyle/>
+              <a:p>
+                <a:r>
+                  <a:rPr lang="en-US">
+                    <a:noFill/>
+                  </a:rPr>
+                  <a:t> </a:t>
+                </a:r>
+              </a:p>
+            </p:txBody>
+          </p:sp>
+        </mc:Fallback>
+      </mc:AlternateContent>
+      <mc:AlternateContent xmlns:mc="http://schemas.openxmlformats.org/markup-compatibility/2006">
+        <mc:Choice xmlns:a14="http://schemas.microsoft.com/office/drawing/2010/main" Requires="a14">
+          <p:sp>
+            <p:nvSpPr>
+              <p:cNvPr id="14" name="Speech Bubble: Rectangle with Corners Rounded 13">
+                <a:extLst>
+                  <a:ext uri="{FF2B5EF4-FFF2-40B4-BE49-F238E27FC236}">
+                    <a16:creationId xmlns:a16="http://schemas.microsoft.com/office/drawing/2014/main" id="{2C83DA51-F484-984F-49A7-263A108B6B74}"/>
+                  </a:ext>
+                </a:extLst>
+              </p:cNvPr>
+              <p:cNvSpPr/>
+              <p:nvPr/>
+            </p:nvSpPr>
+            <p:spPr>
+              <a:xfrm>
+                <a:off x="4267200" y="6019800"/>
+                <a:ext cx="3810000" cy="685801"/>
+              </a:xfrm>
+              <a:prstGeom prst="wedgeRoundRectCallout">
+                <a:avLst>
+                  <a:gd name="adj1" fmla="val -59863"/>
+                  <a:gd name="adj2" fmla="val -45686"/>
+                  <a:gd name="adj3" fmla="val 16667"/>
+                </a:avLst>
+              </a:prstGeom>
+            </p:spPr>
+            <p:style>
+              <a:lnRef idx="2">
+                <a:schemeClr val="accent1">
+                  <a:shade val="15000"/>
+                </a:schemeClr>
+              </a:lnRef>
+              <a:fillRef idx="1">
+                <a:schemeClr val="accent1"/>
+              </a:fillRef>
+              <a:effectRef idx="0">
+                <a:schemeClr val="accent1"/>
+              </a:effectRef>
+              <a:fontRef idx="minor">
+                <a:schemeClr val="lt1"/>
+              </a:fontRef>
+            </p:style>
+            <p:txBody>
+              <a:bodyPr rtlCol="0" anchor="ctr"/>
+              <a:lstStyle/>
+              <a:p>
+                <a:pPr algn="ctr"/>
+                <a:r>
+                  <a:rPr lang="en-US" b="1" dirty="0"/>
+                  <a:t>Uses a proxy for policy loss </a:t>
+                </a:r>
+                <a14:m>
+                  <m:oMath xmlns:m="http://schemas.openxmlformats.org/officeDocument/2006/math">
+                    <m:sSub>
+                      <m:sSubPr>
+                        <m:ctrlPr>
+                          <a:rPr lang="en-US" b="1" i="1" smtClean="0">
+                            <a:latin typeface="Cambria Math" panose="02040503050406030204" pitchFamily="18" charset="0"/>
+                          </a:rPr>
+                        </m:ctrlPr>
+                      </m:sSubPr>
+                      <m:e>
+                        <m:d>
+                          <m:dPr>
+                            <m:begChr m:val="‖"/>
+                            <m:endChr m:val="‖"/>
+                            <m:ctrlPr>
+                              <a:rPr lang="en-US" b="1" i="1" smtClean="0">
+                                <a:latin typeface="Cambria Math" panose="02040503050406030204" pitchFamily="18" charset="0"/>
+                              </a:rPr>
+                            </m:ctrlPr>
+                          </m:dPr>
+                          <m:e>
+                            <m:sSup>
+                              <m:sSupPr>
+                                <m:ctrlPr>
+                                  <a:rPr lang="en-US" b="1" i="1" smtClean="0">
+                                    <a:latin typeface="Cambria Math" panose="02040503050406030204" pitchFamily="18" charset="0"/>
+                                  </a:rPr>
+                                </m:ctrlPr>
+                              </m:sSupPr>
+                              <m:e>
+                                <m:r>
+                                  <a:rPr lang="en-US" b="1" i="1" smtClean="0">
+                                    <a:latin typeface="Cambria Math" panose="02040503050406030204" pitchFamily="18" charset="0"/>
+                                  </a:rPr>
+                                  <m:t>𝑼</m:t>
+                                </m:r>
+                              </m:e>
+                              <m:sup>
+                                <m:r>
+                                  <a:rPr lang="en-US" b="1" i="1" smtClean="0">
+                                    <a:latin typeface="Cambria Math" panose="02040503050406030204" pitchFamily="18" charset="0"/>
+                                  </a:rPr>
+                                  <m:t>𝝅</m:t>
+                                </m:r>
+                              </m:sup>
+                            </m:sSup>
+                            <m:r>
+                              <a:rPr lang="en-US" b="1" i="1" smtClean="0">
+                                <a:latin typeface="Cambria Math" panose="02040503050406030204" pitchFamily="18" charset="0"/>
+                              </a:rPr>
+                              <m:t>−</m:t>
+                            </m:r>
+                            <m:r>
+                              <a:rPr lang="en-US" b="1" i="1" smtClean="0">
+                                <a:latin typeface="Cambria Math" panose="02040503050406030204" pitchFamily="18" charset="0"/>
+                              </a:rPr>
+                              <m:t>𝑼</m:t>
+                            </m:r>
+                          </m:e>
+                        </m:d>
+                      </m:e>
+                      <m:sub>
+                        <m:r>
+                          <a:rPr lang="en-US" b="1" i="1" smtClean="0">
+                            <a:latin typeface="Cambria Math" panose="02040503050406030204" pitchFamily="18" charset="0"/>
+                          </a:rPr>
+                          <m:t>∞</m:t>
+                        </m:r>
+                      </m:sub>
+                    </m:sSub>
+                  </m:oMath>
+                </a14:m>
+                <a:r>
+                  <a:rPr lang="en-US" dirty="0"/>
+                  <a:t> as the stopping criterion </a:t>
+                </a:r>
+              </a:p>
+            </p:txBody>
+          </p:sp>
+        </mc:Choice>
+        <mc:Fallback>
+          <p:sp>
+            <p:nvSpPr>
+              <p:cNvPr id="14" name="Speech Bubble: Rectangle with Corners Rounded 13">
+                <a:extLst>
+                  <a:ext uri="{FF2B5EF4-FFF2-40B4-BE49-F238E27FC236}">
+                    <a16:creationId xmlns:a16="http://schemas.microsoft.com/office/drawing/2014/main" id="{2C83DA51-F484-984F-49A7-263A108B6B74}"/>
+                  </a:ext>
+                </a:extLst>
+              </p:cNvPr>
+              <p:cNvSpPr>
+                <a:spLocks noRot="1" noChangeAspect="1" noMove="1" noResize="1" noEditPoints="1" noAdjustHandles="1" noChangeArrowheads="1" noChangeShapeType="1" noTextEdit="1"/>
+              </p:cNvSpPr>
+              <p:nvPr/>
+            </p:nvSpPr>
+            <p:spPr>
+              <a:xfrm>
+                <a:off x="4267200" y="6019800"/>
+                <a:ext cx="3810000" cy="685801"/>
+              </a:xfrm>
+              <a:prstGeom prst="wedgeRoundRectCallout">
+                <a:avLst>
+                  <a:gd name="adj1" fmla="val -59863"/>
+                  <a:gd name="adj2" fmla="val -45686"/>
+                  <a:gd name="adj3" fmla="val 16667"/>
+                </a:avLst>
+              </a:prstGeom>
+              <a:blipFill>
+                <a:blip r:embed="rId6"/>
+                <a:stretch>
+                  <a:fillRect t="-877" b="-9649"/>
                 </a:stretch>
               </a:blipFill>
             </p:spPr>
@@ -14027,613 +15904,6 @@
     <p:extLst>
       <p:ext uri="{BB962C8B-B14F-4D97-AF65-F5344CB8AC3E}">
         <p14:creationId xmlns:p14="http://schemas.microsoft.com/office/powerpoint/2010/main" val="1123325353"/>
-      </p:ext>
-    </p:extLst>
-  </p:cSld>
-  <p:clrMapOvr>
-    <a:masterClrMapping/>
-  </p:clrMapOvr>
-</p:sld>
-</file>
-
-<file path=ppt/slides/slide9.xml><?xml version="1.0" encoding="utf-8"?>
-<p:sld xmlns:a="http://schemas.openxmlformats.org/drawingml/2006/main" xmlns:r="http://schemas.openxmlformats.org/officeDocument/2006/relationships" xmlns:p="http://schemas.openxmlformats.org/presentationml/2006/main">
-  <p:cSld>
-    <p:spTree>
-      <p:nvGrpSpPr>
-        <p:cNvPr id="1" name=""/>
-        <p:cNvGrpSpPr/>
-        <p:nvPr/>
-      </p:nvGrpSpPr>
-      <p:grpSpPr>
-        <a:xfrm>
-          <a:off x="0" y="0"/>
-          <a:ext cx="0" cy="0"/>
-          <a:chOff x="0" y="0"/>
-          <a:chExt cx="0" cy="0"/>
-        </a:xfrm>
-      </p:grpSpPr>
-      <p:sp>
-        <p:nvSpPr>
-          <p:cNvPr id="10" name="Rectangle 9">
-            <a:extLst>
-              <a:ext uri="{FF2B5EF4-FFF2-40B4-BE49-F238E27FC236}">
-                <a16:creationId xmlns:a16="http://schemas.microsoft.com/office/drawing/2014/main" id="{90F18446-04DB-D98B-9D7E-E2DECCF5F82D}"/>
-              </a:ext>
-            </a:extLst>
-          </p:cNvPr>
-          <p:cNvSpPr/>
-          <p:nvPr/>
-        </p:nvSpPr>
-        <p:spPr>
-          <a:xfrm>
-            <a:off x="1066801" y="1406456"/>
-            <a:ext cx="9296399" cy="4934019"/>
-          </a:xfrm>
-          <a:prstGeom prst="rect">
-            <a:avLst/>
-          </a:prstGeom>
-        </p:spPr>
-        <p:style>
-          <a:lnRef idx="2">
-            <a:schemeClr val="accent2"/>
-          </a:lnRef>
-          <a:fillRef idx="1">
-            <a:schemeClr val="lt1"/>
-          </a:fillRef>
-          <a:effectRef idx="0">
-            <a:schemeClr val="accent2"/>
-          </a:effectRef>
-          <a:fontRef idx="minor">
-            <a:schemeClr val="dk1"/>
-          </a:fontRef>
-        </p:style>
-        <p:txBody>
-          <a:bodyPr rtlCol="0" anchor="ctr"/>
-          <a:lstStyle/>
-          <a:p>
-            <a:pPr algn="ctr"/>
-            <a:endParaRPr lang="en-US"/>
-          </a:p>
-        </p:txBody>
-      </p:sp>
-      <p:pic>
-        <p:nvPicPr>
-          <p:cNvPr id="14" name="Picture 13">
-            <a:extLst>
-              <a:ext uri="{FF2B5EF4-FFF2-40B4-BE49-F238E27FC236}">
-                <a16:creationId xmlns:a16="http://schemas.microsoft.com/office/drawing/2014/main" id="{F20912BC-8AC6-E0CB-A966-4F9562DF7E31}"/>
-              </a:ext>
-            </a:extLst>
-          </p:cNvPr>
-          <p:cNvPicPr>
-            <a:picLocks noChangeAspect="1"/>
-          </p:cNvPicPr>
-          <p:nvPr/>
-        </p:nvPicPr>
-        <p:blipFill>
-          <a:blip r:embed="rId2"/>
-          <a:stretch>
-            <a:fillRect/>
-          </a:stretch>
-        </p:blipFill>
-        <p:spPr>
-          <a:xfrm>
-            <a:off x="1243013" y="1513064"/>
-            <a:ext cx="8580903" cy="4720801"/>
-          </a:xfrm>
-          <a:prstGeom prst="rect">
-            <a:avLst/>
-          </a:prstGeom>
-        </p:spPr>
-      </p:pic>
-      <mc:AlternateContent xmlns:mc="http://schemas.openxmlformats.org/markup-compatibility/2006">
-        <mc:Choice xmlns:a14="http://schemas.microsoft.com/office/drawing/2010/main" Requires="a14">
-          <p:sp>
-            <p:nvSpPr>
-              <p:cNvPr id="2" name="Title 1">
-                <a:extLst>
-                  <a:ext uri="{FF2B5EF4-FFF2-40B4-BE49-F238E27FC236}">
-                    <a16:creationId xmlns:a16="http://schemas.microsoft.com/office/drawing/2014/main" id="{C8C32B98-2B97-D8C0-2282-F86B2C8C583E}"/>
-                  </a:ext>
-                </a:extLst>
-              </p:cNvPr>
-              <p:cNvSpPr>
-                <a:spLocks noGrp="1"/>
-              </p:cNvSpPr>
-              <p:nvPr>
-                <p:ph type="title"/>
-              </p:nvPr>
-            </p:nvSpPr>
-            <p:spPr/>
-            <p:txBody>
-              <a:bodyPr/>
-              <a:lstStyle/>
-              <a:p>
-                <a:r>
-                  <a:rPr lang="en-US" dirty="0"/>
-                  <a:t>Policy Iteration: Learn the optimal policy </a:t>
-                </a:r>
-                <a14:m>
-                  <m:oMath xmlns:m="http://schemas.openxmlformats.org/officeDocument/2006/math">
-                    <m:sSup>
-                      <m:sSupPr>
-                        <m:ctrlPr>
-                          <a:rPr lang="en-US" b="0" i="1" smtClean="0">
-                            <a:latin typeface="Cambria Math" panose="02040503050406030204" pitchFamily="18" charset="0"/>
-                          </a:rPr>
-                        </m:ctrlPr>
-                      </m:sSupPr>
-                      <m:e>
-                        <m:r>
-                          <a:rPr lang="en-US" b="0" i="1" smtClean="0">
-                            <a:latin typeface="Cambria Math" panose="02040503050406030204" pitchFamily="18" charset="0"/>
-                          </a:rPr>
-                          <m:t>𝜋</m:t>
-                        </m:r>
-                      </m:e>
-                      <m:sup>
-                        <m:r>
-                          <a:rPr lang="en-US" b="0" i="1" smtClean="0">
-                            <a:latin typeface="Cambria Math" panose="02040503050406030204" pitchFamily="18" charset="0"/>
-                          </a:rPr>
-                          <m:t>∗</m:t>
-                        </m:r>
-                      </m:sup>
-                    </m:sSup>
-                  </m:oMath>
-                </a14:m>
-                <a:endParaRPr lang="en-US" dirty="0"/>
-              </a:p>
-            </p:txBody>
-          </p:sp>
-        </mc:Choice>
-        <mc:Fallback>
-          <p:sp>
-            <p:nvSpPr>
-              <p:cNvPr id="2" name="Title 1">
-                <a:extLst>
-                  <a:ext uri="{FF2B5EF4-FFF2-40B4-BE49-F238E27FC236}">
-                    <a16:creationId xmlns:a16="http://schemas.microsoft.com/office/drawing/2014/main" id="{C8C32B98-2B97-D8C0-2282-F86B2C8C583E}"/>
-                  </a:ext>
-                </a:extLst>
-              </p:cNvPr>
-              <p:cNvSpPr>
-                <a:spLocks noGrp="1" noRot="1" noChangeAspect="1" noMove="1" noResize="1" noEditPoints="1" noAdjustHandles="1" noChangeArrowheads="1" noChangeShapeType="1" noTextEdit="1"/>
-              </p:cNvSpPr>
-              <p:nvPr>
-                <p:ph type="title"/>
-              </p:nvPr>
-            </p:nvSpPr>
-            <p:spPr>
-              <a:blipFill>
-                <a:blip r:embed="rId3"/>
-                <a:stretch>
-                  <a:fillRect l="-2377"/>
-                </a:stretch>
-              </a:blipFill>
-            </p:spPr>
-            <p:txBody>
-              <a:bodyPr/>
-              <a:lstStyle/>
-              <a:p>
-                <a:r>
-                  <a:rPr lang="en-US">
-                    <a:noFill/>
-                  </a:rPr>
-                  <a:t> </a:t>
-                </a:r>
-              </a:p>
-            </p:txBody>
-          </p:sp>
-        </mc:Fallback>
-      </mc:AlternateContent>
-      <p:sp>
-        <p:nvSpPr>
-          <p:cNvPr id="5" name="Right Brace 4">
-            <a:extLst>
-              <a:ext uri="{FF2B5EF4-FFF2-40B4-BE49-F238E27FC236}">
-                <a16:creationId xmlns:a16="http://schemas.microsoft.com/office/drawing/2014/main" id="{F3E77754-BB52-49DF-160C-43083A9A9262}"/>
-              </a:ext>
-            </a:extLst>
-          </p:cNvPr>
-          <p:cNvSpPr/>
-          <p:nvPr/>
-        </p:nvSpPr>
-        <p:spPr>
-          <a:xfrm>
-            <a:off x="9671516" y="3866345"/>
-            <a:ext cx="304800" cy="1752600"/>
-          </a:xfrm>
-          <a:prstGeom prst="rightBrace">
-            <a:avLst/>
-          </a:prstGeom>
-        </p:spPr>
-        <p:style>
-          <a:lnRef idx="3">
-            <a:schemeClr val="accent1"/>
-          </a:lnRef>
-          <a:fillRef idx="0">
-            <a:schemeClr val="accent1"/>
-          </a:fillRef>
-          <a:effectRef idx="2">
-            <a:schemeClr val="accent1"/>
-          </a:effectRef>
-          <a:fontRef idx="minor">
-            <a:schemeClr val="tx1"/>
-          </a:fontRef>
-        </p:style>
-        <p:txBody>
-          <a:bodyPr rtlCol="0" anchor="ctr"/>
-          <a:lstStyle/>
-          <a:p>
-            <a:pPr algn="ctr"/>
-            <a:endParaRPr lang="en-US" dirty="0"/>
-          </a:p>
-        </p:txBody>
-      </p:sp>
-      <mc:AlternateContent xmlns:mc="http://schemas.openxmlformats.org/markup-compatibility/2006">
-        <mc:Choice xmlns:a14="http://schemas.microsoft.com/office/drawing/2010/main" Requires="a14">
-          <p:sp>
-            <p:nvSpPr>
-              <p:cNvPr id="9" name="TextBox 8">
-                <a:extLst>
-                  <a:ext uri="{FF2B5EF4-FFF2-40B4-BE49-F238E27FC236}">
-                    <a16:creationId xmlns:a16="http://schemas.microsoft.com/office/drawing/2014/main" id="{2BBA4292-2680-B6EA-AEBA-92D340D7C265}"/>
-                  </a:ext>
-                </a:extLst>
-              </p:cNvPr>
-              <p:cNvSpPr txBox="1"/>
-              <p:nvPr/>
-            </p:nvSpPr>
-            <p:spPr>
-              <a:xfrm>
-                <a:off x="8533581" y="5747441"/>
-                <a:ext cx="2885470" cy="729559"/>
-              </a:xfrm>
-              <a:prstGeom prst="rect">
-                <a:avLst/>
-              </a:prstGeom>
-            </p:spPr>
-            <p:style>
-              <a:lnRef idx="2">
-                <a:schemeClr val="accent6">
-                  <a:shade val="15000"/>
-                </a:schemeClr>
-              </a:lnRef>
-              <a:fillRef idx="1">
-                <a:schemeClr val="accent6"/>
-              </a:fillRef>
-              <a:effectRef idx="0">
-                <a:schemeClr val="accent6"/>
-              </a:effectRef>
-              <a:fontRef idx="minor">
-                <a:schemeClr val="lt1"/>
-              </a:fontRef>
-            </p:style>
-            <p:txBody>
-              <a:bodyPr wrap="none" rtlCol="0">
-                <a:spAutoFit/>
-              </a:bodyPr>
-              <a:lstStyle/>
-              <a:p>
-                <a:pPr algn="ctr"/>
-                <a14:m>
-                  <m:oMath xmlns:m="http://schemas.openxmlformats.org/officeDocument/2006/math">
-                    <m:r>
-                      <a:rPr lang="en-US" sz="2000" b="0" i="1" smtClean="0">
-                        <a:latin typeface="Cambria Math" panose="02040503050406030204" pitchFamily="18" charset="0"/>
-                      </a:rPr>
-                      <m:t>𝜋</m:t>
-                    </m:r>
-                  </m:oMath>
-                </a14:m>
-                <a:r>
-                  <a:rPr lang="en-US" sz="2000" dirty="0"/>
-                  <a:t> converges to </a:t>
-                </a:r>
-                <a14:m>
-                  <m:oMath xmlns:m="http://schemas.openxmlformats.org/officeDocument/2006/math">
-                    <m:sSup>
-                      <m:sSupPr>
-                        <m:ctrlPr>
-                          <a:rPr lang="en-US" sz="2000" b="0" i="1" smtClean="0">
-                            <a:latin typeface="Cambria Math" panose="02040503050406030204" pitchFamily="18" charset="0"/>
-                          </a:rPr>
-                        </m:ctrlPr>
-                      </m:sSupPr>
-                      <m:e>
-                        <m:r>
-                          <a:rPr lang="en-US" sz="2000" b="0" i="1" smtClean="0">
-                            <a:latin typeface="Cambria Math" panose="02040503050406030204" pitchFamily="18" charset="0"/>
-                          </a:rPr>
-                          <m:t>𝜋</m:t>
-                        </m:r>
-                      </m:e>
-                      <m:sup>
-                        <m:r>
-                          <a:rPr lang="en-US" sz="2000" b="0" i="1" smtClean="0">
-                            <a:latin typeface="Cambria Math" panose="02040503050406030204" pitchFamily="18" charset="0"/>
-                          </a:rPr>
-                          <m:t>∗</m:t>
-                        </m:r>
-                      </m:sup>
-                    </m:sSup>
-                  </m:oMath>
-                </a14:m>
-                <a:br>
-                  <a:rPr lang="en-US" sz="2000" dirty="0"/>
-                </a:br>
-                <a:r>
-                  <a:rPr lang="en-US" sz="2000" dirty="0"/>
-                  <a:t>(and </a:t>
-                </a:r>
-                <a14:m>
-                  <m:oMath xmlns:m="http://schemas.openxmlformats.org/officeDocument/2006/math">
-                    <m:r>
-                      <a:rPr lang="en-US" sz="2000" b="0" i="1" smtClean="0">
-                        <a:latin typeface="Cambria Math" panose="02040503050406030204" pitchFamily="18" charset="0"/>
-                      </a:rPr>
-                      <m:t> </m:t>
-                    </m:r>
-                    <m:r>
-                      <a:rPr lang="en-US" sz="2000" i="1" dirty="0">
-                        <a:latin typeface="Cambria Math" panose="02040503050406030204" pitchFamily="18" charset="0"/>
-                      </a:rPr>
-                      <m:t>𝑈</m:t>
-                    </m:r>
-                    <m:r>
-                      <m:rPr>
-                        <m:nor/>
-                      </m:rPr>
-                      <a:rPr lang="en-US" sz="2000" dirty="0"/>
-                      <m:t> </m:t>
-                    </m:r>
-                    <m:r>
-                      <m:rPr>
-                        <m:nor/>
-                      </m:rPr>
-                      <a:rPr lang="en-US" sz="2000" dirty="0"/>
-                      <m:t>converges</m:t>
-                    </m:r>
-                    <m:r>
-                      <m:rPr>
-                        <m:nor/>
-                      </m:rPr>
-                      <a:rPr lang="en-US" sz="2000" dirty="0"/>
-                      <m:t> </m:t>
-                    </m:r>
-                    <m:r>
-                      <m:rPr>
-                        <m:nor/>
-                      </m:rPr>
-                      <a:rPr lang="en-US" sz="2000" dirty="0"/>
-                      <m:t>to</m:t>
-                    </m:r>
-                    <m:r>
-                      <m:rPr>
-                        <m:nor/>
-                      </m:rPr>
-                      <a:rPr lang="en-US" sz="2000" dirty="0"/>
-                      <m:t> </m:t>
-                    </m:r>
-                    <m:sSup>
-                      <m:sSupPr>
-                        <m:ctrlPr>
-                          <a:rPr lang="en-US" sz="2000" i="1">
-                            <a:latin typeface="Cambria Math" panose="02040503050406030204" pitchFamily="18" charset="0"/>
-                          </a:rPr>
-                        </m:ctrlPr>
-                      </m:sSupPr>
-                      <m:e>
-                        <m:r>
-                          <a:rPr lang="en-US" sz="2000" i="1">
-                            <a:latin typeface="Cambria Math" panose="02040503050406030204" pitchFamily="18" charset="0"/>
-                          </a:rPr>
-                          <m:t>𝑈</m:t>
-                        </m:r>
-                      </m:e>
-                      <m:sup>
-                        <m:sSup>
-                          <m:sSupPr>
-                            <m:ctrlPr>
-                              <a:rPr lang="en-US" sz="2000" i="1">
-                                <a:latin typeface="Cambria Math" panose="02040503050406030204" pitchFamily="18" charset="0"/>
-                              </a:rPr>
-                            </m:ctrlPr>
-                          </m:sSupPr>
-                          <m:e>
-                            <m:r>
-                              <a:rPr lang="en-US" sz="2000" i="1">
-                                <a:latin typeface="Cambria Math" panose="02040503050406030204" pitchFamily="18" charset="0"/>
-                              </a:rPr>
-                              <m:t>𝜋</m:t>
-                            </m:r>
-                          </m:e>
-                          <m:sup>
-                            <m:r>
-                              <a:rPr lang="en-US" sz="2000" i="1">
-                                <a:latin typeface="Cambria Math" panose="02040503050406030204" pitchFamily="18" charset="0"/>
-                              </a:rPr>
-                              <m:t>∗</m:t>
-                            </m:r>
-                          </m:sup>
-                        </m:sSup>
-                      </m:sup>
-                    </m:sSup>
-                  </m:oMath>
-                </a14:m>
-                <a:r>
-                  <a:rPr lang="en-US" sz="2000" dirty="0"/>
-                  <a:t>)</a:t>
-                </a:r>
-              </a:p>
-            </p:txBody>
-          </p:sp>
-        </mc:Choice>
-        <mc:Fallback>
-          <p:sp>
-            <p:nvSpPr>
-              <p:cNvPr id="9" name="TextBox 8">
-                <a:extLst>
-                  <a:ext uri="{FF2B5EF4-FFF2-40B4-BE49-F238E27FC236}">
-                    <a16:creationId xmlns:a16="http://schemas.microsoft.com/office/drawing/2014/main" id="{2BBA4292-2680-B6EA-AEBA-92D340D7C265}"/>
-                  </a:ext>
-                </a:extLst>
-              </p:cNvPr>
-              <p:cNvSpPr txBox="1">
-                <a:spLocks noRot="1" noChangeAspect="1" noMove="1" noResize="1" noEditPoints="1" noAdjustHandles="1" noChangeArrowheads="1" noChangeShapeType="1" noTextEdit="1"/>
-              </p:cNvSpPr>
-              <p:nvPr/>
-            </p:nvSpPr>
-            <p:spPr>
-              <a:xfrm>
-                <a:off x="8533581" y="5747441"/>
-                <a:ext cx="2885470" cy="729559"/>
-              </a:xfrm>
-              <a:prstGeom prst="rect">
-                <a:avLst/>
-              </a:prstGeom>
-              <a:blipFill>
-                <a:blip r:embed="rId4"/>
-                <a:stretch>
-                  <a:fillRect l="-1684" t="-4098" r="-1474" b="-13115"/>
-                </a:stretch>
-              </a:blipFill>
-            </p:spPr>
-            <p:txBody>
-              <a:bodyPr/>
-              <a:lstStyle/>
-              <a:p>
-                <a:r>
-                  <a:rPr lang="en-US">
-                    <a:noFill/>
-                  </a:rPr>
-                  <a:t> </a:t>
-                </a:r>
-              </a:p>
-            </p:txBody>
-          </p:sp>
-        </mc:Fallback>
-      </mc:AlternateContent>
-      <p:sp>
-        <p:nvSpPr>
-          <p:cNvPr id="11" name="Speech Bubble: Rectangle with Corners Rounded 10">
-            <a:extLst>
-              <a:ext uri="{FF2B5EF4-FFF2-40B4-BE49-F238E27FC236}">
-                <a16:creationId xmlns:a16="http://schemas.microsoft.com/office/drawing/2014/main" id="{F1C3BD76-4D67-69DA-592A-34CE6D8B73AF}"/>
-              </a:ext>
-            </a:extLst>
-          </p:cNvPr>
-          <p:cNvSpPr/>
-          <p:nvPr/>
-        </p:nvSpPr>
-        <p:spPr>
-          <a:xfrm>
-            <a:off x="6858000" y="2928041"/>
-            <a:ext cx="4724400" cy="729559"/>
-          </a:xfrm>
-          <a:prstGeom prst="wedgeRoundRectCallout">
-            <a:avLst>
-              <a:gd name="adj1" fmla="val -65187"/>
-              <a:gd name="adj2" fmla="val 14454"/>
-              <a:gd name="adj3" fmla="val 16667"/>
-            </a:avLst>
-          </a:prstGeom>
-        </p:spPr>
-        <p:style>
-          <a:lnRef idx="2">
-            <a:schemeClr val="accent1">
-              <a:shade val="15000"/>
-            </a:schemeClr>
-          </a:lnRef>
-          <a:fillRef idx="1">
-            <a:schemeClr val="accent1"/>
-          </a:fillRef>
-          <a:effectRef idx="0">
-            <a:schemeClr val="accent1"/>
-          </a:effectRef>
-          <a:fontRef idx="minor">
-            <a:schemeClr val="lt1"/>
-          </a:fontRef>
-        </p:style>
-        <p:txBody>
-          <a:bodyPr rtlCol="0" anchor="ctr"/>
-          <a:lstStyle/>
-          <a:p>
-            <a:pPr algn="ctr"/>
-            <a:r>
-              <a:rPr lang="en-US" dirty="0"/>
-              <a:t>Calculate U given current policy</a:t>
-            </a:r>
-            <a:br>
-              <a:rPr lang="en-US" dirty="0"/>
-            </a:br>
-            <a:r>
-              <a:rPr lang="en-US" dirty="0"/>
-              <a:t>(eighter solve an LP or iterative solution)</a:t>
-            </a:r>
-          </a:p>
-        </p:txBody>
-      </p:sp>
-      <p:sp>
-        <p:nvSpPr>
-          <p:cNvPr id="12" name="Rectangle: Rounded Corners 11">
-            <a:extLst>
-              <a:ext uri="{FF2B5EF4-FFF2-40B4-BE49-F238E27FC236}">
-                <a16:creationId xmlns:a16="http://schemas.microsoft.com/office/drawing/2014/main" id="{B6B0E704-A11F-E670-6F2B-4D697F469B15}"/>
-              </a:ext>
-            </a:extLst>
-          </p:cNvPr>
-          <p:cNvSpPr/>
-          <p:nvPr/>
-        </p:nvSpPr>
-        <p:spPr>
-          <a:xfrm>
-            <a:off x="10058400" y="4419600"/>
-            <a:ext cx="1524000" cy="685800"/>
-          </a:xfrm>
-          <a:prstGeom prst="roundRect">
-            <a:avLst/>
-          </a:prstGeom>
-        </p:spPr>
-        <p:style>
-          <a:lnRef idx="2">
-            <a:schemeClr val="accent1">
-              <a:shade val="15000"/>
-            </a:schemeClr>
-          </a:lnRef>
-          <a:fillRef idx="1">
-            <a:schemeClr val="accent1"/>
-          </a:fillRef>
-          <a:effectRef idx="0">
-            <a:schemeClr val="accent1"/>
-          </a:effectRef>
-          <a:fontRef idx="minor">
-            <a:schemeClr val="lt1"/>
-          </a:fontRef>
-        </p:style>
-        <p:txBody>
-          <a:bodyPr rtlCol="0" anchor="ctr"/>
-          <a:lstStyle/>
-          <a:p>
-            <a:r>
-              <a:rPr lang="en-US" dirty="0"/>
-              <a:t>Policy </a:t>
-            </a:r>
-          </a:p>
-          <a:p>
-            <a:r>
-              <a:rPr lang="en-US" dirty="0"/>
-              <a:t>Improvement</a:t>
-            </a:r>
-          </a:p>
-        </p:txBody>
-      </p:sp>
-    </p:spTree>
-    <p:extLst>
-      <p:ext uri="{BB962C8B-B14F-4D97-AF65-F5344CB8AC3E}">
-        <p14:creationId xmlns:p14="http://schemas.microsoft.com/office/powerpoint/2010/main" val="2301558060"/>
       </p:ext>
     </p:extLst>
   </p:cSld>

--- a/slides/22_Reinforcement_Learning.pptx
+++ b/slides/22_Reinforcement_Learning.pptx
@@ -8296,8 +8296,8 @@
           </a:p>
         </p:txBody>
       </p:sp>
-      <mc:AlternateContent xmlns:mc="http://schemas.openxmlformats.org/markup-compatibility/2006">
-        <mc:Choice xmlns:a14="http://schemas.microsoft.com/office/drawing/2010/main" Requires="a14">
+      <mc:AlternateContent xmlns:mc="http://schemas.openxmlformats.org/markup-compatibility/2006" xmlns:a14="http://schemas.microsoft.com/office/drawing/2010/main">
+        <mc:Choice Requires="a14">
           <p:sp>
             <p:nvSpPr>
               <p:cNvPr id="2" name="Title 1">
@@ -8383,7 +8383,7 @@
             </p:txBody>
           </p:sp>
         </mc:Choice>
-        <mc:Fallback>
+        <mc:Fallback xmlns="">
           <p:sp>
             <p:nvSpPr>
               <p:cNvPr id="2" name="Title 1">
@@ -8679,8 +8679,8 @@
           </p:sp>
         </mc:Fallback>
       </mc:AlternateContent>
-      <mc:AlternateContent xmlns:mc="http://schemas.openxmlformats.org/markup-compatibility/2006">
-        <mc:Choice xmlns:a14="http://schemas.microsoft.com/office/drawing/2010/main" Requires="a14">
+      <mc:AlternateContent xmlns:mc="http://schemas.openxmlformats.org/markup-compatibility/2006" xmlns:a14="http://schemas.microsoft.com/office/drawing/2010/main">
+        <mc:Choice Requires="a14">
           <p:sp>
             <p:nvSpPr>
               <p:cNvPr id="13" name="TextBox 12">
@@ -8808,7 +8808,7 @@
             </p:txBody>
           </p:sp>
         </mc:Choice>
-        <mc:Fallback>
+        <mc:Fallback xmlns="">
           <p:sp>
             <p:nvSpPr>
               <p:cNvPr id="13" name="TextBox 12">
@@ -9140,8 +9140,8 @@
           </a:p>
         </p:txBody>
       </p:sp>
-      <mc:AlternateContent xmlns:mc="http://schemas.openxmlformats.org/markup-compatibility/2006">
-        <mc:Choice xmlns:a14="http://schemas.microsoft.com/office/drawing/2010/main" Requires="a14">
+      <mc:AlternateContent xmlns:mc="http://schemas.openxmlformats.org/markup-compatibility/2006" xmlns:a14="http://schemas.microsoft.com/office/drawing/2010/main">
+        <mc:Choice Requires="a14">
           <p:sp>
             <p:nvSpPr>
               <p:cNvPr id="2" name="Title 1">
@@ -9201,7 +9201,7 @@
             </p:txBody>
           </p:sp>
         </mc:Choice>
-        <mc:Fallback>
+        <mc:Fallback xmlns="">
           <p:sp>
             <p:nvSpPr>
               <p:cNvPr id="2" name="Title 1">
@@ -9285,8 +9285,8 @@
           </a:p>
         </p:txBody>
       </p:sp>
-      <mc:AlternateContent xmlns:mc="http://schemas.openxmlformats.org/markup-compatibility/2006">
-        <mc:Choice xmlns:a14="http://schemas.microsoft.com/office/drawing/2010/main" Requires="a14">
+      <mc:AlternateContent xmlns:mc="http://schemas.openxmlformats.org/markup-compatibility/2006" xmlns:a14="http://schemas.microsoft.com/office/drawing/2010/main">
+        <mc:Choice Requires="a14">
           <p:sp>
             <p:nvSpPr>
               <p:cNvPr id="9" name="TextBox 8">
@@ -9484,7 +9484,7 @@
             </p:txBody>
           </p:sp>
         </mc:Choice>
-        <mc:Fallback>
+        <mc:Fallback xmlns="">
           <p:sp>
             <p:nvSpPr>
               <p:cNvPr id="9" name="TextBox 8">
@@ -9738,8 +9738,8 @@
           </a:p>
         </p:txBody>
       </p:sp>
-      <mc:AlternateContent xmlns:mc="http://schemas.openxmlformats.org/markup-compatibility/2006">
-        <mc:Choice xmlns:a14="http://schemas.microsoft.com/office/drawing/2010/main" Requires="a14">
+      <mc:AlternateContent xmlns:mc="http://schemas.openxmlformats.org/markup-compatibility/2006" xmlns:a14="http://schemas.microsoft.com/office/drawing/2010/main">
+        <mc:Choice Requires="a14">
           <p:sp>
             <p:nvSpPr>
               <p:cNvPr id="4" name="Content Placeholder 3">
@@ -10020,7 +10020,7 @@
             </p:txBody>
           </p:sp>
         </mc:Choice>
-        <mc:Fallback>
+        <mc:Fallback xmlns="">
           <p:sp>
             <p:nvSpPr>
               <p:cNvPr id="4" name="Content Placeholder 3">
@@ -10084,8 +10084,8 @@
             <a:chExt cx="3571136" cy="3352800"/>
           </a:xfrm>
         </p:grpSpPr>
-        <mc:AlternateContent xmlns:mc="http://schemas.openxmlformats.org/markup-compatibility/2006">
-          <mc:Choice xmlns:a14="http://schemas.microsoft.com/office/drawing/2010/main" Requires="a14">
+        <mc:AlternateContent xmlns:mc="http://schemas.openxmlformats.org/markup-compatibility/2006" xmlns:a14="http://schemas.microsoft.com/office/drawing/2010/main">
+          <mc:Choice Requires="a14">
             <p:sp>
               <p:nvSpPr>
                 <p:cNvPr id="5" name="Oval 4">
@@ -10171,7 +10171,7 @@
               </p:txBody>
             </p:sp>
           </mc:Choice>
-          <mc:Fallback>
+          <mc:Fallback xmlns="">
             <p:sp>
               <p:nvSpPr>
                 <p:cNvPr id="5" name="Oval 4">
@@ -10216,8 +10216,8 @@
             </p:sp>
           </mc:Fallback>
         </mc:AlternateContent>
-        <mc:AlternateContent xmlns:mc="http://schemas.openxmlformats.org/markup-compatibility/2006">
-          <mc:Choice xmlns:a14="http://schemas.microsoft.com/office/drawing/2010/main" Requires="a14">
+        <mc:AlternateContent xmlns:mc="http://schemas.openxmlformats.org/markup-compatibility/2006" xmlns:a14="http://schemas.microsoft.com/office/drawing/2010/main">
+          <mc:Choice Requires="a14">
             <p:sp>
               <p:nvSpPr>
                 <p:cNvPr id="6" name="Oval 5">
@@ -10303,7 +10303,7 @@
               </p:txBody>
             </p:sp>
           </mc:Choice>
-          <mc:Fallback>
+          <mc:Fallback xmlns="">
             <p:sp>
               <p:nvSpPr>
                 <p:cNvPr id="6" name="Oval 5">
@@ -10485,8 +10485,8 @@
             </a:fontRef>
           </p:style>
         </p:cxnSp>
-        <mc:AlternateContent xmlns:mc="http://schemas.openxmlformats.org/markup-compatibility/2006">
-          <mc:Choice xmlns:a14="http://schemas.microsoft.com/office/drawing/2010/main" Requires="a14">
+        <mc:AlternateContent xmlns:mc="http://schemas.openxmlformats.org/markup-compatibility/2006" xmlns:a14="http://schemas.microsoft.com/office/drawing/2010/main">
+          <mc:Choice Requires="a14">
             <p:sp>
               <p:nvSpPr>
                 <p:cNvPr id="12" name="TextBox 11">
@@ -10515,6 +10515,7 @@
                 </a:bodyPr>
                 <a:lstStyle/>
                 <a:p>
+                  <a:pPr/>
                   <a14:m>
                     <m:oMathPara xmlns:m="http://schemas.openxmlformats.org/officeDocument/2006/math">
                       <m:oMathParaPr>
@@ -10554,7 +10555,7 @@
               </p:txBody>
             </p:sp>
           </mc:Choice>
-          <mc:Fallback>
+          <mc:Fallback xmlns="">
             <p:sp>
               <p:nvSpPr>
                 <p:cNvPr id="12" name="TextBox 11">
@@ -10677,8 +10678,8 @@
             </a:p>
           </p:txBody>
         </p:sp>
-        <mc:AlternateContent xmlns:mc="http://schemas.openxmlformats.org/markup-compatibility/2006">
-          <mc:Choice xmlns:a14="http://schemas.microsoft.com/office/drawing/2010/main" Requires="a14">
+        <mc:AlternateContent xmlns:mc="http://schemas.openxmlformats.org/markup-compatibility/2006" xmlns:a14="http://schemas.microsoft.com/office/drawing/2010/main">
+          <mc:Choice Requires="a14">
             <p:sp>
               <p:nvSpPr>
                 <p:cNvPr id="15" name="TextBox 14">
@@ -10707,6 +10708,7 @@
                 </a:bodyPr>
                 <a:lstStyle/>
                 <a:p>
+                  <a:pPr/>
                   <a14:m>
                     <m:oMathPara xmlns:m="http://schemas.openxmlformats.org/officeDocument/2006/math">
                       <m:oMathParaPr>
@@ -10746,7 +10748,7 @@
               </p:txBody>
             </p:sp>
           </mc:Choice>
-          <mc:Fallback>
+          <mc:Fallback xmlns="">
             <p:sp>
               <p:nvSpPr>
                 <p:cNvPr id="15" name="TextBox 14">
@@ -10791,8 +10793,8 @@
             </p:sp>
           </mc:Fallback>
         </mc:AlternateContent>
-        <mc:AlternateContent xmlns:mc="http://schemas.openxmlformats.org/markup-compatibility/2006">
-          <mc:Choice xmlns:a14="http://schemas.microsoft.com/office/drawing/2010/main" Requires="a14">
+        <mc:AlternateContent xmlns:mc="http://schemas.openxmlformats.org/markup-compatibility/2006" xmlns:a14="http://schemas.microsoft.com/office/drawing/2010/main">
+          <mc:Choice Requires="a14">
             <p:sp>
               <p:nvSpPr>
                 <p:cNvPr id="17" name="TextBox 16">
@@ -10821,6 +10823,7 @@
                 </a:bodyPr>
                 <a:lstStyle/>
                 <a:p>
+                  <a:pPr/>
                   <a14:m>
                     <m:oMathPara xmlns:m="http://schemas.openxmlformats.org/officeDocument/2006/math">
                       <m:oMathParaPr>
@@ -10860,7 +10863,7 @@
               </p:txBody>
             </p:sp>
           </mc:Choice>
-          <mc:Fallback>
+          <mc:Fallback xmlns="">
             <p:sp>
               <p:nvSpPr>
                 <p:cNvPr id="17" name="TextBox 16">
@@ -11106,8 +11109,8 @@
             </a:p>
           </p:txBody>
         </p:sp>
-        <mc:AlternateContent xmlns:mc="http://schemas.openxmlformats.org/markup-compatibility/2006">
-          <mc:Choice xmlns:a14="http://schemas.microsoft.com/office/drawing/2010/main" Requires="a14">
+        <mc:AlternateContent xmlns:mc="http://schemas.openxmlformats.org/markup-compatibility/2006" xmlns:a14="http://schemas.microsoft.com/office/drawing/2010/main">
+          <mc:Choice Requires="a14">
             <p:sp>
               <p:nvSpPr>
                 <p:cNvPr id="29" name="Rectangle 28">
@@ -11193,7 +11196,7 @@
               </p:txBody>
             </p:sp>
           </mc:Choice>
-          <mc:Fallback>
+          <mc:Fallback xmlns="">
             <p:sp>
               <p:nvSpPr>
                 <p:cNvPr id="29" name="Rectangle 28">
@@ -11238,8 +11241,8 @@
             </p:sp>
           </mc:Fallback>
         </mc:AlternateContent>
-        <mc:AlternateContent xmlns:mc="http://schemas.openxmlformats.org/markup-compatibility/2006">
-          <mc:Choice xmlns:a14="http://schemas.microsoft.com/office/drawing/2010/main" Requires="a14">
+        <mc:AlternateContent xmlns:mc="http://schemas.openxmlformats.org/markup-compatibility/2006" xmlns:a14="http://schemas.microsoft.com/office/drawing/2010/main">
+          <mc:Choice Requires="a14">
             <p:sp>
               <p:nvSpPr>
                 <p:cNvPr id="30" name="Rectangle 29">
@@ -11325,7 +11328,7 @@
               </p:txBody>
             </p:sp>
           </mc:Choice>
-          <mc:Fallback>
+          <mc:Fallback xmlns="">
             <p:sp>
               <p:nvSpPr>
                 <p:cNvPr id="30" name="Rectangle 29">
@@ -11370,8 +11373,8 @@
             </p:sp>
           </mc:Fallback>
         </mc:AlternateContent>
-        <mc:AlternateContent xmlns:mc="http://schemas.openxmlformats.org/markup-compatibility/2006">
-          <mc:Choice xmlns:a14="http://schemas.microsoft.com/office/drawing/2010/main" Requires="a14">
+        <mc:AlternateContent xmlns:mc="http://schemas.openxmlformats.org/markup-compatibility/2006" xmlns:a14="http://schemas.microsoft.com/office/drawing/2010/main">
+          <mc:Choice Requires="a14">
             <p:sp>
               <p:nvSpPr>
                 <p:cNvPr id="32" name="Rectangle 31">
@@ -11457,7 +11460,7 @@
               </p:txBody>
             </p:sp>
           </mc:Choice>
-          <mc:Fallback>
+          <mc:Fallback xmlns="">
             <p:sp>
               <p:nvSpPr>
                 <p:cNvPr id="32" name="Rectangle 31">
@@ -11759,8 +11762,8 @@
             </a:fontRef>
           </p:style>
         </p:cxnSp>
-        <mc:AlternateContent xmlns:mc="http://schemas.openxmlformats.org/markup-compatibility/2006">
-          <mc:Choice xmlns:a14="http://schemas.microsoft.com/office/drawing/2010/main" Requires="a14">
+        <mc:AlternateContent xmlns:mc="http://schemas.openxmlformats.org/markup-compatibility/2006" xmlns:a14="http://schemas.microsoft.com/office/drawing/2010/main">
+          <mc:Choice Requires="a14">
             <p:sp>
               <p:nvSpPr>
                 <p:cNvPr id="57" name="TextBox 56">
@@ -11789,6 +11792,7 @@
                 </a:bodyPr>
                 <a:lstStyle/>
                 <a:p>
+                  <a:pPr/>
                   <a14:m>
                     <m:oMathPara xmlns:m="http://schemas.openxmlformats.org/officeDocument/2006/math">
                       <m:oMathParaPr>
@@ -11867,7 +11871,7 @@
               </p:txBody>
             </p:sp>
           </mc:Choice>
-          <mc:Fallback>
+          <mc:Fallback xmlns="">
             <p:sp>
               <p:nvSpPr>
                 <p:cNvPr id="57" name="TextBox 56">
@@ -13896,8 +13900,8 @@
           </p:sp>
         </mc:Fallback>
       </mc:AlternateContent>
-      <mc:AlternateContent xmlns:mc="http://schemas.openxmlformats.org/markup-compatibility/2006">
-        <mc:Choice xmlns:a14="http://schemas.microsoft.com/office/drawing/2010/main" Requires="a14">
+      <mc:AlternateContent xmlns:mc="http://schemas.openxmlformats.org/markup-compatibility/2006" xmlns:a14="http://schemas.microsoft.com/office/drawing/2010/main">
+        <mc:Choice Requires="a14">
           <p:sp>
             <p:nvSpPr>
               <p:cNvPr id="4" name="TextBox 3">
@@ -13968,7 +13972,7 @@
             </p:txBody>
           </p:sp>
         </mc:Choice>
-        <mc:Fallback>
+        <mc:Fallback xmlns="">
           <p:sp>
             <p:nvSpPr>
               <p:cNvPr id="4" name="TextBox 3">
@@ -14071,8 +14075,8 @@
           </a:p>
         </p:txBody>
       </p:sp>
-      <mc:AlternateContent xmlns:mc="http://schemas.openxmlformats.org/markup-compatibility/2006">
-        <mc:Choice xmlns:a14="http://schemas.microsoft.com/office/drawing/2010/main" Requires="a14">
+      <mc:AlternateContent xmlns:mc="http://schemas.openxmlformats.org/markup-compatibility/2006" xmlns:a14="http://schemas.microsoft.com/office/drawing/2010/main">
+        <mc:Choice Requires="a14">
           <p:sp>
             <p:nvSpPr>
               <p:cNvPr id="3" name="Content Placeholder 2">
@@ -14176,7 +14180,7 @@
             </p:txBody>
           </p:sp>
         </mc:Choice>
-        <mc:Fallback>
+        <mc:Fallback xmlns="">
           <p:sp>
             <p:nvSpPr>
               <p:cNvPr id="3" name="Content Placeholder 2">
@@ -14701,8 +14705,8 @@
           </a:p>
         </p:txBody>
       </p:sp>
-      <mc:AlternateContent xmlns:mc="http://schemas.openxmlformats.org/markup-compatibility/2006">
-        <mc:Choice xmlns:a14="http://schemas.microsoft.com/office/drawing/2010/main" Requires="a14">
+      <mc:AlternateContent xmlns:mc="http://schemas.openxmlformats.org/markup-compatibility/2006" xmlns:a14="http://schemas.microsoft.com/office/drawing/2010/main">
+        <mc:Choice Requires="a14">
           <p:sp>
             <p:nvSpPr>
               <p:cNvPr id="3" name="Content Placeholder 2">
@@ -15102,7 +15106,7 @@
             </p:txBody>
           </p:sp>
         </mc:Choice>
-        <mc:Fallback>
+        <mc:Fallback xmlns="">
           <p:sp>
             <p:nvSpPr>
               <p:cNvPr id="3" name="Content Placeholder 2">
@@ -15302,13 +15306,13 @@
             <p:nvPr/>
           </p:nvPicPr>
           <p:blipFill>
-            <a:blip r:embed="rId5">
+            <a:blip r:embed="rId7">
               <a:extLst>
                 <a:ext uri="{28A0092B-C50C-407E-A947-70E740481C1C}">
                   <a14:useLocalDpi xmlns:a14="http://schemas.microsoft.com/office/drawing/2010/main" val="0"/>
                 </a:ext>
                 <a:ext uri="{96DAC541-7B7A-43D3-8B79-37D633B846F1}">
-                  <asvg:svgBlip xmlns:asvg="http://schemas.microsoft.com/office/drawing/2016/SVG/main" r:embed="rId6"/>
+                  <asvg:svgBlip xmlns:asvg="http://schemas.microsoft.com/office/drawing/2016/SVG/main" r:embed="rId8"/>
                 </a:ext>
               </a:extLst>
             </a:blip>
@@ -15341,13 +15345,13 @@
             <p:nvPr/>
           </p:nvPicPr>
           <p:blipFill>
-            <a:blip r:embed="rId5">
+            <a:blip r:embed="rId7">
               <a:extLst>
                 <a:ext uri="{28A0092B-C50C-407E-A947-70E740481C1C}">
                   <a14:useLocalDpi xmlns:a14="http://schemas.microsoft.com/office/drawing/2010/main" val="0"/>
                 </a:ext>
                 <a:ext uri="{96DAC541-7B7A-43D3-8B79-37D633B846F1}">
-                  <asvg:svgBlip xmlns:asvg="http://schemas.microsoft.com/office/drawing/2016/SVG/main" r:embed="rId6"/>
+                  <asvg:svgBlip xmlns:asvg="http://schemas.microsoft.com/office/drawing/2016/SVG/main" r:embed="rId8"/>
                 </a:ext>
               </a:extLst>
             </a:blip>
@@ -15378,8 +15382,8 @@
             <p:nvPr/>
           </p:nvSpPr>
           <p:spPr>
-            <a:xfrm>
-              <a:off x="8619643" y="1864054"/>
+            <a:xfrm rot="1539490">
+              <a:off x="8648044" y="2014819"/>
               <a:ext cx="458441" cy="400860"/>
             </a:xfrm>
             <a:prstGeom prst="rightArrow">
@@ -15387,16 +15391,14 @@
             </a:prstGeom>
           </p:spPr>
           <p:style>
-            <a:lnRef idx="2">
-              <a:schemeClr val="dk1">
-                <a:shade val="50000"/>
-              </a:schemeClr>
+            <a:lnRef idx="3">
+              <a:schemeClr val="lt1"/>
             </a:lnRef>
             <a:fillRef idx="1">
-              <a:schemeClr val="dk1"/>
+              <a:schemeClr val="accent2"/>
             </a:fillRef>
-            <a:effectRef idx="0">
-              <a:schemeClr val="dk1"/>
+            <a:effectRef idx="1">
+              <a:schemeClr val="accent2"/>
             </a:effectRef>
             <a:fontRef idx="minor">
               <a:schemeClr val="lt1"/>
@@ -15816,7 +15818,7 @@
             </a:r>
             <a:r>
               <a:rPr lang="en-US" dirty="0"/>
-              <a:t>: The agent’s utility depends on a sequence of decisions spread out over time.</a:t>
+              <a:t>: The agent’s utility depends on a sequence of decisions that depend on each other. </a:t>
             </a:r>
           </a:p>
           <a:p>
@@ -16192,8 +16194,8 @@
             </p:sp>
           </mc:Fallback>
         </mc:AlternateContent>
-        <mc:AlternateContent xmlns:mc="http://schemas.openxmlformats.org/markup-compatibility/2006">
-          <mc:Choice xmlns:a14="http://schemas.microsoft.com/office/drawing/2010/main" Requires="a14">
+        <mc:AlternateContent xmlns:mc="http://schemas.openxmlformats.org/markup-compatibility/2006" xmlns:a14="http://schemas.microsoft.com/office/drawing/2010/main">
+          <mc:Choice Requires="a14">
             <p:sp>
               <p:nvSpPr>
                 <p:cNvPr id="17" name="TextBox 16">
@@ -16281,7 +16283,7 @@
               </p:txBody>
             </p:sp>
           </mc:Choice>
-          <mc:Fallback>
+          <mc:Fallback xmlns="">
             <p:sp>
               <p:nvSpPr>
                 <p:cNvPr id="17" name="TextBox 16">
@@ -16326,8 +16328,8 @@
             </p:sp>
           </mc:Fallback>
         </mc:AlternateContent>
-        <mc:AlternateContent xmlns:mc="http://schemas.openxmlformats.org/markup-compatibility/2006">
-          <mc:Choice xmlns:a14="http://schemas.microsoft.com/office/drawing/2010/main" Requires="a14">
+        <mc:AlternateContent xmlns:mc="http://schemas.openxmlformats.org/markup-compatibility/2006" xmlns:a14="http://schemas.microsoft.com/office/drawing/2010/main">
+          <mc:Choice Requires="a14">
             <p:sp>
               <p:nvSpPr>
                 <p:cNvPr id="18" name="TextBox 17">
@@ -16415,7 +16417,7 @@
               </p:txBody>
             </p:sp>
           </mc:Choice>
-          <mc:Fallback>
+          <mc:Fallback xmlns="">
             <p:sp>
               <p:nvSpPr>
                 <p:cNvPr id="18" name="TextBox 17">
@@ -16461,8 +16463,8 @@
           </mc:Fallback>
         </mc:AlternateContent>
       </p:grpSp>
-      <mc:AlternateContent xmlns:mc="http://schemas.openxmlformats.org/markup-compatibility/2006">
-        <mc:Choice xmlns:a14="http://schemas.microsoft.com/office/drawing/2010/main" Requires="a14">
+      <mc:AlternateContent xmlns:mc="http://schemas.openxmlformats.org/markup-compatibility/2006" xmlns:a14="http://schemas.microsoft.com/office/drawing/2010/main">
+        <mc:Choice Requires="a14">
           <p:sp>
             <p:nvSpPr>
               <p:cNvPr id="22" name="TextBox 21">
@@ -16674,13 +16676,7 @@
                       <a:rPr lang="en-US" sz="2000" b="0" i="1" dirty="0" smtClean="0">
                         <a:latin typeface="Cambria Math" panose="02040503050406030204" pitchFamily="18" charset="0"/>
                       </a:rPr>
-                      <m:t>)</m:t>
-                    </m:r>
-                    <m:r>
-                      <a:rPr lang="en-US" sz="2000" b="0" i="1" dirty="0" smtClean="0">
-                        <a:latin typeface="Cambria Math" panose="02040503050406030204" pitchFamily="18" charset="0"/>
-                      </a:rPr>
-                      <m:t>, </m:t>
+                      <m:t>), </m:t>
                     </m:r>
                     <m:sSub>
                       <m:sSubPr>
@@ -16711,13 +16707,7 @@
                       <a:rPr lang="en-US" sz="2000" b="0" i="1" dirty="0" smtClean="0">
                         <a:latin typeface="Cambria Math" panose="02040503050406030204" pitchFamily="18" charset="0"/>
                       </a:rPr>
-                      <m:t>,</m:t>
-                    </m:r>
-                    <m:r>
-                      <a:rPr lang="en-US" sz="2000" b="0" i="1" dirty="0" smtClean="0">
-                        <a:latin typeface="Cambria Math" panose="02040503050406030204" pitchFamily="18" charset="0"/>
-                      </a:rPr>
-                      <m:t>(</m:t>
+                      <m:t>,(</m:t>
                     </m:r>
                     <m:sSub>
                       <m:sSubPr>
@@ -16825,7 +16815,7 @@
             </p:txBody>
           </p:sp>
         </mc:Choice>
-        <mc:Fallback>
+        <mc:Fallback xmlns="">
           <p:sp>
             <p:nvSpPr>
               <p:cNvPr id="22" name="TextBox 21">
@@ -16930,8 +16920,8 @@
             </p:nvSpPr>
             <p:spPr>
               <a:xfrm>
-                <a:off x="6934041" y="4232866"/>
-                <a:ext cx="4921220" cy="2162964"/>
+                <a:off x="6769100" y="4232866"/>
+                <a:ext cx="5086161" cy="2486322"/>
               </a:xfrm>
               <a:prstGeom prst="rect">
                 <a:avLst/>
@@ -16963,24 +16953,7 @@
                 </a:r>
                 <a:r>
                   <a:rPr lang="en-US" sz="2000" dirty="0"/>
-                  <a:t>Observations and rewards depend on the state of the system and the agent wants to maximize expected reward over time (discounted by </a:t>
-                </a:r>
-                <a14:m>
-                  <m:oMath xmlns:m="http://schemas.openxmlformats.org/officeDocument/2006/math">
-                    <m:r>
-                      <m:rPr>
-                        <m:sty m:val="p"/>
-                      </m:rPr>
-                      <a:rPr lang="en-US" sz="2000" b="0" i="1" smtClean="0">
-                        <a:latin typeface="Cambria Math" panose="02040503050406030204" pitchFamily="18" charset="0"/>
-                      </a:rPr>
-                      <m:t>γ</m:t>
-                    </m:r>
-                  </m:oMath>
-                </a14:m>
-                <a:r>
-                  <a:rPr lang="en-US" sz="2000" dirty="0"/>
-                  <a:t>): </a:t>
+                  <a:t>Observations and rewards depend on the state of the system and the agent wants to maximize the expected discounted reward: </a:t>
                 </a:r>
               </a:p>
               <a:p>
@@ -17045,10 +17018,10 @@
                             </m:sub>
                             <m:sup>
                               <m:r>
-                                <a:rPr lang="en-US" sz="2000" i="1">
+                                <a:rPr lang="en-US" sz="2000" b="0" i="1" smtClean="0">
                                   <a:latin typeface="Cambria Math" panose="02040503050406030204" pitchFamily="18" charset="0"/>
                                 </a:rPr>
-                                <m:t>∞</m:t>
+                                <m:t>𝑇</m:t>
                               </m:r>
                             </m:sup>
                             <m:e>
@@ -17111,6 +17084,40 @@
                 </a14:m>
                 <a:endParaRPr lang="en-US" sz="2000" dirty="0"/>
               </a:p>
+              <a:p>
+                <a:pPr algn="r"/>
+                <a14:m>
+                  <m:oMath xmlns:m="http://schemas.openxmlformats.org/officeDocument/2006/math">
+                    <m:r>
+                      <a:rPr lang="en-US" sz="1600" b="0" i="1" smtClean="0">
+                        <a:latin typeface="Cambria Math" panose="02040503050406030204" pitchFamily="18" charset="0"/>
+                      </a:rPr>
+                      <m:t>𝛾</m:t>
+                    </m:r>
+                  </m:oMath>
+                </a14:m>
+                <a:r>
+                  <a:rPr lang="en-US" sz="1600" dirty="0"/>
+                  <a:t> … discounting factor</a:t>
+                </a:r>
+                <a:br>
+                  <a:rPr lang="en-US" sz="1600" dirty="0"/>
+                </a:br>
+                <a14:m>
+                  <m:oMath xmlns:m="http://schemas.openxmlformats.org/officeDocument/2006/math">
+                    <m:r>
+                      <a:rPr lang="en-US" sz="1600" i="1" dirty="0">
+                        <a:latin typeface="Cambria Math" panose="02040503050406030204" pitchFamily="18" charset="0"/>
+                      </a:rPr>
+                      <m:t>𝑇</m:t>
+                    </m:r>
+                  </m:oMath>
+                </a14:m>
+                <a:r>
+                  <a:rPr lang="en-US" sz="1600" dirty="0"/>
+                  <a:t> … time horizon may be infinity</a:t>
+                </a:r>
+              </a:p>
             </p:txBody>
           </p:sp>
         </mc:Choice>
@@ -17131,8 +17138,8 @@
             </p:nvSpPr>
             <p:spPr>
               <a:xfrm>
-                <a:off x="6934041" y="4232866"/>
-                <a:ext cx="4921220" cy="2162964"/>
+                <a:off x="6769100" y="4232866"/>
+                <a:ext cx="5086161" cy="2486322"/>
               </a:xfrm>
               <a:prstGeom prst="rect">
                 <a:avLst/>
@@ -17140,7 +17147,7 @@
               <a:blipFill>
                 <a:blip r:embed="rId6"/>
                 <a:stretch>
-                  <a:fillRect l="-1110" t="-1117"/>
+                  <a:fillRect l="-1074" t="-973" r="-1671" b="-1703"/>
                 </a:stretch>
               </a:blipFill>
             </p:spPr>
@@ -17237,13 +17244,13 @@
             </p:nvSpPr>
             <p:spPr>
               <a:xfrm>
-                <a:off x="838199" y="1600200"/>
-                <a:ext cx="7040943" cy="4892675"/>
+                <a:off x="838199" y="1600201"/>
+                <a:ext cx="7040943" cy="4267200"/>
               </a:xfrm>
             </p:spPr>
             <p:txBody>
               <a:bodyPr>
-                <a:normAutofit fontScale="70000" lnSpcReduction="20000"/>
+                <a:normAutofit fontScale="62500" lnSpcReduction="20000"/>
               </a:bodyPr>
               <a:lstStyle/>
               <a:p>
@@ -17798,7 +17805,7 @@
                 </a:r>
                 <a:r>
                   <a:rPr lang="en-US" dirty="0"/>
-                  <a:t>: non-episodic task environment</a:t>
+                  <a:t>: non-episodic (continuous) tasks with no terminal state.</a:t>
                 </a:r>
               </a:p>
               <a:p>
@@ -17809,7 +17816,7 @@
                 </a:r>
                 <a:r>
                   <a:rPr lang="en-US" dirty="0"/>
-                  <a:t>: episodic task environment. Episode ends after a number of periods or when a terminal state is reached. Episodes contain a sequence of several actions that affect each other .</a:t>
+                  <a:t>: episodic tasks. Episode ends after a number of periods or when a terminal state is reached. Episodes contain a sequence of several actions that affect each other.</a:t>
                 </a:r>
               </a:p>
             </p:txBody>
@@ -17834,13 +17841,13 @@
             </p:nvSpPr>
             <p:spPr>
               <a:xfrm>
-                <a:off x="838199" y="1600200"/>
-                <a:ext cx="7040943" cy="4892675"/>
+                <a:off x="838199" y="1600201"/>
+                <a:ext cx="7040943" cy="4267200"/>
               </a:xfrm>
               <a:blipFill>
                 <a:blip r:embed="rId3"/>
                 <a:stretch>
-                  <a:fillRect l="-692" t="-2369"/>
+                  <a:fillRect l="-519" t="-2429" b="-429"/>
                 </a:stretch>
               </a:blipFill>
             </p:spPr>
@@ -17879,8 +17886,8 @@
             <a:chExt cx="3941148" cy="4191000"/>
           </a:xfrm>
         </p:grpSpPr>
-        <mc:AlternateContent xmlns:mc="http://schemas.openxmlformats.org/markup-compatibility/2006">
-          <mc:Choice xmlns:a14="http://schemas.microsoft.com/office/drawing/2010/main" Requires="a14">
+        <mc:AlternateContent xmlns:mc="http://schemas.openxmlformats.org/markup-compatibility/2006" xmlns:a14="http://schemas.microsoft.com/office/drawing/2010/main">
+          <mc:Choice Requires="a14">
             <p:sp>
               <p:nvSpPr>
                 <p:cNvPr id="4" name="Oval 3">
@@ -17966,7 +17973,7 @@
               </p:txBody>
             </p:sp>
           </mc:Choice>
-          <mc:Fallback>
+          <mc:Fallback xmlns="">
             <p:sp>
               <p:nvSpPr>
                 <p:cNvPr id="4" name="Oval 3">
@@ -18011,8 +18018,8 @@
             </p:sp>
           </mc:Fallback>
         </mc:AlternateContent>
-        <mc:AlternateContent xmlns:mc="http://schemas.openxmlformats.org/markup-compatibility/2006">
-          <mc:Choice xmlns:a14="http://schemas.microsoft.com/office/drawing/2010/main" Requires="a14">
+        <mc:AlternateContent xmlns:mc="http://schemas.openxmlformats.org/markup-compatibility/2006" xmlns:a14="http://schemas.microsoft.com/office/drawing/2010/main">
+          <mc:Choice Requires="a14">
             <p:sp>
               <p:nvSpPr>
                 <p:cNvPr id="5" name="Oval 4">
@@ -18098,7 +18105,7 @@
               </p:txBody>
             </p:sp>
           </mc:Choice>
-          <mc:Fallback>
+          <mc:Fallback xmlns="">
             <p:sp>
               <p:nvSpPr>
                 <p:cNvPr id="5" name="Oval 4">
@@ -18143,8 +18150,8 @@
             </p:sp>
           </mc:Fallback>
         </mc:AlternateContent>
-        <mc:AlternateContent xmlns:mc="http://schemas.openxmlformats.org/markup-compatibility/2006">
-          <mc:Choice xmlns:a14="http://schemas.microsoft.com/office/drawing/2010/main" Requires="a14">
+        <mc:AlternateContent xmlns:mc="http://schemas.openxmlformats.org/markup-compatibility/2006" xmlns:a14="http://schemas.microsoft.com/office/drawing/2010/main">
+          <mc:Choice Requires="a14">
             <p:sp>
               <p:nvSpPr>
                 <p:cNvPr id="6" name="Oval 5">
@@ -18230,7 +18237,7 @@
               </p:txBody>
             </p:sp>
           </mc:Choice>
-          <mc:Fallback>
+          <mc:Fallback xmlns="">
             <p:sp>
               <p:nvSpPr>
                 <p:cNvPr id="6" name="Oval 5">
@@ -18454,8 +18461,8 @@
             </a:fontRef>
           </p:style>
         </p:cxnSp>
-        <mc:AlternateContent xmlns:mc="http://schemas.openxmlformats.org/markup-compatibility/2006">
-          <mc:Choice xmlns:a14="http://schemas.microsoft.com/office/drawing/2010/main" Requires="a14">
+        <mc:AlternateContent xmlns:mc="http://schemas.openxmlformats.org/markup-compatibility/2006" xmlns:a14="http://schemas.microsoft.com/office/drawing/2010/main">
+          <mc:Choice Requires="a14">
             <p:sp>
               <p:nvSpPr>
                 <p:cNvPr id="29" name="TextBox 28">
@@ -18484,6 +18491,7 @@
                 </a:bodyPr>
                 <a:lstStyle/>
                 <a:p>
+                  <a:pPr/>
                   <a14:m>
                     <m:oMathPara xmlns:m="http://schemas.openxmlformats.org/officeDocument/2006/math">
                       <m:oMathParaPr>
@@ -18523,7 +18531,7 @@
               </p:txBody>
             </p:sp>
           </mc:Choice>
-          <mc:Fallback>
+          <mc:Fallback xmlns="">
             <p:sp>
               <p:nvSpPr>
                 <p:cNvPr id="29" name="TextBox 28">
@@ -18646,8 +18654,8 @@
             </a:p>
           </p:txBody>
         </p:sp>
-        <mc:AlternateContent xmlns:mc="http://schemas.openxmlformats.org/markup-compatibility/2006">
-          <mc:Choice xmlns:a14="http://schemas.microsoft.com/office/drawing/2010/main" Requires="a14">
+        <mc:AlternateContent xmlns:mc="http://schemas.openxmlformats.org/markup-compatibility/2006" xmlns:a14="http://schemas.microsoft.com/office/drawing/2010/main">
+          <mc:Choice Requires="a14">
             <p:sp>
               <p:nvSpPr>
                 <p:cNvPr id="33" name="TextBox 32">
@@ -18676,6 +18684,7 @@
                 </a:bodyPr>
                 <a:lstStyle/>
                 <a:p>
+                  <a:pPr/>
                   <a14:m>
                     <m:oMathPara xmlns:m="http://schemas.openxmlformats.org/officeDocument/2006/math">
                       <m:oMathParaPr>
@@ -18715,7 +18724,7 @@
               </p:txBody>
             </p:sp>
           </mc:Choice>
-          <mc:Fallback>
+          <mc:Fallback xmlns="">
             <p:sp>
               <p:nvSpPr>
                 <p:cNvPr id="33" name="TextBox 32">
@@ -18760,8 +18769,8 @@
             </p:sp>
           </mc:Fallback>
         </mc:AlternateContent>
-        <mc:AlternateContent xmlns:mc="http://schemas.openxmlformats.org/markup-compatibility/2006">
-          <mc:Choice xmlns:a14="http://schemas.microsoft.com/office/drawing/2010/main" Requires="a14">
+        <mc:AlternateContent xmlns:mc="http://schemas.openxmlformats.org/markup-compatibility/2006" xmlns:a14="http://schemas.microsoft.com/office/drawing/2010/main">
+          <mc:Choice Requires="a14">
             <p:sp>
               <p:nvSpPr>
                 <p:cNvPr id="34" name="TextBox 33">
@@ -18790,6 +18799,7 @@
                 </a:bodyPr>
                 <a:lstStyle/>
                 <a:p>
+                  <a:pPr/>
                   <a14:m>
                     <m:oMathPara xmlns:m="http://schemas.openxmlformats.org/officeDocument/2006/math">
                       <m:oMathParaPr>
@@ -18829,7 +18839,7 @@
               </p:txBody>
             </p:sp>
           </mc:Choice>
-          <mc:Fallback>
+          <mc:Fallback xmlns="">
             <p:sp>
               <p:nvSpPr>
                 <p:cNvPr id="34" name="TextBox 33">
@@ -18874,8 +18884,8 @@
             </p:sp>
           </mc:Fallback>
         </mc:AlternateContent>
-        <mc:AlternateContent xmlns:mc="http://schemas.openxmlformats.org/markup-compatibility/2006">
-          <mc:Choice xmlns:a14="http://schemas.microsoft.com/office/drawing/2010/main" Requires="a14">
+        <mc:AlternateContent xmlns:mc="http://schemas.openxmlformats.org/markup-compatibility/2006" xmlns:a14="http://schemas.microsoft.com/office/drawing/2010/main">
+          <mc:Choice Requires="a14">
             <p:sp>
               <p:nvSpPr>
                 <p:cNvPr id="35" name="TextBox 34">
@@ -18904,6 +18914,7 @@
                 </a:bodyPr>
                 <a:lstStyle/>
                 <a:p>
+                  <a:pPr/>
                   <a14:m>
                     <m:oMathPara xmlns:m="http://schemas.openxmlformats.org/officeDocument/2006/math">
                       <m:oMathParaPr>
@@ -18943,7 +18954,7 @@
               </p:txBody>
             </p:sp>
           </mc:Choice>
-          <mc:Fallback>
+          <mc:Fallback xmlns="">
             <p:sp>
               <p:nvSpPr>
                 <p:cNvPr id="35" name="TextBox 34">
@@ -19269,8 +19280,8 @@
             </a:fontRef>
           </p:style>
         </p:cxnSp>
-        <mc:AlternateContent xmlns:mc="http://schemas.openxmlformats.org/markup-compatibility/2006">
-          <mc:Choice xmlns:a14="http://schemas.microsoft.com/office/drawing/2010/main" Requires="a14">
+        <mc:AlternateContent xmlns:mc="http://schemas.openxmlformats.org/markup-compatibility/2006" xmlns:a14="http://schemas.microsoft.com/office/drawing/2010/main">
+          <mc:Choice Requires="a14">
             <p:sp>
               <p:nvSpPr>
                 <p:cNvPr id="45" name="TextBox 44">
@@ -19299,6 +19310,7 @@
                 </a:bodyPr>
                 <a:lstStyle/>
                 <a:p>
+                  <a:pPr/>
                   <a14:m>
                     <m:oMathPara xmlns:m="http://schemas.openxmlformats.org/officeDocument/2006/math">
                       <m:oMathParaPr>
@@ -19369,7 +19381,7 @@
               </p:txBody>
             </p:sp>
           </mc:Choice>
-          <mc:Fallback>
+          <mc:Fallback xmlns="">
             <p:sp>
               <p:nvSpPr>
                 <p:cNvPr id="45" name="TextBox 44">
@@ -19555,6 +19567,64 @@
           </p:txBody>
         </p:sp>
       </p:grpSp>
+      <p:sp>
+        <p:nvSpPr>
+          <p:cNvPr id="7" name="Speech Bubble: Rectangle 6">
+            <a:extLst>
+              <a:ext uri="{FF2B5EF4-FFF2-40B4-BE49-F238E27FC236}">
+                <a16:creationId xmlns:a16="http://schemas.microsoft.com/office/drawing/2014/main" id="{6E6010FD-23A4-B4D6-72E1-2140A2E9985F}"/>
+              </a:ext>
+            </a:extLst>
+          </p:cNvPr>
+          <p:cNvSpPr/>
+          <p:nvPr/>
+        </p:nvSpPr>
+        <p:spPr>
+          <a:xfrm>
+            <a:off x="2209800" y="6019800"/>
+            <a:ext cx="3505200" cy="609600"/>
+          </a:xfrm>
+          <a:prstGeom prst="wedgeRectCallout">
+            <a:avLst>
+              <a:gd name="adj1" fmla="val 13956"/>
+              <a:gd name="adj2" fmla="val -108146"/>
+            </a:avLst>
+          </a:prstGeom>
+        </p:spPr>
+        <p:style>
+          <a:lnRef idx="3">
+            <a:schemeClr val="lt1"/>
+          </a:lnRef>
+          <a:fillRef idx="1">
+            <a:schemeClr val="accent6"/>
+          </a:fillRef>
+          <a:effectRef idx="1">
+            <a:schemeClr val="accent6"/>
+          </a:effectRef>
+          <a:fontRef idx="minor">
+            <a:schemeClr val="lt1"/>
+          </a:fontRef>
+        </p:style>
+        <p:txBody>
+          <a:bodyPr rtlCol="0" anchor="ctr"/>
+          <a:lstStyle/>
+          <a:p>
+            <a:pPr algn="ctr"/>
+            <a:r>
+              <a:rPr lang="en-US" sz="1600" dirty="0"/>
+              <a:t>This is different from the previous definition of an </a:t>
+            </a:r>
+            <a:r>
+              <a:rPr lang="en-US" sz="1600" b="1" dirty="0"/>
+              <a:t>episodic</a:t>
+            </a:r>
+            <a:r>
+              <a:rPr lang="en-US" sz="1600" dirty="0"/>
+              <a:t> environment!</a:t>
+            </a:r>
+          </a:p>
+        </p:txBody>
+      </p:sp>
     </p:spTree>
     <p:extLst>
       <p:ext uri="{BB962C8B-B14F-4D97-AF65-F5344CB8AC3E}">
@@ -19643,8 +19713,8 @@
           </a:p>
         </p:txBody>
       </p:sp>
-      <mc:AlternateContent xmlns:mc="http://schemas.openxmlformats.org/markup-compatibility/2006">
-        <mc:Choice xmlns:a14="http://schemas.microsoft.com/office/drawing/2010/main" Requires="a14">
+      <mc:AlternateContent xmlns:mc="http://schemas.openxmlformats.org/markup-compatibility/2006" xmlns:a14="http://schemas.microsoft.com/office/drawing/2010/main">
+        <mc:Choice Requires="a14">
           <p:sp>
             <p:nvSpPr>
               <p:cNvPr id="3" name="Content Placeholder 2">
@@ -19801,7 +19871,7 @@
             </p:txBody>
           </p:sp>
         </mc:Choice>
-        <mc:Fallback>
+        <mc:Fallback xmlns="">
           <p:sp>
             <p:nvSpPr>
               <p:cNvPr id="3" name="Content Placeholder 2">
@@ -20771,8 +20841,8 @@
           </a:p>
         </p:txBody>
       </p:sp>
-      <mc:AlternateContent xmlns:mc="http://schemas.openxmlformats.org/markup-compatibility/2006">
-        <mc:Choice xmlns:a14="http://schemas.microsoft.com/office/drawing/2010/main" Requires="a14">
+      <mc:AlternateContent xmlns:mc="http://schemas.openxmlformats.org/markup-compatibility/2006" xmlns:a14="http://schemas.microsoft.com/office/drawing/2010/main">
+        <mc:Choice Requires="a14">
           <p:sp>
             <p:nvSpPr>
               <p:cNvPr id="3" name="Content Placeholder 2">
@@ -21811,7 +21881,7 @@
             </p:txBody>
           </p:sp>
         </mc:Choice>
-        <mc:Fallback>
+        <mc:Fallback xmlns="">
           <p:sp>
             <p:nvSpPr>
               <p:cNvPr id="3" name="Content Placeholder 2">
@@ -22188,8 +22258,8 @@
           </a:p>
         </p:txBody>
       </p:sp>
-      <mc:AlternateContent xmlns:mc="http://schemas.openxmlformats.org/markup-compatibility/2006">
-        <mc:Choice xmlns:a14="http://schemas.microsoft.com/office/drawing/2010/main" Requires="a14">
+      <mc:AlternateContent xmlns:mc="http://schemas.openxmlformats.org/markup-compatibility/2006" xmlns:a14="http://schemas.microsoft.com/office/drawing/2010/main">
+        <mc:Choice Requires="a14">
           <p:sp>
             <p:nvSpPr>
               <p:cNvPr id="9" name="TextBox 8">
@@ -22302,7 +22372,7 @@
             </p:txBody>
           </p:sp>
         </mc:Choice>
-        <mc:Fallback>
+        <mc:Fallback xmlns="">
           <p:sp>
             <p:nvSpPr>
               <p:cNvPr id="9" name="TextBox 8">

--- a/slides/22_Reinforcement_Learning.pptx
+++ b/slides/22_Reinforcement_Learning.pptx
@@ -5,10 +5,10 @@
     <p:sldMasterId id="2147483769" r:id="rId1"/>
   </p:sldMasterIdLst>
   <p:notesMasterIdLst>
-    <p:notesMasterId r:id="rId20"/>
+    <p:notesMasterId r:id="rId19"/>
   </p:notesMasterIdLst>
   <p:handoutMasterIdLst>
-    <p:handoutMasterId r:id="rId21"/>
+    <p:handoutMasterId r:id="rId20"/>
   </p:handoutMasterIdLst>
   <p:sldIdLst>
     <p:sldId id="455" r:id="rId2"/>
@@ -27,13 +27,12 @@
     <p:sldId id="463" r:id="rId15"/>
     <p:sldId id="464" r:id="rId16"/>
     <p:sldId id="468" r:id="rId17"/>
-    <p:sldId id="472" r:id="rId18"/>
-    <p:sldId id="465" r:id="rId19"/>
+    <p:sldId id="465" r:id="rId18"/>
   </p:sldIdLst>
   <p:sldSz cx="12192000" cy="6858000"/>
   <p:notesSz cx="7099300" cy="10234613"/>
   <p:custDataLst>
-    <p:tags r:id="rId22"/>
+    <p:tags r:id="rId21"/>
   </p:custDataLst>
   <p:defaultTextStyle>
     <a:defPPr>
@@ -151,7 +150,6 @@
             <p14:sldId id="463"/>
             <p14:sldId id="464"/>
             <p14:sldId id="468"/>
-            <p14:sldId id="472"/>
             <p14:sldId id="465"/>
           </p14:sldIdLst>
         </p14:section>
@@ -173,2494 +171,6 @@
     </p:ext>
   </p:extLst>
 </p:presentation>
-</file>
-
-<file path=ppt/diagrams/colors1.xml><?xml version="1.0" encoding="utf-8"?>
-<dgm:colorsDef xmlns:dgm="http://schemas.openxmlformats.org/drawingml/2006/diagram" xmlns:a="http://schemas.openxmlformats.org/drawingml/2006/main" uniqueId="urn:microsoft.com/office/officeart/2005/8/colors/colorful4">
-  <dgm:title val=""/>
-  <dgm:desc val=""/>
-  <dgm:catLst>
-    <dgm:cat type="colorful" pri="10400"/>
-  </dgm:catLst>
-  <dgm:styleLbl name="node0">
-    <dgm:fillClrLst meth="repeat">
-      <a:schemeClr val="accent3"/>
-    </dgm:fillClrLst>
-    <dgm:linClrLst meth="repeat">
-      <a:schemeClr val="lt1"/>
-    </dgm:linClrLst>
-    <dgm:effectClrLst/>
-    <dgm:txLinClrLst/>
-    <dgm:txFillClrLst/>
-    <dgm:txEffectClrLst/>
-  </dgm:styleLbl>
-  <dgm:styleLbl name="node1">
-    <dgm:fillClrLst>
-      <a:schemeClr val="accent4"/>
-      <a:schemeClr val="accent5"/>
-    </dgm:fillClrLst>
-    <dgm:linClrLst meth="repeat">
-      <a:schemeClr val="lt1"/>
-    </dgm:linClrLst>
-    <dgm:effectClrLst/>
-    <dgm:txLinClrLst/>
-    <dgm:txFillClrLst/>
-    <dgm:txEffectClrLst/>
-  </dgm:styleLbl>
-  <dgm:styleLbl name="alignNode1">
-    <dgm:fillClrLst>
-      <a:schemeClr val="accent4"/>
-      <a:schemeClr val="accent5"/>
-    </dgm:fillClrLst>
-    <dgm:linClrLst>
-      <a:schemeClr val="accent4"/>
-      <a:schemeClr val="accent5"/>
-    </dgm:linClrLst>
-    <dgm:effectClrLst/>
-    <dgm:txLinClrLst/>
-    <dgm:txFillClrLst/>
-    <dgm:txEffectClrLst/>
-  </dgm:styleLbl>
-  <dgm:styleLbl name="lnNode1">
-    <dgm:fillClrLst>
-      <a:schemeClr val="accent4"/>
-      <a:schemeClr val="accent5"/>
-    </dgm:fillClrLst>
-    <dgm:linClrLst meth="repeat">
-      <a:schemeClr val="lt1"/>
-    </dgm:linClrLst>
-    <dgm:effectClrLst/>
-    <dgm:txLinClrLst/>
-    <dgm:txFillClrLst/>
-    <dgm:txEffectClrLst/>
-  </dgm:styleLbl>
-  <dgm:styleLbl name="vennNode1">
-    <dgm:fillClrLst>
-      <a:schemeClr val="accent4">
-        <a:alpha val="50000"/>
-      </a:schemeClr>
-      <a:schemeClr val="accent5">
-        <a:alpha val="50000"/>
-      </a:schemeClr>
-    </dgm:fillClrLst>
-    <dgm:linClrLst meth="repeat">
-      <a:schemeClr val="lt1"/>
-    </dgm:linClrLst>
-    <dgm:effectClrLst/>
-    <dgm:txLinClrLst/>
-    <dgm:txFillClrLst/>
-    <dgm:txEffectClrLst/>
-  </dgm:styleLbl>
-  <dgm:styleLbl name="node2">
-    <dgm:fillClrLst>
-      <a:schemeClr val="accent5"/>
-    </dgm:fillClrLst>
-    <dgm:linClrLst meth="repeat">
-      <a:schemeClr val="lt1"/>
-    </dgm:linClrLst>
-    <dgm:effectClrLst/>
-    <dgm:txLinClrLst/>
-    <dgm:txFillClrLst/>
-    <dgm:txEffectClrLst/>
-  </dgm:styleLbl>
-  <dgm:styleLbl name="node3">
-    <dgm:fillClrLst>
-      <a:schemeClr val="accent6"/>
-    </dgm:fillClrLst>
-    <dgm:linClrLst meth="repeat">
-      <a:schemeClr val="lt1"/>
-    </dgm:linClrLst>
-    <dgm:effectClrLst/>
-    <dgm:txLinClrLst/>
-    <dgm:txFillClrLst/>
-    <dgm:txEffectClrLst/>
-  </dgm:styleLbl>
-  <dgm:styleLbl name="node4">
-    <dgm:fillClrLst>
-      <a:schemeClr val="accent1"/>
-    </dgm:fillClrLst>
-    <dgm:linClrLst meth="repeat">
-      <a:schemeClr val="lt1"/>
-    </dgm:linClrLst>
-    <dgm:effectClrLst/>
-    <dgm:txLinClrLst/>
-    <dgm:txFillClrLst/>
-    <dgm:txEffectClrLst/>
-  </dgm:styleLbl>
-  <dgm:styleLbl name="fgImgPlace1">
-    <dgm:fillClrLst>
-      <a:schemeClr val="accent4">
-        <a:tint val="50000"/>
-      </a:schemeClr>
-      <a:schemeClr val="accent5">
-        <a:tint val="50000"/>
-      </a:schemeClr>
-    </dgm:fillClrLst>
-    <dgm:linClrLst meth="repeat">
-      <a:schemeClr val="lt1"/>
-    </dgm:linClrLst>
-    <dgm:effectClrLst/>
-    <dgm:txLinClrLst/>
-    <dgm:txFillClrLst meth="repeat">
-      <a:schemeClr val="lt1"/>
-    </dgm:txFillClrLst>
-    <dgm:txEffectClrLst/>
-  </dgm:styleLbl>
-  <dgm:styleLbl name="alignImgPlace1">
-    <dgm:fillClrLst>
-      <a:schemeClr val="accent4">
-        <a:tint val="50000"/>
-      </a:schemeClr>
-      <a:schemeClr val="accent5">
-        <a:tint val="20000"/>
-      </a:schemeClr>
-    </dgm:fillClrLst>
-    <dgm:linClrLst meth="repeat">
-      <a:schemeClr val="lt1"/>
-    </dgm:linClrLst>
-    <dgm:effectClrLst/>
-    <dgm:txLinClrLst/>
-    <dgm:txFillClrLst meth="repeat">
-      <a:schemeClr val="lt1"/>
-    </dgm:txFillClrLst>
-    <dgm:txEffectClrLst/>
-  </dgm:styleLbl>
-  <dgm:styleLbl name="bgImgPlace1">
-    <dgm:fillClrLst>
-      <a:schemeClr val="accent4">
-        <a:tint val="50000"/>
-      </a:schemeClr>
-      <a:schemeClr val="accent5">
-        <a:tint val="20000"/>
-      </a:schemeClr>
-    </dgm:fillClrLst>
-    <dgm:linClrLst meth="repeat">
-      <a:schemeClr val="lt1"/>
-    </dgm:linClrLst>
-    <dgm:effectClrLst/>
-    <dgm:txLinClrLst/>
-    <dgm:txFillClrLst meth="repeat">
-      <a:schemeClr val="lt1"/>
-    </dgm:txFillClrLst>
-    <dgm:txEffectClrLst/>
-  </dgm:styleLbl>
-  <dgm:styleLbl name="sibTrans2D1">
-    <dgm:fillClrLst>
-      <a:schemeClr val="accent4"/>
-      <a:schemeClr val="accent5"/>
-    </dgm:fillClrLst>
-    <dgm:linClrLst meth="repeat">
-      <a:schemeClr val="lt1"/>
-    </dgm:linClrLst>
-    <dgm:effectClrLst/>
-    <dgm:txLinClrLst/>
-    <dgm:txFillClrLst/>
-    <dgm:txEffectClrLst/>
-  </dgm:styleLbl>
-  <dgm:styleLbl name="fgSibTrans2D1">
-    <dgm:fillClrLst>
-      <a:schemeClr val="accent4"/>
-      <a:schemeClr val="accent5"/>
-    </dgm:fillClrLst>
-    <dgm:linClrLst meth="repeat">
-      <a:schemeClr val="lt1"/>
-    </dgm:linClrLst>
-    <dgm:effectClrLst/>
-    <dgm:txLinClrLst/>
-    <dgm:txFillClrLst meth="repeat">
-      <a:schemeClr val="lt1"/>
-    </dgm:txFillClrLst>
-    <dgm:txEffectClrLst/>
-  </dgm:styleLbl>
-  <dgm:styleLbl name="bgSibTrans2D1">
-    <dgm:fillClrLst>
-      <a:schemeClr val="accent4"/>
-      <a:schemeClr val="accent5"/>
-    </dgm:fillClrLst>
-    <dgm:linClrLst meth="repeat">
-      <a:schemeClr val="lt1"/>
-    </dgm:linClrLst>
-    <dgm:effectClrLst/>
-    <dgm:txLinClrLst/>
-    <dgm:txFillClrLst meth="repeat">
-      <a:schemeClr val="lt1"/>
-    </dgm:txFillClrLst>
-    <dgm:txEffectClrLst/>
-  </dgm:styleLbl>
-  <dgm:styleLbl name="sibTrans1D1">
-    <dgm:fillClrLst/>
-    <dgm:linClrLst>
-      <a:schemeClr val="accent4"/>
-      <a:schemeClr val="accent5"/>
-    </dgm:linClrLst>
-    <dgm:effectClrLst/>
-    <dgm:txLinClrLst/>
-    <dgm:txFillClrLst meth="repeat">
-      <a:schemeClr val="tx1"/>
-    </dgm:txFillClrLst>
-    <dgm:txEffectClrLst/>
-  </dgm:styleLbl>
-  <dgm:styleLbl name="callout">
-    <dgm:fillClrLst meth="repeat">
-      <a:schemeClr val="accent4"/>
-    </dgm:fillClrLst>
-    <dgm:linClrLst meth="repeat">
-      <a:schemeClr val="accent4">
-        <a:tint val="50000"/>
-      </a:schemeClr>
-    </dgm:linClrLst>
-    <dgm:effectClrLst/>
-    <dgm:txLinClrLst/>
-    <dgm:txFillClrLst meth="repeat">
-      <a:schemeClr val="tx1"/>
-    </dgm:txFillClrLst>
-    <dgm:txEffectClrLst/>
-  </dgm:styleLbl>
-  <dgm:styleLbl name="asst0">
-    <dgm:fillClrLst meth="repeat">
-      <a:schemeClr val="accent4"/>
-    </dgm:fillClrLst>
-    <dgm:linClrLst meth="repeat">
-      <a:schemeClr val="lt1">
-        <a:shade val="80000"/>
-      </a:schemeClr>
-    </dgm:linClrLst>
-    <dgm:effectClrLst/>
-    <dgm:txLinClrLst/>
-    <dgm:txFillClrLst/>
-    <dgm:txEffectClrLst/>
-  </dgm:styleLbl>
-  <dgm:styleLbl name="asst1">
-    <dgm:fillClrLst meth="repeat">
-      <a:schemeClr val="accent5"/>
-    </dgm:fillClrLst>
-    <dgm:linClrLst meth="repeat">
-      <a:schemeClr val="lt1">
-        <a:shade val="80000"/>
-      </a:schemeClr>
-    </dgm:linClrLst>
-    <dgm:effectClrLst/>
-    <dgm:txLinClrLst/>
-    <dgm:txFillClrLst/>
-    <dgm:txEffectClrLst/>
-  </dgm:styleLbl>
-  <dgm:styleLbl name="asst2">
-    <dgm:fillClrLst>
-      <a:schemeClr val="accent6"/>
-    </dgm:fillClrLst>
-    <dgm:linClrLst meth="repeat">
-      <a:schemeClr val="lt1"/>
-    </dgm:linClrLst>
-    <dgm:effectClrLst/>
-    <dgm:txLinClrLst/>
-    <dgm:txFillClrLst/>
-    <dgm:txEffectClrLst/>
-  </dgm:styleLbl>
-  <dgm:styleLbl name="asst3">
-    <dgm:fillClrLst>
-      <a:schemeClr val="accent1"/>
-    </dgm:fillClrLst>
-    <dgm:linClrLst meth="repeat">
-      <a:schemeClr val="lt1"/>
-    </dgm:linClrLst>
-    <dgm:effectClrLst/>
-    <dgm:txLinClrLst/>
-    <dgm:txFillClrLst/>
-    <dgm:txEffectClrLst/>
-  </dgm:styleLbl>
-  <dgm:styleLbl name="asst4">
-    <dgm:fillClrLst>
-      <a:schemeClr val="accent2"/>
-    </dgm:fillClrLst>
-    <dgm:linClrLst meth="repeat">
-      <a:schemeClr val="lt1"/>
-    </dgm:linClrLst>
-    <dgm:effectClrLst/>
-    <dgm:txLinClrLst/>
-    <dgm:txFillClrLst/>
-    <dgm:txEffectClrLst/>
-  </dgm:styleLbl>
-  <dgm:styleLbl name="parChTrans2D1">
-    <dgm:fillClrLst meth="repeat">
-      <a:schemeClr val="accent4"/>
-    </dgm:fillClrLst>
-    <dgm:linClrLst meth="repeat">
-      <a:schemeClr val="lt1"/>
-    </dgm:linClrLst>
-    <dgm:effectClrLst/>
-    <dgm:txLinClrLst/>
-    <dgm:txFillClrLst meth="repeat">
-      <a:schemeClr val="lt1"/>
-    </dgm:txFillClrLst>
-    <dgm:txEffectClrLst/>
-  </dgm:styleLbl>
-  <dgm:styleLbl name="parChTrans2D2">
-    <dgm:fillClrLst meth="repeat">
-      <a:schemeClr val="accent5"/>
-    </dgm:fillClrLst>
-    <dgm:linClrLst meth="repeat">
-      <a:schemeClr val="lt1"/>
-    </dgm:linClrLst>
-    <dgm:effectClrLst/>
-    <dgm:txLinClrLst/>
-    <dgm:txFillClrLst/>
-    <dgm:txEffectClrLst/>
-  </dgm:styleLbl>
-  <dgm:styleLbl name="parChTrans2D3">
-    <dgm:fillClrLst meth="repeat">
-      <a:schemeClr val="accent5"/>
-    </dgm:fillClrLst>
-    <dgm:linClrLst meth="repeat">
-      <a:schemeClr val="lt1"/>
-    </dgm:linClrLst>
-    <dgm:effectClrLst/>
-    <dgm:txLinClrLst/>
-    <dgm:txFillClrLst/>
-    <dgm:txEffectClrLst/>
-  </dgm:styleLbl>
-  <dgm:styleLbl name="parChTrans2D4">
-    <dgm:fillClrLst meth="repeat">
-      <a:schemeClr val="accent6"/>
-    </dgm:fillClrLst>
-    <dgm:linClrLst meth="repeat">
-      <a:schemeClr val="lt1"/>
-    </dgm:linClrLst>
-    <dgm:effectClrLst/>
-    <dgm:txLinClrLst/>
-    <dgm:txFillClrLst meth="repeat">
-      <a:schemeClr val="lt1"/>
-    </dgm:txFillClrLst>
-    <dgm:txEffectClrLst/>
-  </dgm:styleLbl>
-  <dgm:styleLbl name="parChTrans1D1">
-    <dgm:fillClrLst meth="repeat">
-      <a:schemeClr val="accent4"/>
-    </dgm:fillClrLst>
-    <dgm:linClrLst meth="repeat">
-      <a:schemeClr val="accent4"/>
-    </dgm:linClrLst>
-    <dgm:effectClrLst/>
-    <dgm:txLinClrLst/>
-    <dgm:txFillClrLst meth="repeat">
-      <a:schemeClr val="tx1"/>
-    </dgm:txFillClrLst>
-    <dgm:txEffectClrLst/>
-  </dgm:styleLbl>
-  <dgm:styleLbl name="parChTrans1D2">
-    <dgm:fillClrLst meth="repeat">
-      <a:schemeClr val="accent4">
-        <a:tint val="90000"/>
-      </a:schemeClr>
-    </dgm:fillClrLst>
-    <dgm:linClrLst meth="repeat">
-      <a:schemeClr val="accent5"/>
-    </dgm:linClrLst>
-    <dgm:effectClrLst/>
-    <dgm:txLinClrLst/>
-    <dgm:txFillClrLst meth="repeat">
-      <a:schemeClr val="tx1"/>
-    </dgm:txFillClrLst>
-    <dgm:txEffectClrLst/>
-  </dgm:styleLbl>
-  <dgm:styleLbl name="parChTrans1D3">
-    <dgm:fillClrLst meth="repeat">
-      <a:schemeClr val="accent4">
-        <a:tint val="70000"/>
-      </a:schemeClr>
-    </dgm:fillClrLst>
-    <dgm:linClrLst meth="repeat">
-      <a:schemeClr val="accent6"/>
-    </dgm:linClrLst>
-    <dgm:effectClrLst/>
-    <dgm:txLinClrLst/>
-    <dgm:txFillClrLst meth="repeat">
-      <a:schemeClr val="tx1"/>
-    </dgm:txFillClrLst>
-    <dgm:txEffectClrLst/>
-  </dgm:styleLbl>
-  <dgm:styleLbl name="parChTrans1D4">
-    <dgm:fillClrLst meth="repeat">
-      <a:schemeClr val="accent4">
-        <a:tint val="50000"/>
-      </a:schemeClr>
-    </dgm:fillClrLst>
-    <dgm:linClrLst meth="repeat">
-      <a:schemeClr val="accent1"/>
-    </dgm:linClrLst>
-    <dgm:effectClrLst/>
-    <dgm:txLinClrLst/>
-    <dgm:txFillClrLst meth="repeat">
-      <a:schemeClr val="tx1"/>
-    </dgm:txFillClrLst>
-    <dgm:txEffectClrLst/>
-  </dgm:styleLbl>
-  <dgm:styleLbl name="fgAcc1">
-    <dgm:fillClrLst meth="repeat">
-      <a:schemeClr val="lt1">
-        <a:alpha val="90000"/>
-      </a:schemeClr>
-    </dgm:fillClrLst>
-    <dgm:linClrLst>
-      <a:schemeClr val="accent4"/>
-      <a:schemeClr val="accent5"/>
-    </dgm:linClrLst>
-    <dgm:effectClrLst/>
-    <dgm:txLinClrLst/>
-    <dgm:txFillClrLst meth="repeat">
-      <a:schemeClr val="dk1"/>
-    </dgm:txFillClrLst>
-    <dgm:txEffectClrLst/>
-  </dgm:styleLbl>
-  <dgm:styleLbl name="conFgAcc1">
-    <dgm:fillClrLst meth="repeat">
-      <a:schemeClr val="lt1">
-        <a:alpha val="90000"/>
-      </a:schemeClr>
-    </dgm:fillClrLst>
-    <dgm:linClrLst>
-      <a:schemeClr val="accent4"/>
-      <a:schemeClr val="accent5"/>
-    </dgm:linClrLst>
-    <dgm:effectClrLst/>
-    <dgm:txLinClrLst/>
-    <dgm:txFillClrLst meth="repeat">
-      <a:schemeClr val="dk1"/>
-    </dgm:txFillClrLst>
-    <dgm:txEffectClrLst/>
-  </dgm:styleLbl>
-  <dgm:styleLbl name="alignAcc1">
-    <dgm:fillClrLst meth="repeat">
-      <a:schemeClr val="lt1">
-        <a:alpha val="90000"/>
-      </a:schemeClr>
-    </dgm:fillClrLst>
-    <dgm:linClrLst>
-      <a:schemeClr val="accent4"/>
-      <a:schemeClr val="accent5"/>
-    </dgm:linClrLst>
-    <dgm:effectClrLst/>
-    <dgm:txLinClrLst/>
-    <dgm:txFillClrLst meth="repeat">
-      <a:schemeClr val="dk1"/>
-    </dgm:txFillClrLst>
-    <dgm:txEffectClrLst/>
-  </dgm:styleLbl>
-  <dgm:styleLbl name="trAlignAcc1">
-    <dgm:fillClrLst meth="repeat">
-      <a:schemeClr val="lt1">
-        <a:alpha val="40000"/>
-      </a:schemeClr>
-    </dgm:fillClrLst>
-    <dgm:linClrLst meth="repeat">
-      <a:schemeClr val="accent4"/>
-    </dgm:linClrLst>
-    <dgm:effectClrLst/>
-    <dgm:txLinClrLst/>
-    <dgm:txFillClrLst meth="repeat">
-      <a:schemeClr val="dk1"/>
-    </dgm:txFillClrLst>
-    <dgm:txEffectClrLst/>
-  </dgm:styleLbl>
-  <dgm:styleLbl name="bgAcc1">
-    <dgm:fillClrLst meth="repeat">
-      <a:schemeClr val="lt1">
-        <a:alpha val="90000"/>
-      </a:schemeClr>
-    </dgm:fillClrLst>
-    <dgm:linClrLst>
-      <a:schemeClr val="accent4"/>
-      <a:schemeClr val="accent5"/>
-    </dgm:linClrLst>
-    <dgm:effectClrLst/>
-    <dgm:txLinClrLst/>
-    <dgm:txFillClrLst meth="repeat">
-      <a:schemeClr val="dk1"/>
-    </dgm:txFillClrLst>
-    <dgm:txEffectClrLst/>
-  </dgm:styleLbl>
-  <dgm:styleLbl name="solidFgAcc1">
-    <dgm:fillClrLst meth="repeat">
-      <a:schemeClr val="lt1"/>
-    </dgm:fillClrLst>
-    <dgm:linClrLst>
-      <a:schemeClr val="accent4"/>
-      <a:schemeClr val="accent5"/>
-    </dgm:linClrLst>
-    <dgm:effectClrLst/>
-    <dgm:txLinClrLst/>
-    <dgm:txFillClrLst meth="repeat">
-      <a:schemeClr val="dk1"/>
-    </dgm:txFillClrLst>
-    <dgm:txEffectClrLst/>
-  </dgm:styleLbl>
-  <dgm:styleLbl name="solidAlignAcc1">
-    <dgm:fillClrLst meth="repeat">
-      <a:schemeClr val="lt1"/>
-    </dgm:fillClrLst>
-    <dgm:linClrLst>
-      <a:schemeClr val="accent4"/>
-      <a:schemeClr val="accent5"/>
-    </dgm:linClrLst>
-    <dgm:effectClrLst/>
-    <dgm:txLinClrLst/>
-    <dgm:txFillClrLst meth="repeat">
-      <a:schemeClr val="dk1"/>
-    </dgm:txFillClrLst>
-    <dgm:txEffectClrLst/>
-  </dgm:styleLbl>
-  <dgm:styleLbl name="solidBgAcc1">
-    <dgm:fillClrLst meth="repeat">
-      <a:schemeClr val="lt1"/>
-    </dgm:fillClrLst>
-    <dgm:linClrLst>
-      <a:schemeClr val="accent4"/>
-      <a:schemeClr val="accent5"/>
-    </dgm:linClrLst>
-    <dgm:effectClrLst/>
-    <dgm:txLinClrLst/>
-    <dgm:txFillClrLst meth="repeat">
-      <a:schemeClr val="dk1"/>
-    </dgm:txFillClrLst>
-    <dgm:txEffectClrLst/>
-  </dgm:styleLbl>
-  <dgm:styleLbl name="fgAccFollowNode1">
-    <dgm:fillClrLst>
-      <a:schemeClr val="accent4">
-        <a:tint val="40000"/>
-        <a:alpha val="90000"/>
-      </a:schemeClr>
-      <a:schemeClr val="accent5">
-        <a:tint val="40000"/>
-        <a:alpha val="90000"/>
-      </a:schemeClr>
-    </dgm:fillClrLst>
-    <dgm:linClrLst>
-      <a:schemeClr val="accent4">
-        <a:tint val="40000"/>
-        <a:alpha val="90000"/>
-      </a:schemeClr>
-      <a:schemeClr val="accent5">
-        <a:tint val="40000"/>
-        <a:alpha val="90000"/>
-      </a:schemeClr>
-    </dgm:linClrLst>
-    <dgm:effectClrLst/>
-    <dgm:txLinClrLst/>
-    <dgm:txFillClrLst meth="repeat">
-      <a:schemeClr val="dk1"/>
-    </dgm:txFillClrLst>
-    <dgm:txEffectClrLst/>
-  </dgm:styleLbl>
-  <dgm:styleLbl name="alignAccFollowNode1">
-    <dgm:fillClrLst>
-      <a:schemeClr val="accent4">
-        <a:tint val="40000"/>
-        <a:alpha val="90000"/>
-      </a:schemeClr>
-      <a:schemeClr val="accent5">
-        <a:tint val="40000"/>
-        <a:alpha val="90000"/>
-      </a:schemeClr>
-    </dgm:fillClrLst>
-    <dgm:linClrLst>
-      <a:schemeClr val="accent4">
-        <a:tint val="40000"/>
-        <a:alpha val="90000"/>
-      </a:schemeClr>
-      <a:schemeClr val="accent5">
-        <a:tint val="40000"/>
-        <a:alpha val="90000"/>
-      </a:schemeClr>
-    </dgm:linClrLst>
-    <dgm:effectClrLst/>
-    <dgm:txLinClrLst/>
-    <dgm:txFillClrLst meth="repeat">
-      <a:schemeClr val="dk1"/>
-    </dgm:txFillClrLst>
-    <dgm:txEffectClrLst/>
-  </dgm:styleLbl>
-  <dgm:styleLbl name="bgAccFollowNode1">
-    <dgm:fillClrLst>
-      <a:schemeClr val="accent4">
-        <a:tint val="40000"/>
-        <a:alpha val="90000"/>
-      </a:schemeClr>
-      <a:schemeClr val="accent5">
-        <a:tint val="40000"/>
-        <a:alpha val="90000"/>
-      </a:schemeClr>
-    </dgm:fillClrLst>
-    <dgm:linClrLst>
-      <a:schemeClr val="accent4">
-        <a:tint val="40000"/>
-        <a:alpha val="90000"/>
-      </a:schemeClr>
-      <a:schemeClr val="accent5">
-        <a:tint val="40000"/>
-        <a:alpha val="90000"/>
-      </a:schemeClr>
-    </dgm:linClrLst>
-    <dgm:effectClrLst/>
-    <dgm:txLinClrLst/>
-    <dgm:txFillClrLst meth="repeat">
-      <a:schemeClr val="dk1"/>
-    </dgm:txFillClrLst>
-    <dgm:txEffectClrLst/>
-  </dgm:styleLbl>
-  <dgm:styleLbl name="fgAcc0">
-    <dgm:fillClrLst meth="repeat">
-      <a:schemeClr val="lt1">
-        <a:alpha val="90000"/>
-      </a:schemeClr>
-    </dgm:fillClrLst>
-    <dgm:linClrLst>
-      <a:schemeClr val="accent3"/>
-    </dgm:linClrLst>
-    <dgm:effectClrLst/>
-    <dgm:txLinClrLst/>
-    <dgm:txFillClrLst meth="repeat">
-      <a:schemeClr val="dk1"/>
-    </dgm:txFillClrLst>
-    <dgm:txEffectClrLst/>
-  </dgm:styleLbl>
-  <dgm:styleLbl name="fgAcc2">
-    <dgm:fillClrLst meth="repeat">
-      <a:schemeClr val="lt1">
-        <a:alpha val="90000"/>
-      </a:schemeClr>
-    </dgm:fillClrLst>
-    <dgm:linClrLst>
-      <a:schemeClr val="accent5"/>
-    </dgm:linClrLst>
-    <dgm:effectClrLst/>
-    <dgm:txLinClrLst/>
-    <dgm:txFillClrLst meth="repeat">
-      <a:schemeClr val="dk1"/>
-    </dgm:txFillClrLst>
-    <dgm:txEffectClrLst/>
-  </dgm:styleLbl>
-  <dgm:styleLbl name="fgAcc3">
-    <dgm:fillClrLst meth="repeat">
-      <a:schemeClr val="lt1">
-        <a:alpha val="90000"/>
-      </a:schemeClr>
-    </dgm:fillClrLst>
-    <dgm:linClrLst>
-      <a:schemeClr val="accent6"/>
-    </dgm:linClrLst>
-    <dgm:effectClrLst/>
-    <dgm:txLinClrLst/>
-    <dgm:txFillClrLst meth="repeat">
-      <a:schemeClr val="dk1"/>
-    </dgm:txFillClrLst>
-    <dgm:txEffectClrLst/>
-  </dgm:styleLbl>
-  <dgm:styleLbl name="fgAcc4">
-    <dgm:fillClrLst meth="repeat">
-      <a:schemeClr val="lt1">
-        <a:alpha val="90000"/>
-      </a:schemeClr>
-    </dgm:fillClrLst>
-    <dgm:linClrLst>
-      <a:schemeClr val="accent1"/>
-    </dgm:linClrLst>
-    <dgm:effectClrLst/>
-    <dgm:txLinClrLst/>
-    <dgm:txFillClrLst meth="repeat">
-      <a:schemeClr val="dk1"/>
-    </dgm:txFillClrLst>
-    <dgm:txEffectClrLst/>
-  </dgm:styleLbl>
-  <dgm:styleLbl name="bgShp">
-    <dgm:fillClrLst meth="repeat">
-      <a:schemeClr val="accent4">
-        <a:tint val="40000"/>
-      </a:schemeClr>
-    </dgm:fillClrLst>
-    <dgm:linClrLst meth="repeat">
-      <a:schemeClr val="dk1"/>
-    </dgm:linClrLst>
-    <dgm:effectClrLst/>
-    <dgm:txLinClrLst/>
-    <dgm:txFillClrLst meth="repeat">
-      <a:schemeClr val="dk1"/>
-    </dgm:txFillClrLst>
-    <dgm:txEffectClrLst/>
-  </dgm:styleLbl>
-  <dgm:styleLbl name="dkBgShp">
-    <dgm:fillClrLst meth="repeat">
-      <a:schemeClr val="accent4">
-        <a:shade val="90000"/>
-      </a:schemeClr>
-    </dgm:fillClrLst>
-    <dgm:linClrLst meth="repeat">
-      <a:schemeClr val="dk1"/>
-    </dgm:linClrLst>
-    <dgm:effectClrLst/>
-    <dgm:txLinClrLst/>
-    <dgm:txFillClrLst meth="repeat">
-      <a:schemeClr val="lt1"/>
-    </dgm:txFillClrLst>
-    <dgm:txEffectClrLst/>
-  </dgm:styleLbl>
-  <dgm:styleLbl name="trBgShp">
-    <dgm:fillClrLst meth="repeat">
-      <a:schemeClr val="accent4">
-        <a:tint val="50000"/>
-        <a:alpha val="40000"/>
-      </a:schemeClr>
-    </dgm:fillClrLst>
-    <dgm:linClrLst meth="repeat">
-      <a:schemeClr val="accent4"/>
-    </dgm:linClrLst>
-    <dgm:effectClrLst/>
-    <dgm:txLinClrLst/>
-    <dgm:txFillClrLst meth="repeat">
-      <a:schemeClr val="lt1"/>
-    </dgm:txFillClrLst>
-    <dgm:txEffectClrLst/>
-  </dgm:styleLbl>
-  <dgm:styleLbl name="fgShp">
-    <dgm:fillClrLst meth="repeat">
-      <a:schemeClr val="accent4">
-        <a:tint val="40000"/>
-      </a:schemeClr>
-    </dgm:fillClrLst>
-    <dgm:linClrLst meth="repeat">
-      <a:schemeClr val="lt1"/>
-    </dgm:linClrLst>
-    <dgm:effectClrLst/>
-    <dgm:txLinClrLst/>
-    <dgm:txFillClrLst meth="repeat">
-      <a:schemeClr val="dk1"/>
-    </dgm:txFillClrLst>
-    <dgm:txEffectClrLst/>
-  </dgm:styleLbl>
-  <dgm:styleLbl name="revTx">
-    <dgm:fillClrLst meth="repeat">
-      <a:schemeClr val="lt1">
-        <a:alpha val="0"/>
-      </a:schemeClr>
-    </dgm:fillClrLst>
-    <dgm:linClrLst meth="repeat">
-      <a:schemeClr val="dk1">
-        <a:alpha val="0"/>
-      </a:schemeClr>
-    </dgm:linClrLst>
-    <dgm:effectClrLst/>
-    <dgm:txLinClrLst/>
-    <dgm:txFillClrLst meth="repeat">
-      <a:schemeClr val="tx1"/>
-    </dgm:txFillClrLst>
-    <dgm:txEffectClrLst/>
-  </dgm:styleLbl>
-</dgm:colorsDef>
-</file>
-
-<file path=ppt/diagrams/data1.xml><?xml version="1.0" encoding="utf-8"?>
-<dgm:dataModel xmlns:dgm="http://schemas.openxmlformats.org/drawingml/2006/diagram" xmlns:a="http://schemas.openxmlformats.org/drawingml/2006/main">
-  <dgm:ptLst>
-    <dgm:pt modelId="{AAC3BB1E-665F-4CE9-A842-4D8D754303BF}" type="doc">
-      <dgm:prSet loTypeId="urn:microsoft.com/office/officeart/2005/8/layout/cycle2" loCatId="cycle" qsTypeId="urn:microsoft.com/office/officeart/2005/8/quickstyle/simple1" qsCatId="simple" csTypeId="urn:microsoft.com/office/officeart/2005/8/colors/colorful4" csCatId="colorful" phldr="1"/>
-      <dgm:spPr/>
-      <dgm:t>
-        <a:bodyPr/>
-        <a:lstStyle/>
-        <a:p>
-          <a:endParaRPr lang="en-US"/>
-        </a:p>
-      </dgm:t>
-    </dgm:pt>
-    <dgm:pt modelId="{321697DD-3318-484C-82F3-5B0D22598966}">
-      <dgm:prSet phldrT="[Text]"/>
-      <dgm:spPr/>
-      <dgm:t>
-        <a:bodyPr/>
-        <a:lstStyle/>
-        <a:p>
-          <a:r>
-            <a:rPr lang="en-US" dirty="0"/>
-            <a:t>Value Net</a:t>
-          </a:r>
-        </a:p>
-      </dgm:t>
-    </dgm:pt>
-    <dgm:pt modelId="{FA7F1571-1C6F-4C3C-BCA9-28EEC47B7ABA}" type="parTrans" cxnId="{FF22C2D1-ED69-4498-9293-B81D920FD3A2}">
-      <dgm:prSet/>
-      <dgm:spPr/>
-      <dgm:t>
-        <a:bodyPr/>
-        <a:lstStyle/>
-        <a:p>
-          <a:endParaRPr lang="en-US"/>
-        </a:p>
-      </dgm:t>
-    </dgm:pt>
-    <dgm:pt modelId="{1556BC39-F46F-4D48-90F4-9DED9E78DE28}" type="sibTrans" cxnId="{FF22C2D1-ED69-4498-9293-B81D920FD3A2}">
-      <dgm:prSet/>
-      <dgm:spPr/>
-      <dgm:t>
-        <a:bodyPr/>
-        <a:lstStyle/>
-        <a:p>
-          <a:endParaRPr lang="en-US"/>
-        </a:p>
-      </dgm:t>
-    </dgm:pt>
-    <dgm:pt modelId="{4638D060-46B4-4110-8706-A7A2B86A655F}">
-      <dgm:prSet phldrT="[Text]"/>
-      <dgm:spPr/>
-      <dgm:t>
-        <a:bodyPr/>
-        <a:lstStyle/>
-        <a:p>
-          <a:r>
-            <a:rPr lang="en-US" dirty="0"/>
-            <a:t>Policy Net</a:t>
-          </a:r>
-        </a:p>
-      </dgm:t>
-    </dgm:pt>
-    <dgm:pt modelId="{8E174046-68CB-4FD7-BDB1-BBB0B9DFFDE4}" type="parTrans" cxnId="{320E3D48-901E-4842-84E0-343C8CC3FD9C}">
-      <dgm:prSet/>
-      <dgm:spPr/>
-      <dgm:t>
-        <a:bodyPr/>
-        <a:lstStyle/>
-        <a:p>
-          <a:endParaRPr lang="en-US"/>
-        </a:p>
-      </dgm:t>
-    </dgm:pt>
-    <dgm:pt modelId="{59966021-20C1-44BB-B753-56D6E9F38DB6}" type="sibTrans" cxnId="{320E3D48-901E-4842-84E0-343C8CC3FD9C}">
-      <dgm:prSet/>
-      <dgm:spPr/>
-      <dgm:t>
-        <a:bodyPr/>
-        <a:lstStyle/>
-        <a:p>
-          <a:endParaRPr lang="en-US"/>
-        </a:p>
-      </dgm:t>
-    </dgm:pt>
-    <dgm:pt modelId="{47EAB6EA-C96F-4B69-BF49-B1710E0444AA}" type="pres">
-      <dgm:prSet presAssocID="{AAC3BB1E-665F-4CE9-A842-4D8D754303BF}" presName="cycle" presStyleCnt="0">
-        <dgm:presLayoutVars>
-          <dgm:dir/>
-          <dgm:resizeHandles val="exact"/>
-        </dgm:presLayoutVars>
-      </dgm:prSet>
-      <dgm:spPr/>
-    </dgm:pt>
-    <dgm:pt modelId="{6C3CE1E7-DADC-45F4-92DB-28D0BCF3C105}" type="pres">
-      <dgm:prSet presAssocID="{321697DD-3318-484C-82F3-5B0D22598966}" presName="node" presStyleLbl="node1" presStyleIdx="0" presStyleCnt="2">
-        <dgm:presLayoutVars>
-          <dgm:bulletEnabled val="1"/>
-        </dgm:presLayoutVars>
-      </dgm:prSet>
-      <dgm:spPr/>
-    </dgm:pt>
-    <dgm:pt modelId="{2CB9FE7F-D5CA-4FAE-9B8B-E1A1D6C9CBE9}" type="pres">
-      <dgm:prSet presAssocID="{1556BC39-F46F-4D48-90F4-9DED9E78DE28}" presName="sibTrans" presStyleLbl="sibTrans2D1" presStyleIdx="0" presStyleCnt="2"/>
-      <dgm:spPr/>
-    </dgm:pt>
-    <dgm:pt modelId="{A5D85D17-9160-4600-B498-DAEB491C40E9}" type="pres">
-      <dgm:prSet presAssocID="{1556BC39-F46F-4D48-90F4-9DED9E78DE28}" presName="connectorText" presStyleLbl="sibTrans2D1" presStyleIdx="0" presStyleCnt="2"/>
-      <dgm:spPr/>
-    </dgm:pt>
-    <dgm:pt modelId="{F7265546-3D95-48C6-AB13-891C83DE3E29}" type="pres">
-      <dgm:prSet presAssocID="{4638D060-46B4-4110-8706-A7A2B86A655F}" presName="node" presStyleLbl="node1" presStyleIdx="1" presStyleCnt="2">
-        <dgm:presLayoutVars>
-          <dgm:bulletEnabled val="1"/>
-        </dgm:presLayoutVars>
-      </dgm:prSet>
-      <dgm:spPr/>
-    </dgm:pt>
-    <dgm:pt modelId="{C27C8302-ABE4-4B07-8008-215ED7C59631}" type="pres">
-      <dgm:prSet presAssocID="{59966021-20C1-44BB-B753-56D6E9F38DB6}" presName="sibTrans" presStyleLbl="sibTrans2D1" presStyleIdx="1" presStyleCnt="2"/>
-      <dgm:spPr/>
-    </dgm:pt>
-    <dgm:pt modelId="{45A807CA-AF60-45B2-B3BA-6DE337FB5403}" type="pres">
-      <dgm:prSet presAssocID="{59966021-20C1-44BB-B753-56D6E9F38DB6}" presName="connectorText" presStyleLbl="sibTrans2D1" presStyleIdx="1" presStyleCnt="2"/>
-      <dgm:spPr/>
-    </dgm:pt>
-  </dgm:ptLst>
-  <dgm:cxnLst>
-    <dgm:cxn modelId="{7B36FE3C-BDC8-4FDF-A85E-E622C97223F3}" type="presOf" srcId="{59966021-20C1-44BB-B753-56D6E9F38DB6}" destId="{C27C8302-ABE4-4B07-8008-215ED7C59631}" srcOrd="0" destOrd="0" presId="urn:microsoft.com/office/officeart/2005/8/layout/cycle2"/>
-    <dgm:cxn modelId="{EBB93344-FB27-414A-A44C-57B7F38195E4}" type="presOf" srcId="{1556BC39-F46F-4D48-90F4-9DED9E78DE28}" destId="{2CB9FE7F-D5CA-4FAE-9B8B-E1A1D6C9CBE9}" srcOrd="0" destOrd="0" presId="urn:microsoft.com/office/officeart/2005/8/layout/cycle2"/>
-    <dgm:cxn modelId="{320E3D48-901E-4842-84E0-343C8CC3FD9C}" srcId="{AAC3BB1E-665F-4CE9-A842-4D8D754303BF}" destId="{4638D060-46B4-4110-8706-A7A2B86A655F}" srcOrd="1" destOrd="0" parTransId="{8E174046-68CB-4FD7-BDB1-BBB0B9DFFDE4}" sibTransId="{59966021-20C1-44BB-B753-56D6E9F38DB6}"/>
-    <dgm:cxn modelId="{10D8086B-FA14-4C64-99ED-773D8F4DA67D}" type="presOf" srcId="{1556BC39-F46F-4D48-90F4-9DED9E78DE28}" destId="{A5D85D17-9160-4600-B498-DAEB491C40E9}" srcOrd="1" destOrd="0" presId="urn:microsoft.com/office/officeart/2005/8/layout/cycle2"/>
-    <dgm:cxn modelId="{19418F85-002B-48F6-B573-DD404B25C6AC}" type="presOf" srcId="{4638D060-46B4-4110-8706-A7A2B86A655F}" destId="{F7265546-3D95-48C6-AB13-891C83DE3E29}" srcOrd="0" destOrd="0" presId="urn:microsoft.com/office/officeart/2005/8/layout/cycle2"/>
-    <dgm:cxn modelId="{A102ECAA-DBBF-4257-A614-22D81D0D2867}" type="presOf" srcId="{321697DD-3318-484C-82F3-5B0D22598966}" destId="{6C3CE1E7-DADC-45F4-92DB-28D0BCF3C105}" srcOrd="0" destOrd="0" presId="urn:microsoft.com/office/officeart/2005/8/layout/cycle2"/>
-    <dgm:cxn modelId="{FF22C2D1-ED69-4498-9293-B81D920FD3A2}" srcId="{AAC3BB1E-665F-4CE9-A842-4D8D754303BF}" destId="{321697DD-3318-484C-82F3-5B0D22598966}" srcOrd="0" destOrd="0" parTransId="{FA7F1571-1C6F-4C3C-BCA9-28EEC47B7ABA}" sibTransId="{1556BC39-F46F-4D48-90F4-9DED9E78DE28}"/>
-    <dgm:cxn modelId="{E43B64D7-F978-450D-864F-C65271E12F7A}" type="presOf" srcId="{59966021-20C1-44BB-B753-56D6E9F38DB6}" destId="{45A807CA-AF60-45B2-B3BA-6DE337FB5403}" srcOrd="1" destOrd="0" presId="urn:microsoft.com/office/officeart/2005/8/layout/cycle2"/>
-    <dgm:cxn modelId="{80875ADD-BD29-4295-9F71-372FBEB75646}" type="presOf" srcId="{AAC3BB1E-665F-4CE9-A842-4D8D754303BF}" destId="{47EAB6EA-C96F-4B69-BF49-B1710E0444AA}" srcOrd="0" destOrd="0" presId="urn:microsoft.com/office/officeart/2005/8/layout/cycle2"/>
-    <dgm:cxn modelId="{57B97467-2444-41CC-AB2E-A79089C2AAF0}" type="presParOf" srcId="{47EAB6EA-C96F-4B69-BF49-B1710E0444AA}" destId="{6C3CE1E7-DADC-45F4-92DB-28D0BCF3C105}" srcOrd="0" destOrd="0" presId="urn:microsoft.com/office/officeart/2005/8/layout/cycle2"/>
-    <dgm:cxn modelId="{1DA1AA83-12A3-447A-966C-88FC950505CF}" type="presParOf" srcId="{47EAB6EA-C96F-4B69-BF49-B1710E0444AA}" destId="{2CB9FE7F-D5CA-4FAE-9B8B-E1A1D6C9CBE9}" srcOrd="1" destOrd="0" presId="urn:microsoft.com/office/officeart/2005/8/layout/cycle2"/>
-    <dgm:cxn modelId="{B1ED962A-28AF-4DB6-BDC1-FF3A96B91251}" type="presParOf" srcId="{2CB9FE7F-D5CA-4FAE-9B8B-E1A1D6C9CBE9}" destId="{A5D85D17-9160-4600-B498-DAEB491C40E9}" srcOrd="0" destOrd="0" presId="urn:microsoft.com/office/officeart/2005/8/layout/cycle2"/>
-    <dgm:cxn modelId="{F376E1E7-0648-422C-B0ED-003231733D47}" type="presParOf" srcId="{47EAB6EA-C96F-4B69-BF49-B1710E0444AA}" destId="{F7265546-3D95-48C6-AB13-891C83DE3E29}" srcOrd="2" destOrd="0" presId="urn:microsoft.com/office/officeart/2005/8/layout/cycle2"/>
-    <dgm:cxn modelId="{5D484E76-9E5D-4BD9-BE5C-767DE0F1CFDB}" type="presParOf" srcId="{47EAB6EA-C96F-4B69-BF49-B1710E0444AA}" destId="{C27C8302-ABE4-4B07-8008-215ED7C59631}" srcOrd="3" destOrd="0" presId="urn:microsoft.com/office/officeart/2005/8/layout/cycle2"/>
-    <dgm:cxn modelId="{0C51F40F-39E6-4459-BF0D-0B57A6E66C1C}" type="presParOf" srcId="{C27C8302-ABE4-4B07-8008-215ED7C59631}" destId="{45A807CA-AF60-45B2-B3BA-6DE337FB5403}" srcOrd="0" destOrd="0" presId="urn:microsoft.com/office/officeart/2005/8/layout/cycle2"/>
-  </dgm:cxnLst>
-  <dgm:bg/>
-  <dgm:whole/>
-  <dgm:extLst>
-    <a:ext uri="http://schemas.microsoft.com/office/drawing/2008/diagram">
-      <dsp:dataModelExt xmlns:dsp="http://schemas.microsoft.com/office/drawing/2008/diagram" relId="rId9" minVer="http://schemas.openxmlformats.org/drawingml/2006/diagram"/>
-    </a:ext>
-  </dgm:extLst>
-</dgm:dataModel>
-</file>
-
-<file path=ppt/diagrams/drawing1.xml><?xml version="1.0" encoding="utf-8"?>
-<dsp:drawing xmlns:dgm="http://schemas.openxmlformats.org/drawingml/2006/diagram" xmlns:dsp="http://schemas.microsoft.com/office/drawing/2008/diagram" xmlns:a="http://schemas.openxmlformats.org/drawingml/2006/main">
-  <dsp:spTree>
-    <dsp:nvGrpSpPr>
-      <dsp:cNvPr id="0" name=""/>
-      <dsp:cNvGrpSpPr/>
-    </dsp:nvGrpSpPr>
-    <dsp:grpSpPr/>
-    <dsp:sp modelId="{6C3CE1E7-DADC-45F4-92DB-28D0BCF3C105}">
-      <dsp:nvSpPr>
-        <dsp:cNvPr id="0" name=""/>
-        <dsp:cNvSpPr/>
-      </dsp:nvSpPr>
-      <dsp:spPr>
-        <a:xfrm>
-          <a:off x="471" y="471476"/>
-          <a:ext cx="1675990" cy="1675990"/>
-        </a:xfrm>
-        <a:prstGeom prst="ellipse">
-          <a:avLst/>
-        </a:prstGeom>
-        <a:solidFill>
-          <a:schemeClr val="accent4">
-            <a:hueOff val="0"/>
-            <a:satOff val="0"/>
-            <a:lumOff val="0"/>
-            <a:alphaOff val="0"/>
-          </a:schemeClr>
-        </a:solidFill>
-        <a:ln w="12700" cap="flat" cmpd="sng" algn="ctr">
-          <a:solidFill>
-            <a:schemeClr val="lt1">
-              <a:hueOff val="0"/>
-              <a:satOff val="0"/>
-              <a:lumOff val="0"/>
-              <a:alphaOff val="0"/>
-            </a:schemeClr>
-          </a:solidFill>
-          <a:prstDash val="solid"/>
-          <a:miter lim="800000"/>
-        </a:ln>
-        <a:effectLst/>
-      </dsp:spPr>
-      <dsp:style>
-        <a:lnRef idx="2">
-          <a:scrgbClr r="0" g="0" b="0"/>
-        </a:lnRef>
-        <a:fillRef idx="1">
-          <a:scrgbClr r="0" g="0" b="0"/>
-        </a:fillRef>
-        <a:effectRef idx="0">
-          <a:scrgbClr r="0" g="0" b="0"/>
-        </a:effectRef>
-        <a:fontRef idx="minor">
-          <a:schemeClr val="lt1"/>
-        </a:fontRef>
-      </dsp:style>
-      <dsp:txBody>
-        <a:bodyPr spcFirstLastPara="0" vert="horz" wrap="square" lIns="45720" tIns="45720" rIns="45720" bIns="45720" numCol="1" spcCol="1270" anchor="ctr" anchorCtr="0">
-          <a:noAutofit/>
-        </a:bodyPr>
-        <a:lstStyle/>
-        <a:p>
-          <a:pPr marL="0" lvl="0" indent="0" algn="ctr" defTabSz="1600200">
-            <a:lnSpc>
-              <a:spcPct val="90000"/>
-            </a:lnSpc>
-            <a:spcBef>
-              <a:spcPct val="0"/>
-            </a:spcBef>
-            <a:spcAft>
-              <a:spcPct val="35000"/>
-            </a:spcAft>
-            <a:buNone/>
-          </a:pPr>
-          <a:r>
-            <a:rPr lang="en-US" sz="3600" kern="1200" dirty="0"/>
-            <a:t>Value Net</a:t>
-          </a:r>
-        </a:p>
-      </dsp:txBody>
-      <dsp:txXfrm>
-        <a:off x="245914" y="716919"/>
-        <a:ext cx="1185104" cy="1185104"/>
-      </dsp:txXfrm>
-    </dsp:sp>
-    <dsp:sp modelId="{2CB9FE7F-D5CA-4FAE-9B8B-E1A1D6C9CBE9}">
-      <dsp:nvSpPr>
-        <dsp:cNvPr id="0" name=""/>
-        <dsp:cNvSpPr/>
-      </dsp:nvSpPr>
-      <dsp:spPr>
-        <a:xfrm>
-          <a:off x="1545101" y="234776"/>
-          <a:ext cx="1041824" cy="565646"/>
-        </a:xfrm>
-        <a:prstGeom prst="rightArrow">
-          <a:avLst>
-            <a:gd name="adj1" fmla="val 60000"/>
-            <a:gd name="adj2" fmla="val 50000"/>
-          </a:avLst>
-        </a:prstGeom>
-        <a:solidFill>
-          <a:schemeClr val="accent4">
-            <a:hueOff val="0"/>
-            <a:satOff val="0"/>
-            <a:lumOff val="0"/>
-            <a:alphaOff val="0"/>
-          </a:schemeClr>
-        </a:solidFill>
-        <a:ln>
-          <a:noFill/>
-        </a:ln>
-        <a:effectLst/>
-      </dsp:spPr>
-      <dsp:style>
-        <a:lnRef idx="0">
-          <a:scrgbClr r="0" g="0" b="0"/>
-        </a:lnRef>
-        <a:fillRef idx="1">
-          <a:scrgbClr r="0" g="0" b="0"/>
-        </a:fillRef>
-        <a:effectRef idx="0">
-          <a:scrgbClr r="0" g="0" b="0"/>
-        </a:effectRef>
-        <a:fontRef idx="minor">
-          <a:schemeClr val="lt1"/>
-        </a:fontRef>
-      </dsp:style>
-      <dsp:txBody>
-        <a:bodyPr spcFirstLastPara="0" vert="horz" wrap="square" lIns="0" tIns="0" rIns="0" bIns="0" numCol="1" spcCol="1270" anchor="ctr" anchorCtr="0">
-          <a:noAutofit/>
-        </a:bodyPr>
-        <a:lstStyle/>
-        <a:p>
-          <a:pPr marL="0" lvl="0" indent="0" algn="ctr" defTabSz="1066800">
-            <a:lnSpc>
-              <a:spcPct val="90000"/>
-            </a:lnSpc>
-            <a:spcBef>
-              <a:spcPct val="0"/>
-            </a:spcBef>
-            <a:spcAft>
-              <a:spcPct val="35000"/>
-            </a:spcAft>
-            <a:buNone/>
-          </a:pPr>
-          <a:endParaRPr lang="en-US" sz="2400" kern="1200"/>
-        </a:p>
-      </dsp:txBody>
-      <dsp:txXfrm>
-        <a:off x="1545101" y="347905"/>
-        <a:ext cx="872130" cy="339388"/>
-      </dsp:txXfrm>
-    </dsp:sp>
-    <dsp:sp modelId="{F7265546-3D95-48C6-AB13-891C83DE3E29}">
-      <dsp:nvSpPr>
-        <dsp:cNvPr id="0" name=""/>
-        <dsp:cNvSpPr/>
-      </dsp:nvSpPr>
-      <dsp:spPr>
-        <a:xfrm>
-          <a:off x="2514537" y="471476"/>
-          <a:ext cx="1675990" cy="1675990"/>
-        </a:xfrm>
-        <a:prstGeom prst="ellipse">
-          <a:avLst/>
-        </a:prstGeom>
-        <a:solidFill>
-          <a:schemeClr val="accent4">
-            <a:hueOff val="9800891"/>
-            <a:satOff val="-40777"/>
-            <a:lumOff val="9608"/>
-            <a:alphaOff val="0"/>
-          </a:schemeClr>
-        </a:solidFill>
-        <a:ln w="12700" cap="flat" cmpd="sng" algn="ctr">
-          <a:solidFill>
-            <a:schemeClr val="lt1">
-              <a:hueOff val="0"/>
-              <a:satOff val="0"/>
-              <a:lumOff val="0"/>
-              <a:alphaOff val="0"/>
-            </a:schemeClr>
-          </a:solidFill>
-          <a:prstDash val="solid"/>
-          <a:miter lim="800000"/>
-        </a:ln>
-        <a:effectLst/>
-      </dsp:spPr>
-      <dsp:style>
-        <a:lnRef idx="2">
-          <a:scrgbClr r="0" g="0" b="0"/>
-        </a:lnRef>
-        <a:fillRef idx="1">
-          <a:scrgbClr r="0" g="0" b="0"/>
-        </a:fillRef>
-        <a:effectRef idx="0">
-          <a:scrgbClr r="0" g="0" b="0"/>
-        </a:effectRef>
-        <a:fontRef idx="minor">
-          <a:schemeClr val="lt1"/>
-        </a:fontRef>
-      </dsp:style>
-      <dsp:txBody>
-        <a:bodyPr spcFirstLastPara="0" vert="horz" wrap="square" lIns="45720" tIns="45720" rIns="45720" bIns="45720" numCol="1" spcCol="1270" anchor="ctr" anchorCtr="0">
-          <a:noAutofit/>
-        </a:bodyPr>
-        <a:lstStyle/>
-        <a:p>
-          <a:pPr marL="0" lvl="0" indent="0" algn="ctr" defTabSz="1600200">
-            <a:lnSpc>
-              <a:spcPct val="90000"/>
-            </a:lnSpc>
-            <a:spcBef>
-              <a:spcPct val="0"/>
-            </a:spcBef>
-            <a:spcAft>
-              <a:spcPct val="35000"/>
-            </a:spcAft>
-            <a:buNone/>
-          </a:pPr>
-          <a:r>
-            <a:rPr lang="en-US" sz="3600" kern="1200" dirty="0"/>
-            <a:t>Policy Net</a:t>
-          </a:r>
-        </a:p>
-      </dsp:txBody>
-      <dsp:txXfrm>
-        <a:off x="2759980" y="716919"/>
-        <a:ext cx="1185104" cy="1185104"/>
-      </dsp:txXfrm>
-    </dsp:sp>
-    <dsp:sp modelId="{C27C8302-ABE4-4B07-8008-215ED7C59631}">
-      <dsp:nvSpPr>
-        <dsp:cNvPr id="0" name=""/>
-        <dsp:cNvSpPr/>
-      </dsp:nvSpPr>
-      <dsp:spPr>
-        <a:xfrm rot="10800000">
-          <a:off x="1604073" y="1818520"/>
-          <a:ext cx="1041824" cy="565646"/>
-        </a:xfrm>
-        <a:prstGeom prst="rightArrow">
-          <a:avLst>
-            <a:gd name="adj1" fmla="val 60000"/>
-            <a:gd name="adj2" fmla="val 50000"/>
-          </a:avLst>
-        </a:prstGeom>
-        <a:solidFill>
-          <a:schemeClr val="accent4">
-            <a:hueOff val="9800891"/>
-            <a:satOff val="-40777"/>
-            <a:lumOff val="9608"/>
-            <a:alphaOff val="0"/>
-          </a:schemeClr>
-        </a:solidFill>
-        <a:ln>
-          <a:noFill/>
-        </a:ln>
-        <a:effectLst/>
-      </dsp:spPr>
-      <dsp:style>
-        <a:lnRef idx="0">
-          <a:scrgbClr r="0" g="0" b="0"/>
-        </a:lnRef>
-        <a:fillRef idx="1">
-          <a:scrgbClr r="0" g="0" b="0"/>
-        </a:fillRef>
-        <a:effectRef idx="0">
-          <a:scrgbClr r="0" g="0" b="0"/>
-        </a:effectRef>
-        <a:fontRef idx="minor">
-          <a:schemeClr val="lt1"/>
-        </a:fontRef>
-      </dsp:style>
-      <dsp:txBody>
-        <a:bodyPr spcFirstLastPara="0" vert="horz" wrap="square" lIns="0" tIns="0" rIns="0" bIns="0" numCol="1" spcCol="1270" anchor="ctr" anchorCtr="0">
-          <a:noAutofit/>
-        </a:bodyPr>
-        <a:lstStyle/>
-        <a:p>
-          <a:pPr marL="0" lvl="0" indent="0" algn="ctr" defTabSz="1066800">
-            <a:lnSpc>
-              <a:spcPct val="90000"/>
-            </a:lnSpc>
-            <a:spcBef>
-              <a:spcPct val="0"/>
-            </a:spcBef>
-            <a:spcAft>
-              <a:spcPct val="35000"/>
-            </a:spcAft>
-            <a:buNone/>
-          </a:pPr>
-          <a:endParaRPr lang="en-US" sz="2400" kern="1200"/>
-        </a:p>
-      </dsp:txBody>
-      <dsp:txXfrm rot="10800000">
-        <a:off x="1773767" y="1931649"/>
-        <a:ext cx="872130" cy="339388"/>
-      </dsp:txXfrm>
-    </dsp:sp>
-  </dsp:spTree>
-</dsp:drawing>
-</file>
-
-<file path=ppt/diagrams/layout1.xml><?xml version="1.0" encoding="utf-8"?>
-<dgm:layoutDef xmlns:dgm="http://schemas.openxmlformats.org/drawingml/2006/diagram" xmlns:a="http://schemas.openxmlformats.org/drawingml/2006/main" uniqueId="urn:microsoft.com/office/officeart/2005/8/layout/cycle2">
-  <dgm:title val=""/>
-  <dgm:desc val=""/>
-  <dgm:catLst>
-    <dgm:cat type="cycle" pri="1000"/>
-    <dgm:cat type="convert" pri="10000"/>
-  </dgm:catLst>
-  <dgm:sampData>
-    <dgm:dataModel>
-      <dgm:ptLst>
-        <dgm:pt modelId="0" type="doc"/>
-        <dgm:pt modelId="1">
-          <dgm:prSet phldr="1"/>
-        </dgm:pt>
-        <dgm:pt modelId="2">
-          <dgm:prSet phldr="1"/>
-        </dgm:pt>
-        <dgm:pt modelId="3">
-          <dgm:prSet phldr="1"/>
-        </dgm:pt>
-        <dgm:pt modelId="4">
-          <dgm:prSet phldr="1"/>
-        </dgm:pt>
-        <dgm:pt modelId="5">
-          <dgm:prSet phldr="1"/>
-        </dgm:pt>
-      </dgm:ptLst>
-      <dgm:cxnLst>
-        <dgm:cxn modelId="6" srcId="0" destId="1" srcOrd="0" destOrd="0"/>
-        <dgm:cxn modelId="7" srcId="0" destId="2" srcOrd="1" destOrd="0"/>
-        <dgm:cxn modelId="8" srcId="0" destId="3" srcOrd="2" destOrd="0"/>
-        <dgm:cxn modelId="9" srcId="0" destId="4" srcOrd="3" destOrd="0"/>
-        <dgm:cxn modelId="10" srcId="0" destId="5" srcOrd="4" destOrd="0"/>
-      </dgm:cxnLst>
-      <dgm:bg/>
-      <dgm:whole/>
-    </dgm:dataModel>
-  </dgm:sampData>
-  <dgm:styleData>
-    <dgm:dataModel>
-      <dgm:ptLst>
-        <dgm:pt modelId="0" type="doc"/>
-        <dgm:pt modelId="1"/>
-        <dgm:pt modelId="2"/>
-        <dgm:pt modelId="3"/>
-      </dgm:ptLst>
-      <dgm:cxnLst>
-        <dgm:cxn modelId="4" srcId="0" destId="1" srcOrd="0" destOrd="0"/>
-        <dgm:cxn modelId="5" srcId="0" destId="2" srcOrd="1" destOrd="0"/>
-        <dgm:cxn modelId="6" srcId="0" destId="3" srcOrd="2" destOrd="0"/>
-      </dgm:cxnLst>
-      <dgm:bg/>
-      <dgm:whole/>
-    </dgm:dataModel>
-  </dgm:styleData>
-  <dgm:clrData>
-    <dgm:dataModel>
-      <dgm:ptLst>
-        <dgm:pt modelId="0" type="doc"/>
-        <dgm:pt modelId="1"/>
-        <dgm:pt modelId="2"/>
-        <dgm:pt modelId="3"/>
-        <dgm:pt modelId="4"/>
-        <dgm:pt modelId="5"/>
-        <dgm:pt modelId="6"/>
-      </dgm:ptLst>
-      <dgm:cxnLst>
-        <dgm:cxn modelId="7" srcId="0" destId="1" srcOrd="0" destOrd="0"/>
-        <dgm:cxn modelId="8" srcId="0" destId="2" srcOrd="1" destOrd="0"/>
-        <dgm:cxn modelId="9" srcId="0" destId="3" srcOrd="2" destOrd="0"/>
-        <dgm:cxn modelId="10" srcId="0" destId="4" srcOrd="3" destOrd="0"/>
-        <dgm:cxn modelId="11" srcId="0" destId="5" srcOrd="4" destOrd="0"/>
-        <dgm:cxn modelId="12" srcId="0" destId="6" srcOrd="5" destOrd="0"/>
-      </dgm:cxnLst>
-      <dgm:bg/>
-      <dgm:whole/>
-    </dgm:dataModel>
-  </dgm:clrData>
-  <dgm:layoutNode name="cycle">
-    <dgm:varLst>
-      <dgm:dir/>
-      <dgm:resizeHandles val="exact"/>
-    </dgm:varLst>
-    <dgm:choose name="Name0">
-      <dgm:if name="Name1" func="var" arg="dir" op="equ" val="norm">
-        <dgm:choose name="Name2">
-          <dgm:if name="Name3" axis="ch" ptType="node" func="cnt" op="gt" val="2">
-            <dgm:alg type="cycle">
-              <dgm:param type="stAng" val="0"/>
-              <dgm:param type="spanAng" val="360"/>
-            </dgm:alg>
-          </dgm:if>
-          <dgm:else name="Name4">
-            <dgm:alg type="cycle">
-              <dgm:param type="stAng" val="-90"/>
-              <dgm:param type="spanAng" val="360"/>
-            </dgm:alg>
-          </dgm:else>
-        </dgm:choose>
-      </dgm:if>
-      <dgm:else name="Name5">
-        <dgm:choose name="Name6">
-          <dgm:if name="Name7" axis="ch" ptType="node" func="cnt" op="gt" val="2">
-            <dgm:alg type="cycle">
-              <dgm:param type="stAng" val="0"/>
-              <dgm:param type="spanAng" val="-360"/>
-            </dgm:alg>
-          </dgm:if>
-          <dgm:else name="Name8">
-            <dgm:alg type="cycle">
-              <dgm:param type="stAng" val="90"/>
-              <dgm:param type="spanAng" val="-360"/>
-            </dgm:alg>
-          </dgm:else>
-        </dgm:choose>
-      </dgm:else>
-    </dgm:choose>
-    <dgm:shape xmlns:r="http://schemas.openxmlformats.org/officeDocument/2006/relationships" r:blip="">
-      <dgm:adjLst/>
-    </dgm:shape>
-    <dgm:presOf/>
-    <dgm:constrLst>
-      <dgm:constr type="w" for="ch" ptType="node" refType="w"/>
-      <dgm:constr type="w" for="ch" ptType="sibTrans" refType="w" refFor="ch" refPtType="node" op="equ" fact="0.25"/>
-      <dgm:constr type="sibSp" refType="w" refFor="ch" refPtType="node" fact="0.5"/>
-      <dgm:constr type="primFontSz" for="ch" ptType="node" op="equ" val="65"/>
-      <dgm:constr type="primFontSz" for="des" forName="connectorText" op="equ" val="55"/>
-      <dgm:constr type="primFontSz" for="des" forName="connectorText" refType="primFontSz" refFor="ch" refPtType="node" op="lte" fact="0.8"/>
-    </dgm:constrLst>
-    <dgm:ruleLst/>
-    <dgm:forEach name="nodesForEach" axis="ch" ptType="node">
-      <dgm:layoutNode name="node">
-        <dgm:varLst>
-          <dgm:bulletEnabled val="1"/>
-        </dgm:varLst>
-        <dgm:alg type="tx">
-          <dgm:param type="txAnchorVertCh" val="mid"/>
-        </dgm:alg>
-        <dgm:shape xmlns:r="http://schemas.openxmlformats.org/officeDocument/2006/relationships" type="ellipse" r:blip="">
-          <dgm:adjLst/>
-        </dgm:shape>
-        <dgm:presOf axis="desOrSelf" ptType="node"/>
-        <dgm:constrLst>
-          <dgm:constr type="h" refType="w"/>
-          <dgm:constr type="lMarg" refType="primFontSz" fact="0.1"/>
-          <dgm:constr type="rMarg" refType="primFontSz" fact="0.1"/>
-          <dgm:constr type="tMarg" refType="primFontSz" fact="0.1"/>
-          <dgm:constr type="bMarg" refType="primFontSz" fact="0.1"/>
-        </dgm:constrLst>
-        <dgm:ruleLst>
-          <dgm:rule type="primFontSz" val="5" fact="NaN" max="NaN"/>
-        </dgm:ruleLst>
-      </dgm:layoutNode>
-      <dgm:choose name="Name9">
-        <dgm:if name="Name10" axis="par ch" ptType="doc node" func="cnt" op="gt" val="1">
-          <dgm:forEach name="sibTransForEach" axis="followSib" ptType="sibTrans" hideLastTrans="0" cnt="1">
-            <dgm:layoutNode name="sibTrans">
-              <dgm:choose name="Name11">
-                <dgm:if name="Name12" axis="par ch" ptType="doc node" func="cnt" op="lt" val="3">
-                  <dgm:alg type="conn">
-                    <dgm:param type="begPts" val="radial"/>
-                    <dgm:param type="endPts" val="radial"/>
-                  </dgm:alg>
-                </dgm:if>
-                <dgm:else name="Name13">
-                  <dgm:alg type="conn">
-                    <dgm:param type="begPts" val="auto"/>
-                    <dgm:param type="endPts" val="auto"/>
-                  </dgm:alg>
-                </dgm:else>
-              </dgm:choose>
-              <dgm:shape xmlns:r="http://schemas.openxmlformats.org/officeDocument/2006/relationships" type="conn" r:blip="">
-                <dgm:adjLst/>
-              </dgm:shape>
-              <dgm:presOf axis="self"/>
-              <dgm:constrLst>
-                <dgm:constr type="h" refType="w" fact="1.35"/>
-                <dgm:constr type="connDist"/>
-                <dgm:constr type="w" for="ch" refType="connDist" fact="0.45"/>
-                <dgm:constr type="h" for="ch" refType="h"/>
-              </dgm:constrLst>
-              <dgm:ruleLst/>
-              <dgm:layoutNode name="connectorText">
-                <dgm:alg type="tx">
-                  <dgm:param type="autoTxRot" val="grav"/>
-                </dgm:alg>
-                <dgm:shape xmlns:r="http://schemas.openxmlformats.org/officeDocument/2006/relationships" type="conn" r:blip="" hideGeom="1">
-                  <dgm:adjLst/>
-                </dgm:shape>
-                <dgm:presOf axis="self"/>
-                <dgm:constrLst>
-                  <dgm:constr type="lMarg"/>
-                  <dgm:constr type="rMarg"/>
-                  <dgm:constr type="tMarg"/>
-                  <dgm:constr type="bMarg"/>
-                </dgm:constrLst>
-                <dgm:ruleLst>
-                  <dgm:rule type="primFontSz" val="5" fact="NaN" max="NaN"/>
-                </dgm:ruleLst>
-              </dgm:layoutNode>
-            </dgm:layoutNode>
-          </dgm:forEach>
-        </dgm:if>
-        <dgm:else name="Name14"/>
-      </dgm:choose>
-    </dgm:forEach>
-  </dgm:layoutNode>
-</dgm:layoutDef>
-</file>
-
-<file path=ppt/diagrams/quickStyle1.xml><?xml version="1.0" encoding="utf-8"?>
-<dgm:styleDef xmlns:dgm="http://schemas.openxmlformats.org/drawingml/2006/diagram" xmlns:a="http://schemas.openxmlformats.org/drawingml/2006/main" uniqueId="urn:microsoft.com/office/officeart/2005/8/quickstyle/simple1">
-  <dgm:title val=""/>
-  <dgm:desc val=""/>
-  <dgm:catLst>
-    <dgm:cat type="simple" pri="10100"/>
-  </dgm:catLst>
-  <dgm:scene3d>
-    <a:camera prst="orthographicFront"/>
-    <a:lightRig rig="threePt" dir="t"/>
-  </dgm:scene3d>
-  <dgm:styleLbl name="node0">
-    <dgm:scene3d>
-      <a:camera prst="orthographicFront"/>
-      <a:lightRig rig="threePt" dir="t"/>
-    </dgm:scene3d>
-    <dgm:sp3d/>
-    <dgm:txPr/>
-    <dgm:style>
-      <a:lnRef idx="2">
-        <a:scrgbClr r="0" g="0" b="0"/>
-      </a:lnRef>
-      <a:fillRef idx="1">
-        <a:scrgbClr r="0" g="0" b="0"/>
-      </a:fillRef>
-      <a:effectRef idx="0">
-        <a:scrgbClr r="0" g="0" b="0"/>
-      </a:effectRef>
-      <a:fontRef idx="minor">
-        <a:schemeClr val="lt1"/>
-      </a:fontRef>
-    </dgm:style>
-  </dgm:styleLbl>
-  <dgm:styleLbl name="lnNode1">
-    <dgm:scene3d>
-      <a:camera prst="orthographicFront"/>
-      <a:lightRig rig="threePt" dir="t"/>
-    </dgm:scene3d>
-    <dgm:sp3d/>
-    <dgm:txPr/>
-    <dgm:style>
-      <a:lnRef idx="2">
-        <a:scrgbClr r="0" g="0" b="0"/>
-      </a:lnRef>
-      <a:fillRef idx="1">
-        <a:scrgbClr r="0" g="0" b="0"/>
-      </a:fillRef>
-      <a:effectRef idx="0">
-        <a:scrgbClr r="0" g="0" b="0"/>
-      </a:effectRef>
-      <a:fontRef idx="minor">
-        <a:schemeClr val="lt1"/>
-      </a:fontRef>
-    </dgm:style>
-  </dgm:styleLbl>
-  <dgm:styleLbl name="vennNode1">
-    <dgm:scene3d>
-      <a:camera prst="orthographicFront"/>
-      <a:lightRig rig="threePt" dir="t"/>
-    </dgm:scene3d>
-    <dgm:sp3d/>
-    <dgm:txPr/>
-    <dgm:style>
-      <a:lnRef idx="2">
-        <a:scrgbClr r="0" g="0" b="0"/>
-      </a:lnRef>
-      <a:fillRef idx="1">
-        <a:scrgbClr r="0" g="0" b="0"/>
-      </a:fillRef>
-      <a:effectRef idx="0">
-        <a:scrgbClr r="0" g="0" b="0"/>
-      </a:effectRef>
-      <a:fontRef idx="minor">
-        <a:schemeClr val="tx1"/>
-      </a:fontRef>
-    </dgm:style>
-  </dgm:styleLbl>
-  <dgm:styleLbl name="alignNode1">
-    <dgm:scene3d>
-      <a:camera prst="orthographicFront"/>
-      <a:lightRig rig="threePt" dir="t"/>
-    </dgm:scene3d>
-    <dgm:sp3d/>
-    <dgm:txPr/>
-    <dgm:style>
-      <a:lnRef idx="2">
-        <a:scrgbClr r="0" g="0" b="0"/>
-      </a:lnRef>
-      <a:fillRef idx="1">
-        <a:scrgbClr r="0" g="0" b="0"/>
-      </a:fillRef>
-      <a:effectRef idx="0">
-        <a:scrgbClr r="0" g="0" b="0"/>
-      </a:effectRef>
-      <a:fontRef idx="minor">
-        <a:schemeClr val="lt1"/>
-      </a:fontRef>
-    </dgm:style>
-  </dgm:styleLbl>
-  <dgm:styleLbl name="node1">
-    <dgm:scene3d>
-      <a:camera prst="orthographicFront"/>
-      <a:lightRig rig="threePt" dir="t"/>
-    </dgm:scene3d>
-    <dgm:sp3d/>
-    <dgm:txPr/>
-    <dgm:style>
-      <a:lnRef idx="2">
-        <a:scrgbClr r="0" g="0" b="0"/>
-      </a:lnRef>
-      <a:fillRef idx="1">
-        <a:scrgbClr r="0" g="0" b="0"/>
-      </a:fillRef>
-      <a:effectRef idx="0">
-        <a:scrgbClr r="0" g="0" b="0"/>
-      </a:effectRef>
-      <a:fontRef idx="minor">
-        <a:schemeClr val="lt1"/>
-      </a:fontRef>
-    </dgm:style>
-  </dgm:styleLbl>
-  <dgm:styleLbl name="node2">
-    <dgm:scene3d>
-      <a:camera prst="orthographicFront"/>
-      <a:lightRig rig="threePt" dir="t"/>
-    </dgm:scene3d>
-    <dgm:sp3d/>
-    <dgm:txPr/>
-    <dgm:style>
-      <a:lnRef idx="2">
-        <a:scrgbClr r="0" g="0" b="0"/>
-      </a:lnRef>
-      <a:fillRef idx="1">
-        <a:scrgbClr r="0" g="0" b="0"/>
-      </a:fillRef>
-      <a:effectRef idx="0">
-        <a:scrgbClr r="0" g="0" b="0"/>
-      </a:effectRef>
-      <a:fontRef idx="minor">
-        <a:schemeClr val="lt1"/>
-      </a:fontRef>
-    </dgm:style>
-  </dgm:styleLbl>
-  <dgm:styleLbl name="node3">
-    <dgm:scene3d>
-      <a:camera prst="orthographicFront"/>
-      <a:lightRig rig="threePt" dir="t"/>
-    </dgm:scene3d>
-    <dgm:sp3d/>
-    <dgm:txPr/>
-    <dgm:style>
-      <a:lnRef idx="2">
-        <a:scrgbClr r="0" g="0" b="0"/>
-      </a:lnRef>
-      <a:fillRef idx="1">
-        <a:scrgbClr r="0" g="0" b="0"/>
-      </a:fillRef>
-      <a:effectRef idx="0">
-        <a:scrgbClr r="0" g="0" b="0"/>
-      </a:effectRef>
-      <a:fontRef idx="minor">
-        <a:schemeClr val="lt1"/>
-      </a:fontRef>
-    </dgm:style>
-  </dgm:styleLbl>
-  <dgm:styleLbl name="node4">
-    <dgm:scene3d>
-      <a:camera prst="orthographicFront"/>
-      <a:lightRig rig="threePt" dir="t"/>
-    </dgm:scene3d>
-    <dgm:sp3d/>
-    <dgm:txPr/>
-    <dgm:style>
-      <a:lnRef idx="2">
-        <a:scrgbClr r="0" g="0" b="0"/>
-      </a:lnRef>
-      <a:fillRef idx="1">
-        <a:scrgbClr r="0" g="0" b="0"/>
-      </a:fillRef>
-      <a:effectRef idx="0">
-        <a:scrgbClr r="0" g="0" b="0"/>
-      </a:effectRef>
-      <a:fontRef idx="minor">
-        <a:schemeClr val="lt1"/>
-      </a:fontRef>
-    </dgm:style>
-  </dgm:styleLbl>
-  <dgm:styleLbl name="fgImgPlace1">
-    <dgm:scene3d>
-      <a:camera prst="orthographicFront"/>
-      <a:lightRig rig="threePt" dir="t"/>
-    </dgm:scene3d>
-    <dgm:sp3d/>
-    <dgm:txPr/>
-    <dgm:style>
-      <a:lnRef idx="2">
-        <a:scrgbClr r="0" g="0" b="0"/>
-      </a:lnRef>
-      <a:fillRef idx="1">
-        <a:scrgbClr r="0" g="0" b="0"/>
-      </a:fillRef>
-      <a:effectRef idx="0">
-        <a:scrgbClr r="0" g="0" b="0"/>
-      </a:effectRef>
-      <a:fontRef idx="minor"/>
-    </dgm:style>
-  </dgm:styleLbl>
-  <dgm:styleLbl name="alignImgPlace1">
-    <dgm:scene3d>
-      <a:camera prst="orthographicFront"/>
-      <a:lightRig rig="threePt" dir="t"/>
-    </dgm:scene3d>
-    <dgm:sp3d/>
-    <dgm:txPr/>
-    <dgm:style>
-      <a:lnRef idx="2">
-        <a:scrgbClr r="0" g="0" b="0"/>
-      </a:lnRef>
-      <a:fillRef idx="1">
-        <a:scrgbClr r="0" g="0" b="0"/>
-      </a:fillRef>
-      <a:effectRef idx="0">
-        <a:scrgbClr r="0" g="0" b="0"/>
-      </a:effectRef>
-      <a:fontRef idx="minor"/>
-    </dgm:style>
-  </dgm:styleLbl>
-  <dgm:styleLbl name="bgImgPlace1">
-    <dgm:scene3d>
-      <a:camera prst="orthographicFront"/>
-      <a:lightRig rig="threePt" dir="t"/>
-    </dgm:scene3d>
-    <dgm:sp3d/>
-    <dgm:txPr/>
-    <dgm:style>
-      <a:lnRef idx="2">
-        <a:scrgbClr r="0" g="0" b="0"/>
-      </a:lnRef>
-      <a:fillRef idx="1">
-        <a:scrgbClr r="0" g="0" b="0"/>
-      </a:fillRef>
-      <a:effectRef idx="0">
-        <a:scrgbClr r="0" g="0" b="0"/>
-      </a:effectRef>
-      <a:fontRef idx="minor"/>
-    </dgm:style>
-  </dgm:styleLbl>
-  <dgm:styleLbl name="sibTrans2D1">
-    <dgm:scene3d>
-      <a:camera prst="orthographicFront"/>
-      <a:lightRig rig="threePt" dir="t"/>
-    </dgm:scene3d>
-    <dgm:sp3d/>
-    <dgm:txPr/>
-    <dgm:style>
-      <a:lnRef idx="0">
-        <a:scrgbClr r="0" g="0" b="0"/>
-      </a:lnRef>
-      <a:fillRef idx="1">
-        <a:scrgbClr r="0" g="0" b="0"/>
-      </a:fillRef>
-      <a:effectRef idx="0">
-        <a:scrgbClr r="0" g="0" b="0"/>
-      </a:effectRef>
-      <a:fontRef idx="minor">
-        <a:schemeClr val="lt1"/>
-      </a:fontRef>
-    </dgm:style>
-  </dgm:styleLbl>
-  <dgm:styleLbl name="fgSibTrans2D1">
-    <dgm:scene3d>
-      <a:camera prst="orthographicFront"/>
-      <a:lightRig rig="threePt" dir="t"/>
-    </dgm:scene3d>
-    <dgm:sp3d/>
-    <dgm:txPr/>
-    <dgm:style>
-      <a:lnRef idx="0">
-        <a:scrgbClr r="0" g="0" b="0"/>
-      </a:lnRef>
-      <a:fillRef idx="1">
-        <a:scrgbClr r="0" g="0" b="0"/>
-      </a:fillRef>
-      <a:effectRef idx="0">
-        <a:scrgbClr r="0" g="0" b="0"/>
-      </a:effectRef>
-      <a:fontRef idx="minor">
-        <a:schemeClr val="lt1"/>
-      </a:fontRef>
-    </dgm:style>
-  </dgm:styleLbl>
-  <dgm:styleLbl name="bgSibTrans2D1">
-    <dgm:scene3d>
-      <a:camera prst="orthographicFront"/>
-      <a:lightRig rig="threePt" dir="t"/>
-    </dgm:scene3d>
-    <dgm:sp3d/>
-    <dgm:txPr/>
-    <dgm:style>
-      <a:lnRef idx="0">
-        <a:scrgbClr r="0" g="0" b="0"/>
-      </a:lnRef>
-      <a:fillRef idx="1">
-        <a:scrgbClr r="0" g="0" b="0"/>
-      </a:fillRef>
-      <a:effectRef idx="0">
-        <a:scrgbClr r="0" g="0" b="0"/>
-      </a:effectRef>
-      <a:fontRef idx="minor">
-        <a:schemeClr val="lt1"/>
-      </a:fontRef>
-    </dgm:style>
-  </dgm:styleLbl>
-  <dgm:styleLbl name="sibTrans1D1">
-    <dgm:scene3d>
-      <a:camera prst="orthographicFront"/>
-      <a:lightRig rig="threePt" dir="t"/>
-    </dgm:scene3d>
-    <dgm:sp3d/>
-    <dgm:txPr/>
-    <dgm:style>
-      <a:lnRef idx="1">
-        <a:scrgbClr r="0" g="0" b="0"/>
-      </a:lnRef>
-      <a:fillRef idx="0">
-        <a:scrgbClr r="0" g="0" b="0"/>
-      </a:fillRef>
-      <a:effectRef idx="0">
-        <a:scrgbClr r="0" g="0" b="0"/>
-      </a:effectRef>
-      <a:fontRef idx="minor"/>
-    </dgm:style>
-  </dgm:styleLbl>
-  <dgm:styleLbl name="callout">
-    <dgm:scene3d>
-      <a:camera prst="orthographicFront"/>
-      <a:lightRig rig="threePt" dir="t"/>
-    </dgm:scene3d>
-    <dgm:sp3d/>
-    <dgm:txPr/>
-    <dgm:style>
-      <a:lnRef idx="2">
-        <a:scrgbClr r="0" g="0" b="0"/>
-      </a:lnRef>
-      <a:fillRef idx="1">
-        <a:scrgbClr r="0" g="0" b="0"/>
-      </a:fillRef>
-      <a:effectRef idx="0">
-        <a:scrgbClr r="0" g="0" b="0"/>
-      </a:effectRef>
-      <a:fontRef idx="minor"/>
-    </dgm:style>
-  </dgm:styleLbl>
-  <dgm:styleLbl name="asst0">
-    <dgm:scene3d>
-      <a:camera prst="orthographicFront"/>
-      <a:lightRig rig="threePt" dir="t"/>
-    </dgm:scene3d>
-    <dgm:sp3d/>
-    <dgm:txPr/>
-    <dgm:style>
-      <a:lnRef idx="2">
-        <a:scrgbClr r="0" g="0" b="0"/>
-      </a:lnRef>
-      <a:fillRef idx="1">
-        <a:scrgbClr r="0" g="0" b="0"/>
-      </a:fillRef>
-      <a:effectRef idx="0">
-        <a:scrgbClr r="0" g="0" b="0"/>
-      </a:effectRef>
-      <a:fontRef idx="minor">
-        <a:schemeClr val="lt1"/>
-      </a:fontRef>
-    </dgm:style>
-  </dgm:styleLbl>
-  <dgm:styleLbl name="asst1">
-    <dgm:scene3d>
-      <a:camera prst="orthographicFront"/>
-      <a:lightRig rig="threePt" dir="t"/>
-    </dgm:scene3d>
-    <dgm:sp3d/>
-    <dgm:txPr/>
-    <dgm:style>
-      <a:lnRef idx="2">
-        <a:scrgbClr r="0" g="0" b="0"/>
-      </a:lnRef>
-      <a:fillRef idx="1">
-        <a:scrgbClr r="0" g="0" b="0"/>
-      </a:fillRef>
-      <a:effectRef idx="0">
-        <a:scrgbClr r="0" g="0" b="0"/>
-      </a:effectRef>
-      <a:fontRef idx="minor">
-        <a:schemeClr val="lt1"/>
-      </a:fontRef>
-    </dgm:style>
-  </dgm:styleLbl>
-  <dgm:styleLbl name="asst2">
-    <dgm:scene3d>
-      <a:camera prst="orthographicFront"/>
-      <a:lightRig rig="threePt" dir="t"/>
-    </dgm:scene3d>
-    <dgm:sp3d/>
-    <dgm:txPr/>
-    <dgm:style>
-      <a:lnRef idx="2">
-        <a:scrgbClr r="0" g="0" b="0"/>
-      </a:lnRef>
-      <a:fillRef idx="1">
-        <a:scrgbClr r="0" g="0" b="0"/>
-      </a:fillRef>
-      <a:effectRef idx="0">
-        <a:scrgbClr r="0" g="0" b="0"/>
-      </a:effectRef>
-      <a:fontRef idx="minor">
-        <a:schemeClr val="lt1"/>
-      </a:fontRef>
-    </dgm:style>
-  </dgm:styleLbl>
-  <dgm:styleLbl name="asst3">
-    <dgm:scene3d>
-      <a:camera prst="orthographicFront"/>
-      <a:lightRig rig="threePt" dir="t"/>
-    </dgm:scene3d>
-    <dgm:sp3d/>
-    <dgm:txPr/>
-    <dgm:style>
-      <a:lnRef idx="2">
-        <a:scrgbClr r="0" g="0" b="0"/>
-      </a:lnRef>
-      <a:fillRef idx="1">
-        <a:scrgbClr r="0" g="0" b="0"/>
-      </a:fillRef>
-      <a:effectRef idx="0">
-        <a:scrgbClr r="0" g="0" b="0"/>
-      </a:effectRef>
-      <a:fontRef idx="minor">
-        <a:schemeClr val="lt1"/>
-      </a:fontRef>
-    </dgm:style>
-  </dgm:styleLbl>
-  <dgm:styleLbl name="asst4">
-    <dgm:scene3d>
-      <a:camera prst="orthographicFront"/>
-      <a:lightRig rig="threePt" dir="t"/>
-    </dgm:scene3d>
-    <dgm:sp3d/>
-    <dgm:txPr/>
-    <dgm:style>
-      <a:lnRef idx="2">
-        <a:scrgbClr r="0" g="0" b="0"/>
-      </a:lnRef>
-      <a:fillRef idx="1">
-        <a:scrgbClr r="0" g="0" b="0"/>
-      </a:fillRef>
-      <a:effectRef idx="0">
-        <a:scrgbClr r="0" g="0" b="0"/>
-      </a:effectRef>
-      <a:fontRef idx="minor">
-        <a:schemeClr val="lt1"/>
-      </a:fontRef>
-    </dgm:style>
-  </dgm:styleLbl>
-  <dgm:styleLbl name="parChTrans2D1">
-    <dgm:scene3d>
-      <a:camera prst="orthographicFront"/>
-      <a:lightRig rig="threePt" dir="t"/>
-    </dgm:scene3d>
-    <dgm:sp3d/>
-    <dgm:txPr/>
-    <dgm:style>
-      <a:lnRef idx="2">
-        <a:scrgbClr r="0" g="0" b="0"/>
-      </a:lnRef>
-      <a:fillRef idx="1">
-        <a:scrgbClr r="0" g="0" b="0"/>
-      </a:fillRef>
-      <a:effectRef idx="0">
-        <a:scrgbClr r="0" g="0" b="0"/>
-      </a:effectRef>
-      <a:fontRef idx="minor">
-        <a:schemeClr val="lt1"/>
-      </a:fontRef>
-    </dgm:style>
-  </dgm:styleLbl>
-  <dgm:styleLbl name="parChTrans2D2">
-    <dgm:scene3d>
-      <a:camera prst="orthographicFront"/>
-      <a:lightRig rig="threePt" dir="t"/>
-    </dgm:scene3d>
-    <dgm:sp3d/>
-    <dgm:txPr/>
-    <dgm:style>
-      <a:lnRef idx="2">
-        <a:scrgbClr r="0" g="0" b="0"/>
-      </a:lnRef>
-      <a:fillRef idx="1">
-        <a:scrgbClr r="0" g="0" b="0"/>
-      </a:fillRef>
-      <a:effectRef idx="0">
-        <a:scrgbClr r="0" g="0" b="0"/>
-      </a:effectRef>
-      <a:fontRef idx="minor">
-        <a:schemeClr val="lt1"/>
-      </a:fontRef>
-    </dgm:style>
-  </dgm:styleLbl>
-  <dgm:styleLbl name="parChTrans2D3">
-    <dgm:scene3d>
-      <a:camera prst="orthographicFront"/>
-      <a:lightRig rig="threePt" dir="t"/>
-    </dgm:scene3d>
-    <dgm:sp3d/>
-    <dgm:txPr/>
-    <dgm:style>
-      <a:lnRef idx="2">
-        <a:scrgbClr r="0" g="0" b="0"/>
-      </a:lnRef>
-      <a:fillRef idx="1">
-        <a:scrgbClr r="0" g="0" b="0"/>
-      </a:fillRef>
-      <a:effectRef idx="0">
-        <a:scrgbClr r="0" g="0" b="0"/>
-      </a:effectRef>
-      <a:fontRef idx="minor">
-        <a:schemeClr val="lt1"/>
-      </a:fontRef>
-    </dgm:style>
-  </dgm:styleLbl>
-  <dgm:styleLbl name="parChTrans2D4">
-    <dgm:scene3d>
-      <a:camera prst="orthographicFront"/>
-      <a:lightRig rig="threePt" dir="t"/>
-    </dgm:scene3d>
-    <dgm:sp3d/>
-    <dgm:txPr/>
-    <dgm:style>
-      <a:lnRef idx="2">
-        <a:scrgbClr r="0" g="0" b="0"/>
-      </a:lnRef>
-      <a:fillRef idx="1">
-        <a:scrgbClr r="0" g="0" b="0"/>
-      </a:fillRef>
-      <a:effectRef idx="0">
-        <a:scrgbClr r="0" g="0" b="0"/>
-      </a:effectRef>
-      <a:fontRef idx="minor">
-        <a:schemeClr val="lt1"/>
-      </a:fontRef>
-    </dgm:style>
-  </dgm:styleLbl>
-  <dgm:styleLbl name="parChTrans1D1">
-    <dgm:scene3d>
-      <a:camera prst="orthographicFront"/>
-      <a:lightRig rig="threePt" dir="t"/>
-    </dgm:scene3d>
-    <dgm:sp3d/>
-    <dgm:txPr/>
-    <dgm:style>
-      <a:lnRef idx="2">
-        <a:scrgbClr r="0" g="0" b="0"/>
-      </a:lnRef>
-      <a:fillRef idx="0">
-        <a:scrgbClr r="0" g="0" b="0"/>
-      </a:fillRef>
-      <a:effectRef idx="0">
-        <a:scrgbClr r="0" g="0" b="0"/>
-      </a:effectRef>
-      <a:fontRef idx="minor"/>
-    </dgm:style>
-  </dgm:styleLbl>
-  <dgm:styleLbl name="parChTrans1D2">
-    <dgm:scene3d>
-      <a:camera prst="orthographicFront"/>
-      <a:lightRig rig="threePt" dir="t"/>
-    </dgm:scene3d>
-    <dgm:sp3d/>
-    <dgm:txPr/>
-    <dgm:style>
-      <a:lnRef idx="2">
-        <a:scrgbClr r="0" g="0" b="0"/>
-      </a:lnRef>
-      <a:fillRef idx="0">
-        <a:scrgbClr r="0" g="0" b="0"/>
-      </a:fillRef>
-      <a:effectRef idx="0">
-        <a:scrgbClr r="0" g="0" b="0"/>
-      </a:effectRef>
-      <a:fontRef idx="minor"/>
-    </dgm:style>
-  </dgm:styleLbl>
-  <dgm:styleLbl name="parChTrans1D3">
-    <dgm:scene3d>
-      <a:camera prst="orthographicFront"/>
-      <a:lightRig rig="threePt" dir="t"/>
-    </dgm:scene3d>
-    <dgm:sp3d/>
-    <dgm:txPr/>
-    <dgm:style>
-      <a:lnRef idx="2">
-        <a:scrgbClr r="0" g="0" b="0"/>
-      </a:lnRef>
-      <a:fillRef idx="0">
-        <a:scrgbClr r="0" g="0" b="0"/>
-      </a:fillRef>
-      <a:effectRef idx="0">
-        <a:scrgbClr r="0" g="0" b="0"/>
-      </a:effectRef>
-      <a:fontRef idx="minor"/>
-    </dgm:style>
-  </dgm:styleLbl>
-  <dgm:styleLbl name="parChTrans1D4">
-    <dgm:scene3d>
-      <a:camera prst="orthographicFront"/>
-      <a:lightRig rig="threePt" dir="t"/>
-    </dgm:scene3d>
-    <dgm:sp3d/>
-    <dgm:txPr/>
-    <dgm:style>
-      <a:lnRef idx="2">
-        <a:scrgbClr r="0" g="0" b="0"/>
-      </a:lnRef>
-      <a:fillRef idx="0">
-        <a:scrgbClr r="0" g="0" b="0"/>
-      </a:fillRef>
-      <a:effectRef idx="0">
-        <a:scrgbClr r="0" g="0" b="0"/>
-      </a:effectRef>
-      <a:fontRef idx="minor"/>
-    </dgm:style>
-  </dgm:styleLbl>
-  <dgm:styleLbl name="fgAcc1">
-    <dgm:scene3d>
-      <a:camera prst="orthographicFront"/>
-      <a:lightRig rig="threePt" dir="t"/>
-    </dgm:scene3d>
-    <dgm:sp3d/>
-    <dgm:txPr/>
-    <dgm:style>
-      <a:lnRef idx="2">
-        <a:scrgbClr r="0" g="0" b="0"/>
-      </a:lnRef>
-      <a:fillRef idx="1">
-        <a:scrgbClr r="0" g="0" b="0"/>
-      </a:fillRef>
-      <a:effectRef idx="0">
-        <a:scrgbClr r="0" g="0" b="0"/>
-      </a:effectRef>
-      <a:fontRef idx="minor"/>
-    </dgm:style>
-  </dgm:styleLbl>
-  <dgm:styleLbl name="conFgAcc1">
-    <dgm:scene3d>
-      <a:camera prst="orthographicFront"/>
-      <a:lightRig rig="threePt" dir="t"/>
-    </dgm:scene3d>
-    <dgm:sp3d/>
-    <dgm:txPr/>
-    <dgm:style>
-      <a:lnRef idx="2">
-        <a:scrgbClr r="0" g="0" b="0"/>
-      </a:lnRef>
-      <a:fillRef idx="1">
-        <a:scrgbClr r="0" g="0" b="0"/>
-      </a:fillRef>
-      <a:effectRef idx="0">
-        <a:scrgbClr r="0" g="0" b="0"/>
-      </a:effectRef>
-      <a:fontRef idx="minor"/>
-    </dgm:style>
-  </dgm:styleLbl>
-  <dgm:styleLbl name="alignAcc1">
-    <dgm:scene3d>
-      <a:camera prst="orthographicFront"/>
-      <a:lightRig rig="threePt" dir="t"/>
-    </dgm:scene3d>
-    <dgm:sp3d/>
-    <dgm:txPr/>
-    <dgm:style>
-      <a:lnRef idx="2">
-        <a:scrgbClr r="0" g="0" b="0"/>
-      </a:lnRef>
-      <a:fillRef idx="1">
-        <a:scrgbClr r="0" g="0" b="0"/>
-      </a:fillRef>
-      <a:effectRef idx="0">
-        <a:scrgbClr r="0" g="0" b="0"/>
-      </a:effectRef>
-      <a:fontRef idx="minor"/>
-    </dgm:style>
-  </dgm:styleLbl>
-  <dgm:styleLbl name="trAlignAcc1">
-    <dgm:scene3d>
-      <a:camera prst="orthographicFront"/>
-      <a:lightRig rig="threePt" dir="t"/>
-    </dgm:scene3d>
-    <dgm:sp3d/>
-    <dgm:txPr/>
-    <dgm:style>
-      <a:lnRef idx="1">
-        <a:scrgbClr r="0" g="0" b="0"/>
-      </a:lnRef>
-      <a:fillRef idx="1">
-        <a:scrgbClr r="0" g="0" b="0"/>
-      </a:fillRef>
-      <a:effectRef idx="0">
-        <a:scrgbClr r="0" g="0" b="0"/>
-      </a:effectRef>
-      <a:fontRef idx="minor"/>
-    </dgm:style>
-  </dgm:styleLbl>
-  <dgm:styleLbl name="bgAcc1">
-    <dgm:scene3d>
-      <a:camera prst="orthographicFront"/>
-      <a:lightRig rig="threePt" dir="t"/>
-    </dgm:scene3d>
-    <dgm:sp3d/>
-    <dgm:txPr/>
-    <dgm:style>
-      <a:lnRef idx="2">
-        <a:scrgbClr r="0" g="0" b="0"/>
-      </a:lnRef>
-      <a:fillRef idx="1">
-        <a:scrgbClr r="0" g="0" b="0"/>
-      </a:fillRef>
-      <a:effectRef idx="0">
-        <a:scrgbClr r="0" g="0" b="0"/>
-      </a:effectRef>
-      <a:fontRef idx="minor"/>
-    </dgm:style>
-  </dgm:styleLbl>
-  <dgm:styleLbl name="solidFgAcc1">
-    <dgm:scene3d>
-      <a:camera prst="orthographicFront"/>
-      <a:lightRig rig="threePt" dir="t"/>
-    </dgm:scene3d>
-    <dgm:sp3d/>
-    <dgm:txPr/>
-    <dgm:style>
-      <a:lnRef idx="2">
-        <a:scrgbClr r="0" g="0" b="0"/>
-      </a:lnRef>
-      <a:fillRef idx="1">
-        <a:scrgbClr r="0" g="0" b="0"/>
-      </a:fillRef>
-      <a:effectRef idx="0">
-        <a:scrgbClr r="0" g="0" b="0"/>
-      </a:effectRef>
-      <a:fontRef idx="minor"/>
-    </dgm:style>
-  </dgm:styleLbl>
-  <dgm:styleLbl name="solidAlignAcc1">
-    <dgm:scene3d>
-      <a:camera prst="orthographicFront"/>
-      <a:lightRig rig="threePt" dir="t"/>
-    </dgm:scene3d>
-    <dgm:sp3d/>
-    <dgm:txPr/>
-    <dgm:style>
-      <a:lnRef idx="2">
-        <a:scrgbClr r="0" g="0" b="0"/>
-      </a:lnRef>
-      <a:fillRef idx="1">
-        <a:scrgbClr r="0" g="0" b="0"/>
-      </a:fillRef>
-      <a:effectRef idx="0">
-        <a:scrgbClr r="0" g="0" b="0"/>
-      </a:effectRef>
-      <a:fontRef idx="minor"/>
-    </dgm:style>
-  </dgm:styleLbl>
-  <dgm:styleLbl name="solidBgAcc1">
-    <dgm:scene3d>
-      <a:camera prst="orthographicFront"/>
-      <a:lightRig rig="threePt" dir="t"/>
-    </dgm:scene3d>
-    <dgm:sp3d/>
-    <dgm:txPr/>
-    <dgm:style>
-      <a:lnRef idx="2">
-        <a:scrgbClr r="0" g="0" b="0"/>
-      </a:lnRef>
-      <a:fillRef idx="1">
-        <a:scrgbClr r="0" g="0" b="0"/>
-      </a:fillRef>
-      <a:effectRef idx="0">
-        <a:scrgbClr r="0" g="0" b="0"/>
-      </a:effectRef>
-      <a:fontRef idx="minor"/>
-    </dgm:style>
-  </dgm:styleLbl>
-  <dgm:styleLbl name="fgAccFollowNode1">
-    <dgm:scene3d>
-      <a:camera prst="orthographicFront"/>
-      <a:lightRig rig="threePt" dir="t"/>
-    </dgm:scene3d>
-    <dgm:sp3d/>
-    <dgm:txPr/>
-    <dgm:style>
-      <a:lnRef idx="2">
-        <a:scrgbClr r="0" g="0" b="0"/>
-      </a:lnRef>
-      <a:fillRef idx="1">
-        <a:scrgbClr r="0" g="0" b="0"/>
-      </a:fillRef>
-      <a:effectRef idx="0">
-        <a:scrgbClr r="0" g="0" b="0"/>
-      </a:effectRef>
-      <a:fontRef idx="minor"/>
-    </dgm:style>
-  </dgm:styleLbl>
-  <dgm:styleLbl name="alignAccFollowNode1">
-    <dgm:scene3d>
-      <a:camera prst="orthographicFront"/>
-      <a:lightRig rig="threePt" dir="t"/>
-    </dgm:scene3d>
-    <dgm:sp3d/>
-    <dgm:txPr/>
-    <dgm:style>
-      <a:lnRef idx="2">
-        <a:scrgbClr r="0" g="0" b="0"/>
-      </a:lnRef>
-      <a:fillRef idx="1">
-        <a:scrgbClr r="0" g="0" b="0"/>
-      </a:fillRef>
-      <a:effectRef idx="0">
-        <a:scrgbClr r="0" g="0" b="0"/>
-      </a:effectRef>
-      <a:fontRef idx="minor"/>
-    </dgm:style>
-  </dgm:styleLbl>
-  <dgm:styleLbl name="bgAccFollowNode1">
-    <dgm:scene3d>
-      <a:camera prst="orthographicFront"/>
-      <a:lightRig rig="threePt" dir="t"/>
-    </dgm:scene3d>
-    <dgm:sp3d/>
-    <dgm:txPr/>
-    <dgm:style>
-      <a:lnRef idx="2">
-        <a:scrgbClr r="0" g="0" b="0"/>
-      </a:lnRef>
-      <a:fillRef idx="1">
-        <a:scrgbClr r="0" g="0" b="0"/>
-      </a:fillRef>
-      <a:effectRef idx="0">
-        <a:scrgbClr r="0" g="0" b="0"/>
-      </a:effectRef>
-      <a:fontRef idx="minor"/>
-    </dgm:style>
-  </dgm:styleLbl>
-  <dgm:styleLbl name="fgAcc0">
-    <dgm:scene3d>
-      <a:camera prst="orthographicFront"/>
-      <a:lightRig rig="threePt" dir="t"/>
-    </dgm:scene3d>
-    <dgm:sp3d/>
-    <dgm:txPr/>
-    <dgm:style>
-      <a:lnRef idx="2">
-        <a:scrgbClr r="0" g="0" b="0"/>
-      </a:lnRef>
-      <a:fillRef idx="1">
-        <a:scrgbClr r="0" g="0" b="0"/>
-      </a:fillRef>
-      <a:effectRef idx="0">
-        <a:scrgbClr r="0" g="0" b="0"/>
-      </a:effectRef>
-      <a:fontRef idx="minor"/>
-    </dgm:style>
-  </dgm:styleLbl>
-  <dgm:styleLbl name="fgAcc2">
-    <dgm:scene3d>
-      <a:camera prst="orthographicFront"/>
-      <a:lightRig rig="threePt" dir="t"/>
-    </dgm:scene3d>
-    <dgm:sp3d/>
-    <dgm:txPr/>
-    <dgm:style>
-      <a:lnRef idx="2">
-        <a:scrgbClr r="0" g="0" b="0"/>
-      </a:lnRef>
-      <a:fillRef idx="1">
-        <a:scrgbClr r="0" g="0" b="0"/>
-      </a:fillRef>
-      <a:effectRef idx="0">
-        <a:scrgbClr r="0" g="0" b="0"/>
-      </a:effectRef>
-      <a:fontRef idx="minor"/>
-    </dgm:style>
-  </dgm:styleLbl>
-  <dgm:styleLbl name="fgAcc3">
-    <dgm:scene3d>
-      <a:camera prst="orthographicFront"/>
-      <a:lightRig rig="threePt" dir="t"/>
-    </dgm:scene3d>
-    <dgm:sp3d/>
-    <dgm:txPr/>
-    <dgm:style>
-      <a:lnRef idx="2">
-        <a:scrgbClr r="0" g="0" b="0"/>
-      </a:lnRef>
-      <a:fillRef idx="1">
-        <a:scrgbClr r="0" g="0" b="0"/>
-      </a:fillRef>
-      <a:effectRef idx="0">
-        <a:scrgbClr r="0" g="0" b="0"/>
-      </a:effectRef>
-      <a:fontRef idx="minor"/>
-    </dgm:style>
-  </dgm:styleLbl>
-  <dgm:styleLbl name="fgAcc4">
-    <dgm:scene3d>
-      <a:camera prst="orthographicFront"/>
-      <a:lightRig rig="threePt" dir="t"/>
-    </dgm:scene3d>
-    <dgm:sp3d/>
-    <dgm:txPr/>
-    <dgm:style>
-      <a:lnRef idx="2">
-        <a:scrgbClr r="0" g="0" b="0"/>
-      </a:lnRef>
-      <a:fillRef idx="1">
-        <a:scrgbClr r="0" g="0" b="0"/>
-      </a:fillRef>
-      <a:effectRef idx="0">
-        <a:scrgbClr r="0" g="0" b="0"/>
-      </a:effectRef>
-      <a:fontRef idx="minor"/>
-    </dgm:style>
-  </dgm:styleLbl>
-  <dgm:styleLbl name="bgShp">
-    <dgm:scene3d>
-      <a:camera prst="orthographicFront"/>
-      <a:lightRig rig="threePt" dir="t"/>
-    </dgm:scene3d>
-    <dgm:sp3d/>
-    <dgm:txPr/>
-    <dgm:style>
-      <a:lnRef idx="0">
-        <a:scrgbClr r="0" g="0" b="0"/>
-      </a:lnRef>
-      <a:fillRef idx="1">
-        <a:scrgbClr r="0" g="0" b="0"/>
-      </a:fillRef>
-      <a:effectRef idx="0">
-        <a:scrgbClr r="0" g="0" b="0"/>
-      </a:effectRef>
-      <a:fontRef idx="minor"/>
-    </dgm:style>
-  </dgm:styleLbl>
-  <dgm:styleLbl name="dkBgShp">
-    <dgm:scene3d>
-      <a:camera prst="orthographicFront"/>
-      <a:lightRig rig="threePt" dir="t"/>
-    </dgm:scene3d>
-    <dgm:sp3d/>
-    <dgm:txPr/>
-    <dgm:style>
-      <a:lnRef idx="0">
-        <a:scrgbClr r="0" g="0" b="0"/>
-      </a:lnRef>
-      <a:fillRef idx="1">
-        <a:scrgbClr r="0" g="0" b="0"/>
-      </a:fillRef>
-      <a:effectRef idx="0">
-        <a:scrgbClr r="0" g="0" b="0"/>
-      </a:effectRef>
-      <a:fontRef idx="minor"/>
-    </dgm:style>
-  </dgm:styleLbl>
-  <dgm:styleLbl name="trBgShp">
-    <dgm:scene3d>
-      <a:camera prst="orthographicFront"/>
-      <a:lightRig rig="threePt" dir="t"/>
-    </dgm:scene3d>
-    <dgm:sp3d/>
-    <dgm:txPr/>
-    <dgm:style>
-      <a:lnRef idx="0">
-        <a:scrgbClr r="0" g="0" b="0"/>
-      </a:lnRef>
-      <a:fillRef idx="1">
-        <a:scrgbClr r="0" g="0" b="0"/>
-      </a:fillRef>
-      <a:effectRef idx="0">
-        <a:scrgbClr r="0" g="0" b="0"/>
-      </a:effectRef>
-      <a:fontRef idx="minor"/>
-    </dgm:style>
-  </dgm:styleLbl>
-  <dgm:styleLbl name="fgShp">
-    <dgm:scene3d>
-      <a:camera prst="orthographicFront"/>
-      <a:lightRig rig="threePt" dir="t"/>
-    </dgm:scene3d>
-    <dgm:sp3d/>
-    <dgm:txPr/>
-    <dgm:style>
-      <a:lnRef idx="2">
-        <a:scrgbClr r="0" g="0" b="0"/>
-      </a:lnRef>
-      <a:fillRef idx="1">
-        <a:scrgbClr r="0" g="0" b="0"/>
-      </a:fillRef>
-      <a:effectRef idx="0">
-        <a:scrgbClr r="0" g="0" b="0"/>
-      </a:effectRef>
-      <a:fontRef idx="minor"/>
-    </dgm:style>
-  </dgm:styleLbl>
-  <dgm:styleLbl name="revTx">
-    <dgm:scene3d>
-      <a:camera prst="orthographicFront"/>
-      <a:lightRig rig="threePt" dir="t"/>
-    </dgm:scene3d>
-    <dgm:sp3d/>
-    <dgm:txPr/>
-    <dgm:style>
-      <a:lnRef idx="0">
-        <a:scrgbClr r="0" g="0" b="0"/>
-      </a:lnRef>
-      <a:fillRef idx="0">
-        <a:scrgbClr r="0" g="0" b="0"/>
-      </a:fillRef>
-      <a:effectRef idx="0">
-        <a:scrgbClr r="0" g="0" b="0"/>
-      </a:effectRef>
-      <a:fontRef idx="minor"/>
-    </dgm:style>
-  </dgm:styleLbl>
-</dgm:styleDef>
 </file>
 
 <file path=ppt/handoutMasters/handoutMaster1.xml><?xml version="1.0" encoding="utf-8"?>
@@ -3859,107 +1369,6 @@
     <p:extLst>
       <p:ext uri="{BB962C8B-B14F-4D97-AF65-F5344CB8AC3E}">
         <p14:creationId xmlns:p14="http://schemas.microsoft.com/office/powerpoint/2010/main" val="4062540240"/>
-      </p:ext>
-    </p:extLst>
-  </p:cSld>
-  <p:clrMapOvr>
-    <a:masterClrMapping/>
-  </p:clrMapOvr>
-</p:notes>
-</file>
-
-<file path=ppt/notesSlides/notesSlide6.xml><?xml version="1.0" encoding="utf-8"?>
-<p:notes xmlns:a="http://schemas.openxmlformats.org/drawingml/2006/main" xmlns:r="http://schemas.openxmlformats.org/officeDocument/2006/relationships" xmlns:p="http://schemas.openxmlformats.org/presentationml/2006/main">
-  <p:cSld>
-    <p:spTree>
-      <p:nvGrpSpPr>
-        <p:cNvPr id="1" name=""/>
-        <p:cNvGrpSpPr/>
-        <p:nvPr/>
-      </p:nvGrpSpPr>
-      <p:grpSpPr>
-        <a:xfrm>
-          <a:off x="0" y="0"/>
-          <a:ext cx="0" cy="0"/>
-          <a:chOff x="0" y="0"/>
-          <a:chExt cx="0" cy="0"/>
-        </a:xfrm>
-      </p:grpSpPr>
-      <p:sp>
-        <p:nvSpPr>
-          <p:cNvPr id="2" name="Slide Image Placeholder 1"/>
-          <p:cNvSpPr>
-            <a:spLocks noGrp="1" noRot="1" noChangeAspect="1"/>
-          </p:cNvSpPr>
-          <p:nvPr>
-            <p:ph type="sldImg"/>
-          </p:nvPr>
-        </p:nvSpPr>
-        <p:spPr>
-          <a:xfrm>
-            <a:off x="138113" y="768350"/>
-            <a:ext cx="6823075" cy="3838575"/>
-          </a:xfrm>
-        </p:spPr>
-      </p:sp>
-      <p:sp>
-        <p:nvSpPr>
-          <p:cNvPr id="3" name="Notes Placeholder 2"/>
-          <p:cNvSpPr>
-            <a:spLocks noGrp="1"/>
-          </p:cNvSpPr>
-          <p:nvPr>
-            <p:ph type="body" idx="1"/>
-          </p:nvPr>
-        </p:nvSpPr>
-        <p:spPr/>
-        <p:txBody>
-          <a:bodyPr/>
-          <a:lstStyle/>
-          <a:p>
-            <a:r>
-              <a:rPr lang="en-US" dirty="0"/>
-              <a:t>Deep RL is still somewhat unpredictable since the deep ANN has many parameters…</a:t>
-            </a:r>
-          </a:p>
-          <a:p>
-            <a:endParaRPr lang="en-US" dirty="0"/>
-          </a:p>
-        </p:txBody>
-      </p:sp>
-      <p:sp>
-        <p:nvSpPr>
-          <p:cNvPr id="4" name="Slide Number Placeholder 3"/>
-          <p:cNvSpPr>
-            <a:spLocks noGrp="1"/>
-          </p:cNvSpPr>
-          <p:nvPr>
-            <p:ph type="sldNum" sz="quarter" idx="5"/>
-          </p:nvPr>
-        </p:nvSpPr>
-        <p:spPr/>
-        <p:txBody>
-          <a:bodyPr/>
-          <a:lstStyle/>
-          <a:p>
-            <a:pPr>
-              <a:defRPr/>
-            </a:pPr>
-            <a:fld id="{7BDF81BA-2724-47AE-8C5A-18C6541FAE5A}" type="slidenum">
-              <a:rPr lang="en-US" smtClean="0"/>
-              <a:pPr>
-                <a:defRPr/>
-              </a:pPr>
-              <a:t>17</a:t>
-            </a:fld>
-            <a:endParaRPr lang="en-US" dirty="0"/>
-          </a:p>
-        </p:txBody>
-      </p:sp>
-    </p:spTree>
-    <p:extLst>
-      <p:ext uri="{BB962C8B-B14F-4D97-AF65-F5344CB8AC3E}">
-        <p14:creationId xmlns:p14="http://schemas.microsoft.com/office/powerpoint/2010/main" val="3751532140"/>
       </p:ext>
     </p:extLst>
   </p:cSld>
@@ -11241,8 +8650,8 @@
             </p:sp>
           </mc:Fallback>
         </mc:AlternateContent>
-        <mc:AlternateContent xmlns:mc="http://schemas.openxmlformats.org/markup-compatibility/2006" xmlns:a14="http://schemas.microsoft.com/office/drawing/2010/main">
-          <mc:Choice Requires="a14">
+        <mc:AlternateContent xmlns:mc="http://schemas.openxmlformats.org/markup-compatibility/2006">
+          <mc:Choice xmlns:a14="http://schemas.microsoft.com/office/drawing/2010/main" Requires="a14">
             <p:sp>
               <p:nvSpPr>
                 <p:cNvPr id="30" name="Rectangle 29">
@@ -11316,7 +8725,7 @@
                               <a:rPr lang="en-US" b="0" i="1" smtClean="0">
                                 <a:latin typeface="Cambria Math" panose="02040503050406030204" pitchFamily="18" charset="0"/>
                               </a:rPr>
-                              <m:t>1</m:t>
+                              <m:t>2</m:t>
                             </m:r>
                           </m:sub>
                         </m:sSub>
@@ -11328,7 +8737,7 @@
               </p:txBody>
             </p:sp>
           </mc:Choice>
-          <mc:Fallback xmlns="">
+          <mc:Fallback>
             <p:sp>
               <p:nvSpPr>
                 <p:cNvPr id="30" name="Rectangle 29">
@@ -11373,8 +8782,8 @@
             </p:sp>
           </mc:Fallback>
         </mc:AlternateContent>
-        <mc:AlternateContent xmlns:mc="http://schemas.openxmlformats.org/markup-compatibility/2006" xmlns:a14="http://schemas.microsoft.com/office/drawing/2010/main">
-          <mc:Choice Requires="a14">
+        <mc:AlternateContent xmlns:mc="http://schemas.openxmlformats.org/markup-compatibility/2006">
+          <mc:Choice xmlns:a14="http://schemas.microsoft.com/office/drawing/2010/main" Requires="a14">
             <p:sp>
               <p:nvSpPr>
                 <p:cNvPr id="32" name="Rectangle 31">
@@ -11448,7 +8857,7 @@
                               <a:rPr lang="en-US" b="0" i="1" smtClean="0">
                                 <a:latin typeface="Cambria Math" panose="02040503050406030204" pitchFamily="18" charset="0"/>
                               </a:rPr>
-                              <m:t>1</m:t>
+                              <m:t>3</m:t>
                             </m:r>
                           </m:sub>
                         </m:sSub>
@@ -11460,7 +8869,7 @@
               </p:txBody>
             </p:sp>
           </mc:Choice>
-          <mc:Fallback xmlns="">
+          <mc:Fallback>
             <p:sp>
               <p:nvSpPr>
                 <p:cNvPr id="32" name="Rectangle 31">
@@ -13900,8 +11309,8 @@
           </p:sp>
         </mc:Fallback>
       </mc:AlternateContent>
-      <mc:AlternateContent xmlns:mc="http://schemas.openxmlformats.org/markup-compatibility/2006" xmlns:a14="http://schemas.microsoft.com/office/drawing/2010/main">
-        <mc:Choice Requires="a14">
+      <mc:AlternateContent xmlns:mc="http://schemas.openxmlformats.org/markup-compatibility/2006">
+        <mc:Choice xmlns:a14="http://schemas.microsoft.com/office/drawing/2010/main" Requires="a14">
           <p:sp>
             <p:nvSpPr>
               <p:cNvPr id="4" name="TextBox 3">
@@ -13916,7 +11325,7 @@
             </p:nvSpPr>
             <p:spPr>
               <a:xfrm>
-                <a:off x="685800" y="5776348"/>
+                <a:off x="609600" y="5845239"/>
                 <a:ext cx="11125200" cy="830997"/>
               </a:xfrm>
               <a:prstGeom prst="rect">
@@ -13966,13 +11375,13 @@
                 </a:pPr>
                 <a:r>
                   <a:rPr lang="en-US" sz="1600" dirty="0"/>
-                  <a:t>We typically need non-linear approximators that can be incrementally updated (online learning).  → Deep ANNs called Value Net</a:t>
+                  <a:t>Deep Q-Learning learns a deep neural net called Q-network to estimate Q-values for states.</a:t>
                 </a:r>
               </a:p>
             </p:txBody>
           </p:sp>
         </mc:Choice>
-        <mc:Fallback xmlns="">
+        <mc:Fallback>
           <p:sp>
             <p:nvSpPr>
               <p:cNvPr id="4" name="TextBox 3">
@@ -13989,7 +11398,7 @@
             </p:nvSpPr>
             <p:spPr>
               <a:xfrm>
-                <a:off x="685800" y="5776348"/>
+                <a:off x="609600" y="5845239"/>
                 <a:ext cx="11125200" cy="830997"/>
               </a:xfrm>
               <a:prstGeom prst="rect">
@@ -13998,7 +11407,7 @@
               <a:blipFill>
                 <a:blip r:embed="rId8"/>
                 <a:stretch>
-                  <a:fillRect l="-329" t="-2206" b="-8824"/>
+                  <a:fillRect l="-274" t="-2206" b="-8824"/>
                 </a:stretch>
               </a:blipFill>
             </p:spPr>
@@ -14031,306 +11440,6 @@
 </file>
 
 <file path=ppt/slides/slide17.xml><?xml version="1.0" encoding="utf-8"?>
-<p:sld xmlns:a="http://schemas.openxmlformats.org/drawingml/2006/main" xmlns:r="http://schemas.openxmlformats.org/officeDocument/2006/relationships" xmlns:p="http://schemas.openxmlformats.org/presentationml/2006/main">
-  <p:cSld>
-    <p:spTree>
-      <p:nvGrpSpPr>
-        <p:cNvPr id="1" name=""/>
-        <p:cNvGrpSpPr/>
-        <p:nvPr/>
-      </p:nvGrpSpPr>
-      <p:grpSpPr>
-        <a:xfrm>
-          <a:off x="0" y="0"/>
-          <a:ext cx="0" cy="0"/>
-          <a:chOff x="0" y="0"/>
-          <a:chExt cx="0" cy="0"/>
-        </a:xfrm>
-      </p:grpSpPr>
-      <p:sp>
-        <p:nvSpPr>
-          <p:cNvPr id="2" name="Title 1">
-            <a:extLst>
-              <a:ext uri="{FF2B5EF4-FFF2-40B4-BE49-F238E27FC236}">
-                <a16:creationId xmlns:a16="http://schemas.microsoft.com/office/drawing/2014/main" id="{E1066345-9ED0-5370-449D-D1D5898A2A41}"/>
-              </a:ext>
-            </a:extLst>
-          </p:cNvPr>
-          <p:cNvSpPr>
-            <a:spLocks noGrp="1"/>
-          </p:cNvSpPr>
-          <p:nvPr>
-            <p:ph type="title"/>
-          </p:nvPr>
-        </p:nvSpPr>
-        <p:spPr/>
-        <p:txBody>
-          <a:bodyPr/>
-          <a:lstStyle/>
-          <a:p>
-            <a:r>
-              <a:rPr lang="en-US" dirty="0"/>
-              <a:t>Policy Nets: Policy Approximation</a:t>
-            </a:r>
-          </a:p>
-        </p:txBody>
-      </p:sp>
-      <mc:AlternateContent xmlns:mc="http://schemas.openxmlformats.org/markup-compatibility/2006" xmlns:a14="http://schemas.microsoft.com/office/drawing/2010/main">
-        <mc:Choice Requires="a14">
-          <p:sp>
-            <p:nvSpPr>
-              <p:cNvPr id="3" name="Content Placeholder 2">
-                <a:extLst>
-                  <a:ext uri="{FF2B5EF4-FFF2-40B4-BE49-F238E27FC236}">
-                    <a16:creationId xmlns:a16="http://schemas.microsoft.com/office/drawing/2014/main" id="{7E1C3DEC-7634-2F42-9A4C-17B7C8C56FB0}"/>
-                  </a:ext>
-                </a:extLst>
-              </p:cNvPr>
-              <p:cNvSpPr>
-                <a:spLocks noGrp="1"/>
-              </p:cNvSpPr>
-              <p:nvPr>
-                <p:ph idx="1"/>
-              </p:nvPr>
-            </p:nvSpPr>
-            <p:spPr>
-              <a:xfrm>
-                <a:off x="5539740" y="1608428"/>
-                <a:ext cx="5791200" cy="2253995"/>
-              </a:xfrm>
-            </p:spPr>
-            <p:txBody>
-              <a:bodyPr>
-                <a:normAutofit fontScale="62500" lnSpcReduction="20000"/>
-              </a:bodyPr>
-              <a:lstStyle/>
-              <a:p>
-                <a:r>
-                  <a:rPr lang="en-US" dirty="0"/>
-                  <a:t>Policy tables are also large and generalization may be helpful.</a:t>
-                </a:r>
-              </a:p>
-              <a:p>
-                <a:r>
-                  <a:rPr lang="en-US" dirty="0"/>
-                  <a:t>Use a neural network to learn to represent a policy as a function</a:t>
-                </a:r>
-                <a:br>
-                  <a:rPr lang="en-US" dirty="0"/>
-                </a:br>
-                <a:r>
-                  <a:rPr lang="en-US" dirty="0"/>
-                  <a:t>	</a:t>
-                </a:r>
-                <a:br>
-                  <a:rPr lang="en-US" dirty="0"/>
-                </a:br>
-                <a:r>
-                  <a:rPr lang="en-US" dirty="0"/>
-                  <a:t>		 </a:t>
-                </a:r>
-                <a14:m>
-                  <m:oMath xmlns:m="http://schemas.openxmlformats.org/officeDocument/2006/math">
-                    <m:r>
-                      <a:rPr lang="en-US" b="0" i="1" smtClean="0">
-                        <a:latin typeface="Cambria Math" panose="02040503050406030204" pitchFamily="18" charset="0"/>
-                      </a:rPr>
-                      <m:t>𝑓</m:t>
-                    </m:r>
-                    <m:r>
-                      <a:rPr lang="en-US" b="0" i="1" smtClean="0">
-                        <a:latin typeface="Cambria Math" panose="02040503050406030204" pitchFamily="18" charset="0"/>
-                      </a:rPr>
-                      <m:t>:</m:t>
-                    </m:r>
-                    <m:r>
-                      <a:rPr lang="en-US" b="0" i="1" smtClean="0">
-                        <a:latin typeface="Cambria Math" panose="02040503050406030204" pitchFamily="18" charset="0"/>
-                      </a:rPr>
-                      <m:t>𝑆</m:t>
-                    </m:r>
-                    <m:r>
-                      <a:rPr lang="en-US" b="0" i="1" smtClean="0">
-                        <a:latin typeface="Cambria Math" panose="02040503050406030204" pitchFamily="18" charset="0"/>
-                      </a:rPr>
-                      <m:t>→</m:t>
-                    </m:r>
-                    <m:r>
-                      <a:rPr lang="en-US" b="0" i="1" smtClean="0">
-                        <a:latin typeface="Cambria Math" panose="02040503050406030204" pitchFamily="18" charset="0"/>
-                      </a:rPr>
-                      <m:t>𝐴</m:t>
-                    </m:r>
-                  </m:oMath>
-                </a14:m>
-                <a:r>
-                  <a:rPr lang="en-US" dirty="0"/>
-                  <a:t>.</a:t>
-                </a:r>
-              </a:p>
-              <a:p>
-                <a:endParaRPr lang="en-US" dirty="0"/>
-              </a:p>
-              <a:p>
-                <a:r>
-                  <a:rPr lang="en-US" dirty="0"/>
-                  <a:t>Often used together with a Value Net to iteratively improve the Value Net and then the Policy Net. </a:t>
-                </a:r>
-              </a:p>
-            </p:txBody>
-          </p:sp>
-        </mc:Choice>
-        <mc:Fallback xmlns="">
-          <p:sp>
-            <p:nvSpPr>
-              <p:cNvPr id="3" name="Content Placeholder 2">
-                <a:extLst>
-                  <a:ext uri="{FF2B5EF4-FFF2-40B4-BE49-F238E27FC236}">
-                    <a16:creationId xmlns:a16="http://schemas.microsoft.com/office/drawing/2014/main" id="{7E1C3DEC-7634-2F42-9A4C-17B7C8C56FB0}"/>
-                  </a:ext>
-                </a:extLst>
-              </p:cNvPr>
-              <p:cNvSpPr>
-                <a:spLocks noGrp="1" noRot="1" noChangeAspect="1" noMove="1" noResize="1" noEditPoints="1" noAdjustHandles="1" noChangeArrowheads="1" noChangeShapeType="1" noTextEdit="1"/>
-              </p:cNvSpPr>
-              <p:nvPr>
-                <p:ph idx="1"/>
-              </p:nvPr>
-            </p:nvSpPr>
-            <p:spPr>
-              <a:xfrm>
-                <a:off x="5539740" y="1608428"/>
-                <a:ext cx="5791200" cy="2253995"/>
-              </a:xfrm>
-              <a:blipFill>
-                <a:blip r:embed="rId3"/>
-                <a:stretch>
-                  <a:fillRect l="-737" t="-4595" b="-2432"/>
-                </a:stretch>
-              </a:blipFill>
-            </p:spPr>
-            <p:txBody>
-              <a:bodyPr/>
-              <a:lstStyle/>
-              <a:p>
-                <a:r>
-                  <a:rPr lang="en-US">
-                    <a:noFill/>
-                  </a:rPr>
-                  <a:t> </a:t>
-                </a:r>
-              </a:p>
-            </p:txBody>
-          </p:sp>
-        </mc:Fallback>
-      </mc:AlternateContent>
-      <p:pic>
-        <p:nvPicPr>
-          <p:cNvPr id="6" name="Picture 5">
-            <a:extLst>
-              <a:ext uri="{FF2B5EF4-FFF2-40B4-BE49-F238E27FC236}">
-                <a16:creationId xmlns:a16="http://schemas.microsoft.com/office/drawing/2014/main" id="{AF7BC1F2-FDE6-947D-DBC8-82837A3DB48C}"/>
-              </a:ext>
-            </a:extLst>
-          </p:cNvPr>
-          <p:cNvPicPr>
-            <a:picLocks noChangeAspect="1"/>
-          </p:cNvPicPr>
-          <p:nvPr/>
-        </p:nvPicPr>
-        <p:blipFill>
-          <a:blip r:embed="rId4"/>
-          <a:stretch>
-            <a:fillRect/>
-          </a:stretch>
-        </p:blipFill>
-        <p:spPr>
-          <a:xfrm>
-            <a:off x="807720" y="1828800"/>
-            <a:ext cx="3471874" cy="2780790"/>
-          </a:xfrm>
-          <a:prstGeom prst="rect">
-            <a:avLst/>
-          </a:prstGeom>
-        </p:spPr>
-      </p:pic>
-      <p:sp>
-        <p:nvSpPr>
-          <p:cNvPr id="7" name="TextBox 6">
-            <a:extLst>
-              <a:ext uri="{FF2B5EF4-FFF2-40B4-BE49-F238E27FC236}">
-                <a16:creationId xmlns:a16="http://schemas.microsoft.com/office/drawing/2014/main" id="{C691F5AA-87A1-1789-E7A0-3DF0D6DBB6D9}"/>
-              </a:ext>
-            </a:extLst>
-          </p:cNvPr>
-          <p:cNvSpPr txBox="1"/>
-          <p:nvPr/>
-        </p:nvSpPr>
-        <p:spPr>
-          <a:xfrm>
-            <a:off x="2286000" y="1559689"/>
-            <a:ext cx="808939" cy="400110"/>
-          </a:xfrm>
-          <a:prstGeom prst="rect">
-            <a:avLst/>
-          </a:prstGeom>
-          <a:noFill/>
-        </p:spPr>
-        <p:txBody>
-          <a:bodyPr wrap="none" rtlCol="0">
-            <a:spAutoFit/>
-          </a:bodyPr>
-          <a:lstStyle/>
-          <a:p>
-            <a:r>
-              <a:rPr lang="en-US" sz="2000" b="1" dirty="0"/>
-              <a:t>Policy</a:t>
-            </a:r>
-          </a:p>
-        </p:txBody>
-      </p:sp>
-      <p:graphicFrame>
-        <p:nvGraphicFramePr>
-          <p:cNvPr id="10" name="Diagram 9">
-            <a:extLst>
-              <a:ext uri="{FF2B5EF4-FFF2-40B4-BE49-F238E27FC236}">
-                <a16:creationId xmlns:a16="http://schemas.microsoft.com/office/drawing/2014/main" id="{85FEFC7E-B4CE-239F-E920-A8FF692EEE09}"/>
-              </a:ext>
-            </a:extLst>
-          </p:cNvPr>
-          <p:cNvGraphicFramePr/>
-          <p:nvPr>
-            <p:extLst>
-              <p:ext uri="{D42A27DB-BD31-4B8C-83A1-F6EECF244321}">
-                <p14:modId xmlns:p14="http://schemas.microsoft.com/office/powerpoint/2010/main" val="4139027612"/>
-              </p:ext>
-            </p:extLst>
-          </p:nvPr>
-        </p:nvGraphicFramePr>
-        <p:xfrm>
-          <a:off x="6477000" y="3780162"/>
-          <a:ext cx="4191000" cy="2618944"/>
-        </p:xfrm>
-        <a:graphic>
-          <a:graphicData uri="http://schemas.openxmlformats.org/drawingml/2006/diagram">
-            <dgm:relIds xmlns:dgm="http://schemas.openxmlformats.org/drawingml/2006/diagram" xmlns:r="http://schemas.openxmlformats.org/officeDocument/2006/relationships" r:dm="rId5" r:lo="rId6" r:qs="rId7" r:cs="rId8"/>
-          </a:graphicData>
-        </a:graphic>
-      </p:graphicFrame>
-    </p:spTree>
-    <p:extLst>
-      <p:ext uri="{BB962C8B-B14F-4D97-AF65-F5344CB8AC3E}">
-        <p14:creationId xmlns:p14="http://schemas.microsoft.com/office/powerpoint/2010/main" val="4019830780"/>
-      </p:ext>
-    </p:extLst>
-  </p:cSld>
-  <p:clrMapOvr>
-    <a:masterClrMapping/>
-  </p:clrMapOvr>
-</p:sld>
-</file>
-
-<file path=ppt/slides/slide18.xml><?xml version="1.0" encoding="utf-8"?>
 <p:sld xmlns:a="http://schemas.openxmlformats.org/drawingml/2006/main" xmlns:r="http://schemas.openxmlformats.org/officeDocument/2006/relationships" xmlns:p="http://schemas.openxmlformats.org/presentationml/2006/main">
   <p:cSld>
     <p:bg>
@@ -16904,8 +14013,8 @@
           </a:p>
         </p:txBody>
       </p:sp>
-      <mc:AlternateContent xmlns:mc="http://schemas.openxmlformats.org/markup-compatibility/2006">
-        <mc:Choice xmlns:a14="http://schemas.microsoft.com/office/drawing/2010/main" Requires="a14">
+      <mc:AlternateContent xmlns:mc="http://schemas.openxmlformats.org/markup-compatibility/2006" xmlns:a14="http://schemas.microsoft.com/office/drawing/2010/main">
+        <mc:Choice Requires="a14">
           <p:sp>
             <p:nvSpPr>
               <p:cNvPr id="24" name="TextBox 23">
@@ -17121,7 +14230,7 @@
             </p:txBody>
           </p:sp>
         </mc:Choice>
-        <mc:Fallback>
+        <mc:Fallback xmlns="">
           <p:sp>
             <p:nvSpPr>
               <p:cNvPr id="24" name="TextBox 23">
@@ -17224,8 +14333,8 @@
           </a:p>
         </p:txBody>
       </p:sp>
-      <mc:AlternateContent xmlns:mc="http://schemas.openxmlformats.org/markup-compatibility/2006">
-        <mc:Choice xmlns:a14="http://schemas.microsoft.com/office/drawing/2010/main" Requires="a14">
+      <mc:AlternateContent xmlns:mc="http://schemas.openxmlformats.org/markup-compatibility/2006" xmlns:a14="http://schemas.microsoft.com/office/drawing/2010/main">
+        <mc:Choice Requires="a14">
           <p:sp>
             <p:nvSpPr>
               <p:cNvPr id="3" name="Content Placeholder 2">
@@ -17822,7 +14931,7 @@
             </p:txBody>
           </p:sp>
         </mc:Choice>
-        <mc:Fallback>
+        <mc:Fallback xmlns="">
           <p:sp>
             <p:nvSpPr>
               <p:cNvPr id="3" name="Content Placeholder 2">
@@ -20301,8 +17410,8 @@
           </p:sp>
         </mc:Fallback>
       </mc:AlternateContent>
-      <mc:AlternateContent xmlns:mc="http://schemas.openxmlformats.org/markup-compatibility/2006" xmlns:a14="http://schemas.microsoft.com/office/drawing/2010/main">
-        <mc:Choice Requires="a14">
+      <mc:AlternateContent xmlns:mc="http://schemas.openxmlformats.org/markup-compatibility/2006">
+        <mc:Choice xmlns:a14="http://schemas.microsoft.com/office/drawing/2010/main" Requires="a14">
           <p:sp>
             <p:nvSpPr>
               <p:cNvPr id="15" name="Speech Bubble: Rectangle with Corners Rounded 14">
@@ -20317,13 +17426,13 @@
             </p:nvSpPr>
             <p:spPr>
               <a:xfrm>
-                <a:off x="7162801" y="3999641"/>
-                <a:ext cx="1333016" cy="927165"/>
+                <a:off x="6872954" y="4048537"/>
+                <a:ext cx="1813846" cy="927165"/>
               </a:xfrm>
               <a:prstGeom prst="wedgeRoundRectCallout">
                 <a:avLst>
-                  <a:gd name="adj1" fmla="val -101155"/>
-                  <a:gd name="adj2" fmla="val -77320"/>
+                  <a:gd name="adj1" fmla="val -63346"/>
+                  <a:gd name="adj2" fmla="val -81429"/>
                   <a:gd name="adj3" fmla="val 16667"/>
                 </a:avLst>
               </a:prstGeom>
@@ -20351,7 +17460,7 @@
                 <a:pPr algn="ctr"/>
                 <a:r>
                   <a:rPr lang="en-US" dirty="0"/>
-                  <a:t>Transition model</a:t>
+                  <a:t>Stochastic transition model</a:t>
                 </a:r>
                 <a:endParaRPr lang="en-US" i="1" dirty="0">
                   <a:latin typeface="Cambria Math" panose="02040503050406030204" pitchFamily="18" charset="0"/>
@@ -20419,7 +17528,7 @@
             </p:txBody>
           </p:sp>
         </mc:Choice>
-        <mc:Fallback xmlns="">
+        <mc:Fallback>
           <p:sp>
             <p:nvSpPr>
               <p:cNvPr id="15" name="Speech Bubble: Rectangle with Corners Rounded 14">
@@ -20436,20 +17545,20 @@
             </p:nvSpPr>
             <p:spPr>
               <a:xfrm>
-                <a:off x="7162801" y="3999641"/>
-                <a:ext cx="1333016" cy="927165"/>
+                <a:off x="6872954" y="4048537"/>
+                <a:ext cx="1813846" cy="927165"/>
               </a:xfrm>
               <a:prstGeom prst="wedgeRoundRectCallout">
                 <a:avLst>
-                  <a:gd name="adj1" fmla="val -101155"/>
-                  <a:gd name="adj2" fmla="val -77320"/>
+                  <a:gd name="adj1" fmla="val -63346"/>
+                  <a:gd name="adj2" fmla="val -81429"/>
                   <a:gd name="adj3" fmla="val 16667"/>
                 </a:avLst>
               </a:prstGeom>
               <a:blipFill>
                 <a:blip r:embed="rId7"/>
                 <a:stretch>
-                  <a:fillRect b="-3500"/>
+                  <a:fillRect b="-3431"/>
                 </a:stretch>
               </a:blipFill>
             </p:spPr>

--- a/slides/22_Reinforcement_Learning.pptx
+++ b/slides/22_Reinforcement_Learning.pptx
@@ -5,10 +5,10 @@
     <p:sldMasterId id="2147483769" r:id="rId1"/>
   </p:sldMasterIdLst>
   <p:notesMasterIdLst>
-    <p:notesMasterId r:id="rId19"/>
+    <p:notesMasterId r:id="rId20"/>
   </p:notesMasterIdLst>
   <p:handoutMasterIdLst>
-    <p:handoutMasterId r:id="rId20"/>
+    <p:handoutMasterId r:id="rId21"/>
   </p:handoutMasterIdLst>
   <p:sldIdLst>
     <p:sldId id="455" r:id="rId2"/>
@@ -27,12 +27,13 @@
     <p:sldId id="463" r:id="rId15"/>
     <p:sldId id="464" r:id="rId16"/>
     <p:sldId id="468" r:id="rId17"/>
-    <p:sldId id="465" r:id="rId18"/>
+    <p:sldId id="472" r:id="rId18"/>
+    <p:sldId id="465" r:id="rId19"/>
   </p:sldIdLst>
   <p:sldSz cx="12192000" cy="6858000"/>
   <p:notesSz cx="7099300" cy="10234613"/>
   <p:custDataLst>
-    <p:tags r:id="rId21"/>
+    <p:tags r:id="rId22"/>
   </p:custDataLst>
   <p:defaultTextStyle>
     <a:defPPr>
@@ -150,6 +151,7 @@
             <p14:sldId id="463"/>
             <p14:sldId id="464"/>
             <p14:sldId id="468"/>
+            <p14:sldId id="472"/>
             <p14:sldId id="465"/>
           </p14:sldIdLst>
         </p14:section>
@@ -5085,19 +5087,19 @@
         </p:nvSpPr>
         <p:spPr>
           <a:xfrm>
-            <a:off x="477981" y="1122363"/>
-            <a:ext cx="4023360" cy="3204134"/>
+            <a:off x="477980" y="1122363"/>
+            <a:ext cx="4551220" cy="3204134"/>
           </a:xfrm>
         </p:spPr>
         <p:txBody>
           <a:bodyPr anchor="b">
-            <a:normAutofit fontScale="90000"/>
+            <a:noAutofit/>
           </a:bodyPr>
           <a:lstStyle/>
           <a:p>
             <a:pPr algn="l"/>
             <a:r>
-              <a:rPr lang="en-US" sz="3700" b="1" dirty="0">
+              <a:rPr lang="en-US" sz="3600" b="1" dirty="0">
                 <a:solidFill>
                   <a:schemeClr val="bg1"/>
                 </a:solidFill>
@@ -5112,7 +5114,7 @@
               <a:t>CS 5/7320 </a:t>
             </a:r>
             <a:br>
-              <a:rPr lang="en-US" sz="3700" b="1" dirty="0">
+              <a:rPr lang="en-US" sz="3600" b="1" dirty="0">
                 <a:solidFill>
                   <a:schemeClr val="bg1"/>
                 </a:solidFill>
@@ -5126,7 +5128,7 @@
               </a:rPr>
             </a:br>
             <a:r>
-              <a:rPr lang="en-US" sz="3700" b="1" dirty="0">
+              <a:rPr lang="en-US" sz="3600" b="1" dirty="0">
                 <a:solidFill>
                   <a:schemeClr val="bg1"/>
                 </a:solidFill>
@@ -5141,7 +5143,7 @@
               <a:t>Artificial Intelligence</a:t>
             </a:r>
             <a:br>
-              <a:rPr lang="en-US" sz="3700" b="1" dirty="0">
+              <a:rPr lang="en-US" sz="3600" b="1" dirty="0">
                 <a:solidFill>
                   <a:schemeClr val="bg1"/>
                 </a:solidFill>
@@ -5155,7 +5157,7 @@
               </a:rPr>
             </a:br>
             <a:br>
-              <a:rPr lang="en-US" sz="3700" b="1" dirty="0">
+              <a:rPr lang="en-US" sz="3600" b="1" dirty="0">
                 <a:solidFill>
                   <a:schemeClr val="bg1"/>
                 </a:solidFill>
@@ -5169,7 +5171,7 @@
               </a:rPr>
             </a:br>
             <a:r>
-              <a:rPr lang="en-US" sz="3700" b="1" dirty="0">
+              <a:rPr lang="en-US" sz="3600" b="1" dirty="0">
                 <a:solidFill>
                   <a:schemeClr val="bg1"/>
                 </a:solidFill>
@@ -5184,7 +5186,7 @@
               <a:t>Reinforcement Learning</a:t>
             </a:r>
             <a:br>
-              <a:rPr lang="en-US" sz="3700" b="1" dirty="0">
+              <a:rPr lang="en-US" sz="3600" b="1" dirty="0">
                 <a:solidFill>
                   <a:schemeClr val="bg1"/>
                 </a:solidFill>
@@ -5198,14 +5200,14 @@
               </a:rPr>
             </a:br>
             <a:r>
-              <a:rPr lang="en-US" sz="3700" dirty="0">
+              <a:rPr lang="en-US" sz="3600" dirty="0">
                 <a:solidFill>
                   <a:schemeClr val="bg1"/>
                 </a:solidFill>
               </a:rPr>
               <a:t>AIMA Chapter 17+22</a:t>
             </a:r>
-            <a:endParaRPr lang="en-US" sz="3700" dirty="0">
+            <a:endParaRPr lang="en-US" sz="3600" dirty="0">
               <a:solidFill>
                 <a:schemeClr val="bg1"/>
               </a:solidFill>
@@ -9748,7 +9750,7 @@
             </a:br>
             <a:r>
               <a:rPr lang="en-US" dirty="0"/>
-              <a:t>Now we cannot solve the MDP (estimate the state utility function/policy) because we cannot predict what the future states after an action are!</a:t>
+              <a:t>Now we cannot solve the MDP (estimate the state utility function/policy) because we cannot predict what the future states after an action will be!</a:t>
             </a:r>
           </a:p>
           <a:p>
@@ -9907,8 +9909,8 @@
           </a:p>
         </p:txBody>
       </p:sp>
-      <mc:AlternateContent xmlns:mc="http://schemas.openxmlformats.org/markup-compatibility/2006" xmlns:a14="http://schemas.microsoft.com/office/drawing/2010/main">
-        <mc:Choice Requires="a14">
+      <mc:AlternateContent xmlns:mc="http://schemas.openxmlformats.org/markup-compatibility/2006">
+        <mc:Choice xmlns:a14="http://schemas.microsoft.com/office/drawing/2010/main" Requires="a14">
           <p:sp>
             <p:nvSpPr>
               <p:cNvPr id="3" name="Content Placeholder 2">
@@ -9928,12 +9930,12 @@
             <p:spPr>
               <a:xfrm>
                 <a:off x="1066799" y="1448684"/>
-                <a:ext cx="10515600" cy="989716"/>
+                <a:ext cx="7620001" cy="989716"/>
               </a:xfrm>
             </p:spPr>
             <p:txBody>
               <a:bodyPr>
-                <a:normAutofit fontScale="77500" lnSpcReduction="20000"/>
+                <a:normAutofit fontScale="70000" lnSpcReduction="20000"/>
               </a:bodyPr>
               <a:lstStyle/>
               <a:p>
@@ -9945,7 +9947,15 @@
               <a:p>
                 <a:r>
                   <a:rPr lang="en-US" dirty="0"/>
-                  <a:t>This agent function learns a table for the state-action function </a:t>
+                  <a:t>This agent function learns a </a:t>
+                </a:r>
+                <a:r>
+                  <a:rPr lang="en-US" b="1" dirty="0"/>
+                  <a:t>Q-table </a:t>
+                </a:r>
+                <a:r>
+                  <a:rPr lang="en-US" dirty="0"/>
+                  <a:t>for the state-action function </a:t>
                 </a:r>
                 <a14:m>
                   <m:oMath xmlns:m="http://schemas.openxmlformats.org/officeDocument/2006/math">
@@ -9965,7 +9975,7 @@
             </p:txBody>
           </p:sp>
         </mc:Choice>
-        <mc:Fallback xmlns="">
+        <mc:Fallback>
           <p:sp>
             <p:nvSpPr>
               <p:cNvPr id="3" name="Content Placeholder 2">
@@ -9985,12 +9995,12 @@
             <p:spPr>
               <a:xfrm>
                 <a:off x="1066799" y="1448684"/>
-                <a:ext cx="10515600" cy="989716"/>
+                <a:ext cx="7620001" cy="989716"/>
               </a:xfrm>
               <a:blipFill>
                 <a:blip r:embed="rId3"/>
                 <a:stretch>
-                  <a:fillRect l="-638" t="-12963" r="-1101" b="-7407"/>
+                  <a:fillRect l="-720" t="-11728"/>
                 </a:stretch>
               </a:blipFill>
             </p:spPr>
@@ -10380,6 +10390,537 @@
           </a:p>
         </p:txBody>
       </p:sp>
+      <mc:AlternateContent xmlns:mc="http://schemas.openxmlformats.org/markup-compatibility/2006">
+        <mc:Choice xmlns:a14="http://schemas.microsoft.com/office/drawing/2010/main" Requires="a14">
+          <p:graphicFrame>
+            <p:nvGraphicFramePr>
+              <p:cNvPr id="4" name="Table 3">
+                <a:extLst>
+                  <a:ext uri="{FF2B5EF4-FFF2-40B4-BE49-F238E27FC236}">
+                    <a16:creationId xmlns:a16="http://schemas.microsoft.com/office/drawing/2014/main" id="{85B03261-4225-95AF-2DFC-6B09A22E53C6}"/>
+                  </a:ext>
+                </a:extLst>
+              </p:cNvPr>
+              <p:cNvGraphicFramePr>
+                <a:graphicFrameLocks noGrp="1"/>
+              </p:cNvGraphicFramePr>
+              <p:nvPr>
+                <p:extLst>
+                  <p:ext uri="{D42A27DB-BD31-4B8C-83A1-F6EECF244321}">
+                    <p14:modId xmlns:p14="http://schemas.microsoft.com/office/powerpoint/2010/main" val="3693493553"/>
+                  </p:ext>
+                </p:extLst>
+              </p:nvPr>
+            </p:nvGraphicFramePr>
+            <p:xfrm>
+              <a:off x="9268910" y="669509"/>
+              <a:ext cx="1717930" cy="1483360"/>
+            </p:xfrm>
+            <a:graphic>
+              <a:graphicData uri="http://schemas.openxmlformats.org/drawingml/2006/table">
+                <a:tbl>
+                  <a:tblPr firstRow="1" bandRow="1">
+                    <a:tableStyleId>{93296810-A885-4BE3-A3E7-6D5BEEA58F35}</a:tableStyleId>
+                  </a:tblPr>
+                  <a:tblGrid>
+                    <a:gridCol w="346329">
+                      <a:extLst>
+                        <a:ext uri="{9D8B030D-6E8A-4147-A177-3AD203B41FA5}">
+                          <a16:colId xmlns:a16="http://schemas.microsoft.com/office/drawing/2014/main" val="3711460689"/>
+                        </a:ext>
+                      </a:extLst>
+                    </a:gridCol>
+                    <a:gridCol w="364851">
+                      <a:extLst>
+                        <a:ext uri="{9D8B030D-6E8A-4147-A177-3AD203B41FA5}">
+                          <a16:colId xmlns:a16="http://schemas.microsoft.com/office/drawing/2014/main" val="2988890879"/>
+                        </a:ext>
+                      </a:extLst>
+                    </a:gridCol>
+                    <a:gridCol w="1006750">
+                      <a:extLst>
+                        <a:ext uri="{9D8B030D-6E8A-4147-A177-3AD203B41FA5}">
+                          <a16:colId xmlns:a16="http://schemas.microsoft.com/office/drawing/2014/main" val="2080107700"/>
+                        </a:ext>
+                      </a:extLst>
+                    </a:gridCol>
+                  </a:tblGrid>
+                  <a:tr h="370840">
+                    <a:tc>
+                      <a:txBody>
+                        <a:bodyPr/>
+                        <a:lstStyle/>
+                        <a:p>
+                          <a14:m>
+                            <m:oMathPara xmlns:m="http://schemas.openxmlformats.org/officeDocument/2006/math">
+                              <m:oMathParaPr>
+                                <m:jc m:val="centerGroup"/>
+                              </m:oMathParaPr>
+                              <m:oMath xmlns:m="http://schemas.openxmlformats.org/officeDocument/2006/math">
+                                <m:r>
+                                  <a:rPr lang="en-US" dirty="0" smtClean="0"/>
+                                  <m:t>𝑠</m:t>
+                                </m:r>
+                              </m:oMath>
+                            </m:oMathPara>
+                          </a14:m>
+                          <a:endParaRPr lang="en-US" dirty="0"/>
+                        </a:p>
+                      </a:txBody>
+                      <a:tcPr/>
+                    </a:tc>
+                    <a:tc>
+                      <a:txBody>
+                        <a:bodyPr/>
+                        <a:lstStyle/>
+                        <a:p>
+                          <a14:m>
+                            <m:oMathPara xmlns:m="http://schemas.openxmlformats.org/officeDocument/2006/math">
+                              <m:oMathParaPr>
+                                <m:jc m:val="centerGroup"/>
+                              </m:oMathParaPr>
+                              <m:oMath xmlns:m="http://schemas.openxmlformats.org/officeDocument/2006/math">
+                                <m:r>
+                                  <a:rPr lang="en-US" dirty="0" smtClean="0"/>
+                                  <m:t>𝑎</m:t>
+                                </m:r>
+                              </m:oMath>
+                            </m:oMathPara>
+                          </a14:m>
+                          <a:endParaRPr lang="en-US" dirty="0"/>
+                        </a:p>
+                      </a:txBody>
+                      <a:tcPr/>
+                    </a:tc>
+                    <a:tc>
+                      <a:txBody>
+                        <a:bodyPr/>
+                        <a:lstStyle/>
+                        <a:p>
+                          <a14:m>
+                            <m:oMathPara xmlns:m="http://schemas.openxmlformats.org/officeDocument/2006/math">
+                              <m:oMathParaPr>
+                                <m:jc m:val="centerGroup"/>
+                              </m:oMathParaPr>
+                              <m:oMath xmlns:m="http://schemas.openxmlformats.org/officeDocument/2006/math">
+                                <m:r>
+                                  <a:rPr lang="en-US" dirty="0" smtClean="0"/>
+                                  <m:t>𝑄</m:t>
+                                </m:r>
+                                <m:r>
+                                  <a:rPr lang="en-US" dirty="0" smtClean="0"/>
+                                  <m:t>(</m:t>
+                                </m:r>
+                                <m:r>
+                                  <a:rPr lang="en-US" dirty="0" err="1" smtClean="0"/>
+                                  <m:t>𝑠</m:t>
+                                </m:r>
+                                <m:r>
+                                  <a:rPr lang="en-US" dirty="0" err="1" smtClean="0"/>
+                                  <m:t>,</m:t>
+                                </m:r>
+                                <m:r>
+                                  <a:rPr lang="en-US" dirty="0" err="1" smtClean="0"/>
+                                  <m:t>𝑎</m:t>
+                                </m:r>
+                                <m:r>
+                                  <a:rPr lang="en-US" dirty="0" smtClean="0"/>
+                                  <m:t>)</m:t>
+                                </m:r>
+                              </m:oMath>
+                            </m:oMathPara>
+                          </a14:m>
+                          <a:endParaRPr lang="en-US" dirty="0"/>
+                        </a:p>
+                      </a:txBody>
+                      <a:tcPr/>
+                    </a:tc>
+                    <a:extLst>
+                      <a:ext uri="{0D108BD9-81ED-4DB2-BD59-A6C34878D82A}">
+                        <a16:rowId xmlns:a16="http://schemas.microsoft.com/office/drawing/2014/main" val="2008869826"/>
+                      </a:ext>
+                    </a:extLst>
+                  </a:tr>
+                  <a:tr h="370840">
+                    <a:tc>
+                      <a:txBody>
+                        <a:bodyPr/>
+                        <a:lstStyle/>
+                        <a:p>
+                          <a:endParaRPr lang="en-US"/>
+                        </a:p>
+                      </a:txBody>
+                      <a:tcPr/>
+                    </a:tc>
+                    <a:tc>
+                      <a:txBody>
+                        <a:bodyPr/>
+                        <a:lstStyle/>
+                        <a:p>
+                          <a:endParaRPr lang="en-US"/>
+                        </a:p>
+                      </a:txBody>
+                      <a:tcPr/>
+                    </a:tc>
+                    <a:tc>
+                      <a:txBody>
+                        <a:bodyPr/>
+                        <a:lstStyle/>
+                        <a:p>
+                          <a:endParaRPr lang="en-US"/>
+                        </a:p>
+                      </a:txBody>
+                      <a:tcPr/>
+                    </a:tc>
+                    <a:extLst>
+                      <a:ext uri="{0D108BD9-81ED-4DB2-BD59-A6C34878D82A}">
+                        <a16:rowId xmlns:a16="http://schemas.microsoft.com/office/drawing/2014/main" val="524805492"/>
+                      </a:ext>
+                    </a:extLst>
+                  </a:tr>
+                  <a:tr h="370840">
+                    <a:tc>
+                      <a:txBody>
+                        <a:bodyPr/>
+                        <a:lstStyle/>
+                        <a:p>
+                          <a:endParaRPr lang="en-US"/>
+                        </a:p>
+                      </a:txBody>
+                      <a:tcPr/>
+                    </a:tc>
+                    <a:tc>
+                      <a:txBody>
+                        <a:bodyPr/>
+                        <a:lstStyle/>
+                        <a:p>
+                          <a:endParaRPr lang="en-US"/>
+                        </a:p>
+                      </a:txBody>
+                      <a:tcPr/>
+                    </a:tc>
+                    <a:tc>
+                      <a:txBody>
+                        <a:bodyPr/>
+                        <a:lstStyle/>
+                        <a:p>
+                          <a:endParaRPr lang="en-US"/>
+                        </a:p>
+                      </a:txBody>
+                      <a:tcPr/>
+                    </a:tc>
+                    <a:extLst>
+                      <a:ext uri="{0D108BD9-81ED-4DB2-BD59-A6C34878D82A}">
+                        <a16:rowId xmlns:a16="http://schemas.microsoft.com/office/drawing/2014/main" val="3725035416"/>
+                      </a:ext>
+                    </a:extLst>
+                  </a:tr>
+                  <a:tr h="370840">
+                    <a:tc>
+                      <a:txBody>
+                        <a:bodyPr/>
+                        <a:lstStyle/>
+                        <a:p>
+                          <a:endParaRPr lang="en-US"/>
+                        </a:p>
+                      </a:txBody>
+                      <a:tcPr/>
+                    </a:tc>
+                    <a:tc>
+                      <a:txBody>
+                        <a:bodyPr/>
+                        <a:lstStyle/>
+                        <a:p>
+                          <a:endParaRPr lang="en-US"/>
+                        </a:p>
+                      </a:txBody>
+                      <a:tcPr/>
+                    </a:tc>
+                    <a:tc>
+                      <a:txBody>
+                        <a:bodyPr/>
+                        <a:lstStyle/>
+                        <a:p>
+                          <a:endParaRPr lang="en-US" dirty="0"/>
+                        </a:p>
+                      </a:txBody>
+                      <a:tcPr/>
+                    </a:tc>
+                    <a:extLst>
+                      <a:ext uri="{0D108BD9-81ED-4DB2-BD59-A6C34878D82A}">
+                        <a16:rowId xmlns:a16="http://schemas.microsoft.com/office/drawing/2014/main" val="868402448"/>
+                      </a:ext>
+                    </a:extLst>
+                  </a:tr>
+                </a:tbl>
+              </a:graphicData>
+            </a:graphic>
+          </p:graphicFrame>
+        </mc:Choice>
+        <mc:Fallback>
+          <p:graphicFrame>
+            <p:nvGraphicFramePr>
+              <p:cNvPr id="4" name="Table 3">
+                <a:extLst>
+                  <a:ext uri="{FF2B5EF4-FFF2-40B4-BE49-F238E27FC236}">
+                    <a16:creationId xmlns:a16="http://schemas.microsoft.com/office/drawing/2014/main" id="{85B03261-4225-95AF-2DFC-6B09A22E53C6}"/>
+                  </a:ext>
+                </a:extLst>
+              </p:cNvPr>
+              <p:cNvGraphicFramePr>
+                <a:graphicFrameLocks noGrp="1"/>
+              </p:cNvGraphicFramePr>
+              <p:nvPr>
+                <p:extLst>
+                  <p:ext uri="{D42A27DB-BD31-4B8C-83A1-F6EECF244321}">
+                    <p14:modId xmlns:p14="http://schemas.microsoft.com/office/powerpoint/2010/main" val="3693493553"/>
+                  </p:ext>
+                </p:extLst>
+              </p:nvPr>
+            </p:nvGraphicFramePr>
+            <p:xfrm>
+              <a:off x="9268910" y="669509"/>
+              <a:ext cx="1717930" cy="1483360"/>
+            </p:xfrm>
+            <a:graphic>
+              <a:graphicData uri="http://schemas.openxmlformats.org/drawingml/2006/table">
+                <a:tbl>
+                  <a:tblPr firstRow="1" bandRow="1">
+                    <a:tableStyleId>{93296810-A885-4BE3-A3E7-6D5BEEA58F35}</a:tableStyleId>
+                  </a:tblPr>
+                  <a:tblGrid>
+                    <a:gridCol w="346329">
+                      <a:extLst>
+                        <a:ext uri="{9D8B030D-6E8A-4147-A177-3AD203B41FA5}">
+                          <a16:colId xmlns:a16="http://schemas.microsoft.com/office/drawing/2014/main" val="3711460689"/>
+                        </a:ext>
+                      </a:extLst>
+                    </a:gridCol>
+                    <a:gridCol w="364851">
+                      <a:extLst>
+                        <a:ext uri="{9D8B030D-6E8A-4147-A177-3AD203B41FA5}">
+                          <a16:colId xmlns:a16="http://schemas.microsoft.com/office/drawing/2014/main" val="2988890879"/>
+                        </a:ext>
+                      </a:extLst>
+                    </a:gridCol>
+                    <a:gridCol w="1006750">
+                      <a:extLst>
+                        <a:ext uri="{9D8B030D-6E8A-4147-A177-3AD203B41FA5}">
+                          <a16:colId xmlns:a16="http://schemas.microsoft.com/office/drawing/2014/main" val="2080107700"/>
+                        </a:ext>
+                      </a:extLst>
+                    </a:gridCol>
+                  </a:tblGrid>
+                  <a:tr h="370840">
+                    <a:tc>
+                      <a:txBody>
+                        <a:bodyPr/>
+                        <a:lstStyle/>
+                        <a:p>
+                          <a:endParaRPr lang="en-US"/>
+                        </a:p>
+                      </a:txBody>
+                      <a:tcPr>
+                        <a:blipFill>
+                          <a:blip r:embed="rId6"/>
+                          <a:stretch>
+                            <a:fillRect l="-1754" t="-1639" r="-403509" b="-304918"/>
+                          </a:stretch>
+                        </a:blipFill>
+                      </a:tcPr>
+                    </a:tc>
+                    <a:tc>
+                      <a:txBody>
+                        <a:bodyPr/>
+                        <a:lstStyle/>
+                        <a:p>
+                          <a:endParaRPr lang="en-US"/>
+                        </a:p>
+                      </a:txBody>
+                      <a:tcPr>
+                        <a:blipFill>
+                          <a:blip r:embed="rId6"/>
+                          <a:stretch>
+                            <a:fillRect l="-96667" t="-1639" r="-283333" b="-304918"/>
+                          </a:stretch>
+                        </a:blipFill>
+                      </a:tcPr>
+                    </a:tc>
+                    <a:tc>
+                      <a:txBody>
+                        <a:bodyPr/>
+                        <a:lstStyle/>
+                        <a:p>
+                          <a:endParaRPr lang="en-US"/>
+                        </a:p>
+                      </a:txBody>
+                      <a:tcPr>
+                        <a:blipFill>
+                          <a:blip r:embed="rId6"/>
+                          <a:stretch>
+                            <a:fillRect l="-71084" t="-1639" r="-2410" b="-304918"/>
+                          </a:stretch>
+                        </a:blipFill>
+                      </a:tcPr>
+                    </a:tc>
+                    <a:extLst>
+                      <a:ext uri="{0D108BD9-81ED-4DB2-BD59-A6C34878D82A}">
+                        <a16:rowId xmlns:a16="http://schemas.microsoft.com/office/drawing/2014/main" val="2008869826"/>
+                      </a:ext>
+                    </a:extLst>
+                  </a:tr>
+                  <a:tr h="370840">
+                    <a:tc>
+                      <a:txBody>
+                        <a:bodyPr/>
+                        <a:lstStyle/>
+                        <a:p>
+                          <a:endParaRPr lang="en-US"/>
+                        </a:p>
+                      </a:txBody>
+                      <a:tcPr/>
+                    </a:tc>
+                    <a:tc>
+                      <a:txBody>
+                        <a:bodyPr/>
+                        <a:lstStyle/>
+                        <a:p>
+                          <a:endParaRPr lang="en-US"/>
+                        </a:p>
+                      </a:txBody>
+                      <a:tcPr/>
+                    </a:tc>
+                    <a:tc>
+                      <a:txBody>
+                        <a:bodyPr/>
+                        <a:lstStyle/>
+                        <a:p>
+                          <a:endParaRPr lang="en-US"/>
+                        </a:p>
+                      </a:txBody>
+                      <a:tcPr/>
+                    </a:tc>
+                    <a:extLst>
+                      <a:ext uri="{0D108BD9-81ED-4DB2-BD59-A6C34878D82A}">
+                        <a16:rowId xmlns:a16="http://schemas.microsoft.com/office/drawing/2014/main" val="524805492"/>
+                      </a:ext>
+                    </a:extLst>
+                  </a:tr>
+                  <a:tr h="370840">
+                    <a:tc>
+                      <a:txBody>
+                        <a:bodyPr/>
+                        <a:lstStyle/>
+                        <a:p>
+                          <a:endParaRPr lang="en-US"/>
+                        </a:p>
+                      </a:txBody>
+                      <a:tcPr/>
+                    </a:tc>
+                    <a:tc>
+                      <a:txBody>
+                        <a:bodyPr/>
+                        <a:lstStyle/>
+                        <a:p>
+                          <a:endParaRPr lang="en-US"/>
+                        </a:p>
+                      </a:txBody>
+                      <a:tcPr/>
+                    </a:tc>
+                    <a:tc>
+                      <a:txBody>
+                        <a:bodyPr/>
+                        <a:lstStyle/>
+                        <a:p>
+                          <a:endParaRPr lang="en-US"/>
+                        </a:p>
+                      </a:txBody>
+                      <a:tcPr/>
+                    </a:tc>
+                    <a:extLst>
+                      <a:ext uri="{0D108BD9-81ED-4DB2-BD59-A6C34878D82A}">
+                        <a16:rowId xmlns:a16="http://schemas.microsoft.com/office/drawing/2014/main" val="3725035416"/>
+                      </a:ext>
+                    </a:extLst>
+                  </a:tr>
+                  <a:tr h="370840">
+                    <a:tc>
+                      <a:txBody>
+                        <a:bodyPr/>
+                        <a:lstStyle/>
+                        <a:p>
+                          <a:endParaRPr lang="en-US"/>
+                        </a:p>
+                      </a:txBody>
+                      <a:tcPr/>
+                    </a:tc>
+                    <a:tc>
+                      <a:txBody>
+                        <a:bodyPr/>
+                        <a:lstStyle/>
+                        <a:p>
+                          <a:endParaRPr lang="en-US"/>
+                        </a:p>
+                      </a:txBody>
+                      <a:tcPr/>
+                    </a:tc>
+                    <a:tc>
+                      <a:txBody>
+                        <a:bodyPr/>
+                        <a:lstStyle/>
+                        <a:p>
+                          <a:endParaRPr lang="en-US" dirty="0"/>
+                        </a:p>
+                      </a:txBody>
+                      <a:tcPr/>
+                    </a:tc>
+                    <a:extLst>
+                      <a:ext uri="{0D108BD9-81ED-4DB2-BD59-A6C34878D82A}">
+                        <a16:rowId xmlns:a16="http://schemas.microsoft.com/office/drawing/2014/main" val="868402448"/>
+                      </a:ext>
+                    </a:extLst>
+                  </a:tr>
+                </a:tbl>
+              </a:graphicData>
+            </a:graphic>
+          </p:graphicFrame>
+        </mc:Fallback>
+      </mc:AlternateContent>
+      <p:sp>
+        <p:nvSpPr>
+          <p:cNvPr id="7" name="TextBox 6">
+            <a:extLst>
+              <a:ext uri="{FF2B5EF4-FFF2-40B4-BE49-F238E27FC236}">
+                <a16:creationId xmlns:a16="http://schemas.microsoft.com/office/drawing/2014/main" id="{C8440AE2-6A57-6352-D23E-214AC3E0C393}"/>
+              </a:ext>
+            </a:extLst>
+          </p:cNvPr>
+          <p:cNvSpPr txBox="1"/>
+          <p:nvPr/>
+        </p:nvSpPr>
+        <p:spPr>
+          <a:xfrm>
+            <a:off x="9564527" y="300177"/>
+            <a:ext cx="1295400" cy="369332"/>
+          </a:xfrm>
+          <a:prstGeom prst="rect">
+            <a:avLst/>
+          </a:prstGeom>
+          <a:noFill/>
+        </p:spPr>
+        <p:txBody>
+          <a:bodyPr wrap="square" rtlCol="0">
+            <a:spAutoFit/>
+          </a:bodyPr>
+          <a:lstStyle/>
+          <a:p>
+            <a:r>
+              <a:rPr lang="en-US" dirty="0"/>
+              <a:t>Q-Table</a:t>
+            </a:r>
+          </a:p>
+        </p:txBody>
+      </p:sp>
     </p:spTree>
     <p:extLst>
       <p:ext uri="{BB962C8B-B14F-4D97-AF65-F5344CB8AC3E}">
@@ -10432,7 +10973,7 @@
         </p:blipFill>
         <p:spPr>
           <a:xfrm>
-            <a:off x="1143000" y="3920135"/>
+            <a:off x="1143000" y="4151037"/>
             <a:ext cx="2786074" cy="2010277"/>
           </a:xfrm>
           <a:prstGeom prst="rect">
@@ -10468,8 +11009,8 @@
           </a:p>
         </p:txBody>
       </p:sp>
-      <mc:AlternateContent xmlns:mc="http://schemas.openxmlformats.org/markup-compatibility/2006" xmlns:a14="http://schemas.microsoft.com/office/drawing/2010/main">
-        <mc:Choice Requires="a14">
+      <mc:AlternateContent xmlns:mc="http://schemas.openxmlformats.org/markup-compatibility/2006">
+        <mc:Choice xmlns:a14="http://schemas.microsoft.com/office/drawing/2010/main" Requires="a14">
           <p:sp>
             <p:nvSpPr>
               <p:cNvPr id="3" name="Content Placeholder 2">
@@ -10489,7 +11030,7 @@
             <p:spPr>
               <a:xfrm>
                 <a:off x="838200" y="1343456"/>
-                <a:ext cx="10515600" cy="2618944"/>
+                <a:ext cx="10515600" cy="2695144"/>
               </a:xfrm>
             </p:spPr>
             <p:txBody>
@@ -10671,8 +11212,12 @@
               </a:p>
               <a:p>
                 <a:r>
+                  <a:rPr lang="en-US" b="1" dirty="0"/>
+                  <a:t>Example</a:t>
+                </a:r>
+                <a:r>
                   <a:rPr lang="en-US" dirty="0"/>
-                  <a:t>4x3 Grid World Example: Use a linear combination of state features </a:t>
+                  <a:t>: 4x3 Grid World with a linear combination of state features </a:t>
                 </a:r>
                 <a14:m>
                   <m:oMath xmlns:m="http://schemas.openxmlformats.org/officeDocument/2006/math">
@@ -10730,7 +11275,7 @@
             </p:txBody>
           </p:sp>
         </mc:Choice>
-        <mc:Fallback xmlns="">
+        <mc:Fallback>
           <p:sp>
             <p:nvSpPr>
               <p:cNvPr id="3" name="Content Placeholder 2">
@@ -10750,12 +11295,12 @@
             <p:spPr>
               <a:xfrm>
                 <a:off x="838200" y="1343456"/>
-                <a:ext cx="10515600" cy="2618944"/>
+                <a:ext cx="10515600" cy="2695144"/>
               </a:xfrm>
               <a:blipFill>
                 <a:blip r:embed="rId4"/>
                 <a:stretch>
-                  <a:fillRect l="-522" t="-4186" b="-3488"/>
+                  <a:fillRect l="-522" t="-4063" b="-451"/>
                 </a:stretch>
               </a:blipFill>
             </p:spPr>
@@ -10774,8 +11319,8 @@
           </p:sp>
         </mc:Fallback>
       </mc:AlternateContent>
-      <mc:AlternateContent xmlns:mc="http://schemas.openxmlformats.org/markup-compatibility/2006" xmlns:a14="http://schemas.microsoft.com/office/drawing/2010/main">
-        <mc:Choice Requires="a14">
+      <mc:AlternateContent xmlns:mc="http://schemas.openxmlformats.org/markup-compatibility/2006">
+        <mc:Choice xmlns:a14="http://schemas.microsoft.com/office/drawing/2010/main" Requires="a14">
           <p:sp>
             <p:nvSpPr>
               <p:cNvPr id="8" name="TextBox 7">
@@ -10790,7 +11335,7 @@
             </p:nvSpPr>
             <p:spPr>
               <a:xfrm>
-                <a:off x="3750325" y="3865915"/>
+                <a:off x="3750325" y="4096817"/>
                 <a:ext cx="520592" cy="276999"/>
               </a:xfrm>
               <a:prstGeom prst="rect">
@@ -10843,7 +11388,7 @@
             </p:txBody>
           </p:sp>
         </mc:Choice>
-        <mc:Fallback xmlns="">
+        <mc:Fallback>
           <p:sp>
             <p:nvSpPr>
               <p:cNvPr id="8" name="TextBox 7">
@@ -10860,7 +11405,7 @@
             </p:nvSpPr>
             <p:spPr>
               <a:xfrm>
-                <a:off x="3750325" y="3865915"/>
+                <a:off x="3750325" y="4096817"/>
                 <a:ext cx="520592" cy="276999"/>
               </a:xfrm>
               <a:prstGeom prst="rect">
@@ -10869,7 +11414,7 @@
               <a:blipFill>
                 <a:blip r:embed="rId5"/>
                 <a:stretch>
-                  <a:fillRect l="-9302" t="-2174" r="-15116" b="-32609"/>
+                  <a:fillRect l="-9302" t="-2222" r="-15116" b="-35556"/>
                 </a:stretch>
               </a:blipFill>
             </p:spPr>
@@ -10888,8 +11433,8 @@
           </p:sp>
         </mc:Fallback>
       </mc:AlternateContent>
-      <mc:AlternateContent xmlns:mc="http://schemas.openxmlformats.org/markup-compatibility/2006" xmlns:a14="http://schemas.microsoft.com/office/drawing/2010/main">
-        <mc:Choice Requires="a14">
+      <mc:AlternateContent xmlns:mc="http://schemas.openxmlformats.org/markup-compatibility/2006">
+        <mc:Choice xmlns:a14="http://schemas.microsoft.com/office/drawing/2010/main" Requires="a14">
           <p:sp>
             <p:nvSpPr>
               <p:cNvPr id="9" name="Arrow: Right 8">
@@ -10904,7 +11449,7 @@
             </p:nvSpPr>
             <p:spPr>
               <a:xfrm>
-                <a:off x="4500539" y="3920135"/>
+                <a:off x="4500539" y="4151037"/>
                 <a:ext cx="2666999" cy="1789760"/>
               </a:xfrm>
               <a:prstGeom prst="rightArrow">
@@ -10987,7 +11532,7 @@
             </p:txBody>
           </p:sp>
         </mc:Choice>
-        <mc:Fallback xmlns="">
+        <mc:Fallback>
           <p:sp>
             <p:nvSpPr>
               <p:cNvPr id="9" name="Arrow: Right 8">
@@ -11004,7 +11549,7 @@
             </p:nvSpPr>
             <p:spPr>
               <a:xfrm>
-                <a:off x="4500539" y="3920135"/>
+                <a:off x="4500539" y="4151037"/>
                 <a:ext cx="2666999" cy="1789760"/>
               </a:xfrm>
               <a:prstGeom prst="rightArrow">
@@ -11035,8 +11580,8 @@
           </p:sp>
         </mc:Fallback>
       </mc:AlternateContent>
-      <mc:AlternateContent xmlns:mc="http://schemas.openxmlformats.org/markup-compatibility/2006" xmlns:a14="http://schemas.microsoft.com/office/drawing/2010/main">
-        <mc:Choice Requires="a14">
+      <mc:AlternateContent xmlns:mc="http://schemas.openxmlformats.org/markup-compatibility/2006">
+        <mc:Choice xmlns:a14="http://schemas.microsoft.com/office/drawing/2010/main" Requires="a14">
           <p:sp>
             <p:nvSpPr>
               <p:cNvPr id="11" name="TextBox 10">
@@ -11051,7 +11596,7 @@
             </p:nvSpPr>
             <p:spPr>
               <a:xfrm>
-                <a:off x="7467600" y="4600428"/>
+                <a:off x="7467600" y="4831330"/>
                 <a:ext cx="3325204" cy="376770"/>
               </a:xfrm>
               <a:prstGeom prst="rect">
@@ -11264,7 +11809,7 @@
             </p:txBody>
           </p:sp>
         </mc:Choice>
-        <mc:Fallback xmlns="">
+        <mc:Fallback>
           <p:sp>
             <p:nvSpPr>
               <p:cNvPr id="11" name="TextBox 10">
@@ -11281,7 +11826,7 @@
             </p:nvSpPr>
             <p:spPr>
               <a:xfrm>
-                <a:off x="7467600" y="4600428"/>
+                <a:off x="7467600" y="4831330"/>
                 <a:ext cx="3325204" cy="376770"/>
               </a:xfrm>
               <a:prstGeom prst="rect">
@@ -11325,8 +11870,8 @@
             </p:nvSpPr>
             <p:spPr>
               <a:xfrm>
-                <a:off x="609600" y="5845239"/>
-                <a:ext cx="11125200" cy="830997"/>
+                <a:off x="7706346" y="5341203"/>
+                <a:ext cx="3255497" cy="830997"/>
               </a:xfrm>
               <a:prstGeom prst="rect">
                 <a:avLst/>
@@ -11339,20 +11884,6 @@
               </a:bodyPr>
               <a:lstStyle/>
               <a:p>
-                <a:r>
-                  <a:rPr lang="en-US" sz="1600" b="1" dirty="0"/>
-                  <a:t>Notes</a:t>
-                </a:r>
-                <a:r>
-                  <a:rPr lang="en-US" sz="1600" dirty="0"/>
-                  <a:t>:</a:t>
-                </a:r>
-              </a:p>
-              <a:p>
-                <a:pPr marL="285750" indent="-285750">
-                  <a:buFont typeface="Arial" panose="020B0604020202020204" pitchFamily="34" charset="0"/>
-                  <a:buChar char="•"/>
-                </a:pPr>
                 <a14:m>
                   <m:oMath xmlns:m="http://schemas.openxmlformats.org/officeDocument/2006/math">
                     <m:r>
@@ -11365,17 +11896,7 @@
                 </a14:m>
                 <a:r>
                   <a:rPr lang="en-US" sz="1600" dirty="0"/>
-                  <a:t> can be updated iteratively after each new observed utility.</a:t>
-                </a:r>
-              </a:p>
-              <a:p>
-                <a:pPr marL="285750" indent="-285750">
-                  <a:buFont typeface="Arial" panose="020B0604020202020204" pitchFamily="34" charset="0"/>
-                  <a:buChar char="•"/>
-                </a:pPr>
-                <a:r>
-                  <a:rPr lang="en-US" sz="1600" dirty="0"/>
-                  <a:t>Deep Q-Learning learns a deep neural net called Q-network to estimate Q-values for states.</a:t>
+                  <a:t> can be updated iteratively after each new observed utility using gradient descent.</a:t>
                 </a:r>
               </a:p>
             </p:txBody>
@@ -11398,8 +11919,8 @@
             </p:nvSpPr>
             <p:spPr>
               <a:xfrm>
-                <a:off x="609600" y="5845239"/>
-                <a:ext cx="11125200" cy="830997"/>
+                <a:off x="7706346" y="5341203"/>
+                <a:ext cx="3255497" cy="830997"/>
               </a:xfrm>
               <a:prstGeom prst="rect">
                 <a:avLst/>
@@ -11407,7 +11928,7 @@
               <a:blipFill>
                 <a:blip r:embed="rId8"/>
                 <a:stretch>
-                  <a:fillRect l="-274" t="-2206" b="-8824"/>
+                  <a:fillRect l="-936" t="-2190" b="-8029"/>
                 </a:stretch>
               </a:blipFill>
             </p:spPr>
@@ -11440,6 +11961,5048 @@
 </file>
 
 <file path=ppt/slides/slide17.xml><?xml version="1.0" encoding="utf-8"?>
+<p:sld xmlns:a="http://schemas.openxmlformats.org/drawingml/2006/main" xmlns:r="http://schemas.openxmlformats.org/officeDocument/2006/relationships" xmlns:p="http://schemas.openxmlformats.org/presentationml/2006/main">
+  <p:cSld>
+    <p:spTree>
+      <p:nvGrpSpPr>
+        <p:cNvPr id="1" name=""/>
+        <p:cNvGrpSpPr/>
+        <p:nvPr/>
+      </p:nvGrpSpPr>
+      <p:grpSpPr>
+        <a:xfrm>
+          <a:off x="0" y="0"/>
+          <a:ext cx="0" cy="0"/>
+          <a:chOff x="0" y="0"/>
+          <a:chExt cx="0" cy="0"/>
+        </a:xfrm>
+      </p:grpSpPr>
+      <mc:AlternateContent xmlns:mc="http://schemas.openxmlformats.org/markup-compatibility/2006">
+        <mc:Choice xmlns:a14="http://schemas.microsoft.com/office/drawing/2010/main" Requires="a14">
+          <p:graphicFrame>
+            <p:nvGraphicFramePr>
+              <p:cNvPr id="4" name="Table 3">
+                <a:extLst>
+                  <a:ext uri="{FF2B5EF4-FFF2-40B4-BE49-F238E27FC236}">
+                    <a16:creationId xmlns:a16="http://schemas.microsoft.com/office/drawing/2014/main" id="{431D8026-A8C5-A9A2-66B1-EDB065BC7172}"/>
+                  </a:ext>
+                </a:extLst>
+              </p:cNvPr>
+              <p:cNvGraphicFramePr>
+                <a:graphicFrameLocks noGrp="1"/>
+              </p:cNvGraphicFramePr>
+              <p:nvPr>
+                <p:extLst>
+                  <p:ext uri="{D42A27DB-BD31-4B8C-83A1-F6EECF244321}">
+                    <p14:modId xmlns:p14="http://schemas.microsoft.com/office/powerpoint/2010/main" val="977673847"/>
+                  </p:ext>
+                </p:extLst>
+              </p:nvPr>
+            </p:nvGraphicFramePr>
+            <p:xfrm>
+              <a:off x="1950845" y="1002909"/>
+              <a:ext cx="1698372" cy="1341120"/>
+            </p:xfrm>
+            <a:graphic>
+              <a:graphicData uri="http://schemas.openxmlformats.org/drawingml/2006/table">
+                <a:tbl>
+                  <a:tblPr firstRow="1" bandRow="1">
+                    <a:tableStyleId>{93296810-A885-4BE3-A3E7-6D5BEEA58F35}</a:tableStyleId>
+                  </a:tblPr>
+                  <a:tblGrid>
+                    <a:gridCol w="326771">
+                      <a:extLst>
+                        <a:ext uri="{9D8B030D-6E8A-4147-A177-3AD203B41FA5}">
+                          <a16:colId xmlns:a16="http://schemas.microsoft.com/office/drawing/2014/main" val="3711460689"/>
+                        </a:ext>
+                      </a:extLst>
+                    </a:gridCol>
+                    <a:gridCol w="364851">
+                      <a:extLst>
+                        <a:ext uri="{9D8B030D-6E8A-4147-A177-3AD203B41FA5}">
+                          <a16:colId xmlns:a16="http://schemas.microsoft.com/office/drawing/2014/main" val="2988890879"/>
+                        </a:ext>
+                      </a:extLst>
+                    </a:gridCol>
+                    <a:gridCol w="1006750">
+                      <a:extLst>
+                        <a:ext uri="{9D8B030D-6E8A-4147-A177-3AD203B41FA5}">
+                          <a16:colId xmlns:a16="http://schemas.microsoft.com/office/drawing/2014/main" val="2080107700"/>
+                        </a:ext>
+                      </a:extLst>
+                    </a:gridCol>
+                  </a:tblGrid>
+                  <a:tr h="322717">
+                    <a:tc>
+                      <a:txBody>
+                        <a:bodyPr/>
+                        <a:lstStyle/>
+                        <a:p>
+                          <a:pPr algn="ctr"/>
+                          <a14:m>
+                            <m:oMathPara xmlns:m="http://schemas.openxmlformats.org/officeDocument/2006/math">
+                              <m:oMathParaPr>
+                                <m:jc m:val="centerGroup"/>
+                              </m:oMathParaPr>
+                              <m:oMath xmlns:m="http://schemas.openxmlformats.org/officeDocument/2006/math">
+                                <m:r>
+                                  <a:rPr lang="en-US" sz="1600" dirty="0" smtClean="0"/>
+                                  <m:t>𝑠</m:t>
+                                </m:r>
+                              </m:oMath>
+                            </m:oMathPara>
+                          </a14:m>
+                          <a:endParaRPr lang="en-US" sz="1600" dirty="0"/>
+                        </a:p>
+                      </a:txBody>
+                      <a:tcPr/>
+                    </a:tc>
+                    <a:tc>
+                      <a:txBody>
+                        <a:bodyPr/>
+                        <a:lstStyle/>
+                        <a:p>
+                          <a:pPr algn="ctr"/>
+                          <a14:m>
+                            <m:oMathPara xmlns:m="http://schemas.openxmlformats.org/officeDocument/2006/math">
+                              <m:oMathParaPr>
+                                <m:jc m:val="centerGroup"/>
+                              </m:oMathParaPr>
+                              <m:oMath xmlns:m="http://schemas.openxmlformats.org/officeDocument/2006/math">
+                                <m:r>
+                                  <a:rPr lang="en-US" sz="1600" dirty="0" smtClean="0"/>
+                                  <m:t>𝑎</m:t>
+                                </m:r>
+                              </m:oMath>
+                            </m:oMathPara>
+                          </a14:m>
+                          <a:endParaRPr lang="en-US" sz="1600" dirty="0"/>
+                        </a:p>
+                      </a:txBody>
+                      <a:tcPr/>
+                    </a:tc>
+                    <a:tc>
+                      <a:txBody>
+                        <a:bodyPr/>
+                        <a:lstStyle/>
+                        <a:p>
+                          <a:pPr algn="ctr"/>
+                          <a14:m>
+                            <m:oMathPara xmlns:m="http://schemas.openxmlformats.org/officeDocument/2006/math">
+                              <m:oMathParaPr>
+                                <m:jc m:val="centerGroup"/>
+                              </m:oMathParaPr>
+                              <m:oMath xmlns:m="http://schemas.openxmlformats.org/officeDocument/2006/math">
+                                <m:r>
+                                  <a:rPr lang="en-US" sz="1600" dirty="0" smtClean="0"/>
+                                  <m:t>𝑄</m:t>
+                                </m:r>
+                                <m:r>
+                                  <a:rPr lang="en-US" sz="1600" dirty="0" smtClean="0"/>
+                                  <m:t>(</m:t>
+                                </m:r>
+                                <m:r>
+                                  <a:rPr lang="en-US" sz="1600" dirty="0" err="1" smtClean="0"/>
+                                  <m:t>𝑠</m:t>
+                                </m:r>
+                                <m:r>
+                                  <a:rPr lang="en-US" sz="1600" dirty="0" err="1" smtClean="0"/>
+                                  <m:t>,</m:t>
+                                </m:r>
+                                <m:r>
+                                  <a:rPr lang="en-US" sz="1600" dirty="0" err="1" smtClean="0"/>
+                                  <m:t>𝑎</m:t>
+                                </m:r>
+                                <m:r>
+                                  <a:rPr lang="en-US" sz="1600" dirty="0" smtClean="0"/>
+                                  <m:t>)</m:t>
+                                </m:r>
+                              </m:oMath>
+                            </m:oMathPara>
+                          </a14:m>
+                          <a:endParaRPr lang="en-US" sz="1600" dirty="0"/>
+                        </a:p>
+                      </a:txBody>
+                      <a:tcPr/>
+                    </a:tc>
+                    <a:extLst>
+                      <a:ext uri="{0D108BD9-81ED-4DB2-BD59-A6C34878D82A}">
+                        <a16:rowId xmlns:a16="http://schemas.microsoft.com/office/drawing/2014/main" val="2008869826"/>
+                      </a:ext>
+                    </a:extLst>
+                  </a:tr>
+                  <a:tr h="322717">
+                    <a:tc>
+                      <a:txBody>
+                        <a:bodyPr/>
+                        <a:lstStyle/>
+                        <a:p>
+                          <a:pPr algn="ctr"/>
+                          <a:r>
+                            <a:rPr lang="en-US" sz="1600" dirty="0"/>
+                            <a:t>1</a:t>
+                          </a:r>
+                        </a:p>
+                      </a:txBody>
+                      <a:tcPr/>
+                    </a:tc>
+                    <a:tc>
+                      <a:txBody>
+                        <a:bodyPr/>
+                        <a:lstStyle/>
+                        <a:p>
+                          <a:pPr algn="ctr"/>
+                          <a:r>
+                            <a:rPr lang="en-US" sz="1600" dirty="0"/>
+                            <a:t>1</a:t>
+                          </a:r>
+                        </a:p>
+                      </a:txBody>
+                      <a:tcPr/>
+                    </a:tc>
+                    <a:tc>
+                      <a:txBody>
+                        <a:bodyPr/>
+                        <a:lstStyle/>
+                        <a:p>
+                          <a:pPr algn="ctr"/>
+                          <a:r>
+                            <a:rPr lang="en-US" sz="1600" dirty="0"/>
+                            <a:t>0.7</a:t>
+                          </a:r>
+                        </a:p>
+                      </a:txBody>
+                      <a:tcPr/>
+                    </a:tc>
+                    <a:extLst>
+                      <a:ext uri="{0D108BD9-81ED-4DB2-BD59-A6C34878D82A}">
+                        <a16:rowId xmlns:a16="http://schemas.microsoft.com/office/drawing/2014/main" val="524805492"/>
+                      </a:ext>
+                    </a:extLst>
+                  </a:tr>
+                  <a:tr h="322717">
+                    <a:tc>
+                      <a:txBody>
+                        <a:bodyPr/>
+                        <a:lstStyle/>
+                        <a:p>
+                          <a:pPr algn="ctr"/>
+                          <a:r>
+                            <a:rPr lang="en-US" sz="1600" dirty="0"/>
+                            <a:t>1</a:t>
+                          </a:r>
+                        </a:p>
+                      </a:txBody>
+                      <a:tcPr/>
+                    </a:tc>
+                    <a:tc>
+                      <a:txBody>
+                        <a:bodyPr/>
+                        <a:lstStyle/>
+                        <a:p>
+                          <a:pPr algn="ctr"/>
+                          <a:r>
+                            <a:rPr lang="en-US" sz="1600" dirty="0"/>
+                            <a:t>2</a:t>
+                          </a:r>
+                        </a:p>
+                      </a:txBody>
+                      <a:tcPr/>
+                    </a:tc>
+                    <a:tc>
+                      <a:txBody>
+                        <a:bodyPr/>
+                        <a:lstStyle/>
+                        <a:p>
+                          <a:pPr algn="ctr"/>
+                          <a:r>
+                            <a:rPr lang="en-US" sz="1600" dirty="0"/>
+                            <a:t>0.3</a:t>
+                          </a:r>
+                        </a:p>
+                      </a:txBody>
+                      <a:tcPr/>
+                    </a:tc>
+                    <a:extLst>
+                      <a:ext uri="{0D108BD9-81ED-4DB2-BD59-A6C34878D82A}">
+                        <a16:rowId xmlns:a16="http://schemas.microsoft.com/office/drawing/2014/main" val="3725035416"/>
+                      </a:ext>
+                    </a:extLst>
+                  </a:tr>
+                  <a:tr h="322717">
+                    <a:tc>
+                      <a:txBody>
+                        <a:bodyPr/>
+                        <a:lstStyle/>
+                        <a:p>
+                          <a:pPr algn="ctr"/>
+                          <a:r>
+                            <a:rPr lang="en-US" sz="1600" dirty="0"/>
+                            <a:t>…</a:t>
+                          </a:r>
+                        </a:p>
+                      </a:txBody>
+                      <a:tcPr/>
+                    </a:tc>
+                    <a:tc>
+                      <a:txBody>
+                        <a:bodyPr/>
+                        <a:lstStyle/>
+                        <a:p>
+                          <a:pPr algn="ctr"/>
+                          <a:r>
+                            <a:rPr lang="en-US" sz="1600" dirty="0"/>
+                            <a:t>…</a:t>
+                          </a:r>
+                        </a:p>
+                      </a:txBody>
+                      <a:tcPr/>
+                    </a:tc>
+                    <a:tc>
+                      <a:txBody>
+                        <a:bodyPr/>
+                        <a:lstStyle/>
+                        <a:p>
+                          <a:pPr algn="ctr"/>
+                          <a:r>
+                            <a:rPr lang="en-US" sz="1600" dirty="0"/>
+                            <a:t>…</a:t>
+                          </a:r>
+                        </a:p>
+                      </a:txBody>
+                      <a:tcPr/>
+                    </a:tc>
+                    <a:extLst>
+                      <a:ext uri="{0D108BD9-81ED-4DB2-BD59-A6C34878D82A}">
+                        <a16:rowId xmlns:a16="http://schemas.microsoft.com/office/drawing/2014/main" val="868402448"/>
+                      </a:ext>
+                    </a:extLst>
+                  </a:tr>
+                </a:tbl>
+              </a:graphicData>
+            </a:graphic>
+          </p:graphicFrame>
+        </mc:Choice>
+        <mc:Fallback>
+          <p:graphicFrame>
+            <p:nvGraphicFramePr>
+              <p:cNvPr id="4" name="Table 3">
+                <a:extLst>
+                  <a:ext uri="{FF2B5EF4-FFF2-40B4-BE49-F238E27FC236}">
+                    <a16:creationId xmlns:a16="http://schemas.microsoft.com/office/drawing/2014/main" id="{431D8026-A8C5-A9A2-66B1-EDB065BC7172}"/>
+                  </a:ext>
+                </a:extLst>
+              </p:cNvPr>
+              <p:cNvGraphicFramePr>
+                <a:graphicFrameLocks noGrp="1"/>
+              </p:cNvGraphicFramePr>
+              <p:nvPr>
+                <p:extLst>
+                  <p:ext uri="{D42A27DB-BD31-4B8C-83A1-F6EECF244321}">
+                    <p14:modId xmlns:p14="http://schemas.microsoft.com/office/powerpoint/2010/main" val="977673847"/>
+                  </p:ext>
+                </p:extLst>
+              </p:nvPr>
+            </p:nvGraphicFramePr>
+            <p:xfrm>
+              <a:off x="1950845" y="1002909"/>
+              <a:ext cx="1698372" cy="1341120"/>
+            </p:xfrm>
+            <a:graphic>
+              <a:graphicData uri="http://schemas.openxmlformats.org/drawingml/2006/table">
+                <a:tbl>
+                  <a:tblPr firstRow="1" bandRow="1">
+                    <a:tableStyleId>{93296810-A885-4BE3-A3E7-6D5BEEA58F35}</a:tableStyleId>
+                  </a:tblPr>
+                  <a:tblGrid>
+                    <a:gridCol w="326771">
+                      <a:extLst>
+                        <a:ext uri="{9D8B030D-6E8A-4147-A177-3AD203B41FA5}">
+                          <a16:colId xmlns:a16="http://schemas.microsoft.com/office/drawing/2014/main" val="3711460689"/>
+                        </a:ext>
+                      </a:extLst>
+                    </a:gridCol>
+                    <a:gridCol w="364851">
+                      <a:extLst>
+                        <a:ext uri="{9D8B030D-6E8A-4147-A177-3AD203B41FA5}">
+                          <a16:colId xmlns:a16="http://schemas.microsoft.com/office/drawing/2014/main" val="2988890879"/>
+                        </a:ext>
+                      </a:extLst>
+                    </a:gridCol>
+                    <a:gridCol w="1006750">
+                      <a:extLst>
+                        <a:ext uri="{9D8B030D-6E8A-4147-A177-3AD203B41FA5}">
+                          <a16:colId xmlns:a16="http://schemas.microsoft.com/office/drawing/2014/main" val="2080107700"/>
+                        </a:ext>
+                      </a:extLst>
+                    </a:gridCol>
+                  </a:tblGrid>
+                  <a:tr h="335280">
+                    <a:tc>
+                      <a:txBody>
+                        <a:bodyPr/>
+                        <a:lstStyle/>
+                        <a:p>
+                          <a:endParaRPr lang="en-US"/>
+                        </a:p>
+                      </a:txBody>
+                      <a:tcPr>
+                        <a:blipFill>
+                          <a:blip r:embed="rId2"/>
+                          <a:stretch>
+                            <a:fillRect l="-3704" t="-1818" r="-424074" b="-325455"/>
+                          </a:stretch>
+                        </a:blipFill>
+                      </a:tcPr>
+                    </a:tc>
+                    <a:tc>
+                      <a:txBody>
+                        <a:bodyPr/>
+                        <a:lstStyle/>
+                        <a:p>
+                          <a:endParaRPr lang="en-US"/>
+                        </a:p>
+                      </a:txBody>
+                      <a:tcPr>
+                        <a:blipFill>
+                          <a:blip r:embed="rId2"/>
+                          <a:stretch>
+                            <a:fillRect l="-93333" t="-1818" r="-281667" b="-325455"/>
+                          </a:stretch>
+                        </a:blipFill>
+                      </a:tcPr>
+                    </a:tc>
+                    <a:tc>
+                      <a:txBody>
+                        <a:bodyPr/>
+                        <a:lstStyle/>
+                        <a:p>
+                          <a:endParaRPr lang="en-US"/>
+                        </a:p>
+                      </a:txBody>
+                      <a:tcPr>
+                        <a:blipFill>
+                          <a:blip r:embed="rId2"/>
+                          <a:stretch>
+                            <a:fillRect l="-70303" t="-1818" r="-2424" b="-325455"/>
+                          </a:stretch>
+                        </a:blipFill>
+                      </a:tcPr>
+                    </a:tc>
+                    <a:extLst>
+                      <a:ext uri="{0D108BD9-81ED-4DB2-BD59-A6C34878D82A}">
+                        <a16:rowId xmlns:a16="http://schemas.microsoft.com/office/drawing/2014/main" val="2008869826"/>
+                      </a:ext>
+                    </a:extLst>
+                  </a:tr>
+                  <a:tr h="335280">
+                    <a:tc>
+                      <a:txBody>
+                        <a:bodyPr/>
+                        <a:lstStyle/>
+                        <a:p>
+                          <a:pPr algn="ctr"/>
+                          <a:r>
+                            <a:rPr lang="en-US" sz="1600" dirty="0"/>
+                            <a:t>1</a:t>
+                          </a:r>
+                        </a:p>
+                      </a:txBody>
+                      <a:tcPr/>
+                    </a:tc>
+                    <a:tc>
+                      <a:txBody>
+                        <a:bodyPr/>
+                        <a:lstStyle/>
+                        <a:p>
+                          <a:pPr algn="ctr"/>
+                          <a:r>
+                            <a:rPr lang="en-US" sz="1600" dirty="0"/>
+                            <a:t>1</a:t>
+                          </a:r>
+                        </a:p>
+                      </a:txBody>
+                      <a:tcPr/>
+                    </a:tc>
+                    <a:tc>
+                      <a:txBody>
+                        <a:bodyPr/>
+                        <a:lstStyle/>
+                        <a:p>
+                          <a:pPr algn="ctr"/>
+                          <a:r>
+                            <a:rPr lang="en-US" sz="1600" dirty="0"/>
+                            <a:t>0.7</a:t>
+                          </a:r>
+                        </a:p>
+                      </a:txBody>
+                      <a:tcPr/>
+                    </a:tc>
+                    <a:extLst>
+                      <a:ext uri="{0D108BD9-81ED-4DB2-BD59-A6C34878D82A}">
+                        <a16:rowId xmlns:a16="http://schemas.microsoft.com/office/drawing/2014/main" val="524805492"/>
+                      </a:ext>
+                    </a:extLst>
+                  </a:tr>
+                  <a:tr h="335280">
+                    <a:tc>
+                      <a:txBody>
+                        <a:bodyPr/>
+                        <a:lstStyle/>
+                        <a:p>
+                          <a:pPr algn="ctr"/>
+                          <a:r>
+                            <a:rPr lang="en-US" sz="1600" dirty="0"/>
+                            <a:t>1</a:t>
+                          </a:r>
+                        </a:p>
+                      </a:txBody>
+                      <a:tcPr/>
+                    </a:tc>
+                    <a:tc>
+                      <a:txBody>
+                        <a:bodyPr/>
+                        <a:lstStyle/>
+                        <a:p>
+                          <a:pPr algn="ctr"/>
+                          <a:r>
+                            <a:rPr lang="en-US" sz="1600" dirty="0"/>
+                            <a:t>2</a:t>
+                          </a:r>
+                        </a:p>
+                      </a:txBody>
+                      <a:tcPr/>
+                    </a:tc>
+                    <a:tc>
+                      <a:txBody>
+                        <a:bodyPr/>
+                        <a:lstStyle/>
+                        <a:p>
+                          <a:pPr algn="ctr"/>
+                          <a:r>
+                            <a:rPr lang="en-US" sz="1600" dirty="0"/>
+                            <a:t>0.3</a:t>
+                          </a:r>
+                        </a:p>
+                      </a:txBody>
+                      <a:tcPr/>
+                    </a:tc>
+                    <a:extLst>
+                      <a:ext uri="{0D108BD9-81ED-4DB2-BD59-A6C34878D82A}">
+                        <a16:rowId xmlns:a16="http://schemas.microsoft.com/office/drawing/2014/main" val="3725035416"/>
+                      </a:ext>
+                    </a:extLst>
+                  </a:tr>
+                  <a:tr h="335280">
+                    <a:tc>
+                      <a:txBody>
+                        <a:bodyPr/>
+                        <a:lstStyle/>
+                        <a:p>
+                          <a:pPr algn="ctr"/>
+                          <a:r>
+                            <a:rPr lang="en-US" sz="1600" dirty="0"/>
+                            <a:t>…</a:t>
+                          </a:r>
+                        </a:p>
+                      </a:txBody>
+                      <a:tcPr/>
+                    </a:tc>
+                    <a:tc>
+                      <a:txBody>
+                        <a:bodyPr/>
+                        <a:lstStyle/>
+                        <a:p>
+                          <a:pPr algn="ctr"/>
+                          <a:r>
+                            <a:rPr lang="en-US" sz="1600" dirty="0"/>
+                            <a:t>…</a:t>
+                          </a:r>
+                        </a:p>
+                      </a:txBody>
+                      <a:tcPr/>
+                    </a:tc>
+                    <a:tc>
+                      <a:txBody>
+                        <a:bodyPr/>
+                        <a:lstStyle/>
+                        <a:p>
+                          <a:pPr algn="ctr"/>
+                          <a:r>
+                            <a:rPr lang="en-US" sz="1600" dirty="0"/>
+                            <a:t>…</a:t>
+                          </a:r>
+                        </a:p>
+                      </a:txBody>
+                      <a:tcPr/>
+                    </a:tc>
+                    <a:extLst>
+                      <a:ext uri="{0D108BD9-81ED-4DB2-BD59-A6C34878D82A}">
+                        <a16:rowId xmlns:a16="http://schemas.microsoft.com/office/drawing/2014/main" val="868402448"/>
+                      </a:ext>
+                    </a:extLst>
+                  </a:tr>
+                </a:tbl>
+              </a:graphicData>
+            </a:graphic>
+          </p:graphicFrame>
+        </mc:Fallback>
+      </mc:AlternateContent>
+      <p:sp>
+        <p:nvSpPr>
+          <p:cNvPr id="5" name="TextBox 4">
+            <a:extLst>
+              <a:ext uri="{FF2B5EF4-FFF2-40B4-BE49-F238E27FC236}">
+                <a16:creationId xmlns:a16="http://schemas.microsoft.com/office/drawing/2014/main" id="{FB6D7941-8C9C-7728-BE39-ABB7486AD906}"/>
+              </a:ext>
+            </a:extLst>
+          </p:cNvPr>
+          <p:cNvSpPr txBox="1"/>
+          <p:nvPr/>
+        </p:nvSpPr>
+        <p:spPr>
+          <a:xfrm>
+            <a:off x="2308370" y="2373868"/>
+            <a:ext cx="1295400" cy="369332"/>
+          </a:xfrm>
+          <a:prstGeom prst="rect">
+            <a:avLst/>
+          </a:prstGeom>
+          <a:noFill/>
+        </p:spPr>
+        <p:txBody>
+          <a:bodyPr wrap="square" rtlCol="0">
+            <a:spAutoFit/>
+          </a:bodyPr>
+          <a:lstStyle/>
+          <a:p>
+            <a:r>
+              <a:rPr lang="en-US" dirty="0"/>
+              <a:t>Q-Table</a:t>
+            </a:r>
+          </a:p>
+        </p:txBody>
+      </p:sp>
+      <p:sp>
+        <p:nvSpPr>
+          <p:cNvPr id="7" name="TextBox 6">
+            <a:extLst>
+              <a:ext uri="{FF2B5EF4-FFF2-40B4-BE49-F238E27FC236}">
+                <a16:creationId xmlns:a16="http://schemas.microsoft.com/office/drawing/2014/main" id="{872A8A02-00F5-B4C2-52FA-2210204A8D84}"/>
+              </a:ext>
+            </a:extLst>
+          </p:cNvPr>
+          <p:cNvSpPr txBox="1"/>
+          <p:nvPr/>
+        </p:nvSpPr>
+        <p:spPr>
+          <a:xfrm>
+            <a:off x="838200" y="432756"/>
+            <a:ext cx="3356015" cy="461665"/>
+          </a:xfrm>
+          <a:prstGeom prst="rect">
+            <a:avLst/>
+          </a:prstGeom>
+          <a:noFill/>
+        </p:spPr>
+        <p:txBody>
+          <a:bodyPr wrap="square">
+            <a:spAutoFit/>
+          </a:bodyPr>
+          <a:lstStyle/>
+          <a:p>
+            <a:r>
+              <a:rPr lang="en-US" sz="2400" b="1" dirty="0"/>
+              <a:t>Traditional Q-Learning</a:t>
+            </a:r>
+          </a:p>
+        </p:txBody>
+      </p:sp>
+      <p:sp>
+        <p:nvSpPr>
+          <p:cNvPr id="15" name="Arrow: Right 14">
+            <a:extLst>
+              <a:ext uri="{FF2B5EF4-FFF2-40B4-BE49-F238E27FC236}">
+                <a16:creationId xmlns:a16="http://schemas.microsoft.com/office/drawing/2014/main" id="{7BA65B55-B166-B783-6C17-12474C3375DD}"/>
+              </a:ext>
+            </a:extLst>
+          </p:cNvPr>
+          <p:cNvSpPr/>
+          <p:nvPr/>
+        </p:nvSpPr>
+        <p:spPr>
+          <a:xfrm>
+            <a:off x="1361648" y="1478279"/>
+            <a:ext cx="425911" cy="533400"/>
+          </a:xfrm>
+          <a:prstGeom prst="rightArrow">
+            <a:avLst/>
+          </a:prstGeom>
+        </p:spPr>
+        <p:style>
+          <a:lnRef idx="3">
+            <a:schemeClr val="lt1"/>
+          </a:lnRef>
+          <a:fillRef idx="1">
+            <a:schemeClr val="accent6"/>
+          </a:fillRef>
+          <a:effectRef idx="1">
+            <a:schemeClr val="accent6"/>
+          </a:effectRef>
+          <a:fontRef idx="minor">
+            <a:schemeClr val="lt1"/>
+          </a:fontRef>
+        </p:style>
+        <p:txBody>
+          <a:bodyPr rtlCol="0" anchor="ctr"/>
+          <a:lstStyle/>
+          <a:p>
+            <a:pPr algn="ctr"/>
+            <a:endParaRPr lang="en-US"/>
+          </a:p>
+        </p:txBody>
+      </p:sp>
+      <p:sp>
+        <p:nvSpPr>
+          <p:cNvPr id="16" name="Arrow: Right 15">
+            <a:extLst>
+              <a:ext uri="{FF2B5EF4-FFF2-40B4-BE49-F238E27FC236}">
+                <a16:creationId xmlns:a16="http://schemas.microsoft.com/office/drawing/2014/main" id="{E41B854A-B26F-A867-5576-E92AB8B13F0C}"/>
+              </a:ext>
+            </a:extLst>
+          </p:cNvPr>
+          <p:cNvSpPr/>
+          <p:nvPr/>
+        </p:nvSpPr>
+        <p:spPr>
+          <a:xfrm>
+            <a:off x="3931233" y="1379376"/>
+            <a:ext cx="384215" cy="533400"/>
+          </a:xfrm>
+          <a:prstGeom prst="rightArrow">
+            <a:avLst/>
+          </a:prstGeom>
+        </p:spPr>
+        <p:style>
+          <a:lnRef idx="3">
+            <a:schemeClr val="lt1"/>
+          </a:lnRef>
+          <a:fillRef idx="1">
+            <a:schemeClr val="accent6"/>
+          </a:fillRef>
+          <a:effectRef idx="1">
+            <a:schemeClr val="accent6"/>
+          </a:effectRef>
+          <a:fontRef idx="minor">
+            <a:schemeClr val="lt1"/>
+          </a:fontRef>
+        </p:style>
+        <p:txBody>
+          <a:bodyPr rtlCol="0" anchor="ctr"/>
+          <a:lstStyle/>
+          <a:p>
+            <a:pPr algn="ctr"/>
+            <a:endParaRPr lang="en-US"/>
+          </a:p>
+        </p:txBody>
+      </p:sp>
+      <mc:AlternateContent xmlns:mc="http://schemas.openxmlformats.org/markup-compatibility/2006">
+        <mc:Choice xmlns:a14="http://schemas.microsoft.com/office/drawing/2010/main" Requires="a14">
+          <p:sp>
+            <p:nvSpPr>
+              <p:cNvPr id="17" name="TextBox 16">
+                <a:extLst>
+                  <a:ext uri="{FF2B5EF4-FFF2-40B4-BE49-F238E27FC236}">
+                    <a16:creationId xmlns:a16="http://schemas.microsoft.com/office/drawing/2014/main" id="{1A799EDA-F1CF-21FA-2460-16B5DF1A3F89}"/>
+                  </a:ext>
+                </a:extLst>
+              </p:cNvPr>
+              <p:cNvSpPr txBox="1"/>
+              <p:nvPr/>
+            </p:nvSpPr>
+            <p:spPr>
+              <a:xfrm>
+                <a:off x="1048875" y="1562817"/>
+                <a:ext cx="349711" cy="369332"/>
+              </a:xfrm>
+              <a:prstGeom prst="rect">
+                <a:avLst/>
+              </a:prstGeom>
+              <a:noFill/>
+            </p:spPr>
+            <p:txBody>
+              <a:bodyPr wrap="none" rtlCol="0">
+                <a:spAutoFit/>
+              </a:bodyPr>
+              <a:lstStyle/>
+              <a:p>
+                <a14:m>
+                  <m:oMathPara xmlns:m="http://schemas.openxmlformats.org/officeDocument/2006/math">
+                    <m:oMathParaPr>
+                      <m:jc m:val="centerGroup"/>
+                    </m:oMathParaPr>
+                    <m:oMath xmlns:m="http://schemas.openxmlformats.org/officeDocument/2006/math">
+                      <m:r>
+                        <a:rPr lang="en-US" i="1" dirty="0" smtClean="0">
+                          <a:latin typeface="Cambria Math" panose="02040503050406030204" pitchFamily="18" charset="0"/>
+                        </a:rPr>
+                        <m:t>𝑠</m:t>
+                      </m:r>
+                    </m:oMath>
+                  </m:oMathPara>
+                </a14:m>
+                <a:endParaRPr lang="en-US" dirty="0"/>
+              </a:p>
+            </p:txBody>
+          </p:sp>
+        </mc:Choice>
+        <mc:Fallback>
+          <p:sp>
+            <p:nvSpPr>
+              <p:cNvPr id="17" name="TextBox 16">
+                <a:extLst>
+                  <a:ext uri="{FF2B5EF4-FFF2-40B4-BE49-F238E27FC236}">
+                    <a16:creationId xmlns:a16="http://schemas.microsoft.com/office/drawing/2014/main" id="{1A799EDA-F1CF-21FA-2460-16B5DF1A3F89}"/>
+                  </a:ext>
+                </a:extLst>
+              </p:cNvPr>
+              <p:cNvSpPr txBox="1">
+                <a:spLocks noRot="1" noChangeAspect="1" noMove="1" noResize="1" noEditPoints="1" noAdjustHandles="1" noChangeArrowheads="1" noChangeShapeType="1" noTextEdit="1"/>
+              </p:cNvSpPr>
+              <p:nvPr/>
+            </p:nvSpPr>
+            <p:spPr>
+              <a:xfrm>
+                <a:off x="1048875" y="1562817"/>
+                <a:ext cx="349711" cy="369332"/>
+              </a:xfrm>
+              <a:prstGeom prst="rect">
+                <a:avLst/>
+              </a:prstGeom>
+              <a:blipFill>
+                <a:blip r:embed="rId3"/>
+                <a:stretch>
+                  <a:fillRect/>
+                </a:stretch>
+              </a:blipFill>
+            </p:spPr>
+            <p:txBody>
+              <a:bodyPr/>
+              <a:lstStyle/>
+              <a:p>
+                <a:r>
+                  <a:rPr lang="en-US">
+                    <a:noFill/>
+                  </a:rPr>
+                  <a:t> </a:t>
+                </a:r>
+              </a:p>
+            </p:txBody>
+          </p:sp>
+        </mc:Fallback>
+      </mc:AlternateContent>
+      <mc:AlternateContent xmlns:mc="http://schemas.openxmlformats.org/markup-compatibility/2006">
+        <mc:Choice xmlns:a14="http://schemas.microsoft.com/office/drawing/2010/main" Requires="a14">
+          <p:sp>
+            <p:nvSpPr>
+              <p:cNvPr id="18" name="TextBox 17">
+                <a:extLst>
+                  <a:ext uri="{FF2B5EF4-FFF2-40B4-BE49-F238E27FC236}">
+                    <a16:creationId xmlns:a16="http://schemas.microsoft.com/office/drawing/2014/main" id="{E9BD8F4E-CB61-901A-EF8B-ADA93188C07B}"/>
+                  </a:ext>
+                </a:extLst>
+              </p:cNvPr>
+              <p:cNvSpPr txBox="1"/>
+              <p:nvPr/>
+            </p:nvSpPr>
+            <p:spPr>
+              <a:xfrm>
+                <a:off x="4246909" y="1428214"/>
+                <a:ext cx="924740" cy="369332"/>
+              </a:xfrm>
+              <a:prstGeom prst="rect">
+                <a:avLst/>
+              </a:prstGeom>
+              <a:noFill/>
+            </p:spPr>
+            <p:txBody>
+              <a:bodyPr wrap="none" rtlCol="0">
+                <a:spAutoFit/>
+              </a:bodyPr>
+              <a:lstStyle/>
+              <a:p>
+                <a14:m>
+                  <m:oMathPara xmlns:m="http://schemas.openxmlformats.org/officeDocument/2006/math">
+                    <m:oMathParaPr>
+                      <m:jc m:val="centerGroup"/>
+                    </m:oMathParaPr>
+                    <m:oMath xmlns:m="http://schemas.openxmlformats.org/officeDocument/2006/math">
+                      <m:r>
+                        <a:rPr lang="en-US" b="0" i="1" dirty="0" smtClean="0">
+                          <a:latin typeface="Cambria Math" panose="02040503050406030204" pitchFamily="18" charset="0"/>
+                        </a:rPr>
+                        <m:t>𝑄</m:t>
+                      </m:r>
+                      <m:r>
+                        <a:rPr lang="en-US" b="0" i="1" dirty="0" smtClean="0">
+                          <a:latin typeface="Cambria Math" panose="02040503050406030204" pitchFamily="18" charset="0"/>
+                        </a:rPr>
+                        <m:t>(</m:t>
+                      </m:r>
+                      <m:r>
+                        <a:rPr lang="en-US" i="1" dirty="0" smtClean="0">
+                          <a:latin typeface="Cambria Math" panose="02040503050406030204" pitchFamily="18" charset="0"/>
+                        </a:rPr>
+                        <m:t>𝑠</m:t>
+                      </m:r>
+                      <m:r>
+                        <a:rPr lang="en-US" i="1" dirty="0" smtClean="0">
+                          <a:latin typeface="Cambria Math" panose="02040503050406030204" pitchFamily="18" charset="0"/>
+                        </a:rPr>
+                        <m:t>, </m:t>
+                      </m:r>
+                      <m:r>
+                        <a:rPr lang="en-US" i="1" dirty="0">
+                          <a:latin typeface="Cambria Math" panose="02040503050406030204" pitchFamily="18" charset="0"/>
+                        </a:rPr>
+                        <m:t>𝑎</m:t>
+                      </m:r>
+                      <m:r>
+                        <a:rPr lang="en-US" b="0" i="1" dirty="0" smtClean="0">
+                          <a:latin typeface="Cambria Math" panose="02040503050406030204" pitchFamily="18" charset="0"/>
+                        </a:rPr>
+                        <m:t>)</m:t>
+                      </m:r>
+                    </m:oMath>
+                  </m:oMathPara>
+                </a14:m>
+                <a:endParaRPr lang="en-US" dirty="0"/>
+              </a:p>
+            </p:txBody>
+          </p:sp>
+        </mc:Choice>
+        <mc:Fallback>
+          <p:sp>
+            <p:nvSpPr>
+              <p:cNvPr id="18" name="TextBox 17">
+                <a:extLst>
+                  <a:ext uri="{FF2B5EF4-FFF2-40B4-BE49-F238E27FC236}">
+                    <a16:creationId xmlns:a16="http://schemas.microsoft.com/office/drawing/2014/main" id="{E9BD8F4E-CB61-901A-EF8B-ADA93188C07B}"/>
+                  </a:ext>
+                </a:extLst>
+              </p:cNvPr>
+              <p:cNvSpPr txBox="1">
+                <a:spLocks noRot="1" noChangeAspect="1" noMove="1" noResize="1" noEditPoints="1" noAdjustHandles="1" noChangeArrowheads="1" noChangeShapeType="1" noTextEdit="1"/>
+              </p:cNvSpPr>
+              <p:nvPr/>
+            </p:nvSpPr>
+            <p:spPr>
+              <a:xfrm>
+                <a:off x="4246909" y="1428214"/>
+                <a:ext cx="924740" cy="369332"/>
+              </a:xfrm>
+              <a:prstGeom prst="rect">
+                <a:avLst/>
+              </a:prstGeom>
+              <a:blipFill>
+                <a:blip r:embed="rId4"/>
+                <a:stretch>
+                  <a:fillRect b="-13115"/>
+                </a:stretch>
+              </a:blipFill>
+            </p:spPr>
+            <p:txBody>
+              <a:bodyPr/>
+              <a:lstStyle/>
+              <a:p>
+                <a:r>
+                  <a:rPr lang="en-US">
+                    <a:noFill/>
+                  </a:rPr>
+                  <a:t> </a:t>
+                </a:r>
+              </a:p>
+            </p:txBody>
+          </p:sp>
+        </mc:Fallback>
+      </mc:AlternateContent>
+      <p:sp>
+        <p:nvSpPr>
+          <p:cNvPr id="19" name="TextBox 18">
+            <a:extLst>
+              <a:ext uri="{FF2B5EF4-FFF2-40B4-BE49-F238E27FC236}">
+                <a16:creationId xmlns:a16="http://schemas.microsoft.com/office/drawing/2014/main" id="{7162CF55-34C6-5FDF-6233-58FC26BED32A}"/>
+              </a:ext>
+            </a:extLst>
+          </p:cNvPr>
+          <p:cNvSpPr txBox="1"/>
+          <p:nvPr/>
+        </p:nvSpPr>
+        <p:spPr>
+          <a:xfrm>
+            <a:off x="990600" y="3404556"/>
+            <a:ext cx="3203615" cy="461665"/>
+          </a:xfrm>
+          <a:prstGeom prst="rect">
+            <a:avLst/>
+          </a:prstGeom>
+          <a:noFill/>
+        </p:spPr>
+        <p:txBody>
+          <a:bodyPr wrap="square">
+            <a:spAutoFit/>
+          </a:bodyPr>
+          <a:lstStyle/>
+          <a:p>
+            <a:r>
+              <a:rPr lang="en-US" sz="2400" b="1" dirty="0"/>
+              <a:t>Deep Q-Learning</a:t>
+            </a:r>
+          </a:p>
+        </p:txBody>
+      </p:sp>
+      <p:sp>
+        <p:nvSpPr>
+          <p:cNvPr id="21" name="TextBox 20">
+            <a:extLst>
+              <a:ext uri="{FF2B5EF4-FFF2-40B4-BE49-F238E27FC236}">
+                <a16:creationId xmlns:a16="http://schemas.microsoft.com/office/drawing/2014/main" id="{5F55DD91-1925-A223-381C-4413B11527A3}"/>
+              </a:ext>
+            </a:extLst>
+          </p:cNvPr>
+          <p:cNvSpPr txBox="1"/>
+          <p:nvPr/>
+        </p:nvSpPr>
+        <p:spPr>
+          <a:xfrm>
+            <a:off x="2019260" y="5272825"/>
+            <a:ext cx="1790740" cy="646331"/>
+          </a:xfrm>
+          <a:prstGeom prst="rect">
+            <a:avLst/>
+          </a:prstGeom>
+          <a:noFill/>
+        </p:spPr>
+        <p:txBody>
+          <a:bodyPr wrap="square" rtlCol="0">
+            <a:spAutoFit/>
+          </a:bodyPr>
+          <a:lstStyle/>
+          <a:p>
+            <a:pPr algn="ctr"/>
+            <a:r>
+              <a:rPr lang="en-US" dirty="0"/>
+              <a:t>Deep Q-Network </a:t>
+            </a:r>
+            <a:br>
+              <a:rPr lang="en-US" dirty="0"/>
+            </a:br>
+            <a:r>
+              <a:rPr lang="en-US" dirty="0"/>
+              <a:t>(DQN)</a:t>
+            </a:r>
+          </a:p>
+        </p:txBody>
+      </p:sp>
+      <p:grpSp>
+        <p:nvGrpSpPr>
+          <p:cNvPr id="187" name="Group 186">
+            <a:extLst>
+              <a:ext uri="{FF2B5EF4-FFF2-40B4-BE49-F238E27FC236}">
+                <a16:creationId xmlns:a16="http://schemas.microsoft.com/office/drawing/2014/main" id="{69FE2C4B-640F-E78C-BFDC-18CC2E3126F7}"/>
+              </a:ext>
+            </a:extLst>
+          </p:cNvPr>
+          <p:cNvGrpSpPr/>
+          <p:nvPr/>
+        </p:nvGrpSpPr>
+        <p:grpSpPr>
+          <a:xfrm>
+            <a:off x="2124428" y="4079165"/>
+            <a:ext cx="1295400" cy="1235724"/>
+            <a:chOff x="4410942" y="4599774"/>
+            <a:chExt cx="1577400" cy="1648626"/>
+          </a:xfrm>
+        </p:grpSpPr>
+        <p:sp>
+          <p:nvSpPr>
+            <p:cNvPr id="26" name="Oval 25">
+              <a:extLst>
+                <a:ext uri="{FF2B5EF4-FFF2-40B4-BE49-F238E27FC236}">
+                  <a16:creationId xmlns:a16="http://schemas.microsoft.com/office/drawing/2014/main" id="{54A3E51F-FFF9-14E6-8294-B95AD655F75F}"/>
+                </a:ext>
+              </a:extLst>
+            </p:cNvPr>
+            <p:cNvSpPr/>
+            <p:nvPr/>
+          </p:nvSpPr>
+          <p:spPr>
+            <a:xfrm>
+              <a:off x="4889892" y="4752174"/>
+              <a:ext cx="152400" cy="179456"/>
+            </a:xfrm>
+            <a:prstGeom prst="ellipse">
+              <a:avLst/>
+            </a:prstGeom>
+          </p:spPr>
+          <p:style>
+            <a:lnRef idx="2">
+              <a:schemeClr val="accent6">
+                <a:shade val="15000"/>
+              </a:schemeClr>
+            </a:lnRef>
+            <a:fillRef idx="1">
+              <a:schemeClr val="accent6"/>
+            </a:fillRef>
+            <a:effectRef idx="0">
+              <a:schemeClr val="accent6"/>
+            </a:effectRef>
+            <a:fontRef idx="minor">
+              <a:schemeClr val="lt1"/>
+            </a:fontRef>
+          </p:style>
+          <p:txBody>
+            <a:bodyPr rtlCol="0" anchor="ctr"/>
+            <a:lstStyle/>
+            <a:p>
+              <a:pPr algn="ctr"/>
+              <a:endParaRPr lang="en-US"/>
+            </a:p>
+          </p:txBody>
+        </p:sp>
+        <p:sp>
+          <p:nvSpPr>
+            <p:cNvPr id="27" name="Oval 26">
+              <a:extLst>
+                <a:ext uri="{FF2B5EF4-FFF2-40B4-BE49-F238E27FC236}">
+                  <a16:creationId xmlns:a16="http://schemas.microsoft.com/office/drawing/2014/main" id="{DA896806-4F22-709F-2945-82251EECCCF1}"/>
+                </a:ext>
+              </a:extLst>
+            </p:cNvPr>
+            <p:cNvSpPr/>
+            <p:nvPr/>
+          </p:nvSpPr>
+          <p:spPr>
+            <a:xfrm>
+              <a:off x="4889892" y="5007830"/>
+              <a:ext cx="152400" cy="179456"/>
+            </a:xfrm>
+            <a:prstGeom prst="ellipse">
+              <a:avLst/>
+            </a:prstGeom>
+          </p:spPr>
+          <p:style>
+            <a:lnRef idx="2">
+              <a:schemeClr val="accent6">
+                <a:shade val="15000"/>
+              </a:schemeClr>
+            </a:lnRef>
+            <a:fillRef idx="1">
+              <a:schemeClr val="accent6"/>
+            </a:fillRef>
+            <a:effectRef idx="0">
+              <a:schemeClr val="accent6"/>
+            </a:effectRef>
+            <a:fontRef idx="minor">
+              <a:schemeClr val="lt1"/>
+            </a:fontRef>
+          </p:style>
+          <p:txBody>
+            <a:bodyPr rtlCol="0" anchor="ctr"/>
+            <a:lstStyle/>
+            <a:p>
+              <a:pPr algn="ctr"/>
+              <a:endParaRPr lang="en-US"/>
+            </a:p>
+          </p:txBody>
+        </p:sp>
+        <p:sp>
+          <p:nvSpPr>
+            <p:cNvPr id="28" name="Oval 27">
+              <a:extLst>
+                <a:ext uri="{FF2B5EF4-FFF2-40B4-BE49-F238E27FC236}">
+                  <a16:creationId xmlns:a16="http://schemas.microsoft.com/office/drawing/2014/main" id="{F79CAD54-8116-1EC5-8378-408672670F5F}"/>
+                </a:ext>
+              </a:extLst>
+            </p:cNvPr>
+            <p:cNvSpPr/>
+            <p:nvPr/>
+          </p:nvSpPr>
+          <p:spPr>
+            <a:xfrm>
+              <a:off x="4889892" y="5285574"/>
+              <a:ext cx="152400" cy="179456"/>
+            </a:xfrm>
+            <a:prstGeom prst="ellipse">
+              <a:avLst/>
+            </a:prstGeom>
+          </p:spPr>
+          <p:style>
+            <a:lnRef idx="2">
+              <a:schemeClr val="accent6">
+                <a:shade val="15000"/>
+              </a:schemeClr>
+            </a:lnRef>
+            <a:fillRef idx="1">
+              <a:schemeClr val="accent6"/>
+            </a:fillRef>
+            <a:effectRef idx="0">
+              <a:schemeClr val="accent6"/>
+            </a:effectRef>
+            <a:fontRef idx="minor">
+              <a:schemeClr val="lt1"/>
+            </a:fontRef>
+          </p:style>
+          <p:txBody>
+            <a:bodyPr rtlCol="0" anchor="ctr"/>
+            <a:lstStyle/>
+            <a:p>
+              <a:pPr algn="ctr"/>
+              <a:endParaRPr lang="en-US"/>
+            </a:p>
+          </p:txBody>
+        </p:sp>
+        <p:sp>
+          <p:nvSpPr>
+            <p:cNvPr id="29" name="Oval 28">
+              <a:extLst>
+                <a:ext uri="{FF2B5EF4-FFF2-40B4-BE49-F238E27FC236}">
+                  <a16:creationId xmlns:a16="http://schemas.microsoft.com/office/drawing/2014/main" id="{8176A9EE-739E-EE2A-F1D5-B62D39BC6FCF}"/>
+                </a:ext>
+              </a:extLst>
+            </p:cNvPr>
+            <p:cNvSpPr/>
+            <p:nvPr/>
+          </p:nvSpPr>
+          <p:spPr>
+            <a:xfrm>
+              <a:off x="4889892" y="5590374"/>
+              <a:ext cx="152400" cy="179456"/>
+            </a:xfrm>
+            <a:prstGeom prst="ellipse">
+              <a:avLst/>
+            </a:prstGeom>
+          </p:spPr>
+          <p:style>
+            <a:lnRef idx="2">
+              <a:schemeClr val="accent6">
+                <a:shade val="15000"/>
+              </a:schemeClr>
+            </a:lnRef>
+            <a:fillRef idx="1">
+              <a:schemeClr val="accent6"/>
+            </a:fillRef>
+            <a:effectRef idx="0">
+              <a:schemeClr val="accent6"/>
+            </a:effectRef>
+            <a:fontRef idx="minor">
+              <a:schemeClr val="lt1"/>
+            </a:fontRef>
+          </p:style>
+          <p:txBody>
+            <a:bodyPr rtlCol="0" anchor="ctr"/>
+            <a:lstStyle/>
+            <a:p>
+              <a:pPr algn="ctr"/>
+              <a:endParaRPr lang="en-US"/>
+            </a:p>
+          </p:txBody>
+        </p:sp>
+        <p:sp>
+          <p:nvSpPr>
+            <p:cNvPr id="30" name="Oval 29">
+              <a:extLst>
+                <a:ext uri="{FF2B5EF4-FFF2-40B4-BE49-F238E27FC236}">
+                  <a16:creationId xmlns:a16="http://schemas.microsoft.com/office/drawing/2014/main" id="{F577F11A-11D0-A734-5EC2-93355CB042D7}"/>
+                </a:ext>
+              </a:extLst>
+            </p:cNvPr>
+            <p:cNvSpPr/>
+            <p:nvPr/>
+          </p:nvSpPr>
+          <p:spPr>
+            <a:xfrm>
+              <a:off x="5347092" y="4904574"/>
+              <a:ext cx="152400" cy="179456"/>
+            </a:xfrm>
+            <a:prstGeom prst="ellipse">
+              <a:avLst/>
+            </a:prstGeom>
+          </p:spPr>
+          <p:style>
+            <a:lnRef idx="2">
+              <a:schemeClr val="accent6">
+                <a:shade val="15000"/>
+              </a:schemeClr>
+            </a:lnRef>
+            <a:fillRef idx="1">
+              <a:schemeClr val="accent6"/>
+            </a:fillRef>
+            <a:effectRef idx="0">
+              <a:schemeClr val="accent6"/>
+            </a:effectRef>
+            <a:fontRef idx="minor">
+              <a:schemeClr val="lt1"/>
+            </a:fontRef>
+          </p:style>
+          <p:txBody>
+            <a:bodyPr rtlCol="0" anchor="ctr"/>
+            <a:lstStyle/>
+            <a:p>
+              <a:pPr algn="ctr"/>
+              <a:endParaRPr lang="en-US"/>
+            </a:p>
+          </p:txBody>
+        </p:sp>
+        <p:sp>
+          <p:nvSpPr>
+            <p:cNvPr id="31" name="Oval 30">
+              <a:extLst>
+                <a:ext uri="{FF2B5EF4-FFF2-40B4-BE49-F238E27FC236}">
+                  <a16:creationId xmlns:a16="http://schemas.microsoft.com/office/drawing/2014/main" id="{71FDFB93-056C-77A5-B41E-B24A1E72F658}"/>
+                </a:ext>
+              </a:extLst>
+            </p:cNvPr>
+            <p:cNvSpPr/>
+            <p:nvPr/>
+          </p:nvSpPr>
+          <p:spPr>
+            <a:xfrm>
+              <a:off x="5347092" y="5133174"/>
+              <a:ext cx="152400" cy="179456"/>
+            </a:xfrm>
+            <a:prstGeom prst="ellipse">
+              <a:avLst/>
+            </a:prstGeom>
+          </p:spPr>
+          <p:style>
+            <a:lnRef idx="2">
+              <a:schemeClr val="accent6">
+                <a:shade val="15000"/>
+              </a:schemeClr>
+            </a:lnRef>
+            <a:fillRef idx="1">
+              <a:schemeClr val="accent6"/>
+            </a:fillRef>
+            <a:effectRef idx="0">
+              <a:schemeClr val="accent6"/>
+            </a:effectRef>
+            <a:fontRef idx="minor">
+              <a:schemeClr val="lt1"/>
+            </a:fontRef>
+          </p:style>
+          <p:txBody>
+            <a:bodyPr rtlCol="0" anchor="ctr"/>
+            <a:lstStyle/>
+            <a:p>
+              <a:pPr algn="ctr"/>
+              <a:endParaRPr lang="en-US"/>
+            </a:p>
+          </p:txBody>
+        </p:sp>
+        <p:sp>
+          <p:nvSpPr>
+            <p:cNvPr id="32" name="Oval 31">
+              <a:extLst>
+                <a:ext uri="{FF2B5EF4-FFF2-40B4-BE49-F238E27FC236}">
+                  <a16:creationId xmlns:a16="http://schemas.microsoft.com/office/drawing/2014/main" id="{22890B2B-2FE6-7312-445D-A92688A998FE}"/>
+                </a:ext>
+              </a:extLst>
+            </p:cNvPr>
+            <p:cNvSpPr/>
+            <p:nvPr/>
+          </p:nvSpPr>
+          <p:spPr>
+            <a:xfrm>
+              <a:off x="5347092" y="5437974"/>
+              <a:ext cx="152400" cy="179456"/>
+            </a:xfrm>
+            <a:prstGeom prst="ellipse">
+              <a:avLst/>
+            </a:prstGeom>
+          </p:spPr>
+          <p:style>
+            <a:lnRef idx="2">
+              <a:schemeClr val="accent6">
+                <a:shade val="15000"/>
+              </a:schemeClr>
+            </a:lnRef>
+            <a:fillRef idx="1">
+              <a:schemeClr val="accent6"/>
+            </a:fillRef>
+            <a:effectRef idx="0">
+              <a:schemeClr val="accent6"/>
+            </a:effectRef>
+            <a:fontRef idx="minor">
+              <a:schemeClr val="lt1"/>
+            </a:fontRef>
+          </p:style>
+          <p:txBody>
+            <a:bodyPr rtlCol="0" anchor="ctr"/>
+            <a:lstStyle/>
+            <a:p>
+              <a:pPr algn="ctr"/>
+              <a:endParaRPr lang="en-US"/>
+            </a:p>
+          </p:txBody>
+        </p:sp>
+        <p:sp>
+          <p:nvSpPr>
+            <p:cNvPr id="33" name="Oval 32">
+              <a:extLst>
+                <a:ext uri="{FF2B5EF4-FFF2-40B4-BE49-F238E27FC236}">
+                  <a16:creationId xmlns:a16="http://schemas.microsoft.com/office/drawing/2014/main" id="{1BA6B438-917F-ABCE-C0A4-2907E6D90F3D}"/>
+                </a:ext>
+              </a:extLst>
+            </p:cNvPr>
+            <p:cNvSpPr/>
+            <p:nvPr/>
+          </p:nvSpPr>
+          <p:spPr>
+            <a:xfrm>
+              <a:off x="5835942" y="4752949"/>
+              <a:ext cx="152400" cy="179456"/>
+            </a:xfrm>
+            <a:prstGeom prst="ellipse">
+              <a:avLst/>
+            </a:prstGeom>
+          </p:spPr>
+          <p:style>
+            <a:lnRef idx="2">
+              <a:schemeClr val="accent6">
+                <a:shade val="15000"/>
+              </a:schemeClr>
+            </a:lnRef>
+            <a:fillRef idx="1">
+              <a:schemeClr val="accent6"/>
+            </a:fillRef>
+            <a:effectRef idx="0">
+              <a:schemeClr val="accent6"/>
+            </a:effectRef>
+            <a:fontRef idx="minor">
+              <a:schemeClr val="lt1"/>
+            </a:fontRef>
+          </p:style>
+          <p:txBody>
+            <a:bodyPr rtlCol="0" anchor="ctr"/>
+            <a:lstStyle/>
+            <a:p>
+              <a:pPr algn="ctr"/>
+              <a:endParaRPr lang="en-US"/>
+            </a:p>
+          </p:txBody>
+        </p:sp>
+        <p:sp>
+          <p:nvSpPr>
+            <p:cNvPr id="34" name="Oval 33">
+              <a:extLst>
+                <a:ext uri="{FF2B5EF4-FFF2-40B4-BE49-F238E27FC236}">
+                  <a16:creationId xmlns:a16="http://schemas.microsoft.com/office/drawing/2014/main" id="{524FECAC-8FEA-9F8F-47BC-B66D459AB483}"/>
+                </a:ext>
+              </a:extLst>
+            </p:cNvPr>
+            <p:cNvSpPr/>
+            <p:nvPr/>
+          </p:nvSpPr>
+          <p:spPr>
+            <a:xfrm>
+              <a:off x="5835942" y="5030693"/>
+              <a:ext cx="152400" cy="179456"/>
+            </a:xfrm>
+            <a:prstGeom prst="ellipse">
+              <a:avLst/>
+            </a:prstGeom>
+          </p:spPr>
+          <p:style>
+            <a:lnRef idx="2">
+              <a:schemeClr val="accent6">
+                <a:shade val="15000"/>
+              </a:schemeClr>
+            </a:lnRef>
+            <a:fillRef idx="1">
+              <a:schemeClr val="accent6"/>
+            </a:fillRef>
+            <a:effectRef idx="0">
+              <a:schemeClr val="accent6"/>
+            </a:effectRef>
+            <a:fontRef idx="minor">
+              <a:schemeClr val="lt1"/>
+            </a:fontRef>
+          </p:style>
+          <p:txBody>
+            <a:bodyPr rtlCol="0" anchor="ctr"/>
+            <a:lstStyle/>
+            <a:p>
+              <a:pPr algn="ctr"/>
+              <a:endParaRPr lang="en-US"/>
+            </a:p>
+          </p:txBody>
+        </p:sp>
+        <p:sp>
+          <p:nvSpPr>
+            <p:cNvPr id="35" name="Oval 34">
+              <a:extLst>
+                <a:ext uri="{FF2B5EF4-FFF2-40B4-BE49-F238E27FC236}">
+                  <a16:creationId xmlns:a16="http://schemas.microsoft.com/office/drawing/2014/main" id="{7AE2977A-7560-27AE-4617-2A627DD0CFA7}"/>
+                </a:ext>
+              </a:extLst>
+            </p:cNvPr>
+            <p:cNvSpPr/>
+            <p:nvPr/>
+          </p:nvSpPr>
+          <p:spPr>
+            <a:xfrm>
+              <a:off x="5835942" y="5335493"/>
+              <a:ext cx="152400" cy="179456"/>
+            </a:xfrm>
+            <a:prstGeom prst="ellipse">
+              <a:avLst/>
+            </a:prstGeom>
+          </p:spPr>
+          <p:style>
+            <a:lnRef idx="2">
+              <a:schemeClr val="accent6">
+                <a:shade val="15000"/>
+              </a:schemeClr>
+            </a:lnRef>
+            <a:fillRef idx="1">
+              <a:schemeClr val="accent6"/>
+            </a:fillRef>
+            <a:effectRef idx="0">
+              <a:schemeClr val="accent6"/>
+            </a:effectRef>
+            <a:fontRef idx="minor">
+              <a:schemeClr val="lt1"/>
+            </a:fontRef>
+          </p:style>
+          <p:txBody>
+            <a:bodyPr rtlCol="0" anchor="ctr"/>
+            <a:lstStyle/>
+            <a:p>
+              <a:pPr algn="ctr"/>
+              <a:endParaRPr lang="en-US"/>
+            </a:p>
+          </p:txBody>
+        </p:sp>
+        <p:sp>
+          <p:nvSpPr>
+            <p:cNvPr id="36" name="Oval 35">
+              <a:extLst>
+                <a:ext uri="{FF2B5EF4-FFF2-40B4-BE49-F238E27FC236}">
+                  <a16:creationId xmlns:a16="http://schemas.microsoft.com/office/drawing/2014/main" id="{0977BC3C-A10B-4B10-738D-AE0FD67AFF90}"/>
+                </a:ext>
+              </a:extLst>
+            </p:cNvPr>
+            <p:cNvSpPr/>
+            <p:nvPr/>
+          </p:nvSpPr>
+          <p:spPr>
+            <a:xfrm>
+              <a:off x="5835942" y="5640293"/>
+              <a:ext cx="152400" cy="179456"/>
+            </a:xfrm>
+            <a:prstGeom prst="ellipse">
+              <a:avLst/>
+            </a:prstGeom>
+          </p:spPr>
+          <p:style>
+            <a:lnRef idx="2">
+              <a:schemeClr val="accent6">
+                <a:shade val="15000"/>
+              </a:schemeClr>
+            </a:lnRef>
+            <a:fillRef idx="1">
+              <a:schemeClr val="accent6"/>
+            </a:fillRef>
+            <a:effectRef idx="0">
+              <a:schemeClr val="accent6"/>
+            </a:effectRef>
+            <a:fontRef idx="minor">
+              <a:schemeClr val="lt1"/>
+            </a:fontRef>
+          </p:style>
+          <p:txBody>
+            <a:bodyPr rtlCol="0" anchor="ctr"/>
+            <a:lstStyle/>
+            <a:p>
+              <a:pPr algn="ctr"/>
+              <a:endParaRPr lang="en-US"/>
+            </a:p>
+          </p:txBody>
+        </p:sp>
+        <p:sp>
+          <p:nvSpPr>
+            <p:cNvPr id="37" name="Oval 36">
+              <a:extLst>
+                <a:ext uri="{FF2B5EF4-FFF2-40B4-BE49-F238E27FC236}">
+                  <a16:creationId xmlns:a16="http://schemas.microsoft.com/office/drawing/2014/main" id="{A51C7C72-72C0-F1AE-2813-0C674D1FD123}"/>
+                </a:ext>
+              </a:extLst>
+            </p:cNvPr>
+            <p:cNvSpPr/>
+            <p:nvPr/>
+          </p:nvSpPr>
+          <p:spPr>
+            <a:xfrm>
+              <a:off x="4889892" y="5895174"/>
+              <a:ext cx="152400" cy="179456"/>
+            </a:xfrm>
+            <a:prstGeom prst="ellipse">
+              <a:avLst/>
+            </a:prstGeom>
+          </p:spPr>
+          <p:style>
+            <a:lnRef idx="2">
+              <a:schemeClr val="accent6">
+                <a:shade val="15000"/>
+              </a:schemeClr>
+            </a:lnRef>
+            <a:fillRef idx="1">
+              <a:schemeClr val="accent6"/>
+            </a:fillRef>
+            <a:effectRef idx="0">
+              <a:schemeClr val="accent6"/>
+            </a:effectRef>
+            <a:fontRef idx="minor">
+              <a:schemeClr val="lt1"/>
+            </a:fontRef>
+          </p:style>
+          <p:txBody>
+            <a:bodyPr rtlCol="0" anchor="ctr"/>
+            <a:lstStyle/>
+            <a:p>
+              <a:pPr algn="ctr"/>
+              <a:endParaRPr lang="en-US"/>
+            </a:p>
+          </p:txBody>
+        </p:sp>
+        <p:sp>
+          <p:nvSpPr>
+            <p:cNvPr id="38" name="Oval 37">
+              <a:extLst>
+                <a:ext uri="{FF2B5EF4-FFF2-40B4-BE49-F238E27FC236}">
+                  <a16:creationId xmlns:a16="http://schemas.microsoft.com/office/drawing/2014/main" id="{8DF222A6-72E3-AE99-6B32-04D62CAF011B}"/>
+                </a:ext>
+              </a:extLst>
+            </p:cNvPr>
+            <p:cNvSpPr/>
+            <p:nvPr/>
+          </p:nvSpPr>
+          <p:spPr>
+            <a:xfrm>
+              <a:off x="5347092" y="5742774"/>
+              <a:ext cx="152400" cy="179456"/>
+            </a:xfrm>
+            <a:prstGeom prst="ellipse">
+              <a:avLst/>
+            </a:prstGeom>
+          </p:spPr>
+          <p:style>
+            <a:lnRef idx="2">
+              <a:schemeClr val="accent6">
+                <a:shade val="15000"/>
+              </a:schemeClr>
+            </a:lnRef>
+            <a:fillRef idx="1">
+              <a:schemeClr val="accent6"/>
+            </a:fillRef>
+            <a:effectRef idx="0">
+              <a:schemeClr val="accent6"/>
+            </a:effectRef>
+            <a:fontRef idx="minor">
+              <a:schemeClr val="lt1"/>
+            </a:fontRef>
+          </p:style>
+          <p:txBody>
+            <a:bodyPr rtlCol="0" anchor="ctr"/>
+            <a:lstStyle/>
+            <a:p>
+              <a:pPr algn="ctr"/>
+              <a:endParaRPr lang="en-US"/>
+            </a:p>
+          </p:txBody>
+        </p:sp>
+        <p:sp>
+          <p:nvSpPr>
+            <p:cNvPr id="39" name="Oval 38">
+              <a:extLst>
+                <a:ext uri="{FF2B5EF4-FFF2-40B4-BE49-F238E27FC236}">
+                  <a16:creationId xmlns:a16="http://schemas.microsoft.com/office/drawing/2014/main" id="{D2F1B649-D751-F414-7939-C68ED4D7FC9C}"/>
+                </a:ext>
+              </a:extLst>
+            </p:cNvPr>
+            <p:cNvSpPr/>
+            <p:nvPr/>
+          </p:nvSpPr>
+          <p:spPr>
+            <a:xfrm>
+              <a:off x="5835942" y="5945093"/>
+              <a:ext cx="152400" cy="179456"/>
+            </a:xfrm>
+            <a:prstGeom prst="ellipse">
+              <a:avLst/>
+            </a:prstGeom>
+          </p:spPr>
+          <p:style>
+            <a:lnRef idx="2">
+              <a:schemeClr val="accent6">
+                <a:shade val="15000"/>
+              </a:schemeClr>
+            </a:lnRef>
+            <a:fillRef idx="1">
+              <a:schemeClr val="accent6"/>
+            </a:fillRef>
+            <a:effectRef idx="0">
+              <a:schemeClr val="accent6"/>
+            </a:effectRef>
+            <a:fontRef idx="minor">
+              <a:schemeClr val="lt1"/>
+            </a:fontRef>
+          </p:style>
+          <p:txBody>
+            <a:bodyPr rtlCol="0" anchor="ctr"/>
+            <a:lstStyle/>
+            <a:p>
+              <a:pPr algn="ctr"/>
+              <a:endParaRPr lang="en-US"/>
+            </a:p>
+          </p:txBody>
+        </p:sp>
+        <p:cxnSp>
+          <p:nvCxnSpPr>
+            <p:cNvPr id="41" name="Straight Connector 40">
+              <a:extLst>
+                <a:ext uri="{FF2B5EF4-FFF2-40B4-BE49-F238E27FC236}">
+                  <a16:creationId xmlns:a16="http://schemas.microsoft.com/office/drawing/2014/main" id="{BAA4B345-C95D-E4B9-D157-F13FC9C5B46D}"/>
+                </a:ext>
+              </a:extLst>
+            </p:cNvPr>
+            <p:cNvCxnSpPr>
+              <a:cxnSpLocks/>
+              <a:stCxn id="26" idx="6"/>
+              <a:endCxn id="30" idx="1"/>
+            </p:cNvCxnSpPr>
+            <p:nvPr/>
+          </p:nvCxnSpPr>
+          <p:spPr>
+            <a:xfrm>
+              <a:off x="5042292" y="4841902"/>
+              <a:ext cx="327118" cy="88953"/>
+            </a:xfrm>
+            <a:prstGeom prst="line">
+              <a:avLst/>
+            </a:prstGeom>
+          </p:spPr>
+          <p:style>
+            <a:lnRef idx="2">
+              <a:schemeClr val="accent6">
+                <a:shade val="15000"/>
+              </a:schemeClr>
+            </a:lnRef>
+            <a:fillRef idx="1">
+              <a:schemeClr val="accent6"/>
+            </a:fillRef>
+            <a:effectRef idx="0">
+              <a:schemeClr val="accent6"/>
+            </a:effectRef>
+            <a:fontRef idx="minor">
+              <a:schemeClr val="lt1"/>
+            </a:fontRef>
+          </p:style>
+        </p:cxnSp>
+        <p:cxnSp>
+          <p:nvCxnSpPr>
+            <p:cNvPr id="43" name="Straight Connector 42">
+              <a:extLst>
+                <a:ext uri="{FF2B5EF4-FFF2-40B4-BE49-F238E27FC236}">
+                  <a16:creationId xmlns:a16="http://schemas.microsoft.com/office/drawing/2014/main" id="{4E2EA9B5-6F5E-07F4-0050-6D098DD74992}"/>
+                </a:ext>
+              </a:extLst>
+            </p:cNvPr>
+            <p:cNvCxnSpPr>
+              <a:cxnSpLocks/>
+              <a:stCxn id="27" idx="6"/>
+              <a:endCxn id="30" idx="2"/>
+            </p:cNvCxnSpPr>
+            <p:nvPr/>
+          </p:nvCxnSpPr>
+          <p:spPr>
+            <a:xfrm flipV="1">
+              <a:off x="5042292" y="4994302"/>
+              <a:ext cx="304800" cy="103256"/>
+            </a:xfrm>
+            <a:prstGeom prst="line">
+              <a:avLst/>
+            </a:prstGeom>
+          </p:spPr>
+          <p:style>
+            <a:lnRef idx="2">
+              <a:schemeClr val="accent6">
+                <a:shade val="15000"/>
+              </a:schemeClr>
+            </a:lnRef>
+            <a:fillRef idx="1">
+              <a:schemeClr val="accent6"/>
+            </a:fillRef>
+            <a:effectRef idx="0">
+              <a:schemeClr val="accent6"/>
+            </a:effectRef>
+            <a:fontRef idx="minor">
+              <a:schemeClr val="lt1"/>
+            </a:fontRef>
+          </p:style>
+        </p:cxnSp>
+        <p:cxnSp>
+          <p:nvCxnSpPr>
+            <p:cNvPr id="45" name="Straight Connector 44">
+              <a:extLst>
+                <a:ext uri="{FF2B5EF4-FFF2-40B4-BE49-F238E27FC236}">
+                  <a16:creationId xmlns:a16="http://schemas.microsoft.com/office/drawing/2014/main" id="{EA2D0B20-B47D-85EF-ED4D-7F686F7BBEEB}"/>
+                </a:ext>
+              </a:extLst>
+            </p:cNvPr>
+            <p:cNvCxnSpPr>
+              <a:cxnSpLocks/>
+              <a:stCxn id="28" idx="6"/>
+              <a:endCxn id="31" idx="2"/>
+            </p:cNvCxnSpPr>
+            <p:nvPr/>
+          </p:nvCxnSpPr>
+          <p:spPr>
+            <a:xfrm flipV="1">
+              <a:off x="5042292" y="5222902"/>
+              <a:ext cx="304800" cy="152400"/>
+            </a:xfrm>
+            <a:prstGeom prst="line">
+              <a:avLst/>
+            </a:prstGeom>
+          </p:spPr>
+          <p:style>
+            <a:lnRef idx="2">
+              <a:schemeClr val="accent6">
+                <a:shade val="15000"/>
+              </a:schemeClr>
+            </a:lnRef>
+            <a:fillRef idx="1">
+              <a:schemeClr val="accent6"/>
+            </a:fillRef>
+            <a:effectRef idx="0">
+              <a:schemeClr val="accent6"/>
+            </a:effectRef>
+            <a:fontRef idx="minor">
+              <a:schemeClr val="lt1"/>
+            </a:fontRef>
+          </p:style>
+        </p:cxnSp>
+        <p:cxnSp>
+          <p:nvCxnSpPr>
+            <p:cNvPr id="47" name="Straight Connector 46">
+              <a:extLst>
+                <a:ext uri="{FF2B5EF4-FFF2-40B4-BE49-F238E27FC236}">
+                  <a16:creationId xmlns:a16="http://schemas.microsoft.com/office/drawing/2014/main" id="{4BE80925-4E41-72C5-3AD8-A5B17ADA3319}"/>
+                </a:ext>
+              </a:extLst>
+            </p:cNvPr>
+            <p:cNvCxnSpPr>
+              <a:cxnSpLocks/>
+              <a:stCxn id="27" idx="6"/>
+              <a:endCxn id="31" idx="2"/>
+            </p:cNvCxnSpPr>
+            <p:nvPr/>
+          </p:nvCxnSpPr>
+          <p:spPr>
+            <a:xfrm>
+              <a:off x="5042292" y="5097558"/>
+              <a:ext cx="304800" cy="125344"/>
+            </a:xfrm>
+            <a:prstGeom prst="line">
+              <a:avLst/>
+            </a:prstGeom>
+          </p:spPr>
+          <p:style>
+            <a:lnRef idx="2">
+              <a:schemeClr val="accent6">
+                <a:shade val="15000"/>
+              </a:schemeClr>
+            </a:lnRef>
+            <a:fillRef idx="1">
+              <a:schemeClr val="accent6"/>
+            </a:fillRef>
+            <a:effectRef idx="0">
+              <a:schemeClr val="accent6"/>
+            </a:effectRef>
+            <a:fontRef idx="minor">
+              <a:schemeClr val="lt1"/>
+            </a:fontRef>
+          </p:style>
+        </p:cxnSp>
+        <p:cxnSp>
+          <p:nvCxnSpPr>
+            <p:cNvPr id="49" name="Straight Connector 48">
+              <a:extLst>
+                <a:ext uri="{FF2B5EF4-FFF2-40B4-BE49-F238E27FC236}">
+                  <a16:creationId xmlns:a16="http://schemas.microsoft.com/office/drawing/2014/main" id="{17824EBB-76AE-DDBB-54CE-48C43EF5893F}"/>
+                </a:ext>
+              </a:extLst>
+            </p:cNvPr>
+            <p:cNvCxnSpPr>
+              <a:cxnSpLocks/>
+              <a:stCxn id="29" idx="6"/>
+              <a:endCxn id="32" idx="2"/>
+            </p:cNvCxnSpPr>
+            <p:nvPr/>
+          </p:nvCxnSpPr>
+          <p:spPr>
+            <a:xfrm flipV="1">
+              <a:off x="5042292" y="5527702"/>
+              <a:ext cx="304800" cy="152400"/>
+            </a:xfrm>
+            <a:prstGeom prst="line">
+              <a:avLst/>
+            </a:prstGeom>
+          </p:spPr>
+          <p:style>
+            <a:lnRef idx="2">
+              <a:schemeClr val="accent6">
+                <a:shade val="15000"/>
+              </a:schemeClr>
+            </a:lnRef>
+            <a:fillRef idx="1">
+              <a:schemeClr val="accent6"/>
+            </a:fillRef>
+            <a:effectRef idx="0">
+              <a:schemeClr val="accent6"/>
+            </a:effectRef>
+            <a:fontRef idx="minor">
+              <a:schemeClr val="lt1"/>
+            </a:fontRef>
+          </p:style>
+        </p:cxnSp>
+        <p:cxnSp>
+          <p:nvCxnSpPr>
+            <p:cNvPr id="51" name="Straight Connector 50">
+              <a:extLst>
+                <a:ext uri="{FF2B5EF4-FFF2-40B4-BE49-F238E27FC236}">
+                  <a16:creationId xmlns:a16="http://schemas.microsoft.com/office/drawing/2014/main" id="{9AA655ED-EFD0-8122-0DEF-51E1C8659686}"/>
+                </a:ext>
+              </a:extLst>
+            </p:cNvPr>
+            <p:cNvCxnSpPr>
+              <a:cxnSpLocks/>
+              <a:stCxn id="28" idx="6"/>
+              <a:endCxn id="32" idx="2"/>
+            </p:cNvCxnSpPr>
+            <p:nvPr/>
+          </p:nvCxnSpPr>
+          <p:spPr>
+            <a:xfrm>
+              <a:off x="5042293" y="5375303"/>
+              <a:ext cx="304800" cy="152400"/>
+            </a:xfrm>
+            <a:prstGeom prst="line">
+              <a:avLst/>
+            </a:prstGeom>
+          </p:spPr>
+          <p:style>
+            <a:lnRef idx="2">
+              <a:schemeClr val="accent6">
+                <a:shade val="15000"/>
+              </a:schemeClr>
+            </a:lnRef>
+            <a:fillRef idx="1">
+              <a:schemeClr val="accent6"/>
+            </a:fillRef>
+            <a:effectRef idx="0">
+              <a:schemeClr val="accent6"/>
+            </a:effectRef>
+            <a:fontRef idx="minor">
+              <a:schemeClr val="lt1"/>
+            </a:fontRef>
+          </p:style>
+        </p:cxnSp>
+        <p:cxnSp>
+          <p:nvCxnSpPr>
+            <p:cNvPr id="53" name="Straight Connector 52">
+              <a:extLst>
+                <a:ext uri="{FF2B5EF4-FFF2-40B4-BE49-F238E27FC236}">
+                  <a16:creationId xmlns:a16="http://schemas.microsoft.com/office/drawing/2014/main" id="{8A80259B-EFE5-D00C-F9F0-6D54A4A20A70}"/>
+                </a:ext>
+              </a:extLst>
+            </p:cNvPr>
+            <p:cNvCxnSpPr>
+              <a:cxnSpLocks/>
+              <a:stCxn id="29" idx="6"/>
+              <a:endCxn id="38" idx="2"/>
+            </p:cNvCxnSpPr>
+            <p:nvPr/>
+          </p:nvCxnSpPr>
+          <p:spPr>
+            <a:xfrm>
+              <a:off x="5042292" y="5680102"/>
+              <a:ext cx="304800" cy="152400"/>
+            </a:xfrm>
+            <a:prstGeom prst="line">
+              <a:avLst/>
+            </a:prstGeom>
+          </p:spPr>
+          <p:style>
+            <a:lnRef idx="2">
+              <a:schemeClr val="accent6">
+                <a:shade val="15000"/>
+              </a:schemeClr>
+            </a:lnRef>
+            <a:fillRef idx="1">
+              <a:schemeClr val="accent6"/>
+            </a:fillRef>
+            <a:effectRef idx="0">
+              <a:schemeClr val="accent6"/>
+            </a:effectRef>
+            <a:fontRef idx="minor">
+              <a:schemeClr val="lt1"/>
+            </a:fontRef>
+          </p:style>
+        </p:cxnSp>
+        <p:cxnSp>
+          <p:nvCxnSpPr>
+            <p:cNvPr id="56" name="Straight Connector 55">
+              <a:extLst>
+                <a:ext uri="{FF2B5EF4-FFF2-40B4-BE49-F238E27FC236}">
+                  <a16:creationId xmlns:a16="http://schemas.microsoft.com/office/drawing/2014/main" id="{76D027A7-ED7B-859E-E7D5-BF3F927507FB}"/>
+                </a:ext>
+              </a:extLst>
+            </p:cNvPr>
+            <p:cNvCxnSpPr>
+              <a:cxnSpLocks/>
+              <a:stCxn id="37" idx="6"/>
+              <a:endCxn id="38" idx="2"/>
+            </p:cNvCxnSpPr>
+            <p:nvPr/>
+          </p:nvCxnSpPr>
+          <p:spPr>
+            <a:xfrm flipV="1">
+              <a:off x="5042292" y="5832502"/>
+              <a:ext cx="304800" cy="152400"/>
+            </a:xfrm>
+            <a:prstGeom prst="line">
+              <a:avLst/>
+            </a:prstGeom>
+          </p:spPr>
+          <p:style>
+            <a:lnRef idx="2">
+              <a:schemeClr val="accent6">
+                <a:shade val="15000"/>
+              </a:schemeClr>
+            </a:lnRef>
+            <a:fillRef idx="1">
+              <a:schemeClr val="accent6"/>
+            </a:fillRef>
+            <a:effectRef idx="0">
+              <a:schemeClr val="accent6"/>
+            </a:effectRef>
+            <a:fontRef idx="minor">
+              <a:schemeClr val="lt1"/>
+            </a:fontRef>
+          </p:style>
+        </p:cxnSp>
+        <p:cxnSp>
+          <p:nvCxnSpPr>
+            <p:cNvPr id="58" name="Straight Connector 57">
+              <a:extLst>
+                <a:ext uri="{FF2B5EF4-FFF2-40B4-BE49-F238E27FC236}">
+                  <a16:creationId xmlns:a16="http://schemas.microsoft.com/office/drawing/2014/main" id="{36035168-DDDD-60D4-28C4-B28AC830FAEA}"/>
+                </a:ext>
+              </a:extLst>
+            </p:cNvPr>
+            <p:cNvCxnSpPr>
+              <a:cxnSpLocks/>
+              <a:stCxn id="37" idx="6"/>
+              <a:endCxn id="32" idx="2"/>
+            </p:cNvCxnSpPr>
+            <p:nvPr/>
+          </p:nvCxnSpPr>
+          <p:spPr>
+            <a:xfrm flipV="1">
+              <a:off x="5042292" y="5527702"/>
+              <a:ext cx="304800" cy="457200"/>
+            </a:xfrm>
+            <a:prstGeom prst="line">
+              <a:avLst/>
+            </a:prstGeom>
+          </p:spPr>
+          <p:style>
+            <a:lnRef idx="2">
+              <a:schemeClr val="accent6">
+                <a:shade val="15000"/>
+              </a:schemeClr>
+            </a:lnRef>
+            <a:fillRef idx="1">
+              <a:schemeClr val="accent6"/>
+            </a:fillRef>
+            <a:effectRef idx="0">
+              <a:schemeClr val="accent6"/>
+            </a:effectRef>
+            <a:fontRef idx="minor">
+              <a:schemeClr val="lt1"/>
+            </a:fontRef>
+          </p:style>
+        </p:cxnSp>
+        <p:cxnSp>
+          <p:nvCxnSpPr>
+            <p:cNvPr id="60" name="Straight Connector 59">
+              <a:extLst>
+                <a:ext uri="{FF2B5EF4-FFF2-40B4-BE49-F238E27FC236}">
+                  <a16:creationId xmlns:a16="http://schemas.microsoft.com/office/drawing/2014/main" id="{1E6E32E3-0834-B7F0-12AE-97BFDBE3E4C0}"/>
+                </a:ext>
+              </a:extLst>
+            </p:cNvPr>
+            <p:cNvCxnSpPr>
+              <a:cxnSpLocks/>
+              <a:stCxn id="29" idx="6"/>
+              <a:endCxn id="31" idx="3"/>
+            </p:cNvCxnSpPr>
+            <p:nvPr/>
+          </p:nvCxnSpPr>
+          <p:spPr>
+            <a:xfrm flipV="1">
+              <a:off x="5042292" y="5286349"/>
+              <a:ext cx="327118" cy="393753"/>
+            </a:xfrm>
+            <a:prstGeom prst="line">
+              <a:avLst/>
+            </a:prstGeom>
+          </p:spPr>
+          <p:style>
+            <a:lnRef idx="2">
+              <a:schemeClr val="accent6">
+                <a:shade val="15000"/>
+              </a:schemeClr>
+            </a:lnRef>
+            <a:fillRef idx="1">
+              <a:schemeClr val="accent6"/>
+            </a:fillRef>
+            <a:effectRef idx="0">
+              <a:schemeClr val="accent6"/>
+            </a:effectRef>
+            <a:fontRef idx="minor">
+              <a:schemeClr val="lt1"/>
+            </a:fontRef>
+          </p:style>
+        </p:cxnSp>
+        <p:cxnSp>
+          <p:nvCxnSpPr>
+            <p:cNvPr id="62" name="Straight Connector 61">
+              <a:extLst>
+                <a:ext uri="{FF2B5EF4-FFF2-40B4-BE49-F238E27FC236}">
+                  <a16:creationId xmlns:a16="http://schemas.microsoft.com/office/drawing/2014/main" id="{9227B438-EFF2-A736-5EE9-88EA958E537A}"/>
+                </a:ext>
+              </a:extLst>
+            </p:cNvPr>
+            <p:cNvCxnSpPr>
+              <a:cxnSpLocks/>
+              <a:stCxn id="28" idx="6"/>
+              <a:endCxn id="30" idx="3"/>
+            </p:cNvCxnSpPr>
+            <p:nvPr/>
+          </p:nvCxnSpPr>
+          <p:spPr>
+            <a:xfrm flipV="1">
+              <a:off x="5042292" y="5057749"/>
+              <a:ext cx="327118" cy="317553"/>
+            </a:xfrm>
+            <a:prstGeom prst="line">
+              <a:avLst/>
+            </a:prstGeom>
+          </p:spPr>
+          <p:style>
+            <a:lnRef idx="2">
+              <a:schemeClr val="accent6">
+                <a:shade val="15000"/>
+              </a:schemeClr>
+            </a:lnRef>
+            <a:fillRef idx="1">
+              <a:schemeClr val="accent6"/>
+            </a:fillRef>
+            <a:effectRef idx="0">
+              <a:schemeClr val="accent6"/>
+            </a:effectRef>
+            <a:fontRef idx="minor">
+              <a:schemeClr val="lt1"/>
+            </a:fontRef>
+          </p:style>
+        </p:cxnSp>
+        <p:cxnSp>
+          <p:nvCxnSpPr>
+            <p:cNvPr id="64" name="Straight Connector 63">
+              <a:extLst>
+                <a:ext uri="{FF2B5EF4-FFF2-40B4-BE49-F238E27FC236}">
+                  <a16:creationId xmlns:a16="http://schemas.microsoft.com/office/drawing/2014/main" id="{14F89684-5118-5401-DD30-AA0770FEC919}"/>
+                </a:ext>
+              </a:extLst>
+            </p:cNvPr>
+            <p:cNvCxnSpPr>
+              <a:cxnSpLocks/>
+              <a:stCxn id="26" idx="6"/>
+              <a:endCxn id="31" idx="1"/>
+            </p:cNvCxnSpPr>
+            <p:nvPr/>
+          </p:nvCxnSpPr>
+          <p:spPr>
+            <a:xfrm>
+              <a:off x="5042292" y="4841902"/>
+              <a:ext cx="327118" cy="317553"/>
+            </a:xfrm>
+            <a:prstGeom prst="line">
+              <a:avLst/>
+            </a:prstGeom>
+          </p:spPr>
+          <p:style>
+            <a:lnRef idx="2">
+              <a:schemeClr val="accent6">
+                <a:shade val="15000"/>
+              </a:schemeClr>
+            </a:lnRef>
+            <a:fillRef idx="1">
+              <a:schemeClr val="accent6"/>
+            </a:fillRef>
+            <a:effectRef idx="0">
+              <a:schemeClr val="accent6"/>
+            </a:effectRef>
+            <a:fontRef idx="minor">
+              <a:schemeClr val="lt1"/>
+            </a:fontRef>
+          </p:style>
+        </p:cxnSp>
+        <p:cxnSp>
+          <p:nvCxnSpPr>
+            <p:cNvPr id="66" name="Straight Connector 65">
+              <a:extLst>
+                <a:ext uri="{FF2B5EF4-FFF2-40B4-BE49-F238E27FC236}">
+                  <a16:creationId xmlns:a16="http://schemas.microsoft.com/office/drawing/2014/main" id="{8E8BF0CB-B4D5-30C1-0361-54F081971711}"/>
+                </a:ext>
+              </a:extLst>
+            </p:cNvPr>
+            <p:cNvCxnSpPr>
+              <a:cxnSpLocks/>
+              <a:stCxn id="28" idx="6"/>
+              <a:endCxn id="38" idx="2"/>
+            </p:cNvCxnSpPr>
+            <p:nvPr/>
+          </p:nvCxnSpPr>
+          <p:spPr>
+            <a:xfrm>
+              <a:off x="5042292" y="5375302"/>
+              <a:ext cx="304800" cy="457200"/>
+            </a:xfrm>
+            <a:prstGeom prst="line">
+              <a:avLst/>
+            </a:prstGeom>
+          </p:spPr>
+          <p:style>
+            <a:lnRef idx="2">
+              <a:schemeClr val="accent6">
+                <a:shade val="15000"/>
+              </a:schemeClr>
+            </a:lnRef>
+            <a:fillRef idx="1">
+              <a:schemeClr val="accent6"/>
+            </a:fillRef>
+            <a:effectRef idx="0">
+              <a:schemeClr val="accent6"/>
+            </a:effectRef>
+            <a:fontRef idx="minor">
+              <a:schemeClr val="lt1"/>
+            </a:fontRef>
+          </p:style>
+        </p:cxnSp>
+        <p:cxnSp>
+          <p:nvCxnSpPr>
+            <p:cNvPr id="68" name="Straight Connector 67">
+              <a:extLst>
+                <a:ext uri="{FF2B5EF4-FFF2-40B4-BE49-F238E27FC236}">
+                  <a16:creationId xmlns:a16="http://schemas.microsoft.com/office/drawing/2014/main" id="{7D331FA7-72C3-7AAA-A557-126FFC1765C3}"/>
+                </a:ext>
+              </a:extLst>
+            </p:cNvPr>
+            <p:cNvCxnSpPr>
+              <a:cxnSpLocks/>
+              <a:stCxn id="30" idx="6"/>
+              <a:endCxn id="33" idx="2"/>
+            </p:cNvCxnSpPr>
+            <p:nvPr/>
+          </p:nvCxnSpPr>
+          <p:spPr>
+            <a:xfrm flipV="1">
+              <a:off x="5499492" y="4842677"/>
+              <a:ext cx="336450" cy="151625"/>
+            </a:xfrm>
+            <a:prstGeom prst="line">
+              <a:avLst/>
+            </a:prstGeom>
+          </p:spPr>
+          <p:style>
+            <a:lnRef idx="2">
+              <a:schemeClr val="accent6">
+                <a:shade val="15000"/>
+              </a:schemeClr>
+            </a:lnRef>
+            <a:fillRef idx="1">
+              <a:schemeClr val="accent6"/>
+            </a:fillRef>
+            <a:effectRef idx="0">
+              <a:schemeClr val="accent6"/>
+            </a:effectRef>
+            <a:fontRef idx="minor">
+              <a:schemeClr val="lt1"/>
+            </a:fontRef>
+          </p:style>
+        </p:cxnSp>
+        <p:cxnSp>
+          <p:nvCxnSpPr>
+            <p:cNvPr id="70" name="Straight Connector 69">
+              <a:extLst>
+                <a:ext uri="{FF2B5EF4-FFF2-40B4-BE49-F238E27FC236}">
+                  <a16:creationId xmlns:a16="http://schemas.microsoft.com/office/drawing/2014/main" id="{BCF71931-0D92-EE36-7DA4-B347E8CBAFDB}"/>
+                </a:ext>
+              </a:extLst>
+            </p:cNvPr>
+            <p:cNvCxnSpPr>
+              <a:cxnSpLocks/>
+              <a:stCxn id="31" idx="6"/>
+              <a:endCxn id="33" idx="2"/>
+            </p:cNvCxnSpPr>
+            <p:nvPr/>
+          </p:nvCxnSpPr>
+          <p:spPr>
+            <a:xfrm flipV="1">
+              <a:off x="5499492" y="4842677"/>
+              <a:ext cx="336450" cy="380225"/>
+            </a:xfrm>
+            <a:prstGeom prst="line">
+              <a:avLst/>
+            </a:prstGeom>
+          </p:spPr>
+          <p:style>
+            <a:lnRef idx="2">
+              <a:schemeClr val="accent6">
+                <a:shade val="15000"/>
+              </a:schemeClr>
+            </a:lnRef>
+            <a:fillRef idx="1">
+              <a:schemeClr val="accent6"/>
+            </a:fillRef>
+            <a:effectRef idx="0">
+              <a:schemeClr val="accent6"/>
+            </a:effectRef>
+            <a:fontRef idx="minor">
+              <a:schemeClr val="lt1"/>
+            </a:fontRef>
+          </p:style>
+        </p:cxnSp>
+        <p:cxnSp>
+          <p:nvCxnSpPr>
+            <p:cNvPr id="72" name="Straight Connector 71">
+              <a:extLst>
+                <a:ext uri="{FF2B5EF4-FFF2-40B4-BE49-F238E27FC236}">
+                  <a16:creationId xmlns:a16="http://schemas.microsoft.com/office/drawing/2014/main" id="{1EB37A87-DDED-ED18-BD50-BFC9AA9E6DE1}"/>
+                </a:ext>
+              </a:extLst>
+            </p:cNvPr>
+            <p:cNvCxnSpPr>
+              <a:cxnSpLocks/>
+              <a:stCxn id="32" idx="6"/>
+              <a:endCxn id="34" idx="2"/>
+            </p:cNvCxnSpPr>
+            <p:nvPr/>
+          </p:nvCxnSpPr>
+          <p:spPr>
+            <a:xfrm flipV="1">
+              <a:off x="5499492" y="5120421"/>
+              <a:ext cx="336450" cy="407281"/>
+            </a:xfrm>
+            <a:prstGeom prst="line">
+              <a:avLst/>
+            </a:prstGeom>
+          </p:spPr>
+          <p:style>
+            <a:lnRef idx="2">
+              <a:schemeClr val="accent6">
+                <a:shade val="15000"/>
+              </a:schemeClr>
+            </a:lnRef>
+            <a:fillRef idx="1">
+              <a:schemeClr val="accent6"/>
+            </a:fillRef>
+            <a:effectRef idx="0">
+              <a:schemeClr val="accent6"/>
+            </a:effectRef>
+            <a:fontRef idx="minor">
+              <a:schemeClr val="lt1"/>
+            </a:fontRef>
+          </p:style>
+        </p:cxnSp>
+        <p:cxnSp>
+          <p:nvCxnSpPr>
+            <p:cNvPr id="74" name="Straight Connector 73">
+              <a:extLst>
+                <a:ext uri="{FF2B5EF4-FFF2-40B4-BE49-F238E27FC236}">
+                  <a16:creationId xmlns:a16="http://schemas.microsoft.com/office/drawing/2014/main" id="{48711D31-7FF9-36E2-94D6-05B23FAEB79B}"/>
+                </a:ext>
+              </a:extLst>
+            </p:cNvPr>
+            <p:cNvCxnSpPr>
+              <a:cxnSpLocks/>
+              <a:stCxn id="38" idx="6"/>
+              <a:endCxn id="35" idx="2"/>
+            </p:cNvCxnSpPr>
+            <p:nvPr/>
+          </p:nvCxnSpPr>
+          <p:spPr>
+            <a:xfrm flipV="1">
+              <a:off x="5499492" y="5425221"/>
+              <a:ext cx="336450" cy="407281"/>
+            </a:xfrm>
+            <a:prstGeom prst="line">
+              <a:avLst/>
+            </a:prstGeom>
+          </p:spPr>
+          <p:style>
+            <a:lnRef idx="2">
+              <a:schemeClr val="accent6">
+                <a:shade val="15000"/>
+              </a:schemeClr>
+            </a:lnRef>
+            <a:fillRef idx="1">
+              <a:schemeClr val="accent6"/>
+            </a:fillRef>
+            <a:effectRef idx="0">
+              <a:schemeClr val="accent6"/>
+            </a:effectRef>
+            <a:fontRef idx="minor">
+              <a:schemeClr val="lt1"/>
+            </a:fontRef>
+          </p:style>
+        </p:cxnSp>
+        <p:cxnSp>
+          <p:nvCxnSpPr>
+            <p:cNvPr id="76" name="Straight Connector 75">
+              <a:extLst>
+                <a:ext uri="{FF2B5EF4-FFF2-40B4-BE49-F238E27FC236}">
+                  <a16:creationId xmlns:a16="http://schemas.microsoft.com/office/drawing/2014/main" id="{2D9B20E3-2313-31A3-B9AD-360C449EEAC7}"/>
+                </a:ext>
+              </a:extLst>
+            </p:cNvPr>
+            <p:cNvCxnSpPr>
+              <a:cxnSpLocks/>
+              <a:stCxn id="38" idx="6"/>
+              <a:endCxn id="39" idx="1"/>
+            </p:cNvCxnSpPr>
+            <p:nvPr/>
+          </p:nvCxnSpPr>
+          <p:spPr>
+            <a:xfrm>
+              <a:off x="5499492" y="5832502"/>
+              <a:ext cx="358768" cy="138872"/>
+            </a:xfrm>
+            <a:prstGeom prst="line">
+              <a:avLst/>
+            </a:prstGeom>
+          </p:spPr>
+          <p:style>
+            <a:lnRef idx="2">
+              <a:schemeClr val="accent6">
+                <a:shade val="15000"/>
+              </a:schemeClr>
+            </a:lnRef>
+            <a:fillRef idx="1">
+              <a:schemeClr val="accent6"/>
+            </a:fillRef>
+            <a:effectRef idx="0">
+              <a:schemeClr val="accent6"/>
+            </a:effectRef>
+            <a:fontRef idx="minor">
+              <a:schemeClr val="lt1"/>
+            </a:fontRef>
+          </p:style>
+        </p:cxnSp>
+        <p:cxnSp>
+          <p:nvCxnSpPr>
+            <p:cNvPr id="78" name="Straight Connector 77">
+              <a:extLst>
+                <a:ext uri="{FF2B5EF4-FFF2-40B4-BE49-F238E27FC236}">
+                  <a16:creationId xmlns:a16="http://schemas.microsoft.com/office/drawing/2014/main" id="{554F237F-A050-4DD1-9F7C-4066BE3E90D2}"/>
+                </a:ext>
+              </a:extLst>
+            </p:cNvPr>
+            <p:cNvCxnSpPr>
+              <a:cxnSpLocks/>
+              <a:stCxn id="38" idx="6"/>
+              <a:endCxn id="36" idx="2"/>
+            </p:cNvCxnSpPr>
+            <p:nvPr/>
+          </p:nvCxnSpPr>
+          <p:spPr>
+            <a:xfrm flipV="1">
+              <a:off x="5499492" y="5730021"/>
+              <a:ext cx="336450" cy="102481"/>
+            </a:xfrm>
+            <a:prstGeom prst="line">
+              <a:avLst/>
+            </a:prstGeom>
+          </p:spPr>
+          <p:style>
+            <a:lnRef idx="2">
+              <a:schemeClr val="accent6">
+                <a:shade val="15000"/>
+              </a:schemeClr>
+            </a:lnRef>
+            <a:fillRef idx="1">
+              <a:schemeClr val="accent6"/>
+            </a:fillRef>
+            <a:effectRef idx="0">
+              <a:schemeClr val="accent6"/>
+            </a:effectRef>
+            <a:fontRef idx="minor">
+              <a:schemeClr val="lt1"/>
+            </a:fontRef>
+          </p:style>
+        </p:cxnSp>
+        <p:cxnSp>
+          <p:nvCxnSpPr>
+            <p:cNvPr id="80" name="Straight Connector 79">
+              <a:extLst>
+                <a:ext uri="{FF2B5EF4-FFF2-40B4-BE49-F238E27FC236}">
+                  <a16:creationId xmlns:a16="http://schemas.microsoft.com/office/drawing/2014/main" id="{AD8807E0-1ABB-9E1B-509F-6901CB0848E2}"/>
+                </a:ext>
+              </a:extLst>
+            </p:cNvPr>
+            <p:cNvCxnSpPr>
+              <a:cxnSpLocks/>
+              <a:stCxn id="32" idx="6"/>
+              <a:endCxn id="35" idx="2"/>
+            </p:cNvCxnSpPr>
+            <p:nvPr/>
+          </p:nvCxnSpPr>
+          <p:spPr>
+            <a:xfrm flipV="1">
+              <a:off x="5499492" y="5425221"/>
+              <a:ext cx="336450" cy="102481"/>
+            </a:xfrm>
+            <a:prstGeom prst="line">
+              <a:avLst/>
+            </a:prstGeom>
+          </p:spPr>
+          <p:style>
+            <a:lnRef idx="2">
+              <a:schemeClr val="accent6">
+                <a:shade val="15000"/>
+              </a:schemeClr>
+            </a:lnRef>
+            <a:fillRef idx="1">
+              <a:schemeClr val="accent6"/>
+            </a:fillRef>
+            <a:effectRef idx="0">
+              <a:schemeClr val="accent6"/>
+            </a:effectRef>
+            <a:fontRef idx="minor">
+              <a:schemeClr val="lt1"/>
+            </a:fontRef>
+          </p:style>
+        </p:cxnSp>
+        <p:cxnSp>
+          <p:nvCxnSpPr>
+            <p:cNvPr id="83" name="Straight Connector 82">
+              <a:extLst>
+                <a:ext uri="{FF2B5EF4-FFF2-40B4-BE49-F238E27FC236}">
+                  <a16:creationId xmlns:a16="http://schemas.microsoft.com/office/drawing/2014/main" id="{D1EF2E97-2286-1307-B568-615126BC8BD4}"/>
+                </a:ext>
+              </a:extLst>
+            </p:cNvPr>
+            <p:cNvCxnSpPr>
+              <a:cxnSpLocks/>
+              <a:stCxn id="30" idx="6"/>
+              <a:endCxn id="34" idx="2"/>
+            </p:cNvCxnSpPr>
+            <p:nvPr/>
+          </p:nvCxnSpPr>
+          <p:spPr>
+            <a:xfrm>
+              <a:off x="5499493" y="4994303"/>
+              <a:ext cx="336449" cy="126119"/>
+            </a:xfrm>
+            <a:prstGeom prst="line">
+              <a:avLst/>
+            </a:prstGeom>
+          </p:spPr>
+          <p:style>
+            <a:lnRef idx="2">
+              <a:schemeClr val="accent6">
+                <a:shade val="15000"/>
+              </a:schemeClr>
+            </a:lnRef>
+            <a:fillRef idx="1">
+              <a:schemeClr val="accent6"/>
+            </a:fillRef>
+            <a:effectRef idx="0">
+              <a:schemeClr val="accent6"/>
+            </a:effectRef>
+            <a:fontRef idx="minor">
+              <a:schemeClr val="lt1"/>
+            </a:fontRef>
+          </p:style>
+        </p:cxnSp>
+        <p:cxnSp>
+          <p:nvCxnSpPr>
+            <p:cNvPr id="85" name="Straight Connector 84">
+              <a:extLst>
+                <a:ext uri="{FF2B5EF4-FFF2-40B4-BE49-F238E27FC236}">
+                  <a16:creationId xmlns:a16="http://schemas.microsoft.com/office/drawing/2014/main" id="{19929270-F1F2-FE68-D26E-E9C4668B1DC5}"/>
+                </a:ext>
+              </a:extLst>
+            </p:cNvPr>
+            <p:cNvCxnSpPr>
+              <a:cxnSpLocks/>
+              <a:stCxn id="31" idx="6"/>
+              <a:endCxn id="35" idx="2"/>
+            </p:cNvCxnSpPr>
+            <p:nvPr/>
+          </p:nvCxnSpPr>
+          <p:spPr>
+            <a:xfrm>
+              <a:off x="5499492" y="5222902"/>
+              <a:ext cx="336450" cy="202319"/>
+            </a:xfrm>
+            <a:prstGeom prst="line">
+              <a:avLst/>
+            </a:prstGeom>
+          </p:spPr>
+          <p:style>
+            <a:lnRef idx="2">
+              <a:schemeClr val="accent6">
+                <a:shade val="15000"/>
+              </a:schemeClr>
+            </a:lnRef>
+            <a:fillRef idx="1">
+              <a:schemeClr val="accent6"/>
+            </a:fillRef>
+            <a:effectRef idx="0">
+              <a:schemeClr val="accent6"/>
+            </a:effectRef>
+            <a:fontRef idx="minor">
+              <a:schemeClr val="lt1"/>
+            </a:fontRef>
+          </p:style>
+        </p:cxnSp>
+        <p:cxnSp>
+          <p:nvCxnSpPr>
+            <p:cNvPr id="87" name="Straight Connector 86">
+              <a:extLst>
+                <a:ext uri="{FF2B5EF4-FFF2-40B4-BE49-F238E27FC236}">
+                  <a16:creationId xmlns:a16="http://schemas.microsoft.com/office/drawing/2014/main" id="{9C333F51-CEEB-AA76-CC9E-E2AC8097CF32}"/>
+                </a:ext>
+              </a:extLst>
+            </p:cNvPr>
+            <p:cNvCxnSpPr>
+              <a:cxnSpLocks/>
+              <a:stCxn id="32" idx="6"/>
+              <a:endCxn id="36" idx="2"/>
+            </p:cNvCxnSpPr>
+            <p:nvPr/>
+          </p:nvCxnSpPr>
+          <p:spPr>
+            <a:xfrm>
+              <a:off x="5499492" y="5527702"/>
+              <a:ext cx="336450" cy="202319"/>
+            </a:xfrm>
+            <a:prstGeom prst="line">
+              <a:avLst/>
+            </a:prstGeom>
+          </p:spPr>
+          <p:style>
+            <a:lnRef idx="2">
+              <a:schemeClr val="accent6">
+                <a:shade val="15000"/>
+              </a:schemeClr>
+            </a:lnRef>
+            <a:fillRef idx="1">
+              <a:schemeClr val="accent6"/>
+            </a:fillRef>
+            <a:effectRef idx="0">
+              <a:schemeClr val="accent6"/>
+            </a:effectRef>
+            <a:fontRef idx="minor">
+              <a:schemeClr val="lt1"/>
+            </a:fontRef>
+          </p:style>
+        </p:cxnSp>
+        <p:cxnSp>
+          <p:nvCxnSpPr>
+            <p:cNvPr id="89" name="Straight Connector 88">
+              <a:extLst>
+                <a:ext uri="{FF2B5EF4-FFF2-40B4-BE49-F238E27FC236}">
+                  <a16:creationId xmlns:a16="http://schemas.microsoft.com/office/drawing/2014/main" id="{B8C0FFA5-06FC-07B2-8369-88953584CD29}"/>
+                </a:ext>
+              </a:extLst>
+            </p:cNvPr>
+            <p:cNvCxnSpPr>
+              <a:cxnSpLocks/>
+              <a:stCxn id="30" idx="6"/>
+              <a:endCxn id="35" idx="2"/>
+            </p:cNvCxnSpPr>
+            <p:nvPr/>
+          </p:nvCxnSpPr>
+          <p:spPr>
+            <a:xfrm>
+              <a:off x="5499492" y="4994302"/>
+              <a:ext cx="336450" cy="430919"/>
+            </a:xfrm>
+            <a:prstGeom prst="line">
+              <a:avLst/>
+            </a:prstGeom>
+          </p:spPr>
+          <p:style>
+            <a:lnRef idx="2">
+              <a:schemeClr val="accent6">
+                <a:shade val="15000"/>
+              </a:schemeClr>
+            </a:lnRef>
+            <a:fillRef idx="1">
+              <a:schemeClr val="accent6"/>
+            </a:fillRef>
+            <a:effectRef idx="0">
+              <a:schemeClr val="accent6"/>
+            </a:effectRef>
+            <a:fontRef idx="minor">
+              <a:schemeClr val="lt1"/>
+            </a:fontRef>
+          </p:style>
+        </p:cxnSp>
+        <p:cxnSp>
+          <p:nvCxnSpPr>
+            <p:cNvPr id="91" name="Straight Connector 90">
+              <a:extLst>
+                <a:ext uri="{FF2B5EF4-FFF2-40B4-BE49-F238E27FC236}">
+                  <a16:creationId xmlns:a16="http://schemas.microsoft.com/office/drawing/2014/main" id="{C9F89BA8-6BFE-902C-908B-C916C511F7DE}"/>
+                </a:ext>
+              </a:extLst>
+            </p:cNvPr>
+            <p:cNvCxnSpPr>
+              <a:cxnSpLocks/>
+              <a:stCxn id="32" idx="6"/>
+              <a:endCxn id="33" idx="2"/>
+            </p:cNvCxnSpPr>
+            <p:nvPr/>
+          </p:nvCxnSpPr>
+          <p:spPr>
+            <a:xfrm flipV="1">
+              <a:off x="5499492" y="4842677"/>
+              <a:ext cx="336450" cy="685025"/>
+            </a:xfrm>
+            <a:prstGeom prst="line">
+              <a:avLst/>
+            </a:prstGeom>
+          </p:spPr>
+          <p:style>
+            <a:lnRef idx="2">
+              <a:schemeClr val="accent6">
+                <a:shade val="15000"/>
+              </a:schemeClr>
+            </a:lnRef>
+            <a:fillRef idx="1">
+              <a:schemeClr val="accent6"/>
+            </a:fillRef>
+            <a:effectRef idx="0">
+              <a:schemeClr val="accent6"/>
+            </a:effectRef>
+            <a:fontRef idx="minor">
+              <a:schemeClr val="lt1"/>
+            </a:fontRef>
+          </p:style>
+        </p:cxnSp>
+        <p:cxnSp>
+          <p:nvCxnSpPr>
+            <p:cNvPr id="93" name="Straight Connector 92">
+              <a:extLst>
+                <a:ext uri="{FF2B5EF4-FFF2-40B4-BE49-F238E27FC236}">
+                  <a16:creationId xmlns:a16="http://schemas.microsoft.com/office/drawing/2014/main" id="{17A96BDC-9D99-CC10-2860-04713095AC4D}"/>
+                </a:ext>
+              </a:extLst>
+            </p:cNvPr>
+            <p:cNvCxnSpPr>
+              <a:cxnSpLocks/>
+              <a:stCxn id="32" idx="6"/>
+              <a:endCxn id="39" idx="1"/>
+            </p:cNvCxnSpPr>
+            <p:nvPr/>
+          </p:nvCxnSpPr>
+          <p:spPr>
+            <a:xfrm>
+              <a:off x="5499492" y="5527702"/>
+              <a:ext cx="358768" cy="443672"/>
+            </a:xfrm>
+            <a:prstGeom prst="line">
+              <a:avLst/>
+            </a:prstGeom>
+          </p:spPr>
+          <p:style>
+            <a:lnRef idx="2">
+              <a:schemeClr val="accent6">
+                <a:shade val="15000"/>
+              </a:schemeClr>
+            </a:lnRef>
+            <a:fillRef idx="1">
+              <a:schemeClr val="accent6"/>
+            </a:fillRef>
+            <a:effectRef idx="0">
+              <a:schemeClr val="accent6"/>
+            </a:effectRef>
+            <a:fontRef idx="minor">
+              <a:schemeClr val="lt1"/>
+            </a:fontRef>
+          </p:style>
+        </p:cxnSp>
+        <p:cxnSp>
+          <p:nvCxnSpPr>
+            <p:cNvPr id="95" name="Straight Connector 94">
+              <a:extLst>
+                <a:ext uri="{FF2B5EF4-FFF2-40B4-BE49-F238E27FC236}">
+                  <a16:creationId xmlns:a16="http://schemas.microsoft.com/office/drawing/2014/main" id="{19BB5CC4-BE17-7255-1985-26EB528A1D36}"/>
+                </a:ext>
+              </a:extLst>
+            </p:cNvPr>
+            <p:cNvCxnSpPr>
+              <a:cxnSpLocks/>
+              <a:stCxn id="38" idx="6"/>
+              <a:endCxn id="34" idx="2"/>
+            </p:cNvCxnSpPr>
+            <p:nvPr/>
+          </p:nvCxnSpPr>
+          <p:spPr>
+            <a:xfrm flipV="1">
+              <a:off x="5499492" y="5120421"/>
+              <a:ext cx="336450" cy="712081"/>
+            </a:xfrm>
+            <a:prstGeom prst="line">
+              <a:avLst/>
+            </a:prstGeom>
+          </p:spPr>
+          <p:style>
+            <a:lnRef idx="2">
+              <a:schemeClr val="accent6">
+                <a:shade val="15000"/>
+              </a:schemeClr>
+            </a:lnRef>
+            <a:fillRef idx="1">
+              <a:schemeClr val="accent6"/>
+            </a:fillRef>
+            <a:effectRef idx="0">
+              <a:schemeClr val="accent6"/>
+            </a:effectRef>
+            <a:fontRef idx="minor">
+              <a:schemeClr val="lt1"/>
+            </a:fontRef>
+          </p:style>
+        </p:cxnSp>
+        <p:sp>
+          <p:nvSpPr>
+            <p:cNvPr id="111" name="Oval 110">
+              <a:extLst>
+                <a:ext uri="{FF2B5EF4-FFF2-40B4-BE49-F238E27FC236}">
+                  <a16:creationId xmlns:a16="http://schemas.microsoft.com/office/drawing/2014/main" id="{C10DCC4D-0511-9D7B-4B0A-A858A308AB82}"/>
+                </a:ext>
+              </a:extLst>
+            </p:cNvPr>
+            <p:cNvSpPr/>
+            <p:nvPr/>
+          </p:nvSpPr>
+          <p:spPr>
+            <a:xfrm>
+              <a:off x="4410942" y="4599774"/>
+              <a:ext cx="152400" cy="179456"/>
+            </a:xfrm>
+            <a:prstGeom prst="ellipse">
+              <a:avLst/>
+            </a:prstGeom>
+          </p:spPr>
+          <p:style>
+            <a:lnRef idx="2">
+              <a:schemeClr val="accent6">
+                <a:shade val="15000"/>
+              </a:schemeClr>
+            </a:lnRef>
+            <a:fillRef idx="1">
+              <a:schemeClr val="accent6"/>
+            </a:fillRef>
+            <a:effectRef idx="0">
+              <a:schemeClr val="accent6"/>
+            </a:effectRef>
+            <a:fontRef idx="minor">
+              <a:schemeClr val="lt1"/>
+            </a:fontRef>
+          </p:style>
+          <p:txBody>
+            <a:bodyPr rtlCol="0" anchor="ctr"/>
+            <a:lstStyle/>
+            <a:p>
+              <a:pPr algn="ctr"/>
+              <a:endParaRPr lang="en-US"/>
+            </a:p>
+          </p:txBody>
+        </p:sp>
+        <p:sp>
+          <p:nvSpPr>
+            <p:cNvPr id="112" name="Oval 111">
+              <a:extLst>
+                <a:ext uri="{FF2B5EF4-FFF2-40B4-BE49-F238E27FC236}">
+                  <a16:creationId xmlns:a16="http://schemas.microsoft.com/office/drawing/2014/main" id="{04BC0327-C156-AC32-077B-ED75F583F19F}"/>
+                </a:ext>
+              </a:extLst>
+            </p:cNvPr>
+            <p:cNvSpPr/>
+            <p:nvPr/>
+          </p:nvSpPr>
+          <p:spPr>
+            <a:xfrm>
+              <a:off x="4410942" y="4855430"/>
+              <a:ext cx="152400" cy="179456"/>
+            </a:xfrm>
+            <a:prstGeom prst="ellipse">
+              <a:avLst/>
+            </a:prstGeom>
+          </p:spPr>
+          <p:style>
+            <a:lnRef idx="2">
+              <a:schemeClr val="accent6">
+                <a:shade val="15000"/>
+              </a:schemeClr>
+            </a:lnRef>
+            <a:fillRef idx="1">
+              <a:schemeClr val="accent6"/>
+            </a:fillRef>
+            <a:effectRef idx="0">
+              <a:schemeClr val="accent6"/>
+            </a:effectRef>
+            <a:fontRef idx="minor">
+              <a:schemeClr val="lt1"/>
+            </a:fontRef>
+          </p:style>
+          <p:txBody>
+            <a:bodyPr rtlCol="0" anchor="ctr"/>
+            <a:lstStyle/>
+            <a:p>
+              <a:pPr algn="ctr"/>
+              <a:endParaRPr lang="en-US"/>
+            </a:p>
+          </p:txBody>
+        </p:sp>
+        <p:sp>
+          <p:nvSpPr>
+            <p:cNvPr id="113" name="Oval 112">
+              <a:extLst>
+                <a:ext uri="{FF2B5EF4-FFF2-40B4-BE49-F238E27FC236}">
+                  <a16:creationId xmlns:a16="http://schemas.microsoft.com/office/drawing/2014/main" id="{D4E10286-BF8B-9F7E-CBB8-95A50FAABBAB}"/>
+                </a:ext>
+              </a:extLst>
+            </p:cNvPr>
+            <p:cNvSpPr/>
+            <p:nvPr/>
+          </p:nvSpPr>
+          <p:spPr>
+            <a:xfrm>
+              <a:off x="4410942" y="5133174"/>
+              <a:ext cx="152400" cy="179456"/>
+            </a:xfrm>
+            <a:prstGeom prst="ellipse">
+              <a:avLst/>
+            </a:prstGeom>
+          </p:spPr>
+          <p:style>
+            <a:lnRef idx="2">
+              <a:schemeClr val="accent6">
+                <a:shade val="15000"/>
+              </a:schemeClr>
+            </a:lnRef>
+            <a:fillRef idx="1">
+              <a:schemeClr val="accent6"/>
+            </a:fillRef>
+            <a:effectRef idx="0">
+              <a:schemeClr val="accent6"/>
+            </a:effectRef>
+            <a:fontRef idx="minor">
+              <a:schemeClr val="lt1"/>
+            </a:fontRef>
+          </p:style>
+          <p:txBody>
+            <a:bodyPr rtlCol="0" anchor="ctr"/>
+            <a:lstStyle/>
+            <a:p>
+              <a:pPr algn="ctr"/>
+              <a:endParaRPr lang="en-US"/>
+            </a:p>
+          </p:txBody>
+        </p:sp>
+        <p:sp>
+          <p:nvSpPr>
+            <p:cNvPr id="114" name="Oval 113">
+              <a:extLst>
+                <a:ext uri="{FF2B5EF4-FFF2-40B4-BE49-F238E27FC236}">
+                  <a16:creationId xmlns:a16="http://schemas.microsoft.com/office/drawing/2014/main" id="{ADE25434-178A-766D-2DE6-4D9C3CBD46C7}"/>
+                </a:ext>
+              </a:extLst>
+            </p:cNvPr>
+            <p:cNvSpPr/>
+            <p:nvPr/>
+          </p:nvSpPr>
+          <p:spPr>
+            <a:xfrm>
+              <a:off x="4410942" y="5437974"/>
+              <a:ext cx="152400" cy="179456"/>
+            </a:xfrm>
+            <a:prstGeom prst="ellipse">
+              <a:avLst/>
+            </a:prstGeom>
+          </p:spPr>
+          <p:style>
+            <a:lnRef idx="2">
+              <a:schemeClr val="accent6">
+                <a:shade val="15000"/>
+              </a:schemeClr>
+            </a:lnRef>
+            <a:fillRef idx="1">
+              <a:schemeClr val="accent6"/>
+            </a:fillRef>
+            <a:effectRef idx="0">
+              <a:schemeClr val="accent6"/>
+            </a:effectRef>
+            <a:fontRef idx="minor">
+              <a:schemeClr val="lt1"/>
+            </a:fontRef>
+          </p:style>
+          <p:txBody>
+            <a:bodyPr rtlCol="0" anchor="ctr"/>
+            <a:lstStyle/>
+            <a:p>
+              <a:pPr algn="ctr"/>
+              <a:endParaRPr lang="en-US"/>
+            </a:p>
+          </p:txBody>
+        </p:sp>
+        <p:sp>
+          <p:nvSpPr>
+            <p:cNvPr id="115" name="Oval 114">
+              <a:extLst>
+                <a:ext uri="{FF2B5EF4-FFF2-40B4-BE49-F238E27FC236}">
+                  <a16:creationId xmlns:a16="http://schemas.microsoft.com/office/drawing/2014/main" id="{3DE472A4-728E-2D31-3D2A-C24FFACE438B}"/>
+                </a:ext>
+              </a:extLst>
+            </p:cNvPr>
+            <p:cNvSpPr/>
+            <p:nvPr/>
+          </p:nvSpPr>
+          <p:spPr>
+            <a:xfrm>
+              <a:off x="4410942" y="5742774"/>
+              <a:ext cx="152400" cy="179456"/>
+            </a:xfrm>
+            <a:prstGeom prst="ellipse">
+              <a:avLst/>
+            </a:prstGeom>
+          </p:spPr>
+          <p:style>
+            <a:lnRef idx="2">
+              <a:schemeClr val="accent6">
+                <a:shade val="15000"/>
+              </a:schemeClr>
+            </a:lnRef>
+            <a:fillRef idx="1">
+              <a:schemeClr val="accent6"/>
+            </a:fillRef>
+            <a:effectRef idx="0">
+              <a:schemeClr val="accent6"/>
+            </a:effectRef>
+            <a:fontRef idx="minor">
+              <a:schemeClr val="lt1"/>
+            </a:fontRef>
+          </p:style>
+          <p:txBody>
+            <a:bodyPr rtlCol="0" anchor="ctr"/>
+            <a:lstStyle/>
+            <a:p>
+              <a:pPr algn="ctr"/>
+              <a:endParaRPr lang="en-US"/>
+            </a:p>
+          </p:txBody>
+        </p:sp>
+        <p:sp>
+          <p:nvSpPr>
+            <p:cNvPr id="116" name="Oval 115">
+              <a:extLst>
+                <a:ext uri="{FF2B5EF4-FFF2-40B4-BE49-F238E27FC236}">
+                  <a16:creationId xmlns:a16="http://schemas.microsoft.com/office/drawing/2014/main" id="{C47324E1-9CB0-9CEE-559E-2D431F74E744}"/>
+                </a:ext>
+              </a:extLst>
+            </p:cNvPr>
+            <p:cNvSpPr/>
+            <p:nvPr/>
+          </p:nvSpPr>
+          <p:spPr>
+            <a:xfrm>
+              <a:off x="4419600" y="6068944"/>
+              <a:ext cx="152400" cy="179456"/>
+            </a:xfrm>
+            <a:prstGeom prst="ellipse">
+              <a:avLst/>
+            </a:prstGeom>
+          </p:spPr>
+          <p:style>
+            <a:lnRef idx="2">
+              <a:schemeClr val="accent6">
+                <a:shade val="15000"/>
+              </a:schemeClr>
+            </a:lnRef>
+            <a:fillRef idx="1">
+              <a:schemeClr val="accent6"/>
+            </a:fillRef>
+            <a:effectRef idx="0">
+              <a:schemeClr val="accent6"/>
+            </a:effectRef>
+            <a:fontRef idx="minor">
+              <a:schemeClr val="lt1"/>
+            </a:fontRef>
+          </p:style>
+          <p:txBody>
+            <a:bodyPr rtlCol="0" anchor="ctr"/>
+            <a:lstStyle/>
+            <a:p>
+              <a:pPr algn="ctr"/>
+              <a:endParaRPr lang="en-US"/>
+            </a:p>
+          </p:txBody>
+        </p:sp>
+        <p:cxnSp>
+          <p:nvCxnSpPr>
+            <p:cNvPr id="145" name="Straight Connector 144">
+              <a:extLst>
+                <a:ext uri="{FF2B5EF4-FFF2-40B4-BE49-F238E27FC236}">
+                  <a16:creationId xmlns:a16="http://schemas.microsoft.com/office/drawing/2014/main" id="{E77B832A-2D0D-C2BD-6C39-7E635D7CCA65}"/>
+                </a:ext>
+              </a:extLst>
+            </p:cNvPr>
+            <p:cNvCxnSpPr>
+              <a:cxnSpLocks/>
+              <a:stCxn id="111" idx="6"/>
+              <a:endCxn id="26" idx="2"/>
+            </p:cNvCxnSpPr>
+            <p:nvPr/>
+          </p:nvCxnSpPr>
+          <p:spPr>
+            <a:xfrm>
+              <a:off x="4563342" y="4689502"/>
+              <a:ext cx="326550" cy="152400"/>
+            </a:xfrm>
+            <a:prstGeom prst="line">
+              <a:avLst/>
+            </a:prstGeom>
+          </p:spPr>
+          <p:style>
+            <a:lnRef idx="2">
+              <a:schemeClr val="accent6">
+                <a:shade val="15000"/>
+              </a:schemeClr>
+            </a:lnRef>
+            <a:fillRef idx="1">
+              <a:schemeClr val="accent6"/>
+            </a:fillRef>
+            <a:effectRef idx="0">
+              <a:schemeClr val="accent6"/>
+            </a:effectRef>
+            <a:fontRef idx="minor">
+              <a:schemeClr val="lt1"/>
+            </a:fontRef>
+          </p:style>
+        </p:cxnSp>
+        <p:cxnSp>
+          <p:nvCxnSpPr>
+            <p:cNvPr id="146" name="Straight Connector 145">
+              <a:extLst>
+                <a:ext uri="{FF2B5EF4-FFF2-40B4-BE49-F238E27FC236}">
+                  <a16:creationId xmlns:a16="http://schemas.microsoft.com/office/drawing/2014/main" id="{B0A83919-CAE2-DA56-5674-15363AB9D2E6}"/>
+                </a:ext>
+              </a:extLst>
+            </p:cNvPr>
+            <p:cNvCxnSpPr>
+              <a:cxnSpLocks/>
+              <a:stCxn id="112" idx="6"/>
+              <a:endCxn id="27" idx="2"/>
+            </p:cNvCxnSpPr>
+            <p:nvPr/>
+          </p:nvCxnSpPr>
+          <p:spPr>
+            <a:xfrm>
+              <a:off x="4563342" y="4945158"/>
+              <a:ext cx="326550" cy="152400"/>
+            </a:xfrm>
+            <a:prstGeom prst="line">
+              <a:avLst/>
+            </a:prstGeom>
+          </p:spPr>
+          <p:style>
+            <a:lnRef idx="2">
+              <a:schemeClr val="accent6">
+                <a:shade val="15000"/>
+              </a:schemeClr>
+            </a:lnRef>
+            <a:fillRef idx="1">
+              <a:schemeClr val="accent6"/>
+            </a:fillRef>
+            <a:effectRef idx="0">
+              <a:schemeClr val="accent6"/>
+            </a:effectRef>
+            <a:fontRef idx="minor">
+              <a:schemeClr val="lt1"/>
+            </a:fontRef>
+          </p:style>
+        </p:cxnSp>
+        <p:cxnSp>
+          <p:nvCxnSpPr>
+            <p:cNvPr id="147" name="Straight Connector 146">
+              <a:extLst>
+                <a:ext uri="{FF2B5EF4-FFF2-40B4-BE49-F238E27FC236}">
+                  <a16:creationId xmlns:a16="http://schemas.microsoft.com/office/drawing/2014/main" id="{35FAA2D4-1425-2D3C-B243-FCDAF49F4FC6}"/>
+                </a:ext>
+              </a:extLst>
+            </p:cNvPr>
+            <p:cNvCxnSpPr>
+              <a:cxnSpLocks/>
+              <a:stCxn id="113" idx="6"/>
+              <a:endCxn id="28" idx="2"/>
+            </p:cNvCxnSpPr>
+            <p:nvPr/>
+          </p:nvCxnSpPr>
+          <p:spPr>
+            <a:xfrm>
+              <a:off x="4563342" y="5222902"/>
+              <a:ext cx="326550" cy="152400"/>
+            </a:xfrm>
+            <a:prstGeom prst="line">
+              <a:avLst/>
+            </a:prstGeom>
+          </p:spPr>
+          <p:style>
+            <a:lnRef idx="2">
+              <a:schemeClr val="accent6">
+                <a:shade val="15000"/>
+              </a:schemeClr>
+            </a:lnRef>
+            <a:fillRef idx="1">
+              <a:schemeClr val="accent6"/>
+            </a:fillRef>
+            <a:effectRef idx="0">
+              <a:schemeClr val="accent6"/>
+            </a:effectRef>
+            <a:fontRef idx="minor">
+              <a:schemeClr val="lt1"/>
+            </a:fontRef>
+          </p:style>
+        </p:cxnSp>
+        <p:cxnSp>
+          <p:nvCxnSpPr>
+            <p:cNvPr id="148" name="Straight Connector 147">
+              <a:extLst>
+                <a:ext uri="{FF2B5EF4-FFF2-40B4-BE49-F238E27FC236}">
+                  <a16:creationId xmlns:a16="http://schemas.microsoft.com/office/drawing/2014/main" id="{1609BAA6-23C0-AF4C-EC18-7B0A71D18708}"/>
+                </a:ext>
+              </a:extLst>
+            </p:cNvPr>
+            <p:cNvCxnSpPr>
+              <a:cxnSpLocks/>
+              <a:stCxn id="114" idx="6"/>
+              <a:endCxn id="29" idx="2"/>
+            </p:cNvCxnSpPr>
+            <p:nvPr/>
+          </p:nvCxnSpPr>
+          <p:spPr>
+            <a:xfrm>
+              <a:off x="4563342" y="5527702"/>
+              <a:ext cx="326550" cy="152400"/>
+            </a:xfrm>
+            <a:prstGeom prst="line">
+              <a:avLst/>
+            </a:prstGeom>
+          </p:spPr>
+          <p:style>
+            <a:lnRef idx="2">
+              <a:schemeClr val="accent6">
+                <a:shade val="15000"/>
+              </a:schemeClr>
+            </a:lnRef>
+            <a:fillRef idx="1">
+              <a:schemeClr val="accent6"/>
+            </a:fillRef>
+            <a:effectRef idx="0">
+              <a:schemeClr val="accent6"/>
+            </a:effectRef>
+            <a:fontRef idx="minor">
+              <a:schemeClr val="lt1"/>
+            </a:fontRef>
+          </p:style>
+        </p:cxnSp>
+        <p:cxnSp>
+          <p:nvCxnSpPr>
+            <p:cNvPr id="149" name="Straight Connector 148">
+              <a:extLst>
+                <a:ext uri="{FF2B5EF4-FFF2-40B4-BE49-F238E27FC236}">
+                  <a16:creationId xmlns:a16="http://schemas.microsoft.com/office/drawing/2014/main" id="{C65A7D68-073B-3EB6-D491-6B0FB719126D}"/>
+                </a:ext>
+              </a:extLst>
+            </p:cNvPr>
+            <p:cNvCxnSpPr>
+              <a:cxnSpLocks/>
+              <a:stCxn id="115" idx="6"/>
+              <a:endCxn id="37" idx="2"/>
+            </p:cNvCxnSpPr>
+            <p:nvPr/>
+          </p:nvCxnSpPr>
+          <p:spPr>
+            <a:xfrm>
+              <a:off x="4563342" y="5832502"/>
+              <a:ext cx="326550" cy="152400"/>
+            </a:xfrm>
+            <a:prstGeom prst="line">
+              <a:avLst/>
+            </a:prstGeom>
+          </p:spPr>
+          <p:style>
+            <a:lnRef idx="2">
+              <a:schemeClr val="accent6">
+                <a:shade val="15000"/>
+              </a:schemeClr>
+            </a:lnRef>
+            <a:fillRef idx="1">
+              <a:schemeClr val="accent6"/>
+            </a:fillRef>
+            <a:effectRef idx="0">
+              <a:schemeClr val="accent6"/>
+            </a:effectRef>
+            <a:fontRef idx="minor">
+              <a:schemeClr val="lt1"/>
+            </a:fontRef>
+          </p:style>
+        </p:cxnSp>
+        <p:cxnSp>
+          <p:nvCxnSpPr>
+            <p:cNvPr id="150" name="Straight Connector 149">
+              <a:extLst>
+                <a:ext uri="{FF2B5EF4-FFF2-40B4-BE49-F238E27FC236}">
+                  <a16:creationId xmlns:a16="http://schemas.microsoft.com/office/drawing/2014/main" id="{14173032-4FE4-3E3B-5528-9241D69129ED}"/>
+                </a:ext>
+              </a:extLst>
+            </p:cNvPr>
+            <p:cNvCxnSpPr>
+              <a:cxnSpLocks/>
+              <a:stCxn id="116" idx="6"/>
+              <a:endCxn id="37" idx="2"/>
+            </p:cNvCxnSpPr>
+            <p:nvPr/>
+          </p:nvCxnSpPr>
+          <p:spPr>
+            <a:xfrm flipV="1">
+              <a:off x="4572000" y="5984902"/>
+              <a:ext cx="317892" cy="173770"/>
+            </a:xfrm>
+            <a:prstGeom prst="line">
+              <a:avLst/>
+            </a:prstGeom>
+          </p:spPr>
+          <p:style>
+            <a:lnRef idx="2">
+              <a:schemeClr val="accent6">
+                <a:shade val="15000"/>
+              </a:schemeClr>
+            </a:lnRef>
+            <a:fillRef idx="1">
+              <a:schemeClr val="accent6"/>
+            </a:fillRef>
+            <a:effectRef idx="0">
+              <a:schemeClr val="accent6"/>
+            </a:effectRef>
+            <a:fontRef idx="minor">
+              <a:schemeClr val="lt1"/>
+            </a:fontRef>
+          </p:style>
+        </p:cxnSp>
+        <p:cxnSp>
+          <p:nvCxnSpPr>
+            <p:cNvPr id="163" name="Straight Connector 162">
+              <a:extLst>
+                <a:ext uri="{FF2B5EF4-FFF2-40B4-BE49-F238E27FC236}">
+                  <a16:creationId xmlns:a16="http://schemas.microsoft.com/office/drawing/2014/main" id="{44B07F69-4700-1F74-A113-9AD96EF9019A}"/>
+                </a:ext>
+              </a:extLst>
+            </p:cNvPr>
+            <p:cNvCxnSpPr>
+              <a:cxnSpLocks/>
+              <a:stCxn id="115" idx="6"/>
+              <a:endCxn id="29" idx="2"/>
+            </p:cNvCxnSpPr>
+            <p:nvPr/>
+          </p:nvCxnSpPr>
+          <p:spPr>
+            <a:xfrm flipV="1">
+              <a:off x="4563342" y="5680102"/>
+              <a:ext cx="326550" cy="152400"/>
+            </a:xfrm>
+            <a:prstGeom prst="line">
+              <a:avLst/>
+            </a:prstGeom>
+          </p:spPr>
+          <p:style>
+            <a:lnRef idx="2">
+              <a:schemeClr val="accent6">
+                <a:shade val="15000"/>
+              </a:schemeClr>
+            </a:lnRef>
+            <a:fillRef idx="1">
+              <a:schemeClr val="accent6"/>
+            </a:fillRef>
+            <a:effectRef idx="0">
+              <a:schemeClr val="accent6"/>
+            </a:effectRef>
+            <a:fontRef idx="minor">
+              <a:schemeClr val="lt1"/>
+            </a:fontRef>
+          </p:style>
+        </p:cxnSp>
+        <p:cxnSp>
+          <p:nvCxnSpPr>
+            <p:cNvPr id="164" name="Straight Connector 163">
+              <a:extLst>
+                <a:ext uri="{FF2B5EF4-FFF2-40B4-BE49-F238E27FC236}">
+                  <a16:creationId xmlns:a16="http://schemas.microsoft.com/office/drawing/2014/main" id="{4B2CF9F2-ADB9-1BCD-8E8E-5A8F1CED39F1}"/>
+                </a:ext>
+              </a:extLst>
+            </p:cNvPr>
+            <p:cNvCxnSpPr>
+              <a:cxnSpLocks/>
+              <a:stCxn id="113" idx="6"/>
+              <a:endCxn id="27" idx="2"/>
+            </p:cNvCxnSpPr>
+            <p:nvPr/>
+          </p:nvCxnSpPr>
+          <p:spPr>
+            <a:xfrm flipV="1">
+              <a:off x="4563342" y="5097558"/>
+              <a:ext cx="326550" cy="125344"/>
+            </a:xfrm>
+            <a:prstGeom prst="line">
+              <a:avLst/>
+            </a:prstGeom>
+          </p:spPr>
+          <p:style>
+            <a:lnRef idx="2">
+              <a:schemeClr val="accent6">
+                <a:shade val="15000"/>
+              </a:schemeClr>
+            </a:lnRef>
+            <a:fillRef idx="1">
+              <a:schemeClr val="accent6"/>
+            </a:fillRef>
+            <a:effectRef idx="0">
+              <a:schemeClr val="accent6"/>
+            </a:effectRef>
+            <a:fontRef idx="minor">
+              <a:schemeClr val="lt1"/>
+            </a:fontRef>
+          </p:style>
+        </p:cxnSp>
+        <p:cxnSp>
+          <p:nvCxnSpPr>
+            <p:cNvPr id="165" name="Straight Connector 164">
+              <a:extLst>
+                <a:ext uri="{FF2B5EF4-FFF2-40B4-BE49-F238E27FC236}">
+                  <a16:creationId xmlns:a16="http://schemas.microsoft.com/office/drawing/2014/main" id="{533EC859-D0AA-998E-6E31-65A1ABD2FEF5}"/>
+                </a:ext>
+              </a:extLst>
+            </p:cNvPr>
+            <p:cNvCxnSpPr>
+              <a:cxnSpLocks/>
+              <a:stCxn id="112" idx="6"/>
+              <a:endCxn id="26" idx="2"/>
+            </p:cNvCxnSpPr>
+            <p:nvPr/>
+          </p:nvCxnSpPr>
+          <p:spPr>
+            <a:xfrm flipV="1">
+              <a:off x="4563342" y="4841902"/>
+              <a:ext cx="326550" cy="103256"/>
+            </a:xfrm>
+            <a:prstGeom prst="line">
+              <a:avLst/>
+            </a:prstGeom>
+          </p:spPr>
+          <p:style>
+            <a:lnRef idx="2">
+              <a:schemeClr val="accent6">
+                <a:shade val="15000"/>
+              </a:schemeClr>
+            </a:lnRef>
+            <a:fillRef idx="1">
+              <a:schemeClr val="accent6"/>
+            </a:fillRef>
+            <a:effectRef idx="0">
+              <a:schemeClr val="accent6"/>
+            </a:effectRef>
+            <a:fontRef idx="minor">
+              <a:schemeClr val="lt1"/>
+            </a:fontRef>
+          </p:style>
+        </p:cxnSp>
+        <p:cxnSp>
+          <p:nvCxnSpPr>
+            <p:cNvPr id="172" name="Straight Connector 171">
+              <a:extLst>
+                <a:ext uri="{FF2B5EF4-FFF2-40B4-BE49-F238E27FC236}">
+                  <a16:creationId xmlns:a16="http://schemas.microsoft.com/office/drawing/2014/main" id="{96D7EA12-6548-BC55-AF96-D2AED5005AF2}"/>
+                </a:ext>
+              </a:extLst>
+            </p:cNvPr>
+            <p:cNvCxnSpPr>
+              <a:cxnSpLocks/>
+              <a:stCxn id="114" idx="6"/>
+              <a:endCxn id="37" idx="2"/>
+            </p:cNvCxnSpPr>
+            <p:nvPr/>
+          </p:nvCxnSpPr>
+          <p:spPr>
+            <a:xfrm>
+              <a:off x="4563342" y="5527702"/>
+              <a:ext cx="326550" cy="457200"/>
+            </a:xfrm>
+            <a:prstGeom prst="line">
+              <a:avLst/>
+            </a:prstGeom>
+          </p:spPr>
+          <p:style>
+            <a:lnRef idx="2">
+              <a:schemeClr val="accent6">
+                <a:shade val="15000"/>
+              </a:schemeClr>
+            </a:lnRef>
+            <a:fillRef idx="1">
+              <a:schemeClr val="accent6"/>
+            </a:fillRef>
+            <a:effectRef idx="0">
+              <a:schemeClr val="accent6"/>
+            </a:effectRef>
+            <a:fontRef idx="minor">
+              <a:schemeClr val="lt1"/>
+            </a:fontRef>
+          </p:style>
+        </p:cxnSp>
+        <p:cxnSp>
+          <p:nvCxnSpPr>
+            <p:cNvPr id="175" name="Straight Connector 174">
+              <a:extLst>
+                <a:ext uri="{FF2B5EF4-FFF2-40B4-BE49-F238E27FC236}">
+                  <a16:creationId xmlns:a16="http://schemas.microsoft.com/office/drawing/2014/main" id="{1F3FEE69-F73C-8668-422D-C10AE1AF7B33}"/>
+                </a:ext>
+              </a:extLst>
+            </p:cNvPr>
+            <p:cNvCxnSpPr>
+              <a:cxnSpLocks/>
+              <a:stCxn id="112" idx="6"/>
+              <a:endCxn id="29" idx="2"/>
+            </p:cNvCxnSpPr>
+            <p:nvPr/>
+          </p:nvCxnSpPr>
+          <p:spPr>
+            <a:xfrm>
+              <a:off x="4563342" y="4945158"/>
+              <a:ext cx="326550" cy="734944"/>
+            </a:xfrm>
+            <a:prstGeom prst="line">
+              <a:avLst/>
+            </a:prstGeom>
+          </p:spPr>
+          <p:style>
+            <a:lnRef idx="2">
+              <a:schemeClr val="accent6">
+                <a:shade val="15000"/>
+              </a:schemeClr>
+            </a:lnRef>
+            <a:fillRef idx="1">
+              <a:schemeClr val="accent6"/>
+            </a:fillRef>
+            <a:effectRef idx="0">
+              <a:schemeClr val="accent6"/>
+            </a:effectRef>
+            <a:fontRef idx="minor">
+              <a:schemeClr val="lt1"/>
+            </a:fontRef>
+          </p:style>
+        </p:cxnSp>
+        <p:cxnSp>
+          <p:nvCxnSpPr>
+            <p:cNvPr id="178" name="Straight Connector 177">
+              <a:extLst>
+                <a:ext uri="{FF2B5EF4-FFF2-40B4-BE49-F238E27FC236}">
+                  <a16:creationId xmlns:a16="http://schemas.microsoft.com/office/drawing/2014/main" id="{58B1E627-5652-BE9E-808C-2E35761FF2B3}"/>
+                </a:ext>
+              </a:extLst>
+            </p:cNvPr>
+            <p:cNvCxnSpPr>
+              <a:cxnSpLocks/>
+              <a:stCxn id="114" idx="6"/>
+              <a:endCxn id="26" idx="2"/>
+            </p:cNvCxnSpPr>
+            <p:nvPr/>
+          </p:nvCxnSpPr>
+          <p:spPr>
+            <a:xfrm flipV="1">
+              <a:off x="4563342" y="4841902"/>
+              <a:ext cx="326550" cy="685800"/>
+            </a:xfrm>
+            <a:prstGeom prst="line">
+              <a:avLst/>
+            </a:prstGeom>
+          </p:spPr>
+          <p:style>
+            <a:lnRef idx="2">
+              <a:schemeClr val="accent6">
+                <a:shade val="15000"/>
+              </a:schemeClr>
+            </a:lnRef>
+            <a:fillRef idx="1">
+              <a:schemeClr val="accent6"/>
+            </a:fillRef>
+            <a:effectRef idx="0">
+              <a:schemeClr val="accent6"/>
+            </a:effectRef>
+            <a:fontRef idx="minor">
+              <a:schemeClr val="lt1"/>
+            </a:fontRef>
+          </p:style>
+        </p:cxnSp>
+        <p:cxnSp>
+          <p:nvCxnSpPr>
+            <p:cNvPr id="181" name="Straight Connector 180">
+              <a:extLst>
+                <a:ext uri="{FF2B5EF4-FFF2-40B4-BE49-F238E27FC236}">
+                  <a16:creationId xmlns:a16="http://schemas.microsoft.com/office/drawing/2014/main" id="{9AC8B26F-D949-A74B-8F73-1A16923E0FA1}"/>
+                </a:ext>
+              </a:extLst>
+            </p:cNvPr>
+            <p:cNvCxnSpPr>
+              <a:cxnSpLocks/>
+              <a:stCxn id="116" idx="6"/>
+              <a:endCxn id="29" idx="2"/>
+            </p:cNvCxnSpPr>
+            <p:nvPr/>
+          </p:nvCxnSpPr>
+          <p:spPr>
+            <a:xfrm flipV="1">
+              <a:off x="4572000" y="5680102"/>
+              <a:ext cx="317892" cy="478570"/>
+            </a:xfrm>
+            <a:prstGeom prst="line">
+              <a:avLst/>
+            </a:prstGeom>
+          </p:spPr>
+          <p:style>
+            <a:lnRef idx="2">
+              <a:schemeClr val="accent6">
+                <a:shade val="15000"/>
+              </a:schemeClr>
+            </a:lnRef>
+            <a:fillRef idx="1">
+              <a:schemeClr val="accent6"/>
+            </a:fillRef>
+            <a:effectRef idx="0">
+              <a:schemeClr val="accent6"/>
+            </a:effectRef>
+            <a:fontRef idx="minor">
+              <a:schemeClr val="lt1"/>
+            </a:fontRef>
+          </p:style>
+        </p:cxnSp>
+        <p:cxnSp>
+          <p:nvCxnSpPr>
+            <p:cNvPr id="184" name="Straight Connector 183">
+              <a:extLst>
+                <a:ext uri="{FF2B5EF4-FFF2-40B4-BE49-F238E27FC236}">
+                  <a16:creationId xmlns:a16="http://schemas.microsoft.com/office/drawing/2014/main" id="{DCFFB572-2A5B-3E14-D403-71B87449E622}"/>
+                </a:ext>
+              </a:extLst>
+            </p:cNvPr>
+            <p:cNvCxnSpPr>
+              <a:cxnSpLocks/>
+              <a:stCxn id="115" idx="6"/>
+              <a:endCxn id="28" idx="2"/>
+            </p:cNvCxnSpPr>
+            <p:nvPr/>
+          </p:nvCxnSpPr>
+          <p:spPr>
+            <a:xfrm flipV="1">
+              <a:off x="4563342" y="5375302"/>
+              <a:ext cx="326550" cy="457200"/>
+            </a:xfrm>
+            <a:prstGeom prst="line">
+              <a:avLst/>
+            </a:prstGeom>
+          </p:spPr>
+          <p:style>
+            <a:lnRef idx="2">
+              <a:schemeClr val="accent6">
+                <a:shade val="15000"/>
+              </a:schemeClr>
+            </a:lnRef>
+            <a:fillRef idx="1">
+              <a:schemeClr val="accent6"/>
+            </a:fillRef>
+            <a:effectRef idx="0">
+              <a:schemeClr val="accent6"/>
+            </a:effectRef>
+            <a:fontRef idx="minor">
+              <a:schemeClr val="lt1"/>
+            </a:fontRef>
+          </p:style>
+        </p:cxnSp>
+      </p:grpSp>
+      <p:grpSp>
+        <p:nvGrpSpPr>
+          <p:cNvPr id="190" name="Group 189">
+            <a:extLst>
+              <a:ext uri="{FF2B5EF4-FFF2-40B4-BE49-F238E27FC236}">
+                <a16:creationId xmlns:a16="http://schemas.microsoft.com/office/drawing/2014/main" id="{B74DAAE3-EE9A-77B1-B476-709FCDB0DA6C}"/>
+              </a:ext>
+            </a:extLst>
+          </p:cNvPr>
+          <p:cNvGrpSpPr/>
+          <p:nvPr/>
+        </p:nvGrpSpPr>
+        <p:grpSpPr>
+          <a:xfrm>
+            <a:off x="5167199" y="280356"/>
+            <a:ext cx="6809382" cy="2895998"/>
+            <a:chOff x="6934915" y="1470919"/>
+            <a:chExt cx="6809382" cy="2895998"/>
+          </a:xfrm>
+        </p:grpSpPr>
+        <p:sp>
+          <p:nvSpPr>
+            <p:cNvPr id="189" name="Rectangle 188">
+              <a:extLst>
+                <a:ext uri="{FF2B5EF4-FFF2-40B4-BE49-F238E27FC236}">
+                  <a16:creationId xmlns:a16="http://schemas.microsoft.com/office/drawing/2014/main" id="{AC5424B3-B894-F884-C2A4-0188E3F77CF1}"/>
+                </a:ext>
+              </a:extLst>
+            </p:cNvPr>
+            <p:cNvSpPr/>
+            <p:nvPr/>
+          </p:nvSpPr>
+          <p:spPr>
+            <a:xfrm>
+              <a:off x="6934915" y="1470919"/>
+              <a:ext cx="6809382" cy="2895998"/>
+            </a:xfrm>
+            <a:prstGeom prst="rect">
+              <a:avLst/>
+            </a:prstGeom>
+          </p:spPr>
+          <p:style>
+            <a:lnRef idx="2">
+              <a:schemeClr val="accent2"/>
+            </a:lnRef>
+            <a:fillRef idx="1">
+              <a:schemeClr val="lt1"/>
+            </a:fillRef>
+            <a:effectRef idx="0">
+              <a:schemeClr val="accent2"/>
+            </a:effectRef>
+            <a:fontRef idx="minor">
+              <a:schemeClr val="dk1"/>
+            </a:fontRef>
+          </p:style>
+          <p:txBody>
+            <a:bodyPr rtlCol="0" anchor="ctr"/>
+            <a:lstStyle/>
+            <a:p>
+              <a:pPr algn="ctr"/>
+              <a:endParaRPr lang="en-US"/>
+            </a:p>
+          </p:txBody>
+        </p:sp>
+        <p:pic>
+          <p:nvPicPr>
+            <p:cNvPr id="188" name="Picture 187">
+              <a:extLst>
+                <a:ext uri="{FF2B5EF4-FFF2-40B4-BE49-F238E27FC236}">
+                  <a16:creationId xmlns:a16="http://schemas.microsoft.com/office/drawing/2014/main" id="{6CA99177-D5BE-FCEA-AE52-C9B895C57636}"/>
+                </a:ext>
+              </a:extLst>
+            </p:cNvPr>
+            <p:cNvPicPr>
+              <a:picLocks noChangeAspect="1"/>
+            </p:cNvPicPr>
+            <p:nvPr/>
+          </p:nvPicPr>
+          <p:blipFill rotWithShape="1">
+            <a:blip r:embed="rId5"/>
+            <a:srcRect r="2964" b="6008"/>
+            <a:stretch/>
+          </p:blipFill>
+          <p:spPr>
+            <a:xfrm>
+              <a:off x="7021489" y="1608692"/>
+              <a:ext cx="6617315" cy="2548030"/>
+            </a:xfrm>
+            <a:prstGeom prst="rect">
+              <a:avLst/>
+            </a:prstGeom>
+          </p:spPr>
+        </p:pic>
+      </p:grpSp>
+      <p:sp>
+        <p:nvSpPr>
+          <p:cNvPr id="191" name="Rectangle 190">
+            <a:extLst>
+              <a:ext uri="{FF2B5EF4-FFF2-40B4-BE49-F238E27FC236}">
+                <a16:creationId xmlns:a16="http://schemas.microsoft.com/office/drawing/2014/main" id="{294667CD-5912-6F20-AA27-018B5AB28F84}"/>
+              </a:ext>
+            </a:extLst>
+          </p:cNvPr>
+          <p:cNvSpPr/>
+          <p:nvPr/>
+        </p:nvSpPr>
+        <p:spPr>
+          <a:xfrm>
+            <a:off x="10808461" y="2192434"/>
+            <a:ext cx="621539" cy="240012"/>
+          </a:xfrm>
+          <a:prstGeom prst="rect">
+            <a:avLst/>
+          </a:prstGeom>
+          <a:noFill/>
+          <a:ln w="28575">
+            <a:solidFill>
+              <a:schemeClr val="accent6"/>
+            </a:solidFill>
+          </a:ln>
+        </p:spPr>
+        <p:style>
+          <a:lnRef idx="2">
+            <a:schemeClr val="accent1">
+              <a:shade val="15000"/>
+            </a:schemeClr>
+          </a:lnRef>
+          <a:fillRef idx="1">
+            <a:schemeClr val="accent1"/>
+          </a:fillRef>
+          <a:effectRef idx="0">
+            <a:schemeClr val="accent1"/>
+          </a:effectRef>
+          <a:fontRef idx="minor">
+            <a:schemeClr val="lt1"/>
+          </a:fontRef>
+        </p:style>
+        <p:txBody>
+          <a:bodyPr rtlCol="0" anchor="ctr"/>
+          <a:lstStyle/>
+          <a:p>
+            <a:pPr algn="ctr"/>
+            <a:endParaRPr lang="en-US"/>
+          </a:p>
+        </p:txBody>
+      </p:sp>
+      <p:sp>
+        <p:nvSpPr>
+          <p:cNvPr id="192" name="Right Brace 191">
+            <a:extLst>
+              <a:ext uri="{FF2B5EF4-FFF2-40B4-BE49-F238E27FC236}">
+                <a16:creationId xmlns:a16="http://schemas.microsoft.com/office/drawing/2014/main" id="{CF49E2AF-5889-16D1-A24E-24DE87EDB3B8}"/>
+              </a:ext>
+            </a:extLst>
+          </p:cNvPr>
+          <p:cNvSpPr/>
+          <p:nvPr/>
+        </p:nvSpPr>
+        <p:spPr>
+          <a:xfrm>
+            <a:off x="3741891" y="1303176"/>
+            <a:ext cx="70612" cy="628973"/>
+          </a:xfrm>
+          <a:prstGeom prst="rightBrace">
+            <a:avLst/>
+          </a:prstGeom>
+        </p:spPr>
+        <p:style>
+          <a:lnRef idx="3">
+            <a:schemeClr val="accent6"/>
+          </a:lnRef>
+          <a:fillRef idx="0">
+            <a:schemeClr val="accent6"/>
+          </a:fillRef>
+          <a:effectRef idx="2">
+            <a:schemeClr val="accent6"/>
+          </a:effectRef>
+          <a:fontRef idx="minor">
+            <a:schemeClr val="tx1"/>
+          </a:fontRef>
+        </p:style>
+        <p:txBody>
+          <a:bodyPr rtlCol="0" anchor="ctr"/>
+          <a:lstStyle/>
+          <a:p>
+            <a:pPr algn="ctr"/>
+            <a:endParaRPr lang="en-US"/>
+          </a:p>
+        </p:txBody>
+      </p:sp>
+      <p:sp>
+        <p:nvSpPr>
+          <p:cNvPr id="193" name="Arrow: Right 192">
+            <a:extLst>
+              <a:ext uri="{FF2B5EF4-FFF2-40B4-BE49-F238E27FC236}">
+                <a16:creationId xmlns:a16="http://schemas.microsoft.com/office/drawing/2014/main" id="{8E65D35A-1ECF-0E2C-A4A5-5890724A7E58}"/>
+              </a:ext>
+            </a:extLst>
+          </p:cNvPr>
+          <p:cNvSpPr/>
+          <p:nvPr/>
+        </p:nvSpPr>
+        <p:spPr>
+          <a:xfrm>
+            <a:off x="1442560" y="4430327"/>
+            <a:ext cx="425911" cy="533400"/>
+          </a:xfrm>
+          <a:prstGeom prst="rightArrow">
+            <a:avLst/>
+          </a:prstGeom>
+        </p:spPr>
+        <p:style>
+          <a:lnRef idx="3">
+            <a:schemeClr val="lt1"/>
+          </a:lnRef>
+          <a:fillRef idx="1">
+            <a:schemeClr val="accent6"/>
+          </a:fillRef>
+          <a:effectRef idx="1">
+            <a:schemeClr val="accent6"/>
+          </a:effectRef>
+          <a:fontRef idx="minor">
+            <a:schemeClr val="lt1"/>
+          </a:fontRef>
+        </p:style>
+        <p:txBody>
+          <a:bodyPr rtlCol="0" anchor="ctr"/>
+          <a:lstStyle/>
+          <a:p>
+            <a:pPr algn="ctr"/>
+            <a:endParaRPr lang="en-US"/>
+          </a:p>
+        </p:txBody>
+      </p:sp>
+      <mc:AlternateContent xmlns:mc="http://schemas.openxmlformats.org/markup-compatibility/2006">
+        <mc:Choice xmlns:a14="http://schemas.microsoft.com/office/drawing/2010/main" Requires="a14">
+          <p:sp>
+            <p:nvSpPr>
+              <p:cNvPr id="194" name="TextBox 193">
+                <a:extLst>
+                  <a:ext uri="{FF2B5EF4-FFF2-40B4-BE49-F238E27FC236}">
+                    <a16:creationId xmlns:a16="http://schemas.microsoft.com/office/drawing/2014/main" id="{5FAAFD66-2140-E45A-471D-39F874312E32}"/>
+                  </a:ext>
+                </a:extLst>
+              </p:cNvPr>
+              <p:cNvSpPr txBox="1"/>
+              <p:nvPr/>
+            </p:nvSpPr>
+            <p:spPr>
+              <a:xfrm>
+                <a:off x="1129787" y="4514865"/>
+                <a:ext cx="349711" cy="369332"/>
+              </a:xfrm>
+              <a:prstGeom prst="rect">
+                <a:avLst/>
+              </a:prstGeom>
+              <a:noFill/>
+            </p:spPr>
+            <p:txBody>
+              <a:bodyPr wrap="none" rtlCol="0">
+                <a:spAutoFit/>
+              </a:bodyPr>
+              <a:lstStyle/>
+              <a:p>
+                <a14:m>
+                  <m:oMathPara xmlns:m="http://schemas.openxmlformats.org/officeDocument/2006/math">
+                    <m:oMathParaPr>
+                      <m:jc m:val="centerGroup"/>
+                    </m:oMathParaPr>
+                    <m:oMath xmlns:m="http://schemas.openxmlformats.org/officeDocument/2006/math">
+                      <m:r>
+                        <a:rPr lang="en-US" i="1" dirty="0" smtClean="0">
+                          <a:latin typeface="Cambria Math" panose="02040503050406030204" pitchFamily="18" charset="0"/>
+                        </a:rPr>
+                        <m:t>𝑠</m:t>
+                      </m:r>
+                    </m:oMath>
+                  </m:oMathPara>
+                </a14:m>
+                <a:endParaRPr lang="en-US" dirty="0"/>
+              </a:p>
+            </p:txBody>
+          </p:sp>
+        </mc:Choice>
+        <mc:Fallback>
+          <p:sp>
+            <p:nvSpPr>
+              <p:cNvPr id="194" name="TextBox 193">
+                <a:extLst>
+                  <a:ext uri="{FF2B5EF4-FFF2-40B4-BE49-F238E27FC236}">
+                    <a16:creationId xmlns:a16="http://schemas.microsoft.com/office/drawing/2014/main" id="{5FAAFD66-2140-E45A-471D-39F874312E32}"/>
+                  </a:ext>
+                </a:extLst>
+              </p:cNvPr>
+              <p:cNvSpPr txBox="1">
+                <a:spLocks noRot="1" noChangeAspect="1" noMove="1" noResize="1" noEditPoints="1" noAdjustHandles="1" noChangeArrowheads="1" noChangeShapeType="1" noTextEdit="1"/>
+              </p:cNvSpPr>
+              <p:nvPr/>
+            </p:nvSpPr>
+            <p:spPr>
+              <a:xfrm>
+                <a:off x="1129787" y="4514865"/>
+                <a:ext cx="349711" cy="369332"/>
+              </a:xfrm>
+              <a:prstGeom prst="rect">
+                <a:avLst/>
+              </a:prstGeom>
+              <a:blipFill>
+                <a:blip r:embed="rId6"/>
+                <a:stretch>
+                  <a:fillRect/>
+                </a:stretch>
+              </a:blipFill>
+            </p:spPr>
+            <p:txBody>
+              <a:bodyPr/>
+              <a:lstStyle/>
+              <a:p>
+                <a:r>
+                  <a:rPr lang="en-US">
+                    <a:noFill/>
+                  </a:rPr>
+                  <a:t> </a:t>
+                </a:r>
+              </a:p>
+            </p:txBody>
+          </p:sp>
+        </mc:Fallback>
+      </mc:AlternateContent>
+      <p:sp>
+        <p:nvSpPr>
+          <p:cNvPr id="195" name="Arrow: Right 194">
+            <a:extLst>
+              <a:ext uri="{FF2B5EF4-FFF2-40B4-BE49-F238E27FC236}">
+                <a16:creationId xmlns:a16="http://schemas.microsoft.com/office/drawing/2014/main" id="{DD001ABC-E7CD-0F96-4DFA-AFC8781B6610}"/>
+              </a:ext>
+            </a:extLst>
+          </p:cNvPr>
+          <p:cNvSpPr/>
+          <p:nvPr/>
+        </p:nvSpPr>
+        <p:spPr>
+          <a:xfrm>
+            <a:off x="3810000" y="4491358"/>
+            <a:ext cx="384215" cy="503703"/>
+          </a:xfrm>
+          <a:prstGeom prst="rightArrow">
+            <a:avLst/>
+          </a:prstGeom>
+        </p:spPr>
+        <p:style>
+          <a:lnRef idx="3">
+            <a:schemeClr val="lt1"/>
+          </a:lnRef>
+          <a:fillRef idx="1">
+            <a:schemeClr val="accent6"/>
+          </a:fillRef>
+          <a:effectRef idx="1">
+            <a:schemeClr val="accent6"/>
+          </a:effectRef>
+          <a:fontRef idx="minor">
+            <a:schemeClr val="lt1"/>
+          </a:fontRef>
+        </p:style>
+        <p:txBody>
+          <a:bodyPr rtlCol="0" anchor="ctr"/>
+          <a:lstStyle/>
+          <a:p>
+            <a:pPr algn="ctr"/>
+            <a:endParaRPr lang="en-US"/>
+          </a:p>
+        </p:txBody>
+      </p:sp>
+      <mc:AlternateContent xmlns:mc="http://schemas.openxmlformats.org/markup-compatibility/2006">
+        <mc:Choice xmlns:a14="http://schemas.microsoft.com/office/drawing/2010/main" Requires="a14">
+          <p:sp>
+            <p:nvSpPr>
+              <p:cNvPr id="196" name="TextBox 195">
+                <a:extLst>
+                  <a:ext uri="{FF2B5EF4-FFF2-40B4-BE49-F238E27FC236}">
+                    <a16:creationId xmlns:a16="http://schemas.microsoft.com/office/drawing/2014/main" id="{D64E343A-1D3A-216C-1B9D-C48B77179E88}"/>
+                  </a:ext>
+                </a:extLst>
+              </p:cNvPr>
+              <p:cNvSpPr txBox="1"/>
+              <p:nvPr/>
+            </p:nvSpPr>
+            <p:spPr>
+              <a:xfrm>
+                <a:off x="4125676" y="4556563"/>
+                <a:ext cx="924740" cy="369332"/>
+              </a:xfrm>
+              <a:prstGeom prst="rect">
+                <a:avLst/>
+              </a:prstGeom>
+              <a:noFill/>
+            </p:spPr>
+            <p:txBody>
+              <a:bodyPr wrap="none" rtlCol="0">
+                <a:spAutoFit/>
+              </a:bodyPr>
+              <a:lstStyle/>
+              <a:p>
+                <a14:m>
+                  <m:oMathPara xmlns:m="http://schemas.openxmlformats.org/officeDocument/2006/math">
+                    <m:oMathParaPr>
+                      <m:jc m:val="centerGroup"/>
+                    </m:oMathParaPr>
+                    <m:oMath xmlns:m="http://schemas.openxmlformats.org/officeDocument/2006/math">
+                      <m:r>
+                        <a:rPr lang="en-US" b="0" i="1" dirty="0" smtClean="0">
+                          <a:latin typeface="Cambria Math" panose="02040503050406030204" pitchFamily="18" charset="0"/>
+                        </a:rPr>
+                        <m:t>𝑄</m:t>
+                      </m:r>
+                      <m:r>
+                        <a:rPr lang="en-US" b="0" i="1" dirty="0" smtClean="0">
+                          <a:latin typeface="Cambria Math" panose="02040503050406030204" pitchFamily="18" charset="0"/>
+                        </a:rPr>
+                        <m:t>(</m:t>
+                      </m:r>
+                      <m:r>
+                        <a:rPr lang="en-US" i="1" dirty="0" smtClean="0">
+                          <a:latin typeface="Cambria Math" panose="02040503050406030204" pitchFamily="18" charset="0"/>
+                        </a:rPr>
+                        <m:t>𝑠</m:t>
+                      </m:r>
+                      <m:r>
+                        <a:rPr lang="en-US" i="1" dirty="0" smtClean="0">
+                          <a:latin typeface="Cambria Math" panose="02040503050406030204" pitchFamily="18" charset="0"/>
+                        </a:rPr>
+                        <m:t>, </m:t>
+                      </m:r>
+                      <m:r>
+                        <a:rPr lang="en-US" i="1" dirty="0">
+                          <a:latin typeface="Cambria Math" panose="02040503050406030204" pitchFamily="18" charset="0"/>
+                        </a:rPr>
+                        <m:t>𝑎</m:t>
+                      </m:r>
+                      <m:r>
+                        <a:rPr lang="en-US" b="0" i="1" dirty="0" smtClean="0">
+                          <a:latin typeface="Cambria Math" panose="02040503050406030204" pitchFamily="18" charset="0"/>
+                        </a:rPr>
+                        <m:t>)</m:t>
+                      </m:r>
+                    </m:oMath>
+                  </m:oMathPara>
+                </a14:m>
+                <a:endParaRPr lang="en-US" dirty="0"/>
+              </a:p>
+            </p:txBody>
+          </p:sp>
+        </mc:Choice>
+        <mc:Fallback>
+          <p:sp>
+            <p:nvSpPr>
+              <p:cNvPr id="196" name="TextBox 195">
+                <a:extLst>
+                  <a:ext uri="{FF2B5EF4-FFF2-40B4-BE49-F238E27FC236}">
+                    <a16:creationId xmlns:a16="http://schemas.microsoft.com/office/drawing/2014/main" id="{D64E343A-1D3A-216C-1B9D-C48B77179E88}"/>
+                  </a:ext>
+                </a:extLst>
+              </p:cNvPr>
+              <p:cNvSpPr txBox="1">
+                <a:spLocks noRot="1" noChangeAspect="1" noMove="1" noResize="1" noEditPoints="1" noAdjustHandles="1" noChangeArrowheads="1" noChangeShapeType="1" noTextEdit="1"/>
+              </p:cNvSpPr>
+              <p:nvPr/>
+            </p:nvSpPr>
+            <p:spPr>
+              <a:xfrm>
+                <a:off x="4125676" y="4556563"/>
+                <a:ext cx="924740" cy="369332"/>
+              </a:xfrm>
+              <a:prstGeom prst="rect">
+                <a:avLst/>
+              </a:prstGeom>
+              <a:blipFill>
+                <a:blip r:embed="rId7"/>
+                <a:stretch>
+                  <a:fillRect b="-13115"/>
+                </a:stretch>
+              </a:blipFill>
+            </p:spPr>
+            <p:txBody>
+              <a:bodyPr/>
+              <a:lstStyle/>
+              <a:p>
+                <a:r>
+                  <a:rPr lang="en-US">
+                    <a:noFill/>
+                  </a:rPr>
+                  <a:t> </a:t>
+                </a:r>
+              </a:p>
+            </p:txBody>
+          </p:sp>
+        </mc:Fallback>
+      </mc:AlternateContent>
+      <mc:AlternateContent xmlns:mc="http://schemas.openxmlformats.org/markup-compatibility/2006">
+        <mc:Choice xmlns:a14="http://schemas.microsoft.com/office/drawing/2010/main" Requires="a14">
+          <p:sp>
+            <p:nvSpPr>
+              <p:cNvPr id="197" name="TextBox 196">
+                <a:extLst>
+                  <a:ext uri="{FF2B5EF4-FFF2-40B4-BE49-F238E27FC236}">
+                    <a16:creationId xmlns:a16="http://schemas.microsoft.com/office/drawing/2014/main" id="{25BA0203-B417-18D9-5155-AC948C3DB147}"/>
+                  </a:ext>
+                </a:extLst>
+              </p:cNvPr>
+              <p:cNvSpPr txBox="1"/>
+              <p:nvPr/>
+            </p:nvSpPr>
+            <p:spPr>
+              <a:xfrm>
+                <a:off x="1994915" y="3714030"/>
+                <a:ext cx="363881" cy="369332"/>
+              </a:xfrm>
+              <a:prstGeom prst="rect">
+                <a:avLst/>
+              </a:prstGeom>
+              <a:noFill/>
+            </p:spPr>
+            <p:txBody>
+              <a:bodyPr wrap="none" rtlCol="0">
+                <a:spAutoFit/>
+              </a:bodyPr>
+              <a:lstStyle/>
+              <a:p>
+                <a14:m>
+                  <m:oMathPara xmlns:m="http://schemas.openxmlformats.org/officeDocument/2006/math">
+                    <m:oMathParaPr>
+                      <m:jc m:val="centerGroup"/>
+                    </m:oMathParaPr>
+                    <m:oMath xmlns:m="http://schemas.openxmlformats.org/officeDocument/2006/math">
+                      <m:r>
+                        <a:rPr lang="en-US" b="0" i="1" dirty="0" smtClean="0">
+                          <a:latin typeface="Cambria Math" panose="02040503050406030204" pitchFamily="18" charset="0"/>
+                        </a:rPr>
+                        <m:t>𝑆</m:t>
+                      </m:r>
+                    </m:oMath>
+                  </m:oMathPara>
+                </a14:m>
+                <a:endParaRPr lang="en-US" dirty="0"/>
+              </a:p>
+            </p:txBody>
+          </p:sp>
+        </mc:Choice>
+        <mc:Fallback>
+          <p:sp>
+            <p:nvSpPr>
+              <p:cNvPr id="197" name="TextBox 196">
+                <a:extLst>
+                  <a:ext uri="{FF2B5EF4-FFF2-40B4-BE49-F238E27FC236}">
+                    <a16:creationId xmlns:a16="http://schemas.microsoft.com/office/drawing/2014/main" id="{25BA0203-B417-18D9-5155-AC948C3DB147}"/>
+                  </a:ext>
+                </a:extLst>
+              </p:cNvPr>
+              <p:cNvSpPr txBox="1">
+                <a:spLocks noRot="1" noChangeAspect="1" noMove="1" noResize="1" noEditPoints="1" noAdjustHandles="1" noChangeArrowheads="1" noChangeShapeType="1" noTextEdit="1"/>
+              </p:cNvSpPr>
+              <p:nvPr/>
+            </p:nvSpPr>
+            <p:spPr>
+              <a:xfrm>
+                <a:off x="1994915" y="3714030"/>
+                <a:ext cx="363881" cy="369332"/>
+              </a:xfrm>
+              <a:prstGeom prst="rect">
+                <a:avLst/>
+              </a:prstGeom>
+              <a:blipFill>
+                <a:blip r:embed="rId8"/>
+                <a:stretch>
+                  <a:fillRect/>
+                </a:stretch>
+              </a:blipFill>
+            </p:spPr>
+            <p:txBody>
+              <a:bodyPr/>
+              <a:lstStyle/>
+              <a:p>
+                <a:r>
+                  <a:rPr lang="en-US">
+                    <a:noFill/>
+                  </a:rPr>
+                  <a:t> </a:t>
+                </a:r>
+              </a:p>
+            </p:txBody>
+          </p:sp>
+        </mc:Fallback>
+      </mc:AlternateContent>
+      <mc:AlternateContent xmlns:mc="http://schemas.openxmlformats.org/markup-compatibility/2006">
+        <mc:Choice xmlns:a14="http://schemas.microsoft.com/office/drawing/2010/main" Requires="a14">
+          <p:sp>
+            <p:nvSpPr>
+              <p:cNvPr id="198" name="TextBox 197">
+                <a:extLst>
+                  <a:ext uri="{FF2B5EF4-FFF2-40B4-BE49-F238E27FC236}">
+                    <a16:creationId xmlns:a16="http://schemas.microsoft.com/office/drawing/2014/main" id="{5F8BBD95-CC36-0F7B-4420-D48D811414FE}"/>
+                  </a:ext>
+                </a:extLst>
+              </p:cNvPr>
+              <p:cNvSpPr txBox="1"/>
+              <p:nvPr/>
+            </p:nvSpPr>
+            <p:spPr>
+              <a:xfrm>
+                <a:off x="3182394" y="3851318"/>
+                <a:ext cx="385683" cy="369332"/>
+              </a:xfrm>
+              <a:prstGeom prst="rect">
+                <a:avLst/>
+              </a:prstGeom>
+              <a:noFill/>
+            </p:spPr>
+            <p:txBody>
+              <a:bodyPr wrap="none" rtlCol="0">
+                <a:spAutoFit/>
+              </a:bodyPr>
+              <a:lstStyle/>
+              <a:p>
+                <a14:m>
+                  <m:oMathPara xmlns:m="http://schemas.openxmlformats.org/officeDocument/2006/math">
+                    <m:oMathParaPr>
+                      <m:jc m:val="centerGroup"/>
+                    </m:oMathParaPr>
+                    <m:oMath xmlns:m="http://schemas.openxmlformats.org/officeDocument/2006/math">
+                      <m:r>
+                        <a:rPr lang="en-US" b="0" i="1" dirty="0" smtClean="0">
+                          <a:latin typeface="Cambria Math" panose="02040503050406030204" pitchFamily="18" charset="0"/>
+                        </a:rPr>
+                        <m:t>𝐴</m:t>
+                      </m:r>
+                    </m:oMath>
+                  </m:oMathPara>
+                </a14:m>
+                <a:endParaRPr lang="en-US" dirty="0"/>
+              </a:p>
+            </p:txBody>
+          </p:sp>
+        </mc:Choice>
+        <mc:Fallback>
+          <p:sp>
+            <p:nvSpPr>
+              <p:cNvPr id="198" name="TextBox 197">
+                <a:extLst>
+                  <a:ext uri="{FF2B5EF4-FFF2-40B4-BE49-F238E27FC236}">
+                    <a16:creationId xmlns:a16="http://schemas.microsoft.com/office/drawing/2014/main" id="{5F8BBD95-CC36-0F7B-4420-D48D811414FE}"/>
+                  </a:ext>
+                </a:extLst>
+              </p:cNvPr>
+              <p:cNvSpPr txBox="1">
+                <a:spLocks noRot="1" noChangeAspect="1" noMove="1" noResize="1" noEditPoints="1" noAdjustHandles="1" noChangeArrowheads="1" noChangeShapeType="1" noTextEdit="1"/>
+              </p:cNvSpPr>
+              <p:nvPr/>
+            </p:nvSpPr>
+            <p:spPr>
+              <a:xfrm>
+                <a:off x="3182394" y="3851318"/>
+                <a:ext cx="385683" cy="369332"/>
+              </a:xfrm>
+              <a:prstGeom prst="rect">
+                <a:avLst/>
+              </a:prstGeom>
+              <a:blipFill>
+                <a:blip r:embed="rId9"/>
+                <a:stretch>
+                  <a:fillRect/>
+                </a:stretch>
+              </a:blipFill>
+            </p:spPr>
+            <p:txBody>
+              <a:bodyPr/>
+              <a:lstStyle/>
+              <a:p>
+                <a:r>
+                  <a:rPr lang="en-US">
+                    <a:noFill/>
+                  </a:rPr>
+                  <a:t> </a:t>
+                </a:r>
+              </a:p>
+            </p:txBody>
+          </p:sp>
+        </mc:Fallback>
+      </mc:AlternateContent>
+      <p:sp>
+        <p:nvSpPr>
+          <p:cNvPr id="199" name="Right Brace 198">
+            <a:extLst>
+              <a:ext uri="{FF2B5EF4-FFF2-40B4-BE49-F238E27FC236}">
+                <a16:creationId xmlns:a16="http://schemas.microsoft.com/office/drawing/2014/main" id="{2CED8BA6-1D19-AFA2-F027-213217C7AEEE}"/>
+              </a:ext>
+            </a:extLst>
+          </p:cNvPr>
+          <p:cNvSpPr/>
+          <p:nvPr/>
+        </p:nvSpPr>
+        <p:spPr>
+          <a:xfrm>
+            <a:off x="3515217" y="4209556"/>
+            <a:ext cx="113460" cy="1038077"/>
+          </a:xfrm>
+          <a:prstGeom prst="rightBrace">
+            <a:avLst/>
+          </a:prstGeom>
+        </p:spPr>
+        <p:style>
+          <a:lnRef idx="3">
+            <a:schemeClr val="accent6"/>
+          </a:lnRef>
+          <a:fillRef idx="0">
+            <a:schemeClr val="accent6"/>
+          </a:fillRef>
+          <a:effectRef idx="2">
+            <a:schemeClr val="accent6"/>
+          </a:effectRef>
+          <a:fontRef idx="minor">
+            <a:schemeClr val="tx1"/>
+          </a:fontRef>
+        </p:style>
+        <p:txBody>
+          <a:bodyPr rtlCol="0" anchor="ctr"/>
+          <a:lstStyle/>
+          <a:p>
+            <a:pPr algn="ctr"/>
+            <a:endParaRPr lang="en-US"/>
+          </a:p>
+        </p:txBody>
+      </p:sp>
+      <p:cxnSp>
+        <p:nvCxnSpPr>
+          <p:cNvPr id="201" name="Straight Connector 200">
+            <a:extLst>
+              <a:ext uri="{FF2B5EF4-FFF2-40B4-BE49-F238E27FC236}">
+                <a16:creationId xmlns:a16="http://schemas.microsoft.com/office/drawing/2014/main" id="{35AFA839-585E-943B-16DE-AE29100E9518}"/>
+              </a:ext>
+            </a:extLst>
+          </p:cNvPr>
+          <p:cNvCxnSpPr/>
+          <p:nvPr/>
+        </p:nvCxnSpPr>
+        <p:spPr>
+          <a:xfrm>
+            <a:off x="8686800" y="2451927"/>
+            <a:ext cx="1752600" cy="0"/>
+          </a:xfrm>
+          <a:prstGeom prst="line">
+            <a:avLst/>
+          </a:prstGeom>
+        </p:spPr>
+        <p:style>
+          <a:lnRef idx="3">
+            <a:schemeClr val="accent5"/>
+          </a:lnRef>
+          <a:fillRef idx="0">
+            <a:schemeClr val="accent5"/>
+          </a:fillRef>
+          <a:effectRef idx="2">
+            <a:schemeClr val="accent5"/>
+          </a:effectRef>
+          <a:fontRef idx="minor">
+            <a:schemeClr val="tx1"/>
+          </a:fontRef>
+        </p:style>
+      </p:cxnSp>
+      <mc:AlternateContent xmlns:mc="http://schemas.openxmlformats.org/markup-compatibility/2006">
+        <mc:Choice xmlns:a14="http://schemas.microsoft.com/office/drawing/2010/main" Requires="a14">
+          <p:sp>
+            <p:nvSpPr>
+              <p:cNvPr id="202" name="TextBox 201">
+                <a:extLst>
+                  <a:ext uri="{FF2B5EF4-FFF2-40B4-BE49-F238E27FC236}">
+                    <a16:creationId xmlns:a16="http://schemas.microsoft.com/office/drawing/2014/main" id="{661019AB-21E0-632C-A823-4C1DCDB3D188}"/>
+                  </a:ext>
+                </a:extLst>
+              </p:cNvPr>
+              <p:cNvSpPr txBox="1"/>
+              <p:nvPr/>
+            </p:nvSpPr>
+            <p:spPr>
+              <a:xfrm>
+                <a:off x="5127026" y="3260990"/>
+                <a:ext cx="6849555" cy="2862322"/>
+              </a:xfrm>
+              <a:prstGeom prst="rect">
+                <a:avLst/>
+              </a:prstGeom>
+              <a:noFill/>
+            </p:spPr>
+            <p:txBody>
+              <a:bodyPr wrap="square" rtlCol="0">
+                <a:spAutoFit/>
+              </a:bodyPr>
+              <a:lstStyle/>
+              <a:p>
+                <a:r>
+                  <a:rPr lang="en-US" b="1" dirty="0"/>
+                  <a:t>Target networks</a:t>
+                </a:r>
+                <a:r>
+                  <a:rPr lang="en-US" dirty="0"/>
+                  <a:t>: It turns out that the Q-Network is unstable if the same network is used to estimate </a:t>
+                </a:r>
+                <a14:m>
+                  <m:oMath xmlns:m="http://schemas.openxmlformats.org/officeDocument/2006/math">
+                    <m:r>
+                      <a:rPr lang="en-US" b="0" i="1" dirty="0" smtClean="0">
+                        <a:latin typeface="Cambria Math" panose="02040503050406030204" pitchFamily="18" charset="0"/>
+                      </a:rPr>
+                      <m:t>𝑄</m:t>
+                    </m:r>
+                    <m:r>
+                      <a:rPr lang="en-US" b="0" i="1" dirty="0" smtClean="0">
+                        <a:latin typeface="Cambria Math" panose="02040503050406030204" pitchFamily="18" charset="0"/>
+                      </a:rPr>
+                      <m:t>(</m:t>
+                    </m:r>
+                    <m:r>
+                      <a:rPr lang="en-US" i="1" dirty="0" smtClean="0">
+                        <a:latin typeface="Cambria Math" panose="02040503050406030204" pitchFamily="18" charset="0"/>
+                      </a:rPr>
+                      <m:t>𝑠</m:t>
+                    </m:r>
+                    <m:r>
+                      <a:rPr lang="en-US" i="1" dirty="0" smtClean="0">
+                        <a:latin typeface="Cambria Math" panose="02040503050406030204" pitchFamily="18" charset="0"/>
+                      </a:rPr>
+                      <m:t>, </m:t>
+                    </m:r>
+                    <m:r>
+                      <a:rPr lang="en-US" i="1" dirty="0">
+                        <a:latin typeface="Cambria Math" panose="02040503050406030204" pitchFamily="18" charset="0"/>
+                      </a:rPr>
+                      <m:t>𝑎</m:t>
+                    </m:r>
+                    <m:r>
+                      <a:rPr lang="en-US" b="0" i="1" dirty="0" smtClean="0">
+                        <a:latin typeface="Cambria Math" panose="02040503050406030204" pitchFamily="18" charset="0"/>
+                      </a:rPr>
+                      <m:t>)</m:t>
+                    </m:r>
+                  </m:oMath>
+                </a14:m>
+                <a:r>
+                  <a:rPr lang="en-US" dirty="0"/>
+                  <a:t> and also </a:t>
+                </a:r>
+                <a14:m>
+                  <m:oMath xmlns:m="http://schemas.openxmlformats.org/officeDocument/2006/math">
+                    <m:r>
+                      <a:rPr lang="en-US" i="1" dirty="0">
+                        <a:latin typeface="Cambria Math" panose="02040503050406030204" pitchFamily="18" charset="0"/>
+                      </a:rPr>
+                      <m:t>𝑄</m:t>
+                    </m:r>
+                    <m:r>
+                      <a:rPr lang="en-US" i="1" dirty="0">
+                        <a:latin typeface="Cambria Math" panose="02040503050406030204" pitchFamily="18" charset="0"/>
+                      </a:rPr>
+                      <m:t>(</m:t>
+                    </m:r>
+                    <m:r>
+                      <a:rPr lang="en-US" i="1" dirty="0">
+                        <a:latin typeface="Cambria Math" panose="02040503050406030204" pitchFamily="18" charset="0"/>
+                      </a:rPr>
+                      <m:t>𝑠</m:t>
+                    </m:r>
+                    <m:r>
+                      <a:rPr lang="en-US" b="0" i="1" dirty="0" smtClean="0">
+                        <a:latin typeface="Cambria Math" panose="02040503050406030204" pitchFamily="18" charset="0"/>
+                      </a:rPr>
+                      <m:t>′</m:t>
+                    </m:r>
+                    <m:r>
+                      <a:rPr lang="en-US" i="1" dirty="0">
+                        <a:latin typeface="Cambria Math" panose="02040503050406030204" pitchFamily="18" charset="0"/>
+                      </a:rPr>
+                      <m:t>, </m:t>
+                    </m:r>
+                    <m:r>
+                      <a:rPr lang="en-US" i="1" dirty="0">
+                        <a:latin typeface="Cambria Math" panose="02040503050406030204" pitchFamily="18" charset="0"/>
+                      </a:rPr>
+                      <m:t>𝑎</m:t>
+                    </m:r>
+                    <m:r>
+                      <a:rPr lang="en-US" b="0" i="1" dirty="0" smtClean="0">
+                        <a:latin typeface="Cambria Math" panose="02040503050406030204" pitchFamily="18" charset="0"/>
+                      </a:rPr>
+                      <m:t>′</m:t>
+                    </m:r>
+                    <m:r>
+                      <a:rPr lang="en-US" i="1" dirty="0">
+                        <a:latin typeface="Cambria Math" panose="02040503050406030204" pitchFamily="18" charset="0"/>
+                      </a:rPr>
+                      <m:t>)</m:t>
+                    </m:r>
+                  </m:oMath>
+                </a14:m>
+                <a:r>
+                  <a:rPr lang="en-US" dirty="0"/>
+                  <a:t>. Deep Q-Learning uses a second target network for </a:t>
+                </a:r>
+                <a14:m>
+                  <m:oMath xmlns:m="http://schemas.openxmlformats.org/officeDocument/2006/math">
+                    <m:r>
+                      <a:rPr lang="en-US" i="1" dirty="0">
+                        <a:latin typeface="Cambria Math" panose="02040503050406030204" pitchFamily="18" charset="0"/>
+                      </a:rPr>
+                      <m:t>𝑄</m:t>
+                    </m:r>
+                    <m:d>
+                      <m:dPr>
+                        <m:ctrlPr>
+                          <a:rPr lang="en-US" i="1" dirty="0">
+                            <a:latin typeface="Cambria Math" panose="02040503050406030204" pitchFamily="18" charset="0"/>
+                          </a:rPr>
+                        </m:ctrlPr>
+                      </m:dPr>
+                      <m:e>
+                        <m:sSup>
+                          <m:sSupPr>
+                            <m:ctrlPr>
+                              <a:rPr lang="en-US" i="1" dirty="0">
+                                <a:latin typeface="Cambria Math" panose="02040503050406030204" pitchFamily="18" charset="0"/>
+                              </a:rPr>
+                            </m:ctrlPr>
+                          </m:sSupPr>
+                          <m:e>
+                            <m:r>
+                              <a:rPr lang="en-US" i="1" dirty="0">
+                                <a:latin typeface="Cambria Math" panose="02040503050406030204" pitchFamily="18" charset="0"/>
+                              </a:rPr>
+                              <m:t>𝑠</m:t>
+                            </m:r>
+                          </m:e>
+                          <m:sup>
+                            <m:r>
+                              <a:rPr lang="en-US" i="1" dirty="0">
+                                <a:latin typeface="Cambria Math" panose="02040503050406030204" pitchFamily="18" charset="0"/>
+                              </a:rPr>
+                              <m:t>′</m:t>
+                            </m:r>
+                          </m:sup>
+                        </m:sSup>
+                        <m:r>
+                          <a:rPr lang="en-US" i="1" dirty="0">
+                            <a:latin typeface="Cambria Math" panose="02040503050406030204" pitchFamily="18" charset="0"/>
+                          </a:rPr>
+                          <m:t>, </m:t>
+                        </m:r>
+                        <m:sSup>
+                          <m:sSupPr>
+                            <m:ctrlPr>
+                              <a:rPr lang="en-US" i="1" dirty="0">
+                                <a:latin typeface="Cambria Math" panose="02040503050406030204" pitchFamily="18" charset="0"/>
+                              </a:rPr>
+                            </m:ctrlPr>
+                          </m:sSupPr>
+                          <m:e>
+                            <m:r>
+                              <a:rPr lang="en-US" i="1" dirty="0">
+                                <a:latin typeface="Cambria Math" panose="02040503050406030204" pitchFamily="18" charset="0"/>
+                              </a:rPr>
+                              <m:t>𝑎</m:t>
+                            </m:r>
+                          </m:e>
+                          <m:sup>
+                            <m:r>
+                              <a:rPr lang="en-US" i="1" dirty="0">
+                                <a:latin typeface="Cambria Math" panose="02040503050406030204" pitchFamily="18" charset="0"/>
+                              </a:rPr>
+                              <m:t>′</m:t>
+                            </m:r>
+                          </m:sup>
+                        </m:sSup>
+                      </m:e>
+                    </m:d>
+                  </m:oMath>
+                </a14:m>
+                <a:r>
+                  <a:rPr lang="en-US" dirty="0"/>
+                  <a:t> that is updated with the prediction network every </a:t>
+                </a:r>
+                <a14:m>
+                  <m:oMath xmlns:m="http://schemas.openxmlformats.org/officeDocument/2006/math">
+                    <m:r>
+                      <a:rPr lang="en-US" i="1" dirty="0" smtClean="0">
+                        <a:latin typeface="Cambria Math" panose="02040503050406030204" pitchFamily="18" charset="0"/>
+                      </a:rPr>
+                      <m:t>𝐶</m:t>
+                    </m:r>
+                  </m:oMath>
+                </a14:m>
+                <a:r>
+                  <a:rPr lang="en-US" dirty="0"/>
+                  <a:t> steps. </a:t>
+                </a:r>
+              </a:p>
+              <a:p>
+                <a:endParaRPr lang="en-US" dirty="0"/>
+              </a:p>
+              <a:p>
+                <a:r>
+                  <a:rPr lang="en-US" b="1" dirty="0"/>
+                  <a:t>Experience replay</a:t>
+                </a:r>
+                <a:r>
+                  <a:rPr lang="en-US" dirty="0"/>
+                  <a:t>:  To reduce instability more, generate actions using the current network and store the experience </a:t>
+                </a:r>
+                <a14:m>
+                  <m:oMath xmlns:m="http://schemas.openxmlformats.org/officeDocument/2006/math">
+                    <m:d>
+                      <m:dPr>
+                        <m:begChr m:val="⟨"/>
+                        <m:endChr m:val="⟩"/>
+                        <m:ctrlPr>
+                          <a:rPr lang="en-US" i="1" dirty="0" smtClean="0">
+                            <a:latin typeface="Cambria Math" panose="02040503050406030204" pitchFamily="18" charset="0"/>
+                          </a:rPr>
+                        </m:ctrlPr>
+                      </m:dPr>
+                      <m:e>
+                        <m:r>
+                          <a:rPr lang="en-US" i="1" dirty="0">
+                            <a:latin typeface="Cambria Math" panose="02040503050406030204" pitchFamily="18" charset="0"/>
+                          </a:rPr>
+                          <m:t>𝑠</m:t>
+                        </m:r>
+                        <m:r>
+                          <a:rPr lang="en-US" i="1" dirty="0">
+                            <a:latin typeface="Cambria Math" panose="02040503050406030204" pitchFamily="18" charset="0"/>
+                          </a:rPr>
+                          <m:t>, </m:t>
+                        </m:r>
+                        <m:r>
+                          <a:rPr lang="en-US" i="1" dirty="0">
+                            <a:latin typeface="Cambria Math" panose="02040503050406030204" pitchFamily="18" charset="0"/>
+                          </a:rPr>
+                          <m:t>𝑎</m:t>
+                        </m:r>
+                        <m:r>
+                          <a:rPr lang="en-US" i="1" dirty="0">
+                            <a:latin typeface="Cambria Math" panose="02040503050406030204" pitchFamily="18" charset="0"/>
+                          </a:rPr>
+                          <m:t>, </m:t>
+                        </m:r>
+                        <m:r>
+                          <a:rPr lang="en-US" i="1" dirty="0">
+                            <a:latin typeface="Cambria Math" panose="02040503050406030204" pitchFamily="18" charset="0"/>
+                          </a:rPr>
+                          <m:t>𝑟</m:t>
+                        </m:r>
+                        <m:r>
+                          <a:rPr lang="en-US" i="1" dirty="0">
+                            <a:latin typeface="Cambria Math" panose="02040503050406030204" pitchFamily="18" charset="0"/>
+                          </a:rPr>
+                          <m:t>, </m:t>
+                        </m:r>
+                        <m:r>
+                          <a:rPr lang="en-US" i="1" dirty="0">
+                            <a:latin typeface="Cambria Math" panose="02040503050406030204" pitchFamily="18" charset="0"/>
+                          </a:rPr>
+                          <m:t>𝑠</m:t>
+                        </m:r>
+                        <m:r>
+                          <a:rPr lang="en-US" b="0" i="1" dirty="0" smtClean="0">
+                            <a:latin typeface="Cambria Math" panose="02040503050406030204" pitchFamily="18" charset="0"/>
+                          </a:rPr>
+                          <m:t>′</m:t>
+                        </m:r>
+                      </m:e>
+                    </m:d>
+                  </m:oMath>
+                </a14:m>
+                <a:r>
+                  <a:rPr lang="en-US" dirty="0"/>
+                  <a:t> in a table. Update the model parameters by sampling from the table.</a:t>
+                </a:r>
+              </a:p>
+              <a:p>
+                <a:endParaRPr lang="en-US" dirty="0"/>
+              </a:p>
+              <a:p>
+                <a:r>
+                  <a:rPr lang="en-US" b="1" dirty="0"/>
+                  <a:t>Loss function</a:t>
+                </a:r>
+                <a:r>
+                  <a:rPr lang="en-US" dirty="0"/>
+                  <a:t>: squared difference between prediction and target.</a:t>
+                </a:r>
+              </a:p>
+            </p:txBody>
+          </p:sp>
+        </mc:Choice>
+        <mc:Fallback>
+          <p:sp>
+            <p:nvSpPr>
+              <p:cNvPr id="202" name="TextBox 201">
+                <a:extLst>
+                  <a:ext uri="{FF2B5EF4-FFF2-40B4-BE49-F238E27FC236}">
+                    <a16:creationId xmlns:a16="http://schemas.microsoft.com/office/drawing/2014/main" id="{661019AB-21E0-632C-A823-4C1DCDB3D188}"/>
+                  </a:ext>
+                </a:extLst>
+              </p:cNvPr>
+              <p:cNvSpPr txBox="1">
+                <a:spLocks noRot="1" noChangeAspect="1" noMove="1" noResize="1" noEditPoints="1" noAdjustHandles="1" noChangeArrowheads="1" noChangeShapeType="1" noTextEdit="1"/>
+              </p:cNvSpPr>
+              <p:nvPr/>
+            </p:nvSpPr>
+            <p:spPr>
+              <a:xfrm>
+                <a:off x="5127026" y="3260990"/>
+                <a:ext cx="6849555" cy="2862322"/>
+              </a:xfrm>
+              <a:prstGeom prst="rect">
+                <a:avLst/>
+              </a:prstGeom>
+              <a:blipFill>
+                <a:blip r:embed="rId10"/>
+                <a:stretch>
+                  <a:fillRect l="-712" t="-1279" b="-2559"/>
+                </a:stretch>
+              </a:blipFill>
+            </p:spPr>
+            <p:txBody>
+              <a:bodyPr/>
+              <a:lstStyle/>
+              <a:p>
+                <a:r>
+                  <a:rPr lang="en-US">
+                    <a:noFill/>
+                  </a:rPr>
+                  <a:t> </a:t>
+                </a:r>
+              </a:p>
+            </p:txBody>
+          </p:sp>
+        </mc:Fallback>
+      </mc:AlternateContent>
+      <p:sp>
+        <p:nvSpPr>
+          <p:cNvPr id="203" name="TextBox 202">
+            <a:extLst>
+              <a:ext uri="{FF2B5EF4-FFF2-40B4-BE49-F238E27FC236}">
+                <a16:creationId xmlns:a16="http://schemas.microsoft.com/office/drawing/2014/main" id="{57084D53-0D1E-3AEC-E455-B617326D7C6C}"/>
+              </a:ext>
+            </a:extLst>
+          </p:cNvPr>
+          <p:cNvSpPr txBox="1"/>
+          <p:nvPr/>
+        </p:nvSpPr>
+        <p:spPr>
+          <a:xfrm>
+            <a:off x="9067800" y="1863075"/>
+            <a:ext cx="755913" cy="369332"/>
+          </a:xfrm>
+          <a:prstGeom prst="rect">
+            <a:avLst/>
+          </a:prstGeom>
+          <a:noFill/>
+        </p:spPr>
+        <p:txBody>
+          <a:bodyPr wrap="none" rtlCol="0">
+            <a:spAutoFit/>
+          </a:bodyPr>
+          <a:lstStyle/>
+          <a:p>
+            <a:r>
+              <a:rPr lang="en-US" b="1" dirty="0">
+                <a:solidFill>
+                  <a:schemeClr val="accent1"/>
+                </a:solidFill>
+              </a:rPr>
+              <a:t>target</a:t>
+            </a:r>
+          </a:p>
+        </p:txBody>
+      </p:sp>
+      <p:sp>
+        <p:nvSpPr>
+          <p:cNvPr id="206" name="TextBox 205">
+            <a:extLst>
+              <a:ext uri="{FF2B5EF4-FFF2-40B4-BE49-F238E27FC236}">
+                <a16:creationId xmlns:a16="http://schemas.microsoft.com/office/drawing/2014/main" id="{BF6ACC1D-2546-C6E3-33E3-5DAA38AA0F66}"/>
+              </a:ext>
+            </a:extLst>
+          </p:cNvPr>
+          <p:cNvSpPr txBox="1"/>
+          <p:nvPr/>
+        </p:nvSpPr>
+        <p:spPr>
+          <a:xfrm>
+            <a:off x="10546630" y="1818775"/>
+            <a:ext cx="1161536" cy="369332"/>
+          </a:xfrm>
+          <a:prstGeom prst="rect">
+            <a:avLst/>
+          </a:prstGeom>
+          <a:noFill/>
+        </p:spPr>
+        <p:txBody>
+          <a:bodyPr wrap="none" rtlCol="0">
+            <a:spAutoFit/>
+          </a:bodyPr>
+          <a:lstStyle/>
+          <a:p>
+            <a:r>
+              <a:rPr lang="en-US" b="1" dirty="0">
+                <a:solidFill>
+                  <a:schemeClr val="accent6"/>
+                </a:solidFill>
+              </a:rPr>
+              <a:t>prediction</a:t>
+            </a:r>
+          </a:p>
+        </p:txBody>
+      </p:sp>
+      <p:sp>
+        <p:nvSpPr>
+          <p:cNvPr id="210" name="TextBox 209">
+            <a:extLst>
+              <a:ext uri="{FF2B5EF4-FFF2-40B4-BE49-F238E27FC236}">
+                <a16:creationId xmlns:a16="http://schemas.microsoft.com/office/drawing/2014/main" id="{13ACAB3D-4D78-A729-56A7-99CD629A1EF9}"/>
+              </a:ext>
+            </a:extLst>
+          </p:cNvPr>
+          <p:cNvSpPr txBox="1"/>
+          <p:nvPr/>
+        </p:nvSpPr>
+        <p:spPr>
+          <a:xfrm>
+            <a:off x="655438" y="6400800"/>
+            <a:ext cx="11277600" cy="338554"/>
+          </a:xfrm>
+          <a:prstGeom prst="rect">
+            <a:avLst/>
+          </a:prstGeom>
+          <a:noFill/>
+        </p:spPr>
+        <p:txBody>
+          <a:bodyPr wrap="square" rtlCol="0">
+            <a:spAutoFit/>
+          </a:bodyPr>
+          <a:lstStyle/>
+          <a:p>
+            <a:pPr algn="ctr"/>
+            <a:r>
+              <a:rPr lang="en-US" sz="1600" dirty="0"/>
+              <a:t> Volodymyr </a:t>
+            </a:r>
+            <a:r>
+              <a:rPr lang="en-US" sz="1600" dirty="0" err="1"/>
+              <a:t>Mni</a:t>
+            </a:r>
+            <a:r>
+              <a:rPr lang="en-US" sz="1600" dirty="0"/>
+              <a:t> et al., </a:t>
+            </a:r>
+            <a:r>
+              <a:rPr lang="en-US" sz="1600" dirty="0">
+                <a:hlinkClick r:id="rId11"/>
+              </a:rPr>
+              <a:t>Playing Atari with Deep Reinforcement Learning</a:t>
+            </a:r>
+            <a:r>
+              <a:rPr lang="en-US" sz="1600" dirty="0"/>
+              <a:t>, NIPS Deep Learning Workshop 2013.</a:t>
+            </a:r>
+          </a:p>
+        </p:txBody>
+      </p:sp>
+      <p:cxnSp>
+        <p:nvCxnSpPr>
+          <p:cNvPr id="217" name="Straight Connector 216">
+            <a:extLst>
+              <a:ext uri="{FF2B5EF4-FFF2-40B4-BE49-F238E27FC236}">
+                <a16:creationId xmlns:a16="http://schemas.microsoft.com/office/drawing/2014/main" id="{4A1F4D61-07A5-6F97-2DBF-72C76CFB1059}"/>
+              </a:ext>
+            </a:extLst>
+          </p:cNvPr>
+          <p:cNvCxnSpPr/>
+          <p:nvPr/>
+        </p:nvCxnSpPr>
+        <p:spPr>
+          <a:xfrm>
+            <a:off x="655438" y="3260990"/>
+            <a:ext cx="11321143" cy="55057"/>
+          </a:xfrm>
+          <a:prstGeom prst="line">
+            <a:avLst/>
+          </a:prstGeom>
+          <a:ln w="9525" cap="flat" cmpd="sng" algn="ctr">
+            <a:solidFill>
+              <a:schemeClr val="accent1"/>
+            </a:solidFill>
+            <a:prstDash val="dash"/>
+            <a:round/>
+            <a:headEnd type="none" w="med" len="med"/>
+            <a:tailEnd type="none" w="med" len="med"/>
+          </a:ln>
+        </p:spPr>
+        <p:style>
+          <a:lnRef idx="0">
+            <a:scrgbClr r="0" g="0" b="0"/>
+          </a:lnRef>
+          <a:fillRef idx="0">
+            <a:scrgbClr r="0" g="0" b="0"/>
+          </a:fillRef>
+          <a:effectRef idx="0">
+            <a:scrgbClr r="0" g="0" b="0"/>
+          </a:effectRef>
+          <a:fontRef idx="minor">
+            <a:schemeClr val="tx1"/>
+          </a:fontRef>
+        </p:style>
+      </p:cxnSp>
+    </p:spTree>
+    <p:extLst>
+      <p:ext uri="{BB962C8B-B14F-4D97-AF65-F5344CB8AC3E}">
+        <p14:creationId xmlns:p14="http://schemas.microsoft.com/office/powerpoint/2010/main" val="3148469610"/>
+      </p:ext>
+    </p:extLst>
+  </p:cSld>
+  <p:clrMapOvr>
+    <a:masterClrMapping/>
+  </p:clrMapOvr>
+</p:sld>
+</file>
+
+<file path=ppt/slides/slide18.xml><?xml version="1.0" encoding="utf-8"?>
 <p:sld xmlns:a="http://schemas.openxmlformats.org/drawingml/2006/main" xmlns:r="http://schemas.openxmlformats.org/officeDocument/2006/relationships" xmlns:p="http://schemas.openxmlformats.org/presentationml/2006/main">
   <p:cSld>
     <p:bg>
@@ -20390,8 +25953,8 @@
           </a:p>
         </p:txBody>
       </p:sp>
-      <mc:AlternateContent xmlns:mc="http://schemas.openxmlformats.org/markup-compatibility/2006" xmlns:a14="http://schemas.microsoft.com/office/drawing/2010/main">
-        <mc:Choice Requires="a14">
+      <mc:AlternateContent xmlns:mc="http://schemas.openxmlformats.org/markup-compatibility/2006">
+        <mc:Choice xmlns:a14="http://schemas.microsoft.com/office/drawing/2010/main" Requires="a14">
           <p:sp>
             <p:nvSpPr>
               <p:cNvPr id="3" name="Content Placeholder 2">
@@ -20408,10 +25971,15 @@
                 <p:ph idx="1"/>
               </p:nvPr>
             </p:nvSpPr>
-            <p:spPr/>
+            <p:spPr>
+              <a:xfrm>
+                <a:off x="838200" y="1600200"/>
+                <a:ext cx="10515600" cy="3370442"/>
+              </a:xfrm>
+            </p:spPr>
             <p:txBody>
               <a:bodyPr>
-                <a:normAutofit fontScale="92500" lnSpcReduction="20000"/>
+                <a:normAutofit fontScale="85000" lnSpcReduction="20000"/>
               </a:bodyPr>
               <a:lstStyle/>
               <a:p>
@@ -20719,6 +26287,9 @@
                 <a:endParaRPr lang="en-US" dirty="0"/>
               </a:p>
               <a:p>
+                <a:pPr marL="0" indent="0">
+                  <a:buNone/>
+                </a:pPr>
                 <a:endParaRPr lang="en-US" dirty="0"/>
               </a:p>
               <a:p>
@@ -20838,16 +26409,10 @@
                 <a:endParaRPr lang="en-US" dirty="0"/>
               </a:p>
               <a:p>
-                <a:endParaRPr lang="en-US" dirty="0"/>
-              </a:p>
-              <a:p>
                 <a:r>
                   <a:rPr lang="en-US" dirty="0"/>
-                  <a:t>The Q-function is often used for convenience in solving MDPs.</a:t>
+                  <a:t>The Q-function is often used for convenience in algorithms.</a:t>
                 </a:r>
-              </a:p>
-              <a:p>
-                <a:endParaRPr lang="en-US" dirty="0"/>
               </a:p>
               <a:p>
                 <a:endParaRPr lang="en-US" dirty="0"/>
@@ -20861,7 +26426,7 @@
             </p:txBody>
           </p:sp>
         </mc:Choice>
-        <mc:Fallback xmlns="">
+        <mc:Fallback>
           <p:sp>
             <p:nvSpPr>
               <p:cNvPr id="3" name="Content Placeholder 2">
@@ -20879,10 +26444,14 @@
               </p:nvPr>
             </p:nvSpPr>
             <p:spPr>
+              <a:xfrm>
+                <a:off x="838200" y="1600200"/>
+                <a:ext cx="10515600" cy="3370442"/>
+              </a:xfrm>
               <a:blipFill>
                 <a:blip r:embed="rId2"/>
                 <a:stretch>
-                  <a:fillRect l="-928" t="-3501" r="-1333"/>
+                  <a:fillRect l="-812" t="-4167" b="-3623"/>
                 </a:stretch>
               </a:blipFill>
             </p:spPr>
@@ -20915,7 +26484,7 @@
         </p:nvSpPr>
         <p:spPr>
           <a:xfrm>
-            <a:off x="3962400" y="3276600"/>
+            <a:off x="3962400" y="3051175"/>
             <a:ext cx="1150620" cy="573723"/>
           </a:xfrm>
           <a:prstGeom prst="wedgeRoundRectCallout">
@@ -20968,7 +26537,7 @@
         </p:nvSpPr>
         <p:spPr>
           <a:xfrm>
-            <a:off x="6934200" y="3299460"/>
+            <a:off x="6934200" y="3074035"/>
             <a:ext cx="2209800" cy="550863"/>
           </a:xfrm>
           <a:prstGeom prst="wedgeRoundRectCallout">

--- a/slides/22_Reinforcement_Learning.pptx
+++ b/slides/22_Reinforcement_Learning.pptx
@@ -5654,8 +5654,8 @@
         </p:blipFill>
         <p:spPr>
           <a:xfrm>
-            <a:off x="1524000" y="2169765"/>
-            <a:ext cx="8521370" cy="4191001"/>
+            <a:off x="1049729" y="2117253"/>
+            <a:ext cx="8130101" cy="3998566"/>
           </a:xfrm>
           <a:prstGeom prst="rect">
             <a:avLst/>
@@ -5676,8 +5676,8 @@
         </p:nvSpPr>
         <p:spPr>
           <a:xfrm>
-            <a:off x="1371600" y="2133600"/>
-            <a:ext cx="8763000" cy="4267200"/>
+            <a:off x="990600" y="2133600"/>
+            <a:ext cx="8001000" cy="3998566"/>
           </a:xfrm>
           <a:prstGeom prst="rect">
             <a:avLst/>
@@ -5852,7 +5852,7 @@
         </p:nvSpPr>
         <p:spPr>
           <a:xfrm>
-            <a:off x="8098277" y="4760566"/>
+            <a:off x="7315200" y="4530308"/>
             <a:ext cx="2667000" cy="685801"/>
           </a:xfrm>
           <a:prstGeom prst="wedgeRoundRectCallout">
@@ -5892,8 +5892,8 @@
           </a:p>
         </p:txBody>
       </p:sp>
-      <mc:AlternateContent xmlns:mc="http://schemas.openxmlformats.org/markup-compatibility/2006" xmlns:a14="http://schemas.microsoft.com/office/drawing/2010/main">
-        <mc:Choice Requires="a14">
+      <mc:AlternateContent xmlns:mc="http://schemas.openxmlformats.org/markup-compatibility/2006">
+        <mc:Choice xmlns:a14="http://schemas.microsoft.com/office/drawing/2010/main" Requires="a14">
           <p:sp>
             <p:nvSpPr>
               <p:cNvPr id="7" name="TextBox 6">
@@ -5908,7 +5908,7 @@
             </p:nvSpPr>
             <p:spPr>
               <a:xfrm>
-                <a:off x="8821043" y="5976041"/>
+                <a:off x="7711214" y="5858196"/>
                 <a:ext cx="2474716" cy="729559"/>
               </a:xfrm>
               <a:prstGeom prst="rect">
@@ -6045,7 +6045,7 @@
             </p:txBody>
           </p:sp>
         </mc:Choice>
-        <mc:Fallback xmlns="">
+        <mc:Fallback>
           <p:sp>
             <p:nvSpPr>
               <p:cNvPr id="7" name="TextBox 6">
@@ -6062,7 +6062,7 @@
             </p:nvSpPr>
             <p:spPr>
               <a:xfrm>
-                <a:off x="8821043" y="5976041"/>
+                <a:off x="7711214" y="5858196"/>
                 <a:ext cx="2474716" cy="729559"/>
               </a:xfrm>
               <a:prstGeom prst="rect">
@@ -6071,7 +6071,7 @@
               <a:blipFill>
                 <a:blip r:embed="rId4"/>
                 <a:stretch>
-                  <a:fillRect l="-1716" b="-13115"/>
+                  <a:fillRect l="-1716" t="-820" b="-13115"/>
                 </a:stretch>
               </a:blipFill>
             </p:spPr>
@@ -6090,8 +6090,8 @@
           </p:sp>
         </mc:Fallback>
       </mc:AlternateContent>
-      <mc:AlternateContent xmlns:mc="http://schemas.openxmlformats.org/markup-compatibility/2006" xmlns:a14="http://schemas.microsoft.com/office/drawing/2010/main">
-        <mc:Choice Requires="a14">
+      <mc:AlternateContent xmlns:mc="http://schemas.openxmlformats.org/markup-compatibility/2006">
+        <mc:Choice xmlns:a14="http://schemas.microsoft.com/office/drawing/2010/main" Requires="a14">
           <p:sp>
             <p:nvSpPr>
               <p:cNvPr id="13" name="TextBox 12">
@@ -6135,24 +6135,6 @@
                         <a:latin typeface="Cambria Math" panose="02040503050406030204" pitchFamily="18" charset="0"/>
                       </a:rPr>
                       <m:t>𝑈</m:t>
-                    </m:r>
-                    <m:r>
-                      <a:rPr lang="en-US" i="1" dirty="0" smtClean="0">
-                        <a:latin typeface="Cambria Math" panose="02040503050406030204" pitchFamily="18" charset="0"/>
-                      </a:rPr>
-                      <m:t>(</m:t>
-                    </m:r>
-                    <m:r>
-                      <a:rPr lang="en-US" i="1" dirty="0" smtClean="0">
-                        <a:latin typeface="Cambria Math" panose="02040503050406030204" pitchFamily="18" charset="0"/>
-                      </a:rPr>
-                      <m:t>𝑠</m:t>
-                    </m:r>
-                    <m:r>
-                      <a:rPr lang="en-US" i="1" dirty="0" smtClean="0">
-                        <a:latin typeface="Cambria Math" panose="02040503050406030204" pitchFamily="18" charset="0"/>
-                      </a:rPr>
-                      <m:t>)</m:t>
                     </m:r>
                   </m:oMath>
                 </a14:m>
@@ -6219,7 +6201,7 @@
             </p:txBody>
           </p:sp>
         </mc:Choice>
-        <mc:Fallback xmlns="">
+        <mc:Fallback>
           <p:sp>
             <p:nvSpPr>
               <p:cNvPr id="13" name="TextBox 12">
@@ -6245,7 +6227,7 @@
               <a:blipFill>
                 <a:blip r:embed="rId5"/>
                 <a:stretch>
-                  <a:fillRect l="-529" t="-3268" r="-176"/>
+                  <a:fillRect l="-529" t="-3268"/>
                 </a:stretch>
               </a:blipFill>
             </p:spPr>
@@ -6264,8 +6246,8 @@
           </p:sp>
         </mc:Fallback>
       </mc:AlternateContent>
-      <mc:AlternateContent xmlns:mc="http://schemas.openxmlformats.org/markup-compatibility/2006" xmlns:a14="http://schemas.microsoft.com/office/drawing/2010/main">
-        <mc:Choice Requires="a14">
+      <mc:AlternateContent xmlns:mc="http://schemas.openxmlformats.org/markup-compatibility/2006">
+        <mc:Choice xmlns:a14="http://schemas.microsoft.com/office/drawing/2010/main" Requires="a14">
           <p:sp>
             <p:nvSpPr>
               <p:cNvPr id="14" name="Speech Bubble: Rectangle with Corners Rounded 13">
@@ -6280,7 +6262,7 @@
             </p:nvSpPr>
             <p:spPr>
               <a:xfrm>
-                <a:off x="4267200" y="6019800"/>
+                <a:off x="3505200" y="5805612"/>
                 <a:ext cx="3810000" cy="685801"/>
               </a:xfrm>
               <a:prstGeom prst="wedgeRoundRectCallout">
@@ -6397,7 +6379,7 @@
             </p:txBody>
           </p:sp>
         </mc:Choice>
-        <mc:Fallback xmlns="">
+        <mc:Fallback>
           <p:sp>
             <p:nvSpPr>
               <p:cNvPr id="14" name="Speech Bubble: Rectangle with Corners Rounded 13">
@@ -6414,7 +6396,7 @@
             </p:nvSpPr>
             <p:spPr>
               <a:xfrm>
-                <a:off x="4267200" y="6019800"/>
+                <a:off x="3505200" y="5805612"/>
                 <a:ext cx="3810000" cy="685801"/>
               </a:xfrm>
               <a:prstGeom prst="wedgeRoundRectCallout">
@@ -6427,7 +6409,847 @@
               <a:blipFill>
                 <a:blip r:embed="rId6"/>
                 <a:stretch>
-                  <a:fillRect t="-877" b="-9649"/>
+                  <a:fillRect b="-9565"/>
+                </a:stretch>
+              </a:blipFill>
+            </p:spPr>
+            <p:txBody>
+              <a:bodyPr/>
+              <a:lstStyle/>
+              <a:p>
+                <a:r>
+                  <a:rPr lang="en-US">
+                    <a:noFill/>
+                  </a:rPr>
+                  <a:t> </a:t>
+                </a:r>
+              </a:p>
+            </p:txBody>
+          </p:sp>
+        </mc:Fallback>
+      </mc:AlternateContent>
+      <p:cxnSp>
+        <p:nvCxnSpPr>
+          <p:cNvPr id="4" name="Straight Connector 3">
+            <a:extLst>
+              <a:ext uri="{FF2B5EF4-FFF2-40B4-BE49-F238E27FC236}">
+                <a16:creationId xmlns:a16="http://schemas.microsoft.com/office/drawing/2014/main" id="{53024366-3B9C-8541-0D28-708BBC7AE6C7}"/>
+              </a:ext>
+            </a:extLst>
+          </p:cNvPr>
+          <p:cNvCxnSpPr>
+            <a:cxnSpLocks/>
+          </p:cNvCxnSpPr>
+          <p:nvPr/>
+        </p:nvCxnSpPr>
+        <p:spPr>
+          <a:xfrm>
+            <a:off x="9337182" y="3124199"/>
+            <a:ext cx="2393078" cy="0"/>
+          </a:xfrm>
+          <a:prstGeom prst="line">
+            <a:avLst/>
+          </a:prstGeom>
+        </p:spPr>
+        <p:style>
+          <a:lnRef idx="1">
+            <a:schemeClr val="accent1"/>
+          </a:lnRef>
+          <a:fillRef idx="0">
+            <a:schemeClr val="accent1"/>
+          </a:fillRef>
+          <a:effectRef idx="0">
+            <a:schemeClr val="accent1"/>
+          </a:effectRef>
+          <a:fontRef idx="minor">
+            <a:schemeClr val="tx1"/>
+          </a:fontRef>
+        </p:style>
+      </p:cxnSp>
+      <mc:AlternateContent xmlns:mc="http://schemas.openxmlformats.org/markup-compatibility/2006">
+        <mc:Choice xmlns:a14="http://schemas.microsoft.com/office/drawing/2010/main" Requires="a14">
+          <p:sp>
+            <p:nvSpPr>
+              <p:cNvPr id="9" name="TextBox 8">
+                <a:extLst>
+                  <a:ext uri="{FF2B5EF4-FFF2-40B4-BE49-F238E27FC236}">
+                    <a16:creationId xmlns:a16="http://schemas.microsoft.com/office/drawing/2014/main" id="{115AA05C-2180-0AF6-A384-9D75BED15ED1}"/>
+                  </a:ext>
+                </a:extLst>
+              </p:cNvPr>
+              <p:cNvSpPr txBox="1"/>
+              <p:nvPr/>
+            </p:nvSpPr>
+            <p:spPr>
+              <a:xfrm>
+                <a:off x="11425004" y="3092683"/>
+                <a:ext cx="766996" cy="388568"/>
+              </a:xfrm>
+              <a:prstGeom prst="rect">
+                <a:avLst/>
+              </a:prstGeom>
+              <a:noFill/>
+            </p:spPr>
+            <p:txBody>
+              <a:bodyPr wrap="square">
+                <a:spAutoFit/>
+              </a:bodyPr>
+              <a:lstStyle/>
+              <a:p>
+                <a:pPr/>
+                <a14:m>
+                  <m:oMathPara xmlns:m="http://schemas.openxmlformats.org/officeDocument/2006/math">
+                    <m:oMathParaPr>
+                      <m:jc m:val="centerGroup"/>
+                    </m:oMathParaPr>
+                    <m:oMath xmlns:m="http://schemas.openxmlformats.org/officeDocument/2006/math">
+                      <m:sSup>
+                        <m:sSupPr>
+                          <m:ctrlPr>
+                            <a:rPr lang="en-US" sz="1800" i="1" smtClean="0">
+                              <a:latin typeface="Cambria Math" panose="02040503050406030204" pitchFamily="18" charset="0"/>
+                            </a:rPr>
+                          </m:ctrlPr>
+                        </m:sSupPr>
+                        <m:e>
+                          <m:r>
+                            <a:rPr lang="en-US" sz="1800" i="1">
+                              <a:latin typeface="Cambria Math" panose="02040503050406030204" pitchFamily="18" charset="0"/>
+                            </a:rPr>
+                            <m:t>𝑈</m:t>
+                          </m:r>
+                        </m:e>
+                        <m:sup>
+                          <m:sSup>
+                            <m:sSupPr>
+                              <m:ctrlPr>
+                                <a:rPr lang="en-US" sz="1800" i="1">
+                                  <a:latin typeface="Cambria Math" panose="02040503050406030204" pitchFamily="18" charset="0"/>
+                                </a:rPr>
+                              </m:ctrlPr>
+                            </m:sSupPr>
+                            <m:e>
+                              <m:r>
+                                <a:rPr lang="en-US" sz="1800" i="1">
+                                  <a:latin typeface="Cambria Math" panose="02040503050406030204" pitchFamily="18" charset="0"/>
+                                </a:rPr>
+                                <m:t>𝜋</m:t>
+                              </m:r>
+                            </m:e>
+                            <m:sup>
+                              <m:r>
+                                <a:rPr lang="en-US" sz="1800" i="1">
+                                  <a:latin typeface="Cambria Math" panose="02040503050406030204" pitchFamily="18" charset="0"/>
+                                </a:rPr>
+                                <m:t>∗</m:t>
+                              </m:r>
+                            </m:sup>
+                          </m:sSup>
+                        </m:sup>
+                      </m:sSup>
+                    </m:oMath>
+                  </m:oMathPara>
+                </a14:m>
+                <a:endParaRPr lang="en-US" dirty="0"/>
+              </a:p>
+            </p:txBody>
+          </p:sp>
+        </mc:Choice>
+        <mc:Fallback>
+          <p:sp>
+            <p:nvSpPr>
+              <p:cNvPr id="9" name="TextBox 8">
+                <a:extLst>
+                  <a:ext uri="{FF2B5EF4-FFF2-40B4-BE49-F238E27FC236}">
+                    <a16:creationId xmlns:a16="http://schemas.microsoft.com/office/drawing/2014/main" id="{115AA05C-2180-0AF6-A384-9D75BED15ED1}"/>
+                  </a:ext>
+                </a:extLst>
+              </p:cNvPr>
+              <p:cNvSpPr txBox="1">
+                <a:spLocks noRot="1" noChangeAspect="1" noMove="1" noResize="1" noEditPoints="1" noAdjustHandles="1" noChangeArrowheads="1" noChangeShapeType="1" noTextEdit="1"/>
+              </p:cNvSpPr>
+              <p:nvPr/>
+            </p:nvSpPr>
+            <p:spPr>
+              <a:xfrm>
+                <a:off x="11425004" y="3092683"/>
+                <a:ext cx="766996" cy="388568"/>
+              </a:xfrm>
+              <a:prstGeom prst="rect">
+                <a:avLst/>
+              </a:prstGeom>
+              <a:blipFill>
+                <a:blip r:embed="rId7"/>
+                <a:stretch>
+                  <a:fillRect/>
+                </a:stretch>
+              </a:blipFill>
+            </p:spPr>
+            <p:txBody>
+              <a:bodyPr/>
+              <a:lstStyle/>
+              <a:p>
+                <a:r>
+                  <a:rPr lang="en-US">
+                    <a:noFill/>
+                  </a:rPr>
+                  <a:t> </a:t>
+                </a:r>
+              </a:p>
+            </p:txBody>
+          </p:sp>
+        </mc:Fallback>
+      </mc:AlternateContent>
+      <p:sp>
+        <p:nvSpPr>
+          <p:cNvPr id="25" name="Arc 24">
+            <a:extLst>
+              <a:ext uri="{FF2B5EF4-FFF2-40B4-BE49-F238E27FC236}">
+                <a16:creationId xmlns:a16="http://schemas.microsoft.com/office/drawing/2014/main" id="{830A3C56-435D-BEBE-B83F-3BA9F9E0169B}"/>
+              </a:ext>
+            </a:extLst>
+          </p:cNvPr>
+          <p:cNvSpPr/>
+          <p:nvPr/>
+        </p:nvSpPr>
+        <p:spPr>
+          <a:xfrm>
+            <a:off x="9760371" y="2649297"/>
+            <a:ext cx="574339" cy="1009376"/>
+          </a:xfrm>
+          <a:prstGeom prst="arc">
+            <a:avLst>
+              <a:gd name="adj1" fmla="val 10871568"/>
+              <a:gd name="adj2" fmla="val 0"/>
+            </a:avLst>
+          </a:prstGeom>
+          <a:ln w="19050" cap="flat" cmpd="sng" algn="ctr">
+            <a:solidFill>
+              <a:schemeClr val="accent6"/>
+            </a:solidFill>
+            <a:prstDash val="solid"/>
+            <a:round/>
+            <a:headEnd type="none" w="med" len="med"/>
+            <a:tailEnd type="arrow" w="med" len="med"/>
+          </a:ln>
+        </p:spPr>
+        <p:style>
+          <a:lnRef idx="0">
+            <a:scrgbClr r="0" g="0" b="0"/>
+          </a:lnRef>
+          <a:fillRef idx="0">
+            <a:scrgbClr r="0" g="0" b="0"/>
+          </a:fillRef>
+          <a:effectRef idx="0">
+            <a:scrgbClr r="0" g="0" b="0"/>
+          </a:effectRef>
+          <a:fontRef idx="minor">
+            <a:schemeClr val="tx1"/>
+          </a:fontRef>
+        </p:style>
+        <p:txBody>
+          <a:bodyPr rtlCol="0" anchor="ctr"/>
+          <a:lstStyle/>
+          <a:p>
+            <a:pPr algn="ctr"/>
+            <a:endParaRPr lang="en-US"/>
+          </a:p>
+        </p:txBody>
+      </p:sp>
+      <p:sp>
+        <p:nvSpPr>
+          <p:cNvPr id="26" name="Arc 25">
+            <a:extLst>
+              <a:ext uri="{FF2B5EF4-FFF2-40B4-BE49-F238E27FC236}">
+                <a16:creationId xmlns:a16="http://schemas.microsoft.com/office/drawing/2014/main" id="{3FB9398F-7C22-1F4D-9C1A-D846D19FEED3}"/>
+              </a:ext>
+            </a:extLst>
+          </p:cNvPr>
+          <p:cNvSpPr/>
+          <p:nvPr/>
+        </p:nvSpPr>
+        <p:spPr>
+          <a:xfrm>
+            <a:off x="10334710" y="2614308"/>
+            <a:ext cx="765785" cy="1019782"/>
+          </a:xfrm>
+          <a:prstGeom prst="arc">
+            <a:avLst>
+              <a:gd name="adj1" fmla="val 10871568"/>
+              <a:gd name="adj2" fmla="val 0"/>
+            </a:avLst>
+          </a:prstGeom>
+          <a:ln w="19050" cap="flat" cmpd="sng" algn="ctr">
+            <a:solidFill>
+              <a:schemeClr val="accent6"/>
+            </a:solidFill>
+            <a:prstDash val="solid"/>
+            <a:round/>
+            <a:headEnd type="none" w="med" len="med"/>
+            <a:tailEnd type="arrow" w="med" len="med"/>
+          </a:ln>
+        </p:spPr>
+        <p:style>
+          <a:lnRef idx="0">
+            <a:scrgbClr r="0" g="0" b="0"/>
+          </a:lnRef>
+          <a:fillRef idx="0">
+            <a:scrgbClr r="0" g="0" b="0"/>
+          </a:fillRef>
+          <a:effectRef idx="0">
+            <a:scrgbClr r="0" g="0" b="0"/>
+          </a:effectRef>
+          <a:fontRef idx="minor">
+            <a:schemeClr val="tx1"/>
+          </a:fontRef>
+        </p:style>
+        <p:txBody>
+          <a:bodyPr rtlCol="0" anchor="ctr"/>
+          <a:lstStyle/>
+          <a:p>
+            <a:pPr algn="ctr"/>
+            <a:endParaRPr lang="en-US"/>
+          </a:p>
+        </p:txBody>
+      </p:sp>
+      <p:sp>
+        <p:nvSpPr>
+          <p:cNvPr id="27" name="Arc 26">
+            <a:extLst>
+              <a:ext uri="{FF2B5EF4-FFF2-40B4-BE49-F238E27FC236}">
+                <a16:creationId xmlns:a16="http://schemas.microsoft.com/office/drawing/2014/main" id="{72229F87-12B2-362D-80BC-031A6CAAE42F}"/>
+              </a:ext>
+            </a:extLst>
+          </p:cNvPr>
+          <p:cNvSpPr/>
+          <p:nvPr/>
+        </p:nvSpPr>
+        <p:spPr>
+          <a:xfrm>
+            <a:off x="11100495" y="2627412"/>
+            <a:ext cx="220048" cy="1019782"/>
+          </a:xfrm>
+          <a:prstGeom prst="arc">
+            <a:avLst>
+              <a:gd name="adj1" fmla="val 10871568"/>
+              <a:gd name="adj2" fmla="val 0"/>
+            </a:avLst>
+          </a:prstGeom>
+          <a:ln w="19050" cap="flat" cmpd="sng" algn="ctr">
+            <a:solidFill>
+              <a:schemeClr val="accent6"/>
+            </a:solidFill>
+            <a:prstDash val="solid"/>
+            <a:round/>
+            <a:headEnd type="none" w="med" len="med"/>
+            <a:tailEnd type="arrow" w="med" len="med"/>
+          </a:ln>
+        </p:spPr>
+        <p:style>
+          <a:lnRef idx="0">
+            <a:scrgbClr r="0" g="0" b="0"/>
+          </a:lnRef>
+          <a:fillRef idx="0">
+            <a:scrgbClr r="0" g="0" b="0"/>
+          </a:fillRef>
+          <a:effectRef idx="0">
+            <a:scrgbClr r="0" g="0" b="0"/>
+          </a:effectRef>
+          <a:fontRef idx="minor">
+            <a:schemeClr val="tx1"/>
+          </a:fontRef>
+        </p:style>
+        <p:txBody>
+          <a:bodyPr rtlCol="0" anchor="ctr"/>
+          <a:lstStyle/>
+          <a:p>
+            <a:pPr algn="ctr"/>
+            <a:endParaRPr lang="en-US"/>
+          </a:p>
+        </p:txBody>
+      </p:sp>
+      <p:sp>
+        <p:nvSpPr>
+          <p:cNvPr id="28" name="Arc 27">
+            <a:extLst>
+              <a:ext uri="{FF2B5EF4-FFF2-40B4-BE49-F238E27FC236}">
+                <a16:creationId xmlns:a16="http://schemas.microsoft.com/office/drawing/2014/main" id="{936EFA66-6C09-679B-C4C9-F361F262C3E0}"/>
+              </a:ext>
+            </a:extLst>
+          </p:cNvPr>
+          <p:cNvSpPr/>
+          <p:nvPr/>
+        </p:nvSpPr>
+        <p:spPr>
+          <a:xfrm>
+            <a:off x="11308888" y="2648522"/>
+            <a:ext cx="417487" cy="951353"/>
+          </a:xfrm>
+          <a:prstGeom prst="arc">
+            <a:avLst>
+              <a:gd name="adj1" fmla="val 10871568"/>
+              <a:gd name="adj2" fmla="val 0"/>
+            </a:avLst>
+          </a:prstGeom>
+          <a:ln w="19050" cap="flat" cmpd="sng" algn="ctr">
+            <a:solidFill>
+              <a:schemeClr val="accent6"/>
+            </a:solidFill>
+            <a:prstDash val="solid"/>
+            <a:round/>
+            <a:headEnd type="none" w="med" len="med"/>
+            <a:tailEnd type="arrow" w="med" len="med"/>
+          </a:ln>
+        </p:spPr>
+        <p:style>
+          <a:lnRef idx="0">
+            <a:scrgbClr r="0" g="0" b="0"/>
+          </a:lnRef>
+          <a:fillRef idx="0">
+            <a:scrgbClr r="0" g="0" b="0"/>
+          </a:fillRef>
+          <a:effectRef idx="0">
+            <a:scrgbClr r="0" g="0" b="0"/>
+          </a:effectRef>
+          <a:fontRef idx="minor">
+            <a:schemeClr val="tx1"/>
+          </a:fontRef>
+        </p:style>
+        <p:txBody>
+          <a:bodyPr rtlCol="0" anchor="ctr"/>
+          <a:lstStyle/>
+          <a:p>
+            <a:pPr algn="ctr"/>
+            <a:endParaRPr lang="en-US"/>
+          </a:p>
+        </p:txBody>
+      </p:sp>
+      <mc:AlternateContent xmlns:mc="http://schemas.openxmlformats.org/markup-compatibility/2006">
+        <mc:Choice xmlns:a14="http://schemas.microsoft.com/office/drawing/2010/main" Requires="a14">
+          <p:sp>
+            <p:nvSpPr>
+              <p:cNvPr id="30" name="TextBox 29">
+                <a:extLst>
+                  <a:ext uri="{FF2B5EF4-FFF2-40B4-BE49-F238E27FC236}">
+                    <a16:creationId xmlns:a16="http://schemas.microsoft.com/office/drawing/2014/main" id="{6DB673C8-2425-685A-8CBE-35EDDCA1EB91}"/>
+                  </a:ext>
+                </a:extLst>
+              </p:cNvPr>
+              <p:cNvSpPr txBox="1"/>
+              <p:nvPr/>
+            </p:nvSpPr>
+            <p:spPr>
+              <a:xfrm>
+                <a:off x="9564903" y="3086337"/>
+                <a:ext cx="395810" cy="369332"/>
+              </a:xfrm>
+              <a:prstGeom prst="rect">
+                <a:avLst/>
+              </a:prstGeom>
+              <a:noFill/>
+            </p:spPr>
+            <p:txBody>
+              <a:bodyPr wrap="square">
+                <a:spAutoFit/>
+              </a:bodyPr>
+              <a:lstStyle/>
+              <a:p>
+                <a:pPr/>
+                <a14:m>
+                  <m:oMathPara xmlns:m="http://schemas.openxmlformats.org/officeDocument/2006/math">
+                    <m:oMathParaPr>
+                      <m:jc m:val="centerGroup"/>
+                    </m:oMathParaPr>
+                    <m:oMath xmlns:m="http://schemas.openxmlformats.org/officeDocument/2006/math">
+                      <m:r>
+                        <a:rPr lang="en-US" sz="1800" b="0" i="1" smtClean="0">
+                          <a:latin typeface="Cambria Math" panose="02040503050406030204" pitchFamily="18" charset="0"/>
+                        </a:rPr>
+                        <m:t>𝑈</m:t>
+                      </m:r>
+                    </m:oMath>
+                  </m:oMathPara>
+                </a14:m>
+                <a:endParaRPr lang="en-US" dirty="0"/>
+              </a:p>
+            </p:txBody>
+          </p:sp>
+        </mc:Choice>
+        <mc:Fallback>
+          <p:sp>
+            <p:nvSpPr>
+              <p:cNvPr id="30" name="TextBox 29">
+                <a:extLst>
+                  <a:ext uri="{FF2B5EF4-FFF2-40B4-BE49-F238E27FC236}">
+                    <a16:creationId xmlns:a16="http://schemas.microsoft.com/office/drawing/2014/main" id="{6DB673C8-2425-685A-8CBE-35EDDCA1EB91}"/>
+                  </a:ext>
+                </a:extLst>
+              </p:cNvPr>
+              <p:cNvSpPr txBox="1">
+                <a:spLocks noRot="1" noChangeAspect="1" noMove="1" noResize="1" noEditPoints="1" noAdjustHandles="1" noChangeArrowheads="1" noChangeShapeType="1" noTextEdit="1"/>
+              </p:cNvSpPr>
+              <p:nvPr/>
+            </p:nvSpPr>
+            <p:spPr>
+              <a:xfrm>
+                <a:off x="9564903" y="3086337"/>
+                <a:ext cx="395810" cy="369332"/>
+              </a:xfrm>
+              <a:prstGeom prst="rect">
+                <a:avLst/>
+              </a:prstGeom>
+              <a:blipFill>
+                <a:blip r:embed="rId8"/>
+                <a:stretch>
+                  <a:fillRect/>
+                </a:stretch>
+              </a:blipFill>
+            </p:spPr>
+            <p:txBody>
+              <a:bodyPr/>
+              <a:lstStyle/>
+              <a:p>
+                <a:r>
+                  <a:rPr lang="en-US">
+                    <a:noFill/>
+                  </a:rPr>
+                  <a:t> </a:t>
+                </a:r>
+              </a:p>
+            </p:txBody>
+          </p:sp>
+        </mc:Fallback>
+      </mc:AlternateContent>
+      <mc:AlternateContent xmlns:mc="http://schemas.openxmlformats.org/markup-compatibility/2006">
+        <mc:Choice xmlns:a14="http://schemas.microsoft.com/office/drawing/2010/main" Requires="a14">
+          <p:sp>
+            <p:nvSpPr>
+              <p:cNvPr id="31" name="TextBox 30">
+                <a:extLst>
+                  <a:ext uri="{FF2B5EF4-FFF2-40B4-BE49-F238E27FC236}">
+                    <a16:creationId xmlns:a16="http://schemas.microsoft.com/office/drawing/2014/main" id="{56DA2FE2-AC26-7B66-B5BD-7064ECD50CE7}"/>
+                  </a:ext>
+                </a:extLst>
+              </p:cNvPr>
+              <p:cNvSpPr txBox="1"/>
+              <p:nvPr/>
+            </p:nvSpPr>
+            <p:spPr>
+              <a:xfrm>
+                <a:off x="10066895" y="3115740"/>
+                <a:ext cx="395810" cy="369332"/>
+              </a:xfrm>
+              <a:prstGeom prst="rect">
+                <a:avLst/>
+              </a:prstGeom>
+              <a:noFill/>
+            </p:spPr>
+            <p:txBody>
+              <a:bodyPr wrap="square">
+                <a:spAutoFit/>
+              </a:bodyPr>
+              <a:lstStyle/>
+              <a:p>
+                <a:pPr/>
+                <a14:m>
+                  <m:oMathPara xmlns:m="http://schemas.openxmlformats.org/officeDocument/2006/math">
+                    <m:oMathParaPr>
+                      <m:jc m:val="centerGroup"/>
+                    </m:oMathParaPr>
+                    <m:oMath xmlns:m="http://schemas.openxmlformats.org/officeDocument/2006/math">
+                      <m:r>
+                        <a:rPr lang="en-US" sz="1800" b="0" i="1" smtClean="0">
+                          <a:latin typeface="Cambria Math" panose="02040503050406030204" pitchFamily="18" charset="0"/>
+                        </a:rPr>
+                        <m:t>𝑈</m:t>
+                      </m:r>
+                      <m:r>
+                        <a:rPr lang="en-US" sz="1800" b="0" i="1" smtClean="0">
+                          <a:latin typeface="Cambria Math" panose="02040503050406030204" pitchFamily="18" charset="0"/>
+                        </a:rPr>
+                        <m:t>′</m:t>
+                      </m:r>
+                    </m:oMath>
+                  </m:oMathPara>
+                </a14:m>
+                <a:endParaRPr lang="en-US" dirty="0"/>
+              </a:p>
+            </p:txBody>
+          </p:sp>
+        </mc:Choice>
+        <mc:Fallback>
+          <p:sp>
+            <p:nvSpPr>
+              <p:cNvPr id="31" name="TextBox 30">
+                <a:extLst>
+                  <a:ext uri="{FF2B5EF4-FFF2-40B4-BE49-F238E27FC236}">
+                    <a16:creationId xmlns:a16="http://schemas.microsoft.com/office/drawing/2014/main" id="{56DA2FE2-AC26-7B66-B5BD-7064ECD50CE7}"/>
+                  </a:ext>
+                </a:extLst>
+              </p:cNvPr>
+              <p:cNvSpPr txBox="1">
+                <a:spLocks noRot="1" noChangeAspect="1" noMove="1" noResize="1" noEditPoints="1" noAdjustHandles="1" noChangeArrowheads="1" noChangeShapeType="1" noTextEdit="1"/>
+              </p:cNvSpPr>
+              <p:nvPr/>
+            </p:nvSpPr>
+            <p:spPr>
+              <a:xfrm>
+                <a:off x="10066895" y="3115740"/>
+                <a:ext cx="395810" cy="369332"/>
+              </a:xfrm>
+              <a:prstGeom prst="rect">
+                <a:avLst/>
+              </a:prstGeom>
+              <a:blipFill>
+                <a:blip r:embed="rId9"/>
+                <a:stretch>
+                  <a:fillRect r="-1538"/>
+                </a:stretch>
+              </a:blipFill>
+            </p:spPr>
+            <p:txBody>
+              <a:bodyPr/>
+              <a:lstStyle/>
+              <a:p>
+                <a:r>
+                  <a:rPr lang="en-US">
+                    <a:noFill/>
+                  </a:rPr>
+                  <a:t> </a:t>
+                </a:r>
+              </a:p>
+            </p:txBody>
+          </p:sp>
+        </mc:Fallback>
+      </mc:AlternateContent>
+      <p:sp>
+        <p:nvSpPr>
+          <p:cNvPr id="34" name="Oval 33">
+            <a:extLst>
+              <a:ext uri="{FF2B5EF4-FFF2-40B4-BE49-F238E27FC236}">
+                <a16:creationId xmlns:a16="http://schemas.microsoft.com/office/drawing/2014/main" id="{4AF4F629-36FB-BF7C-2361-1AFA669F5F24}"/>
+              </a:ext>
+            </a:extLst>
+          </p:cNvPr>
+          <p:cNvSpPr/>
+          <p:nvPr/>
+        </p:nvSpPr>
+        <p:spPr>
+          <a:xfrm>
+            <a:off x="11680507" y="3066584"/>
+            <a:ext cx="127995" cy="117892"/>
+          </a:xfrm>
+          <a:prstGeom prst="ellipse">
+            <a:avLst/>
+          </a:prstGeom>
+        </p:spPr>
+        <p:style>
+          <a:lnRef idx="2">
+            <a:schemeClr val="accent6">
+              <a:shade val="15000"/>
+            </a:schemeClr>
+          </a:lnRef>
+          <a:fillRef idx="1">
+            <a:schemeClr val="accent6"/>
+          </a:fillRef>
+          <a:effectRef idx="0">
+            <a:schemeClr val="accent6"/>
+          </a:effectRef>
+          <a:fontRef idx="minor">
+            <a:schemeClr val="lt1"/>
+          </a:fontRef>
+        </p:style>
+        <p:txBody>
+          <a:bodyPr rtlCol="0" anchor="ctr"/>
+          <a:lstStyle/>
+          <a:p>
+            <a:pPr algn="ctr"/>
+            <a:endParaRPr lang="en-US"/>
+          </a:p>
+        </p:txBody>
+      </p:sp>
+      <p:sp>
+        <p:nvSpPr>
+          <p:cNvPr id="36" name="TextBox 35">
+            <a:extLst>
+              <a:ext uri="{FF2B5EF4-FFF2-40B4-BE49-F238E27FC236}">
+                <a16:creationId xmlns:a16="http://schemas.microsoft.com/office/drawing/2014/main" id="{0C0182D5-6E45-5881-FEB0-C4755A1551A6}"/>
+              </a:ext>
+            </a:extLst>
+          </p:cNvPr>
+          <p:cNvSpPr txBox="1"/>
+          <p:nvPr/>
+        </p:nvSpPr>
+        <p:spPr>
+          <a:xfrm>
+            <a:off x="9508665" y="2296800"/>
+            <a:ext cx="1354529" cy="278747"/>
+          </a:xfrm>
+          <a:prstGeom prst="rect">
+            <a:avLst/>
+          </a:prstGeom>
+          <a:noFill/>
+        </p:spPr>
+        <p:txBody>
+          <a:bodyPr wrap="square">
+            <a:spAutoFit/>
+          </a:bodyPr>
+          <a:lstStyle/>
+          <a:p>
+            <a:r>
+              <a:rPr lang="en-US" sz="1200" dirty="0"/>
+              <a:t>Bellman update</a:t>
+            </a:r>
+          </a:p>
+        </p:txBody>
+      </p:sp>
+      <p:sp>
+        <p:nvSpPr>
+          <p:cNvPr id="37" name="Arrow: Down 36">
+            <a:extLst>
+              <a:ext uri="{FF2B5EF4-FFF2-40B4-BE49-F238E27FC236}">
+                <a16:creationId xmlns:a16="http://schemas.microsoft.com/office/drawing/2014/main" id="{489C2DDD-1EBF-335C-9781-0FE90D3CF19A}"/>
+              </a:ext>
+            </a:extLst>
+          </p:cNvPr>
+          <p:cNvSpPr/>
+          <p:nvPr/>
+        </p:nvSpPr>
+        <p:spPr>
+          <a:xfrm>
+            <a:off x="11582400" y="3481251"/>
+            <a:ext cx="248436" cy="388563"/>
+          </a:xfrm>
+          <a:prstGeom prst="downArrow">
+            <a:avLst/>
+          </a:prstGeom>
+        </p:spPr>
+        <p:style>
+          <a:lnRef idx="2">
+            <a:schemeClr val="accent6">
+              <a:shade val="15000"/>
+            </a:schemeClr>
+          </a:lnRef>
+          <a:fillRef idx="1">
+            <a:schemeClr val="accent6"/>
+          </a:fillRef>
+          <a:effectRef idx="0">
+            <a:schemeClr val="accent6"/>
+          </a:effectRef>
+          <a:fontRef idx="minor">
+            <a:schemeClr val="lt1"/>
+          </a:fontRef>
+        </p:style>
+        <p:txBody>
+          <a:bodyPr rtlCol="0" anchor="ctr"/>
+          <a:lstStyle/>
+          <a:p>
+            <a:pPr algn="ctr"/>
+            <a:endParaRPr lang="en-US"/>
+          </a:p>
+        </p:txBody>
+      </p:sp>
+      <mc:AlternateContent xmlns:mc="http://schemas.openxmlformats.org/markup-compatibility/2006">
+        <mc:Choice xmlns:a14="http://schemas.microsoft.com/office/drawing/2010/main" Requires="a14">
+          <p:sp>
+            <p:nvSpPr>
+              <p:cNvPr id="38" name="TextBox 37">
+                <a:extLst>
+                  <a:ext uri="{FF2B5EF4-FFF2-40B4-BE49-F238E27FC236}">
+                    <a16:creationId xmlns:a16="http://schemas.microsoft.com/office/drawing/2014/main" id="{1B940FEA-C9FB-9A35-6062-2E30E7F88345}"/>
+                  </a:ext>
+                </a:extLst>
+              </p:cNvPr>
+              <p:cNvSpPr txBox="1"/>
+              <p:nvPr/>
+            </p:nvSpPr>
+            <p:spPr>
+              <a:xfrm>
+                <a:off x="11100089" y="3830699"/>
+                <a:ext cx="1069780" cy="338554"/>
+              </a:xfrm>
+              <a:prstGeom prst="rect">
+                <a:avLst/>
+              </a:prstGeom>
+              <a:noFill/>
+            </p:spPr>
+            <p:txBody>
+              <a:bodyPr wrap="none" rtlCol="0">
+                <a:spAutoFit/>
+              </a:bodyPr>
+              <a:lstStyle/>
+              <a:p>
+                <a:r>
+                  <a:rPr lang="en-US" sz="1600" dirty="0"/>
+                  <a:t>Extract </a:t>
+                </a:r>
+                <a14:m>
+                  <m:oMath xmlns:m="http://schemas.openxmlformats.org/officeDocument/2006/math">
+                    <m:sSup>
+                      <m:sSupPr>
+                        <m:ctrlPr>
+                          <a:rPr lang="en-US" sz="1600" b="0" i="1" smtClean="0">
+                            <a:latin typeface="Cambria Math" panose="02040503050406030204" pitchFamily="18" charset="0"/>
+                          </a:rPr>
+                        </m:ctrlPr>
+                      </m:sSupPr>
+                      <m:e>
+                        <m:r>
+                          <a:rPr lang="en-US" sz="1600" b="0" i="1" smtClean="0">
+                            <a:latin typeface="Cambria Math" panose="02040503050406030204" pitchFamily="18" charset="0"/>
+                          </a:rPr>
+                          <m:t>𝜋</m:t>
+                        </m:r>
+                      </m:e>
+                      <m:sup>
+                        <m:r>
+                          <a:rPr lang="en-US" sz="1600" b="0" i="1" smtClean="0">
+                            <a:latin typeface="Cambria Math" panose="02040503050406030204" pitchFamily="18" charset="0"/>
+                          </a:rPr>
+                          <m:t>∗</m:t>
+                        </m:r>
+                      </m:sup>
+                    </m:sSup>
+                    <m:r>
+                      <a:rPr lang="en-US" sz="1600" b="0" i="1" smtClean="0">
+                        <a:latin typeface="Cambria Math" panose="02040503050406030204" pitchFamily="18" charset="0"/>
+                      </a:rPr>
+                      <m:t> </m:t>
+                    </m:r>
+                  </m:oMath>
+                </a14:m>
+                <a:endParaRPr lang="en-US" sz="1600" dirty="0"/>
+              </a:p>
+            </p:txBody>
+          </p:sp>
+        </mc:Choice>
+        <mc:Fallback>
+          <p:sp>
+            <p:nvSpPr>
+              <p:cNvPr id="38" name="TextBox 37">
+                <a:extLst>
+                  <a:ext uri="{FF2B5EF4-FFF2-40B4-BE49-F238E27FC236}">
+                    <a16:creationId xmlns:a16="http://schemas.microsoft.com/office/drawing/2014/main" id="{1B940FEA-C9FB-9A35-6062-2E30E7F88345}"/>
+                  </a:ext>
+                </a:extLst>
+              </p:cNvPr>
+              <p:cNvSpPr txBox="1">
+                <a:spLocks noRot="1" noChangeAspect="1" noMove="1" noResize="1" noEditPoints="1" noAdjustHandles="1" noChangeArrowheads="1" noChangeShapeType="1" noTextEdit="1"/>
+              </p:cNvSpPr>
+              <p:nvPr/>
+            </p:nvSpPr>
+            <p:spPr>
+              <a:xfrm>
+                <a:off x="11100089" y="3830699"/>
+                <a:ext cx="1069780" cy="338554"/>
+              </a:xfrm>
+              <a:prstGeom prst="rect">
+                <a:avLst/>
+              </a:prstGeom>
+              <a:blipFill>
+                <a:blip r:embed="rId10"/>
+                <a:stretch>
+                  <a:fillRect l="-3429" t="-5357" b="-21429"/>
                 </a:stretch>
               </a:blipFill>
             </p:spPr>
@@ -6498,8 +7320,8 @@
         </p:blipFill>
         <p:spPr>
           <a:xfrm>
-            <a:off x="1489541" y="2071688"/>
-            <a:ext cx="8181975" cy="4200525"/>
+            <a:off x="914400" y="1847697"/>
+            <a:ext cx="7764528" cy="3986213"/>
           </a:xfrm>
           <a:prstGeom prst="rect">
             <a:avLst/>
@@ -6520,8 +7342,8 @@
         </p:nvSpPr>
         <p:spPr>
           <a:xfrm>
-            <a:off x="1407457" y="1981200"/>
-            <a:ext cx="8041343" cy="4343400"/>
+            <a:off x="930797" y="1828800"/>
+            <a:ext cx="7540391" cy="3986213"/>
           </a:xfrm>
           <a:prstGeom prst="rect">
             <a:avLst/>
@@ -6666,8 +7488,8 @@
         </p:nvSpPr>
         <p:spPr>
           <a:xfrm>
-            <a:off x="8834258" y="4233710"/>
-            <a:ext cx="304800" cy="1752600"/>
+            <a:off x="7848600" y="4082377"/>
+            <a:ext cx="304800" cy="1118740"/>
           </a:xfrm>
           <a:prstGeom prst="rightBrace">
             <a:avLst/>
@@ -6696,8 +7518,8 @@
           </a:p>
         </p:txBody>
       </p:sp>
-      <mc:AlternateContent xmlns:mc="http://schemas.openxmlformats.org/markup-compatibility/2006" xmlns:a14="http://schemas.microsoft.com/office/drawing/2010/main">
-        <mc:Choice Requires="a14">
+      <mc:AlternateContent xmlns:mc="http://schemas.openxmlformats.org/markup-compatibility/2006">
+        <mc:Choice xmlns:a14="http://schemas.microsoft.com/office/drawing/2010/main" Requires="a14">
           <p:sp>
             <p:nvSpPr>
               <p:cNvPr id="9" name="TextBox 8">
@@ -6712,7 +7534,7 @@
             </p:nvSpPr>
             <p:spPr>
               <a:xfrm>
-                <a:off x="9123818" y="5916120"/>
+                <a:off x="6710665" y="5392402"/>
                 <a:ext cx="2885470" cy="729559"/>
               </a:xfrm>
               <a:prstGeom prst="rect">
@@ -6895,7 +7717,7 @@
             </p:txBody>
           </p:sp>
         </mc:Choice>
-        <mc:Fallback xmlns="">
+        <mc:Fallback>
           <p:sp>
             <p:nvSpPr>
               <p:cNvPr id="9" name="TextBox 8">
@@ -6912,7 +7734,7 @@
             </p:nvSpPr>
             <p:spPr>
               <a:xfrm>
-                <a:off x="9123818" y="5916120"/>
+                <a:off x="6710665" y="5392402"/>
                 <a:ext cx="2885470" cy="729559"/>
               </a:xfrm>
               <a:prstGeom prst="rect">
@@ -6921,7 +7743,7 @@
               <a:blipFill>
                 <a:blip r:embed="rId4"/>
                 <a:stretch>
-                  <a:fillRect l="-1684" t="-3279" r="-1474" b="-13115"/>
+                  <a:fillRect l="-1684" t="-4132" r="-1474" b="-14050"/>
                 </a:stretch>
               </a:blipFill>
             </p:spPr>
@@ -6954,13 +7776,13 @@
         </p:nvSpPr>
         <p:spPr>
           <a:xfrm>
-            <a:off x="6858000" y="3309041"/>
-            <a:ext cx="3657600" cy="809808"/>
+            <a:off x="5731189" y="3008483"/>
+            <a:ext cx="3274054" cy="1031848"/>
           </a:xfrm>
           <a:prstGeom prst="wedgeRoundRectCallout">
             <a:avLst>
-              <a:gd name="adj1" fmla="val -65187"/>
-              <a:gd name="adj2" fmla="val 14454"/>
+              <a:gd name="adj1" fmla="val -62359"/>
+              <a:gd name="adj2" fmla="val -5737"/>
               <a:gd name="adj3" fmla="val 16667"/>
             </a:avLst>
           </a:prstGeom>
@@ -6988,14 +7810,7 @@
             <a:pPr algn="ctr"/>
             <a:r>
               <a:rPr lang="en-US" dirty="0"/>
-              <a:t>Calculate U given current policy</a:t>
-            </a:r>
-            <a:br>
-              <a:rPr lang="en-US" dirty="0"/>
-            </a:br>
-            <a:r>
-              <a:rPr lang="en-US" dirty="0"/>
-              <a:t>(either solve an LP or value iteration with fixed policy)</a:t>
+              <a:t>Calculate U given current policy (either solve an LP or value iteration with fixed policy)</a:t>
             </a:r>
           </a:p>
         </p:txBody>
@@ -7014,7 +7829,7 @@
         </p:nvSpPr>
         <p:spPr>
           <a:xfrm>
-            <a:off x="9331558" y="4767110"/>
+            <a:off x="8243243" y="4298847"/>
             <a:ext cx="1524000" cy="685800"/>
           </a:xfrm>
           <a:prstGeom prst="roundRect">
@@ -7085,6 +7900,884 @@
             <a:r>
               <a:rPr lang="en-US" dirty="0"/>
               <a:t>Policy iteration tries to directly find the optimal policy by iterating policy evaluation and improvement.</a:t>
+            </a:r>
+          </a:p>
+        </p:txBody>
+      </p:sp>
+      <p:cxnSp>
+        <p:nvCxnSpPr>
+          <p:cNvPr id="3" name="Straight Connector 2">
+            <a:extLst>
+              <a:ext uri="{FF2B5EF4-FFF2-40B4-BE49-F238E27FC236}">
+                <a16:creationId xmlns:a16="http://schemas.microsoft.com/office/drawing/2014/main" id="{447A44AD-8292-96EC-1994-4950D408FAE5}"/>
+              </a:ext>
+            </a:extLst>
+          </p:cNvPr>
+          <p:cNvCxnSpPr>
+            <a:cxnSpLocks/>
+          </p:cNvCxnSpPr>
+          <p:nvPr/>
+        </p:nvCxnSpPr>
+        <p:spPr>
+          <a:xfrm>
+            <a:off x="9767243" y="2133600"/>
+            <a:ext cx="1963017" cy="990599"/>
+          </a:xfrm>
+          <a:prstGeom prst="line">
+            <a:avLst/>
+          </a:prstGeom>
+        </p:spPr>
+        <p:style>
+          <a:lnRef idx="1">
+            <a:schemeClr val="accent1"/>
+          </a:lnRef>
+          <a:fillRef idx="0">
+            <a:schemeClr val="accent1"/>
+          </a:fillRef>
+          <a:effectRef idx="0">
+            <a:schemeClr val="accent1"/>
+          </a:effectRef>
+          <a:fontRef idx="minor">
+            <a:schemeClr val="tx1"/>
+          </a:fontRef>
+        </p:style>
+      </p:cxnSp>
+      <mc:AlternateContent xmlns:mc="http://schemas.openxmlformats.org/markup-compatibility/2006">
+        <mc:Choice xmlns:a14="http://schemas.microsoft.com/office/drawing/2010/main" Requires="a14">
+          <p:sp>
+            <p:nvSpPr>
+              <p:cNvPr id="4" name="TextBox 3">
+                <a:extLst>
+                  <a:ext uri="{FF2B5EF4-FFF2-40B4-BE49-F238E27FC236}">
+                    <a16:creationId xmlns:a16="http://schemas.microsoft.com/office/drawing/2014/main" id="{19BECD92-8EB4-3F3A-747C-2F7B09A3A737}"/>
+                  </a:ext>
+                </a:extLst>
+              </p:cNvPr>
+              <p:cNvSpPr txBox="1"/>
+              <p:nvPr/>
+            </p:nvSpPr>
+            <p:spPr>
+              <a:xfrm>
+                <a:off x="11450082" y="2697769"/>
+                <a:ext cx="766996" cy="388568"/>
+              </a:xfrm>
+              <a:prstGeom prst="rect">
+                <a:avLst/>
+              </a:prstGeom>
+              <a:noFill/>
+            </p:spPr>
+            <p:txBody>
+              <a:bodyPr wrap="square">
+                <a:spAutoFit/>
+              </a:bodyPr>
+              <a:lstStyle/>
+              <a:p>
+                <a:pPr/>
+                <a14:m>
+                  <m:oMathPara xmlns:m="http://schemas.openxmlformats.org/officeDocument/2006/math">
+                    <m:oMathParaPr>
+                      <m:jc m:val="centerGroup"/>
+                    </m:oMathParaPr>
+                    <m:oMath xmlns:m="http://schemas.openxmlformats.org/officeDocument/2006/math">
+                      <m:sSup>
+                        <m:sSupPr>
+                          <m:ctrlPr>
+                            <a:rPr lang="en-US" sz="1800" i="1" smtClean="0">
+                              <a:latin typeface="Cambria Math" panose="02040503050406030204" pitchFamily="18" charset="0"/>
+                            </a:rPr>
+                          </m:ctrlPr>
+                        </m:sSupPr>
+                        <m:e>
+                          <m:r>
+                            <a:rPr lang="en-US" sz="1800" i="1">
+                              <a:latin typeface="Cambria Math" panose="02040503050406030204" pitchFamily="18" charset="0"/>
+                            </a:rPr>
+                            <m:t>𝑈</m:t>
+                          </m:r>
+                        </m:e>
+                        <m:sup>
+                          <m:sSup>
+                            <m:sSupPr>
+                              <m:ctrlPr>
+                                <a:rPr lang="en-US" sz="1800" i="1">
+                                  <a:latin typeface="Cambria Math" panose="02040503050406030204" pitchFamily="18" charset="0"/>
+                                </a:rPr>
+                              </m:ctrlPr>
+                            </m:sSupPr>
+                            <m:e>
+                              <m:r>
+                                <a:rPr lang="en-US" sz="1800" i="1">
+                                  <a:latin typeface="Cambria Math" panose="02040503050406030204" pitchFamily="18" charset="0"/>
+                                </a:rPr>
+                                <m:t>𝜋</m:t>
+                              </m:r>
+                            </m:e>
+                            <m:sup>
+                              <m:r>
+                                <a:rPr lang="en-US" sz="1800" i="1">
+                                  <a:latin typeface="Cambria Math" panose="02040503050406030204" pitchFamily="18" charset="0"/>
+                                </a:rPr>
+                                <m:t>∗</m:t>
+                              </m:r>
+                            </m:sup>
+                          </m:sSup>
+                        </m:sup>
+                      </m:sSup>
+                    </m:oMath>
+                  </m:oMathPara>
+                </a14:m>
+                <a:endParaRPr lang="en-US" dirty="0"/>
+              </a:p>
+            </p:txBody>
+          </p:sp>
+        </mc:Choice>
+        <mc:Fallback>
+          <p:sp>
+            <p:nvSpPr>
+              <p:cNvPr id="4" name="TextBox 3">
+                <a:extLst>
+                  <a:ext uri="{FF2B5EF4-FFF2-40B4-BE49-F238E27FC236}">
+                    <a16:creationId xmlns:a16="http://schemas.microsoft.com/office/drawing/2014/main" id="{19BECD92-8EB4-3F3A-747C-2F7B09A3A737}"/>
+                  </a:ext>
+                </a:extLst>
+              </p:cNvPr>
+              <p:cNvSpPr txBox="1">
+                <a:spLocks noRot="1" noChangeAspect="1" noMove="1" noResize="1" noEditPoints="1" noAdjustHandles="1" noChangeArrowheads="1" noChangeShapeType="1" noTextEdit="1"/>
+              </p:cNvSpPr>
+              <p:nvPr/>
+            </p:nvSpPr>
+            <p:spPr>
+              <a:xfrm>
+                <a:off x="11450082" y="2697769"/>
+                <a:ext cx="766996" cy="388568"/>
+              </a:xfrm>
+              <a:prstGeom prst="rect">
+                <a:avLst/>
+              </a:prstGeom>
+              <a:blipFill>
+                <a:blip r:embed="rId5"/>
+                <a:stretch>
+                  <a:fillRect/>
+                </a:stretch>
+              </a:blipFill>
+            </p:spPr>
+            <p:txBody>
+              <a:bodyPr/>
+              <a:lstStyle/>
+              <a:p>
+                <a:r>
+                  <a:rPr lang="en-US">
+                    <a:noFill/>
+                  </a:rPr>
+                  <a:t> </a:t>
+                </a:r>
+              </a:p>
+            </p:txBody>
+          </p:sp>
+        </mc:Fallback>
+      </mc:AlternateContent>
+      <mc:AlternateContent xmlns:mc="http://schemas.openxmlformats.org/markup-compatibility/2006">
+        <mc:Choice xmlns:a14="http://schemas.microsoft.com/office/drawing/2010/main" Requires="a14">
+          <p:sp>
+            <p:nvSpPr>
+              <p:cNvPr id="14" name="TextBox 13">
+                <a:extLst>
+                  <a:ext uri="{FF2B5EF4-FFF2-40B4-BE49-F238E27FC236}">
+                    <a16:creationId xmlns:a16="http://schemas.microsoft.com/office/drawing/2014/main" id="{FB9EE7AE-F5DB-6FED-EB86-DEBFF10FC2A3}"/>
+                  </a:ext>
+                </a:extLst>
+              </p:cNvPr>
+              <p:cNvSpPr txBox="1"/>
+              <p:nvPr/>
+            </p:nvSpPr>
+            <p:spPr>
+              <a:xfrm>
+                <a:off x="9767243" y="1765352"/>
+                <a:ext cx="395810" cy="369332"/>
+              </a:xfrm>
+              <a:prstGeom prst="rect">
+                <a:avLst/>
+              </a:prstGeom>
+              <a:noFill/>
+            </p:spPr>
+            <p:txBody>
+              <a:bodyPr wrap="square">
+                <a:spAutoFit/>
+              </a:bodyPr>
+              <a:lstStyle/>
+              <a:p>
+                <a:pPr/>
+                <a14:m>
+                  <m:oMathPara xmlns:m="http://schemas.openxmlformats.org/officeDocument/2006/math">
+                    <m:oMathParaPr>
+                      <m:jc m:val="centerGroup"/>
+                    </m:oMathParaPr>
+                    <m:oMath xmlns:m="http://schemas.openxmlformats.org/officeDocument/2006/math">
+                      <m:r>
+                        <a:rPr lang="en-US" sz="1800" b="0" i="1" smtClean="0">
+                          <a:latin typeface="Cambria Math" panose="02040503050406030204" pitchFamily="18" charset="0"/>
+                        </a:rPr>
+                        <m:t>𝑈</m:t>
+                      </m:r>
+                    </m:oMath>
+                  </m:oMathPara>
+                </a14:m>
+                <a:endParaRPr lang="en-US" dirty="0"/>
+              </a:p>
+            </p:txBody>
+          </p:sp>
+        </mc:Choice>
+        <mc:Fallback>
+          <p:sp>
+            <p:nvSpPr>
+              <p:cNvPr id="14" name="TextBox 13">
+                <a:extLst>
+                  <a:ext uri="{FF2B5EF4-FFF2-40B4-BE49-F238E27FC236}">
+                    <a16:creationId xmlns:a16="http://schemas.microsoft.com/office/drawing/2014/main" id="{FB9EE7AE-F5DB-6FED-EB86-DEBFF10FC2A3}"/>
+                  </a:ext>
+                </a:extLst>
+              </p:cNvPr>
+              <p:cNvSpPr txBox="1">
+                <a:spLocks noRot="1" noChangeAspect="1" noMove="1" noResize="1" noEditPoints="1" noAdjustHandles="1" noChangeArrowheads="1" noChangeShapeType="1" noTextEdit="1"/>
+              </p:cNvSpPr>
+              <p:nvPr/>
+            </p:nvSpPr>
+            <p:spPr>
+              <a:xfrm>
+                <a:off x="9767243" y="1765352"/>
+                <a:ext cx="395810" cy="369332"/>
+              </a:xfrm>
+              <a:prstGeom prst="rect">
+                <a:avLst/>
+              </a:prstGeom>
+              <a:blipFill>
+                <a:blip r:embed="rId6"/>
+                <a:stretch>
+                  <a:fillRect/>
+                </a:stretch>
+              </a:blipFill>
+            </p:spPr>
+            <p:txBody>
+              <a:bodyPr/>
+              <a:lstStyle/>
+              <a:p>
+                <a:r>
+                  <a:rPr lang="en-US">
+                    <a:noFill/>
+                  </a:rPr>
+                  <a:t> </a:t>
+                </a:r>
+              </a:p>
+            </p:txBody>
+          </p:sp>
+        </mc:Fallback>
+      </mc:AlternateContent>
+      <p:sp>
+        <p:nvSpPr>
+          <p:cNvPr id="17" name="Oval 16">
+            <a:extLst>
+              <a:ext uri="{FF2B5EF4-FFF2-40B4-BE49-F238E27FC236}">
+                <a16:creationId xmlns:a16="http://schemas.microsoft.com/office/drawing/2014/main" id="{E957BD3F-E8AA-B5A0-FC84-59F338DCDE83}"/>
+              </a:ext>
+            </a:extLst>
+          </p:cNvPr>
+          <p:cNvSpPr/>
+          <p:nvPr/>
+        </p:nvSpPr>
+        <p:spPr>
+          <a:xfrm>
+            <a:off x="11680507" y="3066584"/>
+            <a:ext cx="127995" cy="117892"/>
+          </a:xfrm>
+          <a:prstGeom prst="ellipse">
+            <a:avLst/>
+          </a:prstGeom>
+        </p:spPr>
+        <p:style>
+          <a:lnRef idx="2">
+            <a:schemeClr val="accent6">
+              <a:shade val="15000"/>
+            </a:schemeClr>
+          </a:lnRef>
+          <a:fillRef idx="1">
+            <a:schemeClr val="accent6"/>
+          </a:fillRef>
+          <a:effectRef idx="0">
+            <a:schemeClr val="accent6"/>
+          </a:effectRef>
+          <a:fontRef idx="minor">
+            <a:schemeClr val="lt1"/>
+          </a:fontRef>
+        </p:style>
+        <p:txBody>
+          <a:bodyPr rtlCol="0" anchor="ctr"/>
+          <a:lstStyle/>
+          <a:p>
+            <a:pPr algn="ctr"/>
+            <a:endParaRPr lang="en-US"/>
+          </a:p>
+        </p:txBody>
+      </p:sp>
+      <mc:AlternateContent xmlns:mc="http://schemas.openxmlformats.org/markup-compatibility/2006">
+        <mc:Choice xmlns:a14="http://schemas.microsoft.com/office/drawing/2010/main" Requires="a14">
+          <p:sp>
+            <p:nvSpPr>
+              <p:cNvPr id="21" name="TextBox 20">
+                <a:extLst>
+                  <a:ext uri="{FF2B5EF4-FFF2-40B4-BE49-F238E27FC236}">
+                    <a16:creationId xmlns:a16="http://schemas.microsoft.com/office/drawing/2014/main" id="{0F8E891D-D5E8-ACFF-2493-1B2D9A842592}"/>
+                  </a:ext>
+                </a:extLst>
+              </p:cNvPr>
+              <p:cNvSpPr txBox="1"/>
+              <p:nvPr/>
+            </p:nvSpPr>
+            <p:spPr>
+              <a:xfrm>
+                <a:off x="11450082" y="3185914"/>
+                <a:ext cx="670882" cy="369332"/>
+              </a:xfrm>
+              <a:prstGeom prst="rect">
+                <a:avLst/>
+              </a:prstGeom>
+              <a:noFill/>
+            </p:spPr>
+            <p:txBody>
+              <a:bodyPr wrap="square">
+                <a:spAutoFit/>
+              </a:bodyPr>
+              <a:lstStyle/>
+              <a:p>
+                <a:pPr/>
+                <a14:m>
+                  <m:oMathPara xmlns:m="http://schemas.openxmlformats.org/officeDocument/2006/math">
+                    <m:oMathParaPr>
+                      <m:jc m:val="centerGroup"/>
+                    </m:oMathParaPr>
+                    <m:oMath xmlns:m="http://schemas.openxmlformats.org/officeDocument/2006/math">
+                      <m:sSup>
+                        <m:sSupPr>
+                          <m:ctrlPr>
+                            <a:rPr lang="en-US" sz="1800" b="0" i="1" smtClean="0">
+                              <a:latin typeface="Cambria Math" panose="02040503050406030204" pitchFamily="18" charset="0"/>
+                            </a:rPr>
+                          </m:ctrlPr>
+                        </m:sSupPr>
+                        <m:e>
+                          <m:r>
+                            <a:rPr lang="en-US" sz="1800" b="0" i="1" smtClean="0">
+                              <a:latin typeface="Cambria Math" panose="02040503050406030204" pitchFamily="18" charset="0"/>
+                            </a:rPr>
+                            <m:t>𝜋</m:t>
+                          </m:r>
+                        </m:e>
+                        <m:sup>
+                          <m:r>
+                            <a:rPr lang="en-US" sz="1800" b="0" i="1" smtClean="0">
+                              <a:latin typeface="Cambria Math" panose="02040503050406030204" pitchFamily="18" charset="0"/>
+                            </a:rPr>
+                            <m:t>∗</m:t>
+                          </m:r>
+                        </m:sup>
+                      </m:sSup>
+                    </m:oMath>
+                  </m:oMathPara>
+                </a14:m>
+                <a:endParaRPr lang="en-US" dirty="0"/>
+              </a:p>
+            </p:txBody>
+          </p:sp>
+        </mc:Choice>
+        <mc:Fallback>
+          <p:sp>
+            <p:nvSpPr>
+              <p:cNvPr id="21" name="TextBox 20">
+                <a:extLst>
+                  <a:ext uri="{FF2B5EF4-FFF2-40B4-BE49-F238E27FC236}">
+                    <a16:creationId xmlns:a16="http://schemas.microsoft.com/office/drawing/2014/main" id="{0F8E891D-D5E8-ACFF-2493-1B2D9A842592}"/>
+                  </a:ext>
+                </a:extLst>
+              </p:cNvPr>
+              <p:cNvSpPr txBox="1">
+                <a:spLocks noRot="1" noChangeAspect="1" noMove="1" noResize="1" noEditPoints="1" noAdjustHandles="1" noChangeArrowheads="1" noChangeShapeType="1" noTextEdit="1"/>
+              </p:cNvSpPr>
+              <p:nvPr/>
+            </p:nvSpPr>
+            <p:spPr>
+              <a:xfrm>
+                <a:off x="11450082" y="3185914"/>
+                <a:ext cx="670882" cy="369332"/>
+              </a:xfrm>
+              <a:prstGeom prst="rect">
+                <a:avLst/>
+              </a:prstGeom>
+              <a:blipFill>
+                <a:blip r:embed="rId7"/>
+                <a:stretch>
+                  <a:fillRect/>
+                </a:stretch>
+              </a:blipFill>
+            </p:spPr>
+            <p:txBody>
+              <a:bodyPr/>
+              <a:lstStyle/>
+              <a:p>
+                <a:r>
+                  <a:rPr lang="en-US">
+                    <a:noFill/>
+                  </a:rPr>
+                  <a:t> </a:t>
+                </a:r>
+              </a:p>
+            </p:txBody>
+          </p:sp>
+        </mc:Fallback>
+      </mc:AlternateContent>
+      <mc:AlternateContent xmlns:mc="http://schemas.openxmlformats.org/markup-compatibility/2006">
+        <mc:Choice xmlns:a14="http://schemas.microsoft.com/office/drawing/2010/main" Requires="a14">
+          <p:sp>
+            <p:nvSpPr>
+              <p:cNvPr id="23" name="TextBox 22">
+                <a:extLst>
+                  <a:ext uri="{FF2B5EF4-FFF2-40B4-BE49-F238E27FC236}">
+                    <a16:creationId xmlns:a16="http://schemas.microsoft.com/office/drawing/2014/main" id="{855B6615-2A40-D9F1-B014-C079BEA81885}"/>
+                  </a:ext>
+                </a:extLst>
+              </p:cNvPr>
+              <p:cNvSpPr txBox="1"/>
+              <p:nvPr/>
+            </p:nvSpPr>
+            <p:spPr>
+              <a:xfrm>
+                <a:off x="9723059" y="3934915"/>
+                <a:ext cx="453512" cy="369332"/>
+              </a:xfrm>
+              <a:prstGeom prst="rect">
+                <a:avLst/>
+              </a:prstGeom>
+              <a:noFill/>
+            </p:spPr>
+            <p:txBody>
+              <a:bodyPr wrap="square">
+                <a:spAutoFit/>
+              </a:bodyPr>
+              <a:lstStyle/>
+              <a:p>
+                <a:pPr/>
+                <a14:m>
+                  <m:oMathPara xmlns:m="http://schemas.openxmlformats.org/officeDocument/2006/math">
+                    <m:oMathParaPr>
+                      <m:jc m:val="centerGroup"/>
+                    </m:oMathParaPr>
+                    <m:oMath xmlns:m="http://schemas.openxmlformats.org/officeDocument/2006/math">
+                      <m:r>
+                        <a:rPr lang="en-US" sz="1800" b="0" i="1" smtClean="0">
+                          <a:latin typeface="Cambria Math" panose="02040503050406030204" pitchFamily="18" charset="0"/>
+                        </a:rPr>
+                        <m:t>𝜋</m:t>
+                      </m:r>
+                    </m:oMath>
+                  </m:oMathPara>
+                </a14:m>
+                <a:endParaRPr lang="en-US" dirty="0"/>
+              </a:p>
+            </p:txBody>
+          </p:sp>
+        </mc:Choice>
+        <mc:Fallback>
+          <p:sp>
+            <p:nvSpPr>
+              <p:cNvPr id="23" name="TextBox 22">
+                <a:extLst>
+                  <a:ext uri="{FF2B5EF4-FFF2-40B4-BE49-F238E27FC236}">
+                    <a16:creationId xmlns:a16="http://schemas.microsoft.com/office/drawing/2014/main" id="{855B6615-2A40-D9F1-B014-C079BEA81885}"/>
+                  </a:ext>
+                </a:extLst>
+              </p:cNvPr>
+              <p:cNvSpPr txBox="1">
+                <a:spLocks noRot="1" noChangeAspect="1" noMove="1" noResize="1" noEditPoints="1" noAdjustHandles="1" noChangeArrowheads="1" noChangeShapeType="1" noTextEdit="1"/>
+              </p:cNvSpPr>
+              <p:nvPr/>
+            </p:nvSpPr>
+            <p:spPr>
+              <a:xfrm>
+                <a:off x="9723059" y="3934915"/>
+                <a:ext cx="453512" cy="369332"/>
+              </a:xfrm>
+              <a:prstGeom prst="rect">
+                <a:avLst/>
+              </a:prstGeom>
+              <a:blipFill>
+                <a:blip r:embed="rId8"/>
+                <a:stretch>
+                  <a:fillRect/>
+                </a:stretch>
+              </a:blipFill>
+            </p:spPr>
+            <p:txBody>
+              <a:bodyPr/>
+              <a:lstStyle/>
+              <a:p>
+                <a:r>
+                  <a:rPr lang="en-US">
+                    <a:noFill/>
+                  </a:rPr>
+                  <a:t> </a:t>
+                </a:r>
+              </a:p>
+            </p:txBody>
+          </p:sp>
+        </mc:Fallback>
+      </mc:AlternateContent>
+      <p:cxnSp>
+        <p:nvCxnSpPr>
+          <p:cNvPr id="24" name="Straight Connector 23">
+            <a:extLst>
+              <a:ext uri="{FF2B5EF4-FFF2-40B4-BE49-F238E27FC236}">
+                <a16:creationId xmlns:a16="http://schemas.microsoft.com/office/drawing/2014/main" id="{463B50D4-BD22-4970-434D-879A140DE0A4}"/>
+              </a:ext>
+            </a:extLst>
+          </p:cNvPr>
+          <p:cNvCxnSpPr>
+            <a:cxnSpLocks/>
+            <a:endCxn id="17" idx="4"/>
+          </p:cNvCxnSpPr>
+          <p:nvPr/>
+        </p:nvCxnSpPr>
+        <p:spPr>
+          <a:xfrm flipV="1">
+            <a:off x="9767243" y="3184476"/>
+            <a:ext cx="1977262" cy="897901"/>
+          </a:xfrm>
+          <a:prstGeom prst="line">
+            <a:avLst/>
+          </a:prstGeom>
+        </p:spPr>
+        <p:style>
+          <a:lnRef idx="1">
+            <a:schemeClr val="accent1"/>
+          </a:lnRef>
+          <a:fillRef idx="0">
+            <a:schemeClr val="accent1"/>
+          </a:fillRef>
+          <a:effectRef idx="0">
+            <a:schemeClr val="accent1"/>
+          </a:effectRef>
+          <a:fontRef idx="minor">
+            <a:schemeClr val="tx1"/>
+          </a:fontRef>
+        </p:style>
+      </p:cxnSp>
+      <p:cxnSp>
+        <p:nvCxnSpPr>
+          <p:cNvPr id="31" name="Straight Arrow Connector 30">
+            <a:extLst>
+              <a:ext uri="{FF2B5EF4-FFF2-40B4-BE49-F238E27FC236}">
+                <a16:creationId xmlns:a16="http://schemas.microsoft.com/office/drawing/2014/main" id="{E6948348-E14F-E78C-7925-6D07B342DDDD}"/>
+              </a:ext>
+            </a:extLst>
+          </p:cNvPr>
+          <p:cNvCxnSpPr/>
+          <p:nvPr/>
+        </p:nvCxnSpPr>
+        <p:spPr>
+          <a:xfrm flipV="1">
+            <a:off x="9982200" y="2438400"/>
+            <a:ext cx="360675" cy="1515404"/>
+          </a:xfrm>
+          <a:prstGeom prst="straightConnector1">
+            <a:avLst/>
+          </a:prstGeom>
+          <a:ln>
+            <a:tailEnd type="triangle"/>
+          </a:ln>
+        </p:spPr>
+        <p:style>
+          <a:lnRef idx="3">
+            <a:schemeClr val="accent6"/>
+          </a:lnRef>
+          <a:fillRef idx="0">
+            <a:schemeClr val="accent6"/>
+          </a:fillRef>
+          <a:effectRef idx="2">
+            <a:schemeClr val="accent6"/>
+          </a:effectRef>
+          <a:fontRef idx="minor">
+            <a:schemeClr val="tx1"/>
+          </a:fontRef>
+        </p:style>
+      </p:cxnSp>
+      <p:cxnSp>
+        <p:nvCxnSpPr>
+          <p:cNvPr id="32" name="Straight Arrow Connector 31">
+            <a:extLst>
+              <a:ext uri="{FF2B5EF4-FFF2-40B4-BE49-F238E27FC236}">
+                <a16:creationId xmlns:a16="http://schemas.microsoft.com/office/drawing/2014/main" id="{11A484C5-4702-A9B7-9D77-FC3973E8A67F}"/>
+              </a:ext>
+            </a:extLst>
+          </p:cNvPr>
+          <p:cNvCxnSpPr>
+            <a:cxnSpLocks/>
+          </p:cNvCxnSpPr>
+          <p:nvPr/>
+        </p:nvCxnSpPr>
+        <p:spPr>
+          <a:xfrm>
+            <a:off x="10342875" y="2438400"/>
+            <a:ext cx="325125" cy="1219200"/>
+          </a:xfrm>
+          <a:prstGeom prst="straightConnector1">
+            <a:avLst/>
+          </a:prstGeom>
+          <a:ln>
+            <a:tailEnd type="triangle"/>
+          </a:ln>
+        </p:spPr>
+        <p:style>
+          <a:lnRef idx="3">
+            <a:schemeClr val="accent6"/>
+          </a:lnRef>
+          <a:fillRef idx="0">
+            <a:schemeClr val="accent6"/>
+          </a:fillRef>
+          <a:effectRef idx="2">
+            <a:schemeClr val="accent6"/>
+          </a:effectRef>
+          <a:fontRef idx="minor">
+            <a:schemeClr val="tx1"/>
+          </a:fontRef>
+        </p:style>
+      </p:cxnSp>
+      <p:cxnSp>
+        <p:nvCxnSpPr>
+          <p:cNvPr id="37" name="Straight Arrow Connector 36">
+            <a:extLst>
+              <a:ext uri="{FF2B5EF4-FFF2-40B4-BE49-F238E27FC236}">
+                <a16:creationId xmlns:a16="http://schemas.microsoft.com/office/drawing/2014/main" id="{FEB4DCB4-48A5-6E51-B9FE-EF0E9B4BAFF8}"/>
+              </a:ext>
+            </a:extLst>
+          </p:cNvPr>
+          <p:cNvCxnSpPr>
+            <a:cxnSpLocks/>
+          </p:cNvCxnSpPr>
+          <p:nvPr/>
+        </p:nvCxnSpPr>
+        <p:spPr>
+          <a:xfrm flipV="1">
+            <a:off x="10668000" y="2819400"/>
+            <a:ext cx="457200" cy="838200"/>
+          </a:xfrm>
+          <a:prstGeom prst="straightConnector1">
+            <a:avLst/>
+          </a:prstGeom>
+          <a:ln>
+            <a:tailEnd type="triangle"/>
+          </a:ln>
+        </p:spPr>
+        <p:style>
+          <a:lnRef idx="3">
+            <a:schemeClr val="accent6"/>
+          </a:lnRef>
+          <a:fillRef idx="0">
+            <a:schemeClr val="accent6"/>
+          </a:fillRef>
+          <a:effectRef idx="2">
+            <a:schemeClr val="accent6"/>
+          </a:effectRef>
+          <a:fontRef idx="minor">
+            <a:schemeClr val="tx1"/>
+          </a:fontRef>
+        </p:style>
+      </p:cxnSp>
+      <p:cxnSp>
+        <p:nvCxnSpPr>
+          <p:cNvPr id="44" name="Straight Arrow Connector 43">
+            <a:extLst>
+              <a:ext uri="{FF2B5EF4-FFF2-40B4-BE49-F238E27FC236}">
+                <a16:creationId xmlns:a16="http://schemas.microsoft.com/office/drawing/2014/main" id="{6CB15DB5-D53A-F51F-8727-21F569598D38}"/>
+              </a:ext>
+            </a:extLst>
+          </p:cNvPr>
+          <p:cNvCxnSpPr>
+            <a:cxnSpLocks/>
+          </p:cNvCxnSpPr>
+          <p:nvPr/>
+        </p:nvCxnSpPr>
+        <p:spPr>
+          <a:xfrm>
+            <a:off x="11125200" y="2819400"/>
+            <a:ext cx="228600" cy="533400"/>
+          </a:xfrm>
+          <a:prstGeom prst="straightConnector1">
+            <a:avLst/>
+          </a:prstGeom>
+          <a:ln>
+            <a:tailEnd type="triangle"/>
+          </a:ln>
+        </p:spPr>
+        <p:style>
+          <a:lnRef idx="3">
+            <a:schemeClr val="accent6"/>
+          </a:lnRef>
+          <a:fillRef idx="0">
+            <a:schemeClr val="accent6"/>
+          </a:fillRef>
+          <a:effectRef idx="2">
+            <a:schemeClr val="accent6"/>
+          </a:effectRef>
+          <a:fontRef idx="minor">
+            <a:schemeClr val="tx1"/>
+          </a:fontRef>
+        </p:style>
+      </p:cxnSp>
+      <p:cxnSp>
+        <p:nvCxnSpPr>
+          <p:cNvPr id="47" name="Straight Arrow Connector 46">
+            <a:extLst>
+              <a:ext uri="{FF2B5EF4-FFF2-40B4-BE49-F238E27FC236}">
+                <a16:creationId xmlns:a16="http://schemas.microsoft.com/office/drawing/2014/main" id="{B79E848C-DEE2-2B22-D382-CB1D0AFA6287}"/>
+              </a:ext>
+            </a:extLst>
+          </p:cNvPr>
+          <p:cNvCxnSpPr>
+            <a:cxnSpLocks/>
+          </p:cNvCxnSpPr>
+          <p:nvPr/>
+        </p:nvCxnSpPr>
+        <p:spPr>
+          <a:xfrm flipV="1">
+            <a:off x="11353800" y="3066584"/>
+            <a:ext cx="228600" cy="286216"/>
+          </a:xfrm>
+          <a:prstGeom prst="straightConnector1">
+            <a:avLst/>
+          </a:prstGeom>
+          <a:ln>
+            <a:tailEnd type="triangle"/>
+          </a:ln>
+        </p:spPr>
+        <p:style>
+          <a:lnRef idx="3">
+            <a:schemeClr val="accent6"/>
+          </a:lnRef>
+          <a:fillRef idx="0">
+            <a:schemeClr val="accent6"/>
+          </a:fillRef>
+          <a:effectRef idx="2">
+            <a:schemeClr val="accent6"/>
+          </a:effectRef>
+          <a:fontRef idx="minor">
+            <a:schemeClr val="tx1"/>
+          </a:fontRef>
+        </p:style>
+      </p:cxnSp>
+      <p:cxnSp>
+        <p:nvCxnSpPr>
+          <p:cNvPr id="50" name="Straight Arrow Connector 49">
+            <a:extLst>
+              <a:ext uri="{FF2B5EF4-FFF2-40B4-BE49-F238E27FC236}">
+                <a16:creationId xmlns:a16="http://schemas.microsoft.com/office/drawing/2014/main" id="{2F360256-AFD1-C0BB-ABF4-6ED717BE241E}"/>
+              </a:ext>
+            </a:extLst>
+          </p:cNvPr>
+          <p:cNvCxnSpPr>
+            <a:cxnSpLocks/>
+          </p:cNvCxnSpPr>
+          <p:nvPr/>
+        </p:nvCxnSpPr>
+        <p:spPr>
+          <a:xfrm>
+            <a:off x="11582400" y="3086337"/>
+            <a:ext cx="98107" cy="114063"/>
+          </a:xfrm>
+          <a:prstGeom prst="straightConnector1">
+            <a:avLst/>
+          </a:prstGeom>
+          <a:ln>
+            <a:tailEnd type="triangle"/>
+          </a:ln>
+        </p:spPr>
+        <p:style>
+          <a:lnRef idx="3">
+            <a:schemeClr val="accent6"/>
+          </a:lnRef>
+          <a:fillRef idx="0">
+            <a:schemeClr val="accent6"/>
+          </a:fillRef>
+          <a:effectRef idx="2">
+            <a:schemeClr val="accent6"/>
+          </a:effectRef>
+          <a:fontRef idx="minor">
+            <a:schemeClr val="tx1"/>
+          </a:fontRef>
+        </p:style>
+      </p:cxnSp>
+      <p:sp>
+        <p:nvSpPr>
+          <p:cNvPr id="57" name="TextBox 56">
+            <a:extLst>
+              <a:ext uri="{FF2B5EF4-FFF2-40B4-BE49-F238E27FC236}">
+                <a16:creationId xmlns:a16="http://schemas.microsoft.com/office/drawing/2014/main" id="{AFD80097-9184-52DD-89E7-0E2ED869BB5C}"/>
+              </a:ext>
+            </a:extLst>
+          </p:cNvPr>
+          <p:cNvSpPr txBox="1"/>
+          <p:nvPr/>
+        </p:nvSpPr>
+        <p:spPr>
+          <a:xfrm rot="17007305">
+            <a:off x="9413809" y="3067737"/>
+            <a:ext cx="1236749" cy="276999"/>
+          </a:xfrm>
+          <a:prstGeom prst="rect">
+            <a:avLst/>
+          </a:prstGeom>
+          <a:noFill/>
+        </p:spPr>
+        <p:txBody>
+          <a:bodyPr wrap="none" rtlCol="0">
+            <a:spAutoFit/>
+          </a:bodyPr>
+          <a:lstStyle/>
+          <a:p>
+            <a:r>
+              <a:rPr lang="en-US" sz="1200" dirty="0"/>
+              <a:t>Policy evaluation</a:t>
+            </a:r>
+          </a:p>
+        </p:txBody>
+      </p:sp>
+      <p:sp>
+        <p:nvSpPr>
+          <p:cNvPr id="58" name="TextBox 57">
+            <a:extLst>
+              <a:ext uri="{FF2B5EF4-FFF2-40B4-BE49-F238E27FC236}">
+                <a16:creationId xmlns:a16="http://schemas.microsoft.com/office/drawing/2014/main" id="{17FBEAB6-A067-564C-70A8-D8E9A5A200F3}"/>
+              </a:ext>
+            </a:extLst>
+          </p:cNvPr>
+          <p:cNvSpPr txBox="1"/>
+          <p:nvPr/>
+        </p:nvSpPr>
+        <p:spPr>
+          <a:xfrm rot="4498548">
+            <a:off x="10061465" y="2911840"/>
+            <a:ext cx="1103187" cy="261610"/>
+          </a:xfrm>
+          <a:prstGeom prst="rect">
+            <a:avLst/>
+          </a:prstGeom>
+          <a:noFill/>
+        </p:spPr>
+        <p:txBody>
+          <a:bodyPr wrap="none" rtlCol="0">
+            <a:spAutoFit/>
+          </a:bodyPr>
+          <a:lstStyle/>
+          <a:p>
+            <a:r>
+              <a:rPr lang="en-US" sz="1100" dirty="0"/>
+              <a:t>P. improvement</a:t>
             </a:r>
           </a:p>
         </p:txBody>
@@ -8652,8 +10345,8 @@
             </p:sp>
           </mc:Fallback>
         </mc:AlternateContent>
-        <mc:AlternateContent xmlns:mc="http://schemas.openxmlformats.org/markup-compatibility/2006">
-          <mc:Choice xmlns:a14="http://schemas.microsoft.com/office/drawing/2010/main" Requires="a14">
+        <mc:AlternateContent xmlns:mc="http://schemas.openxmlformats.org/markup-compatibility/2006" xmlns:a14="http://schemas.microsoft.com/office/drawing/2010/main">
+          <mc:Choice Requires="a14">
             <p:sp>
               <p:nvSpPr>
                 <p:cNvPr id="30" name="Rectangle 29">
@@ -8739,7 +10432,7 @@
               </p:txBody>
             </p:sp>
           </mc:Choice>
-          <mc:Fallback>
+          <mc:Fallback xmlns="">
             <p:sp>
               <p:nvSpPr>
                 <p:cNvPr id="30" name="Rectangle 29">
@@ -8784,8 +10477,8 @@
             </p:sp>
           </mc:Fallback>
         </mc:AlternateContent>
-        <mc:AlternateContent xmlns:mc="http://schemas.openxmlformats.org/markup-compatibility/2006">
-          <mc:Choice xmlns:a14="http://schemas.microsoft.com/office/drawing/2010/main" Requires="a14">
+        <mc:AlternateContent xmlns:mc="http://schemas.openxmlformats.org/markup-compatibility/2006" xmlns:a14="http://schemas.microsoft.com/office/drawing/2010/main">
+          <mc:Choice Requires="a14">
             <p:sp>
               <p:nvSpPr>
                 <p:cNvPr id="32" name="Rectangle 31">
@@ -8871,7 +10564,7 @@
               </p:txBody>
             </p:sp>
           </mc:Choice>
-          <mc:Fallback>
+          <mc:Fallback xmlns="">
             <p:sp>
               <p:nvSpPr>
                 <p:cNvPr id="32" name="Rectangle 31">
@@ -9909,8 +11602,8 @@
           </a:p>
         </p:txBody>
       </p:sp>
-      <mc:AlternateContent xmlns:mc="http://schemas.openxmlformats.org/markup-compatibility/2006">
-        <mc:Choice xmlns:a14="http://schemas.microsoft.com/office/drawing/2010/main" Requires="a14">
+      <mc:AlternateContent xmlns:mc="http://schemas.openxmlformats.org/markup-compatibility/2006" xmlns:a14="http://schemas.microsoft.com/office/drawing/2010/main">
+        <mc:Choice Requires="a14">
           <p:sp>
             <p:nvSpPr>
               <p:cNvPr id="3" name="Content Placeholder 2">
@@ -9975,7 +11668,7 @@
             </p:txBody>
           </p:sp>
         </mc:Choice>
-        <mc:Fallback>
+        <mc:Fallback xmlns="">
           <p:sp>
             <p:nvSpPr>
               <p:cNvPr id="3" name="Content Placeholder 2">
@@ -10390,8 +12083,8 @@
           </a:p>
         </p:txBody>
       </p:sp>
-      <mc:AlternateContent xmlns:mc="http://schemas.openxmlformats.org/markup-compatibility/2006">
-        <mc:Choice xmlns:a14="http://schemas.microsoft.com/office/drawing/2010/main" Requires="a14">
+      <mc:AlternateContent xmlns:mc="http://schemas.openxmlformats.org/markup-compatibility/2006" xmlns:a14="http://schemas.microsoft.com/office/drawing/2010/main">
+        <mc:Choice Requires="a14">
           <p:graphicFrame>
             <p:nvGraphicFramePr>
               <p:cNvPr id="4" name="Table 3">
@@ -10451,6 +12144,7 @@
                         <a:bodyPr/>
                         <a:lstStyle/>
                         <a:p>
+                          <a:pPr/>
                           <a14:m>
                             <m:oMathPara xmlns:m="http://schemas.openxmlformats.org/officeDocument/2006/math">
                               <m:oMathParaPr>
@@ -10458,7 +12152,9 @@
                               </m:oMathParaPr>
                               <m:oMath xmlns:m="http://schemas.openxmlformats.org/officeDocument/2006/math">
                                 <m:r>
-                                  <a:rPr lang="en-US" dirty="0" smtClean="0"/>
+                                  <a:rPr lang="en-US" dirty="0" smtClean="0">
+                                    <a:latin typeface="Cambria Math" panose="02040503050406030204" pitchFamily="18" charset="0"/>
+                                  </a:rPr>
                                   <m:t>𝑠</m:t>
                                 </m:r>
                               </m:oMath>
@@ -10474,6 +12170,7 @@
                         <a:bodyPr/>
                         <a:lstStyle/>
                         <a:p>
+                          <a:pPr/>
                           <a14:m>
                             <m:oMathPara xmlns:m="http://schemas.openxmlformats.org/officeDocument/2006/math">
                               <m:oMathParaPr>
@@ -10481,7 +12178,9 @@
                               </m:oMathParaPr>
                               <m:oMath xmlns:m="http://schemas.openxmlformats.org/officeDocument/2006/math">
                                 <m:r>
-                                  <a:rPr lang="en-US" dirty="0" smtClean="0"/>
+                                  <a:rPr lang="en-US" dirty="0" smtClean="0">
+                                    <a:latin typeface="Cambria Math" panose="02040503050406030204" pitchFamily="18" charset="0"/>
+                                  </a:rPr>
                                   <m:t>𝑎</m:t>
                                 </m:r>
                               </m:oMath>
@@ -10497,6 +12196,7 @@
                         <a:bodyPr/>
                         <a:lstStyle/>
                         <a:p>
+                          <a:pPr/>
                           <a14:m>
                             <m:oMathPara xmlns:m="http://schemas.openxmlformats.org/officeDocument/2006/math">
                               <m:oMathParaPr>
@@ -10504,27 +12204,39 @@
                               </m:oMathParaPr>
                               <m:oMath xmlns:m="http://schemas.openxmlformats.org/officeDocument/2006/math">
                                 <m:r>
-                                  <a:rPr lang="en-US" dirty="0" smtClean="0"/>
+                                  <a:rPr lang="en-US" dirty="0" smtClean="0">
+                                    <a:latin typeface="Cambria Math" panose="02040503050406030204" pitchFamily="18" charset="0"/>
+                                  </a:rPr>
                                   <m:t>𝑄</m:t>
                                 </m:r>
                                 <m:r>
-                                  <a:rPr lang="en-US" dirty="0" smtClean="0"/>
+                                  <a:rPr lang="en-US" dirty="0" smtClean="0">
+                                    <a:latin typeface="Cambria Math" panose="02040503050406030204" pitchFamily="18" charset="0"/>
+                                  </a:rPr>
                                   <m:t>(</m:t>
                                 </m:r>
                                 <m:r>
-                                  <a:rPr lang="en-US" dirty="0" err="1" smtClean="0"/>
+                                  <a:rPr lang="en-US" dirty="0" err="1" smtClean="0">
+                                    <a:latin typeface="Cambria Math" panose="02040503050406030204" pitchFamily="18" charset="0"/>
+                                  </a:rPr>
                                   <m:t>𝑠</m:t>
                                 </m:r>
                                 <m:r>
-                                  <a:rPr lang="en-US" dirty="0" err="1" smtClean="0"/>
+                                  <a:rPr lang="en-US" dirty="0" err="1" smtClean="0">
+                                    <a:latin typeface="Cambria Math" panose="02040503050406030204" pitchFamily="18" charset="0"/>
+                                  </a:rPr>
                                   <m:t>,</m:t>
                                 </m:r>
                                 <m:r>
-                                  <a:rPr lang="en-US" dirty="0" err="1" smtClean="0"/>
+                                  <a:rPr lang="en-US" dirty="0" err="1" smtClean="0">
+                                    <a:latin typeface="Cambria Math" panose="02040503050406030204" pitchFamily="18" charset="0"/>
+                                  </a:rPr>
                                   <m:t>𝑎</m:t>
                                 </m:r>
                                 <m:r>
-                                  <a:rPr lang="en-US" dirty="0" smtClean="0"/>
+                                  <a:rPr lang="en-US" dirty="0" smtClean="0">
+                                    <a:latin typeface="Cambria Math" panose="02040503050406030204" pitchFamily="18" charset="0"/>
+                                  </a:rPr>
                                   <m:t>)</m:t>
                                 </m:r>
                               </m:oMath>
@@ -10657,7 +12369,7 @@
             </a:graphic>
           </p:graphicFrame>
         </mc:Choice>
-        <mc:Fallback>
+        <mc:Fallback xmlns="">
           <p:graphicFrame>
             <p:nvGraphicFramePr>
               <p:cNvPr id="4" name="Table 3">
@@ -11009,8 +12721,8 @@
           </a:p>
         </p:txBody>
       </p:sp>
-      <mc:AlternateContent xmlns:mc="http://schemas.openxmlformats.org/markup-compatibility/2006">
-        <mc:Choice xmlns:a14="http://schemas.microsoft.com/office/drawing/2010/main" Requires="a14">
+      <mc:AlternateContent xmlns:mc="http://schemas.openxmlformats.org/markup-compatibility/2006" xmlns:a14="http://schemas.microsoft.com/office/drawing/2010/main">
+        <mc:Choice Requires="a14">
           <p:sp>
             <p:nvSpPr>
               <p:cNvPr id="3" name="Content Placeholder 2">
@@ -11275,7 +12987,7 @@
             </p:txBody>
           </p:sp>
         </mc:Choice>
-        <mc:Fallback>
+        <mc:Fallback xmlns="">
           <p:sp>
             <p:nvSpPr>
               <p:cNvPr id="3" name="Content Placeholder 2">
@@ -11319,8 +13031,8 @@
           </p:sp>
         </mc:Fallback>
       </mc:AlternateContent>
-      <mc:AlternateContent xmlns:mc="http://schemas.openxmlformats.org/markup-compatibility/2006">
-        <mc:Choice xmlns:a14="http://schemas.microsoft.com/office/drawing/2010/main" Requires="a14">
+      <mc:AlternateContent xmlns:mc="http://schemas.openxmlformats.org/markup-compatibility/2006" xmlns:a14="http://schemas.microsoft.com/office/drawing/2010/main">
+        <mc:Choice Requires="a14">
           <p:sp>
             <p:nvSpPr>
               <p:cNvPr id="8" name="TextBox 7">
@@ -11388,7 +13100,7 @@
             </p:txBody>
           </p:sp>
         </mc:Choice>
-        <mc:Fallback>
+        <mc:Fallback xmlns="">
           <p:sp>
             <p:nvSpPr>
               <p:cNvPr id="8" name="TextBox 7">
@@ -11433,8 +13145,8 @@
           </p:sp>
         </mc:Fallback>
       </mc:AlternateContent>
-      <mc:AlternateContent xmlns:mc="http://schemas.openxmlformats.org/markup-compatibility/2006">
-        <mc:Choice xmlns:a14="http://schemas.microsoft.com/office/drawing/2010/main" Requires="a14">
+      <mc:AlternateContent xmlns:mc="http://schemas.openxmlformats.org/markup-compatibility/2006" xmlns:a14="http://schemas.microsoft.com/office/drawing/2010/main">
+        <mc:Choice Requires="a14">
           <p:sp>
             <p:nvSpPr>
               <p:cNvPr id="9" name="Arrow: Right 8">
@@ -11532,7 +13244,7 @@
             </p:txBody>
           </p:sp>
         </mc:Choice>
-        <mc:Fallback>
+        <mc:Fallback xmlns="">
           <p:sp>
             <p:nvSpPr>
               <p:cNvPr id="9" name="Arrow: Right 8">
@@ -11580,8 +13292,8 @@
           </p:sp>
         </mc:Fallback>
       </mc:AlternateContent>
-      <mc:AlternateContent xmlns:mc="http://schemas.openxmlformats.org/markup-compatibility/2006">
-        <mc:Choice xmlns:a14="http://schemas.microsoft.com/office/drawing/2010/main" Requires="a14">
+      <mc:AlternateContent xmlns:mc="http://schemas.openxmlformats.org/markup-compatibility/2006" xmlns:a14="http://schemas.microsoft.com/office/drawing/2010/main">
+        <mc:Choice Requires="a14">
           <p:sp>
             <p:nvSpPr>
               <p:cNvPr id="11" name="TextBox 10">
@@ -11809,7 +13521,7 @@
             </p:txBody>
           </p:sp>
         </mc:Choice>
-        <mc:Fallback>
+        <mc:Fallback xmlns="">
           <p:sp>
             <p:nvSpPr>
               <p:cNvPr id="11" name="TextBox 10">
@@ -11854,8 +13566,8 @@
           </p:sp>
         </mc:Fallback>
       </mc:AlternateContent>
-      <mc:AlternateContent xmlns:mc="http://schemas.openxmlformats.org/markup-compatibility/2006">
-        <mc:Choice xmlns:a14="http://schemas.microsoft.com/office/drawing/2010/main" Requires="a14">
+      <mc:AlternateContent xmlns:mc="http://schemas.openxmlformats.org/markup-compatibility/2006" xmlns:a14="http://schemas.microsoft.com/office/drawing/2010/main">
+        <mc:Choice Requires="a14">
           <p:sp>
             <p:nvSpPr>
               <p:cNvPr id="4" name="TextBox 3">
@@ -11902,7 +13614,7 @@
             </p:txBody>
           </p:sp>
         </mc:Choice>
-        <mc:Fallback>
+        <mc:Fallback xmlns="">
           <p:sp>
             <p:nvSpPr>
               <p:cNvPr id="4" name="TextBox 3">
@@ -11977,8 +13689,8 @@
           <a:chExt cx="0" cy="0"/>
         </a:xfrm>
       </p:grpSpPr>
-      <mc:AlternateContent xmlns:mc="http://schemas.openxmlformats.org/markup-compatibility/2006">
-        <mc:Choice xmlns:a14="http://schemas.microsoft.com/office/drawing/2010/main" Requires="a14">
+      <mc:AlternateContent xmlns:mc="http://schemas.openxmlformats.org/markup-compatibility/2006" xmlns:a14="http://schemas.microsoft.com/office/drawing/2010/main">
+        <mc:Choice Requires="a14">
           <p:graphicFrame>
             <p:nvGraphicFramePr>
               <p:cNvPr id="4" name="Table 3">
@@ -12046,7 +13758,9 @@
                               </m:oMathParaPr>
                               <m:oMath xmlns:m="http://schemas.openxmlformats.org/officeDocument/2006/math">
                                 <m:r>
-                                  <a:rPr lang="en-US" sz="1600" dirty="0" smtClean="0"/>
+                                  <a:rPr lang="en-US" sz="1600" dirty="0" smtClean="0">
+                                    <a:latin typeface="Cambria Math" panose="02040503050406030204" pitchFamily="18" charset="0"/>
+                                  </a:rPr>
                                   <m:t>𝑠</m:t>
                                 </m:r>
                               </m:oMath>
@@ -12070,7 +13784,9 @@
                               </m:oMathParaPr>
                               <m:oMath xmlns:m="http://schemas.openxmlformats.org/officeDocument/2006/math">
                                 <m:r>
-                                  <a:rPr lang="en-US" sz="1600" dirty="0" smtClean="0"/>
+                                  <a:rPr lang="en-US" sz="1600" dirty="0" smtClean="0">
+                                    <a:latin typeface="Cambria Math" panose="02040503050406030204" pitchFamily="18" charset="0"/>
+                                  </a:rPr>
                                   <m:t>𝑎</m:t>
                                 </m:r>
                               </m:oMath>
@@ -12094,27 +13810,39 @@
                               </m:oMathParaPr>
                               <m:oMath xmlns:m="http://schemas.openxmlformats.org/officeDocument/2006/math">
                                 <m:r>
-                                  <a:rPr lang="en-US" sz="1600" dirty="0" smtClean="0"/>
+                                  <a:rPr lang="en-US" sz="1600" dirty="0" smtClean="0">
+                                    <a:latin typeface="Cambria Math" panose="02040503050406030204" pitchFamily="18" charset="0"/>
+                                  </a:rPr>
                                   <m:t>𝑄</m:t>
                                 </m:r>
                                 <m:r>
-                                  <a:rPr lang="en-US" sz="1600" dirty="0" smtClean="0"/>
+                                  <a:rPr lang="en-US" sz="1600" dirty="0" smtClean="0">
+                                    <a:latin typeface="Cambria Math" panose="02040503050406030204" pitchFamily="18" charset="0"/>
+                                  </a:rPr>
                                   <m:t>(</m:t>
                                 </m:r>
                                 <m:r>
-                                  <a:rPr lang="en-US" sz="1600" dirty="0" err="1" smtClean="0"/>
+                                  <a:rPr lang="en-US" sz="1600" dirty="0" err="1" smtClean="0">
+                                    <a:latin typeface="Cambria Math" panose="02040503050406030204" pitchFamily="18" charset="0"/>
+                                  </a:rPr>
                                   <m:t>𝑠</m:t>
                                 </m:r>
                                 <m:r>
-                                  <a:rPr lang="en-US" sz="1600" dirty="0" err="1" smtClean="0"/>
+                                  <a:rPr lang="en-US" sz="1600" dirty="0" err="1" smtClean="0">
+                                    <a:latin typeface="Cambria Math" panose="02040503050406030204" pitchFamily="18" charset="0"/>
+                                  </a:rPr>
                                   <m:t>,</m:t>
                                 </m:r>
                                 <m:r>
-                                  <a:rPr lang="en-US" sz="1600" dirty="0" err="1" smtClean="0"/>
+                                  <a:rPr lang="en-US" sz="1600" dirty="0" err="1" smtClean="0">
+                                    <a:latin typeface="Cambria Math" panose="02040503050406030204" pitchFamily="18" charset="0"/>
+                                  </a:rPr>
                                   <m:t>𝑎</m:t>
                                 </m:r>
                                 <m:r>
-                                  <a:rPr lang="en-US" sz="1600" dirty="0" smtClean="0"/>
+                                  <a:rPr lang="en-US" sz="1600" dirty="0" smtClean="0">
+                                    <a:latin typeface="Cambria Math" panose="02040503050406030204" pitchFamily="18" charset="0"/>
+                                  </a:rPr>
                                   <m:t>)</m:t>
                                 </m:r>
                               </m:oMath>
@@ -12283,7 +14011,7 @@
             </a:graphic>
           </p:graphicFrame>
         </mc:Choice>
-        <mc:Fallback>
+        <mc:Fallback xmlns="">
           <p:graphicFrame>
             <p:nvGraphicFramePr>
               <p:cNvPr id="4" name="Table 3">
@@ -12706,8 +14434,8 @@
           </a:p>
         </p:txBody>
       </p:sp>
-      <mc:AlternateContent xmlns:mc="http://schemas.openxmlformats.org/markup-compatibility/2006">
-        <mc:Choice xmlns:a14="http://schemas.microsoft.com/office/drawing/2010/main" Requires="a14">
+      <mc:AlternateContent xmlns:mc="http://schemas.openxmlformats.org/markup-compatibility/2006" xmlns:a14="http://schemas.microsoft.com/office/drawing/2010/main">
+        <mc:Choice Requires="a14">
           <p:sp>
             <p:nvSpPr>
               <p:cNvPr id="17" name="TextBox 16">
@@ -12736,6 +14464,7 @@
               </a:bodyPr>
               <a:lstStyle/>
               <a:p>
+                <a:pPr/>
                 <a14:m>
                   <m:oMathPara xmlns:m="http://schemas.openxmlformats.org/officeDocument/2006/math">
                     <m:oMathParaPr>
@@ -12756,7 +14485,7 @@
             </p:txBody>
           </p:sp>
         </mc:Choice>
-        <mc:Fallback>
+        <mc:Fallback xmlns="">
           <p:sp>
             <p:nvSpPr>
               <p:cNvPr id="17" name="TextBox 16">
@@ -12801,8 +14530,8 @@
           </p:sp>
         </mc:Fallback>
       </mc:AlternateContent>
-      <mc:AlternateContent xmlns:mc="http://schemas.openxmlformats.org/markup-compatibility/2006">
-        <mc:Choice xmlns:a14="http://schemas.microsoft.com/office/drawing/2010/main" Requires="a14">
+      <mc:AlternateContent xmlns:mc="http://schemas.openxmlformats.org/markup-compatibility/2006" xmlns:a14="http://schemas.microsoft.com/office/drawing/2010/main">
+        <mc:Choice Requires="a14">
           <p:sp>
             <p:nvSpPr>
               <p:cNvPr id="18" name="TextBox 17">
@@ -12831,6 +14560,7 @@
               </a:bodyPr>
               <a:lstStyle/>
               <a:p>
+                <a:pPr/>
                 <a14:m>
                   <m:oMathPara xmlns:m="http://schemas.openxmlformats.org/officeDocument/2006/math">
                     <m:oMathParaPr>
@@ -12881,7 +14611,7 @@
             </p:txBody>
           </p:sp>
         </mc:Choice>
-        <mc:Fallback>
+        <mc:Fallback xmlns="">
           <p:sp>
             <p:nvSpPr>
               <p:cNvPr id="18" name="TextBox 17">
@@ -15901,8 +17631,8 @@
           </a:p>
         </p:txBody>
       </p:sp>
-      <mc:AlternateContent xmlns:mc="http://schemas.openxmlformats.org/markup-compatibility/2006">
-        <mc:Choice xmlns:a14="http://schemas.microsoft.com/office/drawing/2010/main" Requires="a14">
+      <mc:AlternateContent xmlns:mc="http://schemas.openxmlformats.org/markup-compatibility/2006" xmlns:a14="http://schemas.microsoft.com/office/drawing/2010/main">
+        <mc:Choice Requires="a14">
           <p:sp>
             <p:nvSpPr>
               <p:cNvPr id="194" name="TextBox 193">
@@ -15931,6 +17661,7 @@
               </a:bodyPr>
               <a:lstStyle/>
               <a:p>
+                <a:pPr/>
                 <a14:m>
                   <m:oMathPara xmlns:m="http://schemas.openxmlformats.org/officeDocument/2006/math">
                     <m:oMathParaPr>
@@ -15951,7 +17682,7 @@
             </p:txBody>
           </p:sp>
         </mc:Choice>
-        <mc:Fallback>
+        <mc:Fallback xmlns="">
           <p:sp>
             <p:nvSpPr>
               <p:cNvPr id="194" name="TextBox 193">
@@ -16040,8 +17771,8 @@
           </a:p>
         </p:txBody>
       </p:sp>
-      <mc:AlternateContent xmlns:mc="http://schemas.openxmlformats.org/markup-compatibility/2006">
-        <mc:Choice xmlns:a14="http://schemas.microsoft.com/office/drawing/2010/main" Requires="a14">
+      <mc:AlternateContent xmlns:mc="http://schemas.openxmlformats.org/markup-compatibility/2006" xmlns:a14="http://schemas.microsoft.com/office/drawing/2010/main">
+        <mc:Choice Requires="a14">
           <p:sp>
             <p:nvSpPr>
               <p:cNvPr id="196" name="TextBox 195">
@@ -16070,6 +17801,7 @@
               </a:bodyPr>
               <a:lstStyle/>
               <a:p>
+                <a:pPr/>
                 <a14:m>
                   <m:oMathPara xmlns:m="http://schemas.openxmlformats.org/officeDocument/2006/math">
                     <m:oMathParaPr>
@@ -16120,7 +17852,7 @@
             </p:txBody>
           </p:sp>
         </mc:Choice>
-        <mc:Fallback>
+        <mc:Fallback xmlns="">
           <p:sp>
             <p:nvSpPr>
               <p:cNvPr id="196" name="TextBox 195">
@@ -16165,8 +17897,8 @@
           </p:sp>
         </mc:Fallback>
       </mc:AlternateContent>
-      <mc:AlternateContent xmlns:mc="http://schemas.openxmlformats.org/markup-compatibility/2006">
-        <mc:Choice xmlns:a14="http://schemas.microsoft.com/office/drawing/2010/main" Requires="a14">
+      <mc:AlternateContent xmlns:mc="http://schemas.openxmlformats.org/markup-compatibility/2006" xmlns:a14="http://schemas.microsoft.com/office/drawing/2010/main">
+        <mc:Choice Requires="a14">
           <p:sp>
             <p:nvSpPr>
               <p:cNvPr id="197" name="TextBox 196">
@@ -16195,6 +17927,7 @@
               </a:bodyPr>
               <a:lstStyle/>
               <a:p>
+                <a:pPr/>
                 <a14:m>
                   <m:oMathPara xmlns:m="http://schemas.openxmlformats.org/officeDocument/2006/math">
                     <m:oMathParaPr>
@@ -16215,7 +17948,7 @@
             </p:txBody>
           </p:sp>
         </mc:Choice>
-        <mc:Fallback>
+        <mc:Fallback xmlns="">
           <p:sp>
             <p:nvSpPr>
               <p:cNvPr id="197" name="TextBox 196">
@@ -16260,8 +17993,8 @@
           </p:sp>
         </mc:Fallback>
       </mc:AlternateContent>
-      <mc:AlternateContent xmlns:mc="http://schemas.openxmlformats.org/markup-compatibility/2006">
-        <mc:Choice xmlns:a14="http://schemas.microsoft.com/office/drawing/2010/main" Requires="a14">
+      <mc:AlternateContent xmlns:mc="http://schemas.openxmlformats.org/markup-compatibility/2006" xmlns:a14="http://schemas.microsoft.com/office/drawing/2010/main">
+        <mc:Choice Requires="a14">
           <p:sp>
             <p:nvSpPr>
               <p:cNvPr id="198" name="TextBox 197">
@@ -16290,6 +18023,7 @@
               </a:bodyPr>
               <a:lstStyle/>
               <a:p>
+                <a:pPr/>
                 <a14:m>
                   <m:oMathPara xmlns:m="http://schemas.openxmlformats.org/officeDocument/2006/math">
                     <m:oMathParaPr>
@@ -16310,7 +18044,7 @@
             </p:txBody>
           </p:sp>
         </mc:Choice>
-        <mc:Fallback>
+        <mc:Fallback xmlns="">
           <p:sp>
             <p:nvSpPr>
               <p:cNvPr id="198" name="TextBox 197">
@@ -16435,8 +18169,8 @@
           </a:fontRef>
         </p:style>
       </p:cxnSp>
-      <mc:AlternateContent xmlns:mc="http://schemas.openxmlformats.org/markup-compatibility/2006">
-        <mc:Choice xmlns:a14="http://schemas.microsoft.com/office/drawing/2010/main" Requires="a14">
+      <mc:AlternateContent xmlns:mc="http://schemas.openxmlformats.org/markup-compatibility/2006" xmlns:a14="http://schemas.microsoft.com/office/drawing/2010/main">
+        <mc:Choice Requires="a14">
           <p:sp>
             <p:nvSpPr>
               <p:cNvPr id="202" name="TextBox 201">
@@ -16767,7 +18501,7 @@
             </p:txBody>
           </p:sp>
         </mc:Choice>
-        <mc:Fallback>
+        <mc:Fallback xmlns="">
           <p:sp>
             <p:nvSpPr>
               <p:cNvPr id="202" name="TextBox 201">
@@ -22973,8 +24707,8 @@
           </p:sp>
         </mc:Fallback>
       </mc:AlternateContent>
-      <mc:AlternateContent xmlns:mc="http://schemas.openxmlformats.org/markup-compatibility/2006">
-        <mc:Choice xmlns:a14="http://schemas.microsoft.com/office/drawing/2010/main" Requires="a14">
+      <mc:AlternateContent xmlns:mc="http://schemas.openxmlformats.org/markup-compatibility/2006" xmlns:a14="http://schemas.microsoft.com/office/drawing/2010/main">
+        <mc:Choice Requires="a14">
           <p:sp>
             <p:nvSpPr>
               <p:cNvPr id="15" name="Speech Bubble: Rectangle with Corners Rounded 14">
@@ -23091,7 +24825,7 @@
             </p:txBody>
           </p:sp>
         </mc:Choice>
-        <mc:Fallback>
+        <mc:Fallback xmlns="">
           <p:sp>
             <p:nvSpPr>
               <p:cNvPr id="15" name="Speech Bubble: Rectangle with Corners Rounded 14">
@@ -25953,8 +27687,8 @@
           </a:p>
         </p:txBody>
       </p:sp>
-      <mc:AlternateContent xmlns:mc="http://schemas.openxmlformats.org/markup-compatibility/2006">
-        <mc:Choice xmlns:a14="http://schemas.microsoft.com/office/drawing/2010/main" Requires="a14">
+      <mc:AlternateContent xmlns:mc="http://schemas.openxmlformats.org/markup-compatibility/2006" xmlns:a14="http://schemas.microsoft.com/office/drawing/2010/main">
+        <mc:Choice Requires="a14">
           <p:sp>
             <p:nvSpPr>
               <p:cNvPr id="3" name="Content Placeholder 2">
@@ -26426,7 +28160,7 @@
             </p:txBody>
           </p:sp>
         </mc:Choice>
-        <mc:Fallback>
+        <mc:Fallback xmlns="">
           <p:sp>
             <p:nvSpPr>
               <p:cNvPr id="3" name="Content Placeholder 2">

--- a/slides/22_Reinforcement_Learning.pptx
+++ b/slides/22_Reinforcement_Learning.pptx
@@ -5,10 +5,10 @@
     <p:sldMasterId id="2147483769" r:id="rId1"/>
   </p:sldMasterIdLst>
   <p:notesMasterIdLst>
-    <p:notesMasterId r:id="rId20"/>
+    <p:notesMasterId r:id="rId21"/>
   </p:notesMasterIdLst>
   <p:handoutMasterIdLst>
-    <p:handoutMasterId r:id="rId21"/>
+    <p:handoutMasterId r:id="rId22"/>
   </p:handoutMasterIdLst>
   <p:sldIdLst>
     <p:sldId id="455" r:id="rId2"/>
@@ -22,18 +22,19 @@
     <p:sldId id="470" r:id="rId10"/>
     <p:sldId id="460" r:id="rId11"/>
     <p:sldId id="461" r:id="rId12"/>
-    <p:sldId id="462" r:id="rId13"/>
-    <p:sldId id="467" r:id="rId14"/>
-    <p:sldId id="463" r:id="rId15"/>
-    <p:sldId id="464" r:id="rId16"/>
-    <p:sldId id="468" r:id="rId17"/>
-    <p:sldId id="472" r:id="rId18"/>
-    <p:sldId id="465" r:id="rId19"/>
+    <p:sldId id="473" r:id="rId13"/>
+    <p:sldId id="462" r:id="rId14"/>
+    <p:sldId id="467" r:id="rId15"/>
+    <p:sldId id="463" r:id="rId16"/>
+    <p:sldId id="464" r:id="rId17"/>
+    <p:sldId id="468" r:id="rId18"/>
+    <p:sldId id="472" r:id="rId19"/>
+    <p:sldId id="465" r:id="rId20"/>
   </p:sldIdLst>
   <p:sldSz cx="12192000" cy="6858000"/>
   <p:notesSz cx="7099300" cy="10234613"/>
   <p:custDataLst>
-    <p:tags r:id="rId22"/>
+    <p:tags r:id="rId23"/>
   </p:custDataLst>
   <p:defaultTextStyle>
     <a:defPPr>
@@ -146,6 +147,7 @@
             <p14:sldId id="470"/>
             <p14:sldId id="460"/>
             <p14:sldId id="461"/>
+            <p14:sldId id="473"/>
             <p14:sldId id="462"/>
             <p14:sldId id="467"/>
             <p14:sldId id="463"/>
@@ -1260,7 +1262,7 @@
               <a:pPr>
                 <a:defRPr/>
               </a:pPr>
-              <a:t>14</a:t>
+              <a:t>15</a:t>
             </a:fld>
             <a:endParaRPr lang="en-US" dirty="0"/>
           </a:p>
@@ -1361,7 +1363,7 @@
               <a:pPr>
                 <a:defRPr/>
               </a:pPr>
-              <a:t>16</a:t>
+              <a:t>17</a:t>
             </a:fld>
             <a:endParaRPr lang="en-US" dirty="0"/>
           </a:p>
@@ -5892,8 +5894,8 @@
           </a:p>
         </p:txBody>
       </p:sp>
-      <mc:AlternateContent xmlns:mc="http://schemas.openxmlformats.org/markup-compatibility/2006">
-        <mc:Choice xmlns:a14="http://schemas.microsoft.com/office/drawing/2010/main" Requires="a14">
+      <mc:AlternateContent xmlns:mc="http://schemas.openxmlformats.org/markup-compatibility/2006" xmlns:a14="http://schemas.microsoft.com/office/drawing/2010/main">
+        <mc:Choice Requires="a14">
           <p:sp>
             <p:nvSpPr>
               <p:cNvPr id="7" name="TextBox 6">
@@ -6045,7 +6047,7 @@
             </p:txBody>
           </p:sp>
         </mc:Choice>
-        <mc:Fallback>
+        <mc:Fallback xmlns="">
           <p:sp>
             <p:nvSpPr>
               <p:cNvPr id="7" name="TextBox 6">
@@ -6090,8 +6092,8 @@
           </p:sp>
         </mc:Fallback>
       </mc:AlternateContent>
-      <mc:AlternateContent xmlns:mc="http://schemas.openxmlformats.org/markup-compatibility/2006">
-        <mc:Choice xmlns:a14="http://schemas.microsoft.com/office/drawing/2010/main" Requires="a14">
+      <mc:AlternateContent xmlns:mc="http://schemas.openxmlformats.org/markup-compatibility/2006" xmlns:a14="http://schemas.microsoft.com/office/drawing/2010/main">
+        <mc:Choice Requires="a14">
           <p:sp>
             <p:nvSpPr>
               <p:cNvPr id="13" name="TextBox 12">
@@ -6201,7 +6203,7 @@
             </p:txBody>
           </p:sp>
         </mc:Choice>
-        <mc:Fallback>
+        <mc:Fallback xmlns="">
           <p:sp>
             <p:nvSpPr>
               <p:cNvPr id="13" name="TextBox 12">
@@ -6246,8 +6248,8 @@
           </p:sp>
         </mc:Fallback>
       </mc:AlternateContent>
-      <mc:AlternateContent xmlns:mc="http://schemas.openxmlformats.org/markup-compatibility/2006">
-        <mc:Choice xmlns:a14="http://schemas.microsoft.com/office/drawing/2010/main" Requires="a14">
+      <mc:AlternateContent xmlns:mc="http://schemas.openxmlformats.org/markup-compatibility/2006" xmlns:a14="http://schemas.microsoft.com/office/drawing/2010/main">
+        <mc:Choice Requires="a14">
           <p:sp>
             <p:nvSpPr>
               <p:cNvPr id="14" name="Speech Bubble: Rectangle with Corners Rounded 13">
@@ -6379,7 +6381,7 @@
             </p:txBody>
           </p:sp>
         </mc:Choice>
-        <mc:Fallback>
+        <mc:Fallback xmlns="">
           <p:sp>
             <p:nvSpPr>
               <p:cNvPr id="14" name="Speech Bubble: Rectangle with Corners Rounded 13">
@@ -6466,8 +6468,8 @@
           </a:fontRef>
         </p:style>
       </p:cxnSp>
-      <mc:AlternateContent xmlns:mc="http://schemas.openxmlformats.org/markup-compatibility/2006">
-        <mc:Choice xmlns:a14="http://schemas.microsoft.com/office/drawing/2010/main" Requires="a14">
+      <mc:AlternateContent xmlns:mc="http://schemas.openxmlformats.org/markup-compatibility/2006" xmlns:a14="http://schemas.microsoft.com/office/drawing/2010/main">
+        <mc:Choice Requires="a14">
           <p:sp>
             <p:nvSpPr>
               <p:cNvPr id="9" name="TextBox 8">
@@ -6555,7 +6557,7 @@
             </p:txBody>
           </p:sp>
         </mc:Choice>
-        <mc:Fallback>
+        <mc:Fallback xmlns="">
           <p:sp>
             <p:nvSpPr>
               <p:cNvPr id="9" name="TextBox 8">
@@ -6824,8 +6826,8 @@
           </a:p>
         </p:txBody>
       </p:sp>
-      <mc:AlternateContent xmlns:mc="http://schemas.openxmlformats.org/markup-compatibility/2006">
-        <mc:Choice xmlns:a14="http://schemas.microsoft.com/office/drawing/2010/main" Requires="a14">
+      <mc:AlternateContent xmlns:mc="http://schemas.openxmlformats.org/markup-compatibility/2006" xmlns:a14="http://schemas.microsoft.com/office/drawing/2010/main">
+        <mc:Choice Requires="a14">
           <p:sp>
             <p:nvSpPr>
               <p:cNvPr id="30" name="TextBox 29">
@@ -6875,7 +6877,7 @@
             </p:txBody>
           </p:sp>
         </mc:Choice>
-        <mc:Fallback>
+        <mc:Fallback xmlns="">
           <p:sp>
             <p:nvSpPr>
               <p:cNvPr id="30" name="TextBox 29">
@@ -6920,8 +6922,8 @@
           </p:sp>
         </mc:Fallback>
       </mc:AlternateContent>
-      <mc:AlternateContent xmlns:mc="http://schemas.openxmlformats.org/markup-compatibility/2006">
-        <mc:Choice xmlns:a14="http://schemas.microsoft.com/office/drawing/2010/main" Requires="a14">
+      <mc:AlternateContent xmlns:mc="http://schemas.openxmlformats.org/markup-compatibility/2006" xmlns:a14="http://schemas.microsoft.com/office/drawing/2010/main">
+        <mc:Choice Requires="a14">
           <p:sp>
             <p:nvSpPr>
               <p:cNvPr id="31" name="TextBox 30">
@@ -6977,7 +6979,7 @@
             </p:txBody>
           </p:sp>
         </mc:Choice>
-        <mc:Fallback>
+        <mc:Fallback xmlns="">
           <p:sp>
             <p:nvSpPr>
               <p:cNvPr id="31" name="TextBox 30">
@@ -7149,8 +7151,8 @@
           </a:p>
         </p:txBody>
       </p:sp>
-      <mc:AlternateContent xmlns:mc="http://schemas.openxmlformats.org/markup-compatibility/2006">
-        <mc:Choice xmlns:a14="http://schemas.microsoft.com/office/drawing/2010/main" Requires="a14">
+      <mc:AlternateContent xmlns:mc="http://schemas.openxmlformats.org/markup-compatibility/2006" xmlns:a14="http://schemas.microsoft.com/office/drawing/2010/main">
+        <mc:Choice Requires="a14">
           <p:sp>
             <p:nvSpPr>
               <p:cNvPr id="38" name="TextBox 37">
@@ -7223,7 +7225,7 @@
             </p:txBody>
           </p:sp>
         </mc:Choice>
-        <mc:Fallback>
+        <mc:Fallback xmlns="">
           <p:sp>
             <p:nvSpPr>
               <p:cNvPr id="38" name="TextBox 37">
@@ -7518,8 +7520,8 @@
           </a:p>
         </p:txBody>
       </p:sp>
-      <mc:AlternateContent xmlns:mc="http://schemas.openxmlformats.org/markup-compatibility/2006">
-        <mc:Choice xmlns:a14="http://schemas.microsoft.com/office/drawing/2010/main" Requires="a14">
+      <mc:AlternateContent xmlns:mc="http://schemas.openxmlformats.org/markup-compatibility/2006" xmlns:a14="http://schemas.microsoft.com/office/drawing/2010/main">
+        <mc:Choice Requires="a14">
           <p:sp>
             <p:nvSpPr>
               <p:cNvPr id="9" name="TextBox 8">
@@ -7717,7 +7719,7 @@
             </p:txBody>
           </p:sp>
         </mc:Choice>
-        <mc:Fallback>
+        <mc:Fallback xmlns="">
           <p:sp>
             <p:nvSpPr>
               <p:cNvPr id="9" name="TextBox 8">
@@ -7942,8 +7944,8 @@
           </a:fontRef>
         </p:style>
       </p:cxnSp>
-      <mc:AlternateContent xmlns:mc="http://schemas.openxmlformats.org/markup-compatibility/2006">
-        <mc:Choice xmlns:a14="http://schemas.microsoft.com/office/drawing/2010/main" Requires="a14">
+      <mc:AlternateContent xmlns:mc="http://schemas.openxmlformats.org/markup-compatibility/2006" xmlns:a14="http://schemas.microsoft.com/office/drawing/2010/main">
+        <mc:Choice Requires="a14">
           <p:sp>
             <p:nvSpPr>
               <p:cNvPr id="4" name="TextBox 3">
@@ -8031,7 +8033,7 @@
             </p:txBody>
           </p:sp>
         </mc:Choice>
-        <mc:Fallback>
+        <mc:Fallback xmlns="">
           <p:sp>
             <p:nvSpPr>
               <p:cNvPr id="4" name="TextBox 3">
@@ -8076,8 +8078,8 @@
           </p:sp>
         </mc:Fallback>
       </mc:AlternateContent>
-      <mc:AlternateContent xmlns:mc="http://schemas.openxmlformats.org/markup-compatibility/2006">
-        <mc:Choice xmlns:a14="http://schemas.microsoft.com/office/drawing/2010/main" Requires="a14">
+      <mc:AlternateContent xmlns:mc="http://schemas.openxmlformats.org/markup-compatibility/2006" xmlns:a14="http://schemas.microsoft.com/office/drawing/2010/main">
+        <mc:Choice Requires="a14">
           <p:sp>
             <p:nvSpPr>
               <p:cNvPr id="14" name="TextBox 13">
@@ -8127,7 +8129,7 @@
             </p:txBody>
           </p:sp>
         </mc:Choice>
-        <mc:Fallback>
+        <mc:Fallback xmlns="">
           <p:sp>
             <p:nvSpPr>
               <p:cNvPr id="14" name="TextBox 13">
@@ -8218,8 +8220,8 @@
           </a:p>
         </p:txBody>
       </p:sp>
-      <mc:AlternateContent xmlns:mc="http://schemas.openxmlformats.org/markup-compatibility/2006">
-        <mc:Choice xmlns:a14="http://schemas.microsoft.com/office/drawing/2010/main" Requires="a14">
+      <mc:AlternateContent xmlns:mc="http://schemas.openxmlformats.org/markup-compatibility/2006" xmlns:a14="http://schemas.microsoft.com/office/drawing/2010/main">
+        <mc:Choice Requires="a14">
           <p:sp>
             <p:nvSpPr>
               <p:cNvPr id="21" name="TextBox 20">
@@ -8288,7 +8290,7 @@
             </p:txBody>
           </p:sp>
         </mc:Choice>
-        <mc:Fallback>
+        <mc:Fallback xmlns="">
           <p:sp>
             <p:nvSpPr>
               <p:cNvPr id="21" name="TextBox 20">
@@ -8333,8 +8335,8 @@
           </p:sp>
         </mc:Fallback>
       </mc:AlternateContent>
-      <mc:AlternateContent xmlns:mc="http://schemas.openxmlformats.org/markup-compatibility/2006">
-        <mc:Choice xmlns:a14="http://schemas.microsoft.com/office/drawing/2010/main" Requires="a14">
+      <mc:AlternateContent xmlns:mc="http://schemas.openxmlformats.org/markup-compatibility/2006" xmlns:a14="http://schemas.microsoft.com/office/drawing/2010/main">
+        <mc:Choice Requires="a14">
           <p:sp>
             <p:nvSpPr>
               <p:cNvPr id="23" name="TextBox 22">
@@ -8384,7 +8386,7 @@
             </p:txBody>
           </p:sp>
         </mc:Choice>
-        <mc:Fallback>
+        <mc:Fallback xmlns="">
           <p:sp>
             <p:nvSpPr>
               <p:cNvPr id="23" name="TextBox 22">
@@ -8796,6 +8798,1218 @@
 </file>
 
 <file path=ppt/slides/slide12.xml><?xml version="1.0" encoding="utf-8"?>
+<p:sld xmlns:a="http://schemas.openxmlformats.org/drawingml/2006/main" xmlns:r="http://schemas.openxmlformats.org/officeDocument/2006/relationships" xmlns:p="http://schemas.openxmlformats.org/presentationml/2006/main">
+  <p:cSld>
+    <p:spTree>
+      <p:nvGrpSpPr>
+        <p:cNvPr id="1" name=""/>
+        <p:cNvGrpSpPr/>
+        <p:nvPr/>
+      </p:nvGrpSpPr>
+      <p:grpSpPr>
+        <a:xfrm>
+          <a:off x="0" y="0"/>
+          <a:ext cx="0" cy="0"/>
+          <a:chOff x="0" y="0"/>
+          <a:chExt cx="0" cy="0"/>
+        </a:xfrm>
+      </p:grpSpPr>
+      <p:sp>
+        <p:nvSpPr>
+          <p:cNvPr id="2" name="Title 1">
+            <a:extLst>
+              <a:ext uri="{FF2B5EF4-FFF2-40B4-BE49-F238E27FC236}">
+                <a16:creationId xmlns:a16="http://schemas.microsoft.com/office/drawing/2014/main" id="{FF654364-2A4B-2999-C27A-8DB9D91C15AC}"/>
+              </a:ext>
+            </a:extLst>
+          </p:cNvPr>
+          <p:cNvSpPr>
+            <a:spLocks noGrp="1"/>
+          </p:cNvSpPr>
+          <p:nvPr>
+            <p:ph type="title"/>
+          </p:nvPr>
+        </p:nvSpPr>
+        <p:spPr>
+          <a:xfrm>
+            <a:off x="838200" y="365125"/>
+            <a:ext cx="8077200" cy="1325563"/>
+          </a:xfrm>
+        </p:spPr>
+        <p:txBody>
+          <a:bodyPr/>
+          <a:lstStyle/>
+          <a:p>
+            <a:r>
+              <a:rPr lang="en-US" dirty="0"/>
+              <a:t>Playing a Game as a Sequential Decision Problem: Tic-Tac-Toe</a:t>
+            </a:r>
+          </a:p>
+        </p:txBody>
+      </p:sp>
+      <mc:AlternateContent xmlns:mc="http://schemas.openxmlformats.org/markup-compatibility/2006">
+        <mc:Choice xmlns:a14="http://schemas.microsoft.com/office/drawing/2010/main" Requires="a14">
+          <p:sp>
+            <p:nvSpPr>
+              <p:cNvPr id="3" name="Content Placeholder 2">
+                <a:extLst>
+                  <a:ext uri="{FF2B5EF4-FFF2-40B4-BE49-F238E27FC236}">
+                    <a16:creationId xmlns:a16="http://schemas.microsoft.com/office/drawing/2014/main" id="{DBD45ECC-FC46-6167-DE83-C01BE5FCE8C6}"/>
+                  </a:ext>
+                </a:extLst>
+              </p:cNvPr>
+              <p:cNvSpPr>
+                <a:spLocks noGrp="1"/>
+              </p:cNvSpPr>
+              <p:nvPr>
+                <p:ph idx="1"/>
+              </p:nvPr>
+            </p:nvSpPr>
+            <p:spPr/>
+            <p:txBody>
+              <a:bodyPr>
+                <a:normAutofit fontScale="77500" lnSpcReduction="20000"/>
+              </a:bodyPr>
+              <a:lstStyle/>
+              <a:p>
+                <a:r>
+                  <a:rPr lang="en-US" dirty="0"/>
+                  <a:t>Definitions from the Chapter 5 on Games for a goal-based agent: </a:t>
+                </a:r>
+              </a:p>
+              <a:p>
+                <a:endParaRPr lang="en-US" dirty="0"/>
+              </a:p>
+              <a:p>
+                <a:endParaRPr lang="en-US" dirty="0"/>
+              </a:p>
+              <a:p>
+                <a:endParaRPr lang="en-US" dirty="0"/>
+              </a:p>
+              <a:p>
+                <a:endParaRPr lang="en-US" dirty="0"/>
+              </a:p>
+              <a:p>
+                <a:endParaRPr lang="en-US" dirty="0"/>
+              </a:p>
+              <a:p>
+                <a:endParaRPr lang="en-US" dirty="0"/>
+              </a:p>
+              <a:p>
+                <a:endParaRPr lang="en-US" dirty="0"/>
+              </a:p>
+              <a:p>
+                <a:r>
+                  <a:rPr lang="en-US" dirty="0"/>
+                  <a:t>We can set up an MDP to find the optimal policy </a:t>
+                </a:r>
+                <a14:m>
+                  <m:oMath xmlns:m="http://schemas.openxmlformats.org/officeDocument/2006/math">
+                    <m:sSup>
+                      <m:sSupPr>
+                        <m:ctrlPr>
+                          <a:rPr lang="en-US" b="0" i="1" smtClean="0">
+                            <a:latin typeface="Cambria Math" panose="02040503050406030204" pitchFamily="18" charset="0"/>
+                          </a:rPr>
+                        </m:ctrlPr>
+                      </m:sSupPr>
+                      <m:e>
+                        <m:r>
+                          <a:rPr lang="en-US" b="0" i="1" smtClean="0">
+                            <a:latin typeface="Cambria Math" panose="02040503050406030204" pitchFamily="18" charset="0"/>
+                          </a:rPr>
+                          <m:t>𝜋</m:t>
+                        </m:r>
+                      </m:e>
+                      <m:sup>
+                        <m:r>
+                          <a:rPr lang="en-US" b="0" i="1" smtClean="0">
+                            <a:latin typeface="Cambria Math" panose="02040503050406030204" pitchFamily="18" charset="0"/>
+                          </a:rPr>
+                          <m:t>∗</m:t>
+                        </m:r>
+                      </m:sup>
+                    </m:sSup>
+                    <m:d>
+                      <m:dPr>
+                        <m:ctrlPr>
+                          <a:rPr lang="en-US" b="0" i="1" smtClean="0">
+                            <a:latin typeface="Cambria Math" panose="02040503050406030204" pitchFamily="18" charset="0"/>
+                          </a:rPr>
+                        </m:ctrlPr>
+                      </m:dPr>
+                      <m:e>
+                        <m:r>
+                          <a:rPr lang="en-US" b="0" i="1" smtClean="0">
+                            <a:latin typeface="Cambria Math" panose="02040503050406030204" pitchFamily="18" charset="0"/>
+                          </a:rPr>
+                          <m:t>𝑠</m:t>
+                        </m:r>
+                      </m:e>
+                    </m:d>
+                  </m:oMath>
+                </a14:m>
+                <a:r>
+                  <a:rPr lang="en-US" dirty="0"/>
+                  <a:t>, but it will be hard to solve since:</a:t>
+                </a:r>
+              </a:p>
+              <a:p>
+                <a:pPr lvl="1"/>
+                <a:r>
+                  <a:rPr lang="en-US" dirty="0"/>
+                  <a:t>There are too many states, so </a:t>
+                </a:r>
+                <a14:m>
+                  <m:oMath xmlns:m="http://schemas.openxmlformats.org/officeDocument/2006/math">
+                    <m:r>
+                      <m:rPr>
+                        <m:sty m:val="p"/>
+                      </m:rPr>
+                      <a:rPr lang="en-US" b="0" i="0" smtClean="0">
+                        <a:latin typeface="Cambria Math" panose="02040503050406030204" pitchFamily="18" charset="0"/>
+                      </a:rPr>
+                      <m:t>U</m:t>
+                    </m:r>
+                    <m:d>
+                      <m:dPr>
+                        <m:ctrlPr>
+                          <a:rPr lang="en-US" b="0" i="0" smtClean="0">
+                            <a:latin typeface="Cambria Math" panose="02040503050406030204" pitchFamily="18" charset="0"/>
+                          </a:rPr>
+                        </m:ctrlPr>
+                      </m:dPr>
+                      <m:e>
+                        <m:r>
+                          <m:rPr>
+                            <m:sty m:val="p"/>
+                          </m:rPr>
+                          <a:rPr lang="en-US" b="0" i="0" smtClean="0">
+                            <a:latin typeface="Cambria Math" panose="02040503050406030204" pitchFamily="18" charset="0"/>
+                          </a:rPr>
+                          <m:t>s</m:t>
+                        </m:r>
+                      </m:e>
+                    </m:d>
+                    <m:r>
+                      <a:rPr lang="en-US" b="0" i="0" smtClean="0">
+                        <a:latin typeface="Cambria Math" panose="02040503050406030204" pitchFamily="18" charset="0"/>
+                      </a:rPr>
+                      <m:t> </m:t>
+                    </m:r>
+                  </m:oMath>
+                </a14:m>
+                <a:r>
+                  <a:rPr lang="en-US" dirty="0"/>
+                  <a:t>has many entries.</a:t>
+                </a:r>
+              </a:p>
+              <a:p>
+                <a:pPr lvl="1"/>
+                <a14:m>
+                  <m:oMath xmlns:m="http://schemas.openxmlformats.org/officeDocument/2006/math">
+                    <m:r>
+                      <a:rPr lang="en-US" i="1" smtClean="0">
+                        <a:latin typeface="Cambria Math" panose="02040503050406030204" pitchFamily="18" charset="0"/>
+                      </a:rPr>
+                      <m:t>𝑃</m:t>
+                    </m:r>
+                    <m:d>
+                      <m:dPr>
+                        <m:ctrlPr>
+                          <a:rPr lang="en-US" i="1">
+                            <a:latin typeface="Cambria Math" panose="02040503050406030204" pitchFamily="18" charset="0"/>
+                          </a:rPr>
+                        </m:ctrlPr>
+                      </m:dPr>
+                      <m:e>
+                        <m:sSup>
+                          <m:sSupPr>
+                            <m:ctrlPr>
+                              <a:rPr lang="en-US" i="1">
+                                <a:latin typeface="Cambria Math" panose="02040503050406030204" pitchFamily="18" charset="0"/>
+                              </a:rPr>
+                            </m:ctrlPr>
+                          </m:sSupPr>
+                          <m:e>
+                            <m:r>
+                              <a:rPr lang="en-US" i="1">
+                                <a:latin typeface="Cambria Math" panose="02040503050406030204" pitchFamily="18" charset="0"/>
+                              </a:rPr>
+                              <m:t>𝑠</m:t>
+                            </m:r>
+                          </m:e>
+                          <m:sup>
+                            <m:r>
+                              <a:rPr lang="en-US" i="1">
+                                <a:latin typeface="Cambria Math" panose="02040503050406030204" pitchFamily="18" charset="0"/>
+                              </a:rPr>
+                              <m:t>′</m:t>
+                            </m:r>
+                          </m:sup>
+                        </m:sSup>
+                      </m:e>
+                      <m:e>
+                        <m:r>
+                          <a:rPr lang="en-US" i="1">
+                            <a:latin typeface="Cambria Math" panose="02040503050406030204" pitchFamily="18" charset="0"/>
+                          </a:rPr>
+                          <m:t>𝑠</m:t>
+                        </m:r>
+                        <m:r>
+                          <a:rPr lang="en-US" i="1">
+                            <a:latin typeface="Cambria Math" panose="02040503050406030204" pitchFamily="18" charset="0"/>
+                          </a:rPr>
+                          <m:t>,</m:t>
+                        </m:r>
+                        <m:r>
+                          <a:rPr lang="en-US" i="1">
+                            <a:latin typeface="Cambria Math" panose="02040503050406030204" pitchFamily="18" charset="0"/>
+                          </a:rPr>
+                          <m:t>𝑎</m:t>
+                        </m:r>
+                      </m:e>
+                    </m:d>
+                  </m:oMath>
+                </a14:m>
+                <a:r>
+                  <a:rPr lang="en-US" dirty="0"/>
+                  <a:t> depends on the other player so it would need to be learned. The table is </a:t>
+                </a:r>
+                <a:r>
+                  <a:rPr lang="en-US"/>
+                  <a:t>also very large.</a:t>
+                </a:r>
+                <a:endParaRPr lang="en-US" dirty="0"/>
+              </a:p>
+              <a:p>
+                <a:pPr lvl="1"/>
+                <a:r>
+                  <a:rPr lang="en-US" dirty="0"/>
+                  <a:t>All the reward is delayed and only given at the end of the game. This makes learning hard.</a:t>
+                </a:r>
+                <a:br>
+                  <a:rPr lang="en-US" dirty="0"/>
+                </a:br>
+                <a:endParaRPr lang="en-US" dirty="0"/>
+              </a:p>
+            </p:txBody>
+          </p:sp>
+        </mc:Choice>
+        <mc:Fallback>
+          <p:sp>
+            <p:nvSpPr>
+              <p:cNvPr id="3" name="Content Placeholder 2">
+                <a:extLst>
+                  <a:ext uri="{FF2B5EF4-FFF2-40B4-BE49-F238E27FC236}">
+                    <a16:creationId xmlns:a16="http://schemas.microsoft.com/office/drawing/2014/main" id="{DBD45ECC-FC46-6167-DE83-C01BE5FCE8C6}"/>
+                  </a:ext>
+                </a:extLst>
+              </p:cNvPr>
+              <p:cNvSpPr>
+                <a:spLocks noGrp="1" noRot="1" noChangeAspect="1" noMove="1" noResize="1" noEditPoints="1" noAdjustHandles="1" noChangeArrowheads="1" noChangeShapeType="1" noTextEdit="1"/>
+              </p:cNvSpPr>
+              <p:nvPr>
+                <p:ph idx="1"/>
+              </p:nvPr>
+            </p:nvSpPr>
+            <p:spPr>
+              <a:blipFill>
+                <a:blip r:embed="rId2"/>
+                <a:stretch>
+                  <a:fillRect l="-696" t="-2801" r="-290"/>
+                </a:stretch>
+              </a:blipFill>
+            </p:spPr>
+            <p:txBody>
+              <a:bodyPr/>
+              <a:lstStyle/>
+              <a:p>
+                <a:r>
+                  <a:rPr lang="en-US">
+                    <a:noFill/>
+                  </a:rPr>
+                  <a:t> </a:t>
+                </a:r>
+              </a:p>
+            </p:txBody>
+          </p:sp>
+        </mc:Fallback>
+      </mc:AlternateContent>
+      <p:pic>
+        <p:nvPicPr>
+          <p:cNvPr id="4" name="Picture 2" descr="Image result for tic tac toe">
+            <a:extLst>
+              <a:ext uri="{FF2B5EF4-FFF2-40B4-BE49-F238E27FC236}">
+                <a16:creationId xmlns:a16="http://schemas.microsoft.com/office/drawing/2014/main" id="{FBBB78FF-73D9-C952-C87A-5B8ED68D5463}"/>
+              </a:ext>
+            </a:extLst>
+          </p:cNvPr>
+          <p:cNvPicPr>
+            <a:picLocks noChangeAspect="1" noChangeArrowheads="1"/>
+          </p:cNvPicPr>
+          <p:nvPr/>
+        </p:nvPicPr>
+        <p:blipFill>
+          <a:blip r:embed="rId3" cstate="print">
+            <a:extLst>
+              <a:ext uri="{28A0092B-C50C-407E-A947-70E740481C1C}">
+                <a14:useLocalDpi xmlns:a14="http://schemas.microsoft.com/office/drawing/2010/main" val="0"/>
+              </a:ext>
+            </a:extLst>
+          </a:blip>
+          <a:srcRect/>
+          <a:stretch>
+            <a:fillRect/>
+          </a:stretch>
+        </p:blipFill>
+        <p:spPr bwMode="auto">
+          <a:xfrm>
+            <a:off x="9372600" y="96421"/>
+            <a:ext cx="2547953" cy="2265779"/>
+          </a:xfrm>
+          <a:prstGeom prst="rect">
+            <a:avLst/>
+          </a:prstGeom>
+          <a:noFill/>
+          <a:extLst>
+            <a:ext uri="{909E8E84-426E-40DD-AFC4-6F175D3DCCD1}">
+              <a14:hiddenFill xmlns:a14="http://schemas.microsoft.com/office/drawing/2010/main">
+                <a:solidFill>
+                  <a:srgbClr val="FFFFFF"/>
+                </a:solidFill>
+              </a14:hiddenFill>
+            </a:ext>
+          </a:extLst>
+        </p:spPr>
+      </p:pic>
+      <mc:AlternateContent xmlns:mc="http://schemas.openxmlformats.org/markup-compatibility/2006">
+        <mc:Choice xmlns:a14="http://schemas.microsoft.com/office/drawing/2010/main" Requires="a14">
+          <p:sp>
+            <p:nvSpPr>
+              <p:cNvPr id="6" name="Content Placeholder 2">
+                <a:extLst>
+                  <a:ext uri="{FF2B5EF4-FFF2-40B4-BE49-F238E27FC236}">
+                    <a16:creationId xmlns:a16="http://schemas.microsoft.com/office/drawing/2014/main" id="{1B282AD5-8F3E-F1E8-9879-A9D06CD50CA5}"/>
+                  </a:ext>
+                </a:extLst>
+              </p:cNvPr>
+              <p:cNvSpPr txBox="1">
+                <a:spLocks/>
+              </p:cNvSpPr>
+              <p:nvPr/>
+            </p:nvSpPr>
+            <p:spPr>
+              <a:xfrm>
+                <a:off x="1828800" y="2461161"/>
+                <a:ext cx="5715000" cy="1935678"/>
+              </a:xfrm>
+              <a:prstGeom prst="rect">
+                <a:avLst/>
+              </a:prstGeom>
+            </p:spPr>
+            <p:style>
+              <a:lnRef idx="2">
+                <a:schemeClr val="accent6"/>
+              </a:lnRef>
+              <a:fillRef idx="1">
+                <a:schemeClr val="lt1"/>
+              </a:fillRef>
+              <a:effectRef idx="0">
+                <a:schemeClr val="accent6"/>
+              </a:effectRef>
+              <a:fontRef idx="minor">
+                <a:schemeClr val="dk1"/>
+              </a:fontRef>
+            </p:style>
+            <p:txBody>
+              <a:bodyPr vert="horz" lIns="91440" tIns="45720" rIns="91440" bIns="45720" rtlCol="0">
+                <a:normAutofit fontScale="70000" lnSpcReduction="20000"/>
+              </a:bodyPr>
+              <a:lstStyle>
+                <a:lvl1pPr marL="228600" indent="-228600" algn="l" defTabSz="914400" rtl="0" eaLnBrk="1" latinLnBrk="0" hangingPunct="1">
+                  <a:lnSpc>
+                    <a:spcPct val="90000"/>
+                  </a:lnSpc>
+                  <a:spcBef>
+                    <a:spcPts val="1000"/>
+                  </a:spcBef>
+                  <a:buFont typeface="Arial" panose="020B0604020202020204" pitchFamily="34" charset="0"/>
+                  <a:buChar char="•"/>
+                  <a:defRPr sz="2800" kern="1200">
+                    <a:solidFill>
+                      <a:schemeClr val="tx1"/>
+                    </a:solidFill>
+                    <a:latin typeface="+mn-lt"/>
+                    <a:ea typeface="+mn-ea"/>
+                    <a:cs typeface="+mn-cs"/>
+                  </a:defRPr>
+                </a:lvl1pPr>
+                <a:lvl2pPr marL="685800" indent="-228600" algn="l" defTabSz="914400" rtl="0" eaLnBrk="1" latinLnBrk="0" hangingPunct="1">
+                  <a:lnSpc>
+                    <a:spcPct val="90000"/>
+                  </a:lnSpc>
+                  <a:spcBef>
+                    <a:spcPts val="500"/>
+                  </a:spcBef>
+                  <a:buFont typeface="Arial" panose="020B0604020202020204" pitchFamily="34" charset="0"/>
+                  <a:buChar char="•"/>
+                  <a:defRPr sz="2400" kern="1200">
+                    <a:solidFill>
+                      <a:schemeClr val="tx1"/>
+                    </a:solidFill>
+                    <a:latin typeface="+mn-lt"/>
+                    <a:ea typeface="+mn-ea"/>
+                    <a:cs typeface="+mn-cs"/>
+                  </a:defRPr>
+                </a:lvl2pPr>
+                <a:lvl3pPr marL="1143000" indent="-228600" algn="l" defTabSz="914400" rtl="0" eaLnBrk="1" latinLnBrk="0" hangingPunct="1">
+                  <a:lnSpc>
+                    <a:spcPct val="90000"/>
+                  </a:lnSpc>
+                  <a:spcBef>
+                    <a:spcPts val="500"/>
+                  </a:spcBef>
+                  <a:buFont typeface="Arial" panose="020B0604020202020204" pitchFamily="34" charset="0"/>
+                  <a:buChar char="•"/>
+                  <a:defRPr sz="2000" kern="1200">
+                    <a:solidFill>
+                      <a:schemeClr val="tx1"/>
+                    </a:solidFill>
+                    <a:latin typeface="+mn-lt"/>
+                    <a:ea typeface="+mn-ea"/>
+                    <a:cs typeface="+mn-cs"/>
+                  </a:defRPr>
+                </a:lvl3pPr>
+                <a:lvl4pPr marL="1600200" indent="-228600" algn="l" defTabSz="914400" rtl="0" eaLnBrk="1" latinLnBrk="0" hangingPunct="1">
+                  <a:lnSpc>
+                    <a:spcPct val="90000"/>
+                  </a:lnSpc>
+                  <a:spcBef>
+                    <a:spcPts val="500"/>
+                  </a:spcBef>
+                  <a:buFont typeface="Arial" panose="020B0604020202020204" pitchFamily="34" charset="0"/>
+                  <a:buChar char="•"/>
+                  <a:defRPr sz="1800" kern="1200">
+                    <a:solidFill>
+                      <a:schemeClr val="tx1"/>
+                    </a:solidFill>
+                    <a:latin typeface="+mn-lt"/>
+                    <a:ea typeface="+mn-ea"/>
+                    <a:cs typeface="+mn-cs"/>
+                  </a:defRPr>
+                </a:lvl4pPr>
+                <a:lvl5pPr marL="2057400" indent="-228600" algn="l" defTabSz="914400" rtl="0" eaLnBrk="1" latinLnBrk="0" hangingPunct="1">
+                  <a:lnSpc>
+                    <a:spcPct val="90000"/>
+                  </a:lnSpc>
+                  <a:spcBef>
+                    <a:spcPts val="500"/>
+                  </a:spcBef>
+                  <a:buFont typeface="Arial" panose="020B0604020202020204" pitchFamily="34" charset="0"/>
+                  <a:buChar char="•"/>
+                  <a:defRPr sz="1800" kern="1200">
+                    <a:solidFill>
+                      <a:schemeClr val="tx1"/>
+                    </a:solidFill>
+                    <a:latin typeface="+mn-lt"/>
+                    <a:ea typeface="+mn-ea"/>
+                    <a:cs typeface="+mn-cs"/>
+                  </a:defRPr>
+                </a:lvl5pPr>
+                <a:lvl6pPr marL="2514600" indent="-228600" algn="l" defTabSz="914400" rtl="0" eaLnBrk="1" latinLnBrk="0" hangingPunct="1">
+                  <a:lnSpc>
+                    <a:spcPct val="90000"/>
+                  </a:lnSpc>
+                  <a:spcBef>
+                    <a:spcPts val="500"/>
+                  </a:spcBef>
+                  <a:buFont typeface="Arial" panose="020B0604020202020204" pitchFamily="34" charset="0"/>
+                  <a:buChar char="•"/>
+                  <a:defRPr sz="1800" kern="1200">
+                    <a:solidFill>
+                      <a:schemeClr val="tx1"/>
+                    </a:solidFill>
+                    <a:latin typeface="+mn-lt"/>
+                    <a:ea typeface="+mn-ea"/>
+                    <a:cs typeface="+mn-cs"/>
+                  </a:defRPr>
+                </a:lvl6pPr>
+                <a:lvl7pPr marL="2971800" indent="-228600" algn="l" defTabSz="914400" rtl="0" eaLnBrk="1" latinLnBrk="0" hangingPunct="1">
+                  <a:lnSpc>
+                    <a:spcPct val="90000"/>
+                  </a:lnSpc>
+                  <a:spcBef>
+                    <a:spcPts val="500"/>
+                  </a:spcBef>
+                  <a:buFont typeface="Arial" panose="020B0604020202020204" pitchFamily="34" charset="0"/>
+                  <a:buChar char="•"/>
+                  <a:defRPr sz="1800" kern="1200">
+                    <a:solidFill>
+                      <a:schemeClr val="tx1"/>
+                    </a:solidFill>
+                    <a:latin typeface="+mn-lt"/>
+                    <a:ea typeface="+mn-ea"/>
+                    <a:cs typeface="+mn-cs"/>
+                  </a:defRPr>
+                </a:lvl7pPr>
+                <a:lvl8pPr marL="3429000" indent="-228600" algn="l" defTabSz="914400" rtl="0" eaLnBrk="1" latinLnBrk="0" hangingPunct="1">
+                  <a:lnSpc>
+                    <a:spcPct val="90000"/>
+                  </a:lnSpc>
+                  <a:spcBef>
+                    <a:spcPts val="500"/>
+                  </a:spcBef>
+                  <a:buFont typeface="Arial" panose="020B0604020202020204" pitchFamily="34" charset="0"/>
+                  <a:buChar char="•"/>
+                  <a:defRPr sz="1800" kern="1200">
+                    <a:solidFill>
+                      <a:schemeClr val="tx1"/>
+                    </a:solidFill>
+                    <a:latin typeface="+mn-lt"/>
+                    <a:ea typeface="+mn-ea"/>
+                    <a:cs typeface="+mn-cs"/>
+                  </a:defRPr>
+                </a:lvl8pPr>
+                <a:lvl9pPr marL="3886200" indent="-228600" algn="l" defTabSz="914400" rtl="0" eaLnBrk="1" latinLnBrk="0" hangingPunct="1">
+                  <a:lnSpc>
+                    <a:spcPct val="90000"/>
+                  </a:lnSpc>
+                  <a:spcBef>
+                    <a:spcPts val="500"/>
+                  </a:spcBef>
+                  <a:buFont typeface="Arial" panose="020B0604020202020204" pitchFamily="34" charset="0"/>
+                  <a:buChar char="•"/>
+                  <a:defRPr sz="1800" kern="1200">
+                    <a:solidFill>
+                      <a:schemeClr val="tx1"/>
+                    </a:solidFill>
+                    <a:latin typeface="+mn-lt"/>
+                    <a:ea typeface="+mn-ea"/>
+                    <a:cs typeface="+mn-cs"/>
+                  </a:defRPr>
+                </a:lvl9pPr>
+              </a:lstStyle>
+              <a:p>
+                <a:pPr marL="0" indent="0">
+                  <a:buFont typeface="Arial" panose="020B0604020202020204" pitchFamily="34" charset="0"/>
+                  <a:buNone/>
+                </a:pPr>
+                <a14:m>
+                  <m:oMath xmlns:m="http://schemas.openxmlformats.org/officeDocument/2006/math">
+                    <m:sSub>
+                      <m:sSubPr>
+                        <m:ctrlPr>
+                          <a:rPr lang="en-US" sz="2400" i="1" smtClean="0">
+                            <a:latin typeface="Cambria Math" panose="02040503050406030204" pitchFamily="18" charset="0"/>
+                          </a:rPr>
+                        </m:ctrlPr>
+                      </m:sSubPr>
+                      <m:e>
+                        <m:r>
+                          <a:rPr lang="en-US" sz="2400" i="1">
+                            <a:latin typeface="Cambria Math" panose="02040503050406030204" pitchFamily="18" charset="0"/>
+                          </a:rPr>
+                          <m:t>𝑠</m:t>
+                        </m:r>
+                      </m:e>
+                      <m:sub>
+                        <m:r>
+                          <a:rPr lang="en-US" sz="2400" i="1">
+                            <a:latin typeface="Cambria Math" panose="02040503050406030204" pitchFamily="18" charset="0"/>
+                          </a:rPr>
+                          <m:t>0</m:t>
+                        </m:r>
+                      </m:sub>
+                    </m:sSub>
+                  </m:oMath>
+                </a14:m>
+                <a:r>
+                  <a:rPr lang="en-US" sz="2400" dirty="0"/>
+                  <a:t> 		Empty board.</a:t>
+                </a:r>
+              </a:p>
+              <a:p>
+                <a:pPr marL="0" indent="0">
+                  <a:buFont typeface="Arial" panose="020B0604020202020204" pitchFamily="34" charset="0"/>
+                  <a:buNone/>
+                </a:pPr>
+                <a14:m>
+                  <m:oMath xmlns:m="http://schemas.openxmlformats.org/officeDocument/2006/math">
+                    <m:r>
+                      <a:rPr lang="en-US" sz="2400" i="1">
+                        <a:latin typeface="Cambria Math" panose="02040503050406030204" pitchFamily="18" charset="0"/>
+                      </a:rPr>
+                      <m:t>𝐴𝑐𝑡𝑖𝑜𝑛𝑠</m:t>
+                    </m:r>
+                    <m:r>
+                      <a:rPr lang="en-US" sz="2400" i="1">
+                        <a:latin typeface="Cambria Math" panose="02040503050406030204" pitchFamily="18" charset="0"/>
+                      </a:rPr>
+                      <m:t>(</m:t>
+                    </m:r>
+                    <m:r>
+                      <a:rPr lang="en-US" sz="2400" i="1">
+                        <a:latin typeface="Cambria Math" panose="02040503050406030204" pitchFamily="18" charset="0"/>
+                      </a:rPr>
+                      <m:t>𝑠</m:t>
+                    </m:r>
+                    <m:r>
+                      <a:rPr lang="en-US" sz="2400" i="1">
+                        <a:latin typeface="Cambria Math" panose="02040503050406030204" pitchFamily="18" charset="0"/>
+                      </a:rPr>
+                      <m:t>)</m:t>
+                    </m:r>
+                  </m:oMath>
+                </a14:m>
+                <a:r>
+                  <a:rPr lang="en-US" sz="2400" dirty="0"/>
+                  <a:t>	Play empty squares.</a:t>
+                </a:r>
+              </a:p>
+              <a:p>
+                <a:pPr marL="0" indent="0">
+                  <a:buFont typeface="Arial" panose="020B0604020202020204" pitchFamily="34" charset="0"/>
+                  <a:buNone/>
+                </a:pPr>
+                <a14:m>
+                  <m:oMath xmlns:m="http://schemas.openxmlformats.org/officeDocument/2006/math">
+                    <m:r>
+                      <a:rPr lang="en-US" sz="2400" i="1">
+                        <a:latin typeface="Cambria Math" panose="02040503050406030204" pitchFamily="18" charset="0"/>
+                      </a:rPr>
+                      <m:t>𝑅𝑒𝑠𝑢𝑙𝑡</m:t>
+                    </m:r>
+                    <m:r>
+                      <a:rPr lang="en-US" sz="2400" i="1">
+                        <a:latin typeface="Cambria Math" panose="02040503050406030204" pitchFamily="18" charset="0"/>
+                      </a:rPr>
+                      <m:t>(</m:t>
+                    </m:r>
+                    <m:r>
+                      <a:rPr lang="en-US" sz="2400" i="1">
+                        <a:latin typeface="Cambria Math" panose="02040503050406030204" pitchFamily="18" charset="0"/>
+                      </a:rPr>
+                      <m:t>𝑠</m:t>
+                    </m:r>
+                    <m:r>
+                      <a:rPr lang="en-US" sz="2400" i="1">
+                        <a:latin typeface="Cambria Math" panose="02040503050406030204" pitchFamily="18" charset="0"/>
+                      </a:rPr>
+                      <m:t>,</m:t>
+                    </m:r>
+                    <m:r>
+                      <a:rPr lang="en-US" sz="2400" i="1">
+                        <a:latin typeface="Cambria Math" panose="02040503050406030204" pitchFamily="18" charset="0"/>
+                      </a:rPr>
+                      <m:t>𝑎</m:t>
+                    </m:r>
+                    <m:r>
+                      <a:rPr lang="en-US" sz="2400" i="1">
+                        <a:latin typeface="Cambria Math" panose="02040503050406030204" pitchFamily="18" charset="0"/>
+                      </a:rPr>
+                      <m:t>)</m:t>
+                    </m:r>
+                  </m:oMath>
+                </a14:m>
+                <a:r>
+                  <a:rPr lang="en-US" sz="2400" dirty="0"/>
+                  <a:t>	Symbol (x/o) is placed on empty square.</a:t>
+                </a:r>
+              </a:p>
+              <a:p>
+                <a:pPr marL="0" indent="0">
+                  <a:buFont typeface="Arial" panose="020B0604020202020204" pitchFamily="34" charset="0"/>
+                  <a:buNone/>
+                </a:pPr>
+                <a14:m>
+                  <m:oMath xmlns:m="http://schemas.openxmlformats.org/officeDocument/2006/math">
+                    <m:r>
+                      <a:rPr lang="en-US" sz="2400" i="1">
+                        <a:latin typeface="Cambria Math" panose="02040503050406030204" pitchFamily="18" charset="0"/>
+                      </a:rPr>
+                      <m:t>𝑇𝑒𝑟𝑚𝑖𝑛𝑎𝑙</m:t>
+                    </m:r>
+                    <m:r>
+                      <a:rPr lang="en-US" sz="2400" i="1">
+                        <a:latin typeface="Cambria Math" panose="02040503050406030204" pitchFamily="18" charset="0"/>
+                      </a:rPr>
+                      <m:t>(</m:t>
+                    </m:r>
+                    <m:r>
+                      <a:rPr lang="en-US" sz="2400" i="1">
+                        <a:latin typeface="Cambria Math" panose="02040503050406030204" pitchFamily="18" charset="0"/>
+                      </a:rPr>
+                      <m:t>𝑠</m:t>
+                    </m:r>
+                    <m:r>
+                      <a:rPr lang="en-US" sz="2400" i="1">
+                        <a:latin typeface="Cambria Math" panose="02040503050406030204" pitchFamily="18" charset="0"/>
+                      </a:rPr>
+                      <m:t>)</m:t>
+                    </m:r>
+                  </m:oMath>
+                </a14:m>
+                <a:r>
+                  <a:rPr lang="en-US" sz="2400" dirty="0"/>
+                  <a:t>	 Did a player win or is the game a draw?</a:t>
+                </a:r>
+              </a:p>
+              <a:p>
+                <a:pPr marL="0" indent="0">
+                  <a:buFont typeface="Arial" panose="020B0604020202020204" pitchFamily="34" charset="0"/>
+                  <a:buNone/>
+                </a:pPr>
+                <a14:m>
+                  <m:oMath xmlns:m="http://schemas.openxmlformats.org/officeDocument/2006/math">
+                    <m:r>
+                      <a:rPr lang="en-US" sz="2400" i="1">
+                        <a:latin typeface="Cambria Math" panose="02040503050406030204" pitchFamily="18" charset="0"/>
+                      </a:rPr>
+                      <m:t>𝑈𝑡𝑖𝑙𝑖𝑡𝑦</m:t>
+                    </m:r>
+                    <m:r>
+                      <a:rPr lang="en-US" sz="2400" i="1">
+                        <a:latin typeface="Cambria Math" panose="02040503050406030204" pitchFamily="18" charset="0"/>
+                      </a:rPr>
+                      <m:t>(</m:t>
+                    </m:r>
+                    <m:r>
+                      <a:rPr lang="en-US" sz="2400" i="1">
+                        <a:latin typeface="Cambria Math" panose="02040503050406030204" pitchFamily="18" charset="0"/>
+                      </a:rPr>
+                      <m:t>𝑠</m:t>
+                    </m:r>
+                    <m:r>
+                      <a:rPr lang="en-US" sz="2400" i="1">
+                        <a:latin typeface="Cambria Math" panose="02040503050406030204" pitchFamily="18" charset="0"/>
+                      </a:rPr>
+                      <m:t>)</m:t>
+                    </m:r>
+                  </m:oMath>
+                </a14:m>
+                <a:r>
+                  <a:rPr lang="en-US" sz="2400" dirty="0"/>
+                  <a:t>	+1 if x wins, -1 if o wins and 0 for a draw.</a:t>
+                </a:r>
+              </a:p>
+              <a:p>
+                <a:pPr marL="0" indent="0">
+                  <a:buFont typeface="Arial" panose="020B0604020202020204" pitchFamily="34" charset="0"/>
+                  <a:buNone/>
+                </a:pPr>
+                <a:r>
+                  <a:rPr lang="en-US" sz="2400" dirty="0"/>
+                  <a:t>		Utility is only defined for terminal states.</a:t>
+                </a:r>
+              </a:p>
+            </p:txBody>
+          </p:sp>
+        </mc:Choice>
+        <mc:Fallback>
+          <p:sp>
+            <p:nvSpPr>
+              <p:cNvPr id="6" name="Content Placeholder 2">
+                <a:extLst>
+                  <a:ext uri="{FF2B5EF4-FFF2-40B4-BE49-F238E27FC236}">
+                    <a16:creationId xmlns:a16="http://schemas.microsoft.com/office/drawing/2014/main" id="{1B282AD5-8F3E-F1E8-9879-A9D06CD50CA5}"/>
+                  </a:ext>
+                </a:extLst>
+              </p:cNvPr>
+              <p:cNvSpPr txBox="1">
+                <a:spLocks noRot="1" noChangeAspect="1" noMove="1" noResize="1" noEditPoints="1" noAdjustHandles="1" noChangeArrowheads="1" noChangeShapeType="1" noTextEdit="1"/>
+              </p:cNvSpPr>
+              <p:nvPr/>
+            </p:nvSpPr>
+            <p:spPr>
+              <a:xfrm>
+                <a:off x="1828800" y="2461161"/>
+                <a:ext cx="5715000" cy="1935678"/>
+              </a:xfrm>
+              <a:prstGeom prst="rect">
+                <a:avLst/>
+              </a:prstGeom>
+              <a:blipFill>
+                <a:blip r:embed="rId4"/>
+                <a:stretch>
+                  <a:fillRect t="-4389"/>
+                </a:stretch>
+              </a:blipFill>
+            </p:spPr>
+            <p:txBody>
+              <a:bodyPr/>
+              <a:lstStyle/>
+              <a:p>
+                <a:r>
+                  <a:rPr lang="en-US">
+                    <a:noFill/>
+                  </a:rPr>
+                  <a:t> </a:t>
+                </a:r>
+              </a:p>
+            </p:txBody>
+          </p:sp>
+        </mc:Fallback>
+      </mc:AlternateContent>
+      <p:sp>
+        <p:nvSpPr>
+          <p:cNvPr id="11" name="Right Brace 10">
+            <a:extLst>
+              <a:ext uri="{FF2B5EF4-FFF2-40B4-BE49-F238E27FC236}">
+                <a16:creationId xmlns:a16="http://schemas.microsoft.com/office/drawing/2014/main" id="{8814A9EE-7679-21FC-1A92-D763A10737CC}"/>
+              </a:ext>
+            </a:extLst>
+          </p:cNvPr>
+          <p:cNvSpPr/>
+          <p:nvPr/>
+        </p:nvSpPr>
+        <p:spPr>
+          <a:xfrm>
+            <a:off x="7620000" y="3733800"/>
+            <a:ext cx="381000" cy="609600"/>
+          </a:xfrm>
+          <a:prstGeom prst="rightBrace">
+            <a:avLst/>
+          </a:prstGeom>
+        </p:spPr>
+        <p:style>
+          <a:lnRef idx="1">
+            <a:schemeClr val="accent1"/>
+          </a:lnRef>
+          <a:fillRef idx="0">
+            <a:schemeClr val="accent1"/>
+          </a:fillRef>
+          <a:effectRef idx="0">
+            <a:schemeClr val="accent1"/>
+          </a:effectRef>
+          <a:fontRef idx="minor">
+            <a:schemeClr val="tx1"/>
+          </a:fontRef>
+        </p:style>
+        <p:txBody>
+          <a:bodyPr rtlCol="0" anchor="ctr"/>
+          <a:lstStyle/>
+          <a:p>
+            <a:pPr algn="ctr"/>
+            <a:endParaRPr lang="en-US"/>
+          </a:p>
+        </p:txBody>
+      </p:sp>
+      <mc:AlternateContent xmlns:mc="http://schemas.openxmlformats.org/markup-compatibility/2006">
+        <mc:Choice xmlns:a14="http://schemas.microsoft.com/office/drawing/2010/main" Requires="a14">
+          <p:sp>
+            <p:nvSpPr>
+              <p:cNvPr id="12" name="TextBox 11">
+                <a:extLst>
+                  <a:ext uri="{FF2B5EF4-FFF2-40B4-BE49-F238E27FC236}">
+                    <a16:creationId xmlns:a16="http://schemas.microsoft.com/office/drawing/2014/main" id="{00EE61E5-2B6C-1477-5343-315A5F4E6E25}"/>
+                  </a:ext>
+                </a:extLst>
+              </p:cNvPr>
+              <p:cNvSpPr txBox="1"/>
+              <p:nvPr/>
+            </p:nvSpPr>
+            <p:spPr>
+              <a:xfrm>
+                <a:off x="7924800" y="3853934"/>
+                <a:ext cx="1403526" cy="369332"/>
+              </a:xfrm>
+              <a:prstGeom prst="rect">
+                <a:avLst/>
+              </a:prstGeom>
+              <a:noFill/>
+            </p:spPr>
+            <p:txBody>
+              <a:bodyPr wrap="none" rtlCol="0">
+                <a:spAutoFit/>
+              </a:bodyPr>
+              <a:lstStyle/>
+              <a:p>
+                <a:r>
+                  <a:rPr lang="en-US" dirty="0"/>
+                  <a:t>Reward </a:t>
+                </a:r>
+                <a14:m>
+                  <m:oMath xmlns:m="http://schemas.openxmlformats.org/officeDocument/2006/math">
+                    <m:r>
+                      <a:rPr lang="en-US" i="1" dirty="0" smtClean="0">
+                        <a:latin typeface="Cambria Math" panose="02040503050406030204" pitchFamily="18" charset="0"/>
+                      </a:rPr>
+                      <m:t>𝑅</m:t>
+                    </m:r>
+                    <m:r>
+                      <a:rPr lang="en-US" i="1" dirty="0" smtClean="0">
+                        <a:latin typeface="Cambria Math" panose="02040503050406030204" pitchFamily="18" charset="0"/>
+                      </a:rPr>
+                      <m:t>(</m:t>
+                    </m:r>
+                    <m:r>
+                      <a:rPr lang="en-US" i="1" dirty="0" smtClean="0">
+                        <a:latin typeface="Cambria Math" panose="02040503050406030204" pitchFamily="18" charset="0"/>
+                      </a:rPr>
+                      <m:t>𝑠</m:t>
+                    </m:r>
+                    <m:r>
+                      <a:rPr lang="en-US" i="1" dirty="0" smtClean="0">
+                        <a:latin typeface="Cambria Math" panose="02040503050406030204" pitchFamily="18" charset="0"/>
+                      </a:rPr>
+                      <m:t>)</m:t>
+                    </m:r>
+                  </m:oMath>
+                </a14:m>
+                <a:endParaRPr lang="en-US" dirty="0"/>
+              </a:p>
+            </p:txBody>
+          </p:sp>
+        </mc:Choice>
+        <mc:Fallback>
+          <p:sp>
+            <p:nvSpPr>
+              <p:cNvPr id="12" name="TextBox 11">
+                <a:extLst>
+                  <a:ext uri="{FF2B5EF4-FFF2-40B4-BE49-F238E27FC236}">
+                    <a16:creationId xmlns:a16="http://schemas.microsoft.com/office/drawing/2014/main" id="{00EE61E5-2B6C-1477-5343-315A5F4E6E25}"/>
+                  </a:ext>
+                </a:extLst>
+              </p:cNvPr>
+              <p:cNvSpPr txBox="1">
+                <a:spLocks noRot="1" noChangeAspect="1" noMove="1" noResize="1" noEditPoints="1" noAdjustHandles="1" noChangeArrowheads="1" noChangeShapeType="1" noTextEdit="1"/>
+              </p:cNvSpPr>
+              <p:nvPr/>
+            </p:nvSpPr>
+            <p:spPr>
+              <a:xfrm>
+                <a:off x="7924800" y="3853934"/>
+                <a:ext cx="1403526" cy="369332"/>
+              </a:xfrm>
+              <a:prstGeom prst="rect">
+                <a:avLst/>
+              </a:prstGeom>
+              <a:blipFill>
+                <a:blip r:embed="rId5"/>
+                <a:stretch>
+                  <a:fillRect l="-3478" t="-8197" r="-870" b="-24590"/>
+                </a:stretch>
+              </a:blipFill>
+            </p:spPr>
+            <p:txBody>
+              <a:bodyPr/>
+              <a:lstStyle/>
+              <a:p>
+                <a:r>
+                  <a:rPr lang="en-US">
+                    <a:noFill/>
+                  </a:rPr>
+                  <a:t> </a:t>
+                </a:r>
+              </a:p>
+            </p:txBody>
+          </p:sp>
+        </mc:Fallback>
+      </mc:AlternateContent>
+      <mc:AlternateContent xmlns:mc="http://schemas.openxmlformats.org/markup-compatibility/2006">
+        <mc:Choice xmlns:a14="http://schemas.microsoft.com/office/drawing/2010/main" Requires="a14">
+          <p:sp>
+            <p:nvSpPr>
+              <p:cNvPr id="13" name="TextBox 12">
+                <a:extLst>
+                  <a:ext uri="{FF2B5EF4-FFF2-40B4-BE49-F238E27FC236}">
+                    <a16:creationId xmlns:a16="http://schemas.microsoft.com/office/drawing/2014/main" id="{EA3D8676-432E-80EE-285E-5ACE3B2D1185}"/>
+                  </a:ext>
+                </a:extLst>
+              </p:cNvPr>
+              <p:cNvSpPr txBox="1"/>
+              <p:nvPr/>
+            </p:nvSpPr>
+            <p:spPr>
+              <a:xfrm>
+                <a:off x="7810500" y="3004066"/>
+                <a:ext cx="2741456" cy="369332"/>
+              </a:xfrm>
+              <a:prstGeom prst="rect">
+                <a:avLst/>
+              </a:prstGeom>
+              <a:noFill/>
+            </p:spPr>
+            <p:txBody>
+              <a:bodyPr wrap="none" rtlCol="0">
+                <a:spAutoFit/>
+              </a:bodyPr>
+              <a:lstStyle/>
+              <a:p>
+                <a:r>
+                  <a:rPr lang="en-US" dirty="0"/>
+                  <a:t>Transition model </a:t>
+                </a:r>
+                <a14:m>
+                  <m:oMath xmlns:m="http://schemas.openxmlformats.org/officeDocument/2006/math">
+                    <m:r>
+                      <a:rPr lang="en-US" i="1" smtClean="0">
+                        <a:latin typeface="Cambria Math" panose="02040503050406030204" pitchFamily="18" charset="0"/>
+                      </a:rPr>
+                      <m:t>𝑃</m:t>
+                    </m:r>
+                    <m:d>
+                      <m:dPr>
+                        <m:ctrlPr>
+                          <a:rPr lang="en-US" i="1">
+                            <a:latin typeface="Cambria Math" panose="02040503050406030204" pitchFamily="18" charset="0"/>
+                          </a:rPr>
+                        </m:ctrlPr>
+                      </m:dPr>
+                      <m:e>
+                        <m:sSup>
+                          <m:sSupPr>
+                            <m:ctrlPr>
+                              <a:rPr lang="en-US" i="1">
+                                <a:latin typeface="Cambria Math" panose="02040503050406030204" pitchFamily="18" charset="0"/>
+                              </a:rPr>
+                            </m:ctrlPr>
+                          </m:sSupPr>
+                          <m:e>
+                            <m:r>
+                              <a:rPr lang="en-US" i="1">
+                                <a:latin typeface="Cambria Math" panose="02040503050406030204" pitchFamily="18" charset="0"/>
+                              </a:rPr>
+                              <m:t>𝑠</m:t>
+                            </m:r>
+                          </m:e>
+                          <m:sup>
+                            <m:r>
+                              <a:rPr lang="en-US" i="1">
+                                <a:latin typeface="Cambria Math" panose="02040503050406030204" pitchFamily="18" charset="0"/>
+                              </a:rPr>
+                              <m:t>′</m:t>
+                            </m:r>
+                          </m:sup>
+                        </m:sSup>
+                      </m:e>
+                      <m:e>
+                        <m:r>
+                          <a:rPr lang="en-US" i="1">
+                            <a:latin typeface="Cambria Math" panose="02040503050406030204" pitchFamily="18" charset="0"/>
+                          </a:rPr>
+                          <m:t>𝑠</m:t>
+                        </m:r>
+                        <m:r>
+                          <a:rPr lang="en-US" i="1">
+                            <a:latin typeface="Cambria Math" panose="02040503050406030204" pitchFamily="18" charset="0"/>
+                          </a:rPr>
+                          <m:t>,</m:t>
+                        </m:r>
+                        <m:r>
+                          <a:rPr lang="en-US" i="1">
+                            <a:latin typeface="Cambria Math" panose="02040503050406030204" pitchFamily="18" charset="0"/>
+                          </a:rPr>
+                          <m:t>𝑎</m:t>
+                        </m:r>
+                      </m:e>
+                    </m:d>
+                  </m:oMath>
+                </a14:m>
+                <a:endParaRPr lang="en-US" dirty="0"/>
+              </a:p>
+            </p:txBody>
+          </p:sp>
+        </mc:Choice>
+        <mc:Fallback>
+          <p:sp>
+            <p:nvSpPr>
+              <p:cNvPr id="13" name="TextBox 12">
+                <a:extLst>
+                  <a:ext uri="{FF2B5EF4-FFF2-40B4-BE49-F238E27FC236}">
+                    <a16:creationId xmlns:a16="http://schemas.microsoft.com/office/drawing/2014/main" id="{EA3D8676-432E-80EE-285E-5ACE3B2D1185}"/>
+                  </a:ext>
+                </a:extLst>
+              </p:cNvPr>
+              <p:cNvSpPr txBox="1">
+                <a:spLocks noRot="1" noChangeAspect="1" noMove="1" noResize="1" noEditPoints="1" noAdjustHandles="1" noChangeArrowheads="1" noChangeShapeType="1" noTextEdit="1"/>
+              </p:cNvSpPr>
+              <p:nvPr/>
+            </p:nvSpPr>
+            <p:spPr>
+              <a:xfrm>
+                <a:off x="7810500" y="3004066"/>
+                <a:ext cx="2741456" cy="369332"/>
+              </a:xfrm>
+              <a:prstGeom prst="rect">
+                <a:avLst/>
+              </a:prstGeom>
+              <a:blipFill>
+                <a:blip r:embed="rId6"/>
+                <a:stretch>
+                  <a:fillRect l="-1778" t="-10000" b="-26667"/>
+                </a:stretch>
+              </a:blipFill>
+            </p:spPr>
+            <p:txBody>
+              <a:bodyPr/>
+              <a:lstStyle/>
+              <a:p>
+                <a:r>
+                  <a:rPr lang="en-US">
+                    <a:noFill/>
+                  </a:rPr>
+                  <a:t> </a:t>
+                </a:r>
+              </a:p>
+            </p:txBody>
+          </p:sp>
+        </mc:Fallback>
+      </mc:AlternateContent>
+      <p:cxnSp>
+        <p:nvCxnSpPr>
+          <p:cNvPr id="15" name="Straight Arrow Connector 14">
+            <a:extLst>
+              <a:ext uri="{FF2B5EF4-FFF2-40B4-BE49-F238E27FC236}">
+                <a16:creationId xmlns:a16="http://schemas.microsoft.com/office/drawing/2014/main" id="{04F7A065-3576-DF6F-2870-2BB4DCF6A81F}"/>
+              </a:ext>
+            </a:extLst>
+          </p:cNvPr>
+          <p:cNvCxnSpPr/>
+          <p:nvPr/>
+        </p:nvCxnSpPr>
+        <p:spPr>
+          <a:xfrm>
+            <a:off x="7429500" y="3200400"/>
+            <a:ext cx="419100" cy="0"/>
+          </a:xfrm>
+          <a:prstGeom prst="straightConnector1">
+            <a:avLst/>
+          </a:prstGeom>
+          <a:ln>
+            <a:tailEnd type="triangle"/>
+          </a:ln>
+        </p:spPr>
+        <p:style>
+          <a:lnRef idx="1">
+            <a:schemeClr val="accent1"/>
+          </a:lnRef>
+          <a:fillRef idx="0">
+            <a:schemeClr val="accent1"/>
+          </a:fillRef>
+          <a:effectRef idx="0">
+            <a:schemeClr val="accent1"/>
+          </a:effectRef>
+          <a:fontRef idx="minor">
+            <a:schemeClr val="tx1"/>
+          </a:fontRef>
+        </p:style>
+      </p:cxnSp>
+    </p:spTree>
+    <p:extLst>
+      <p:ext uri="{BB962C8B-B14F-4D97-AF65-F5344CB8AC3E}">
+        <p14:creationId xmlns:p14="http://schemas.microsoft.com/office/powerpoint/2010/main" val="1757602633"/>
+      </p:ext>
+    </p:extLst>
+  </p:cSld>
+  <p:clrMapOvr>
+    <a:masterClrMapping/>
+  </p:clrMapOvr>
+</p:sld>
+</file>
+
+<file path=ppt/slides/slide13.xml><?xml version="1.0" encoding="utf-8"?>
 <p:sld xmlns:a="http://schemas.openxmlformats.org/drawingml/2006/main" xmlns:r="http://schemas.openxmlformats.org/officeDocument/2006/relationships" xmlns:p="http://schemas.openxmlformats.org/presentationml/2006/main">
   <p:cSld>
     <p:spTree>
@@ -11034,7 +12248,7 @@
 </p:sld>
 </file>
 
-<file path=ppt/slides/slide13.xml><?xml version="1.0" encoding="utf-8"?>
+<file path=ppt/slides/slide14.xml><?xml version="1.0" encoding="utf-8"?>
 <p:sld xmlns:a="http://schemas.openxmlformats.org/drawingml/2006/main" xmlns:r="http://schemas.openxmlformats.org/officeDocument/2006/relationships" xmlns:p="http://schemas.openxmlformats.org/presentationml/2006/main">
   <p:cSld>
     <p:bg>
@@ -11346,7 +12560,7 @@
 </p:sld>
 </file>
 
-<file path=ppt/slides/slide14.xml><?xml version="1.0" encoding="utf-8"?>
+<file path=ppt/slides/slide15.xml><?xml version="1.0" encoding="utf-8"?>
 <p:sld xmlns:a="http://schemas.openxmlformats.org/drawingml/2006/main" xmlns:r="http://schemas.openxmlformats.org/officeDocument/2006/relationships" xmlns:p="http://schemas.openxmlformats.org/presentationml/2006/main">
   <p:cSld>
     <p:spTree>
@@ -11484,7 +12698,7 @@
 </p:sld>
 </file>
 
-<file path=ppt/slides/slide15.xml><?xml version="1.0" encoding="utf-8"?>
+<file path=ppt/slides/slide16.xml><?xml version="1.0" encoding="utf-8"?>
 <p:sld xmlns:a="http://schemas.openxmlformats.org/drawingml/2006/main" xmlns:r="http://schemas.openxmlformats.org/officeDocument/2006/relationships" xmlns:p="http://schemas.openxmlformats.org/presentationml/2006/main">
   <p:cSld>
     <p:spTree>
@@ -12646,7 +13860,7 @@
 </p:sld>
 </file>
 
-<file path=ppt/slides/slide16.xml><?xml version="1.0" encoding="utf-8"?>
+<file path=ppt/slides/slide17.xml><?xml version="1.0" encoding="utf-8"?>
 <p:sld xmlns:a="http://schemas.openxmlformats.org/drawingml/2006/main" xmlns:r="http://schemas.openxmlformats.org/officeDocument/2006/relationships" xmlns:p="http://schemas.openxmlformats.org/presentationml/2006/main">
   <p:cSld>
     <p:spTree>
@@ -13672,7 +14886,7 @@
 </p:sld>
 </file>
 
-<file path=ppt/slides/slide17.xml><?xml version="1.0" encoding="utf-8"?>
+<file path=ppt/slides/slide18.xml><?xml version="1.0" encoding="utf-8"?>
 <p:sld xmlns:a="http://schemas.openxmlformats.org/drawingml/2006/main" xmlns:r="http://schemas.openxmlformats.org/officeDocument/2006/relationships" xmlns:p="http://schemas.openxmlformats.org/presentationml/2006/main">
   <p:cSld>
     <p:spTree>
@@ -18736,7 +19950,7 @@
 </p:sld>
 </file>
 
-<file path=ppt/slides/slide18.xml><?xml version="1.0" encoding="utf-8"?>
+<file path=ppt/slides/slide19.xml><?xml version="1.0" encoding="utf-8"?>
 <p:sld xmlns:a="http://schemas.openxmlformats.org/drawingml/2006/main" xmlns:r="http://schemas.openxmlformats.org/officeDocument/2006/relationships" xmlns:p="http://schemas.openxmlformats.org/presentationml/2006/main">
   <p:cSld>
     <p:bg>
@@ -19111,8 +20325,8 @@
           </a:p>
         </p:txBody>
       </p:sp>
-      <mc:AlternateContent xmlns:mc="http://schemas.openxmlformats.org/markup-compatibility/2006" xmlns:a14="http://schemas.microsoft.com/office/drawing/2010/main">
-        <mc:Choice Requires="a14">
+      <mc:AlternateContent xmlns:mc="http://schemas.openxmlformats.org/markup-compatibility/2006">
+        <mc:Choice xmlns:a14="http://schemas.microsoft.com/office/drawing/2010/main" Requires="a14">
           <p:sp>
             <p:nvSpPr>
               <p:cNvPr id="3" name="Content Placeholder 2">
@@ -19131,13 +20345,13 @@
             </p:nvSpPr>
             <p:spPr>
               <a:xfrm>
-                <a:off x="652155" y="1935290"/>
-                <a:ext cx="6691083" cy="4267200"/>
+                <a:off x="615695" y="2597040"/>
+                <a:ext cx="6691083" cy="3687287"/>
               </a:xfrm>
             </p:spPr>
             <p:txBody>
               <a:bodyPr wrap="square" anchor="t">
-                <a:noAutofit/>
+                <a:normAutofit fontScale="92500" lnSpcReduction="10000"/>
               </a:bodyPr>
               <a:lstStyle/>
               <a:p>
@@ -19219,20 +20433,20 @@
                         <m:naryPr>
                           <m:chr m:val="∑"/>
                           <m:ctrlPr>
-                            <a:rPr lang="en-US" sz="2000" b="0" i="1">
+                            <a:rPr lang="en-US" sz="2000" i="1">
                               <a:latin typeface="Cambria Math" panose="02040503050406030204" pitchFamily="18" charset="0"/>
                             </a:rPr>
                           </m:ctrlPr>
                         </m:naryPr>
                         <m:sub>
                           <m:r>
-                            <a:rPr lang="en-US" sz="2000" b="0" i="1">
+                            <a:rPr lang="en-US" sz="2000" i="1">
                               <a:latin typeface="Cambria Math" panose="02040503050406030204" pitchFamily="18" charset="0"/>
                             </a:rPr>
                             <m:t>𝑠</m:t>
                           </m:r>
                           <m:r>
-                            <a:rPr lang="en-US" sz="2000" b="0" i="1">
+                            <a:rPr lang="en-US" sz="2000" i="1">
                               <a:latin typeface="Cambria Math" panose="02040503050406030204" pitchFamily="18" charset="0"/>
                             </a:rPr>
                             <m:t>′</m:t>
@@ -19240,61 +20454,78 @@
                         </m:sub>
                         <m:sup/>
                         <m:e>
-                          <m:r>
-                            <a:rPr lang="en-US" sz="2000" b="0" i="1">
-                              <a:latin typeface="Cambria Math" panose="02040503050406030204" pitchFamily="18" charset="0"/>
-                            </a:rPr>
-                            <m:t>𝑃</m:t>
-                          </m:r>
-                          <m:d>
-                            <m:dPr>
+                          <m:nary>
+                            <m:naryPr>
+                              <m:chr m:val="∑"/>
+                              <m:supHide m:val="on"/>
                               <m:ctrlPr>
-                                <a:rPr lang="en-US" sz="2000" b="0" i="1">
+                                <a:rPr lang="en-US" sz="2000" i="1">
                                   <a:latin typeface="Cambria Math" panose="02040503050406030204" pitchFamily="18" charset="0"/>
                                 </a:rPr>
                               </m:ctrlPr>
-                            </m:dPr>
+                            </m:naryPr>
+                            <m:sub>
+                              <m:r>
+                                <a:rPr lang="en-US" sz="2000" i="1">
+                                  <a:latin typeface="Cambria Math" panose="02040503050406030204" pitchFamily="18" charset="0"/>
+                                </a:rPr>
+                                <m:t>𝑠</m:t>
+                              </m:r>
+                            </m:sub>
+                            <m:sup/>
                             <m:e>
                               <m:r>
-                                <a:rPr lang="en-US" sz="2000" b="0" i="1">
+                                <a:rPr lang="en-US" sz="2000" i="1">
                                   <a:latin typeface="Cambria Math" panose="02040503050406030204" pitchFamily="18" charset="0"/>
                                 </a:rPr>
-                                <m:t>𝑅𝑒𝑠𝑢𝑙𝑡</m:t>
+                                <m:t>𝑃</m:t>
                               </m:r>
                               <m:d>
                                 <m:dPr>
                                   <m:ctrlPr>
-                                    <a:rPr lang="en-US" sz="2000" b="0" i="1">
+                                    <a:rPr lang="en-US" sz="2000" i="1">
                                       <a:latin typeface="Cambria Math" panose="02040503050406030204" pitchFamily="18" charset="0"/>
                                     </a:rPr>
                                   </m:ctrlPr>
                                 </m:dPr>
                                 <m:e>
                                   <m:r>
-                                    <a:rPr lang="en-US" sz="2000" b="0" i="1" smtClean="0">
+                                    <a:rPr lang="en-US" sz="2000" i="1">
                                       <a:latin typeface="Cambria Math" panose="02040503050406030204" pitchFamily="18" charset="0"/>
                                     </a:rPr>
-                                    <m:t>𝑎</m:t>
+                                    <m:t>𝑠</m:t>
                                   </m:r>
                                 </m:e>
                               </m:d>
                               <m:r>
-                                <a:rPr lang="en-US" sz="2000" b="0" i="1">
+                                <a:rPr lang="en-US" sz="2000" i="1">
                                   <a:latin typeface="Cambria Math" panose="02040503050406030204" pitchFamily="18" charset="0"/>
                                 </a:rPr>
-                                <m:t>=</m:t>
+                                <m:t> </m:t>
+                              </m:r>
+                              <m:r>
+                                <a:rPr lang="en-US" sz="2000" i="1">
+                                  <a:latin typeface="Cambria Math" panose="02040503050406030204" pitchFamily="18" charset="0"/>
+                                </a:rPr>
+                                <m:t>𝑃</m:t>
+                              </m:r>
+                              <m:r>
+                                <a:rPr lang="en-US" sz="2000" i="1">
+                                  <a:latin typeface="Cambria Math" panose="02040503050406030204" pitchFamily="18" charset="0"/>
+                                </a:rPr>
+                                <m:t>(</m:t>
                               </m:r>
                               <m:sSup>
                                 <m:sSupPr>
                                   <m:ctrlPr>
-                                    <a:rPr lang="en-US" sz="2000" b="0" i="1">
+                                    <a:rPr lang="en-US" sz="2000" i="1">
                                       <a:latin typeface="Cambria Math" panose="02040503050406030204" pitchFamily="18" charset="0"/>
                                     </a:rPr>
                                   </m:ctrlPr>
                                 </m:sSupPr>
                                 <m:e>
                                   <m:r>
-                                    <a:rPr lang="en-US" sz="2000" b="0" i="1">
+                                    <a:rPr lang="en-US" sz="2000" i="1">
                                       <a:latin typeface="Cambria Math" panose="02040503050406030204" pitchFamily="18" charset="0"/>
                                     </a:rPr>
                                     <m:t>𝑠</m:t>
@@ -19302,23 +20533,53 @@
                                 </m:e>
                                 <m:sup>
                                   <m:r>
-                                    <a:rPr lang="en-US" sz="2000" b="0" i="1">
+                                    <a:rPr lang="en-US" sz="2000" i="1">
                                       <a:latin typeface="Cambria Math" panose="02040503050406030204" pitchFamily="18" charset="0"/>
                                     </a:rPr>
                                     <m:t>′</m:t>
                                   </m:r>
                                 </m:sup>
                               </m:sSup>
+                              <m:r>
+                                <a:rPr lang="en-US" sz="2000" i="1">
+                                  <a:latin typeface="Cambria Math" panose="02040503050406030204" pitchFamily="18" charset="0"/>
+                                </a:rPr>
+                                <m:t>|</m:t>
+                              </m:r>
+                              <m:r>
+                                <a:rPr lang="en-US" sz="2000" i="1">
+                                  <a:latin typeface="Cambria Math" panose="02040503050406030204" pitchFamily="18" charset="0"/>
+                                </a:rPr>
+                                <m:t>𝑠</m:t>
+                              </m:r>
+                              <m:r>
+                                <a:rPr lang="en-US" sz="2000" i="1">
+                                  <a:latin typeface="Cambria Math" panose="02040503050406030204" pitchFamily="18" charset="0"/>
+                                </a:rPr>
+                                <m:t>,</m:t>
+                              </m:r>
+                              <m:r>
+                                <a:rPr lang="en-US" sz="2000" i="1">
+                                  <a:latin typeface="Cambria Math" panose="02040503050406030204" pitchFamily="18" charset="0"/>
+                                </a:rPr>
+                                <m:t>𝑎</m:t>
+                              </m:r>
+                              <m:r>
+                                <a:rPr lang="en-US" sz="2000" i="1">
+                                  <a:latin typeface="Cambria Math" panose="02040503050406030204" pitchFamily="18" charset="0"/>
+                                </a:rPr>
+                                <m:t>)</m:t>
+                              </m:r>
                             </m:e>
-                          </m:d>
+                          </m:nary>
                           <m:r>
-                            <a:rPr lang="en-US" sz="2000" b="0" i="1">
+                            <a:rPr lang="en-US" sz="2000" i="1">
                               <a:latin typeface="Cambria Math" panose="02040503050406030204" pitchFamily="18" charset="0"/>
                             </a:rPr>
                             <m:t>𝑈</m:t>
                           </m:r>
                           <m:r>
-                            <a:rPr lang="en-US" sz="2000" b="0" i="1">
+                            <a:rPr lang="en-US" sz="2000" i="1">
                               <a:latin typeface="Cambria Math" panose="02040503050406030204" pitchFamily="18" charset="0"/>
                             </a:rPr>
                             <m:t>(</m:t>
@@ -19326,14 +20587,14 @@
                           <m:sSup>
                             <m:sSupPr>
                               <m:ctrlPr>
-                                <a:rPr lang="en-US" sz="2000" b="0" i="1">
+                                <a:rPr lang="en-US" sz="2000" i="1">
                                   <a:latin typeface="Cambria Math" panose="02040503050406030204" pitchFamily="18" charset="0"/>
                                 </a:rPr>
                               </m:ctrlPr>
                             </m:sSupPr>
                             <m:e>
                               <m:r>
-                                <a:rPr lang="en-US" sz="2000" b="0" i="1">
+                                <a:rPr lang="en-US" sz="2000" i="1">
                                   <a:latin typeface="Cambria Math" panose="02040503050406030204" pitchFamily="18" charset="0"/>
                                 </a:rPr>
                                 <m:t>𝑠</m:t>
@@ -19341,7 +20602,7 @@
                             </m:e>
                             <m:sup>
                               <m:r>
-                                <a:rPr lang="en-US" sz="2000" b="0" i="1">
+                                <a:rPr lang="en-US" sz="2000" i="1">
                                   <a:latin typeface="Cambria Math" panose="02040503050406030204" pitchFamily="18" charset="0"/>
                                 </a:rPr>
                                 <m:t>′</m:t>
@@ -19349,7 +20610,7 @@
                             </m:sup>
                           </m:sSup>
                           <m:r>
-                            <a:rPr lang="en-US" sz="2000" b="0" i="1">
+                            <a:rPr lang="en-US" sz="2000" i="1">
                               <a:latin typeface="Cambria Math" panose="02040503050406030204" pitchFamily="18" charset="0"/>
                             </a:rPr>
                             <m:t>)</m:t>
@@ -19487,18 +20748,15 @@
                 </a:pPr>
                 <a:r>
                   <a:rPr lang="en-US" sz="2000" dirty="0"/>
-                  <a:t>Now we will talk about decision making in </a:t>
+                  <a:t>Now we will talk about </a:t>
                 </a:r>
-                <a:br>
-                  <a:rPr lang="en-US" sz="2000" dirty="0"/>
-                </a:br>
                 <a:r>
                   <a:rPr lang="en-US" sz="2000" b="1" dirty="0">
                     <a:solidFill>
                       <a:schemeClr val="accent2"/>
                     </a:solidFill>
                   </a:rPr>
-                  <a:t>sequential environments</a:t>
+                  <a:t>sequential decision making</a:t>
                 </a:r>
                 <a:r>
                   <a:rPr lang="en-US" sz="2000" dirty="0">
@@ -19512,7 +20770,7 @@
             </p:txBody>
           </p:sp>
         </mc:Choice>
-        <mc:Fallback xmlns="">
+        <mc:Fallback>
           <p:sp>
             <p:nvSpPr>
               <p:cNvPr id="3" name="Content Placeholder 2">
@@ -19531,13 +20789,13 @@
             </p:nvSpPr>
             <p:spPr>
               <a:xfrm>
-                <a:off x="652155" y="1935290"/>
-                <a:ext cx="6691083" cy="4267200"/>
+                <a:off x="615695" y="2597040"/>
+                <a:ext cx="6691083" cy="3687287"/>
               </a:xfrm>
               <a:blipFill>
                 <a:blip r:embed="rId2"/>
                 <a:stretch>
-                  <a:fillRect l="-1002" t="-1429"/>
+                  <a:fillRect l="-820" t="-2149"/>
                 </a:stretch>
               </a:blipFill>
             </p:spPr>
@@ -19819,6 +21077,546 @@
             </a:p>
           </p:txBody>
         </p:sp>
+      </p:grpSp>
+      <p:grpSp>
+        <p:nvGrpSpPr>
+          <p:cNvPr id="4" name="Group 3">
+            <a:extLst>
+              <a:ext uri="{FF2B5EF4-FFF2-40B4-BE49-F238E27FC236}">
+                <a16:creationId xmlns:a16="http://schemas.microsoft.com/office/drawing/2014/main" id="{71873C79-77DC-55E6-63D7-6CA71D686304}"/>
+              </a:ext>
+            </a:extLst>
+          </p:cNvPr>
+          <p:cNvGrpSpPr/>
+          <p:nvPr/>
+        </p:nvGrpSpPr>
+        <p:grpSpPr>
+          <a:xfrm>
+            <a:off x="2314050" y="1834759"/>
+            <a:ext cx="2748279" cy="527666"/>
+            <a:chOff x="1847426" y="5059150"/>
+            <a:chExt cx="2748279" cy="527666"/>
+          </a:xfrm>
+        </p:grpSpPr>
+        <mc:AlternateContent xmlns:mc="http://schemas.openxmlformats.org/markup-compatibility/2006" xmlns:a14="http://schemas.microsoft.com/office/drawing/2010/main">
+          <mc:Choice Requires="a14">
+            <p:sp>
+              <p:nvSpPr>
+                <p:cNvPr id="12" name="Oval 11">
+                  <a:extLst>
+                    <a:ext uri="{FF2B5EF4-FFF2-40B4-BE49-F238E27FC236}">
+                      <a16:creationId xmlns:a16="http://schemas.microsoft.com/office/drawing/2014/main" id="{15ACFE27-6B51-646D-109C-5103ADB56E34}"/>
+                    </a:ext>
+                  </a:extLst>
+                </p:cNvPr>
+                <p:cNvSpPr/>
+                <p:nvPr/>
+              </p:nvSpPr>
+              <p:spPr>
+                <a:xfrm>
+                  <a:off x="1847426" y="5166339"/>
+                  <a:ext cx="916093" cy="420477"/>
+                </a:xfrm>
+                <a:prstGeom prst="ellipse">
+                  <a:avLst/>
+                </a:prstGeom>
+                <a:solidFill>
+                  <a:schemeClr val="accent6"/>
+                </a:solidFill>
+                <a:ln>
+                  <a:noFill/>
+                </a:ln>
+              </p:spPr>
+              <p:style>
+                <a:lnRef idx="0">
+                  <a:scrgbClr r="0" g="0" b="0"/>
+                </a:lnRef>
+                <a:fillRef idx="0">
+                  <a:scrgbClr r="0" g="0" b="0"/>
+                </a:fillRef>
+                <a:effectRef idx="0">
+                  <a:scrgbClr r="0" g="0" b="0"/>
+                </a:effectRef>
+                <a:fontRef idx="minor">
+                  <a:schemeClr val="lt1"/>
+                </a:fontRef>
+              </p:style>
+              <p:txBody>
+                <a:bodyPr rtlCol="0" anchor="ctr"/>
+                <a:lstStyle/>
+                <a:p>
+                  <a:pPr algn="ctr"/>
+                  <a:r>
+                    <a:rPr lang="en-US" sz="1050" b="1" dirty="0" err="1"/>
+                    <a:t>Currentstate</a:t>
+                  </a:r>
+                  <a:r>
+                    <a:rPr lang="en-US" sz="1050" b="1" dirty="0"/>
+                    <a:t> </a:t>
+                  </a:r>
+                  <a14:m>
+                    <m:oMath xmlns:m="http://schemas.openxmlformats.org/officeDocument/2006/math">
+                      <m:r>
+                        <a:rPr lang="en-US" sz="1050" b="1" i="1" dirty="0" smtClean="0">
+                          <a:latin typeface="Cambria Math" panose="02040503050406030204" pitchFamily="18" charset="0"/>
+                        </a:rPr>
+                        <m:t>𝒔</m:t>
+                      </m:r>
+                    </m:oMath>
+                  </a14:m>
+                  <a:endParaRPr lang="en-US" sz="1050" b="1" dirty="0"/>
+                </a:p>
+              </p:txBody>
+            </p:sp>
+          </mc:Choice>
+          <mc:Fallback xmlns="">
+            <p:sp>
+              <p:nvSpPr>
+                <p:cNvPr id="10" name="Oval 9">
+                  <a:extLst>
+                    <a:ext uri="{FF2B5EF4-FFF2-40B4-BE49-F238E27FC236}">
+                      <a16:creationId xmlns:a16="http://schemas.microsoft.com/office/drawing/2014/main" id="{BB1274D0-3B06-3480-5474-73FF4CE28615}"/>
+                    </a:ext>
+                  </a:extLst>
+                </p:cNvPr>
+                <p:cNvSpPr>
+                  <a:spLocks noRot="1" noChangeAspect="1" noMove="1" noResize="1" noEditPoints="1" noAdjustHandles="1" noChangeArrowheads="1" noChangeShapeType="1" noTextEdit="1"/>
+                </p:cNvSpPr>
+                <p:nvPr/>
+              </p:nvSpPr>
+              <p:spPr>
+                <a:xfrm>
+                  <a:off x="1847426" y="5166339"/>
+                  <a:ext cx="916093" cy="420477"/>
+                </a:xfrm>
+                <a:prstGeom prst="ellipse">
+                  <a:avLst/>
+                </a:prstGeom>
+                <a:blipFill>
+                  <a:blip r:embed="rId10"/>
+                  <a:stretch>
+                    <a:fillRect b="-8696"/>
+                  </a:stretch>
+                </a:blipFill>
+                <a:ln>
+                  <a:noFill/>
+                </a:ln>
+              </p:spPr>
+              <p:txBody>
+                <a:bodyPr/>
+                <a:lstStyle/>
+                <a:p>
+                  <a:r>
+                    <a:rPr lang="en-US">
+                      <a:noFill/>
+                    </a:rPr>
+                    <a:t> </a:t>
+                  </a:r>
+                </a:p>
+              </p:txBody>
+            </p:sp>
+          </mc:Fallback>
+        </mc:AlternateContent>
+        <mc:AlternateContent xmlns:mc="http://schemas.openxmlformats.org/markup-compatibility/2006" xmlns:a14="http://schemas.microsoft.com/office/drawing/2010/main">
+          <mc:Choice Requires="a14">
+            <p:sp>
+              <p:nvSpPr>
+                <p:cNvPr id="13" name="Oval 12">
+                  <a:extLst>
+                    <a:ext uri="{FF2B5EF4-FFF2-40B4-BE49-F238E27FC236}">
+                      <a16:creationId xmlns:a16="http://schemas.microsoft.com/office/drawing/2014/main" id="{68F57AE8-00C2-02E9-7F09-1B895CA6BBEA}"/>
+                    </a:ext>
+                  </a:extLst>
+                </p:cNvPr>
+                <p:cNvSpPr/>
+                <p:nvPr/>
+              </p:nvSpPr>
+              <p:spPr>
+                <a:xfrm>
+                  <a:off x="3452706" y="5166340"/>
+                  <a:ext cx="916093" cy="420476"/>
+                </a:xfrm>
+                <a:prstGeom prst="ellipse">
+                  <a:avLst/>
+                </a:prstGeom>
+                <a:solidFill>
+                  <a:schemeClr val="accent6"/>
+                </a:solidFill>
+                <a:ln>
+                  <a:noFill/>
+                </a:ln>
+              </p:spPr>
+              <p:style>
+                <a:lnRef idx="0">
+                  <a:scrgbClr r="0" g="0" b="0"/>
+                </a:lnRef>
+                <a:fillRef idx="0">
+                  <a:scrgbClr r="0" g="0" b="0"/>
+                </a:fillRef>
+                <a:effectRef idx="0">
+                  <a:scrgbClr r="0" g="0" b="0"/>
+                </a:effectRef>
+                <a:fontRef idx="minor">
+                  <a:schemeClr val="lt1"/>
+                </a:fontRef>
+              </p:style>
+              <p:txBody>
+                <a:bodyPr rtlCol="0" anchor="ctr"/>
+                <a:lstStyle/>
+                <a:p>
+                  <a:pPr algn="ctr"/>
+                  <a:r>
+                    <a:rPr lang="en-US" sz="1050" b="1" dirty="0"/>
+                    <a:t>Future state </a:t>
+                  </a:r>
+                  <a14:m>
+                    <m:oMath xmlns:m="http://schemas.openxmlformats.org/officeDocument/2006/math">
+                      <m:r>
+                        <a:rPr lang="en-US" sz="1050" b="1" i="1" dirty="0" smtClean="0">
+                          <a:latin typeface="Cambria Math" panose="02040503050406030204" pitchFamily="18" charset="0"/>
+                        </a:rPr>
+                        <m:t>𝒔</m:t>
+                      </m:r>
+                      <m:r>
+                        <a:rPr lang="en-US" sz="1050" b="1" i="1" dirty="0" smtClean="0">
+                          <a:latin typeface="Cambria Math" panose="02040503050406030204" pitchFamily="18" charset="0"/>
+                        </a:rPr>
+                        <m:t>′</m:t>
+                      </m:r>
+                    </m:oMath>
+                  </a14:m>
+                  <a:endParaRPr lang="en-US" sz="1050" b="1" dirty="0"/>
+                </a:p>
+              </p:txBody>
+            </p:sp>
+          </mc:Choice>
+          <mc:Fallback xmlns="">
+            <p:sp>
+              <p:nvSpPr>
+                <p:cNvPr id="12" name="Oval 11">
+                  <a:extLst>
+                    <a:ext uri="{FF2B5EF4-FFF2-40B4-BE49-F238E27FC236}">
+                      <a16:creationId xmlns:a16="http://schemas.microsoft.com/office/drawing/2014/main" id="{0F677F90-A644-6BF1-FCFE-AFE6A334A4F4}"/>
+                    </a:ext>
+                  </a:extLst>
+                </p:cNvPr>
+                <p:cNvSpPr>
+                  <a:spLocks noRot="1" noChangeAspect="1" noMove="1" noResize="1" noEditPoints="1" noAdjustHandles="1" noChangeArrowheads="1" noChangeShapeType="1" noTextEdit="1"/>
+                </p:cNvSpPr>
+                <p:nvPr/>
+              </p:nvSpPr>
+              <p:spPr>
+                <a:xfrm>
+                  <a:off x="3452706" y="5166340"/>
+                  <a:ext cx="916093" cy="420476"/>
+                </a:xfrm>
+                <a:prstGeom prst="ellipse">
+                  <a:avLst/>
+                </a:prstGeom>
+                <a:blipFill>
+                  <a:blip r:embed="rId11"/>
+                  <a:stretch>
+                    <a:fillRect b="-8696"/>
+                  </a:stretch>
+                </a:blipFill>
+                <a:ln>
+                  <a:noFill/>
+                </a:ln>
+              </p:spPr>
+              <p:txBody>
+                <a:bodyPr/>
+                <a:lstStyle/>
+                <a:p>
+                  <a:r>
+                    <a:rPr lang="en-US">
+                      <a:noFill/>
+                    </a:rPr>
+                    <a:t> </a:t>
+                  </a:r>
+                </a:p>
+              </p:txBody>
+            </p:sp>
+          </mc:Fallback>
+        </mc:AlternateContent>
+        <p:cxnSp>
+          <p:nvCxnSpPr>
+            <p:cNvPr id="14" name="Straight Arrow Connector 13">
+              <a:extLst>
+                <a:ext uri="{FF2B5EF4-FFF2-40B4-BE49-F238E27FC236}">
+                  <a16:creationId xmlns:a16="http://schemas.microsoft.com/office/drawing/2014/main" id="{B732AB34-6DB1-AAC4-A5C8-CFFE827872C2}"/>
+                </a:ext>
+              </a:extLst>
+            </p:cNvPr>
+            <p:cNvCxnSpPr>
+              <a:cxnSpLocks/>
+              <a:stCxn id="12" idx="6"/>
+              <a:endCxn id="13" idx="2"/>
+            </p:cNvCxnSpPr>
+            <p:nvPr/>
+          </p:nvCxnSpPr>
+          <p:spPr>
+            <a:xfrm>
+              <a:off x="2763519" y="5376578"/>
+              <a:ext cx="689187" cy="0"/>
+            </a:xfrm>
+            <a:prstGeom prst="straightConnector1">
+              <a:avLst/>
+            </a:prstGeom>
+            <a:ln w="19050" cap="flat" cmpd="sng" algn="ctr">
+              <a:solidFill>
+                <a:schemeClr val="accent6"/>
+              </a:solidFill>
+              <a:prstDash val="solid"/>
+              <a:round/>
+              <a:headEnd type="none" w="med" len="med"/>
+              <a:tailEnd type="arrow" w="med" len="med"/>
+            </a:ln>
+          </p:spPr>
+          <p:style>
+            <a:lnRef idx="0">
+              <a:scrgbClr r="0" g="0" b="0"/>
+            </a:lnRef>
+            <a:fillRef idx="0">
+              <a:scrgbClr r="0" g="0" b="0"/>
+            </a:fillRef>
+            <a:effectRef idx="0">
+              <a:scrgbClr r="0" g="0" b="0"/>
+            </a:effectRef>
+            <a:fontRef idx="minor">
+              <a:schemeClr val="tx1"/>
+            </a:fontRef>
+          </p:style>
+        </p:cxnSp>
+        <mc:AlternateContent xmlns:mc="http://schemas.openxmlformats.org/markup-compatibility/2006" xmlns:a14="http://schemas.microsoft.com/office/drawing/2010/main">
+          <mc:Choice Requires="a14">
+            <p:sp>
+              <p:nvSpPr>
+                <p:cNvPr id="15" name="TextBox 14">
+                  <a:extLst>
+                    <a:ext uri="{FF2B5EF4-FFF2-40B4-BE49-F238E27FC236}">
+                      <a16:creationId xmlns:a16="http://schemas.microsoft.com/office/drawing/2014/main" id="{9F906EE9-A1CB-B120-EC32-7A6737D521A1}"/>
+                    </a:ext>
+                  </a:extLst>
+                </p:cNvPr>
+                <p:cNvSpPr txBox="1"/>
+                <p:nvPr/>
+              </p:nvSpPr>
+              <p:spPr>
+                <a:xfrm>
+                  <a:off x="2763519" y="5138593"/>
+                  <a:ext cx="751840" cy="246221"/>
+                </a:xfrm>
+                <a:prstGeom prst="rect">
+                  <a:avLst/>
+                </a:prstGeom>
+                <a:noFill/>
+              </p:spPr>
+              <p:txBody>
+                <a:bodyPr wrap="square" rtlCol="0">
+                  <a:spAutoFit/>
+                </a:bodyPr>
+                <a:lstStyle/>
+                <a:p>
+                  <a:r>
+                    <a:rPr lang="en-US" sz="1000" dirty="0"/>
+                    <a:t>Action </a:t>
+                  </a:r>
+                  <a14:m>
+                    <m:oMath xmlns:m="http://schemas.openxmlformats.org/officeDocument/2006/math">
+                      <m:r>
+                        <a:rPr lang="en-US" sz="1000" i="1" dirty="0" smtClean="0">
+                          <a:latin typeface="Cambria Math" panose="02040503050406030204" pitchFamily="18" charset="0"/>
+                        </a:rPr>
+                        <m:t>𝑎</m:t>
+                      </m:r>
+                    </m:oMath>
+                  </a14:m>
+                  <a:endParaRPr lang="en-US" sz="1000" dirty="0"/>
+                </a:p>
+              </p:txBody>
+            </p:sp>
+          </mc:Choice>
+          <mc:Fallback xmlns="">
+            <p:sp>
+              <p:nvSpPr>
+                <p:cNvPr id="14" name="TextBox 13">
+                  <a:extLst>
+                    <a:ext uri="{FF2B5EF4-FFF2-40B4-BE49-F238E27FC236}">
+                      <a16:creationId xmlns:a16="http://schemas.microsoft.com/office/drawing/2014/main" id="{FB7EA328-46CE-97F7-4F4D-E0260C673214}"/>
+                    </a:ext>
+                  </a:extLst>
+                </p:cNvPr>
+                <p:cNvSpPr txBox="1">
+                  <a:spLocks noRot="1" noChangeAspect="1" noMove="1" noResize="1" noEditPoints="1" noAdjustHandles="1" noChangeArrowheads="1" noChangeShapeType="1" noTextEdit="1"/>
+                </p:cNvSpPr>
+                <p:nvPr/>
+              </p:nvSpPr>
+              <p:spPr>
+                <a:xfrm>
+                  <a:off x="2763519" y="5138593"/>
+                  <a:ext cx="751840" cy="246221"/>
+                </a:xfrm>
+                <a:prstGeom prst="rect">
+                  <a:avLst/>
+                </a:prstGeom>
+                <a:blipFill>
+                  <a:blip r:embed="rId12"/>
+                  <a:stretch>
+                    <a:fillRect b="-15000"/>
+                  </a:stretch>
+                </a:blipFill>
+              </p:spPr>
+              <p:txBody>
+                <a:bodyPr/>
+                <a:lstStyle/>
+                <a:p>
+                  <a:r>
+                    <a:rPr lang="en-US">
+                      <a:noFill/>
+                    </a:rPr>
+                    <a:t> </a:t>
+                  </a:r>
+                </a:p>
+              </p:txBody>
+            </p:sp>
+          </mc:Fallback>
+        </mc:AlternateContent>
+        <mc:AlternateContent xmlns:mc="http://schemas.openxmlformats.org/markup-compatibility/2006" xmlns:a14="http://schemas.microsoft.com/office/drawing/2010/main">
+          <mc:Choice Requires="a14">
+            <p:sp>
+              <p:nvSpPr>
+                <p:cNvPr id="16" name="TextBox 15">
+                  <a:extLst>
+                    <a:ext uri="{FF2B5EF4-FFF2-40B4-BE49-F238E27FC236}">
+                      <a16:creationId xmlns:a16="http://schemas.microsoft.com/office/drawing/2014/main" id="{9915F352-AA59-8C8F-34A2-5A5E381B79FD}"/>
+                    </a:ext>
+                  </a:extLst>
+                </p:cNvPr>
+                <p:cNvSpPr txBox="1"/>
+                <p:nvPr/>
+              </p:nvSpPr>
+              <p:spPr>
+                <a:xfrm>
+                  <a:off x="4165598" y="5059150"/>
+                  <a:ext cx="430107" cy="261610"/>
+                </a:xfrm>
+                <a:prstGeom prst="rect">
+                  <a:avLst/>
+                </a:prstGeom>
+                <a:solidFill>
+                  <a:schemeClr val="accent2"/>
+                </a:solidFill>
+                <a:ln>
+                  <a:noFill/>
+                </a:ln>
+              </p:spPr>
+              <p:style>
+                <a:lnRef idx="0">
+                  <a:scrgbClr r="0" g="0" b="0"/>
+                </a:lnRef>
+                <a:fillRef idx="0">
+                  <a:scrgbClr r="0" g="0" b="0"/>
+                </a:fillRef>
+                <a:effectRef idx="0">
+                  <a:scrgbClr r="0" g="0" b="0"/>
+                </a:effectRef>
+                <a:fontRef idx="minor">
+                  <a:schemeClr val="lt1"/>
+                </a:fontRef>
+              </p:style>
+              <p:txBody>
+                <a:bodyPr wrap="square" rtlCol="0">
+                  <a:spAutoFit/>
+                </a:bodyPr>
+                <a:lstStyle/>
+                <a:p>
+                  <a:pPr/>
+                  <a14:m>
+                    <m:oMathPara xmlns:m="http://schemas.openxmlformats.org/officeDocument/2006/math">
+                      <m:oMathParaPr>
+                        <m:jc m:val="centerGroup"/>
+                      </m:oMathParaPr>
+                      <m:oMath xmlns:m="http://schemas.openxmlformats.org/officeDocument/2006/math">
+                        <m:r>
+                          <a:rPr lang="en-US" sz="1100" i="1" dirty="0" smtClean="0">
+                            <a:latin typeface="Cambria Math" panose="02040503050406030204" pitchFamily="18" charset="0"/>
+                          </a:rPr>
+                          <m:t>𝑈</m:t>
+                        </m:r>
+                        <m:r>
+                          <a:rPr lang="en-US" sz="1100" i="1" dirty="0" smtClean="0">
+                            <a:latin typeface="Cambria Math" panose="02040503050406030204" pitchFamily="18" charset="0"/>
+                          </a:rPr>
+                          <m:t>(</m:t>
+                        </m:r>
+                        <m:r>
+                          <a:rPr lang="en-US" sz="1100" i="1" dirty="0" smtClean="0">
+                            <a:latin typeface="Cambria Math" panose="02040503050406030204" pitchFamily="18" charset="0"/>
+                          </a:rPr>
+                          <m:t>𝑠</m:t>
+                        </m:r>
+                        <m:r>
+                          <a:rPr lang="en-US" sz="1100" i="1" dirty="0" smtClean="0">
+                            <a:latin typeface="Cambria Math" panose="02040503050406030204" pitchFamily="18" charset="0"/>
+                          </a:rPr>
+                          <m:t>’)</m:t>
+                        </m:r>
+                      </m:oMath>
+                    </m:oMathPara>
+                  </a14:m>
+                  <a:endParaRPr lang="en-US" sz="1100" dirty="0"/>
+                </a:p>
+              </p:txBody>
+            </p:sp>
+          </mc:Choice>
+          <mc:Fallback xmlns="">
+            <p:sp>
+              <p:nvSpPr>
+                <p:cNvPr id="15" name="TextBox 14">
+                  <a:extLst>
+                    <a:ext uri="{FF2B5EF4-FFF2-40B4-BE49-F238E27FC236}">
+                      <a16:creationId xmlns:a16="http://schemas.microsoft.com/office/drawing/2014/main" id="{64D6490A-4CCD-A7E5-A6B9-5622D6A57FF9}"/>
+                    </a:ext>
+                  </a:extLst>
+                </p:cNvPr>
+                <p:cNvSpPr txBox="1">
+                  <a:spLocks noRot="1" noChangeAspect="1" noMove="1" noResize="1" noEditPoints="1" noAdjustHandles="1" noChangeArrowheads="1" noChangeShapeType="1" noTextEdit="1"/>
+                </p:cNvSpPr>
+                <p:nvPr/>
+              </p:nvSpPr>
+              <p:spPr>
+                <a:xfrm>
+                  <a:off x="4165598" y="5059150"/>
+                  <a:ext cx="430107" cy="261610"/>
+                </a:xfrm>
+                <a:prstGeom prst="rect">
+                  <a:avLst/>
+                </a:prstGeom>
+                <a:blipFill>
+                  <a:blip r:embed="rId13"/>
+                  <a:stretch>
+                    <a:fillRect r="-9859" b="-4651"/>
+                  </a:stretch>
+                </a:blipFill>
+                <a:ln>
+                  <a:noFill/>
+                </a:ln>
+              </p:spPr>
+              <p:txBody>
+                <a:bodyPr/>
+                <a:lstStyle/>
+                <a:p>
+                  <a:r>
+                    <a:rPr lang="en-US">
+                      <a:noFill/>
+                    </a:rPr>
+                    <a:t> </a:t>
+                  </a:r>
+                </a:p>
+              </p:txBody>
+            </p:sp>
+          </mc:Fallback>
+        </mc:AlternateContent>
       </p:grpSp>
     </p:spTree>
     <p:extLst>
@@ -20208,13 +22006,13 @@
         </p:nvSpPr>
         <p:spPr>
           <a:xfrm>
-            <a:off x="838200" y="1825626"/>
-            <a:ext cx="10515600" cy="1509712"/>
+            <a:off x="838200" y="2225040"/>
+            <a:ext cx="10515600" cy="876513"/>
           </a:xfrm>
         </p:spPr>
         <p:txBody>
           <a:bodyPr>
-            <a:normAutofit fontScale="92500" lnSpcReduction="10000"/>
+            <a:normAutofit fontScale="70000" lnSpcReduction="20000"/>
           </a:bodyPr>
           <a:lstStyle/>
           <a:p>
@@ -20230,7 +22028,7 @@
           <a:p>
             <a:r>
               <a:rPr lang="en-US" dirty="0"/>
-              <a:t>Sequential decision problems incorporate utilities, uncertainty, and sensing.</a:t>
+              <a:t>Sequential decision problems incorporate utilities (called reward), uncertainty, and sensing.</a:t>
             </a:r>
           </a:p>
         </p:txBody>
@@ -20249,59 +22047,188 @@
         </p:nvGrpSpPr>
         <p:grpSpPr>
           <a:xfrm>
-            <a:off x="172192" y="3469035"/>
-            <a:ext cx="5454068" cy="2727767"/>
-            <a:chOff x="172192" y="3338673"/>
-            <a:chExt cx="5454068" cy="2727767"/>
+            <a:off x="258258" y="3436620"/>
+            <a:ext cx="4955251" cy="2727767"/>
+            <a:chOff x="133977" y="3338673"/>
+            <a:chExt cx="5418545" cy="2727767"/>
           </a:xfrm>
         </p:grpSpPr>
-        <p:sp>
-          <p:nvSpPr>
-            <p:cNvPr id="4" name="Rectangle 3">
-              <a:extLst>
-                <a:ext uri="{FF2B5EF4-FFF2-40B4-BE49-F238E27FC236}">
-                  <a16:creationId xmlns:a16="http://schemas.microsoft.com/office/drawing/2014/main" id="{674804DE-25E5-519D-514A-639F698E9054}"/>
-                </a:ext>
-              </a:extLst>
-            </p:cNvPr>
-            <p:cNvSpPr/>
-            <p:nvPr/>
-          </p:nvSpPr>
-          <p:spPr>
-            <a:xfrm>
-              <a:off x="3184163" y="4999640"/>
-              <a:ext cx="1600200" cy="1066800"/>
-            </a:xfrm>
-            <a:prstGeom prst="rect">
-              <a:avLst/>
-            </a:prstGeom>
-          </p:spPr>
-          <p:style>
-            <a:lnRef idx="3">
-              <a:schemeClr val="lt1"/>
-            </a:lnRef>
-            <a:fillRef idx="1">
-              <a:schemeClr val="accent2"/>
-            </a:fillRef>
-            <a:effectRef idx="1">
-              <a:schemeClr val="accent2"/>
-            </a:effectRef>
-            <a:fontRef idx="minor">
-              <a:schemeClr val="lt1"/>
-            </a:fontRef>
-          </p:style>
-          <p:txBody>
-            <a:bodyPr rtlCol="0" anchor="ctr"/>
-            <a:lstStyle/>
-            <a:p>
-              <a:pPr algn="ctr"/>
-              <a:r>
-                <a:rPr lang="en-US" b="1" dirty="0"/>
-                <a:t>Environment</a:t>
-              </a:r>
-            </a:p>
-          </p:txBody>
-        </p:sp>
+        <mc:AlternateContent xmlns:mc="http://schemas.openxmlformats.org/markup-compatibility/2006">
+          <mc:Choice xmlns:a14="http://schemas.microsoft.com/office/drawing/2010/main" Requires="a14">
+            <p:sp>
+              <p:nvSpPr>
+                <p:cNvPr id="4" name="Rectangle 3">
+                  <a:extLst>
+                    <a:ext uri="{FF2B5EF4-FFF2-40B4-BE49-F238E27FC236}">
+                      <a16:creationId xmlns:a16="http://schemas.microsoft.com/office/drawing/2014/main" id="{674804DE-25E5-519D-514A-639F698E9054}"/>
+                    </a:ext>
+                  </a:extLst>
+                </p:cNvPr>
+                <p:cNvSpPr/>
+                <p:nvPr/>
+              </p:nvSpPr>
+              <p:spPr>
+                <a:xfrm>
+                  <a:off x="3184163" y="4999640"/>
+                  <a:ext cx="1600200" cy="1066800"/>
+                </a:xfrm>
+                <a:prstGeom prst="rect">
+                  <a:avLst/>
+                </a:prstGeom>
+              </p:spPr>
+              <p:style>
+                <a:lnRef idx="3">
+                  <a:schemeClr val="lt1"/>
+                </a:lnRef>
+                <a:fillRef idx="1">
+                  <a:schemeClr val="accent2"/>
+                </a:fillRef>
+                <a:effectRef idx="1">
+                  <a:schemeClr val="accent2"/>
+                </a:effectRef>
+                <a:fontRef idx="minor">
+                  <a:schemeClr val="lt1"/>
+                </a:fontRef>
+              </p:style>
+              <p:txBody>
+                <a:bodyPr rtlCol="0" anchor="ctr"/>
+                <a:lstStyle/>
+                <a:p>
+                  <a:pPr algn="ctr"/>
+                  <a:r>
+                    <a:rPr lang="en-US" sz="1600" b="1" dirty="0"/>
+                    <a:t>Environment</a:t>
+                  </a:r>
+                </a:p>
+                <a:p>
+                  <a:pPr algn="ctr"/>
+                  <a14:m>
+                    <m:oMathPara xmlns:m="http://schemas.openxmlformats.org/officeDocument/2006/math">
+                      <m:oMathParaPr>
+                        <m:jc m:val="centerGroup"/>
+                      </m:oMathParaPr>
+                      <m:oMath xmlns:m="http://schemas.openxmlformats.org/officeDocument/2006/math">
+                        <m:sSub>
+                          <m:sSubPr>
+                            <m:ctrlPr>
+                              <a:rPr lang="en-US" sz="1600" b="1" i="1" smtClean="0">
+                                <a:latin typeface="Cambria Math" panose="02040503050406030204" pitchFamily="18" charset="0"/>
+                              </a:rPr>
+                            </m:ctrlPr>
+                          </m:sSubPr>
+                          <m:e>
+                            <m:r>
+                              <a:rPr lang="en-US" sz="1600" b="1" i="1" smtClean="0">
+                                <a:latin typeface="Cambria Math" panose="02040503050406030204" pitchFamily="18" charset="0"/>
+                              </a:rPr>
+                              <m:t>𝒔</m:t>
+                            </m:r>
+                          </m:e>
+                          <m:sub>
+                            <m:r>
+                              <a:rPr lang="en-US" sz="1600" b="1" i="1" smtClean="0">
+                                <a:latin typeface="Cambria Math" panose="02040503050406030204" pitchFamily="18" charset="0"/>
+                              </a:rPr>
+                              <m:t>𝒕</m:t>
+                            </m:r>
+                          </m:sub>
+                        </m:sSub>
+                        <m:r>
+                          <a:rPr lang="en-US" sz="1600" b="1" i="1" smtClean="0">
+                            <a:latin typeface="Cambria Math" panose="02040503050406030204" pitchFamily="18" charset="0"/>
+                          </a:rPr>
+                          <m:t>→</m:t>
+                        </m:r>
+                        <m:sSub>
+                          <m:sSubPr>
+                            <m:ctrlPr>
+                              <a:rPr lang="en-US" sz="1600" b="1" i="1" smtClean="0">
+                                <a:latin typeface="Cambria Math" panose="02040503050406030204" pitchFamily="18" charset="0"/>
+                              </a:rPr>
+                            </m:ctrlPr>
+                          </m:sSubPr>
+                          <m:e>
+                            <m:r>
+                              <a:rPr lang="en-US" sz="1600" b="1" i="1" smtClean="0">
+                                <a:latin typeface="Cambria Math" panose="02040503050406030204" pitchFamily="18" charset="0"/>
+                              </a:rPr>
+                              <m:t>𝒔</m:t>
+                            </m:r>
+                          </m:e>
+                          <m:sub>
+                            <m:r>
+                              <a:rPr lang="en-US" sz="1600" b="1" i="1" smtClean="0">
+                                <a:latin typeface="Cambria Math" panose="02040503050406030204" pitchFamily="18" charset="0"/>
+                              </a:rPr>
+                              <m:t>𝒕</m:t>
+                            </m:r>
+                            <m:r>
+                              <a:rPr lang="en-US" sz="1600" b="1" i="1" smtClean="0">
+                                <a:latin typeface="Cambria Math" panose="02040503050406030204" pitchFamily="18" charset="0"/>
+                              </a:rPr>
+                              <m:t>+</m:t>
+                            </m:r>
+                            <m:r>
+                              <a:rPr lang="en-US" sz="1600" b="1" i="1" smtClean="0">
+                                <a:latin typeface="Cambria Math" panose="02040503050406030204" pitchFamily="18" charset="0"/>
+                              </a:rPr>
+                              <m:t>𝟏</m:t>
+                            </m:r>
+                          </m:sub>
+                        </m:sSub>
+                      </m:oMath>
+                    </m:oMathPara>
+                  </a14:m>
+                  <a:endParaRPr lang="en-US" sz="1600" b="1" dirty="0"/>
+                </a:p>
+              </p:txBody>
+            </p:sp>
+          </mc:Choice>
+          <mc:Fallback>
+            <p:sp>
+              <p:nvSpPr>
+                <p:cNvPr id="4" name="Rectangle 3">
+                  <a:extLst>
+                    <a:ext uri="{FF2B5EF4-FFF2-40B4-BE49-F238E27FC236}">
+                      <a16:creationId xmlns:a16="http://schemas.microsoft.com/office/drawing/2014/main" id="{674804DE-25E5-519D-514A-639F698E9054}"/>
+                    </a:ext>
+                  </a:extLst>
+                </p:cNvPr>
+                <p:cNvSpPr>
+                  <a:spLocks noRot="1" noChangeAspect="1" noMove="1" noResize="1" noEditPoints="1" noAdjustHandles="1" noChangeArrowheads="1" noChangeShapeType="1" noTextEdit="1"/>
+                </p:cNvSpPr>
+                <p:nvPr/>
+              </p:nvSpPr>
+              <p:spPr>
+                <a:xfrm>
+                  <a:off x="3184163" y="4999640"/>
+                  <a:ext cx="1600200" cy="1066800"/>
+                </a:xfrm>
+                <a:prstGeom prst="rect">
+                  <a:avLst/>
+                </a:prstGeom>
+                <a:blipFill>
+                  <a:blip r:embed="rId2"/>
+                  <a:stretch>
+                    <a:fillRect/>
+                  </a:stretch>
+                </a:blipFill>
+              </p:spPr>
+              <p:txBody>
+                <a:bodyPr/>
+                <a:lstStyle/>
+                <a:p>
+                  <a:r>
+                    <a:rPr lang="en-US">
+                      <a:noFill/>
+                    </a:rPr>
+                    <a:t> </a:t>
+                  </a:r>
+                </a:p>
+              </p:txBody>
+            </p:sp>
+          </mc:Fallback>
+        </mc:AlternateContent>
         <p:sp>
           <p:nvSpPr>
             <p:cNvPr id="5" name="Rectangle 4">
@@ -20343,7 +22270,7 @@
             <a:p>
               <a:pPr algn="ctr"/>
               <a:r>
-                <a:rPr lang="en-US" b="1" dirty="0"/>
+                <a:rPr lang="en-US" sz="1600" b="1" dirty="0"/>
                 <a:t>Agent</a:t>
               </a:r>
             </a:p>
@@ -20359,6 +22286,7 @@
               </a:extLst>
             </p:cNvPr>
             <p:cNvCxnSpPr>
+              <a:cxnSpLocks/>
               <a:stCxn id="5" idx="3"/>
               <a:endCxn id="4" idx="3"/>
             </p:cNvCxnSpPr>
@@ -20481,8 +22409,8 @@
             </a:fontRef>
           </p:style>
         </p:cxnSp>
-        <mc:AlternateContent xmlns:mc="http://schemas.openxmlformats.org/markup-compatibility/2006" xmlns:a14="http://schemas.microsoft.com/office/drawing/2010/main">
-          <mc:Choice Requires="a14">
+        <mc:AlternateContent xmlns:mc="http://schemas.openxmlformats.org/markup-compatibility/2006">
+          <mc:Choice xmlns:a14="http://schemas.microsoft.com/office/drawing/2010/main" Requires="a14">
             <p:sp>
               <p:nvSpPr>
                 <p:cNvPr id="16" name="TextBox 15">
@@ -20498,7 +22426,7 @@
               <p:spPr>
                 <a:xfrm>
                   <a:off x="4784363" y="3338673"/>
-                  <a:ext cx="841897" cy="646331"/>
+                  <a:ext cx="768159" cy="584775"/>
                 </a:xfrm>
                 <a:prstGeom prst="rect">
                   <a:avLst/>
@@ -20512,7 +22440,7 @@
                 <a:lstStyle/>
                 <a:p>
                   <a:r>
-                    <a:rPr lang="en-US" dirty="0"/>
+                    <a:rPr lang="en-US" sz="1600" dirty="0"/>
                     <a:t>Action </a:t>
                   </a:r>
                 </a:p>
@@ -20523,14 +22451,14 @@
                       <m:sSub>
                         <m:sSubPr>
                           <m:ctrlPr>
-                            <a:rPr lang="en-US" b="0" i="1" dirty="0" smtClean="0">
+                            <a:rPr lang="en-US" sz="1600" b="0" i="1" dirty="0" smtClean="0">
                               <a:latin typeface="Cambria Math" panose="02040503050406030204" pitchFamily="18" charset="0"/>
                             </a:rPr>
                           </m:ctrlPr>
                         </m:sSubPr>
                         <m:e>
                           <m:r>
-                            <a:rPr lang="en-US" b="0" i="1" dirty="0" smtClean="0">
+                            <a:rPr lang="en-US" sz="1600" b="0" i="1" dirty="0" smtClean="0">
                               <a:latin typeface="Cambria Math" panose="02040503050406030204" pitchFamily="18" charset="0"/>
                             </a:rPr>
                             <m:t>𝑎</m:t>
@@ -20538,7 +22466,7 @@
                         </m:e>
                         <m:sub>
                           <m:r>
-                            <a:rPr lang="en-US" b="0" i="1" dirty="0" smtClean="0">
+                            <a:rPr lang="en-US" sz="1600" b="0" i="1" dirty="0" smtClean="0">
                               <a:latin typeface="Cambria Math" panose="02040503050406030204" pitchFamily="18" charset="0"/>
                             </a:rPr>
                             <m:t>𝑡</m:t>
@@ -20548,14 +22476,14 @@
                     </m:oMath>
                   </a14:m>
                   <a:r>
-                    <a:rPr lang="en-US" dirty="0"/>
+                    <a:rPr lang="en-US" sz="1600" dirty="0"/>
                     <a:t> </a:t>
                   </a:r>
                 </a:p>
               </p:txBody>
             </p:sp>
           </mc:Choice>
-          <mc:Fallback xmlns="">
+          <mc:Fallback>
             <p:sp>
               <p:nvSpPr>
                 <p:cNvPr id="16" name="TextBox 15">
@@ -20573,15 +22501,15 @@
               <p:spPr>
                 <a:xfrm>
                   <a:off x="4784363" y="3338673"/>
-                  <a:ext cx="841897" cy="646331"/>
+                  <a:ext cx="768159" cy="584775"/>
                 </a:xfrm>
                 <a:prstGeom prst="rect">
                   <a:avLst/>
                 </a:prstGeom>
                 <a:blipFill>
-                  <a:blip r:embed="rId2"/>
+                  <a:blip r:embed="rId3"/>
                   <a:stretch>
-                    <a:fillRect l="-6522" t="-4717" r="-5072"/>
+                    <a:fillRect l="-5217" t="-3125" r="-13043"/>
                   </a:stretch>
                 </a:blipFill>
               </p:spPr>
@@ -20600,8 +22528,8 @@
             </p:sp>
           </mc:Fallback>
         </mc:AlternateContent>
-        <mc:AlternateContent xmlns:mc="http://schemas.openxmlformats.org/markup-compatibility/2006" xmlns:a14="http://schemas.microsoft.com/office/drawing/2010/main">
-          <mc:Choice Requires="a14">
+        <mc:AlternateContent xmlns:mc="http://schemas.openxmlformats.org/markup-compatibility/2006">
+          <mc:Choice xmlns:a14="http://schemas.microsoft.com/office/drawing/2010/main" Requires="a14">
             <p:sp>
               <p:nvSpPr>
                 <p:cNvPr id="17" name="TextBox 16">
@@ -20616,8 +22544,8 @@
               </p:nvSpPr>
               <p:spPr>
                 <a:xfrm>
-                  <a:off x="172192" y="4396790"/>
-                  <a:ext cx="1380763" cy="923330"/>
+                  <a:off x="133977" y="4396790"/>
+                  <a:ext cx="1418978" cy="830997"/>
                 </a:xfrm>
                 <a:prstGeom prst="rect">
                   <a:avLst/>
@@ -20632,11 +22560,11 @@
                 <a:p>
                   <a:pPr algn="r"/>
                   <a:r>
-                    <a:rPr lang="en-US" dirty="0"/>
+                    <a:rPr lang="en-US" sz="1600" dirty="0"/>
                     <a:t>Observation </a:t>
                   </a:r>
                   <a:br>
-                    <a:rPr lang="en-US" dirty="0"/>
+                    <a:rPr lang="en-US" sz="1600" dirty="0"/>
                   </a:br>
                   <a14:m>
                     <m:oMathPara xmlns:m="http://schemas.openxmlformats.org/officeDocument/2006/math">
@@ -20647,14 +22575,14 @@
                         <m:sSub>
                           <m:sSubPr>
                             <m:ctrlPr>
-                              <a:rPr lang="en-US" b="0" i="1" smtClean="0">
+                              <a:rPr lang="en-US" sz="1600" b="0" i="1" smtClean="0">
                                 <a:latin typeface="Cambria Math" panose="02040503050406030204" pitchFamily="18" charset="0"/>
                               </a:rPr>
                             </m:ctrlPr>
                           </m:sSubPr>
                           <m:e>
                             <m:r>
-                              <a:rPr lang="en-US" b="0" i="1" smtClean="0">
+                              <a:rPr lang="en-US" sz="1600" b="0" i="1" smtClean="0">
                                 <a:latin typeface="Cambria Math" panose="02040503050406030204" pitchFamily="18" charset="0"/>
                               </a:rPr>
                               <m:t>𝑜</m:t>
@@ -20662,13 +22590,13 @@
                           </m:e>
                           <m:sub>
                             <m:r>
-                              <a:rPr lang="en-US" b="0" i="1" smtClean="0">
+                              <a:rPr lang="en-US" sz="1600" b="0" i="1" smtClean="0">
                                 <a:latin typeface="Cambria Math" panose="02040503050406030204" pitchFamily="18" charset="0"/>
                               </a:rPr>
                               <m:t>𝑡</m:t>
                             </m:r>
                             <m:r>
-                              <a:rPr lang="en-US" b="0" i="1" smtClean="0">
+                              <a:rPr lang="en-US" sz="1600" b="0" i="1" smtClean="0">
                                 <a:latin typeface="Cambria Math" panose="02040503050406030204" pitchFamily="18" charset="0"/>
                               </a:rPr>
                               <m:t>+1</m:t>
@@ -20678,18 +22606,18 @@
                       </m:oMath>
                     </m:oMathPara>
                   </a14:m>
-                  <a:endParaRPr lang="en-US" b="0" dirty="0"/>
+                  <a:endParaRPr lang="en-US" sz="1600" b="0" dirty="0"/>
                 </a:p>
                 <a:p>
                   <a:r>
-                    <a:rPr lang="en-US" dirty="0"/>
+                    <a:rPr lang="en-US" sz="1600" dirty="0"/>
                     <a:t> </a:t>
                   </a:r>
                 </a:p>
               </p:txBody>
             </p:sp>
           </mc:Choice>
-          <mc:Fallback xmlns="">
+          <mc:Fallback>
             <p:sp>
               <p:nvSpPr>
                 <p:cNvPr id="17" name="TextBox 16">
@@ -20706,16 +22634,16 @@
               </p:nvSpPr>
               <p:spPr>
                 <a:xfrm>
-                  <a:off x="172192" y="4396790"/>
-                  <a:ext cx="1380763" cy="923330"/>
+                  <a:off x="133977" y="4396790"/>
+                  <a:ext cx="1418978" cy="830997"/>
                 </a:xfrm>
                 <a:prstGeom prst="rect">
                   <a:avLst/>
                 </a:prstGeom>
                 <a:blipFill>
-                  <a:blip r:embed="rId3"/>
+                  <a:blip r:embed="rId4"/>
                   <a:stretch>
-                    <a:fillRect l="-2643" t="-3974" r="-3524"/>
+                    <a:fillRect t="-2190" r="-2817"/>
                   </a:stretch>
                 </a:blipFill>
               </p:spPr>
@@ -20734,8 +22662,8 @@
             </p:sp>
           </mc:Fallback>
         </mc:AlternateContent>
-        <mc:AlternateContent xmlns:mc="http://schemas.openxmlformats.org/markup-compatibility/2006" xmlns:a14="http://schemas.microsoft.com/office/drawing/2010/main">
-          <mc:Choice Requires="a14">
+        <mc:AlternateContent xmlns:mc="http://schemas.openxmlformats.org/markup-compatibility/2006">
+          <mc:Choice xmlns:a14="http://schemas.microsoft.com/office/drawing/2010/main" Requires="a14">
             <p:sp>
               <p:nvSpPr>
                 <p:cNvPr id="18" name="TextBox 17">
@@ -20750,8 +22678,8 @@
               </p:nvSpPr>
               <p:spPr>
                 <a:xfrm>
-                  <a:off x="2096242" y="4416087"/>
-                  <a:ext cx="1014380" cy="923330"/>
+                  <a:off x="2170493" y="4416087"/>
+                  <a:ext cx="865878" cy="830997"/>
                 </a:xfrm>
                 <a:prstGeom prst="rect">
                   <a:avLst/>
@@ -20766,11 +22694,11 @@
                 <a:p>
                   <a:pPr algn="ctr"/>
                   <a:r>
-                    <a:rPr lang="en-US" dirty="0"/>
+                    <a:rPr lang="en-US" sz="1600" dirty="0"/>
                     <a:t>Reward </a:t>
                   </a:r>
                   <a:br>
-                    <a:rPr lang="en-US" dirty="0"/>
+                    <a:rPr lang="en-US" sz="1600" dirty="0"/>
                   </a:br>
                   <a14:m>
                     <m:oMathPara xmlns:m="http://schemas.openxmlformats.org/officeDocument/2006/math">
@@ -20781,14 +22709,14 @@
                         <m:sSub>
                           <m:sSubPr>
                             <m:ctrlPr>
-                              <a:rPr lang="en-US" b="0" i="1" smtClean="0">
+                              <a:rPr lang="en-US" sz="1600" b="0" i="1" smtClean="0">
                                 <a:latin typeface="Cambria Math" panose="02040503050406030204" pitchFamily="18" charset="0"/>
                               </a:rPr>
                             </m:ctrlPr>
                           </m:sSubPr>
                           <m:e>
                             <m:r>
-                              <a:rPr lang="en-US" b="0" i="1" smtClean="0">
+                              <a:rPr lang="en-US" sz="1600" b="0" i="1" smtClean="0">
                                 <a:latin typeface="Cambria Math" panose="02040503050406030204" pitchFamily="18" charset="0"/>
                               </a:rPr>
                               <m:t>𝑟</m:t>
@@ -20796,13 +22724,13 @@
                           </m:e>
                           <m:sub>
                             <m:r>
-                              <a:rPr lang="en-US" b="0" i="1" smtClean="0">
+                              <a:rPr lang="en-US" sz="1600" b="0" i="1" smtClean="0">
                                 <a:latin typeface="Cambria Math" panose="02040503050406030204" pitchFamily="18" charset="0"/>
                               </a:rPr>
                               <m:t>𝑡</m:t>
                             </m:r>
                             <m:r>
-                              <a:rPr lang="en-US" b="0" i="1" smtClean="0">
+                              <a:rPr lang="en-US" sz="1600" b="0" i="1" smtClean="0">
                                 <a:latin typeface="Cambria Math" panose="02040503050406030204" pitchFamily="18" charset="0"/>
                               </a:rPr>
                               <m:t>+1</m:t>
@@ -20812,18 +22740,18 @@
                       </m:oMath>
                     </m:oMathPara>
                   </a14:m>
-                  <a:endParaRPr lang="en-US" b="0" dirty="0"/>
+                  <a:endParaRPr lang="en-US" sz="1600" b="0" dirty="0"/>
                 </a:p>
                 <a:p>
                   <a:r>
-                    <a:rPr lang="en-US" dirty="0"/>
+                    <a:rPr lang="en-US" sz="1600" dirty="0"/>
                     <a:t> </a:t>
                   </a:r>
                 </a:p>
               </p:txBody>
             </p:sp>
           </mc:Choice>
-          <mc:Fallback xmlns="">
+          <mc:Fallback>
             <p:sp>
               <p:nvSpPr>
                 <p:cNvPr id="18" name="TextBox 17">
@@ -20840,16 +22768,16 @@
               </p:nvSpPr>
               <p:spPr>
                 <a:xfrm>
-                  <a:off x="2096242" y="4416087"/>
-                  <a:ext cx="1014380" cy="923330"/>
+                  <a:off x="2170493" y="4416087"/>
+                  <a:ext cx="865878" cy="830997"/>
                 </a:xfrm>
                 <a:prstGeom prst="rect">
                   <a:avLst/>
                 </a:prstGeom>
                 <a:blipFill>
-                  <a:blip r:embed="rId4"/>
+                  <a:blip r:embed="rId5"/>
                   <a:stretch>
-                    <a:fillRect l="-1807" t="-3974" r="-602"/>
+                    <a:fillRect l="-8462" t="-2190" r="-7692"/>
                   </a:stretch>
                 </a:blipFill>
               </p:spPr>
@@ -20869,8 +22797,8 @@
           </mc:Fallback>
         </mc:AlternateContent>
       </p:grpSp>
-      <mc:AlternateContent xmlns:mc="http://schemas.openxmlformats.org/markup-compatibility/2006" xmlns:a14="http://schemas.microsoft.com/office/drawing/2010/main">
-        <mc:Choice Requires="a14">
+      <mc:AlternateContent xmlns:mc="http://schemas.openxmlformats.org/markup-compatibility/2006">
+        <mc:Choice xmlns:a14="http://schemas.microsoft.com/office/drawing/2010/main" Requires="a14">
           <p:sp>
             <p:nvSpPr>
               <p:cNvPr id="22" name="TextBox 21">
@@ -20885,7 +22813,7 @@
             </p:nvSpPr>
             <p:spPr>
               <a:xfrm>
-                <a:off x="6798037" y="3707054"/>
+                <a:off x="6645637" y="3563334"/>
                 <a:ext cx="5168081" cy="400110"/>
               </a:xfrm>
               <a:prstGeom prst="rect">
@@ -21221,7 +23149,7 @@
             </p:txBody>
           </p:sp>
         </mc:Choice>
-        <mc:Fallback xmlns="">
+        <mc:Fallback>
           <p:sp>
             <p:nvSpPr>
               <p:cNvPr id="22" name="TextBox 21">
@@ -21238,16 +23166,16 @@
             </p:nvSpPr>
             <p:spPr>
               <a:xfrm>
-                <a:off x="6798037" y="3707054"/>
+                <a:off x="6645637" y="3563334"/>
                 <a:ext cx="5168081" cy="400110"/>
               </a:xfrm>
               <a:prstGeom prst="rect">
                 <a:avLst/>
               </a:prstGeom>
               <a:blipFill>
-                <a:blip r:embed="rId5"/>
+                <a:blip r:embed="rId6"/>
                 <a:stretch>
-                  <a:fillRect l="-1179" t="-7576" b="-25758"/>
+                  <a:fillRect l="-1179" t="-9231" b="-27692"/>
                 </a:stretch>
               </a:blipFill>
             </p:spPr>
@@ -21280,7 +23208,7 @@
         </p:nvSpPr>
         <p:spPr>
           <a:xfrm>
-            <a:off x="5791200" y="3648920"/>
+            <a:off x="5638800" y="3505200"/>
             <a:ext cx="977900" cy="583946"/>
           </a:xfrm>
           <a:prstGeom prst="rightArrow">
@@ -21310,8 +23238,8 @@
           </a:p>
         </p:txBody>
       </p:sp>
-      <mc:AlternateContent xmlns:mc="http://schemas.openxmlformats.org/markup-compatibility/2006" xmlns:a14="http://schemas.microsoft.com/office/drawing/2010/main">
-        <mc:Choice Requires="a14">
+      <mc:AlternateContent xmlns:mc="http://schemas.openxmlformats.org/markup-compatibility/2006">
+        <mc:Choice xmlns:a14="http://schemas.microsoft.com/office/drawing/2010/main" Requires="a14">
           <p:sp>
             <p:nvSpPr>
               <p:cNvPr id="24" name="TextBox 23">
@@ -21326,7 +23254,7 @@
             </p:nvSpPr>
             <p:spPr>
               <a:xfrm>
-                <a:off x="6769100" y="4232866"/>
+                <a:off x="6616700" y="4089146"/>
                 <a:ext cx="5086161" cy="2486322"/>
               </a:xfrm>
               <a:prstGeom prst="rect">
@@ -21527,7 +23455,7 @@
             </p:txBody>
           </p:sp>
         </mc:Choice>
-        <mc:Fallback xmlns="">
+        <mc:Fallback>
           <p:sp>
             <p:nvSpPr>
               <p:cNvPr id="24" name="TextBox 23">
@@ -21544,16 +23472,2115 @@
             </p:nvSpPr>
             <p:spPr>
               <a:xfrm>
-                <a:off x="6769100" y="4232866"/>
+                <a:off x="6616700" y="4089146"/>
                 <a:ext cx="5086161" cy="2486322"/>
               </a:xfrm>
               <a:prstGeom prst="rect">
                 <a:avLst/>
               </a:prstGeom>
               <a:blipFill>
-                <a:blip r:embed="rId6"/>
+                <a:blip r:embed="rId7"/>
                 <a:stretch>
-                  <a:fillRect l="-1074" t="-973" r="-1671" b="-1703"/>
+                  <a:fillRect l="-1074" t="-1217" r="-1671" b="-1703"/>
+                </a:stretch>
+              </a:blipFill>
+            </p:spPr>
+            <p:txBody>
+              <a:bodyPr/>
+              <a:lstStyle/>
+              <a:p>
+                <a:r>
+                  <a:rPr lang="en-US">
+                    <a:noFill/>
+                  </a:rPr>
+                  <a:t> </a:t>
+                </a:r>
+              </a:p>
+            </p:txBody>
+          </p:sp>
+        </mc:Fallback>
+      </mc:AlternateContent>
+      <p:grpSp>
+        <p:nvGrpSpPr>
+          <p:cNvPr id="6" name="Group 5">
+            <a:extLst>
+              <a:ext uri="{FF2B5EF4-FFF2-40B4-BE49-F238E27FC236}">
+                <a16:creationId xmlns:a16="http://schemas.microsoft.com/office/drawing/2014/main" id="{F0C61611-7D98-A816-1E47-783EF14CA099}"/>
+              </a:ext>
+            </a:extLst>
+          </p:cNvPr>
+          <p:cNvGrpSpPr/>
+          <p:nvPr/>
+        </p:nvGrpSpPr>
+        <p:grpSpPr>
+          <a:xfrm>
+            <a:off x="3733800" y="1322986"/>
+            <a:ext cx="3964939" cy="632399"/>
+            <a:chOff x="6972571" y="4920035"/>
+            <a:chExt cx="3964939" cy="632399"/>
+          </a:xfrm>
+        </p:grpSpPr>
+        <mc:AlternateContent xmlns:mc="http://schemas.openxmlformats.org/markup-compatibility/2006" xmlns:a14="http://schemas.microsoft.com/office/drawing/2010/main">
+          <mc:Choice Requires="a14">
+            <p:sp>
+              <p:nvSpPr>
+                <p:cNvPr id="8" name="Oval 7">
+                  <a:extLst>
+                    <a:ext uri="{FF2B5EF4-FFF2-40B4-BE49-F238E27FC236}">
+                      <a16:creationId xmlns:a16="http://schemas.microsoft.com/office/drawing/2014/main" id="{D4C5051F-1420-6022-5DE2-A8CB10250CA3}"/>
+                    </a:ext>
+                  </a:extLst>
+                </p:cNvPr>
+                <p:cNvSpPr/>
+                <p:nvPr/>
+              </p:nvSpPr>
+              <p:spPr>
+                <a:xfrm>
+                  <a:off x="6972571" y="5105059"/>
+                  <a:ext cx="916093" cy="420477"/>
+                </a:xfrm>
+                <a:prstGeom prst="ellipse">
+                  <a:avLst/>
+                </a:prstGeom>
+                <a:solidFill>
+                  <a:schemeClr val="accent6"/>
+                </a:solidFill>
+                <a:ln>
+                  <a:noFill/>
+                </a:ln>
+              </p:spPr>
+              <p:style>
+                <a:lnRef idx="0">
+                  <a:scrgbClr r="0" g="0" b="0"/>
+                </a:lnRef>
+                <a:fillRef idx="0">
+                  <a:scrgbClr r="0" g="0" b="0"/>
+                </a:fillRef>
+                <a:effectRef idx="0">
+                  <a:scrgbClr r="0" g="0" b="0"/>
+                </a:effectRef>
+                <a:fontRef idx="minor">
+                  <a:schemeClr val="lt1"/>
+                </a:fontRef>
+              </p:style>
+              <p:txBody>
+                <a:bodyPr rtlCol="0" anchor="ctr"/>
+                <a:lstStyle/>
+                <a:p>
+                  <a:pPr algn="ctr"/>
+                  <a:r>
+                    <a:rPr lang="en-US" sz="1050" b="1" dirty="0"/>
+                    <a:t>Currentstate </a:t>
+                  </a:r>
+                  <a14:m>
+                    <m:oMath xmlns:m="http://schemas.openxmlformats.org/officeDocument/2006/math">
+                      <m:sSub>
+                        <m:sSubPr>
+                          <m:ctrlPr>
+                            <a:rPr lang="en-US" sz="1050" b="1" i="1" dirty="0" smtClean="0">
+                              <a:latin typeface="Cambria Math" panose="02040503050406030204" pitchFamily="18" charset="0"/>
+                            </a:rPr>
+                          </m:ctrlPr>
+                        </m:sSubPr>
+                        <m:e>
+                          <m:r>
+                            <a:rPr lang="en-US" sz="1050" b="1" i="1" dirty="0" smtClean="0">
+                              <a:latin typeface="Cambria Math" panose="02040503050406030204" pitchFamily="18" charset="0"/>
+                            </a:rPr>
+                            <m:t>𝒔</m:t>
+                          </m:r>
+                        </m:e>
+                        <m:sub>
+                          <m:r>
+                            <a:rPr lang="en-US" sz="1050" b="1" i="1" dirty="0" smtClean="0">
+                              <a:latin typeface="Cambria Math" panose="02040503050406030204" pitchFamily="18" charset="0"/>
+                            </a:rPr>
+                            <m:t>𝟎</m:t>
+                          </m:r>
+                        </m:sub>
+                      </m:sSub>
+                    </m:oMath>
+                  </a14:m>
+                  <a:endParaRPr lang="en-US" sz="1050" b="1" dirty="0"/>
+                </a:p>
+              </p:txBody>
+            </p:sp>
+          </mc:Choice>
+          <mc:Fallback xmlns="">
+            <p:sp>
+              <p:nvSpPr>
+                <p:cNvPr id="20" name="Oval 19">
+                  <a:extLst>
+                    <a:ext uri="{FF2B5EF4-FFF2-40B4-BE49-F238E27FC236}">
+                      <a16:creationId xmlns:a16="http://schemas.microsoft.com/office/drawing/2014/main" id="{EC109ADD-3076-FE9B-0D2E-C88588DA3C0B}"/>
+                    </a:ext>
+                  </a:extLst>
+                </p:cNvPr>
+                <p:cNvSpPr>
+                  <a:spLocks noRot="1" noChangeAspect="1" noMove="1" noResize="1" noEditPoints="1" noAdjustHandles="1" noChangeArrowheads="1" noChangeShapeType="1" noTextEdit="1"/>
+                </p:cNvSpPr>
+                <p:nvPr/>
+              </p:nvSpPr>
+              <p:spPr>
+                <a:xfrm>
+                  <a:off x="6972571" y="5105059"/>
+                  <a:ext cx="916093" cy="420477"/>
+                </a:xfrm>
+                <a:prstGeom prst="ellipse">
+                  <a:avLst/>
+                </a:prstGeom>
+                <a:blipFill>
+                  <a:blip r:embed="rId8"/>
+                  <a:stretch>
+                    <a:fillRect b="-7246"/>
+                  </a:stretch>
+                </a:blipFill>
+                <a:ln>
+                  <a:noFill/>
+                </a:ln>
+              </p:spPr>
+              <p:txBody>
+                <a:bodyPr/>
+                <a:lstStyle/>
+                <a:p>
+                  <a:r>
+                    <a:rPr lang="en-US">
+                      <a:noFill/>
+                    </a:rPr>
+                    <a:t> </a:t>
+                  </a:r>
+                </a:p>
+              </p:txBody>
+            </p:sp>
+          </mc:Fallback>
+        </mc:AlternateContent>
+        <mc:AlternateContent xmlns:mc="http://schemas.openxmlformats.org/markup-compatibility/2006" xmlns:a14="http://schemas.microsoft.com/office/drawing/2010/main">
+          <mc:Choice Requires="a14">
+            <p:sp>
+              <p:nvSpPr>
+                <p:cNvPr id="9" name="Oval 8">
+                  <a:extLst>
+                    <a:ext uri="{FF2B5EF4-FFF2-40B4-BE49-F238E27FC236}">
+                      <a16:creationId xmlns:a16="http://schemas.microsoft.com/office/drawing/2014/main" id="{45198291-139E-A2CA-391F-E8DD9456E2B8}"/>
+                    </a:ext>
+                  </a:extLst>
+                </p:cNvPr>
+                <p:cNvSpPr/>
+                <p:nvPr/>
+              </p:nvSpPr>
+              <p:spPr>
+                <a:xfrm>
+                  <a:off x="8143506" y="5105059"/>
+                  <a:ext cx="469904" cy="420476"/>
+                </a:xfrm>
+                <a:prstGeom prst="ellipse">
+                  <a:avLst/>
+                </a:prstGeom>
+                <a:solidFill>
+                  <a:schemeClr val="accent6"/>
+                </a:solidFill>
+                <a:ln>
+                  <a:noFill/>
+                </a:ln>
+              </p:spPr>
+              <p:style>
+                <a:lnRef idx="0">
+                  <a:scrgbClr r="0" g="0" b="0"/>
+                </a:lnRef>
+                <a:fillRef idx="0">
+                  <a:scrgbClr r="0" g="0" b="0"/>
+                </a:fillRef>
+                <a:effectRef idx="0">
+                  <a:scrgbClr r="0" g="0" b="0"/>
+                </a:effectRef>
+                <a:fontRef idx="minor">
+                  <a:schemeClr val="lt1"/>
+                </a:fontRef>
+              </p:style>
+              <p:txBody>
+                <a:bodyPr rtlCol="0" anchor="ctr"/>
+                <a:lstStyle/>
+                <a:p>
+                  <a:pPr algn="ctr"/>
+                  <a14:m>
+                    <m:oMathPara xmlns:m="http://schemas.openxmlformats.org/officeDocument/2006/math">
+                      <m:oMathParaPr>
+                        <m:jc m:val="centerGroup"/>
+                      </m:oMathParaPr>
+                      <m:oMath xmlns:m="http://schemas.openxmlformats.org/officeDocument/2006/math">
+                        <m:sSub>
+                          <m:sSubPr>
+                            <m:ctrlPr>
+                              <a:rPr lang="en-US" sz="1050" b="1" i="1" smtClean="0">
+                                <a:latin typeface="Cambria Math" panose="02040503050406030204" pitchFamily="18" charset="0"/>
+                              </a:rPr>
+                            </m:ctrlPr>
+                          </m:sSubPr>
+                          <m:e>
+                            <m:r>
+                              <a:rPr lang="en-US" sz="1050" b="1" i="1" smtClean="0">
+                                <a:latin typeface="Cambria Math" panose="02040503050406030204" pitchFamily="18" charset="0"/>
+                              </a:rPr>
+                              <m:t>𝒔</m:t>
+                            </m:r>
+                          </m:e>
+                          <m:sub>
+                            <m:r>
+                              <a:rPr lang="en-US" sz="1050" b="1" i="1" smtClean="0">
+                                <a:latin typeface="Cambria Math" panose="02040503050406030204" pitchFamily="18" charset="0"/>
+                              </a:rPr>
+                              <m:t>𝟏</m:t>
+                            </m:r>
+                          </m:sub>
+                        </m:sSub>
+                      </m:oMath>
+                    </m:oMathPara>
+                  </a14:m>
+                  <a:endParaRPr lang="en-US" sz="1050" b="1" dirty="0"/>
+                </a:p>
+              </p:txBody>
+            </p:sp>
+          </mc:Choice>
+          <mc:Fallback xmlns="">
+            <p:sp>
+              <p:nvSpPr>
+                <p:cNvPr id="21" name="Oval 20">
+                  <a:extLst>
+                    <a:ext uri="{FF2B5EF4-FFF2-40B4-BE49-F238E27FC236}">
+                      <a16:creationId xmlns:a16="http://schemas.microsoft.com/office/drawing/2014/main" id="{7C42CB84-6575-D75A-520A-0BCB64127783}"/>
+                    </a:ext>
+                  </a:extLst>
+                </p:cNvPr>
+                <p:cNvSpPr>
+                  <a:spLocks noRot="1" noChangeAspect="1" noMove="1" noResize="1" noEditPoints="1" noAdjustHandles="1" noChangeArrowheads="1" noChangeShapeType="1" noTextEdit="1"/>
+                </p:cNvSpPr>
+                <p:nvPr/>
+              </p:nvSpPr>
+              <p:spPr>
+                <a:xfrm>
+                  <a:off x="8143506" y="5105059"/>
+                  <a:ext cx="469904" cy="420476"/>
+                </a:xfrm>
+                <a:prstGeom prst="ellipse">
+                  <a:avLst/>
+                </a:prstGeom>
+                <a:blipFill>
+                  <a:blip r:embed="rId9"/>
+                  <a:stretch>
+                    <a:fillRect/>
+                  </a:stretch>
+                </a:blipFill>
+                <a:ln>
+                  <a:noFill/>
+                </a:ln>
+              </p:spPr>
+              <p:txBody>
+                <a:bodyPr/>
+                <a:lstStyle/>
+                <a:p>
+                  <a:r>
+                    <a:rPr lang="en-US">
+                      <a:noFill/>
+                    </a:rPr>
+                    <a:t> </a:t>
+                  </a:r>
+                </a:p>
+              </p:txBody>
+            </p:sp>
+          </mc:Fallback>
+        </mc:AlternateContent>
+        <p:cxnSp>
+          <p:nvCxnSpPr>
+            <p:cNvPr id="11" name="Straight Arrow Connector 10">
+              <a:extLst>
+                <a:ext uri="{FF2B5EF4-FFF2-40B4-BE49-F238E27FC236}">
+                  <a16:creationId xmlns:a16="http://schemas.microsoft.com/office/drawing/2014/main" id="{E0BF7060-BC67-3ABA-2D54-229D1F999704}"/>
+                </a:ext>
+              </a:extLst>
+            </p:cNvPr>
+            <p:cNvCxnSpPr>
+              <a:cxnSpLocks/>
+              <a:stCxn id="8" idx="6"/>
+              <a:endCxn id="9" idx="2"/>
+            </p:cNvCxnSpPr>
+            <p:nvPr/>
+          </p:nvCxnSpPr>
+          <p:spPr>
+            <a:xfrm flipV="1">
+              <a:off x="7888664" y="5315297"/>
+              <a:ext cx="254842" cy="1"/>
+            </a:xfrm>
+            <a:prstGeom prst="straightConnector1">
+              <a:avLst/>
+            </a:prstGeom>
+            <a:ln w="19050" cap="flat" cmpd="sng" algn="ctr">
+              <a:solidFill>
+                <a:schemeClr val="accent6"/>
+              </a:solidFill>
+              <a:prstDash val="solid"/>
+              <a:round/>
+              <a:headEnd type="none" w="med" len="med"/>
+              <a:tailEnd type="arrow" w="med" len="med"/>
+            </a:ln>
+          </p:spPr>
+          <p:style>
+            <a:lnRef idx="0">
+              <a:scrgbClr r="0" g="0" b="0"/>
+            </a:lnRef>
+            <a:fillRef idx="0">
+              <a:scrgbClr r="0" g="0" b="0"/>
+            </a:fillRef>
+            <a:effectRef idx="0">
+              <a:scrgbClr r="0" g="0" b="0"/>
+            </a:effectRef>
+            <a:fontRef idx="minor">
+              <a:schemeClr val="tx1"/>
+            </a:fontRef>
+          </p:style>
+        </p:cxnSp>
+        <mc:AlternateContent xmlns:mc="http://schemas.openxmlformats.org/markup-compatibility/2006" xmlns:a14="http://schemas.microsoft.com/office/drawing/2010/main">
+          <mc:Choice Requires="a14">
+            <p:sp>
+              <p:nvSpPr>
+                <p:cNvPr id="13" name="TextBox 12">
+                  <a:extLst>
+                    <a:ext uri="{FF2B5EF4-FFF2-40B4-BE49-F238E27FC236}">
+                      <a16:creationId xmlns:a16="http://schemas.microsoft.com/office/drawing/2014/main" id="{D1EB2545-C58E-1621-B932-382B9EEBA7C5}"/>
+                    </a:ext>
+                  </a:extLst>
+                </p:cNvPr>
+                <p:cNvSpPr txBox="1"/>
+                <p:nvPr/>
+              </p:nvSpPr>
+              <p:spPr>
+                <a:xfrm>
+                  <a:off x="7640164" y="5043228"/>
+                  <a:ext cx="751840" cy="246221"/>
+                </a:xfrm>
+                <a:prstGeom prst="rect">
+                  <a:avLst/>
+                </a:prstGeom>
+                <a:noFill/>
+              </p:spPr>
+              <p:txBody>
+                <a:bodyPr wrap="square" rtlCol="0">
+                  <a:spAutoFit/>
+                </a:bodyPr>
+                <a:lstStyle/>
+                <a:p>
+                  <a:pPr/>
+                  <a14:m>
+                    <m:oMathPara xmlns:m="http://schemas.openxmlformats.org/officeDocument/2006/math">
+                      <m:oMathParaPr>
+                        <m:jc m:val="centerGroup"/>
+                      </m:oMathParaPr>
+                      <m:oMath xmlns:m="http://schemas.openxmlformats.org/officeDocument/2006/math">
+                        <m:sSub>
+                          <m:sSubPr>
+                            <m:ctrlPr>
+                              <a:rPr lang="en-US" sz="1000" b="0" i="1" dirty="0" smtClean="0">
+                                <a:latin typeface="Cambria Math" panose="02040503050406030204" pitchFamily="18" charset="0"/>
+                              </a:rPr>
+                            </m:ctrlPr>
+                          </m:sSubPr>
+                          <m:e>
+                            <m:r>
+                              <a:rPr lang="en-US" sz="1000" i="1" dirty="0" smtClean="0">
+                                <a:latin typeface="Cambria Math" panose="02040503050406030204" pitchFamily="18" charset="0"/>
+                              </a:rPr>
+                              <m:t>𝑎</m:t>
+                            </m:r>
+                          </m:e>
+                          <m:sub>
+                            <m:r>
+                              <a:rPr lang="en-US" sz="1000" b="0" i="1" dirty="0" smtClean="0">
+                                <a:latin typeface="Cambria Math" panose="02040503050406030204" pitchFamily="18" charset="0"/>
+                              </a:rPr>
+                              <m:t>0</m:t>
+                            </m:r>
+                          </m:sub>
+                        </m:sSub>
+                      </m:oMath>
+                    </m:oMathPara>
+                  </a14:m>
+                  <a:endParaRPr lang="en-US" sz="1000" dirty="0"/>
+                </a:p>
+              </p:txBody>
+            </p:sp>
+          </mc:Choice>
+          <mc:Fallback xmlns="">
+            <p:sp>
+              <p:nvSpPr>
+                <p:cNvPr id="23" name="TextBox 22">
+                  <a:extLst>
+                    <a:ext uri="{FF2B5EF4-FFF2-40B4-BE49-F238E27FC236}">
+                      <a16:creationId xmlns:a16="http://schemas.microsoft.com/office/drawing/2014/main" id="{8FD02EE2-AD9F-C310-E791-F3A0BC4DEB29}"/>
+                    </a:ext>
+                  </a:extLst>
+                </p:cNvPr>
+                <p:cNvSpPr txBox="1">
+                  <a:spLocks noRot="1" noChangeAspect="1" noMove="1" noResize="1" noEditPoints="1" noAdjustHandles="1" noChangeArrowheads="1" noChangeShapeType="1" noTextEdit="1"/>
+                </p:cNvSpPr>
+                <p:nvPr/>
+              </p:nvSpPr>
+              <p:spPr>
+                <a:xfrm>
+                  <a:off x="7640164" y="5043228"/>
+                  <a:ext cx="751840" cy="246221"/>
+                </a:xfrm>
+                <a:prstGeom prst="rect">
+                  <a:avLst/>
+                </a:prstGeom>
+                <a:blipFill>
+                  <a:blip r:embed="rId10"/>
+                  <a:stretch>
+                    <a:fillRect/>
+                  </a:stretch>
+                </a:blipFill>
+              </p:spPr>
+              <p:txBody>
+                <a:bodyPr/>
+                <a:lstStyle/>
+                <a:p>
+                  <a:r>
+                    <a:rPr lang="en-US">
+                      <a:noFill/>
+                    </a:rPr>
+                    <a:t> </a:t>
+                  </a:r>
+                </a:p>
+              </p:txBody>
+            </p:sp>
+          </mc:Fallback>
+        </mc:AlternateContent>
+        <mc:AlternateContent xmlns:mc="http://schemas.openxmlformats.org/markup-compatibility/2006" xmlns:a14="http://schemas.microsoft.com/office/drawing/2010/main">
+          <mc:Choice Requires="a14">
+            <p:sp>
+              <p:nvSpPr>
+                <p:cNvPr id="14" name="Oval 13">
+                  <a:extLst>
+                    <a:ext uri="{FF2B5EF4-FFF2-40B4-BE49-F238E27FC236}">
+                      <a16:creationId xmlns:a16="http://schemas.microsoft.com/office/drawing/2014/main" id="{6FBFBCF6-513E-061B-23D5-0E53DD011024}"/>
+                    </a:ext>
+                  </a:extLst>
+                </p:cNvPr>
+                <p:cNvSpPr/>
+                <p:nvPr/>
+              </p:nvSpPr>
+              <p:spPr>
+                <a:xfrm>
+                  <a:off x="9486319" y="5112043"/>
+                  <a:ext cx="469904" cy="420476"/>
+                </a:xfrm>
+                <a:prstGeom prst="ellipse">
+                  <a:avLst/>
+                </a:prstGeom>
+                <a:solidFill>
+                  <a:schemeClr val="accent6"/>
+                </a:solidFill>
+                <a:ln>
+                  <a:noFill/>
+                </a:ln>
+              </p:spPr>
+              <p:style>
+                <a:lnRef idx="0">
+                  <a:scrgbClr r="0" g="0" b="0"/>
+                </a:lnRef>
+                <a:fillRef idx="0">
+                  <a:scrgbClr r="0" g="0" b="0"/>
+                </a:fillRef>
+                <a:effectRef idx="0">
+                  <a:scrgbClr r="0" g="0" b="0"/>
+                </a:effectRef>
+                <a:fontRef idx="minor">
+                  <a:schemeClr val="lt1"/>
+                </a:fontRef>
+              </p:style>
+              <p:txBody>
+                <a:bodyPr rtlCol="0" anchor="ctr"/>
+                <a:lstStyle/>
+                <a:p>
+                  <a:pPr algn="ctr"/>
+                  <a14:m>
+                    <m:oMathPara xmlns:m="http://schemas.openxmlformats.org/officeDocument/2006/math">
+                      <m:oMathParaPr>
+                        <m:jc m:val="centerGroup"/>
+                      </m:oMathParaPr>
+                      <m:oMath xmlns:m="http://schemas.openxmlformats.org/officeDocument/2006/math">
+                        <m:sSub>
+                          <m:sSubPr>
+                            <m:ctrlPr>
+                              <a:rPr lang="en-US" sz="1050" b="1" i="1" smtClean="0">
+                                <a:latin typeface="Cambria Math" panose="02040503050406030204" pitchFamily="18" charset="0"/>
+                              </a:rPr>
+                            </m:ctrlPr>
+                          </m:sSubPr>
+                          <m:e>
+                            <m:r>
+                              <a:rPr lang="en-US" sz="1050" b="1" i="1" smtClean="0">
+                                <a:latin typeface="Cambria Math" panose="02040503050406030204" pitchFamily="18" charset="0"/>
+                              </a:rPr>
+                              <m:t>𝒔</m:t>
+                            </m:r>
+                          </m:e>
+                          <m:sub>
+                            <m:r>
+                              <a:rPr lang="en-US" sz="1050" b="1" i="1" smtClean="0">
+                                <a:latin typeface="Cambria Math" panose="02040503050406030204" pitchFamily="18" charset="0"/>
+                              </a:rPr>
+                              <m:t>𝑻</m:t>
+                            </m:r>
+                            <m:r>
+                              <a:rPr lang="en-US" sz="1050" b="1" i="1" smtClean="0">
+                                <a:latin typeface="Cambria Math" panose="02040503050406030204" pitchFamily="18" charset="0"/>
+                              </a:rPr>
+                              <m:t>−</m:t>
+                            </m:r>
+                            <m:r>
+                              <a:rPr lang="en-US" sz="1050" b="1" i="1" smtClean="0">
+                                <a:latin typeface="Cambria Math" panose="02040503050406030204" pitchFamily="18" charset="0"/>
+                              </a:rPr>
+                              <m:t>𝟏</m:t>
+                            </m:r>
+                          </m:sub>
+                        </m:sSub>
+                      </m:oMath>
+                    </m:oMathPara>
+                  </a14:m>
+                  <a:endParaRPr lang="en-US" sz="1050" b="1" dirty="0"/>
+                </a:p>
+              </p:txBody>
+            </p:sp>
+          </mc:Choice>
+          <mc:Fallback xmlns="">
+            <p:sp>
+              <p:nvSpPr>
+                <p:cNvPr id="35" name="Oval 34">
+                  <a:extLst>
+                    <a:ext uri="{FF2B5EF4-FFF2-40B4-BE49-F238E27FC236}">
+                      <a16:creationId xmlns:a16="http://schemas.microsoft.com/office/drawing/2014/main" id="{184B3153-E284-5373-1874-161F9BBBE2E6}"/>
+                    </a:ext>
+                  </a:extLst>
+                </p:cNvPr>
+                <p:cNvSpPr>
+                  <a:spLocks noRot="1" noChangeAspect="1" noMove="1" noResize="1" noEditPoints="1" noAdjustHandles="1" noChangeArrowheads="1" noChangeShapeType="1" noTextEdit="1"/>
+                </p:cNvSpPr>
+                <p:nvPr/>
+              </p:nvSpPr>
+              <p:spPr>
+                <a:xfrm>
+                  <a:off x="9486319" y="5112043"/>
+                  <a:ext cx="469904" cy="420476"/>
+                </a:xfrm>
+                <a:prstGeom prst="ellipse">
+                  <a:avLst/>
+                </a:prstGeom>
+                <a:blipFill>
+                  <a:blip r:embed="rId11"/>
+                  <a:stretch>
+                    <a:fillRect/>
+                  </a:stretch>
+                </a:blipFill>
+                <a:ln>
+                  <a:noFill/>
+                </a:ln>
+              </p:spPr>
+              <p:txBody>
+                <a:bodyPr/>
+                <a:lstStyle/>
+                <a:p>
+                  <a:r>
+                    <a:rPr lang="en-US">
+                      <a:noFill/>
+                    </a:rPr>
+                    <a:t> </a:t>
+                  </a:r>
+                </a:p>
+              </p:txBody>
+            </p:sp>
+          </mc:Fallback>
+        </mc:AlternateContent>
+        <mc:AlternateContent xmlns:mc="http://schemas.openxmlformats.org/markup-compatibility/2006" xmlns:a14="http://schemas.microsoft.com/office/drawing/2010/main">
+          <mc:Choice Requires="a14">
+            <p:sp>
+              <p:nvSpPr>
+                <p:cNvPr id="15" name="Oval 14">
+                  <a:extLst>
+                    <a:ext uri="{FF2B5EF4-FFF2-40B4-BE49-F238E27FC236}">
+                      <a16:creationId xmlns:a16="http://schemas.microsoft.com/office/drawing/2014/main" id="{F203C455-8AC2-1BC5-97E1-54EC6F3C7B33}"/>
+                    </a:ext>
+                  </a:extLst>
+                </p:cNvPr>
+                <p:cNvSpPr/>
+                <p:nvPr/>
+              </p:nvSpPr>
+              <p:spPr>
+                <a:xfrm>
+                  <a:off x="10248324" y="5112043"/>
+                  <a:ext cx="469904" cy="420476"/>
+                </a:xfrm>
+                <a:prstGeom prst="ellipse">
+                  <a:avLst/>
+                </a:prstGeom>
+                <a:solidFill>
+                  <a:schemeClr val="accent6"/>
+                </a:solidFill>
+                <a:ln>
+                  <a:noFill/>
+                </a:ln>
+              </p:spPr>
+              <p:style>
+                <a:lnRef idx="0">
+                  <a:scrgbClr r="0" g="0" b="0"/>
+                </a:lnRef>
+                <a:fillRef idx="0">
+                  <a:scrgbClr r="0" g="0" b="0"/>
+                </a:fillRef>
+                <a:effectRef idx="0">
+                  <a:scrgbClr r="0" g="0" b="0"/>
+                </a:effectRef>
+                <a:fontRef idx="minor">
+                  <a:schemeClr val="lt1"/>
+                </a:fontRef>
+              </p:style>
+              <p:txBody>
+                <a:bodyPr rtlCol="0" anchor="ctr"/>
+                <a:lstStyle/>
+                <a:p>
+                  <a:pPr algn="ctr"/>
+                  <a14:m>
+                    <m:oMathPara xmlns:m="http://schemas.openxmlformats.org/officeDocument/2006/math">
+                      <m:oMathParaPr>
+                        <m:jc m:val="centerGroup"/>
+                      </m:oMathParaPr>
+                      <m:oMath xmlns:m="http://schemas.openxmlformats.org/officeDocument/2006/math">
+                        <m:sSub>
+                          <m:sSubPr>
+                            <m:ctrlPr>
+                              <a:rPr lang="en-US" sz="1050" b="1" i="1" smtClean="0">
+                                <a:latin typeface="Cambria Math" panose="02040503050406030204" pitchFamily="18" charset="0"/>
+                              </a:rPr>
+                            </m:ctrlPr>
+                          </m:sSubPr>
+                          <m:e>
+                            <m:r>
+                              <a:rPr lang="en-US" sz="1050" b="1" i="1" smtClean="0">
+                                <a:latin typeface="Cambria Math" panose="02040503050406030204" pitchFamily="18" charset="0"/>
+                              </a:rPr>
+                              <m:t>𝒔</m:t>
+                            </m:r>
+                          </m:e>
+                          <m:sub>
+                            <m:r>
+                              <a:rPr lang="en-US" sz="1050" b="1" i="1" smtClean="0">
+                                <a:latin typeface="Cambria Math" panose="02040503050406030204" pitchFamily="18" charset="0"/>
+                              </a:rPr>
+                              <m:t>𝑻</m:t>
+                            </m:r>
+                          </m:sub>
+                        </m:sSub>
+                      </m:oMath>
+                    </m:oMathPara>
+                  </a14:m>
+                  <a:endParaRPr lang="en-US" sz="1050" b="1" dirty="0"/>
+                </a:p>
+              </p:txBody>
+            </p:sp>
+          </mc:Choice>
+          <mc:Fallback xmlns="">
+            <p:sp>
+              <p:nvSpPr>
+                <p:cNvPr id="36" name="Oval 35">
+                  <a:extLst>
+                    <a:ext uri="{FF2B5EF4-FFF2-40B4-BE49-F238E27FC236}">
+                      <a16:creationId xmlns:a16="http://schemas.microsoft.com/office/drawing/2014/main" id="{B233F091-222B-2527-E8FD-32E3F96A23D2}"/>
+                    </a:ext>
+                  </a:extLst>
+                </p:cNvPr>
+                <p:cNvSpPr>
+                  <a:spLocks noRot="1" noChangeAspect="1" noMove="1" noResize="1" noEditPoints="1" noAdjustHandles="1" noChangeArrowheads="1" noChangeShapeType="1" noTextEdit="1"/>
+                </p:cNvSpPr>
+                <p:nvPr/>
+              </p:nvSpPr>
+              <p:spPr>
+                <a:xfrm>
+                  <a:off x="10248324" y="5112043"/>
+                  <a:ext cx="469904" cy="420476"/>
+                </a:xfrm>
+                <a:prstGeom prst="ellipse">
+                  <a:avLst/>
+                </a:prstGeom>
+                <a:blipFill>
+                  <a:blip r:embed="rId12"/>
+                  <a:stretch>
+                    <a:fillRect/>
+                  </a:stretch>
+                </a:blipFill>
+                <a:ln>
+                  <a:noFill/>
+                </a:ln>
+              </p:spPr>
+              <p:txBody>
+                <a:bodyPr/>
+                <a:lstStyle/>
+                <a:p>
+                  <a:r>
+                    <a:rPr lang="en-US">
+                      <a:noFill/>
+                    </a:rPr>
+                    <a:t> </a:t>
+                  </a:r>
+                </a:p>
+              </p:txBody>
+            </p:sp>
+          </mc:Fallback>
+        </mc:AlternateContent>
+        <p:cxnSp>
+          <p:nvCxnSpPr>
+            <p:cNvPr id="19" name="Straight Arrow Connector 18">
+              <a:extLst>
+                <a:ext uri="{FF2B5EF4-FFF2-40B4-BE49-F238E27FC236}">
+                  <a16:creationId xmlns:a16="http://schemas.microsoft.com/office/drawing/2014/main" id="{6C09DEFB-FA84-E767-869E-B60BF9FE6B31}"/>
+                </a:ext>
+              </a:extLst>
+            </p:cNvPr>
+            <p:cNvCxnSpPr>
+              <a:cxnSpLocks/>
+            </p:cNvCxnSpPr>
+            <p:nvPr/>
+          </p:nvCxnSpPr>
+          <p:spPr>
+            <a:xfrm>
+              <a:off x="8613410" y="5315297"/>
+              <a:ext cx="213362" cy="0"/>
+            </a:xfrm>
+            <a:prstGeom prst="straightConnector1">
+              <a:avLst/>
+            </a:prstGeom>
+            <a:ln w="19050" cap="flat" cmpd="sng" algn="ctr">
+              <a:solidFill>
+                <a:schemeClr val="accent6"/>
+              </a:solidFill>
+              <a:prstDash val="solid"/>
+              <a:round/>
+              <a:headEnd type="none" w="med" len="med"/>
+              <a:tailEnd type="arrow" w="med" len="med"/>
+            </a:ln>
+          </p:spPr>
+          <p:style>
+            <a:lnRef idx="0">
+              <a:scrgbClr r="0" g="0" b="0"/>
+            </a:lnRef>
+            <a:fillRef idx="0">
+              <a:scrgbClr r="0" g="0" b="0"/>
+            </a:fillRef>
+            <a:effectRef idx="0">
+              <a:scrgbClr r="0" g="0" b="0"/>
+            </a:effectRef>
+            <a:fontRef idx="minor">
+              <a:schemeClr val="tx1"/>
+            </a:fontRef>
+          </p:style>
+        </p:cxnSp>
+        <p:cxnSp>
+          <p:nvCxnSpPr>
+            <p:cNvPr id="20" name="Straight Arrow Connector 19">
+              <a:extLst>
+                <a:ext uri="{FF2B5EF4-FFF2-40B4-BE49-F238E27FC236}">
+                  <a16:creationId xmlns:a16="http://schemas.microsoft.com/office/drawing/2014/main" id="{8CB5672D-9A64-0414-C4EE-76FE5BF390CC}"/>
+                </a:ext>
+              </a:extLst>
+            </p:cNvPr>
+            <p:cNvCxnSpPr>
+              <a:cxnSpLocks/>
+            </p:cNvCxnSpPr>
+            <p:nvPr/>
+          </p:nvCxnSpPr>
+          <p:spPr>
+            <a:xfrm>
+              <a:off x="9272957" y="5323898"/>
+              <a:ext cx="213362" cy="0"/>
+            </a:xfrm>
+            <a:prstGeom prst="straightConnector1">
+              <a:avLst/>
+            </a:prstGeom>
+            <a:ln w="19050" cap="flat" cmpd="sng" algn="ctr">
+              <a:solidFill>
+                <a:schemeClr val="accent6"/>
+              </a:solidFill>
+              <a:prstDash val="solid"/>
+              <a:round/>
+              <a:headEnd type="none" w="med" len="med"/>
+              <a:tailEnd type="arrow" w="med" len="med"/>
+            </a:ln>
+          </p:spPr>
+          <p:style>
+            <a:lnRef idx="0">
+              <a:scrgbClr r="0" g="0" b="0"/>
+            </a:lnRef>
+            <a:fillRef idx="0">
+              <a:scrgbClr r="0" g="0" b="0"/>
+            </a:fillRef>
+            <a:effectRef idx="0">
+              <a:scrgbClr r="0" g="0" b="0"/>
+            </a:effectRef>
+            <a:fontRef idx="minor">
+              <a:schemeClr val="tx1"/>
+            </a:fontRef>
+          </p:style>
+        </p:cxnSp>
+        <p:cxnSp>
+          <p:nvCxnSpPr>
+            <p:cNvPr id="21" name="Straight Arrow Connector 20">
+              <a:extLst>
+                <a:ext uri="{FF2B5EF4-FFF2-40B4-BE49-F238E27FC236}">
+                  <a16:creationId xmlns:a16="http://schemas.microsoft.com/office/drawing/2014/main" id="{B1452FE8-E2D9-6F0F-553A-0D3F10F02A25}"/>
+                </a:ext>
+              </a:extLst>
+            </p:cNvPr>
+            <p:cNvCxnSpPr>
+              <a:cxnSpLocks/>
+              <a:stCxn id="14" idx="6"/>
+              <a:endCxn id="15" idx="2"/>
+            </p:cNvCxnSpPr>
+            <p:nvPr/>
+          </p:nvCxnSpPr>
+          <p:spPr>
+            <a:xfrm>
+              <a:off x="9956223" y="5322281"/>
+              <a:ext cx="292101" cy="0"/>
+            </a:xfrm>
+            <a:prstGeom prst="straightConnector1">
+              <a:avLst/>
+            </a:prstGeom>
+            <a:ln w="19050" cap="flat" cmpd="sng" algn="ctr">
+              <a:solidFill>
+                <a:schemeClr val="accent6"/>
+              </a:solidFill>
+              <a:prstDash val="solid"/>
+              <a:round/>
+              <a:headEnd type="none" w="med" len="med"/>
+              <a:tailEnd type="arrow" w="med" len="med"/>
+            </a:ln>
+          </p:spPr>
+          <p:style>
+            <a:lnRef idx="0">
+              <a:scrgbClr r="0" g="0" b="0"/>
+            </a:lnRef>
+            <a:fillRef idx="0">
+              <a:scrgbClr r="0" g="0" b="0"/>
+            </a:fillRef>
+            <a:effectRef idx="0">
+              <a:scrgbClr r="0" g="0" b="0"/>
+            </a:effectRef>
+            <a:fontRef idx="minor">
+              <a:schemeClr val="tx1"/>
+            </a:fontRef>
+          </p:style>
+        </p:cxnSp>
+        <mc:AlternateContent xmlns:mc="http://schemas.openxmlformats.org/markup-compatibility/2006" xmlns:a14="http://schemas.microsoft.com/office/drawing/2010/main">
+          <mc:Choice Requires="a14">
+            <p:sp>
+              <p:nvSpPr>
+                <p:cNvPr id="25" name="TextBox 24">
+                  <a:extLst>
+                    <a:ext uri="{FF2B5EF4-FFF2-40B4-BE49-F238E27FC236}">
+                      <a16:creationId xmlns:a16="http://schemas.microsoft.com/office/drawing/2014/main" id="{2DCCE599-FE40-72E1-AD1A-A98E1D5F3D45}"/>
+                    </a:ext>
+                  </a:extLst>
+                </p:cNvPr>
+                <p:cNvSpPr txBox="1"/>
+                <p:nvPr/>
+              </p:nvSpPr>
+              <p:spPr>
+                <a:xfrm>
+                  <a:off x="10528564" y="4969482"/>
+                  <a:ext cx="408946" cy="261610"/>
+                </a:xfrm>
+                <a:prstGeom prst="rect">
+                  <a:avLst/>
+                </a:prstGeom>
+                <a:solidFill>
+                  <a:schemeClr val="accent2"/>
+                </a:solidFill>
+                <a:ln>
+                  <a:noFill/>
+                </a:ln>
+              </p:spPr>
+              <p:style>
+                <a:lnRef idx="0">
+                  <a:scrgbClr r="0" g="0" b="0"/>
+                </a:lnRef>
+                <a:fillRef idx="0">
+                  <a:scrgbClr r="0" g="0" b="0"/>
+                </a:fillRef>
+                <a:effectRef idx="0">
+                  <a:scrgbClr r="0" g="0" b="0"/>
+                </a:effectRef>
+                <a:fontRef idx="minor">
+                  <a:schemeClr val="lt1"/>
+                </a:fontRef>
+              </p:style>
+              <p:txBody>
+                <a:bodyPr wrap="square" lIns="0" rIns="0" rtlCol="0">
+                  <a:spAutoFit/>
+                </a:bodyPr>
+                <a:lstStyle/>
+                <a:p>
+                  <a:pPr/>
+                  <a14:m>
+                    <m:oMathPara xmlns:m="http://schemas.openxmlformats.org/officeDocument/2006/math">
+                      <m:oMathParaPr>
+                        <m:jc m:val="centerGroup"/>
+                      </m:oMathParaPr>
+                      <m:oMath xmlns:m="http://schemas.openxmlformats.org/officeDocument/2006/math">
+                        <m:r>
+                          <a:rPr lang="en-US" sz="1100" i="1" dirty="0" smtClean="0">
+                            <a:latin typeface="Cambria Math" panose="02040503050406030204" pitchFamily="18" charset="0"/>
+                          </a:rPr>
+                          <m:t>𝑈</m:t>
+                        </m:r>
+                        <m:r>
+                          <a:rPr lang="en-US" sz="1100" i="1" dirty="0" smtClean="0">
+                            <a:latin typeface="Cambria Math" panose="02040503050406030204" pitchFamily="18" charset="0"/>
+                          </a:rPr>
+                          <m:t>(</m:t>
+                        </m:r>
+                        <m:sSub>
+                          <m:sSubPr>
+                            <m:ctrlPr>
+                              <a:rPr lang="en-US" sz="1100" b="0" i="1" dirty="0" smtClean="0">
+                                <a:latin typeface="Cambria Math" panose="02040503050406030204" pitchFamily="18" charset="0"/>
+                              </a:rPr>
+                            </m:ctrlPr>
+                          </m:sSubPr>
+                          <m:e>
+                            <m:r>
+                              <a:rPr lang="en-US" sz="1100" i="1" dirty="0" smtClean="0">
+                                <a:latin typeface="Cambria Math" panose="02040503050406030204" pitchFamily="18" charset="0"/>
+                              </a:rPr>
+                              <m:t>𝑠</m:t>
+                            </m:r>
+                          </m:e>
+                          <m:sub>
+                            <m:r>
+                              <a:rPr lang="en-US" sz="1100" b="0" i="1" dirty="0" smtClean="0">
+                                <a:latin typeface="Cambria Math" panose="02040503050406030204" pitchFamily="18" charset="0"/>
+                              </a:rPr>
+                              <m:t>𝑇</m:t>
+                            </m:r>
+                          </m:sub>
+                        </m:sSub>
+                        <m:r>
+                          <a:rPr lang="en-US" sz="1100" i="1" dirty="0" smtClean="0">
+                            <a:latin typeface="Cambria Math" panose="02040503050406030204" pitchFamily="18" charset="0"/>
+                          </a:rPr>
+                          <m:t>)</m:t>
+                        </m:r>
+                      </m:oMath>
+                    </m:oMathPara>
+                  </a14:m>
+                  <a:endParaRPr lang="en-US" sz="1100" dirty="0"/>
+                </a:p>
+              </p:txBody>
+            </p:sp>
+          </mc:Choice>
+          <mc:Fallback xmlns="">
+            <p:sp>
+              <p:nvSpPr>
+                <p:cNvPr id="24" name="TextBox 23">
+                  <a:extLst>
+                    <a:ext uri="{FF2B5EF4-FFF2-40B4-BE49-F238E27FC236}">
+                      <a16:creationId xmlns:a16="http://schemas.microsoft.com/office/drawing/2014/main" id="{2C5FB4C0-2AFF-0061-DC42-77516964BCD6}"/>
+                    </a:ext>
+                  </a:extLst>
+                </p:cNvPr>
+                <p:cNvSpPr txBox="1">
+                  <a:spLocks noRot="1" noChangeAspect="1" noMove="1" noResize="1" noEditPoints="1" noAdjustHandles="1" noChangeArrowheads="1" noChangeShapeType="1" noTextEdit="1"/>
+                </p:cNvSpPr>
+                <p:nvPr/>
+              </p:nvSpPr>
+              <p:spPr>
+                <a:xfrm>
+                  <a:off x="10528564" y="4969482"/>
+                  <a:ext cx="408946" cy="261610"/>
+                </a:xfrm>
+                <a:prstGeom prst="rect">
+                  <a:avLst/>
+                </a:prstGeom>
+                <a:blipFill>
+                  <a:blip r:embed="rId13"/>
+                  <a:stretch>
+                    <a:fillRect l="-5970" r="-11940" b="-6977"/>
+                  </a:stretch>
+                </a:blipFill>
+                <a:ln>
+                  <a:noFill/>
+                </a:ln>
+              </p:spPr>
+              <p:txBody>
+                <a:bodyPr/>
+                <a:lstStyle/>
+                <a:p>
+                  <a:r>
+                    <a:rPr lang="en-US">
+                      <a:noFill/>
+                    </a:rPr>
+                    <a:t> </a:t>
+                  </a:r>
+                </a:p>
+              </p:txBody>
+            </p:sp>
+          </mc:Fallback>
+        </mc:AlternateContent>
+        <mc:AlternateContent xmlns:mc="http://schemas.openxmlformats.org/markup-compatibility/2006" xmlns:a14="http://schemas.microsoft.com/office/drawing/2010/main">
+          <mc:Choice Requires="a14">
+            <p:sp>
+              <p:nvSpPr>
+                <p:cNvPr id="26" name="TextBox 25">
+                  <a:extLst>
+                    <a:ext uri="{FF2B5EF4-FFF2-40B4-BE49-F238E27FC236}">
+                      <a16:creationId xmlns:a16="http://schemas.microsoft.com/office/drawing/2014/main" id="{99F3568A-553E-1FFF-EAAE-2BC77B3FD281}"/>
+                    </a:ext>
+                  </a:extLst>
+                </p:cNvPr>
+                <p:cNvSpPr txBox="1"/>
+                <p:nvPr/>
+              </p:nvSpPr>
+              <p:spPr>
+                <a:xfrm>
+                  <a:off x="9751068" y="4955552"/>
+                  <a:ext cx="497256" cy="261610"/>
+                </a:xfrm>
+                <a:prstGeom prst="rect">
+                  <a:avLst/>
+                </a:prstGeom>
+                <a:solidFill>
+                  <a:schemeClr val="accent2"/>
+                </a:solidFill>
+                <a:ln>
+                  <a:noFill/>
+                </a:ln>
+              </p:spPr>
+              <p:style>
+                <a:lnRef idx="0">
+                  <a:scrgbClr r="0" g="0" b="0"/>
+                </a:lnRef>
+                <a:fillRef idx="0">
+                  <a:scrgbClr r="0" g="0" b="0"/>
+                </a:fillRef>
+                <a:effectRef idx="0">
+                  <a:scrgbClr r="0" g="0" b="0"/>
+                </a:effectRef>
+                <a:fontRef idx="minor">
+                  <a:schemeClr val="lt1"/>
+                </a:fontRef>
+              </p:style>
+              <p:txBody>
+                <a:bodyPr wrap="square" lIns="0" rIns="0" rtlCol="0">
+                  <a:spAutoFit/>
+                </a:bodyPr>
+                <a:lstStyle/>
+                <a:p>
+                  <a:pPr/>
+                  <a14:m>
+                    <m:oMathPara xmlns:m="http://schemas.openxmlformats.org/officeDocument/2006/math">
+                      <m:oMathParaPr>
+                        <m:jc m:val="centerGroup"/>
+                      </m:oMathParaPr>
+                      <m:oMath xmlns:m="http://schemas.openxmlformats.org/officeDocument/2006/math">
+                        <m:r>
+                          <a:rPr lang="en-US" sz="1100" i="1" dirty="0" smtClean="0">
+                            <a:latin typeface="Cambria Math" panose="02040503050406030204" pitchFamily="18" charset="0"/>
+                          </a:rPr>
+                          <m:t>𝑈</m:t>
+                        </m:r>
+                        <m:r>
+                          <a:rPr lang="en-US" sz="1100" i="1" dirty="0" smtClean="0">
+                            <a:latin typeface="Cambria Math" panose="02040503050406030204" pitchFamily="18" charset="0"/>
+                          </a:rPr>
+                          <m:t>(</m:t>
+                        </m:r>
+                        <m:sSub>
+                          <m:sSubPr>
+                            <m:ctrlPr>
+                              <a:rPr lang="en-US" sz="1100" b="0" i="1" dirty="0" smtClean="0">
+                                <a:latin typeface="Cambria Math" panose="02040503050406030204" pitchFamily="18" charset="0"/>
+                              </a:rPr>
+                            </m:ctrlPr>
+                          </m:sSubPr>
+                          <m:e>
+                            <m:r>
+                              <a:rPr lang="en-US" sz="1100" i="1" dirty="0" smtClean="0">
+                                <a:latin typeface="Cambria Math" panose="02040503050406030204" pitchFamily="18" charset="0"/>
+                              </a:rPr>
+                              <m:t>𝑠</m:t>
+                            </m:r>
+                          </m:e>
+                          <m:sub>
+                            <m:r>
+                              <a:rPr lang="en-US" sz="1100" b="0" i="1" dirty="0" smtClean="0">
+                                <a:latin typeface="Cambria Math" panose="02040503050406030204" pitchFamily="18" charset="0"/>
+                              </a:rPr>
+                              <m:t>𝑇</m:t>
+                            </m:r>
+                            <m:r>
+                              <a:rPr lang="en-US" sz="1100" b="0" i="1" dirty="0" smtClean="0">
+                                <a:latin typeface="Cambria Math" panose="02040503050406030204" pitchFamily="18" charset="0"/>
+                              </a:rPr>
+                              <m:t>−1</m:t>
+                            </m:r>
+                          </m:sub>
+                        </m:sSub>
+                        <m:r>
+                          <a:rPr lang="en-US" sz="1100" i="1" dirty="0" smtClean="0">
+                            <a:latin typeface="Cambria Math" panose="02040503050406030204" pitchFamily="18" charset="0"/>
+                          </a:rPr>
+                          <m:t>)</m:t>
+                        </m:r>
+                      </m:oMath>
+                    </m:oMathPara>
+                  </a14:m>
+                  <a:endParaRPr lang="en-US" sz="1100" dirty="0"/>
+                </a:p>
+              </p:txBody>
+            </p:sp>
+          </mc:Choice>
+          <mc:Fallback xmlns="">
+            <p:sp>
+              <p:nvSpPr>
+                <p:cNvPr id="42" name="TextBox 41">
+                  <a:extLst>
+                    <a:ext uri="{FF2B5EF4-FFF2-40B4-BE49-F238E27FC236}">
+                      <a16:creationId xmlns:a16="http://schemas.microsoft.com/office/drawing/2014/main" id="{E32754EB-B033-4FB2-C534-C6D6E72B9105}"/>
+                    </a:ext>
+                  </a:extLst>
+                </p:cNvPr>
+                <p:cNvSpPr txBox="1">
+                  <a:spLocks noRot="1" noChangeAspect="1" noMove="1" noResize="1" noEditPoints="1" noAdjustHandles="1" noChangeArrowheads="1" noChangeShapeType="1" noTextEdit="1"/>
+                </p:cNvSpPr>
+                <p:nvPr/>
+              </p:nvSpPr>
+              <p:spPr>
+                <a:xfrm>
+                  <a:off x="9751068" y="4955552"/>
+                  <a:ext cx="497256" cy="261610"/>
+                </a:xfrm>
+                <a:prstGeom prst="rect">
+                  <a:avLst/>
+                </a:prstGeom>
+                <a:blipFill>
+                  <a:blip r:embed="rId14"/>
+                  <a:stretch>
+                    <a:fillRect l="-8642" r="-14815" b="-6977"/>
+                  </a:stretch>
+                </a:blipFill>
+                <a:ln>
+                  <a:noFill/>
+                </a:ln>
+              </p:spPr>
+              <p:txBody>
+                <a:bodyPr/>
+                <a:lstStyle/>
+                <a:p>
+                  <a:r>
+                    <a:rPr lang="en-US">
+                      <a:noFill/>
+                    </a:rPr>
+                    <a:t> </a:t>
+                  </a:r>
+                </a:p>
+              </p:txBody>
+            </p:sp>
+          </mc:Fallback>
+        </mc:AlternateContent>
+        <mc:AlternateContent xmlns:mc="http://schemas.openxmlformats.org/markup-compatibility/2006" xmlns:a14="http://schemas.microsoft.com/office/drawing/2010/main">
+          <mc:Choice Requires="a14">
+            <p:sp>
+              <p:nvSpPr>
+                <p:cNvPr id="27" name="TextBox 26">
+                  <a:extLst>
+                    <a:ext uri="{FF2B5EF4-FFF2-40B4-BE49-F238E27FC236}">
+                      <a16:creationId xmlns:a16="http://schemas.microsoft.com/office/drawing/2014/main" id="{2FC1AAC1-8D70-1FA9-3B2C-79DC7790C083}"/>
+                    </a:ext>
+                  </a:extLst>
+                </p:cNvPr>
+                <p:cNvSpPr txBox="1"/>
+                <p:nvPr/>
+              </p:nvSpPr>
+              <p:spPr>
+                <a:xfrm>
+                  <a:off x="8452280" y="4932015"/>
+                  <a:ext cx="408946" cy="261610"/>
+                </a:xfrm>
+                <a:prstGeom prst="rect">
+                  <a:avLst/>
+                </a:prstGeom>
+                <a:solidFill>
+                  <a:schemeClr val="accent2"/>
+                </a:solidFill>
+                <a:ln>
+                  <a:noFill/>
+                </a:ln>
+              </p:spPr>
+              <p:style>
+                <a:lnRef idx="0">
+                  <a:scrgbClr r="0" g="0" b="0"/>
+                </a:lnRef>
+                <a:fillRef idx="0">
+                  <a:scrgbClr r="0" g="0" b="0"/>
+                </a:fillRef>
+                <a:effectRef idx="0">
+                  <a:scrgbClr r="0" g="0" b="0"/>
+                </a:effectRef>
+                <a:fontRef idx="minor">
+                  <a:schemeClr val="lt1"/>
+                </a:fontRef>
+              </p:style>
+              <p:txBody>
+                <a:bodyPr wrap="square" lIns="0" rIns="0" rtlCol="0">
+                  <a:spAutoFit/>
+                </a:bodyPr>
+                <a:lstStyle/>
+                <a:p>
+                  <a:pPr/>
+                  <a14:m>
+                    <m:oMathPara xmlns:m="http://schemas.openxmlformats.org/officeDocument/2006/math">
+                      <m:oMathParaPr>
+                        <m:jc m:val="centerGroup"/>
+                      </m:oMathParaPr>
+                      <m:oMath xmlns:m="http://schemas.openxmlformats.org/officeDocument/2006/math">
+                        <m:r>
+                          <a:rPr lang="en-US" sz="1100" i="1" dirty="0" smtClean="0">
+                            <a:latin typeface="Cambria Math" panose="02040503050406030204" pitchFamily="18" charset="0"/>
+                          </a:rPr>
+                          <m:t>𝑈</m:t>
+                        </m:r>
+                        <m:r>
+                          <a:rPr lang="en-US" sz="1100" i="1" dirty="0" smtClean="0">
+                            <a:latin typeface="Cambria Math" panose="02040503050406030204" pitchFamily="18" charset="0"/>
+                          </a:rPr>
+                          <m:t>(</m:t>
+                        </m:r>
+                        <m:sSub>
+                          <m:sSubPr>
+                            <m:ctrlPr>
+                              <a:rPr lang="en-US" sz="1100" b="0" i="1" dirty="0" smtClean="0">
+                                <a:latin typeface="Cambria Math" panose="02040503050406030204" pitchFamily="18" charset="0"/>
+                              </a:rPr>
+                            </m:ctrlPr>
+                          </m:sSubPr>
+                          <m:e>
+                            <m:r>
+                              <a:rPr lang="en-US" sz="1100" i="1" dirty="0" smtClean="0">
+                                <a:latin typeface="Cambria Math" panose="02040503050406030204" pitchFamily="18" charset="0"/>
+                              </a:rPr>
+                              <m:t>𝑠</m:t>
+                            </m:r>
+                          </m:e>
+                          <m:sub>
+                            <m:r>
+                              <a:rPr lang="en-US" sz="1100" b="0" i="1" dirty="0" smtClean="0">
+                                <a:latin typeface="Cambria Math" panose="02040503050406030204" pitchFamily="18" charset="0"/>
+                              </a:rPr>
+                              <m:t>1</m:t>
+                            </m:r>
+                          </m:sub>
+                        </m:sSub>
+                        <m:r>
+                          <a:rPr lang="en-US" sz="1100" i="1" dirty="0" smtClean="0">
+                            <a:latin typeface="Cambria Math" panose="02040503050406030204" pitchFamily="18" charset="0"/>
+                          </a:rPr>
+                          <m:t>)</m:t>
+                        </m:r>
+                      </m:oMath>
+                    </m:oMathPara>
+                  </a14:m>
+                  <a:endParaRPr lang="en-US" sz="1100" dirty="0"/>
+                </a:p>
+              </p:txBody>
+            </p:sp>
+          </mc:Choice>
+          <mc:Fallback xmlns="">
+            <p:sp>
+              <p:nvSpPr>
+                <p:cNvPr id="43" name="TextBox 42">
+                  <a:extLst>
+                    <a:ext uri="{FF2B5EF4-FFF2-40B4-BE49-F238E27FC236}">
+                      <a16:creationId xmlns:a16="http://schemas.microsoft.com/office/drawing/2014/main" id="{7CC8E0D5-87F4-1E5F-FD8E-76FE513D5157}"/>
+                    </a:ext>
+                  </a:extLst>
+                </p:cNvPr>
+                <p:cNvSpPr txBox="1">
+                  <a:spLocks noRot="1" noChangeAspect="1" noMove="1" noResize="1" noEditPoints="1" noAdjustHandles="1" noChangeArrowheads="1" noChangeShapeType="1" noTextEdit="1"/>
+                </p:cNvSpPr>
+                <p:nvPr/>
+              </p:nvSpPr>
+              <p:spPr>
+                <a:xfrm>
+                  <a:off x="8452280" y="4932015"/>
+                  <a:ext cx="408946" cy="261610"/>
+                </a:xfrm>
+                <a:prstGeom prst="rect">
+                  <a:avLst/>
+                </a:prstGeom>
+                <a:blipFill>
+                  <a:blip r:embed="rId15"/>
+                  <a:stretch>
+                    <a:fillRect l="-2985" r="-8955" b="-6977"/>
+                  </a:stretch>
+                </a:blipFill>
+                <a:ln>
+                  <a:noFill/>
+                </a:ln>
+              </p:spPr>
+              <p:txBody>
+                <a:bodyPr/>
+                <a:lstStyle/>
+                <a:p>
+                  <a:r>
+                    <a:rPr lang="en-US">
+                      <a:noFill/>
+                    </a:rPr>
+                    <a:t> </a:t>
+                  </a:r>
+                </a:p>
+              </p:txBody>
+            </p:sp>
+          </mc:Fallback>
+        </mc:AlternateContent>
+        <p:sp>
+          <p:nvSpPr>
+            <p:cNvPr id="28" name="TextBox 27">
+              <a:extLst>
+                <a:ext uri="{FF2B5EF4-FFF2-40B4-BE49-F238E27FC236}">
+                  <a16:creationId xmlns:a16="http://schemas.microsoft.com/office/drawing/2014/main" id="{30785A82-FD16-F409-4004-53089B898BE4}"/>
+                </a:ext>
+              </a:extLst>
+            </p:cNvPr>
+            <p:cNvSpPr txBox="1"/>
+            <p:nvPr/>
+          </p:nvSpPr>
+          <p:spPr>
+            <a:xfrm>
+              <a:off x="8825225" y="4920035"/>
+              <a:ext cx="469904" cy="584775"/>
+            </a:xfrm>
+            <a:prstGeom prst="rect">
+              <a:avLst/>
+            </a:prstGeom>
+            <a:noFill/>
+          </p:spPr>
+          <p:txBody>
+            <a:bodyPr wrap="square" rtlCol="0">
+              <a:spAutoFit/>
+            </a:bodyPr>
+            <a:lstStyle/>
+            <a:p>
+              <a:r>
+                <a:rPr lang="en-US" sz="3200" dirty="0">
+                  <a:solidFill>
+                    <a:schemeClr val="accent6"/>
+                  </a:solidFill>
+                </a:rPr>
+                <a:t>…</a:t>
+              </a:r>
+            </a:p>
+          </p:txBody>
+        </p:sp>
+        <mc:AlternateContent xmlns:mc="http://schemas.openxmlformats.org/markup-compatibility/2006" xmlns:a14="http://schemas.microsoft.com/office/drawing/2010/main">
+          <mc:Choice Requires="a14">
+            <p:sp>
+              <p:nvSpPr>
+                <p:cNvPr id="29" name="TextBox 28">
+                  <a:extLst>
+                    <a:ext uri="{FF2B5EF4-FFF2-40B4-BE49-F238E27FC236}">
+                      <a16:creationId xmlns:a16="http://schemas.microsoft.com/office/drawing/2014/main" id="{4FEC43FF-8B35-4F4C-581E-4D70A16CB8EA}"/>
+                    </a:ext>
+                  </a:extLst>
+                </p:cNvPr>
+                <p:cNvSpPr txBox="1"/>
+                <p:nvPr/>
+              </p:nvSpPr>
+              <p:spPr>
+                <a:xfrm>
+                  <a:off x="8327999" y="5306213"/>
+                  <a:ext cx="751840" cy="246221"/>
+                </a:xfrm>
+                <a:prstGeom prst="rect">
+                  <a:avLst/>
+                </a:prstGeom>
+                <a:noFill/>
+              </p:spPr>
+              <p:txBody>
+                <a:bodyPr wrap="square" rtlCol="0">
+                  <a:spAutoFit/>
+                </a:bodyPr>
+                <a:lstStyle/>
+                <a:p>
+                  <a:pPr/>
+                  <a14:m>
+                    <m:oMathPara xmlns:m="http://schemas.openxmlformats.org/officeDocument/2006/math">
+                      <m:oMathParaPr>
+                        <m:jc m:val="centerGroup"/>
+                      </m:oMathParaPr>
+                      <m:oMath xmlns:m="http://schemas.openxmlformats.org/officeDocument/2006/math">
+                        <m:sSub>
+                          <m:sSubPr>
+                            <m:ctrlPr>
+                              <a:rPr lang="en-US" sz="1000" b="0" i="1" dirty="0" smtClean="0">
+                                <a:latin typeface="Cambria Math" panose="02040503050406030204" pitchFamily="18" charset="0"/>
+                              </a:rPr>
+                            </m:ctrlPr>
+                          </m:sSubPr>
+                          <m:e>
+                            <m:r>
+                              <a:rPr lang="en-US" sz="1000" i="1" dirty="0" smtClean="0">
+                                <a:latin typeface="Cambria Math" panose="02040503050406030204" pitchFamily="18" charset="0"/>
+                              </a:rPr>
+                              <m:t>𝑎</m:t>
+                            </m:r>
+                          </m:e>
+                          <m:sub>
+                            <m:r>
+                              <a:rPr lang="en-US" sz="1000" b="0" i="1" dirty="0" smtClean="0">
+                                <a:latin typeface="Cambria Math" panose="02040503050406030204" pitchFamily="18" charset="0"/>
+                              </a:rPr>
+                              <m:t>1</m:t>
+                            </m:r>
+                          </m:sub>
+                        </m:sSub>
+                      </m:oMath>
+                    </m:oMathPara>
+                  </a14:m>
+                  <a:endParaRPr lang="en-US" sz="1000" dirty="0"/>
+                </a:p>
+              </p:txBody>
+            </p:sp>
+          </mc:Choice>
+          <mc:Fallback xmlns="">
+            <p:sp>
+              <p:nvSpPr>
+                <p:cNvPr id="45" name="TextBox 44">
+                  <a:extLst>
+                    <a:ext uri="{FF2B5EF4-FFF2-40B4-BE49-F238E27FC236}">
+                      <a16:creationId xmlns:a16="http://schemas.microsoft.com/office/drawing/2014/main" id="{733B1CCA-C8B1-69EB-A31D-77F6AAB3D55E}"/>
+                    </a:ext>
+                  </a:extLst>
+                </p:cNvPr>
+                <p:cNvSpPr txBox="1">
+                  <a:spLocks noRot="1" noChangeAspect="1" noMove="1" noResize="1" noEditPoints="1" noAdjustHandles="1" noChangeArrowheads="1" noChangeShapeType="1" noTextEdit="1"/>
+                </p:cNvSpPr>
+                <p:nvPr/>
+              </p:nvSpPr>
+              <p:spPr>
+                <a:xfrm>
+                  <a:off x="8327999" y="5306213"/>
+                  <a:ext cx="751840" cy="246221"/>
+                </a:xfrm>
+                <a:prstGeom prst="rect">
+                  <a:avLst/>
+                </a:prstGeom>
+                <a:blipFill>
+                  <a:blip r:embed="rId16"/>
+                  <a:stretch>
+                    <a:fillRect/>
+                  </a:stretch>
+                </a:blipFill>
+              </p:spPr>
+              <p:txBody>
+                <a:bodyPr/>
+                <a:lstStyle/>
+                <a:p>
+                  <a:r>
+                    <a:rPr lang="en-US">
+                      <a:noFill/>
+                    </a:rPr>
+                    <a:t> </a:t>
+                  </a:r>
+                </a:p>
+              </p:txBody>
+            </p:sp>
+          </mc:Fallback>
+        </mc:AlternateContent>
+        <mc:AlternateContent xmlns:mc="http://schemas.openxmlformats.org/markup-compatibility/2006" xmlns:a14="http://schemas.microsoft.com/office/drawing/2010/main">
+          <mc:Choice Requires="a14">
+            <p:sp>
+              <p:nvSpPr>
+                <p:cNvPr id="31" name="TextBox 30">
+                  <a:extLst>
+                    <a:ext uri="{FF2B5EF4-FFF2-40B4-BE49-F238E27FC236}">
+                      <a16:creationId xmlns:a16="http://schemas.microsoft.com/office/drawing/2014/main" id="{BDB5329B-771F-5E30-28D2-41B38E57ED0A}"/>
+                    </a:ext>
+                  </a:extLst>
+                </p:cNvPr>
+                <p:cNvSpPr txBox="1"/>
+                <p:nvPr/>
+              </p:nvSpPr>
+              <p:spPr>
+                <a:xfrm>
+                  <a:off x="9726353" y="5299758"/>
+                  <a:ext cx="751840" cy="246221"/>
+                </a:xfrm>
+                <a:prstGeom prst="rect">
+                  <a:avLst/>
+                </a:prstGeom>
+                <a:noFill/>
+              </p:spPr>
+              <p:txBody>
+                <a:bodyPr wrap="square" rtlCol="0">
+                  <a:spAutoFit/>
+                </a:bodyPr>
+                <a:lstStyle/>
+                <a:p>
+                  <a:pPr/>
+                  <a14:m>
+                    <m:oMathPara xmlns:m="http://schemas.openxmlformats.org/officeDocument/2006/math">
+                      <m:oMathParaPr>
+                        <m:jc m:val="centerGroup"/>
+                      </m:oMathParaPr>
+                      <m:oMath xmlns:m="http://schemas.openxmlformats.org/officeDocument/2006/math">
+                        <m:sSub>
+                          <m:sSubPr>
+                            <m:ctrlPr>
+                              <a:rPr lang="en-US" sz="1000" b="0" i="1" dirty="0" smtClean="0">
+                                <a:latin typeface="Cambria Math" panose="02040503050406030204" pitchFamily="18" charset="0"/>
+                              </a:rPr>
+                            </m:ctrlPr>
+                          </m:sSubPr>
+                          <m:e>
+                            <m:r>
+                              <a:rPr lang="en-US" sz="1000" i="1" dirty="0" smtClean="0">
+                                <a:latin typeface="Cambria Math" panose="02040503050406030204" pitchFamily="18" charset="0"/>
+                              </a:rPr>
+                              <m:t>𝑎</m:t>
+                            </m:r>
+                          </m:e>
+                          <m:sub>
+                            <m:r>
+                              <a:rPr lang="en-US" sz="1000" b="0" i="1" dirty="0" smtClean="0">
+                                <a:latin typeface="Cambria Math" panose="02040503050406030204" pitchFamily="18" charset="0"/>
+                              </a:rPr>
+                              <m:t>𝑇</m:t>
+                            </m:r>
+                            <m:r>
+                              <a:rPr lang="en-US" sz="1000" b="0" i="1" dirty="0" smtClean="0">
+                                <a:latin typeface="Cambria Math" panose="02040503050406030204" pitchFamily="18" charset="0"/>
+                              </a:rPr>
+                              <m:t>−1</m:t>
+                            </m:r>
+                          </m:sub>
+                        </m:sSub>
+                      </m:oMath>
+                    </m:oMathPara>
+                  </a14:m>
+                  <a:endParaRPr lang="en-US" sz="1000" dirty="0"/>
+                </a:p>
+              </p:txBody>
+            </p:sp>
+          </mc:Choice>
+          <mc:Fallback xmlns="">
+            <p:sp>
+              <p:nvSpPr>
+                <p:cNvPr id="46" name="TextBox 45">
+                  <a:extLst>
+                    <a:ext uri="{FF2B5EF4-FFF2-40B4-BE49-F238E27FC236}">
+                      <a16:creationId xmlns:a16="http://schemas.microsoft.com/office/drawing/2014/main" id="{A75A1CC5-FC8C-1421-4D61-DC8CE629E4A9}"/>
+                    </a:ext>
+                  </a:extLst>
+                </p:cNvPr>
+                <p:cNvSpPr txBox="1">
+                  <a:spLocks noRot="1" noChangeAspect="1" noMove="1" noResize="1" noEditPoints="1" noAdjustHandles="1" noChangeArrowheads="1" noChangeShapeType="1" noTextEdit="1"/>
+                </p:cNvSpPr>
+                <p:nvPr/>
+              </p:nvSpPr>
+              <p:spPr>
+                <a:xfrm>
+                  <a:off x="9726353" y="5299758"/>
+                  <a:ext cx="751840" cy="246221"/>
+                </a:xfrm>
+                <a:prstGeom prst="rect">
+                  <a:avLst/>
+                </a:prstGeom>
+                <a:blipFill>
+                  <a:blip r:embed="rId17"/>
+                  <a:stretch>
+                    <a:fillRect/>
+                  </a:stretch>
+                </a:blipFill>
+              </p:spPr>
+              <p:txBody>
+                <a:bodyPr/>
+                <a:lstStyle/>
+                <a:p>
+                  <a:r>
+                    <a:rPr lang="en-US">
+                      <a:noFill/>
+                    </a:rPr>
+                    <a:t> </a:t>
+                  </a:r>
+                </a:p>
+              </p:txBody>
+            </p:sp>
+          </mc:Fallback>
+        </mc:AlternateContent>
+      </p:grpSp>
+      <p:sp>
+        <p:nvSpPr>
+          <p:cNvPr id="34" name="Right Brace 33">
+            <a:extLst>
+              <a:ext uri="{FF2B5EF4-FFF2-40B4-BE49-F238E27FC236}">
+                <a16:creationId xmlns:a16="http://schemas.microsoft.com/office/drawing/2014/main" id="{07C6B901-5170-BBE6-2526-33098ADC9726}"/>
+              </a:ext>
+            </a:extLst>
+          </p:cNvPr>
+          <p:cNvSpPr/>
+          <p:nvPr/>
+        </p:nvSpPr>
+        <p:spPr>
+          <a:xfrm rot="16200000">
+            <a:off x="8165914" y="3195632"/>
+            <a:ext cx="182026" cy="664255"/>
+          </a:xfrm>
+          <a:prstGeom prst="rightBrace">
+            <a:avLst/>
+          </a:prstGeom>
+        </p:spPr>
+        <p:style>
+          <a:lnRef idx="1">
+            <a:schemeClr val="accent1"/>
+          </a:lnRef>
+          <a:fillRef idx="0">
+            <a:schemeClr val="accent1"/>
+          </a:fillRef>
+          <a:effectRef idx="0">
+            <a:schemeClr val="accent1"/>
+          </a:effectRef>
+          <a:fontRef idx="minor">
+            <a:schemeClr val="tx1"/>
+          </a:fontRef>
+        </p:style>
+        <p:txBody>
+          <a:bodyPr rtlCol="0" anchor="ctr"/>
+          <a:lstStyle/>
+          <a:p>
+            <a:pPr algn="ctr"/>
+            <a:endParaRPr lang="en-US"/>
+          </a:p>
+        </p:txBody>
+      </p:sp>
+      <mc:AlternateContent xmlns:mc="http://schemas.openxmlformats.org/markup-compatibility/2006">
+        <mc:Choice xmlns:a14="http://schemas.microsoft.com/office/drawing/2010/main" Requires="a14">
+          <p:sp>
+            <p:nvSpPr>
+              <p:cNvPr id="35" name="TextBox 34">
+                <a:extLst>
+                  <a:ext uri="{FF2B5EF4-FFF2-40B4-BE49-F238E27FC236}">
+                    <a16:creationId xmlns:a16="http://schemas.microsoft.com/office/drawing/2014/main" id="{7EB2EB76-52D0-5D81-2A08-1A15071E68AA}"/>
+                  </a:ext>
+                </a:extLst>
+              </p:cNvPr>
+              <p:cNvSpPr txBox="1"/>
+              <p:nvPr/>
+            </p:nvSpPr>
+            <p:spPr>
+              <a:xfrm>
+                <a:off x="8077200" y="3066610"/>
+                <a:ext cx="304800" cy="369332"/>
+              </a:xfrm>
+              <a:prstGeom prst="rect">
+                <a:avLst/>
+              </a:prstGeom>
+              <a:noFill/>
+            </p:spPr>
+            <p:txBody>
+              <a:bodyPr wrap="square" rtlCol="0">
+                <a:spAutoFit/>
+              </a:bodyPr>
+              <a:lstStyle/>
+              <a:p>
+                <a14:m>
+                  <m:oMathPara xmlns:m="http://schemas.openxmlformats.org/officeDocument/2006/math">
+                    <m:oMathParaPr>
+                      <m:jc m:val="centerGroup"/>
+                    </m:oMathParaPr>
+                    <m:oMath xmlns:m="http://schemas.openxmlformats.org/officeDocument/2006/math">
+                      <m:sSub>
+                        <m:sSubPr>
+                          <m:ctrlPr>
+                            <a:rPr lang="en-US" b="0" i="1" smtClean="0">
+                              <a:latin typeface="Cambria Math" panose="02040503050406030204" pitchFamily="18" charset="0"/>
+                            </a:rPr>
+                          </m:ctrlPr>
+                        </m:sSubPr>
+                        <m:e>
+                          <m:r>
+                            <a:rPr lang="en-US" b="0" i="1" smtClean="0">
+                              <a:latin typeface="Cambria Math" panose="02040503050406030204" pitchFamily="18" charset="0"/>
+                            </a:rPr>
+                            <m:t>𝑠</m:t>
+                          </m:r>
+                        </m:e>
+                        <m:sub>
+                          <m:r>
+                            <a:rPr lang="en-US" b="0" i="1" smtClean="0">
+                              <a:latin typeface="Cambria Math" panose="02040503050406030204" pitchFamily="18" charset="0"/>
+                            </a:rPr>
+                            <m:t>0</m:t>
+                          </m:r>
+                        </m:sub>
+                      </m:sSub>
+                    </m:oMath>
+                  </m:oMathPara>
+                </a14:m>
+                <a:endParaRPr lang="en-US" dirty="0"/>
+              </a:p>
+            </p:txBody>
+          </p:sp>
+        </mc:Choice>
+        <mc:Fallback>
+          <p:sp>
+            <p:nvSpPr>
+              <p:cNvPr id="35" name="TextBox 34">
+                <a:extLst>
+                  <a:ext uri="{FF2B5EF4-FFF2-40B4-BE49-F238E27FC236}">
+                    <a16:creationId xmlns:a16="http://schemas.microsoft.com/office/drawing/2014/main" id="{7EB2EB76-52D0-5D81-2A08-1A15071E68AA}"/>
+                  </a:ext>
+                </a:extLst>
+              </p:cNvPr>
+              <p:cNvSpPr txBox="1">
+                <a:spLocks noRot="1" noChangeAspect="1" noMove="1" noResize="1" noEditPoints="1" noAdjustHandles="1" noChangeArrowheads="1" noChangeShapeType="1" noTextEdit="1"/>
+              </p:cNvSpPr>
+              <p:nvPr/>
+            </p:nvSpPr>
+            <p:spPr>
+              <a:xfrm>
+                <a:off x="8077200" y="3066610"/>
+                <a:ext cx="304800" cy="369332"/>
+              </a:xfrm>
+              <a:prstGeom prst="rect">
+                <a:avLst/>
+              </a:prstGeom>
+              <a:blipFill>
+                <a:blip r:embed="rId18"/>
+                <a:stretch>
+                  <a:fillRect r="-14000"/>
+                </a:stretch>
+              </a:blipFill>
+            </p:spPr>
+            <p:txBody>
+              <a:bodyPr/>
+              <a:lstStyle/>
+              <a:p>
+                <a:r>
+                  <a:rPr lang="en-US">
+                    <a:noFill/>
+                  </a:rPr>
+                  <a:t> </a:t>
+                </a:r>
+              </a:p>
+            </p:txBody>
+          </p:sp>
+        </mc:Fallback>
+      </mc:AlternateContent>
+      <p:sp>
+        <p:nvSpPr>
+          <p:cNvPr id="36" name="Right Brace 35">
+            <a:extLst>
+              <a:ext uri="{FF2B5EF4-FFF2-40B4-BE49-F238E27FC236}">
+                <a16:creationId xmlns:a16="http://schemas.microsoft.com/office/drawing/2014/main" id="{9FA6874C-BBDD-8A68-246B-1E5196C4C01E}"/>
+              </a:ext>
+            </a:extLst>
+          </p:cNvPr>
+          <p:cNvSpPr/>
+          <p:nvPr/>
+        </p:nvSpPr>
+        <p:spPr>
+          <a:xfrm rot="16200000">
+            <a:off x="9343505" y="3195632"/>
+            <a:ext cx="182026" cy="664255"/>
+          </a:xfrm>
+          <a:prstGeom prst="rightBrace">
+            <a:avLst/>
+          </a:prstGeom>
+        </p:spPr>
+        <p:style>
+          <a:lnRef idx="1">
+            <a:schemeClr val="accent1"/>
+          </a:lnRef>
+          <a:fillRef idx="0">
+            <a:schemeClr val="accent1"/>
+          </a:fillRef>
+          <a:effectRef idx="0">
+            <a:schemeClr val="accent1"/>
+          </a:effectRef>
+          <a:fontRef idx="minor">
+            <a:schemeClr val="tx1"/>
+          </a:fontRef>
+        </p:style>
+        <p:txBody>
+          <a:bodyPr rtlCol="0" anchor="ctr"/>
+          <a:lstStyle/>
+          <a:p>
+            <a:pPr algn="ctr"/>
+            <a:endParaRPr lang="en-US"/>
+          </a:p>
+        </p:txBody>
+      </p:sp>
+      <mc:AlternateContent xmlns:mc="http://schemas.openxmlformats.org/markup-compatibility/2006">
+        <mc:Choice xmlns:a14="http://schemas.microsoft.com/office/drawing/2010/main" Requires="a14">
+          <p:sp>
+            <p:nvSpPr>
+              <p:cNvPr id="37" name="TextBox 36">
+                <a:extLst>
+                  <a:ext uri="{FF2B5EF4-FFF2-40B4-BE49-F238E27FC236}">
+                    <a16:creationId xmlns:a16="http://schemas.microsoft.com/office/drawing/2014/main" id="{F2FA1918-676F-029B-F895-1731BCBEBA32}"/>
+                  </a:ext>
+                </a:extLst>
+              </p:cNvPr>
+              <p:cNvSpPr txBox="1"/>
+              <p:nvPr/>
+            </p:nvSpPr>
+            <p:spPr>
+              <a:xfrm>
+                <a:off x="9241745" y="3086674"/>
+                <a:ext cx="304800" cy="369332"/>
+              </a:xfrm>
+              <a:prstGeom prst="rect">
+                <a:avLst/>
+              </a:prstGeom>
+              <a:noFill/>
+            </p:spPr>
+            <p:txBody>
+              <a:bodyPr wrap="square" rtlCol="0">
+                <a:spAutoFit/>
+              </a:bodyPr>
+              <a:lstStyle/>
+              <a:p>
+                <a14:m>
+                  <m:oMathPara xmlns:m="http://schemas.openxmlformats.org/officeDocument/2006/math">
+                    <m:oMathParaPr>
+                      <m:jc m:val="centerGroup"/>
+                    </m:oMathParaPr>
+                    <m:oMath xmlns:m="http://schemas.openxmlformats.org/officeDocument/2006/math">
+                      <m:sSub>
+                        <m:sSubPr>
+                          <m:ctrlPr>
+                            <a:rPr lang="en-US" b="0" i="1" smtClean="0">
+                              <a:latin typeface="Cambria Math" panose="02040503050406030204" pitchFamily="18" charset="0"/>
+                            </a:rPr>
+                          </m:ctrlPr>
+                        </m:sSubPr>
+                        <m:e>
+                          <m:r>
+                            <a:rPr lang="en-US" b="0" i="1" smtClean="0">
+                              <a:latin typeface="Cambria Math" panose="02040503050406030204" pitchFamily="18" charset="0"/>
+                            </a:rPr>
+                            <m:t>𝑠</m:t>
+                          </m:r>
+                        </m:e>
+                        <m:sub>
+                          <m:r>
+                            <a:rPr lang="en-US" b="0" i="1" smtClean="0">
+                              <a:latin typeface="Cambria Math" panose="02040503050406030204" pitchFamily="18" charset="0"/>
+                            </a:rPr>
+                            <m:t>1</m:t>
+                          </m:r>
+                        </m:sub>
+                      </m:sSub>
+                    </m:oMath>
+                  </m:oMathPara>
+                </a14:m>
+                <a:endParaRPr lang="en-US" dirty="0"/>
+              </a:p>
+            </p:txBody>
+          </p:sp>
+        </mc:Choice>
+        <mc:Fallback>
+          <p:sp>
+            <p:nvSpPr>
+              <p:cNvPr id="37" name="TextBox 36">
+                <a:extLst>
+                  <a:ext uri="{FF2B5EF4-FFF2-40B4-BE49-F238E27FC236}">
+                    <a16:creationId xmlns:a16="http://schemas.microsoft.com/office/drawing/2014/main" id="{F2FA1918-676F-029B-F895-1731BCBEBA32}"/>
+                  </a:ext>
+                </a:extLst>
+              </p:cNvPr>
+              <p:cNvSpPr txBox="1">
+                <a:spLocks noRot="1" noChangeAspect="1" noMove="1" noResize="1" noEditPoints="1" noAdjustHandles="1" noChangeArrowheads="1" noChangeShapeType="1" noTextEdit="1"/>
+              </p:cNvSpPr>
+              <p:nvPr/>
+            </p:nvSpPr>
+            <p:spPr>
+              <a:xfrm>
+                <a:off x="9241745" y="3086674"/>
+                <a:ext cx="304800" cy="369332"/>
+              </a:xfrm>
+              <a:prstGeom prst="rect">
+                <a:avLst/>
+              </a:prstGeom>
+              <a:blipFill>
+                <a:blip r:embed="rId19"/>
+                <a:stretch>
+                  <a:fillRect r="-14000"/>
+                </a:stretch>
+              </a:blipFill>
+            </p:spPr>
+            <p:txBody>
+              <a:bodyPr/>
+              <a:lstStyle/>
+              <a:p>
+                <a:r>
+                  <a:rPr lang="en-US">
+                    <a:noFill/>
+                  </a:rPr>
+                  <a:t> </a:t>
+                </a:r>
+              </a:p>
+            </p:txBody>
+          </p:sp>
+        </mc:Fallback>
+      </mc:AlternateContent>
+      <p:sp>
+        <p:nvSpPr>
+          <p:cNvPr id="38" name="Right Brace 37">
+            <a:extLst>
+              <a:ext uri="{FF2B5EF4-FFF2-40B4-BE49-F238E27FC236}">
+                <a16:creationId xmlns:a16="http://schemas.microsoft.com/office/drawing/2014/main" id="{E85AFD14-6C43-16DC-C85D-B647BB3CDCC5}"/>
+              </a:ext>
+            </a:extLst>
+          </p:cNvPr>
+          <p:cNvSpPr/>
+          <p:nvPr/>
+        </p:nvSpPr>
+        <p:spPr>
+          <a:xfrm rot="16200000">
+            <a:off x="10533105" y="3189997"/>
+            <a:ext cx="182026" cy="664255"/>
+          </a:xfrm>
+          <a:prstGeom prst="rightBrace">
+            <a:avLst/>
+          </a:prstGeom>
+        </p:spPr>
+        <p:style>
+          <a:lnRef idx="1">
+            <a:schemeClr val="accent1"/>
+          </a:lnRef>
+          <a:fillRef idx="0">
+            <a:schemeClr val="accent1"/>
+          </a:fillRef>
+          <a:effectRef idx="0">
+            <a:schemeClr val="accent1"/>
+          </a:effectRef>
+          <a:fontRef idx="minor">
+            <a:schemeClr val="tx1"/>
+          </a:fontRef>
+        </p:style>
+        <p:txBody>
+          <a:bodyPr rtlCol="0" anchor="ctr"/>
+          <a:lstStyle/>
+          <a:p>
+            <a:pPr algn="ctr"/>
+            <a:endParaRPr lang="en-US"/>
+          </a:p>
+        </p:txBody>
+      </p:sp>
+      <mc:AlternateContent xmlns:mc="http://schemas.openxmlformats.org/markup-compatibility/2006">
+        <mc:Choice xmlns:a14="http://schemas.microsoft.com/office/drawing/2010/main" Requires="a14">
+          <p:sp>
+            <p:nvSpPr>
+              <p:cNvPr id="39" name="TextBox 38">
+                <a:extLst>
+                  <a:ext uri="{FF2B5EF4-FFF2-40B4-BE49-F238E27FC236}">
+                    <a16:creationId xmlns:a16="http://schemas.microsoft.com/office/drawing/2014/main" id="{103F5AA0-25C1-4C7E-8D3F-67A2238D82F9}"/>
+                  </a:ext>
+                </a:extLst>
+              </p:cNvPr>
+              <p:cNvSpPr txBox="1"/>
+              <p:nvPr/>
+            </p:nvSpPr>
+            <p:spPr>
+              <a:xfrm>
+                <a:off x="10419336" y="3067759"/>
+                <a:ext cx="304800" cy="369332"/>
+              </a:xfrm>
+              <a:prstGeom prst="rect">
+                <a:avLst/>
+              </a:prstGeom>
+              <a:noFill/>
+            </p:spPr>
+            <p:txBody>
+              <a:bodyPr wrap="square" rtlCol="0">
+                <a:spAutoFit/>
+              </a:bodyPr>
+              <a:lstStyle/>
+              <a:p>
+                <a14:m>
+                  <m:oMathPara xmlns:m="http://schemas.openxmlformats.org/officeDocument/2006/math">
+                    <m:oMathParaPr>
+                      <m:jc m:val="centerGroup"/>
+                    </m:oMathParaPr>
+                    <m:oMath xmlns:m="http://schemas.openxmlformats.org/officeDocument/2006/math">
+                      <m:sSub>
+                        <m:sSubPr>
+                          <m:ctrlPr>
+                            <a:rPr lang="en-US" b="0" i="1" smtClean="0">
+                              <a:latin typeface="Cambria Math" panose="02040503050406030204" pitchFamily="18" charset="0"/>
+                            </a:rPr>
+                          </m:ctrlPr>
+                        </m:sSubPr>
+                        <m:e>
+                          <m:r>
+                            <a:rPr lang="en-US" b="0" i="1" smtClean="0">
+                              <a:latin typeface="Cambria Math" panose="02040503050406030204" pitchFamily="18" charset="0"/>
+                            </a:rPr>
+                            <m:t>𝑠</m:t>
+                          </m:r>
+                        </m:e>
+                        <m:sub>
+                          <m:r>
+                            <a:rPr lang="en-US" b="0" i="1" smtClean="0">
+                              <a:latin typeface="Cambria Math" panose="02040503050406030204" pitchFamily="18" charset="0"/>
+                            </a:rPr>
+                            <m:t>2</m:t>
+                          </m:r>
+                        </m:sub>
+                      </m:sSub>
+                    </m:oMath>
+                  </m:oMathPara>
+                </a14:m>
+                <a:endParaRPr lang="en-US" dirty="0"/>
+              </a:p>
+            </p:txBody>
+          </p:sp>
+        </mc:Choice>
+        <mc:Fallback>
+          <p:sp>
+            <p:nvSpPr>
+              <p:cNvPr id="39" name="TextBox 38">
+                <a:extLst>
+                  <a:ext uri="{FF2B5EF4-FFF2-40B4-BE49-F238E27FC236}">
+                    <a16:creationId xmlns:a16="http://schemas.microsoft.com/office/drawing/2014/main" id="{103F5AA0-25C1-4C7E-8D3F-67A2238D82F9}"/>
+                  </a:ext>
+                </a:extLst>
+              </p:cNvPr>
+              <p:cNvSpPr txBox="1">
+                <a:spLocks noRot="1" noChangeAspect="1" noMove="1" noResize="1" noEditPoints="1" noAdjustHandles="1" noChangeArrowheads="1" noChangeShapeType="1" noTextEdit="1"/>
+              </p:cNvSpPr>
+              <p:nvPr/>
+            </p:nvSpPr>
+            <p:spPr>
+              <a:xfrm>
+                <a:off x="10419336" y="3067759"/>
+                <a:ext cx="304800" cy="369332"/>
+              </a:xfrm>
+              <a:prstGeom prst="rect">
+                <a:avLst/>
+              </a:prstGeom>
+              <a:blipFill>
+                <a:blip r:embed="rId20"/>
+                <a:stretch>
+                  <a:fillRect r="-16000"/>
                 </a:stretch>
               </a:blipFill>
             </p:spPr>
@@ -21630,8 +25657,8 @@
           </a:p>
         </p:txBody>
       </p:sp>
-      <mc:AlternateContent xmlns:mc="http://schemas.openxmlformats.org/markup-compatibility/2006" xmlns:a14="http://schemas.microsoft.com/office/drawing/2010/main">
-        <mc:Choice Requires="a14">
+      <mc:AlternateContent xmlns:mc="http://schemas.openxmlformats.org/markup-compatibility/2006">
+        <mc:Choice xmlns:a14="http://schemas.microsoft.com/office/drawing/2010/main" Requires="a14">
           <p:sp>
             <p:nvSpPr>
               <p:cNvPr id="3" name="Content Placeholder 2">
@@ -22188,7 +26215,7 @@
                 </a14:m>
                 <a:r>
                   <a:rPr lang="en-US" dirty="0"/>
-                  <a:t>is used)</a:t>
+                  <a:t>is used to make modelling easier)</a:t>
                 </a:r>
               </a:p>
               <a:p>
@@ -22228,7 +26255,7 @@
             </p:txBody>
           </p:sp>
         </mc:Choice>
-        <mc:Fallback xmlns="">
+        <mc:Fallback>
           <p:sp>
             <p:nvSpPr>
               <p:cNvPr id="3" name="Content Placeholder 2">
@@ -24119,8 +28146,8 @@
           </a:p>
         </p:txBody>
       </p:sp>
-      <mc:AlternateContent xmlns:mc="http://schemas.openxmlformats.org/markup-compatibility/2006" xmlns:a14="http://schemas.microsoft.com/office/drawing/2010/main">
-        <mc:Choice Requires="a14">
+      <mc:AlternateContent xmlns:mc="http://schemas.openxmlformats.org/markup-compatibility/2006">
+        <mc:Choice xmlns:a14="http://schemas.microsoft.com/office/drawing/2010/main" Requires="a14">
           <p:sp>
             <p:nvSpPr>
               <p:cNvPr id="3" name="Content Placeholder 2">
@@ -24184,7 +28211,7 @@
                 </a:br>
                 <a:r>
                   <a:rPr lang="en-US" dirty="0"/>
-                  <a:t>For each square: determine what direction should we try to go to maximize the total utility?</a:t>
+                  <a:t>For each square: determine what direction should we try to go to maximize the expected total utility?</a:t>
                 </a:r>
               </a:p>
               <a:p>
@@ -24277,7 +28304,7 @@
             </p:txBody>
           </p:sp>
         </mc:Choice>
-        <mc:Fallback xmlns="">
+        <mc:Fallback>
           <p:sp>
             <p:nvSpPr>
               <p:cNvPr id="3" name="Content Placeholder 2">

--- a/slides/22_Reinforcement_Learning.pptx
+++ b/slides/22_Reinforcement_Learning.pptx
@@ -1236,15 +1236,7 @@
           <a:p>
             <a:r>
               <a:rPr lang="en-US" dirty="0"/>
-              <a:t>Hierarchical RL: Break the task into smaller sub-tasks so we can learn </a:t>
-            </a:r>
-            <a:r>
-              <a:rPr lang="en-US"/>
-              <a:t>the succession of </a:t>
-            </a:r>
-            <a:r>
-              <a:rPr lang="en-US" dirty="0"/>
-              <a:t>sub-task efficiently.</a:t>
+              <a:t>Hierarchical RL: Break the task into smaller sub-tasks so we can learn the succession of sub-task efficiently.</a:t>
             </a:r>
           </a:p>
         </p:txBody>
@@ -4901,195 +4893,6 @@
           <a:chExt cx="0" cy="0"/>
         </a:xfrm>
       </p:grpSpPr>
-      <p:sp useBgFill="1">
-        <p:nvSpPr>
-          <p:cNvPr id="5129" name="Rectangle 5128">
-            <a:extLst>
-              <a:ext uri="{FF2B5EF4-FFF2-40B4-BE49-F238E27FC236}">
-                <a16:creationId xmlns:a16="http://schemas.microsoft.com/office/drawing/2014/main" id="{0671A8AE-40A1-4631-A6B8-581AFF065482}"/>
-              </a:ext>
-              <a:ext uri="{C183D7F6-B498-43B3-948B-1728B52AA6E4}">
-                <adec:decorative xmlns:adec="http://schemas.microsoft.com/office/drawing/2017/decorative" val="1"/>
-              </a:ext>
-            </a:extLst>
-          </p:cNvPr>
-          <p:cNvSpPr>
-            <a:spLocks noGrp="1" noRot="1" noChangeAspect="1" noMove="1" noResize="1" noEditPoints="1" noAdjustHandles="1" noChangeArrowheads="1" noChangeShapeType="1" noTextEdit="1"/>
-          </p:cNvSpPr>
-          <p:nvPr>
-            <p:extLst>
-              <p:ext uri="{386F3935-93C4-4BCD-93E2-E3B085C9AB24}">
-                <p16:designElem xmlns:p16="http://schemas.microsoft.com/office/powerpoint/2015/main" val="1"/>
-              </p:ext>
-            </p:extLst>
-          </p:nvPr>
-        </p:nvSpPr>
-        <p:spPr>
-          <a:xfrm>
-            <a:off x="0" y="0"/>
-            <a:ext cx="12192000" cy="6858000"/>
-          </a:xfrm>
-          <a:prstGeom prst="rect">
-            <a:avLst/>
-          </a:prstGeom>
-          <a:ln>
-            <a:noFill/>
-          </a:ln>
-        </p:spPr>
-        <p:style>
-          <a:lnRef idx="2">
-            <a:schemeClr val="accent1">
-              <a:shade val="50000"/>
-            </a:schemeClr>
-          </a:lnRef>
-          <a:fillRef idx="1">
-            <a:schemeClr val="accent1"/>
-          </a:fillRef>
-          <a:effectRef idx="0">
-            <a:schemeClr val="accent1"/>
-          </a:effectRef>
-          <a:fontRef idx="minor">
-            <a:schemeClr val="lt1"/>
-          </a:fontRef>
-        </p:style>
-        <p:txBody>
-          <a:bodyPr rtlCol="0" anchor="ctr"/>
-          <a:lstStyle/>
-          <a:p>
-            <a:pPr algn="ctr"/>
-            <a:endParaRPr lang="en-US" dirty="0"/>
-          </a:p>
-        </p:txBody>
-      </p:sp>
-      <p:pic>
-        <p:nvPicPr>
-          <p:cNvPr id="1028" name="Picture 4">
-            <a:extLst>
-              <a:ext uri="{FF2B5EF4-FFF2-40B4-BE49-F238E27FC236}">
-                <a16:creationId xmlns:a16="http://schemas.microsoft.com/office/drawing/2014/main" id="{AD157A36-0424-F212-4464-8A1D05BACBE6}"/>
-              </a:ext>
-              <a:ext uri="{C183D7F6-B498-43B3-948B-1728B52AA6E4}">
-                <adec:decorative xmlns:adec="http://schemas.microsoft.com/office/drawing/2017/decorative" val="1"/>
-              </a:ext>
-            </a:extLst>
-          </p:cNvPr>
-          <p:cNvPicPr>
-            <a:picLocks noChangeAspect="1" noChangeArrowheads="1"/>
-          </p:cNvPicPr>
-          <p:nvPr/>
-        </p:nvPicPr>
-        <p:blipFill rotWithShape="1">
-          <a:blip r:embed="rId3">
-            <a:extLst>
-              <a:ext uri="{28A0092B-C50C-407E-A947-70E740481C1C}">
-                <a14:useLocalDpi xmlns:a14="http://schemas.microsoft.com/office/drawing/2010/main" val="0"/>
-              </a:ext>
-            </a:extLst>
-          </a:blip>
-          <a:srcRect t="5377" r="23298" b="3714"/>
-          <a:stretch/>
-        </p:blipFill>
-        <p:spPr bwMode="auto">
-          <a:xfrm>
-            <a:off x="4130181" y="10"/>
-            <a:ext cx="8668512" cy="6857990"/>
-          </a:xfrm>
-          <a:prstGeom prst="rect">
-            <a:avLst/>
-          </a:prstGeom>
-          <a:noFill/>
-          <a:extLst>
-            <a:ext uri="{909E8E84-426E-40DD-AFC4-6F175D3DCCD1}">
-              <a14:hiddenFill xmlns:a14="http://schemas.microsoft.com/office/drawing/2010/main">
-                <a:solidFill>
-                  <a:srgbClr val="FFFFFF"/>
-                </a:solidFill>
-              </a14:hiddenFill>
-            </a:ext>
-          </a:extLst>
-        </p:spPr>
-      </p:pic>
-      <p:sp>
-        <p:nvSpPr>
-          <p:cNvPr id="5131" name="Rectangle 5130">
-            <a:extLst>
-              <a:ext uri="{FF2B5EF4-FFF2-40B4-BE49-F238E27FC236}">
-                <a16:creationId xmlns:a16="http://schemas.microsoft.com/office/drawing/2014/main" id="{AB58EF07-17C2-48CF-ABB0-EEF1F17CB8F0}"/>
-              </a:ext>
-              <a:ext uri="{C183D7F6-B498-43B3-948B-1728B52AA6E4}">
-                <adec:decorative xmlns:adec="http://schemas.microsoft.com/office/drawing/2017/decorative" val="1"/>
-              </a:ext>
-            </a:extLst>
-          </p:cNvPr>
-          <p:cNvSpPr>
-            <a:spLocks noGrp="1" noRot="1" noChangeAspect="1" noMove="1" noResize="1" noEditPoints="1" noAdjustHandles="1" noChangeArrowheads="1" noChangeShapeType="1" noTextEdit="1"/>
-          </p:cNvSpPr>
-          <p:nvPr>
-            <p:extLst>
-              <p:ext uri="{386F3935-93C4-4BCD-93E2-E3B085C9AB24}">
-                <p16:designElem xmlns:p16="http://schemas.microsoft.com/office/powerpoint/2015/main" val="1"/>
-              </p:ext>
-            </p:extLst>
-          </p:nvPr>
-        </p:nvSpPr>
-        <p:spPr>
-          <a:xfrm>
-            <a:off x="3" y="0"/>
-            <a:ext cx="9339206" cy="6858000"/>
-          </a:xfrm>
-          <a:prstGeom prst="rect">
-            <a:avLst/>
-          </a:prstGeom>
-          <a:gradFill>
-            <a:gsLst>
-              <a:gs pos="58000">
-                <a:schemeClr val="tx1"/>
-              </a:gs>
-              <a:gs pos="33000">
-                <a:schemeClr val="tx1">
-                  <a:alpha val="64000"/>
-                </a:schemeClr>
-              </a:gs>
-              <a:gs pos="0">
-                <a:schemeClr val="tx1">
-                  <a:alpha val="0"/>
-                </a:schemeClr>
-              </a:gs>
-              <a:gs pos="100000">
-                <a:schemeClr val="tx1"/>
-              </a:gs>
-            </a:gsLst>
-            <a:lin ang="10800000" scaled="0"/>
-          </a:gradFill>
-          <a:ln>
-            <a:noFill/>
-          </a:ln>
-        </p:spPr>
-        <p:style>
-          <a:lnRef idx="2">
-            <a:schemeClr val="accent1">
-              <a:shade val="50000"/>
-            </a:schemeClr>
-          </a:lnRef>
-          <a:fillRef idx="1">
-            <a:schemeClr val="accent1"/>
-          </a:fillRef>
-          <a:effectRef idx="0">
-            <a:schemeClr val="accent1"/>
-          </a:effectRef>
-          <a:fontRef idx="minor">
-            <a:schemeClr val="lt1"/>
-          </a:fontRef>
-        </p:style>
-        <p:txBody>
-          <a:bodyPr rtlCol="0" anchor="ctr"/>
-          <a:lstStyle/>
-          <a:p>
-            <a:pPr algn="ctr"/>
-            <a:endParaRPr lang="en-US" dirty="0"/>
-          </a:p>
-        </p:txBody>
-      </p:sp>
       <p:sp>
         <p:nvSpPr>
           <p:cNvPr id="5122" name="Rectangle 5"/>
@@ -5294,6 +5097,195 @@
                 <a:schemeClr val="bg1"/>
               </a:solidFill>
             </a:endParaRPr>
+          </a:p>
+        </p:txBody>
+      </p:sp>
+      <p:sp useBgFill="1">
+        <p:nvSpPr>
+          <p:cNvPr id="5129" name="Rectangle 5128">
+            <a:extLst>
+              <a:ext uri="{FF2B5EF4-FFF2-40B4-BE49-F238E27FC236}">
+                <a16:creationId xmlns:a16="http://schemas.microsoft.com/office/drawing/2014/main" id="{0671A8AE-40A1-4631-A6B8-581AFF065482}"/>
+              </a:ext>
+              <a:ext uri="{C183D7F6-B498-43B3-948B-1728B52AA6E4}">
+                <adec:decorative xmlns:adec="http://schemas.microsoft.com/office/drawing/2017/decorative" val="1"/>
+              </a:ext>
+            </a:extLst>
+          </p:cNvPr>
+          <p:cNvSpPr>
+            <a:spLocks noGrp="1" noRot="1" noChangeAspect="1" noMove="1" noResize="1" noEditPoints="1" noAdjustHandles="1" noChangeArrowheads="1" noChangeShapeType="1" noTextEdit="1"/>
+          </p:cNvSpPr>
+          <p:nvPr>
+            <p:extLst>
+              <p:ext uri="{386F3935-93C4-4BCD-93E2-E3B085C9AB24}">
+                <p16:designElem xmlns:p16="http://schemas.microsoft.com/office/powerpoint/2015/main" val="1"/>
+              </p:ext>
+            </p:extLst>
+          </p:nvPr>
+        </p:nvSpPr>
+        <p:spPr>
+          <a:xfrm>
+            <a:off x="0" y="0"/>
+            <a:ext cx="12192000" cy="6858000"/>
+          </a:xfrm>
+          <a:prstGeom prst="rect">
+            <a:avLst/>
+          </a:prstGeom>
+          <a:ln>
+            <a:noFill/>
+          </a:ln>
+        </p:spPr>
+        <p:style>
+          <a:lnRef idx="2">
+            <a:schemeClr val="accent1">
+              <a:shade val="50000"/>
+            </a:schemeClr>
+          </a:lnRef>
+          <a:fillRef idx="1">
+            <a:schemeClr val="accent1"/>
+          </a:fillRef>
+          <a:effectRef idx="0">
+            <a:schemeClr val="accent1"/>
+          </a:effectRef>
+          <a:fontRef idx="minor">
+            <a:schemeClr val="lt1"/>
+          </a:fontRef>
+        </p:style>
+        <p:txBody>
+          <a:bodyPr rtlCol="0" anchor="ctr"/>
+          <a:lstStyle/>
+          <a:p>
+            <a:pPr algn="ctr"/>
+            <a:endParaRPr lang="en-US" dirty="0"/>
+          </a:p>
+        </p:txBody>
+      </p:sp>
+      <p:pic>
+        <p:nvPicPr>
+          <p:cNvPr id="1028" name="Picture 4">
+            <a:extLst>
+              <a:ext uri="{FF2B5EF4-FFF2-40B4-BE49-F238E27FC236}">
+                <a16:creationId xmlns:a16="http://schemas.microsoft.com/office/drawing/2014/main" id="{AD157A36-0424-F212-4464-8A1D05BACBE6}"/>
+              </a:ext>
+              <a:ext uri="{C183D7F6-B498-43B3-948B-1728B52AA6E4}">
+                <adec:decorative xmlns:adec="http://schemas.microsoft.com/office/drawing/2017/decorative" val="1"/>
+              </a:ext>
+            </a:extLst>
+          </p:cNvPr>
+          <p:cNvPicPr>
+            <a:picLocks noChangeAspect="1" noChangeArrowheads="1"/>
+          </p:cNvPicPr>
+          <p:nvPr/>
+        </p:nvPicPr>
+        <p:blipFill rotWithShape="1">
+          <a:blip r:embed="rId3">
+            <a:extLst>
+              <a:ext uri="{28A0092B-C50C-407E-A947-70E740481C1C}">
+                <a14:useLocalDpi xmlns:a14="http://schemas.microsoft.com/office/drawing/2010/main" val="0"/>
+              </a:ext>
+            </a:extLst>
+          </a:blip>
+          <a:srcRect t="5377" r="23298" b="3714"/>
+          <a:stretch/>
+        </p:blipFill>
+        <p:spPr bwMode="auto">
+          <a:xfrm>
+            <a:off x="4130181" y="10"/>
+            <a:ext cx="8668512" cy="6857990"/>
+          </a:xfrm>
+          <a:prstGeom prst="rect">
+            <a:avLst/>
+          </a:prstGeom>
+          <a:noFill/>
+          <a:extLst>
+            <a:ext uri="{909E8E84-426E-40DD-AFC4-6F175D3DCCD1}">
+              <a14:hiddenFill xmlns:a14="http://schemas.microsoft.com/office/drawing/2010/main">
+                <a:solidFill>
+                  <a:srgbClr val="FFFFFF"/>
+                </a:solidFill>
+              </a14:hiddenFill>
+            </a:ext>
+          </a:extLst>
+        </p:spPr>
+      </p:pic>
+      <p:sp>
+        <p:nvSpPr>
+          <p:cNvPr id="5131" name="Rectangle 5130">
+            <a:extLst>
+              <a:ext uri="{FF2B5EF4-FFF2-40B4-BE49-F238E27FC236}">
+                <a16:creationId xmlns:a16="http://schemas.microsoft.com/office/drawing/2014/main" id="{AB58EF07-17C2-48CF-ABB0-EEF1F17CB8F0}"/>
+              </a:ext>
+              <a:ext uri="{C183D7F6-B498-43B3-948B-1728B52AA6E4}">
+                <adec:decorative xmlns:adec="http://schemas.microsoft.com/office/drawing/2017/decorative" val="1"/>
+              </a:ext>
+            </a:extLst>
+          </p:cNvPr>
+          <p:cNvSpPr>
+            <a:spLocks noGrp="1" noRot="1" noChangeAspect="1" noMove="1" noResize="1" noEditPoints="1" noAdjustHandles="1" noChangeArrowheads="1" noChangeShapeType="1" noTextEdit="1"/>
+          </p:cNvSpPr>
+          <p:nvPr>
+            <p:extLst>
+              <p:ext uri="{386F3935-93C4-4BCD-93E2-E3B085C9AB24}">
+                <p16:designElem xmlns:p16="http://schemas.microsoft.com/office/powerpoint/2015/main" val="1"/>
+              </p:ext>
+            </p:extLst>
+          </p:nvPr>
+        </p:nvSpPr>
+        <p:spPr>
+          <a:xfrm>
+            <a:off x="3" y="0"/>
+            <a:ext cx="9339206" cy="6858000"/>
+          </a:xfrm>
+          <a:prstGeom prst="rect">
+            <a:avLst/>
+          </a:prstGeom>
+          <a:gradFill>
+            <a:gsLst>
+              <a:gs pos="58000">
+                <a:schemeClr val="tx1"/>
+              </a:gs>
+              <a:gs pos="33000">
+                <a:schemeClr val="tx1">
+                  <a:alpha val="64000"/>
+                </a:schemeClr>
+              </a:gs>
+              <a:gs pos="0">
+                <a:schemeClr val="tx1">
+                  <a:alpha val="0"/>
+                </a:schemeClr>
+              </a:gs>
+              <a:gs pos="100000">
+                <a:schemeClr val="tx1"/>
+              </a:gs>
+            </a:gsLst>
+            <a:lin ang="10800000" scaled="0"/>
+          </a:gradFill>
+          <a:ln>
+            <a:noFill/>
+          </a:ln>
+        </p:spPr>
+        <p:style>
+          <a:lnRef idx="2">
+            <a:schemeClr val="accent1">
+              <a:shade val="50000"/>
+            </a:schemeClr>
+          </a:lnRef>
+          <a:fillRef idx="1">
+            <a:schemeClr val="accent1"/>
+          </a:fillRef>
+          <a:effectRef idx="0">
+            <a:schemeClr val="accent1"/>
+          </a:effectRef>
+          <a:fontRef idx="minor">
+            <a:schemeClr val="lt1"/>
+          </a:fontRef>
+        </p:style>
+        <p:txBody>
+          <a:bodyPr rtlCol="0" anchor="ctr"/>
+          <a:lstStyle/>
+          <a:p>
+            <a:pPr algn="ctr"/>
+            <a:endParaRPr lang="en-US" dirty="0"/>
           </a:p>
         </p:txBody>
       </p:sp>
@@ -11031,8 +11023,8 @@
           </a:p>
         </p:txBody>
       </p:sp>
-      <mc:AlternateContent xmlns:mc="http://schemas.openxmlformats.org/markup-compatibility/2006" xmlns:a14="http://schemas.microsoft.com/office/drawing/2010/main">
-        <mc:Choice Requires="a14">
+      <mc:AlternateContent xmlns:mc="http://schemas.openxmlformats.org/markup-compatibility/2006">
+        <mc:Choice xmlns:a14="http://schemas.microsoft.com/office/drawing/2010/main" Requires="a14">
           <p:sp>
             <p:nvSpPr>
               <p:cNvPr id="3" name="Content Placeholder 2">
@@ -11190,8 +11182,18 @@
               </a:p>
               <a:p>
                 <a:pPr lvl="1"/>
+                <a:r>
+                  <a:rPr lang="en-US" dirty="0"/>
+                  <a:t>The stochastic transition model</a:t>
+                </a:r>
                 <a14:m>
                   <m:oMath xmlns:m="http://schemas.openxmlformats.org/officeDocument/2006/math">
+                    <m:r>
+                      <a:rPr lang="en-US" b="0" i="0" smtClean="0">
+                        <a:latin typeface="Cambria Math" panose="02040503050406030204" pitchFamily="18" charset="0"/>
+                      </a:rPr>
+                      <m:t> </m:t>
+                    </m:r>
                     <m:r>
                       <a:rPr lang="en-US" i="1" smtClean="0">
                         <a:latin typeface="Cambria Math" panose="02040503050406030204" pitchFamily="18" charset="0"/>
@@ -11258,7 +11260,7 @@
                 </a14:m>
                 <a:r>
                   <a:rPr lang="en-US" dirty="0"/>
-                  <a:t> depends on the other player so it would need to be learned. The table is also very large.</a:t>
+                  <a:t> needs to be known. The tables are very large.</a:t>
                 </a:r>
               </a:p>
               <a:p>
@@ -11271,17 +11273,13 @@
               <a:p>
                 <a:r>
                   <a:rPr lang="en-US" dirty="0"/>
-                  <a:t>This makes learning hard! A solution is model-free reinforcement learning.</a:t>
+                  <a:t>This makes planning hard! A solution is to use online learning like model-free reinforcement learning.</a:t>
                 </a:r>
-                <a:br>
-                  <a:rPr lang="en-US" dirty="0"/>
-                </a:br>
-                <a:endParaRPr lang="en-US" dirty="0"/>
               </a:p>
             </p:txBody>
           </p:sp>
         </mc:Choice>
-        <mc:Fallback xmlns="">
+        <mc:Fallback>
           <p:sp>
             <p:nvSpPr>
               <p:cNvPr id="3" name="Content Placeholder 2">
@@ -11302,7 +11300,7 @@
               <a:blipFill>
                 <a:blip r:embed="rId2"/>
                 <a:stretch>
-                  <a:fillRect l="-522" t="-2521"/>
+                  <a:fillRect l="-522" t="-2521" b="-1961"/>
                 </a:stretch>
               </a:blipFill>
             </p:spPr>
@@ -17042,6 +17040,9 @@
               <a:ext uri="{FF2B5EF4-FFF2-40B4-BE49-F238E27FC236}">
                 <a16:creationId xmlns:a16="http://schemas.microsoft.com/office/drawing/2014/main" id="{E2B7C27F-8A41-F345-69FB-AC7CD88903BF}"/>
               </a:ext>
+              <a:ext uri="{C183D7F6-B498-43B3-948B-1728B52AA6E4}">
+                <adec:decorative xmlns:adec="http://schemas.microsoft.com/office/drawing/2017/decorative" val="1"/>
+              </a:ext>
             </a:extLst>
           </p:cNvPr>
           <p:cNvCxnSpPr>
@@ -17082,6 +17083,9 @@
             <a:extLst>
               <a:ext uri="{FF2B5EF4-FFF2-40B4-BE49-F238E27FC236}">
                 <a16:creationId xmlns:a16="http://schemas.microsoft.com/office/drawing/2014/main" id="{6EAC0BD3-D37A-727D-9881-FC891701CDB0}"/>
+              </a:ext>
+              <a:ext uri="{C183D7F6-B498-43B3-948B-1728B52AA6E4}">
+                <adec:decorative xmlns:adec="http://schemas.microsoft.com/office/drawing/2017/decorative" val="1"/>
               </a:ext>
             </a:extLst>
           </p:cNvPr>
@@ -17347,7 +17351,7 @@
                 <a16:creationId xmlns:a16="http://schemas.microsoft.com/office/drawing/2014/main" id="{872A8A02-00F5-B4C2-52FA-2210204A8D84}"/>
               </a:ext>
               <a:ext uri="{C183D7F6-B498-43B3-948B-1728B52AA6E4}">
-                <adec:decorative xmlns:adec="http://schemas.microsoft.com/office/drawing/2017/decorative" val="1"/>
+                <adec:decorative xmlns:adec="http://schemas.microsoft.com/office/drawing/2017/decorative" val="0"/>
               </a:ext>
             </a:extLst>
           </p:cNvPr>
@@ -17377,6 +17381,305 @@
           </a:p>
         </p:txBody>
       </p:sp>
+      <p:grpSp>
+        <p:nvGrpSpPr>
+          <p:cNvPr id="2" name="Group 1" descr="The Q-Learning Algorithm.">
+            <a:extLst>
+              <a:ext uri="{FF2B5EF4-FFF2-40B4-BE49-F238E27FC236}">
+                <a16:creationId xmlns:a16="http://schemas.microsoft.com/office/drawing/2014/main" id="{A1B3247E-E4B5-D3AE-E55A-4E20275D3598}"/>
+              </a:ext>
+              <a:ext uri="{C183D7F6-B498-43B3-948B-1728B52AA6E4}">
+                <adec:decorative xmlns:adec="http://schemas.microsoft.com/office/drawing/2017/decorative" val="0"/>
+              </a:ext>
+            </a:extLst>
+          </p:cNvPr>
+          <p:cNvGrpSpPr/>
+          <p:nvPr/>
+        </p:nvGrpSpPr>
+        <p:grpSpPr>
+          <a:xfrm>
+            <a:off x="5167199" y="280356"/>
+            <a:ext cx="6809382" cy="2895998"/>
+            <a:chOff x="5167199" y="280356"/>
+            <a:chExt cx="6809382" cy="2895998"/>
+          </a:xfrm>
+        </p:grpSpPr>
+        <p:grpSp>
+          <p:nvGrpSpPr>
+            <p:cNvPr id="190" name="Group 189">
+              <a:extLst>
+                <a:ext uri="{FF2B5EF4-FFF2-40B4-BE49-F238E27FC236}">
+                  <a16:creationId xmlns:a16="http://schemas.microsoft.com/office/drawing/2014/main" id="{B74DAAE3-EE9A-77B1-B476-709FCDB0DA6C}"/>
+                </a:ext>
+                <a:ext uri="{C183D7F6-B498-43B3-948B-1728B52AA6E4}">
+                  <adec:decorative xmlns:adec="http://schemas.microsoft.com/office/drawing/2017/decorative" val="1"/>
+                </a:ext>
+              </a:extLst>
+            </p:cNvPr>
+            <p:cNvGrpSpPr/>
+            <p:nvPr/>
+          </p:nvGrpSpPr>
+          <p:grpSpPr>
+            <a:xfrm>
+              <a:off x="5167199" y="280356"/>
+              <a:ext cx="6809382" cy="2895998"/>
+              <a:chOff x="6934915" y="1470919"/>
+              <a:chExt cx="6809382" cy="2895998"/>
+            </a:xfrm>
+          </p:grpSpPr>
+          <p:sp>
+            <p:nvSpPr>
+              <p:cNvPr id="189" name="Rectangle 188">
+                <a:extLst>
+                  <a:ext uri="{FF2B5EF4-FFF2-40B4-BE49-F238E27FC236}">
+                    <a16:creationId xmlns:a16="http://schemas.microsoft.com/office/drawing/2014/main" id="{AC5424B3-B894-F884-C2A4-0188E3F77CF1}"/>
+                  </a:ext>
+                </a:extLst>
+              </p:cNvPr>
+              <p:cNvSpPr/>
+              <p:nvPr/>
+            </p:nvSpPr>
+            <p:spPr>
+              <a:xfrm>
+                <a:off x="6934915" y="1470919"/>
+                <a:ext cx="6809382" cy="2895998"/>
+              </a:xfrm>
+              <a:prstGeom prst="rect">
+                <a:avLst/>
+              </a:prstGeom>
+            </p:spPr>
+            <p:style>
+              <a:lnRef idx="2">
+                <a:schemeClr val="accent2"/>
+              </a:lnRef>
+              <a:fillRef idx="1">
+                <a:schemeClr val="lt1"/>
+              </a:fillRef>
+              <a:effectRef idx="0">
+                <a:schemeClr val="accent2"/>
+              </a:effectRef>
+              <a:fontRef idx="minor">
+                <a:schemeClr val="dk1"/>
+              </a:fontRef>
+            </p:style>
+            <p:txBody>
+              <a:bodyPr rtlCol="0" anchor="ctr"/>
+              <a:lstStyle/>
+              <a:p>
+                <a:pPr algn="ctr"/>
+                <a:endParaRPr lang="en-US"/>
+              </a:p>
+            </p:txBody>
+          </p:sp>
+          <p:pic>
+            <p:nvPicPr>
+              <p:cNvPr id="188" name="Picture 187">
+                <a:extLst>
+                  <a:ext uri="{FF2B5EF4-FFF2-40B4-BE49-F238E27FC236}">
+                    <a16:creationId xmlns:a16="http://schemas.microsoft.com/office/drawing/2014/main" id="{6CA99177-D5BE-FCEA-AE52-C9B895C57636}"/>
+                  </a:ext>
+                </a:extLst>
+              </p:cNvPr>
+              <p:cNvPicPr>
+                <a:picLocks noChangeAspect="1"/>
+              </p:cNvPicPr>
+              <p:nvPr/>
+            </p:nvPicPr>
+            <p:blipFill rotWithShape="1">
+              <a:blip r:embed="rId2"/>
+              <a:srcRect r="2964" b="6008"/>
+              <a:stretch/>
+            </p:blipFill>
+            <p:spPr>
+              <a:xfrm>
+                <a:off x="7021489" y="1608692"/>
+                <a:ext cx="6617315" cy="2548030"/>
+              </a:xfrm>
+              <a:prstGeom prst="rect">
+                <a:avLst/>
+              </a:prstGeom>
+            </p:spPr>
+          </p:pic>
+        </p:grpSp>
+        <p:sp>
+          <p:nvSpPr>
+            <p:cNvPr id="191" name="Rectangle 190">
+              <a:extLst>
+                <a:ext uri="{FF2B5EF4-FFF2-40B4-BE49-F238E27FC236}">
+                  <a16:creationId xmlns:a16="http://schemas.microsoft.com/office/drawing/2014/main" id="{294667CD-5912-6F20-AA27-018B5AB28F84}"/>
+                </a:ext>
+                <a:ext uri="{C183D7F6-B498-43B3-948B-1728B52AA6E4}">
+                  <adec:decorative xmlns:adec="http://schemas.microsoft.com/office/drawing/2017/decorative" val="1"/>
+                </a:ext>
+              </a:extLst>
+            </p:cNvPr>
+            <p:cNvSpPr/>
+            <p:nvPr/>
+          </p:nvSpPr>
+          <p:spPr>
+            <a:xfrm>
+              <a:off x="10808461" y="2192434"/>
+              <a:ext cx="621539" cy="240012"/>
+            </a:xfrm>
+            <a:prstGeom prst="rect">
+              <a:avLst/>
+            </a:prstGeom>
+            <a:noFill/>
+            <a:ln w="28575">
+              <a:solidFill>
+                <a:schemeClr val="accent6"/>
+              </a:solidFill>
+            </a:ln>
+          </p:spPr>
+          <p:style>
+            <a:lnRef idx="2">
+              <a:schemeClr val="accent1">
+                <a:shade val="15000"/>
+              </a:schemeClr>
+            </a:lnRef>
+            <a:fillRef idx="1">
+              <a:schemeClr val="accent1"/>
+            </a:fillRef>
+            <a:effectRef idx="0">
+              <a:schemeClr val="accent1"/>
+            </a:effectRef>
+            <a:fontRef idx="minor">
+              <a:schemeClr val="lt1"/>
+            </a:fontRef>
+          </p:style>
+          <p:txBody>
+            <a:bodyPr rtlCol="0" anchor="ctr"/>
+            <a:lstStyle/>
+            <a:p>
+              <a:pPr algn="ctr"/>
+              <a:endParaRPr lang="en-US"/>
+            </a:p>
+          </p:txBody>
+        </p:sp>
+        <p:cxnSp>
+          <p:nvCxnSpPr>
+            <p:cNvPr id="201" name="Straight Connector 200">
+              <a:extLst>
+                <a:ext uri="{FF2B5EF4-FFF2-40B4-BE49-F238E27FC236}">
+                  <a16:creationId xmlns:a16="http://schemas.microsoft.com/office/drawing/2014/main" id="{35AFA839-585E-943B-16DE-AE29100E9518}"/>
+                </a:ext>
+                <a:ext uri="{C183D7F6-B498-43B3-948B-1728B52AA6E4}">
+                  <adec:decorative xmlns:adec="http://schemas.microsoft.com/office/drawing/2017/decorative" val="1"/>
+                </a:ext>
+              </a:extLst>
+            </p:cNvPr>
+            <p:cNvCxnSpPr/>
+            <p:nvPr/>
+          </p:nvCxnSpPr>
+          <p:spPr>
+            <a:xfrm>
+              <a:off x="8686800" y="2451927"/>
+              <a:ext cx="1752600" cy="0"/>
+            </a:xfrm>
+            <a:prstGeom prst="line">
+              <a:avLst/>
+            </a:prstGeom>
+          </p:spPr>
+          <p:style>
+            <a:lnRef idx="3">
+              <a:schemeClr val="accent5"/>
+            </a:lnRef>
+            <a:fillRef idx="0">
+              <a:schemeClr val="accent5"/>
+            </a:fillRef>
+            <a:effectRef idx="2">
+              <a:schemeClr val="accent5"/>
+            </a:effectRef>
+            <a:fontRef idx="minor">
+              <a:schemeClr val="tx1"/>
+            </a:fontRef>
+          </p:style>
+        </p:cxnSp>
+        <p:sp>
+          <p:nvSpPr>
+            <p:cNvPr id="203" name="TextBox 202">
+              <a:extLst>
+                <a:ext uri="{FF2B5EF4-FFF2-40B4-BE49-F238E27FC236}">
+                  <a16:creationId xmlns:a16="http://schemas.microsoft.com/office/drawing/2014/main" id="{57084D53-0D1E-3AEC-E455-B617326D7C6C}"/>
+                </a:ext>
+                <a:ext uri="{C183D7F6-B498-43B3-948B-1728B52AA6E4}">
+                  <adec:decorative xmlns:adec="http://schemas.microsoft.com/office/drawing/2017/decorative" val="1"/>
+                </a:ext>
+              </a:extLst>
+            </p:cNvPr>
+            <p:cNvSpPr txBox="1"/>
+            <p:nvPr/>
+          </p:nvSpPr>
+          <p:spPr>
+            <a:xfrm>
+              <a:off x="9067800" y="1863075"/>
+              <a:ext cx="755913" cy="369332"/>
+            </a:xfrm>
+            <a:prstGeom prst="rect">
+              <a:avLst/>
+            </a:prstGeom>
+            <a:noFill/>
+          </p:spPr>
+          <p:txBody>
+            <a:bodyPr wrap="none" rtlCol="0">
+              <a:spAutoFit/>
+            </a:bodyPr>
+            <a:lstStyle/>
+            <a:p>
+              <a:r>
+                <a:rPr lang="en-US" b="1" dirty="0">
+                  <a:solidFill>
+                    <a:schemeClr val="accent1"/>
+                  </a:solidFill>
+                </a:rPr>
+                <a:t>target</a:t>
+              </a:r>
+            </a:p>
+          </p:txBody>
+        </p:sp>
+        <p:sp>
+          <p:nvSpPr>
+            <p:cNvPr id="206" name="TextBox 205">
+              <a:extLst>
+                <a:ext uri="{FF2B5EF4-FFF2-40B4-BE49-F238E27FC236}">
+                  <a16:creationId xmlns:a16="http://schemas.microsoft.com/office/drawing/2014/main" id="{BF6ACC1D-2546-C6E3-33E3-5DAA38AA0F66}"/>
+                </a:ext>
+                <a:ext uri="{C183D7F6-B498-43B3-948B-1728B52AA6E4}">
+                  <adec:decorative xmlns:adec="http://schemas.microsoft.com/office/drawing/2017/decorative" val="1"/>
+                </a:ext>
+              </a:extLst>
+            </p:cNvPr>
+            <p:cNvSpPr txBox="1"/>
+            <p:nvPr/>
+          </p:nvSpPr>
+          <p:spPr>
+            <a:xfrm>
+              <a:off x="10546630" y="1818775"/>
+              <a:ext cx="1161536" cy="369332"/>
+            </a:xfrm>
+            <a:prstGeom prst="rect">
+              <a:avLst/>
+            </a:prstGeom>
+            <a:noFill/>
+          </p:spPr>
+          <p:txBody>
+            <a:bodyPr wrap="none" rtlCol="0">
+              <a:spAutoFit/>
+            </a:bodyPr>
+            <a:lstStyle/>
+            <a:p>
+              <a:r>
+                <a:rPr lang="en-US" b="1" dirty="0">
+                  <a:solidFill>
+                    <a:schemeClr val="accent6"/>
+                  </a:solidFill>
+                </a:rPr>
+                <a:t>prediction</a:t>
+              </a:r>
+            </a:p>
+          </p:txBody>
+        </p:sp>
+      </p:grpSp>
       <mc:AlternateContent xmlns:mc="http://schemas.openxmlformats.org/markup-compatibility/2006" xmlns:a14="http://schemas.microsoft.com/office/drawing/2010/main">
         <mc:Choice Requires="a14">
           <p:graphicFrame>
@@ -17770,7 +18073,7 @@
                       </a:txBody>
                       <a:tcPr>
                         <a:blipFill>
-                          <a:blip r:embed="rId2"/>
+                          <a:blip r:embed="rId3"/>
                           <a:stretch>
                             <a:fillRect l="-3704" t="-1818" r="-424074" b="-325455"/>
                           </a:stretch>
@@ -17787,7 +18090,7 @@
                       </a:txBody>
                       <a:tcPr>
                         <a:blipFill>
-                          <a:blip r:embed="rId2"/>
+                          <a:blip r:embed="rId3"/>
                           <a:stretch>
                             <a:fillRect l="-93333" t="-1818" r="-281667" b="-325455"/>
                           </a:stretch>
@@ -17804,7 +18107,7 @@
                       </a:txBody>
                       <a:tcPr>
                         <a:blipFill>
-                          <a:blip r:embed="rId2"/>
+                          <a:blip r:embed="rId3"/>
                           <a:stretch>
                             <a:fillRect l="-70303" t="-1818" r="-2424" b="-325455"/>
                           </a:stretch>
@@ -17970,86 +18273,6 @@
           </p:graphicFrame>
         </mc:Fallback>
       </mc:AlternateContent>
-      <p:sp>
-        <p:nvSpPr>
-          <p:cNvPr id="19" name="Title 18">
-            <a:extLst>
-              <a:ext uri="{FF2B5EF4-FFF2-40B4-BE49-F238E27FC236}">
-                <a16:creationId xmlns:a16="http://schemas.microsoft.com/office/drawing/2014/main" id="{7162CF55-34C6-5FDF-6233-58FC26BED32A}"/>
-              </a:ext>
-              <a:ext uri="{C183D7F6-B498-43B3-948B-1728B52AA6E4}">
-                <adec:decorative xmlns:adec="http://schemas.microsoft.com/office/drawing/2017/decorative" val="0"/>
-              </a:ext>
-            </a:extLst>
-          </p:cNvPr>
-          <p:cNvSpPr txBox="1">
-            <a:spLocks noGrp="1"/>
-          </p:cNvSpPr>
-          <p:nvPr>
-            <p:ph type="title" idx="4294967295"/>
-          </p:nvPr>
-        </p:nvSpPr>
-        <p:spPr>
-          <a:xfrm>
-            <a:off x="990600" y="3404556"/>
-            <a:ext cx="3203615" cy="461665"/>
-          </a:xfrm>
-          <a:prstGeom prst="rect">
-            <a:avLst/>
-          </a:prstGeom>
-          <a:noFill/>
-          <a:ln>
-            <a:noFill/>
-            <a:prstDash/>
-          </a:ln>
-          <a:effectLst/>
-        </p:spPr>
-        <p:txBody>
-          <a:bodyPr rot="0" spcFirstLastPara="0" vertOverflow="overflow" horzOverflow="overflow" vert="horz" wrap="square" lIns="91440" tIns="45720" rIns="91440" bIns="45720" numCol="1" spcCol="0" rtlCol="0" fromWordArt="0" anchor="t" anchorCtr="0" forceAA="0" compatLnSpc="1">
-            <a:prstTxWarp prst="textNoShape">
-              <a:avLst/>
-            </a:prstTxWarp>
-            <a:spAutoFit/>
-          </a:bodyPr>
-          <a:lstStyle/>
-          <a:p>
-            <a:pPr marL="0" marR="0" lvl="0" indent="0" algn="l" defTabSz="914400" rtl="0" eaLnBrk="1" fontAlgn="auto" latinLnBrk="0" hangingPunct="1">
-              <a:lnSpc>
-                <a:spcPct val="100000"/>
-              </a:lnSpc>
-              <a:spcBef>
-                <a:spcPts val="0"/>
-              </a:spcBef>
-              <a:spcAft>
-                <a:spcPts val="0"/>
-              </a:spcAft>
-              <a:buClrTx/>
-              <a:buSzTx/>
-              <a:buFontTx/>
-              <a:buNone/>
-              <a:tabLst/>
-              <a:defRPr/>
-            </a:pPr>
-            <a:r>
-              <a:rPr kumimoji="0" lang="en-US" sz="2400" b="1" i="0" u="none" strike="noStrike" kern="1200" cap="none" spc="0" normalizeH="0" baseline="0" noProof="0" dirty="0">
-                <a:ln>
-                  <a:noFill/>
-                </a:ln>
-                <a:solidFill>
-                  <a:schemeClr val="tx1"/>
-                </a:solidFill>
-                <a:effectLst/>
-                <a:uLnTx/>
-                <a:uFillTx/>
-                <a:latin typeface="+mn-lt"/>
-                <a:ea typeface="+mn-ea"/>
-                <a:cs typeface="+mn-cs"/>
-              </a:rPr>
-              <a:t>Deep Q-Learning</a:t>
-            </a:r>
-          </a:p>
-        </p:txBody>
-      </p:sp>
       <p:grpSp>
         <p:nvGrpSpPr>
           <p:cNvPr id="3" name="Group 2">
@@ -18286,7 +18509,7 @@
                   <a:avLst/>
                 </a:prstGeom>
                 <a:blipFill>
-                  <a:blip r:embed="rId3"/>
+                  <a:blip r:embed="rId4"/>
                   <a:stretch>
                     <a:fillRect/>
                   </a:stretch>
@@ -18418,7 +18641,7 @@
                   <a:avLst/>
                 </a:prstGeom>
                 <a:blipFill>
-                  <a:blip r:embed="rId4"/>
+                  <a:blip r:embed="rId5"/>
                   <a:stretch>
                     <a:fillRect b="-13115"/>
                   </a:stretch>
@@ -21350,7 +21573,7 @@
                   <a:avLst/>
                 </a:prstGeom>
                 <a:blipFill>
-                  <a:blip r:embed="rId5"/>
+                  <a:blip r:embed="rId6"/>
                   <a:stretch>
                     <a:fillRect/>
                   </a:stretch>
@@ -21529,7 +21752,7 @@
                   <a:avLst/>
                 </a:prstGeom>
                 <a:blipFill>
-                  <a:blip r:embed="rId6"/>
+                  <a:blip r:embed="rId7"/>
                   <a:stretch>
                     <a:fillRect b="-13115"/>
                   </a:stretch>
@@ -21631,7 +21854,7 @@
                   <a:avLst/>
                 </a:prstGeom>
                 <a:blipFill>
-                  <a:blip r:embed="rId7"/>
+                  <a:blip r:embed="rId8"/>
                   <a:stretch>
                     <a:fillRect/>
                   </a:stretch>
@@ -21733,7 +21956,7 @@
                   <a:avLst/>
                 </a:prstGeom>
                 <a:blipFill>
-                  <a:blip r:embed="rId8"/>
+                  <a:blip r:embed="rId9"/>
                   <a:stretch>
                     <a:fillRect/>
                   </a:stretch>
@@ -21802,8 +22025,88 @@
           </p:txBody>
         </p:sp>
       </p:grpSp>
-      <mc:AlternateContent xmlns:mc="http://schemas.openxmlformats.org/markup-compatibility/2006" xmlns:a14="http://schemas.microsoft.com/office/drawing/2010/main">
-        <mc:Choice Requires="a14">
+      <p:sp>
+        <p:nvSpPr>
+          <p:cNvPr id="19" name="Title 18">
+            <a:extLst>
+              <a:ext uri="{FF2B5EF4-FFF2-40B4-BE49-F238E27FC236}">
+                <a16:creationId xmlns:a16="http://schemas.microsoft.com/office/drawing/2014/main" id="{7162CF55-34C6-5FDF-6233-58FC26BED32A}"/>
+              </a:ext>
+              <a:ext uri="{C183D7F6-B498-43B3-948B-1728B52AA6E4}">
+                <adec:decorative xmlns:adec="http://schemas.microsoft.com/office/drawing/2017/decorative" val="0"/>
+              </a:ext>
+            </a:extLst>
+          </p:cNvPr>
+          <p:cNvSpPr txBox="1">
+            <a:spLocks noGrp="1"/>
+          </p:cNvSpPr>
+          <p:nvPr>
+            <p:ph type="title" idx="4294967295"/>
+          </p:nvPr>
+        </p:nvSpPr>
+        <p:spPr>
+          <a:xfrm>
+            <a:off x="990600" y="3404556"/>
+            <a:ext cx="3203615" cy="461665"/>
+          </a:xfrm>
+          <a:prstGeom prst="rect">
+            <a:avLst/>
+          </a:prstGeom>
+          <a:noFill/>
+          <a:ln>
+            <a:noFill/>
+            <a:prstDash/>
+          </a:ln>
+          <a:effectLst/>
+        </p:spPr>
+        <p:txBody>
+          <a:bodyPr rot="0" spcFirstLastPara="0" vertOverflow="overflow" horzOverflow="overflow" vert="horz" wrap="square" lIns="91440" tIns="45720" rIns="91440" bIns="45720" numCol="1" spcCol="0" rtlCol="0" fromWordArt="0" anchor="t" anchorCtr="0" forceAA="0" compatLnSpc="1">
+            <a:prstTxWarp prst="textNoShape">
+              <a:avLst/>
+            </a:prstTxWarp>
+            <a:spAutoFit/>
+          </a:bodyPr>
+          <a:lstStyle/>
+          <a:p>
+            <a:pPr marL="0" marR="0" lvl="0" indent="0" algn="l" defTabSz="914400" rtl="0" eaLnBrk="1" fontAlgn="auto" latinLnBrk="0" hangingPunct="1">
+              <a:lnSpc>
+                <a:spcPct val="100000"/>
+              </a:lnSpc>
+              <a:spcBef>
+                <a:spcPts val="0"/>
+              </a:spcBef>
+              <a:spcAft>
+                <a:spcPts val="0"/>
+              </a:spcAft>
+              <a:buClrTx/>
+              <a:buSzTx/>
+              <a:buFontTx/>
+              <a:buNone/>
+              <a:tabLst/>
+              <a:defRPr/>
+            </a:pPr>
+            <a:r>
+              <a:rPr kumimoji="0" lang="en-US" sz="2400" b="1" i="0" u="none" strike="noStrike" kern="1200" cap="none" spc="0" normalizeH="0" baseline="0" noProof="0" dirty="0">
+                <a:ln>
+                  <a:noFill/>
+                </a:ln>
+                <a:solidFill>
+                  <a:schemeClr val="tx1"/>
+                </a:solidFill>
+                <a:effectLst/>
+                <a:uLnTx/>
+                <a:uFillTx/>
+                <a:latin typeface="+mn-lt"/>
+                <a:ea typeface="+mn-ea"/>
+                <a:cs typeface="+mn-cs"/>
+              </a:rPr>
+              <a:t>Deep Q-Learning</a:t>
+            </a:r>
+          </a:p>
+        </p:txBody>
+      </p:sp>
+      <mc:AlternateContent xmlns:mc="http://schemas.openxmlformats.org/markup-compatibility/2006">
+        <mc:Choice xmlns:a14="http://schemas.microsoft.com/office/drawing/2010/main" Requires="a14">
           <p:sp>
             <p:nvSpPr>
               <p:cNvPr id="202" name="TextBox 201">
@@ -21821,7 +22124,7 @@
             </p:nvSpPr>
             <p:spPr>
               <a:xfrm>
-                <a:off x="5127026" y="3260990"/>
+                <a:off x="5171649" y="3368889"/>
                 <a:ext cx="6849555" cy="2862322"/>
               </a:xfrm>
               <a:prstGeom prst="rect">
@@ -22137,7 +22440,7 @@
             </p:txBody>
           </p:sp>
         </mc:Choice>
-        <mc:Fallback xmlns="">
+        <mc:Fallback>
           <p:sp>
             <p:nvSpPr>
               <p:cNvPr id="202" name="TextBox 201">
@@ -22157,14 +22460,14 @@
             </p:nvSpPr>
             <p:spPr>
               <a:xfrm>
-                <a:off x="5127026" y="3260990"/>
+                <a:off x="5171649" y="3368889"/>
                 <a:ext cx="6849555" cy="2862322"/>
               </a:xfrm>
               <a:prstGeom prst="rect">
                 <a:avLst/>
               </a:prstGeom>
               <a:blipFill>
-                <a:blip r:embed="rId9"/>
+                <a:blip r:embed="rId10"/>
                 <a:stretch>
                   <a:fillRect l="-712" t="-1279" b="-2559"/>
                 </a:stretch>
@@ -22185,311 +22488,15 @@
           </p:sp>
         </mc:Fallback>
       </mc:AlternateContent>
-      <p:grpSp>
-        <p:nvGrpSpPr>
-          <p:cNvPr id="2" name="Group 1">
-            <a:extLst>
-              <a:ext uri="{FF2B5EF4-FFF2-40B4-BE49-F238E27FC236}">
-                <a16:creationId xmlns:a16="http://schemas.microsoft.com/office/drawing/2014/main" id="{A1B3247E-E4B5-D3AE-E55A-4E20275D3598}"/>
-              </a:ext>
-              <a:ext uri="{C183D7F6-B498-43B3-948B-1728B52AA6E4}">
-                <adec:decorative xmlns:adec="http://schemas.microsoft.com/office/drawing/2017/decorative" val="1"/>
-              </a:ext>
-            </a:extLst>
-          </p:cNvPr>
-          <p:cNvGrpSpPr/>
-          <p:nvPr/>
-        </p:nvGrpSpPr>
-        <p:grpSpPr>
-          <a:xfrm>
-            <a:off x="5167199" y="280356"/>
-            <a:ext cx="6809382" cy="2895998"/>
-            <a:chOff x="5167199" y="280356"/>
-            <a:chExt cx="6809382" cy="2895998"/>
-          </a:xfrm>
-        </p:grpSpPr>
-        <p:grpSp>
-          <p:nvGrpSpPr>
-            <p:cNvPr id="190" name="Group 189">
-              <a:extLst>
-                <a:ext uri="{FF2B5EF4-FFF2-40B4-BE49-F238E27FC236}">
-                  <a16:creationId xmlns:a16="http://schemas.microsoft.com/office/drawing/2014/main" id="{B74DAAE3-EE9A-77B1-B476-709FCDB0DA6C}"/>
-                </a:ext>
-                <a:ext uri="{C183D7F6-B498-43B3-948B-1728B52AA6E4}">
-                  <adec:decorative xmlns:adec="http://schemas.microsoft.com/office/drawing/2017/decorative" val="1"/>
-                </a:ext>
-              </a:extLst>
-            </p:cNvPr>
-            <p:cNvGrpSpPr/>
-            <p:nvPr/>
-          </p:nvGrpSpPr>
-          <p:grpSpPr>
-            <a:xfrm>
-              <a:off x="5167199" y="280356"/>
-              <a:ext cx="6809382" cy="2895998"/>
-              <a:chOff x="6934915" y="1470919"/>
-              <a:chExt cx="6809382" cy="2895998"/>
-            </a:xfrm>
-          </p:grpSpPr>
-          <p:sp>
-            <p:nvSpPr>
-              <p:cNvPr id="189" name="Rectangle 188">
-                <a:extLst>
-                  <a:ext uri="{FF2B5EF4-FFF2-40B4-BE49-F238E27FC236}">
-                    <a16:creationId xmlns:a16="http://schemas.microsoft.com/office/drawing/2014/main" id="{AC5424B3-B894-F884-C2A4-0188E3F77CF1}"/>
-                  </a:ext>
-                </a:extLst>
-              </p:cNvPr>
-              <p:cNvSpPr/>
-              <p:nvPr/>
-            </p:nvSpPr>
-            <p:spPr>
-              <a:xfrm>
-                <a:off x="6934915" y="1470919"/>
-                <a:ext cx="6809382" cy="2895998"/>
-              </a:xfrm>
-              <a:prstGeom prst="rect">
-                <a:avLst/>
-              </a:prstGeom>
-            </p:spPr>
-            <p:style>
-              <a:lnRef idx="2">
-                <a:schemeClr val="accent2"/>
-              </a:lnRef>
-              <a:fillRef idx="1">
-                <a:schemeClr val="lt1"/>
-              </a:fillRef>
-              <a:effectRef idx="0">
-                <a:schemeClr val="accent2"/>
-              </a:effectRef>
-              <a:fontRef idx="minor">
-                <a:schemeClr val="dk1"/>
-              </a:fontRef>
-            </p:style>
-            <p:txBody>
-              <a:bodyPr rtlCol="0" anchor="ctr"/>
-              <a:lstStyle/>
-              <a:p>
-                <a:pPr algn="ctr"/>
-                <a:endParaRPr lang="en-US"/>
-              </a:p>
-            </p:txBody>
-          </p:sp>
-          <p:pic>
-            <p:nvPicPr>
-              <p:cNvPr id="188" name="Picture 187">
-                <a:extLst>
-                  <a:ext uri="{FF2B5EF4-FFF2-40B4-BE49-F238E27FC236}">
-                    <a16:creationId xmlns:a16="http://schemas.microsoft.com/office/drawing/2014/main" id="{6CA99177-D5BE-FCEA-AE52-C9B895C57636}"/>
-                  </a:ext>
-                </a:extLst>
-              </p:cNvPr>
-              <p:cNvPicPr>
-                <a:picLocks noChangeAspect="1"/>
-              </p:cNvPicPr>
-              <p:nvPr/>
-            </p:nvPicPr>
-            <p:blipFill rotWithShape="1">
-              <a:blip r:embed="rId10"/>
-              <a:srcRect r="2964" b="6008"/>
-              <a:stretch/>
-            </p:blipFill>
-            <p:spPr>
-              <a:xfrm>
-                <a:off x="7021489" y="1608692"/>
-                <a:ext cx="6617315" cy="2548030"/>
-              </a:xfrm>
-              <a:prstGeom prst="rect">
-                <a:avLst/>
-              </a:prstGeom>
-            </p:spPr>
-          </p:pic>
-        </p:grpSp>
-        <p:sp>
-          <p:nvSpPr>
-            <p:cNvPr id="191" name="Rectangle 190">
-              <a:extLst>
-                <a:ext uri="{FF2B5EF4-FFF2-40B4-BE49-F238E27FC236}">
-                  <a16:creationId xmlns:a16="http://schemas.microsoft.com/office/drawing/2014/main" id="{294667CD-5912-6F20-AA27-018B5AB28F84}"/>
-                </a:ext>
-                <a:ext uri="{C183D7F6-B498-43B3-948B-1728B52AA6E4}">
-                  <adec:decorative xmlns:adec="http://schemas.microsoft.com/office/drawing/2017/decorative" val="1"/>
-                </a:ext>
-              </a:extLst>
-            </p:cNvPr>
-            <p:cNvSpPr/>
-            <p:nvPr/>
-          </p:nvSpPr>
-          <p:spPr>
-            <a:xfrm>
-              <a:off x="10808461" y="2192434"/>
-              <a:ext cx="621539" cy="240012"/>
-            </a:xfrm>
-            <a:prstGeom prst="rect">
-              <a:avLst/>
-            </a:prstGeom>
-            <a:noFill/>
-            <a:ln w="28575">
-              <a:solidFill>
-                <a:schemeClr val="accent6"/>
-              </a:solidFill>
-            </a:ln>
-          </p:spPr>
-          <p:style>
-            <a:lnRef idx="2">
-              <a:schemeClr val="accent1">
-                <a:shade val="15000"/>
-              </a:schemeClr>
-            </a:lnRef>
-            <a:fillRef idx="1">
-              <a:schemeClr val="accent1"/>
-            </a:fillRef>
-            <a:effectRef idx="0">
-              <a:schemeClr val="accent1"/>
-            </a:effectRef>
-            <a:fontRef idx="minor">
-              <a:schemeClr val="lt1"/>
-            </a:fontRef>
-          </p:style>
-          <p:txBody>
-            <a:bodyPr rtlCol="0" anchor="ctr"/>
-            <a:lstStyle/>
-            <a:p>
-              <a:pPr algn="ctr"/>
-              <a:endParaRPr lang="en-US"/>
-            </a:p>
-          </p:txBody>
-        </p:sp>
-        <p:cxnSp>
-          <p:nvCxnSpPr>
-            <p:cNvPr id="201" name="Straight Connector 200">
-              <a:extLst>
-                <a:ext uri="{FF2B5EF4-FFF2-40B4-BE49-F238E27FC236}">
-                  <a16:creationId xmlns:a16="http://schemas.microsoft.com/office/drawing/2014/main" id="{35AFA839-585E-943B-16DE-AE29100E9518}"/>
-                </a:ext>
-                <a:ext uri="{C183D7F6-B498-43B3-948B-1728B52AA6E4}">
-                  <adec:decorative xmlns:adec="http://schemas.microsoft.com/office/drawing/2017/decorative" val="1"/>
-                </a:ext>
-              </a:extLst>
-            </p:cNvPr>
-            <p:cNvCxnSpPr/>
-            <p:nvPr/>
-          </p:nvCxnSpPr>
-          <p:spPr>
-            <a:xfrm>
-              <a:off x="8686800" y="2451927"/>
-              <a:ext cx="1752600" cy="0"/>
-            </a:xfrm>
-            <a:prstGeom prst="line">
-              <a:avLst/>
-            </a:prstGeom>
-          </p:spPr>
-          <p:style>
-            <a:lnRef idx="3">
-              <a:schemeClr val="accent5"/>
-            </a:lnRef>
-            <a:fillRef idx="0">
-              <a:schemeClr val="accent5"/>
-            </a:fillRef>
-            <a:effectRef idx="2">
-              <a:schemeClr val="accent5"/>
-            </a:effectRef>
-            <a:fontRef idx="minor">
-              <a:schemeClr val="tx1"/>
-            </a:fontRef>
-          </p:style>
-        </p:cxnSp>
-        <p:sp>
-          <p:nvSpPr>
-            <p:cNvPr id="203" name="TextBox 202">
-              <a:extLst>
-                <a:ext uri="{FF2B5EF4-FFF2-40B4-BE49-F238E27FC236}">
-                  <a16:creationId xmlns:a16="http://schemas.microsoft.com/office/drawing/2014/main" id="{57084D53-0D1E-3AEC-E455-B617326D7C6C}"/>
-                </a:ext>
-                <a:ext uri="{C183D7F6-B498-43B3-948B-1728B52AA6E4}">
-                  <adec:decorative xmlns:adec="http://schemas.microsoft.com/office/drawing/2017/decorative" val="1"/>
-                </a:ext>
-              </a:extLst>
-            </p:cNvPr>
-            <p:cNvSpPr txBox="1"/>
-            <p:nvPr/>
-          </p:nvSpPr>
-          <p:spPr>
-            <a:xfrm>
-              <a:off x="9067800" y="1863075"/>
-              <a:ext cx="755913" cy="369332"/>
-            </a:xfrm>
-            <a:prstGeom prst="rect">
-              <a:avLst/>
-            </a:prstGeom>
-            <a:noFill/>
-          </p:spPr>
-          <p:txBody>
-            <a:bodyPr wrap="none" rtlCol="0">
-              <a:spAutoFit/>
-            </a:bodyPr>
-            <a:lstStyle/>
-            <a:p>
-              <a:r>
-                <a:rPr lang="en-US" b="1" dirty="0">
-                  <a:solidFill>
-                    <a:schemeClr val="accent1"/>
-                  </a:solidFill>
-                </a:rPr>
-                <a:t>target</a:t>
-              </a:r>
-            </a:p>
-          </p:txBody>
-        </p:sp>
-        <p:sp>
-          <p:nvSpPr>
-            <p:cNvPr id="206" name="TextBox 205">
-              <a:extLst>
-                <a:ext uri="{FF2B5EF4-FFF2-40B4-BE49-F238E27FC236}">
-                  <a16:creationId xmlns:a16="http://schemas.microsoft.com/office/drawing/2014/main" id="{BF6ACC1D-2546-C6E3-33E3-5DAA38AA0F66}"/>
-                </a:ext>
-                <a:ext uri="{C183D7F6-B498-43B3-948B-1728B52AA6E4}">
-                  <adec:decorative xmlns:adec="http://schemas.microsoft.com/office/drawing/2017/decorative" val="1"/>
-                </a:ext>
-              </a:extLst>
-            </p:cNvPr>
-            <p:cNvSpPr txBox="1"/>
-            <p:nvPr/>
-          </p:nvSpPr>
-          <p:spPr>
-            <a:xfrm>
-              <a:off x="10546630" y="1818775"/>
-              <a:ext cx="1161536" cy="369332"/>
-            </a:xfrm>
-            <a:prstGeom prst="rect">
-              <a:avLst/>
-            </a:prstGeom>
-            <a:noFill/>
-          </p:spPr>
-          <p:txBody>
-            <a:bodyPr wrap="none" rtlCol="0">
-              <a:spAutoFit/>
-            </a:bodyPr>
-            <a:lstStyle/>
-            <a:p>
-              <a:r>
-                <a:rPr lang="en-US" b="1" dirty="0">
-                  <a:solidFill>
-                    <a:schemeClr val="accent6"/>
-                  </a:solidFill>
-                </a:rPr>
-                <a:t>prediction</a:t>
-              </a:r>
-            </a:p>
-          </p:txBody>
-        </p:sp>
-      </p:grpSp>
       <p:sp>
         <p:nvSpPr>
           <p:cNvPr id="210" name="TextBox 209">
             <a:extLst>
               <a:ext uri="{FF2B5EF4-FFF2-40B4-BE49-F238E27FC236}">
                 <a16:creationId xmlns:a16="http://schemas.microsoft.com/office/drawing/2014/main" id="{13ACAB3D-4D78-A729-56A7-99CD629A1EF9}"/>
+              </a:ext>
+              <a:ext uri="{C183D7F6-B498-43B3-948B-1728B52AA6E4}">
+                <adec:decorative xmlns:adec="http://schemas.microsoft.com/office/drawing/2017/decorative" val="1"/>
               </a:ext>
             </a:extLst>
           </p:cNvPr>
@@ -23898,13 +23905,7 @@
                           <a:rPr lang="en-US" sz="1100" b="1" i="1" dirty="0" smtClean="0">
                             <a:latin typeface="Cambria Math" panose="02040503050406030204" pitchFamily="18" charset="0"/>
                           </a:rPr>
-                          <m:t>’</m:t>
-                        </m:r>
-                        <m:r>
-                          <a:rPr lang="en-US" sz="1100" b="1" i="1" dirty="0" smtClean="0">
-                            <a:latin typeface="Cambria Math" panose="02040503050406030204" pitchFamily="18" charset="0"/>
-                          </a:rPr>
-                          <m:t>)</m:t>
+                          <m:t>’)</m:t>
                         </m:r>
                       </m:oMath>
                     </m:oMathPara>
@@ -24001,41 +24002,6 @@
           <a:chExt cx="0" cy="0"/>
         </a:xfrm>
       </p:grpSpPr>
-      <p:sp>
-        <p:nvSpPr>
-          <p:cNvPr id="2" name="Title 1">
-            <a:extLst>
-              <a:ext uri="{FF2B5EF4-FFF2-40B4-BE49-F238E27FC236}">
-                <a16:creationId xmlns:a16="http://schemas.microsoft.com/office/drawing/2014/main" id="{984D26AE-3199-489F-5DCA-D4C988B4184C}"/>
-              </a:ext>
-            </a:extLst>
-          </p:cNvPr>
-          <p:cNvSpPr>
-            <a:spLocks noGrp="1"/>
-          </p:cNvSpPr>
-          <p:nvPr>
-            <p:ph type="title"/>
-          </p:nvPr>
-        </p:nvSpPr>
-        <p:spPr>
-          <a:xfrm>
-            <a:off x="6115317" y="405685"/>
-            <a:ext cx="5464968" cy="1559301"/>
-          </a:xfrm>
-        </p:spPr>
-        <p:txBody>
-          <a:bodyPr>
-            <a:normAutofit/>
-          </a:bodyPr>
-          <a:lstStyle/>
-          <a:p>
-            <a:r>
-              <a:rPr lang="en-US" sz="4000" dirty="0"/>
-              <a:t>Summary</a:t>
-            </a:r>
-          </a:p>
-        </p:txBody>
-      </p:sp>
       <p:sp useBgFill="1">
         <p:nvSpPr>
           <p:cNvPr id="9" name="Slide Background">
@@ -24192,6 +24158,41 @@
           <a:p>
             <a:pPr algn="ctr"/>
             <a:endParaRPr lang="en-US"/>
+          </a:p>
+        </p:txBody>
+      </p:sp>
+      <p:sp>
+        <p:nvSpPr>
+          <p:cNvPr id="2" name="Title 1">
+            <a:extLst>
+              <a:ext uri="{FF2B5EF4-FFF2-40B4-BE49-F238E27FC236}">
+                <a16:creationId xmlns:a16="http://schemas.microsoft.com/office/drawing/2014/main" id="{984D26AE-3199-489F-5DCA-D4C988B4184C}"/>
+              </a:ext>
+            </a:extLst>
+          </p:cNvPr>
+          <p:cNvSpPr>
+            <a:spLocks noGrp="1"/>
+          </p:cNvSpPr>
+          <p:nvPr>
+            <p:ph type="title"/>
+          </p:nvPr>
+        </p:nvSpPr>
+        <p:spPr>
+          <a:xfrm>
+            <a:off x="6115317" y="405685"/>
+            <a:ext cx="5464968" cy="1559301"/>
+          </a:xfrm>
+        </p:spPr>
+        <p:txBody>
+          <a:bodyPr>
+            <a:normAutofit/>
+          </a:bodyPr>
+          <a:lstStyle/>
+          <a:p>
+            <a:r>
+              <a:rPr lang="en-US" sz="4000" dirty="0"/>
+              <a:t>Summary</a:t>
+            </a:r>
           </a:p>
         </p:txBody>
       </p:sp>
@@ -28870,13 +28871,7 @@
                       <a:rPr lang="en-US" i="1" dirty="0" smtClean="0">
                         <a:latin typeface="Cambria Math" panose="02040503050406030204" pitchFamily="18" charset="0"/>
                       </a:rPr>
-                      <m:t>’</m:t>
-                    </m:r>
-                    <m:r>
-                      <a:rPr lang="en-US" i="1" dirty="0" smtClean="0">
-                        <a:latin typeface="Cambria Math" panose="02040503050406030204" pitchFamily="18" charset="0"/>
-                      </a:rPr>
-                      <m:t>) </m:t>
+                      <m:t>’) </m:t>
                     </m:r>
                   </m:oMath>
                 </a14:m>
@@ -30688,16 +30683,7 @@
                                 </a:solidFill>
                                 <a:latin typeface="Cambria Math" panose="02040503050406030204" pitchFamily="18" charset="0"/>
                               </a:rPr>
-                              <m:t>’</m:t>
-                            </m:r>
-                            <m:r>
-                              <a:rPr lang="en-US" b="1" i="1" dirty="0" smtClean="0">
-                                <a:solidFill>
-                                  <a:schemeClr val="accent6"/>
-                                </a:solidFill>
-                                <a:latin typeface="Cambria Math" panose="02040503050406030204" pitchFamily="18" charset="0"/>
-                              </a:rPr>
-                              <m:t> </m:t>
+                              <m:t>’ </m:t>
                             </m:r>
                           </m:e>
                         </m:d>
@@ -30833,16 +30819,7 @@
                             </a:solidFill>
                             <a:latin typeface="Cambria Math" panose="02040503050406030204" pitchFamily="18" charset="0"/>
                           </a:rPr>
-                          <m:t>’</m:t>
-                        </m:r>
-                        <m:r>
-                          <a:rPr lang="en-US" b="1" i="1" dirty="0" smtClean="0">
-                            <a:solidFill>
-                              <a:schemeClr val="accent2"/>
-                            </a:solidFill>
-                            <a:latin typeface="Cambria Math" panose="02040503050406030204" pitchFamily="18" charset="0"/>
-                          </a:rPr>
-                          <m:t>)</m:t>
+                          <m:t>’)</m:t>
                         </m:r>
                       </m:oMath>
                     </m:oMathPara>
@@ -34103,8 +34080,8 @@
           </a:p>
         </p:txBody>
       </p:sp>
-      <mc:AlternateContent xmlns:mc="http://schemas.openxmlformats.org/markup-compatibility/2006" xmlns:a14="http://schemas.microsoft.com/office/drawing/2010/main">
-        <mc:Choice Requires="a14">
+      <mc:AlternateContent xmlns:mc="http://schemas.openxmlformats.org/markup-compatibility/2006">
+        <mc:Choice xmlns:a14="http://schemas.microsoft.com/office/drawing/2010/main" Requires="a14">
           <p:sp>
             <p:nvSpPr>
               <p:cNvPr id="3" name="Content Placeholder 2">
@@ -34803,7 +34780,7 @@
             </p:txBody>
           </p:sp>
         </mc:Choice>
-        <mc:Fallback xmlns="">
+        <mc:Fallback>
           <p:sp>
             <p:nvSpPr>
               <p:cNvPr id="3" name="Content Placeholder 2">

--- a/slides/22_Reinforcement_Learning.pptx
+++ b/slides/22_Reinforcement_Learning.pptx
@@ -4893,213 +4893,6 @@
           <a:chExt cx="0" cy="0"/>
         </a:xfrm>
       </p:grpSpPr>
-      <p:sp>
-        <p:nvSpPr>
-          <p:cNvPr id="5122" name="Rectangle 5"/>
-          <p:cNvSpPr>
-            <a:spLocks noGrp="1" noChangeArrowheads="1"/>
-          </p:cNvSpPr>
-          <p:nvPr>
-            <p:ph type="ctrTitle"/>
-          </p:nvPr>
-        </p:nvSpPr>
-        <p:spPr>
-          <a:xfrm>
-            <a:off x="477980" y="1122363"/>
-            <a:ext cx="4551220" cy="3204134"/>
-          </a:xfrm>
-        </p:spPr>
-        <p:txBody>
-          <a:bodyPr anchor="b">
-            <a:noAutofit/>
-          </a:bodyPr>
-          <a:lstStyle/>
-          <a:p>
-            <a:pPr algn="l"/>
-            <a:r>
-              <a:rPr lang="en-US" sz="3600" b="1" dirty="0">
-                <a:solidFill>
-                  <a:schemeClr val="bg1"/>
-                </a:solidFill>
-                <a:effectLst>
-                  <a:outerShdw blurRad="38100" dist="38100" dir="2700000" algn="tl">
-                    <a:srgbClr val="000000">
-                      <a:alpha val="43137"/>
-                    </a:srgbClr>
-                  </a:outerShdw>
-                </a:effectLst>
-              </a:rPr>
-              <a:t>CS 5/7320 </a:t>
-            </a:r>
-            <a:br>
-              <a:rPr lang="en-US" sz="3600" b="1" dirty="0">
-                <a:solidFill>
-                  <a:schemeClr val="bg1"/>
-                </a:solidFill>
-                <a:effectLst>
-                  <a:outerShdw blurRad="38100" dist="38100" dir="2700000" algn="tl">
-                    <a:srgbClr val="000000">
-                      <a:alpha val="43137"/>
-                    </a:srgbClr>
-                  </a:outerShdw>
-                </a:effectLst>
-              </a:rPr>
-            </a:br>
-            <a:r>
-              <a:rPr lang="en-US" sz="3600" b="1" dirty="0">
-                <a:solidFill>
-                  <a:schemeClr val="bg1"/>
-                </a:solidFill>
-                <a:effectLst>
-                  <a:outerShdw blurRad="38100" dist="38100" dir="2700000" algn="tl">
-                    <a:srgbClr val="000000">
-                      <a:alpha val="43137"/>
-                    </a:srgbClr>
-                  </a:outerShdw>
-                </a:effectLst>
-              </a:rPr>
-              <a:t>Artificial Intelligence</a:t>
-            </a:r>
-            <a:br>
-              <a:rPr lang="en-US" sz="3600" b="1" dirty="0">
-                <a:solidFill>
-                  <a:schemeClr val="bg1"/>
-                </a:solidFill>
-                <a:effectLst>
-                  <a:outerShdw blurRad="38100" dist="38100" dir="2700000" algn="tl">
-                    <a:srgbClr val="000000">
-                      <a:alpha val="43137"/>
-                    </a:srgbClr>
-                  </a:outerShdw>
-                </a:effectLst>
-              </a:rPr>
-            </a:br>
-            <a:br>
-              <a:rPr lang="en-US" sz="3600" b="1" dirty="0">
-                <a:solidFill>
-                  <a:schemeClr val="bg1"/>
-                </a:solidFill>
-                <a:effectLst>
-                  <a:outerShdw blurRad="38100" dist="38100" dir="2700000" algn="tl">
-                    <a:srgbClr val="000000">
-                      <a:alpha val="43137"/>
-                    </a:srgbClr>
-                  </a:outerShdw>
-                </a:effectLst>
-              </a:rPr>
-            </a:br>
-            <a:r>
-              <a:rPr lang="en-US" sz="3600" b="1" dirty="0">
-                <a:solidFill>
-                  <a:schemeClr val="bg1"/>
-                </a:solidFill>
-                <a:effectLst>
-                  <a:outerShdw blurRad="38100" dist="38100" dir="2700000" algn="tl">
-                    <a:srgbClr val="000000">
-                      <a:alpha val="43137"/>
-                    </a:srgbClr>
-                  </a:outerShdw>
-                </a:effectLst>
-              </a:rPr>
-              <a:t>Reinforcement Learning</a:t>
-            </a:r>
-            <a:br>
-              <a:rPr lang="en-US" sz="3600" b="1" dirty="0">
-                <a:solidFill>
-                  <a:schemeClr val="bg1"/>
-                </a:solidFill>
-                <a:effectLst>
-                  <a:outerShdw blurRad="38100" dist="38100" dir="2700000" algn="tl">
-                    <a:srgbClr val="000000">
-                      <a:alpha val="43137"/>
-                    </a:srgbClr>
-                  </a:outerShdw>
-                </a:effectLst>
-              </a:rPr>
-            </a:br>
-            <a:r>
-              <a:rPr lang="en-US" sz="3600" dirty="0">
-                <a:solidFill>
-                  <a:schemeClr val="bg1"/>
-                </a:solidFill>
-              </a:rPr>
-              <a:t>AIMA Chapter 17+22</a:t>
-            </a:r>
-            <a:endParaRPr lang="en-US" sz="3600" dirty="0">
-              <a:solidFill>
-                <a:schemeClr val="bg1"/>
-              </a:solidFill>
-              <a:effectLst>
-                <a:outerShdw blurRad="38100" dist="38100" dir="2700000" algn="tl">
-                  <a:srgbClr val="000000">
-                    <a:alpha val="43137"/>
-                  </a:srgbClr>
-                </a:outerShdw>
-              </a:effectLst>
-            </a:endParaRPr>
-          </a:p>
-        </p:txBody>
-      </p:sp>
-      <p:sp>
-        <p:nvSpPr>
-          <p:cNvPr id="5123" name="Rectangle 6"/>
-          <p:cNvSpPr>
-            <a:spLocks noGrp="1" noChangeArrowheads="1"/>
-          </p:cNvSpPr>
-          <p:nvPr>
-            <p:ph type="subTitle" idx="1"/>
-          </p:nvPr>
-        </p:nvSpPr>
-        <p:spPr>
-          <a:xfrm>
-            <a:off x="477980" y="4872922"/>
-            <a:ext cx="4023359" cy="1208141"/>
-          </a:xfrm>
-        </p:spPr>
-        <p:txBody>
-          <a:bodyPr>
-            <a:normAutofit/>
-          </a:bodyPr>
-          <a:lstStyle/>
-          <a:p>
-            <a:pPr algn="l"/>
-            <a:r>
-              <a:rPr lang="en-US" sz="1600" dirty="0">
-                <a:solidFill>
-                  <a:schemeClr val="bg1"/>
-                </a:solidFill>
-                <a:cs typeface="Calibri"/>
-              </a:rPr>
-              <a:t>Slides by Michael Hahsler  </a:t>
-            </a:r>
-            <a:br>
-              <a:rPr lang="en-US" sz="1600" dirty="0">
-                <a:solidFill>
-                  <a:schemeClr val="bg1"/>
-                </a:solidFill>
-                <a:cs typeface="Calibri"/>
-              </a:rPr>
-            </a:br>
-            <a:r>
-              <a:rPr lang="en-US" sz="1600" dirty="0">
-                <a:solidFill>
-                  <a:schemeClr val="bg1"/>
-                </a:solidFill>
-                <a:cs typeface="Calibri"/>
-              </a:rPr>
-              <a:t>with figures from the AIMA textbook.</a:t>
-            </a:r>
-          </a:p>
-          <a:p>
-            <a:pPr algn="l"/>
-            <a:endParaRPr lang="en-US" sz="1600" b="1" dirty="0">
-              <a:solidFill>
-                <a:schemeClr val="bg1"/>
-              </a:solidFill>
-            </a:endParaRPr>
-          </a:p>
-        </p:txBody>
-      </p:sp>
       <p:sp useBgFill="1">
         <p:nvSpPr>
           <p:cNvPr id="5129" name="Rectangle 5128">
@@ -5190,7 +4983,7 @@
         </p:blipFill>
         <p:spPr bwMode="auto">
           <a:xfrm>
-            <a:off x="4130181" y="10"/>
+            <a:off x="3523488" y="10"/>
             <a:ext cx="8668512" cy="6857990"/>
           </a:xfrm>
           <a:prstGeom prst="rect">
@@ -5495,137 +5288,6 @@
           </a:p>
         </p:txBody>
       </p:sp>
-      <p:pic>
-        <p:nvPicPr>
-          <p:cNvPr id="18" name="Picture 4">
-            <a:extLst>
-              <a:ext uri="{FF2B5EF4-FFF2-40B4-BE49-F238E27FC236}">
-                <a16:creationId xmlns:a16="http://schemas.microsoft.com/office/drawing/2014/main" id="{67259A3D-DFAB-4657-8C93-F2F7ED3F5852}"/>
-              </a:ext>
-              <a:ext uri="{C183D7F6-B498-43B3-948B-1728B52AA6E4}">
-                <adec:decorative xmlns:adec="http://schemas.microsoft.com/office/drawing/2017/decorative" val="1"/>
-              </a:ext>
-            </a:extLst>
-          </p:cNvPr>
-          <p:cNvPicPr>
-            <a:picLocks noChangeAspect="1" noChangeArrowheads="1"/>
-          </p:cNvPicPr>
-          <p:nvPr/>
-        </p:nvPicPr>
-        <p:blipFill>
-          <a:blip r:embed="rId4">
-            <a:extLst>
-              <a:ext uri="{28A0092B-C50C-407E-A947-70E740481C1C}">
-                <a14:useLocalDpi xmlns:a14="http://schemas.microsoft.com/office/drawing/2010/main" val="0"/>
-              </a:ext>
-            </a:extLst>
-          </a:blip>
-          <a:srcRect/>
-          <a:stretch>
-            <a:fillRect/>
-          </a:stretch>
-        </p:blipFill>
-        <p:spPr bwMode="auto">
-          <a:xfrm>
-            <a:off x="601873" y="6357689"/>
-            <a:ext cx="838200" cy="295275"/>
-          </a:xfrm>
-          <a:prstGeom prst="rect">
-            <a:avLst/>
-          </a:prstGeom>
-          <a:noFill/>
-          <a:extLst>
-            <a:ext uri="{909E8E84-426E-40DD-AFC4-6F175D3DCCD1}">
-              <a14:hiddenFill xmlns:a14="http://schemas.microsoft.com/office/drawing/2010/main">
-                <a:solidFill>
-                  <a:srgbClr val="FFFFFF"/>
-                </a:solidFill>
-              </a14:hiddenFill>
-            </a:ext>
-          </a:extLst>
-        </p:spPr>
-      </p:pic>
-      <p:sp>
-        <p:nvSpPr>
-          <p:cNvPr id="19" name="TextBox 18">
-            <a:extLst>
-              <a:ext uri="{FF2B5EF4-FFF2-40B4-BE49-F238E27FC236}">
-                <a16:creationId xmlns:a16="http://schemas.microsoft.com/office/drawing/2014/main" id="{84322797-EFC0-4BD6-A554-1C7992D224D7}"/>
-              </a:ext>
-              <a:ext uri="{C183D7F6-B498-43B3-948B-1728B52AA6E4}">
-                <adec:decorative xmlns:adec="http://schemas.microsoft.com/office/drawing/2017/decorative" val="1"/>
-              </a:ext>
-            </a:extLst>
-          </p:cNvPr>
-          <p:cNvSpPr txBox="1"/>
-          <p:nvPr/>
-        </p:nvSpPr>
-        <p:spPr>
-          <a:xfrm>
-            <a:off x="1402079" y="6248400"/>
-            <a:ext cx="3017521" cy="430887"/>
-          </a:xfrm>
-          <a:prstGeom prst="rect">
-            <a:avLst/>
-          </a:prstGeom>
-          <a:noFill/>
-        </p:spPr>
-        <p:txBody>
-          <a:bodyPr wrap="square">
-            <a:spAutoFit/>
-          </a:bodyPr>
-          <a:lstStyle/>
-          <a:p>
-            <a:pPr>
-              <a:spcAft>
-                <a:spcPts val="600"/>
-              </a:spcAft>
-            </a:pPr>
-            <a:r>
-              <a:rPr lang="en-US" sz="1100" b="0" i="0" dirty="0">
-                <a:solidFill>
-                  <a:schemeClr val="bg1"/>
-                </a:solidFill>
-                <a:effectLst/>
-                <a:latin typeface="source sans pro" panose="020B0503030403020204" pitchFamily="34" charset="0"/>
-              </a:rPr>
-              <a:t>This work is licensed under a </a:t>
-            </a:r>
-            <a:r>
-              <a:rPr lang="en-US" sz="1100" b="0" i="0" strike="noStrike" dirty="0">
-                <a:solidFill>
-                  <a:schemeClr val="bg1"/>
-                </a:solidFill>
-                <a:effectLst/>
-                <a:latin typeface="source sans pro" panose="020B0503030403020204" pitchFamily="34" charset="0"/>
-                <a:hlinkClick r:id="rId5">
-                  <a:extLst>
-                    <a:ext uri="{A12FA001-AC4F-418D-AE19-62706E023703}">
-                      <ahyp:hlinkClr xmlns:ahyp="http://schemas.microsoft.com/office/drawing/2018/hyperlinkcolor" val="tx"/>
-                    </a:ext>
-                  </a:extLst>
-                </a:hlinkClick>
-              </a:rPr>
-              <a:t>Creative Commons Attribution-ShareAlike 4.0 International License</a:t>
-            </a:r>
-            <a:r>
-              <a:rPr lang="en-US" sz="1100" b="0" i="0" dirty="0">
-                <a:solidFill>
-                  <a:schemeClr val="bg1"/>
-                </a:solidFill>
-                <a:effectLst/>
-                <a:latin typeface="source sans pro" panose="020B0503030403020204" pitchFamily="34" charset="0"/>
-              </a:rPr>
-              <a:t>.</a:t>
-            </a:r>
-            <a:endParaRPr lang="en-US" sz="1100" dirty="0">
-              <a:solidFill>
-                <a:schemeClr val="bg1"/>
-              </a:solidFill>
-            </a:endParaRPr>
-          </a:p>
-        </p:txBody>
-      </p:sp>
       <p:grpSp>
         <p:nvGrpSpPr>
           <p:cNvPr id="2" name="Group 1">
@@ -5643,7 +5305,7 @@
         </p:nvGrpSpPr>
         <p:grpSpPr>
           <a:xfrm>
-            <a:off x="11420244" y="5177442"/>
+            <a:off x="10813551" y="5177442"/>
             <a:ext cx="1218146" cy="1440289"/>
             <a:chOff x="7151029" y="4191000"/>
             <a:chExt cx="1688171" cy="1981200"/>
@@ -5709,7 +5371,7 @@
             <p:nvPr/>
           </p:nvPicPr>
           <p:blipFill>
-            <a:blip r:embed="rId6">
+            <a:blip r:embed="rId4">
               <a:extLst>
                 <a:ext uri="{28A0092B-C50C-407E-A947-70E740481C1C}">
                   <a14:useLocalDpi xmlns:a14="http://schemas.microsoft.com/office/drawing/2010/main" val="0"/>
@@ -5779,6 +5441,388 @@
             </a:p>
           </p:txBody>
         </p:sp>
+      </p:grpSp>
+      <p:sp>
+        <p:nvSpPr>
+          <p:cNvPr id="5122" name="Rectangle 5"/>
+          <p:cNvSpPr>
+            <a:spLocks noGrp="1" noChangeArrowheads="1"/>
+          </p:cNvSpPr>
+          <p:nvPr>
+            <p:ph type="ctrTitle"/>
+          </p:nvPr>
+        </p:nvSpPr>
+        <p:spPr>
+          <a:xfrm>
+            <a:off x="477980" y="1122363"/>
+            <a:ext cx="4551220" cy="3204134"/>
+          </a:xfrm>
+        </p:spPr>
+        <p:txBody>
+          <a:bodyPr anchor="b">
+            <a:noAutofit/>
+          </a:bodyPr>
+          <a:lstStyle/>
+          <a:p>
+            <a:pPr algn="l"/>
+            <a:r>
+              <a:rPr lang="en-US" sz="3600" b="1" dirty="0">
+                <a:solidFill>
+                  <a:schemeClr val="bg1"/>
+                </a:solidFill>
+                <a:effectLst>
+                  <a:outerShdw blurRad="38100" dist="38100" dir="2700000" algn="tl">
+                    <a:srgbClr val="000000">
+                      <a:alpha val="43137"/>
+                    </a:srgbClr>
+                  </a:outerShdw>
+                </a:effectLst>
+              </a:rPr>
+              <a:t>CS 5/7320 </a:t>
+            </a:r>
+            <a:br>
+              <a:rPr lang="en-US" sz="3600" b="1" dirty="0">
+                <a:solidFill>
+                  <a:schemeClr val="bg1"/>
+                </a:solidFill>
+                <a:effectLst>
+                  <a:outerShdw blurRad="38100" dist="38100" dir="2700000" algn="tl">
+                    <a:srgbClr val="000000">
+                      <a:alpha val="43137"/>
+                    </a:srgbClr>
+                  </a:outerShdw>
+                </a:effectLst>
+              </a:rPr>
+            </a:br>
+            <a:r>
+              <a:rPr lang="en-US" sz="3600" b="1" dirty="0">
+                <a:solidFill>
+                  <a:schemeClr val="bg1"/>
+                </a:solidFill>
+                <a:effectLst>
+                  <a:outerShdw blurRad="38100" dist="38100" dir="2700000" algn="tl">
+                    <a:srgbClr val="000000">
+                      <a:alpha val="43137"/>
+                    </a:srgbClr>
+                  </a:outerShdw>
+                </a:effectLst>
+              </a:rPr>
+              <a:t>Artificial Intelligence</a:t>
+            </a:r>
+            <a:br>
+              <a:rPr lang="en-US" sz="3600" b="1" dirty="0">
+                <a:solidFill>
+                  <a:schemeClr val="bg1"/>
+                </a:solidFill>
+                <a:effectLst>
+                  <a:outerShdw blurRad="38100" dist="38100" dir="2700000" algn="tl">
+                    <a:srgbClr val="000000">
+                      <a:alpha val="43137"/>
+                    </a:srgbClr>
+                  </a:outerShdw>
+                </a:effectLst>
+              </a:rPr>
+            </a:br>
+            <a:br>
+              <a:rPr lang="en-US" sz="3600" b="1" dirty="0">
+                <a:solidFill>
+                  <a:schemeClr val="bg1"/>
+                </a:solidFill>
+                <a:effectLst>
+                  <a:outerShdw blurRad="38100" dist="38100" dir="2700000" algn="tl">
+                    <a:srgbClr val="000000">
+                      <a:alpha val="43137"/>
+                    </a:srgbClr>
+                  </a:outerShdw>
+                </a:effectLst>
+              </a:rPr>
+            </a:br>
+            <a:r>
+              <a:rPr lang="en-US" sz="3200" b="1" dirty="0">
+                <a:solidFill>
+                  <a:schemeClr val="bg1"/>
+                </a:solidFill>
+                <a:effectLst>
+                  <a:outerShdw blurRad="38100" dist="38100" dir="2700000" algn="tl">
+                    <a:srgbClr val="000000">
+                      <a:alpha val="43137"/>
+                    </a:srgbClr>
+                  </a:outerShdw>
+                </a:effectLst>
+              </a:rPr>
+              <a:t>Reinforcement Learning</a:t>
+            </a:r>
+            <a:br>
+              <a:rPr lang="en-US" sz="3200" b="1" dirty="0">
+                <a:solidFill>
+                  <a:schemeClr val="bg1"/>
+                </a:solidFill>
+                <a:effectLst>
+                  <a:outerShdw blurRad="38100" dist="38100" dir="2700000" algn="tl">
+                    <a:srgbClr val="000000">
+                      <a:alpha val="43137"/>
+                    </a:srgbClr>
+                  </a:outerShdw>
+                </a:effectLst>
+              </a:rPr>
+            </a:br>
+            <a:r>
+              <a:rPr lang="en-US" sz="3200" dirty="0">
+                <a:solidFill>
+                  <a:schemeClr val="bg1"/>
+                </a:solidFill>
+              </a:rPr>
+              <a:t>AIMA Chapter 17+22</a:t>
+            </a:r>
+            <a:endParaRPr lang="en-US" sz="3600" dirty="0">
+              <a:solidFill>
+                <a:schemeClr val="bg1"/>
+              </a:solidFill>
+              <a:effectLst>
+                <a:outerShdw blurRad="38100" dist="38100" dir="2700000" algn="tl">
+                  <a:srgbClr val="000000">
+                    <a:alpha val="43137"/>
+                  </a:srgbClr>
+                </a:outerShdw>
+              </a:effectLst>
+            </a:endParaRPr>
+          </a:p>
+        </p:txBody>
+      </p:sp>
+      <p:sp>
+        <p:nvSpPr>
+          <p:cNvPr id="5123" name="Rectangle 6"/>
+          <p:cNvSpPr>
+            <a:spLocks noGrp="1" noChangeArrowheads="1"/>
+          </p:cNvSpPr>
+          <p:nvPr>
+            <p:ph type="subTitle" idx="1"/>
+          </p:nvPr>
+        </p:nvSpPr>
+        <p:spPr>
+          <a:xfrm>
+            <a:off x="477980" y="4872922"/>
+            <a:ext cx="4023359" cy="1208141"/>
+          </a:xfrm>
+        </p:spPr>
+        <p:txBody>
+          <a:bodyPr>
+            <a:normAutofit/>
+          </a:bodyPr>
+          <a:lstStyle/>
+          <a:p>
+            <a:pPr algn="l"/>
+            <a:r>
+              <a:rPr lang="en-US" sz="1600" dirty="0">
+                <a:solidFill>
+                  <a:schemeClr val="bg1"/>
+                </a:solidFill>
+                <a:cs typeface="Calibri"/>
+              </a:rPr>
+              <a:t>Slides by Michael Hahsler  </a:t>
+            </a:r>
+            <a:br>
+              <a:rPr lang="en-US" sz="1600" dirty="0">
+                <a:solidFill>
+                  <a:schemeClr val="bg1"/>
+                </a:solidFill>
+                <a:cs typeface="Calibri"/>
+              </a:rPr>
+            </a:br>
+            <a:r>
+              <a:rPr lang="en-US" sz="1600" dirty="0">
+                <a:solidFill>
+                  <a:schemeClr val="bg1"/>
+                </a:solidFill>
+                <a:cs typeface="Calibri"/>
+              </a:rPr>
+              <a:t>with figures from the AIMA textbook.</a:t>
+            </a:r>
+          </a:p>
+          <a:p>
+            <a:pPr algn="l"/>
+            <a:endParaRPr lang="en-US" sz="1600" b="1" dirty="0">
+              <a:solidFill>
+                <a:schemeClr val="bg1"/>
+              </a:solidFill>
+            </a:endParaRPr>
+          </a:p>
+        </p:txBody>
+      </p:sp>
+      <p:grpSp>
+        <p:nvGrpSpPr>
+          <p:cNvPr id="6" name="Group 5">
+            <a:extLst>
+              <a:ext uri="{FF2B5EF4-FFF2-40B4-BE49-F238E27FC236}">
+                <a16:creationId xmlns:a16="http://schemas.microsoft.com/office/drawing/2014/main" id="{6AF7C263-EC03-822E-F206-894069FB70F7}"/>
+              </a:ext>
+            </a:extLst>
+          </p:cNvPr>
+          <p:cNvGrpSpPr/>
+          <p:nvPr/>
+        </p:nvGrpSpPr>
+        <p:grpSpPr>
+          <a:xfrm>
+            <a:off x="505967" y="5797517"/>
+            <a:ext cx="3017521" cy="829971"/>
+            <a:chOff x="1219200" y="5925516"/>
+            <a:chExt cx="3017521" cy="829971"/>
+          </a:xfrm>
+        </p:grpSpPr>
+        <p:sp>
+          <p:nvSpPr>
+            <p:cNvPr id="7" name="TextBox 6">
+              <a:extLst>
+                <a:ext uri="{FF2B5EF4-FFF2-40B4-BE49-F238E27FC236}">
+                  <a16:creationId xmlns:a16="http://schemas.microsoft.com/office/drawing/2014/main" id="{17307FB8-DA9D-2E54-A182-90AA1DE4A423}"/>
+                </a:ext>
+              </a:extLst>
+            </p:cNvPr>
+            <p:cNvSpPr txBox="1"/>
+            <p:nvPr/>
+          </p:nvSpPr>
+          <p:spPr>
+            <a:xfrm>
+              <a:off x="1219200" y="6324600"/>
+              <a:ext cx="3017521" cy="430887"/>
+            </a:xfrm>
+            <a:prstGeom prst="rect">
+              <a:avLst/>
+            </a:prstGeom>
+            <a:noFill/>
+          </p:spPr>
+          <p:txBody>
+            <a:bodyPr wrap="square">
+              <a:spAutoFit/>
+            </a:bodyPr>
+            <a:lstStyle/>
+            <a:p>
+              <a:r>
+                <a:rPr lang="en-US" sz="1100" b="0" i="0" dirty="0">
+                  <a:solidFill>
+                    <a:schemeClr val="bg2"/>
+                  </a:solidFill>
+                  <a:effectLst/>
+                  <a:latin typeface="source sans pro" panose="020B0503030403020204" pitchFamily="34" charset="0"/>
+                </a:rPr>
+                <a:t>This work is licensed under a </a:t>
+              </a:r>
+              <a:r>
+                <a:rPr lang="en-US" sz="1100" b="0" i="0" strike="noStrike" dirty="0">
+                  <a:solidFill>
+                    <a:schemeClr val="bg2"/>
+                  </a:solidFill>
+                  <a:effectLst/>
+                  <a:latin typeface="source sans pro" panose="020B0503030403020204" pitchFamily="34" charset="0"/>
+                  <a:hlinkClick r:id="rId5">
+                    <a:extLst>
+                      <a:ext uri="{A12FA001-AC4F-418D-AE19-62706E023703}">
+                        <ahyp:hlinkClr xmlns:ahyp="http://schemas.microsoft.com/office/drawing/2018/hyperlinkcolor" val="tx"/>
+                      </a:ext>
+                    </a:extLst>
+                  </a:hlinkClick>
+                </a:rPr>
+                <a:t>Creative Commons Attribution-</a:t>
+              </a:r>
+              <a:r>
+                <a:rPr lang="en-US" sz="1100" b="0" i="0" strike="noStrike" dirty="0" err="1">
+                  <a:solidFill>
+                    <a:schemeClr val="bg2"/>
+                  </a:solidFill>
+                  <a:effectLst/>
+                  <a:latin typeface="source sans pro" panose="020B0503030403020204" pitchFamily="34" charset="0"/>
+                  <a:hlinkClick r:id="rId5">
+                    <a:extLst>
+                      <a:ext uri="{A12FA001-AC4F-418D-AE19-62706E023703}">
+                        <ahyp:hlinkClr xmlns:ahyp="http://schemas.microsoft.com/office/drawing/2018/hyperlinkcolor" val="tx"/>
+                      </a:ext>
+                    </a:extLst>
+                  </a:hlinkClick>
+                </a:rPr>
+                <a:t>ShareAlike</a:t>
+              </a:r>
+              <a:r>
+                <a:rPr lang="en-US" sz="1100" b="0" i="0" strike="noStrike" dirty="0">
+                  <a:solidFill>
+                    <a:schemeClr val="bg2"/>
+                  </a:solidFill>
+                  <a:effectLst/>
+                  <a:latin typeface="source sans pro" panose="020B0503030403020204" pitchFamily="34" charset="0"/>
+                  <a:hlinkClick r:id="rId5">
+                    <a:extLst>
+                      <a:ext uri="{A12FA001-AC4F-418D-AE19-62706E023703}">
+                        <ahyp:hlinkClr xmlns:ahyp="http://schemas.microsoft.com/office/drawing/2018/hyperlinkcolor" val="tx"/>
+                      </a:ext>
+                    </a:extLst>
+                  </a:hlinkClick>
+                </a:rPr>
+                <a:t> 4.0 International License</a:t>
+              </a:r>
+              <a:r>
+                <a:rPr lang="en-US" sz="1100" b="0" i="0" dirty="0">
+                  <a:solidFill>
+                    <a:schemeClr val="bg2"/>
+                  </a:solidFill>
+                  <a:effectLst/>
+                  <a:latin typeface="source sans pro" panose="020B0503030403020204" pitchFamily="34" charset="0"/>
+                </a:rPr>
+                <a:t>.</a:t>
+              </a:r>
+              <a:endParaRPr lang="en-US" sz="1100" dirty="0">
+                <a:solidFill>
+                  <a:schemeClr val="bg2"/>
+                </a:solidFill>
+              </a:endParaRPr>
+            </a:p>
+          </p:txBody>
+        </p:sp>
+        <p:pic>
+          <p:nvPicPr>
+            <p:cNvPr id="8" name="Picture 2">
+              <a:extLst>
+                <a:ext uri="{FF2B5EF4-FFF2-40B4-BE49-F238E27FC236}">
+                  <a16:creationId xmlns:a16="http://schemas.microsoft.com/office/drawing/2014/main" id="{6FDB9004-B474-40C2-7B4E-946EDF008049}"/>
+                </a:ext>
+              </a:extLst>
+            </p:cNvPr>
+            <p:cNvPicPr>
+              <a:picLocks noChangeAspect="1" noChangeArrowheads="1"/>
+            </p:cNvPicPr>
+            <p:nvPr/>
+          </p:nvPicPr>
+          <p:blipFill>
+            <a:blip r:embed="rId6" cstate="print">
+              <a:extLst>
+                <a:ext uri="{28A0092B-C50C-407E-A947-70E740481C1C}">
+                  <a14:useLocalDpi xmlns:a14="http://schemas.microsoft.com/office/drawing/2010/main" val="0"/>
+                </a:ext>
+              </a:extLst>
+            </a:blip>
+            <a:srcRect/>
+            <a:stretch>
+              <a:fillRect/>
+            </a:stretch>
+          </p:blipFill>
+          <p:spPr bwMode="auto">
+            <a:xfrm>
+              <a:off x="1277390" y="5925516"/>
+              <a:ext cx="888838" cy="311093"/>
+            </a:xfrm>
+            <a:prstGeom prst="rect">
+              <a:avLst/>
+            </a:prstGeom>
+            <a:noFill/>
+            <a:extLst>
+              <a:ext uri="{909E8E84-426E-40DD-AFC4-6F175D3DCCD1}">
+                <a14:hiddenFill xmlns:a14="http://schemas.microsoft.com/office/drawing/2010/main">
+                  <a:solidFill>
+                    <a:srgbClr val="FFFFFF"/>
+                  </a:solidFill>
+                </a14:hiddenFill>
+              </a:ext>
+            </a:extLst>
+          </p:spPr>
+        </p:pic>
       </p:grpSp>
     </p:spTree>
   </p:cSld>
@@ -11023,8 +11067,8 @@
           </a:p>
         </p:txBody>
       </p:sp>
-      <mc:AlternateContent xmlns:mc="http://schemas.openxmlformats.org/markup-compatibility/2006">
-        <mc:Choice xmlns:a14="http://schemas.microsoft.com/office/drawing/2010/main" Requires="a14">
+      <mc:AlternateContent xmlns:mc="http://schemas.openxmlformats.org/markup-compatibility/2006" xmlns:a14="http://schemas.microsoft.com/office/drawing/2010/main">
+        <mc:Choice Requires="a14">
           <p:sp>
             <p:nvSpPr>
               <p:cNvPr id="3" name="Content Placeholder 2">
@@ -11279,7 +11323,7 @@
             </p:txBody>
           </p:sp>
         </mc:Choice>
-        <mc:Fallback>
+        <mc:Fallback xmlns="">
           <p:sp>
             <p:nvSpPr>
               <p:cNvPr id="3" name="Content Placeholder 2">
@@ -22105,8 +22149,8 @@
           </a:p>
         </p:txBody>
       </p:sp>
-      <mc:AlternateContent xmlns:mc="http://schemas.openxmlformats.org/markup-compatibility/2006">
-        <mc:Choice xmlns:a14="http://schemas.microsoft.com/office/drawing/2010/main" Requires="a14">
+      <mc:AlternateContent xmlns:mc="http://schemas.openxmlformats.org/markup-compatibility/2006" xmlns:a14="http://schemas.microsoft.com/office/drawing/2010/main">
+        <mc:Choice Requires="a14">
           <p:sp>
             <p:nvSpPr>
               <p:cNvPr id="202" name="TextBox 201">
@@ -22440,7 +22484,7 @@
             </p:txBody>
           </p:sp>
         </mc:Choice>
-        <mc:Fallback>
+        <mc:Fallback xmlns="">
           <p:sp>
             <p:nvSpPr>
               <p:cNvPr id="202" name="TextBox 201">
@@ -34080,8 +34124,8 @@
           </a:p>
         </p:txBody>
       </p:sp>
-      <mc:AlternateContent xmlns:mc="http://schemas.openxmlformats.org/markup-compatibility/2006">
-        <mc:Choice xmlns:a14="http://schemas.microsoft.com/office/drawing/2010/main" Requires="a14">
+      <mc:AlternateContent xmlns:mc="http://schemas.openxmlformats.org/markup-compatibility/2006" xmlns:a14="http://schemas.microsoft.com/office/drawing/2010/main">
+        <mc:Choice Requires="a14">
           <p:sp>
             <p:nvSpPr>
               <p:cNvPr id="3" name="Content Placeholder 2">
@@ -34780,7 +34824,7 @@
             </p:txBody>
           </p:sp>
         </mc:Choice>
-        <mc:Fallback>
+        <mc:Fallback xmlns="">
           <p:sp>
             <p:nvSpPr>
               <p:cNvPr id="3" name="Content Placeholder 2">

--- a/slides/22_Reinforcement_Learning.pptx
+++ b/slides/22_Reinforcement_Learning.pptx
@@ -7280,8 +7280,8 @@
           </a:p>
         </p:txBody>
       </p:sp>
-      <mc:AlternateContent xmlns:mc="http://schemas.openxmlformats.org/markup-compatibility/2006">
-        <mc:Choice xmlns:a14="http://schemas.microsoft.com/office/drawing/2010/main" Requires="a14">
+      <mc:AlternateContent xmlns:mc="http://schemas.openxmlformats.org/markup-compatibility/2006" xmlns:a14="http://schemas.microsoft.com/office/drawing/2010/main">
+        <mc:Choice Requires="a14">
           <p:sp>
             <p:nvSpPr>
               <p:cNvPr id="3" name="Content Placeholder 2">
@@ -7790,7 +7790,7 @@
             </p:txBody>
           </p:sp>
         </mc:Choice>
-        <mc:Fallback>
+        <mc:Fallback xmlns="">
           <p:sp>
             <p:nvSpPr>
               <p:cNvPr id="3" name="Content Placeholder 2">
@@ -9816,8 +9816,8 @@
           </p:sp>
         </mc:Fallback>
       </mc:AlternateContent>
-      <mc:AlternateContent xmlns:mc="http://schemas.openxmlformats.org/markup-compatibility/2006">
-        <mc:Choice xmlns:a14="http://schemas.microsoft.com/office/drawing/2010/main" Requires="a14">
+      <mc:AlternateContent xmlns:mc="http://schemas.openxmlformats.org/markup-compatibility/2006" xmlns:a14="http://schemas.microsoft.com/office/drawing/2010/main">
+        <mc:Choice Requires="a14">
           <p:sp>
             <p:nvSpPr>
               <p:cNvPr id="13" name="TextBox 12">
@@ -9933,7 +9933,7 @@
             </p:txBody>
           </p:sp>
         </mc:Choice>
-        <mc:Fallback>
+        <mc:Fallback xmlns="">
           <p:sp>
             <p:nvSpPr>
               <p:cNvPr id="13" name="TextBox 12">
@@ -11294,8 +11294,8 @@
           </p:sp>
         </mc:Fallback>
       </mc:AlternateContent>
-      <mc:AlternateContent xmlns:mc="http://schemas.openxmlformats.org/markup-compatibility/2006">
-        <mc:Choice xmlns:a14="http://schemas.microsoft.com/office/drawing/2010/main" Requires="a14">
+      <mc:AlternateContent xmlns:mc="http://schemas.openxmlformats.org/markup-compatibility/2006" xmlns:a14="http://schemas.microsoft.com/office/drawing/2010/main">
+        <mc:Choice Requires="a14">
           <p:sp>
             <p:nvSpPr>
               <p:cNvPr id="16" name="TextBox 15">
@@ -11353,7 +11353,7 @@
             </p:txBody>
           </p:sp>
         </mc:Choice>
-        <mc:Fallback>
+        <mc:Fallback xmlns="">
           <p:sp>
             <p:nvSpPr>
               <p:cNvPr id="16" name="TextBox 15">
@@ -13363,7 +13363,7 @@
         <p:spPr>
           <a:xfrm>
             <a:off x="5410200" y="6108481"/>
-            <a:ext cx="1447800" cy="395723"/>
+            <a:ext cx="1981200" cy="395723"/>
           </a:xfrm>
           <a:prstGeom prst="wedgeRoundRectCallout">
             <a:avLst>
@@ -13396,13 +13396,13 @@
             <a:pPr algn="ctr"/>
             <a:r>
               <a:rPr lang="en-US" sz="1600" dirty="0"/>
-              <a:t>Convergence? </a:t>
+              <a:t>Convergence test </a:t>
             </a:r>
           </a:p>
         </p:txBody>
       </p:sp>
-      <mc:AlternateContent xmlns:mc="http://schemas.openxmlformats.org/markup-compatibility/2006">
-        <mc:Choice xmlns:a14="http://schemas.microsoft.com/office/drawing/2010/main" Requires="a14">
+      <mc:AlternateContent xmlns:mc="http://schemas.openxmlformats.org/markup-compatibility/2006" xmlns:a14="http://schemas.microsoft.com/office/drawing/2010/main">
+        <mc:Choice Requires="a14">
           <p:sp>
             <p:nvSpPr>
               <p:cNvPr id="7" name="TextBox 6">
@@ -13460,7 +13460,7 @@
             </p:txBody>
           </p:sp>
         </mc:Choice>
-        <mc:Fallback>
+        <mc:Fallback xmlns="">
           <p:sp>
             <p:nvSpPr>
               <p:cNvPr id="7" name="TextBox 6">
@@ -13911,8 +13911,8 @@
             <a:chExt cx="8813881" cy="1767559"/>
           </a:xfrm>
         </p:grpSpPr>
-        <mc:AlternateContent xmlns:mc="http://schemas.openxmlformats.org/markup-compatibility/2006">
-          <mc:Choice xmlns:a14="http://schemas.microsoft.com/office/drawing/2010/main" Requires="a14">
+        <mc:AlternateContent xmlns:mc="http://schemas.openxmlformats.org/markup-compatibility/2006" xmlns:a14="http://schemas.microsoft.com/office/drawing/2010/main">
+          <mc:Choice Requires="a14">
             <p:sp>
               <p:nvSpPr>
                 <p:cNvPr id="6" name="Content Placeholder 2">
@@ -14337,7 +14337,7 @@
               </p:txBody>
             </p:sp>
           </mc:Choice>
-          <mc:Fallback>
+          <mc:Fallback xmlns="">
             <p:sp>
               <p:nvSpPr>
                 <p:cNvPr id="6" name="Content Placeholder 2">
@@ -14452,8 +14452,8 @@
               </a:p>
             </p:txBody>
           </p:sp>
-          <mc:AlternateContent xmlns:mc="http://schemas.openxmlformats.org/markup-compatibility/2006">
-            <mc:Choice xmlns:a14="http://schemas.microsoft.com/office/drawing/2010/main" Requires="a14">
+          <mc:AlternateContent xmlns:mc="http://schemas.openxmlformats.org/markup-compatibility/2006" xmlns:a14="http://schemas.microsoft.com/office/drawing/2010/main">
+            <mc:Choice Requires="a14">
               <p:sp>
                 <p:nvSpPr>
                   <p:cNvPr id="12" name="TextBox 11">
@@ -14522,7 +14522,7 @@
                 </p:txBody>
               </p:sp>
             </mc:Choice>
-            <mc:Fallback>
+            <mc:Fallback xmlns="">
               <p:sp>
                 <p:nvSpPr>
                   <p:cNvPr id="12" name="TextBox 11">
@@ -14571,8 +14571,8 @@
             </mc:Fallback>
           </mc:AlternateContent>
         </p:grpSp>
-        <mc:AlternateContent xmlns:mc="http://schemas.openxmlformats.org/markup-compatibility/2006">
-          <mc:Choice xmlns:a14="http://schemas.microsoft.com/office/drawing/2010/main" Requires="a14">
+        <mc:AlternateContent xmlns:mc="http://schemas.openxmlformats.org/markup-compatibility/2006" xmlns:a14="http://schemas.microsoft.com/office/drawing/2010/main">
+          <mc:Choice Requires="a14">
             <p:sp>
               <p:nvSpPr>
                 <p:cNvPr id="13" name="TextBox 12">
@@ -14679,7 +14679,7 @@
               </p:txBody>
             </p:sp>
           </mc:Choice>
-          <mc:Fallback>
+          <mc:Fallback xmlns="">
             <p:sp>
               <p:nvSpPr>
                 <p:cNvPr id="13" name="TextBox 12">
@@ -14979,7 +14979,7 @@
                 </a:pPr>
                 <a:r>
                   <a:rPr lang="en-US" dirty="0"/>
-                  <a:t>Model the environment as a MDP. </a:t>
+                  <a:t>Model the environment as an MDP. </a:t>
                 </a:r>
               </a:p>
               <a:p>
@@ -15626,7 +15626,7 @@
 </file>
 
 <file path=ppt/slides/slide15.xml><?xml version="1.0" encoding="utf-8"?>
-<p:sld xmlns:a="http://schemas.openxmlformats.org/drawingml/2006/main" xmlns:r="http://schemas.openxmlformats.org/officeDocument/2006/relationships" xmlns:p="http://schemas.openxmlformats.org/presentationml/2006/main" show="0">
+<p:sld xmlns:a="http://schemas.openxmlformats.org/drawingml/2006/main" xmlns:r="http://schemas.openxmlformats.org/officeDocument/2006/relationships" xmlns:p="http://schemas.openxmlformats.org/presentationml/2006/main">
   <p:cSld>
     <p:spTree>
       <p:nvGrpSpPr>
@@ -22113,7 +22113,7 @@
             </a:br>
             <a:r>
               <a:rPr lang="en-US" sz="2000" dirty="0"/>
-              <a:t>(e.g., value iteration, sampling, etc.)</a:t>
+              <a:t>(e.g., value iteration, policy iteration)</a:t>
             </a:r>
           </a:p>
         </p:txBody>
@@ -23246,7 +23246,7 @@
         </p:nvSpPr>
         <p:spPr>
           <a:xfrm>
-            <a:off x="9564527" y="300177"/>
+            <a:off x="9058617" y="300177"/>
             <a:ext cx="1295400" cy="369332"/>
           </a:xfrm>
           <a:prstGeom prst="rect">
@@ -23267,8 +23267,8 @@
           </a:p>
         </p:txBody>
       </p:sp>
-      <mc:AlternateContent xmlns:mc="http://schemas.openxmlformats.org/markup-compatibility/2006" xmlns:a14="http://schemas.microsoft.com/office/drawing/2010/main">
-        <mc:Choice Requires="a14">
+      <mc:AlternateContent xmlns:mc="http://schemas.openxmlformats.org/markup-compatibility/2006">
+        <mc:Choice xmlns:a14="http://schemas.microsoft.com/office/drawing/2010/main" Requires="a14">
           <p:graphicFrame>
             <p:nvGraphicFramePr>
               <p:cNvPr id="4" name="Table 3">
@@ -23284,13 +23284,13 @@
               <p:nvPr>
                 <p:extLst>
                   <p:ext uri="{D42A27DB-BD31-4B8C-83A1-F6EECF244321}">
-                    <p14:modId xmlns:p14="http://schemas.microsoft.com/office/powerpoint/2010/main" val="3693493553"/>
+                    <p14:modId xmlns:p14="http://schemas.microsoft.com/office/powerpoint/2010/main" val="1289061631"/>
                   </p:ext>
                 </p:extLst>
               </p:nvPr>
             </p:nvGraphicFramePr>
             <p:xfrm>
-              <a:off x="9268910" y="669509"/>
+              <a:off x="8805472" y="669509"/>
               <a:ext cx="1717930" cy="1483360"/>
             </p:xfrm>
             <a:graphic>
@@ -23553,7 +23553,7 @@
             </a:graphic>
           </p:graphicFrame>
         </mc:Choice>
-        <mc:Fallback xmlns="">
+        <mc:Fallback>
           <p:graphicFrame>
             <p:nvGraphicFramePr>
               <p:cNvPr id="4" name="Table 3">
@@ -23569,13 +23569,13 @@
               <p:nvPr>
                 <p:extLst>
                   <p:ext uri="{D42A27DB-BD31-4B8C-83A1-F6EECF244321}">
-                    <p14:modId xmlns:p14="http://schemas.microsoft.com/office/powerpoint/2010/main" val="3693493553"/>
+                    <p14:modId xmlns:p14="http://schemas.microsoft.com/office/powerpoint/2010/main" val="1289061631"/>
                   </p:ext>
                 </p:extLst>
               </p:nvPr>
             </p:nvGraphicFramePr>
             <p:xfrm>
-              <a:off x="9268910" y="669509"/>
+              <a:off x="8805472" y="669509"/>
               <a:ext cx="1717930" cy="1483360"/>
             </p:xfrm>
             <a:graphic>
@@ -23618,7 +23618,7 @@
                       </a:txBody>
                       <a:tcPr>
                         <a:blipFill>
-                          <a:blip r:embed="rId6"/>
+                          <a:blip r:embed="rId5"/>
                           <a:stretch>
                             <a:fillRect l="-1754" t="-1639" r="-403509" b="-304918"/>
                           </a:stretch>
@@ -23635,7 +23635,7 @@
                       </a:txBody>
                       <a:tcPr>
                         <a:blipFill>
-                          <a:blip r:embed="rId6"/>
+                          <a:blip r:embed="rId5"/>
                           <a:stretch>
                             <a:fillRect l="-96667" t="-1639" r="-283333" b="-304918"/>
                           </a:stretch>
@@ -23652,7 +23652,7 @@
                       </a:txBody>
                       <a:tcPr>
                         <a:blipFill>
-                          <a:blip r:embed="rId6"/>
+                          <a:blip r:embed="rId5"/>
                           <a:stretch>
                             <a:fillRect l="-71084" t="-1639" r="-2410" b="-304918"/>
                           </a:stretch>
@@ -23681,7 +23681,7 @@
                         <a:bodyPr/>
                         <a:lstStyle/>
                         <a:p>
-                          <a:endParaRPr lang="en-US"/>
+                          <a:endParaRPr lang="en-US" dirty="0"/>
                         </a:p>
                       </a:txBody>
                       <a:tcPr/>
@@ -23691,7 +23691,7 @@
                         <a:bodyPr/>
                         <a:lstStyle/>
                         <a:p>
-                          <a:endParaRPr lang="en-US"/>
+                          <a:endParaRPr lang="en-US" dirty="0"/>
                         </a:p>
                       </a:txBody>
                       <a:tcPr/>
@@ -23728,7 +23728,7 @@
                         <a:bodyPr/>
                         <a:lstStyle/>
                         <a:p>
-                          <a:endParaRPr lang="en-US"/>
+                          <a:endParaRPr lang="en-US" dirty="0"/>
                         </a:p>
                       </a:txBody>
                       <a:tcPr/>
@@ -23745,7 +23745,7 @@
                         <a:bodyPr/>
                         <a:lstStyle/>
                         <a:p>
-                          <a:endParaRPr lang="en-US"/>
+                          <a:endParaRPr lang="en-US" dirty="0"/>
                         </a:p>
                       </a:txBody>
                       <a:tcPr/>
@@ -23755,7 +23755,7 @@
                         <a:bodyPr/>
                         <a:lstStyle/>
                         <a:p>
-                          <a:endParaRPr lang="en-US"/>
+                          <a:endParaRPr lang="en-US" dirty="0"/>
                         </a:p>
                       </a:txBody>
                       <a:tcPr/>
@@ -23952,8 +23952,8 @@
               <p:nvPr/>
             </p:nvSpPr>
             <p:spPr>
-              <a:xfrm rot="1673831">
-                <a:off x="9148667" y="1393379"/>
+              <a:xfrm>
+                <a:off x="10134600" y="284764"/>
                 <a:ext cx="1897199" cy="439736"/>
               </a:xfrm>
               <a:prstGeom prst="rect">
@@ -23967,6 +23967,7 @@
               </a:bodyPr>
               <a:lstStyle/>
               <a:p>
+                <a:pPr/>
                 <a14:m>
                   <m:oMathPara xmlns:m="http://schemas.openxmlformats.org/officeDocument/2006/math">
                     <m:oMathParaPr>
@@ -24141,17 +24142,17 @@
               <p:nvPr/>
             </p:nvSpPr>
             <p:spPr>
-              <a:xfrm rot="1673831">
-                <a:off x="9148667" y="1393379"/>
+              <a:xfrm>
+                <a:off x="10134600" y="284764"/>
                 <a:ext cx="1897199" cy="439736"/>
               </a:xfrm>
               <a:prstGeom prst="rect">
                 <a:avLst/>
               </a:prstGeom>
               <a:blipFill>
-                <a:blip r:embed="rId7"/>
+                <a:blip r:embed="rId6"/>
                 <a:stretch>
-                  <a:fillRect/>
+                  <a:fillRect b="-4167"/>
                 </a:stretch>
               </a:blipFill>
             </p:spPr>
@@ -24170,6 +24171,52 @@
           </p:sp>
         </mc:Fallback>
       </mc:AlternateContent>
+      <p:sp>
+        <p:nvSpPr>
+          <p:cNvPr id="15" name="Arrow: Right 14">
+            <a:extLst>
+              <a:ext uri="{FF2B5EF4-FFF2-40B4-BE49-F238E27FC236}">
+                <a16:creationId xmlns:a16="http://schemas.microsoft.com/office/drawing/2014/main" id="{6B98CD61-4698-DB44-0CC7-3D289E484B8E}"/>
+              </a:ext>
+            </a:extLst>
+          </p:cNvPr>
+          <p:cNvSpPr/>
+          <p:nvPr/>
+        </p:nvSpPr>
+        <p:spPr>
+          <a:xfrm>
+            <a:off x="9906000" y="408643"/>
+            <a:ext cx="228600" cy="124757"/>
+          </a:xfrm>
+          <a:prstGeom prst="rightArrow">
+            <a:avLst/>
+          </a:prstGeom>
+        </p:spPr>
+        <p:style>
+          <a:lnRef idx="2">
+            <a:schemeClr val="accent1">
+              <a:shade val="15000"/>
+            </a:schemeClr>
+          </a:lnRef>
+          <a:fillRef idx="1">
+            <a:schemeClr val="accent1"/>
+          </a:fillRef>
+          <a:effectRef idx="0">
+            <a:schemeClr val="accent1"/>
+          </a:effectRef>
+          <a:fontRef idx="minor">
+            <a:schemeClr val="lt1"/>
+          </a:fontRef>
+        </p:style>
+        <p:txBody>
+          <a:bodyPr rtlCol="0" anchor="ctr"/>
+          <a:lstStyle/>
+          <a:p>
+            <a:pPr algn="ctr"/>
+            <a:endParaRPr lang="en-US"/>
+          </a:p>
+        </p:txBody>
+      </p:sp>
     </p:spTree>
     <p:extLst>
       <p:ext uri="{BB962C8B-B14F-4D97-AF65-F5344CB8AC3E}">
@@ -26243,8 +26290,8 @@
               </mc:AlternateContent>
             </p:grpSp>
           </p:grpSp>
-          <mc:AlternateContent xmlns:mc="http://schemas.openxmlformats.org/markup-compatibility/2006">
-            <mc:Choice xmlns:a14="http://schemas.microsoft.com/office/drawing/2010/main" Requires="a14">
+          <mc:AlternateContent xmlns:mc="http://schemas.openxmlformats.org/markup-compatibility/2006" xmlns:a14="http://schemas.microsoft.com/office/drawing/2010/main">
+            <mc:Choice Requires="a14">
               <p:sp>
                 <p:nvSpPr>
                   <p:cNvPr id="14" name="TextBox 13">
@@ -26319,7 +26366,7 @@
                 </p:txBody>
               </p:sp>
             </mc:Choice>
-            <mc:Fallback>
+            <mc:Fallback xmlns="">
               <p:sp>
                 <p:nvSpPr>
                   <p:cNvPr id="14" name="TextBox 13">
@@ -31588,8 +31635,8 @@
           </a:p>
         </p:txBody>
       </p:sp>
-      <mc:AlternateContent xmlns:mc="http://schemas.openxmlformats.org/markup-compatibility/2006">
-        <mc:Choice xmlns:a14="http://schemas.microsoft.com/office/drawing/2010/main" Requires="a14">
+      <mc:AlternateContent xmlns:mc="http://schemas.openxmlformats.org/markup-compatibility/2006" xmlns:a14="http://schemas.microsoft.com/office/drawing/2010/main">
+        <mc:Choice Requires="a14">
           <p:sp>
             <p:nvSpPr>
               <p:cNvPr id="202" name="TextBox 201">
@@ -31923,7 +31970,7 @@
             </p:txBody>
           </p:sp>
         </mc:Choice>
-        <mc:Fallback>
+        <mc:Fallback xmlns="">
           <p:sp>
             <p:nvSpPr>
               <p:cNvPr id="202" name="TextBox 201">
@@ -34565,6 +34612,259 @@
           </mc:Fallback>
         </mc:AlternateContent>
       </p:grpSp>
+      <mc:AlternateContent xmlns:mc="http://schemas.openxmlformats.org/markup-compatibility/2006">
+        <mc:Choice xmlns:a14="http://schemas.microsoft.com/office/drawing/2010/main" Requires="a14">
+          <p:sp>
+            <p:nvSpPr>
+              <p:cNvPr id="17" name="TextBox 16">
+                <a:extLst>
+                  <a:ext uri="{FF2B5EF4-FFF2-40B4-BE49-F238E27FC236}">
+                    <a16:creationId xmlns:a16="http://schemas.microsoft.com/office/drawing/2014/main" id="{658FB558-F20F-A7EB-75E6-BB4C3B16A0EC}"/>
+                  </a:ext>
+                </a:extLst>
+              </p:cNvPr>
+              <p:cNvSpPr txBox="1"/>
+              <p:nvPr/>
+            </p:nvSpPr>
+            <p:spPr>
+              <a:xfrm>
+                <a:off x="6480164" y="5982280"/>
+                <a:ext cx="5535168" cy="738664"/>
+              </a:xfrm>
+              <a:prstGeom prst="rect">
+                <a:avLst/>
+              </a:prstGeom>
+            </p:spPr>
+            <p:style>
+              <a:lnRef idx="2">
+                <a:schemeClr val="accent2"/>
+              </a:lnRef>
+              <a:fillRef idx="1">
+                <a:schemeClr val="lt1"/>
+              </a:fillRef>
+              <a:effectRef idx="0">
+                <a:schemeClr val="accent2"/>
+              </a:effectRef>
+              <a:fontRef idx="minor">
+                <a:schemeClr val="dk1"/>
+              </a:fontRef>
+            </p:style>
+            <p:txBody>
+              <a:bodyPr wrap="square" rtlCol="0">
+                <a:spAutoFit/>
+              </a:bodyPr>
+              <a:lstStyle/>
+              <a:p>
+                <a14:m>
+                  <m:oMath xmlns:m="http://schemas.openxmlformats.org/officeDocument/2006/math">
+                    <m:r>
+                      <a:rPr lang="en-US" sz="1400" i="1" smtClean="0">
+                        <a:latin typeface="Cambria Math" panose="02040503050406030204" pitchFamily="18" charset="0"/>
+                      </a:rPr>
+                      <m:t>𝑃</m:t>
+                    </m:r>
+                    <m:d>
+                      <m:dPr>
+                        <m:ctrlPr>
+                          <a:rPr lang="en-US" sz="1400" i="1">
+                            <a:latin typeface="Cambria Math" panose="02040503050406030204" pitchFamily="18" charset="0"/>
+                          </a:rPr>
+                        </m:ctrlPr>
+                      </m:dPr>
+                      <m:e>
+                        <m:r>
+                          <a:rPr lang="en-US" sz="1400" i="1">
+                            <a:latin typeface="Cambria Math" panose="02040503050406030204" pitchFamily="18" charset="0"/>
+                          </a:rPr>
+                          <m:t>𝑠</m:t>
+                        </m:r>
+                      </m:e>
+                    </m:d>
+                  </m:oMath>
+                </a14:m>
+                <a:r>
+                  <a:rPr lang="en-US" sz="1400" dirty="0"/>
+                  <a:t> … Uncertainty about current state (= partial observability)</a:t>
+                </a:r>
+              </a:p>
+              <a:p>
+                <a14:m>
+                  <m:oMath xmlns:m="http://schemas.openxmlformats.org/officeDocument/2006/math">
+                    <m:r>
+                      <a:rPr lang="en-US" sz="1400" i="1">
+                        <a:latin typeface="Cambria Math" panose="02040503050406030204" pitchFamily="18" charset="0"/>
+                      </a:rPr>
+                      <m:t>𝑃</m:t>
+                    </m:r>
+                    <m:r>
+                      <a:rPr lang="en-US" sz="1400" i="1">
+                        <a:latin typeface="Cambria Math" panose="02040503050406030204" pitchFamily="18" charset="0"/>
+                      </a:rPr>
+                      <m:t>(</m:t>
+                    </m:r>
+                    <m:sSup>
+                      <m:sSupPr>
+                        <m:ctrlPr>
+                          <a:rPr lang="en-US" sz="1400" i="1">
+                            <a:latin typeface="Cambria Math" panose="02040503050406030204" pitchFamily="18" charset="0"/>
+                          </a:rPr>
+                        </m:ctrlPr>
+                      </m:sSupPr>
+                      <m:e>
+                        <m:r>
+                          <a:rPr lang="en-US" sz="1400" i="1">
+                            <a:latin typeface="Cambria Math" panose="02040503050406030204" pitchFamily="18" charset="0"/>
+                          </a:rPr>
+                          <m:t>𝑠</m:t>
+                        </m:r>
+                      </m:e>
+                      <m:sup>
+                        <m:r>
+                          <a:rPr lang="en-US" sz="1400" i="1">
+                            <a:latin typeface="Cambria Math" panose="02040503050406030204" pitchFamily="18" charset="0"/>
+                          </a:rPr>
+                          <m:t>′</m:t>
+                        </m:r>
+                      </m:sup>
+                    </m:sSup>
+                    <m:r>
+                      <a:rPr lang="en-US" sz="1400" i="1">
+                        <a:latin typeface="Cambria Math" panose="02040503050406030204" pitchFamily="18" charset="0"/>
+                      </a:rPr>
+                      <m:t>|</m:t>
+                    </m:r>
+                    <m:r>
+                      <a:rPr lang="en-US" sz="1400" i="1">
+                        <a:latin typeface="Cambria Math" panose="02040503050406030204" pitchFamily="18" charset="0"/>
+                      </a:rPr>
+                      <m:t>𝑠</m:t>
+                    </m:r>
+                    <m:r>
+                      <a:rPr lang="en-US" sz="1400" i="1">
+                        <a:latin typeface="Cambria Math" panose="02040503050406030204" pitchFamily="18" charset="0"/>
+                      </a:rPr>
+                      <m:t>,</m:t>
+                    </m:r>
+                    <m:r>
+                      <a:rPr lang="en-US" sz="1400" i="1">
+                        <a:latin typeface="Cambria Math" panose="02040503050406030204" pitchFamily="18" charset="0"/>
+                      </a:rPr>
+                      <m:t>𝑎</m:t>
+                    </m:r>
+                    <m:r>
+                      <a:rPr lang="en-US" sz="1400" b="0" i="1" smtClean="0">
+                        <a:latin typeface="Cambria Math" panose="02040503050406030204" pitchFamily="18" charset="0"/>
+                      </a:rPr>
+                      <m:t>)</m:t>
+                    </m:r>
+                  </m:oMath>
+                </a14:m>
+                <a:r>
+                  <a:rPr lang="en-US" sz="1400" dirty="0"/>
+                  <a:t> … Stochastic transition function (= non deterministic actions).</a:t>
+                </a:r>
+              </a:p>
+              <a:p>
+                <a14:m>
+                  <m:oMath xmlns:m="http://schemas.openxmlformats.org/officeDocument/2006/math">
+                    <m:r>
+                      <a:rPr lang="en-US" sz="1400" i="1">
+                        <a:latin typeface="Cambria Math" panose="02040503050406030204" pitchFamily="18" charset="0"/>
+                      </a:rPr>
+                      <m:t>𝑈</m:t>
+                    </m:r>
+                    <m:r>
+                      <a:rPr lang="en-US" sz="1400" i="1">
+                        <a:latin typeface="Cambria Math" panose="02040503050406030204" pitchFamily="18" charset="0"/>
+                      </a:rPr>
+                      <m:t>(</m:t>
+                    </m:r>
+                    <m:sSup>
+                      <m:sSupPr>
+                        <m:ctrlPr>
+                          <a:rPr lang="en-US" sz="1400" i="1">
+                            <a:latin typeface="Cambria Math" panose="02040503050406030204" pitchFamily="18" charset="0"/>
+                          </a:rPr>
+                        </m:ctrlPr>
+                      </m:sSupPr>
+                      <m:e>
+                        <m:r>
+                          <a:rPr lang="en-US" sz="1400" i="1">
+                            <a:latin typeface="Cambria Math" panose="02040503050406030204" pitchFamily="18" charset="0"/>
+                          </a:rPr>
+                          <m:t>𝑠</m:t>
+                        </m:r>
+                      </m:e>
+                      <m:sup>
+                        <m:r>
+                          <a:rPr lang="en-US" sz="1400" i="1">
+                            <a:latin typeface="Cambria Math" panose="02040503050406030204" pitchFamily="18" charset="0"/>
+                          </a:rPr>
+                          <m:t>′</m:t>
+                        </m:r>
+                      </m:sup>
+                    </m:sSup>
+                    <m:r>
+                      <a:rPr lang="en-US" sz="1400" i="1">
+                        <a:latin typeface="Cambria Math" panose="02040503050406030204" pitchFamily="18" charset="0"/>
+                      </a:rPr>
+                      <m:t>)</m:t>
+                    </m:r>
+                  </m:oMath>
+                </a14:m>
+                <a:r>
+                  <a:rPr lang="en-US" sz="1400" dirty="0"/>
+                  <a:t> … cardinal utility function.</a:t>
+                </a:r>
+              </a:p>
+            </p:txBody>
+          </p:sp>
+        </mc:Choice>
+        <mc:Fallback>
+          <p:sp>
+            <p:nvSpPr>
+              <p:cNvPr id="17" name="TextBox 16">
+                <a:extLst>
+                  <a:ext uri="{FF2B5EF4-FFF2-40B4-BE49-F238E27FC236}">
+                    <a16:creationId xmlns:a16="http://schemas.microsoft.com/office/drawing/2014/main" id="{658FB558-F20F-A7EB-75E6-BB4C3B16A0EC}"/>
+                  </a:ext>
+                </a:extLst>
+              </p:cNvPr>
+              <p:cNvSpPr txBox="1">
+                <a:spLocks noRot="1" noChangeAspect="1" noMove="1" noResize="1" noEditPoints="1" noAdjustHandles="1" noChangeArrowheads="1" noChangeShapeType="1" noTextEdit="1"/>
+              </p:cNvSpPr>
+              <p:nvPr/>
+            </p:nvSpPr>
+            <p:spPr>
+              <a:xfrm>
+                <a:off x="6480164" y="5982280"/>
+                <a:ext cx="5535168" cy="738664"/>
+              </a:xfrm>
+              <a:prstGeom prst="rect">
+                <a:avLst/>
+              </a:prstGeom>
+              <a:blipFill>
+                <a:blip r:embed="rId14"/>
+                <a:stretch>
+                  <a:fillRect b="-6452"/>
+                </a:stretch>
+              </a:blipFill>
+            </p:spPr>
+            <p:txBody>
+              <a:bodyPr/>
+              <a:lstStyle/>
+              <a:p>
+                <a:r>
+                  <a:rPr lang="en-US">
+                    <a:noFill/>
+                  </a:rPr>
+                  <a:t> </a:t>
+                </a:r>
+              </a:p>
+            </p:txBody>
+          </p:sp>
+        </mc:Fallback>
+      </mc:AlternateContent>
     </p:spTree>
     <p:extLst>
       <p:ext uri="{BB962C8B-B14F-4D97-AF65-F5344CB8AC3E}">
@@ -35432,8 +35732,8 @@
           </mc:Fallback>
         </mc:AlternateContent>
       </p:grpSp>
-      <mc:AlternateContent xmlns:mc="http://schemas.openxmlformats.org/markup-compatibility/2006" xmlns:a14="http://schemas.microsoft.com/office/drawing/2010/main">
-        <mc:Choice Requires="a14">
+      <mc:AlternateContent xmlns:mc="http://schemas.openxmlformats.org/markup-compatibility/2006">
+        <mc:Choice xmlns:a14="http://schemas.microsoft.com/office/drawing/2010/main" Requires="a14">
           <p:sp>
             <p:nvSpPr>
               <p:cNvPr id="24" name="TextBox 23">
@@ -35619,7 +35919,6 @@
                 </a:endParaRPr>
               </a:p>
               <a:p>
-                <a:pPr algn="r"/>
                 <a14:m>
                   <m:oMath xmlns:m="http://schemas.openxmlformats.org/officeDocument/2006/math">
                     <m:sSub>
@@ -35672,7 +35971,6 @@
                 </a:endParaRPr>
               </a:p>
               <a:p>
-                <a:pPr algn="r"/>
                 <a14:m>
                   <m:oMath xmlns:m="http://schemas.openxmlformats.org/officeDocument/2006/math">
                     <m:r>
@@ -35708,7 +36006,7 @@
             </p:txBody>
           </p:sp>
         </mc:Choice>
-        <mc:Fallback xmlns="">
+        <mc:Fallback>
           <p:sp>
             <p:nvSpPr>
               <p:cNvPr id="24" name="TextBox 23">
@@ -38682,8 +38980,8 @@
           </a:p>
         </p:txBody>
       </p:sp>
-      <mc:AlternateContent xmlns:mc="http://schemas.openxmlformats.org/markup-compatibility/2006">
-        <mc:Choice xmlns:a14="http://schemas.microsoft.com/office/drawing/2010/main" Requires="a14">
+      <mc:AlternateContent xmlns:mc="http://schemas.openxmlformats.org/markup-compatibility/2006" xmlns:a14="http://schemas.microsoft.com/office/drawing/2010/main">
+        <mc:Choice Requires="a14">
           <p:sp>
             <p:nvSpPr>
               <p:cNvPr id="3" name="Content Placeholder 2">
@@ -39228,7 +39526,7 @@
             </p:txBody>
           </p:sp>
         </mc:Choice>
-        <mc:Fallback>
+        <mc:Fallback xmlns="">
           <p:sp>
             <p:nvSpPr>
               <p:cNvPr id="3" name="Content Placeholder 2">
@@ -43901,7 +44199,7 @@
                 </a14:m>
                 <a:r>
                   <a:rPr lang="en-US" dirty="0"/>
-                  <a:t>) can be calculated as the sum over the generated sequence of states:</a:t>
+                  <a:t>) can be calculated as the sum of the immediate rewards over the visited sequence of states:</a:t>
                 </a:r>
                 <a:br>
                   <a:rPr lang="en-US" dirty="0"/>
@@ -44273,7 +44571,7 @@
               <a:blipFill>
                 <a:blip r:embed="rId2"/>
                 <a:stretch>
-                  <a:fillRect l="-491" t="-7429" b="-36857"/>
+                  <a:fillRect l="-491" t="-4571" b="-45714"/>
                 </a:stretch>
               </a:blipFill>
             </p:spPr>
@@ -44292,8 +44590,8 @@
           </p:sp>
         </mc:Fallback>
       </mc:AlternateContent>
-      <mc:AlternateContent xmlns:mc="http://schemas.openxmlformats.org/markup-compatibility/2006" xmlns:a14="http://schemas.microsoft.com/office/drawing/2010/main">
-        <mc:Choice Requires="a14">
+      <mc:AlternateContent xmlns:mc="http://schemas.openxmlformats.org/markup-compatibility/2006">
+        <mc:Choice xmlns:a14="http://schemas.microsoft.com/office/drawing/2010/main" Requires="a14">
           <p:sp>
             <p:nvSpPr>
               <p:cNvPr id="10" name="TextBox 9">
@@ -44308,25 +44606,25 @@
             </p:nvSpPr>
             <p:spPr>
               <a:xfrm>
-                <a:off x="9677400" y="1295400"/>
-                <a:ext cx="2286000" cy="2133600"/>
+                <a:off x="9659400" y="1711924"/>
+                <a:ext cx="2286000" cy="2308324"/>
               </a:xfrm>
               <a:prstGeom prst="rect">
                 <a:avLst/>
               </a:prstGeom>
             </p:spPr>
             <p:style>
-              <a:lnRef idx="3">
-                <a:schemeClr val="lt1"/>
+              <a:lnRef idx="2">
+                <a:schemeClr val="accent2"/>
               </a:lnRef>
               <a:fillRef idx="1">
-                <a:schemeClr val="accent6"/>
+                <a:schemeClr val="lt1"/>
               </a:fillRef>
-              <a:effectRef idx="1">
-                <a:schemeClr val="accent6"/>
+              <a:effectRef idx="0">
+                <a:schemeClr val="accent2"/>
               </a:effectRef>
               <a:fontRef idx="minor">
-                <a:schemeClr val="lt1"/>
+                <a:schemeClr val="dk1"/>
               </a:fontRef>
             </p:style>
             <p:txBody>
@@ -44347,7 +44645,7 @@
                 </a14:m>
                 <a:r>
                   <a:rPr lang="en-US" sz="1600" dirty="0"/>
-                  <a:t> is a discounting factor to give more weight to immediate rewards.</a:t>
+                  <a:t> .. Discounting factor to give more weight to immediate rewards.</a:t>
                 </a:r>
                 <a:br>
                   <a:rPr lang="en-US" sz="1600" dirty="0"/>
@@ -44386,7 +44684,7 @@
                 </a14:m>
                 <a:r>
                   <a:rPr lang="en-US" sz="1600" dirty="0"/>
-                  <a:t> is the expectation over sequences that can be created by following </a:t>
+                  <a:t> … Expectation over sequences that can be created by following </a:t>
                 </a:r>
                 <a14:m>
                   <m:oMath xmlns:m="http://schemas.openxmlformats.org/officeDocument/2006/math">
@@ -44403,10 +44701,47 @@
                   <a:t>.</a:t>
                 </a:r>
               </a:p>
+              <a:p>
+                <a:endParaRPr lang="en-US" sz="1600" dirty="0"/>
+              </a:p>
+              <a:p>
+                <a14:m>
+                  <m:oMath xmlns:m="http://schemas.openxmlformats.org/officeDocument/2006/math">
+                    <m:r>
+                      <a:rPr lang="en-US" sz="1600" b="0" i="1" smtClean="0">
+                        <a:latin typeface="Cambria Math" panose="02040503050406030204" pitchFamily="18" charset="0"/>
+                      </a:rPr>
+                      <m:t>𝑟</m:t>
+                    </m:r>
+                    <m:r>
+                      <a:rPr lang="en-US" sz="1600" b="0" i="1" smtClean="0">
+                        <a:latin typeface="Cambria Math" panose="02040503050406030204" pitchFamily="18" charset="0"/>
+                      </a:rPr>
+                      <m:t>(</m:t>
+                    </m:r>
+                    <m:r>
+                      <a:rPr lang="en-US" sz="1600" b="0" i="1" smtClean="0">
+                        <a:latin typeface="Cambria Math" panose="02040503050406030204" pitchFamily="18" charset="0"/>
+                      </a:rPr>
+                      <m:t>𝑠</m:t>
+                    </m:r>
+                    <m:r>
+                      <a:rPr lang="en-US" sz="1600" b="0" i="1" smtClean="0">
+                        <a:latin typeface="Cambria Math" panose="02040503050406030204" pitchFamily="18" charset="0"/>
+                      </a:rPr>
+                      <m:t>)</m:t>
+                    </m:r>
+                  </m:oMath>
+                </a14:m>
+                <a:r>
+                  <a:rPr lang="en-US" sz="1600" dirty="0"/>
+                  <a:t> .. Reward function.</a:t>
+                </a:r>
+              </a:p>
             </p:txBody>
           </p:sp>
         </mc:Choice>
-        <mc:Fallback xmlns="">
+        <mc:Fallback>
           <p:sp>
             <p:nvSpPr>
               <p:cNvPr id="10" name="TextBox 9">
@@ -44423,8 +44758,8 @@
             </p:nvSpPr>
             <p:spPr>
               <a:xfrm>
-                <a:off x="9677400" y="1295400"/>
-                <a:ext cx="2286000" cy="2133600"/>
+                <a:off x="9659400" y="1711924"/>
+                <a:ext cx="2286000" cy="2308324"/>
               </a:xfrm>
               <a:prstGeom prst="rect">
                 <a:avLst/>
@@ -44432,7 +44767,7 @@
               <a:blipFill>
                 <a:blip r:embed="rId3"/>
                 <a:stretch>
-                  <a:fillRect l="-1323" t="-567"/>
+                  <a:fillRect l="-1326" t="-526" b="-2368"/>
                 </a:stretch>
               </a:blipFill>
             </p:spPr>
@@ -44451,39 +44786,6 @@
           </p:sp>
         </mc:Fallback>
       </mc:AlternateContent>
-      <p:pic>
-        <p:nvPicPr>
-          <p:cNvPr id="4" name="Picture 3">
-            <a:extLst>
-              <a:ext uri="{FF2B5EF4-FFF2-40B4-BE49-F238E27FC236}">
-                <a16:creationId xmlns:a16="http://schemas.microsoft.com/office/drawing/2014/main" id="{F18C5C48-3098-9594-2776-5636A54D99D6}"/>
-              </a:ext>
-              <a:ext uri="{C183D7F6-B498-43B3-948B-1728B52AA6E4}">
-                <adec:decorative xmlns:adec="http://schemas.microsoft.com/office/drawing/2017/decorative" val="1"/>
-              </a:ext>
-            </a:extLst>
-          </p:cNvPr>
-          <p:cNvPicPr>
-            <a:picLocks noChangeAspect="1"/>
-          </p:cNvPicPr>
-          <p:nvPr/>
-        </p:nvPicPr>
-        <p:blipFill>
-          <a:blip r:embed="rId4"/>
-          <a:stretch>
-            <a:fillRect/>
-          </a:stretch>
-        </p:blipFill>
-        <p:spPr>
-          <a:xfrm>
-            <a:off x="1810800" y="3924645"/>
-            <a:ext cx="3471874" cy="2505112"/>
-          </a:xfrm>
-          <a:prstGeom prst="rect">
-            <a:avLst/>
-          </a:prstGeom>
-        </p:spPr>
-      </p:pic>
       <p:sp>
         <p:nvSpPr>
           <p:cNvPr id="6" name="TextBox 5">
@@ -44940,45 +45242,99 @@
           </p:graphicFrame>
         </mc:Fallback>
       </mc:AlternateContent>
-      <p:sp>
-        <p:nvSpPr>
-          <p:cNvPr id="7" name="TextBox 6">
+      <p:grpSp>
+        <p:nvGrpSpPr>
+          <p:cNvPr id="8" name="Group 7">
             <a:extLst>
               <a:ext uri="{FF2B5EF4-FFF2-40B4-BE49-F238E27FC236}">
-                <a16:creationId xmlns:a16="http://schemas.microsoft.com/office/drawing/2014/main" id="{E851D2AC-0E0E-0FF1-B6C7-8C03101FF3A5}"/>
-              </a:ext>
-              <a:ext uri="{C183D7F6-B498-43B3-948B-1728B52AA6E4}">
-                <adec:decorative xmlns:adec="http://schemas.microsoft.com/office/drawing/2017/decorative" val="1"/>
+                <a16:creationId xmlns:a16="http://schemas.microsoft.com/office/drawing/2014/main" id="{CF150674-B589-14B3-4B4E-68E61A61ACA6}"/>
               </a:ext>
             </a:extLst>
           </p:cNvPr>
-          <p:cNvSpPr txBox="1"/>
+          <p:cNvGrpSpPr/>
           <p:nvPr/>
-        </p:nvSpPr>
-        <p:spPr>
+        </p:nvGrpSpPr>
+        <p:grpSpPr>
           <a:xfrm>
-            <a:off x="2514600" y="3555313"/>
-            <a:ext cx="2151600" cy="369332"/>
+            <a:off x="1810800" y="3555313"/>
+            <a:ext cx="3471874" cy="2874444"/>
+            <a:chOff x="1810800" y="3555313"/>
+            <a:chExt cx="3471874" cy="2874444"/>
           </a:xfrm>
-          <a:prstGeom prst="rect">
-            <a:avLst/>
-          </a:prstGeom>
-          <a:noFill/>
-        </p:spPr>
-        <p:txBody>
-          <a:bodyPr wrap="square" rtlCol="0">
-            <a:spAutoFit/>
-          </a:bodyPr>
-          <a:lstStyle/>
-          <a:p>
-            <a:pPr algn="ctr"/>
-            <a:r>
-              <a:rPr lang="en-US" dirty="0"/>
-              <a:t>Value Function</a:t>
-            </a:r>
-          </a:p>
-        </p:txBody>
-      </p:sp>
+        </p:grpSpPr>
+        <p:pic>
+          <p:nvPicPr>
+            <p:cNvPr id="4" name="Picture 3">
+              <a:extLst>
+                <a:ext uri="{FF2B5EF4-FFF2-40B4-BE49-F238E27FC236}">
+                  <a16:creationId xmlns:a16="http://schemas.microsoft.com/office/drawing/2014/main" id="{F18C5C48-3098-9594-2776-5636A54D99D6}"/>
+                </a:ext>
+                <a:ext uri="{C183D7F6-B498-43B3-948B-1728B52AA6E4}">
+                  <adec:decorative xmlns:adec="http://schemas.microsoft.com/office/drawing/2017/decorative" val="1"/>
+                </a:ext>
+              </a:extLst>
+            </p:cNvPr>
+            <p:cNvPicPr>
+              <a:picLocks noChangeAspect="1"/>
+            </p:cNvPicPr>
+            <p:nvPr/>
+          </p:nvPicPr>
+          <p:blipFill>
+            <a:blip r:embed="rId6"/>
+            <a:stretch>
+              <a:fillRect/>
+            </a:stretch>
+          </p:blipFill>
+          <p:spPr>
+            <a:xfrm>
+              <a:off x="1810800" y="3924645"/>
+              <a:ext cx="3471874" cy="2505112"/>
+            </a:xfrm>
+            <a:prstGeom prst="rect">
+              <a:avLst/>
+            </a:prstGeom>
+          </p:spPr>
+        </p:pic>
+        <p:sp>
+          <p:nvSpPr>
+            <p:cNvPr id="7" name="TextBox 6">
+              <a:extLst>
+                <a:ext uri="{FF2B5EF4-FFF2-40B4-BE49-F238E27FC236}">
+                  <a16:creationId xmlns:a16="http://schemas.microsoft.com/office/drawing/2014/main" id="{E851D2AC-0E0E-0FF1-B6C7-8C03101FF3A5}"/>
+                </a:ext>
+                <a:ext uri="{C183D7F6-B498-43B3-948B-1728B52AA6E4}">
+                  <adec:decorative xmlns:adec="http://schemas.microsoft.com/office/drawing/2017/decorative" val="1"/>
+                </a:ext>
+              </a:extLst>
+            </p:cNvPr>
+            <p:cNvSpPr txBox="1"/>
+            <p:nvPr/>
+          </p:nvSpPr>
+          <p:spPr>
+            <a:xfrm>
+              <a:off x="2514600" y="3555313"/>
+              <a:ext cx="2151600" cy="369332"/>
+            </a:xfrm>
+            <a:prstGeom prst="rect">
+              <a:avLst/>
+            </a:prstGeom>
+            <a:noFill/>
+          </p:spPr>
+          <p:txBody>
+            <a:bodyPr wrap="square" rtlCol="0">
+              <a:spAutoFit/>
+            </a:bodyPr>
+            <a:lstStyle/>
+            <a:p>
+              <a:pPr algn="ctr"/>
+              <a:r>
+                <a:rPr lang="en-US" dirty="0"/>
+                <a:t>Value Function</a:t>
+              </a:r>
+            </a:p>
+          </p:txBody>
+        </p:sp>
+      </p:grpSp>
       <p:sp>
         <p:nvSpPr>
           <p:cNvPr id="11" name="Arrow: Left-Right 10">
@@ -45188,7 +45544,7 @@
                                 </p:cTn>
                               </p:par>
                               <p:par>
-                                <p:cTn id="15" presetID="1" presetClass="entr" presetSubtype="0" fill="hold" nodeType="withEffect">
+                                <p:cTn id="15" presetID="1" presetClass="entr" presetSubtype="0" fill="hold" grpId="0" nodeType="withEffect">
                                   <p:stCondLst>
                                     <p:cond delay="0"/>
                                   </p:stCondLst>
@@ -45196,33 +45552,6 @@
                                     <p:set>
                                       <p:cBhvr>
                                         <p:cTn id="16" dur="1" fill="hold">
-                                          <p:stCondLst>
-                                            <p:cond delay="0"/>
-                                          </p:stCondLst>
-                                        </p:cTn>
-                                        <p:tgtEl>
-                                          <p:spTgt spid="4"/>
-                                        </p:tgtEl>
-                                        <p:attrNameLst>
-                                          <p:attrName>style.visibility</p:attrName>
-                                        </p:attrNameLst>
-                                      </p:cBhvr>
-                                      <p:to>
-                                        <p:strVal val="visible"/>
-                                      </p:to>
-                                    </p:set>
-                                  </p:childTnLst>
-                                </p:cTn>
-                              </p:par>
-                              <p:par>
-                                <p:cTn id="17" presetID="1" presetClass="entr" presetSubtype="0" fill="hold" grpId="0" nodeType="withEffect">
-                                  <p:stCondLst>
-                                    <p:cond delay="0"/>
-                                  </p:stCondLst>
-                                  <p:childTnLst>
-                                    <p:set>
-                                      <p:cBhvr>
-                                        <p:cTn id="18" dur="1" fill="hold">
                                           <p:stCondLst>
                                             <p:cond delay="0"/>
                                           </p:stCondLst>
@@ -45242,14 +45571,14 @@
                                 </p:cTn>
                               </p:par>
                               <p:par>
-                                <p:cTn id="19" presetID="1" presetClass="entr" presetSubtype="0" fill="hold" nodeType="withEffect">
+                                <p:cTn id="17" presetID="1" presetClass="entr" presetSubtype="0" fill="hold" nodeType="withEffect">
                                   <p:stCondLst>
                                     <p:cond delay="0"/>
                                   </p:stCondLst>
                                   <p:childTnLst>
                                     <p:set>
                                       <p:cBhvr>
-                                        <p:cTn id="20" dur="1" fill="hold">
+                                        <p:cTn id="18" dur="1" fill="hold">
                                           <p:stCondLst>
                                             <p:cond delay="0"/>
                                           </p:stCondLst>
@@ -45269,41 +45598,14 @@
                                 </p:cTn>
                               </p:par>
                               <p:par>
-                                <p:cTn id="21" presetID="1" presetClass="entr" presetSubtype="0" fill="hold" grpId="0" nodeType="withEffect">
+                                <p:cTn id="19" presetID="1" presetClass="entr" presetSubtype="0" fill="hold" grpId="0" nodeType="withEffect">
                                   <p:stCondLst>
                                     <p:cond delay="0"/>
                                   </p:stCondLst>
                                   <p:childTnLst>
                                     <p:set>
                                       <p:cBhvr>
-                                        <p:cTn id="22" dur="1" fill="hold">
-                                          <p:stCondLst>
-                                            <p:cond delay="0"/>
-                                          </p:stCondLst>
-                                        </p:cTn>
-                                        <p:tgtEl>
-                                          <p:spTgt spid="7"/>
-                                        </p:tgtEl>
-                                        <p:attrNameLst>
-                                          <p:attrName>style.visibility</p:attrName>
-                                        </p:attrNameLst>
-                                      </p:cBhvr>
-                                      <p:to>
-                                        <p:strVal val="visible"/>
-                                      </p:to>
-                                    </p:set>
-                                  </p:childTnLst>
-                                </p:cTn>
-                              </p:par>
-                              <p:par>
-                                <p:cTn id="23" presetID="1" presetClass="entr" presetSubtype="0" fill="hold" grpId="0" nodeType="withEffect">
-                                  <p:stCondLst>
-                                    <p:cond delay="0"/>
-                                  </p:stCondLst>
-                                  <p:childTnLst>
-                                    <p:set>
-                                      <p:cBhvr>
-                                        <p:cTn id="24" dur="1" fill="hold">
+                                        <p:cTn id="20" dur="1" fill="hold">
                                           <p:stCondLst>
                                             <p:cond delay="0"/>
                                           </p:stCondLst>
@@ -45352,7 +45654,6 @@
     <p:bldLst>
       <p:bldP spid="3" grpId="0" build="p"/>
       <p:bldP spid="6" grpId="0"/>
-      <p:bldP spid="7" grpId="0"/>
       <p:bldP spid="11" grpId="0" animBg="1"/>
     </p:bldLst>
   </p:timing>

--- a/slides/22_Reinforcement_Learning.pptx
+++ b/slides/22_Reinforcement_Learning.pptx
@@ -14770,8 +14770,8 @@
           </p:style>
         </p:cxnSp>
       </p:grpSp>
-      <mc:AlternateContent xmlns:mc="http://schemas.openxmlformats.org/markup-compatibility/2006">
-        <mc:Choice xmlns:a14="http://schemas.microsoft.com/office/drawing/2010/main" Requires="a14">
+      <mc:AlternateContent xmlns:mc="http://schemas.openxmlformats.org/markup-compatibility/2006" xmlns:a14="http://schemas.microsoft.com/office/drawing/2010/main">
+        <mc:Choice Requires="a14">
           <p:sp>
             <p:nvSpPr>
               <p:cNvPr id="5" name="Content Placeholder 2">
@@ -15222,7 +15222,7 @@
             </p:txBody>
           </p:sp>
         </mc:Choice>
-        <mc:Fallback>
+        <mc:Fallback xmlns="">
           <p:sp>
             <p:nvSpPr>
               <p:cNvPr id="5" name="Content Placeholder 2">
@@ -23267,8 +23267,8 @@
           </a:p>
         </p:txBody>
       </p:sp>
-      <mc:AlternateContent xmlns:mc="http://schemas.openxmlformats.org/markup-compatibility/2006">
-        <mc:Choice xmlns:a14="http://schemas.microsoft.com/office/drawing/2010/main" Requires="a14">
+      <mc:AlternateContent xmlns:mc="http://schemas.openxmlformats.org/markup-compatibility/2006" xmlns:a14="http://schemas.microsoft.com/office/drawing/2010/main">
+        <mc:Choice Requires="a14">
           <p:graphicFrame>
             <p:nvGraphicFramePr>
               <p:cNvPr id="4" name="Table 3">
@@ -23553,7 +23553,7 @@
             </a:graphic>
           </p:graphicFrame>
         </mc:Choice>
-        <mc:Fallback>
+        <mc:Fallback xmlns="">
           <p:graphicFrame>
             <p:nvGraphicFramePr>
               <p:cNvPr id="4" name="Table 3">
@@ -23937,8 +23937,8 @@
           </a:p>
         </p:txBody>
       </p:sp>
-      <mc:AlternateContent xmlns:mc="http://schemas.openxmlformats.org/markup-compatibility/2006">
-        <mc:Choice xmlns:a14="http://schemas.microsoft.com/office/drawing/2010/main" Requires="a14">
+      <mc:AlternateContent xmlns:mc="http://schemas.openxmlformats.org/markup-compatibility/2006" xmlns:a14="http://schemas.microsoft.com/office/drawing/2010/main">
+        <mc:Choice Requires="a14">
           <p:sp>
             <p:nvSpPr>
               <p:cNvPr id="12" name="TextBox 11">
@@ -24126,7 +24126,7 @@
             </p:txBody>
           </p:sp>
         </mc:Choice>
-        <mc:Fallback>
+        <mc:Fallback xmlns="">
           <p:sp>
             <p:nvSpPr>
               <p:cNvPr id="12" name="TextBox 11">
@@ -33696,10 +33696,16 @@
                         <m:t> </m:t>
                       </m:r>
                       <m:r>
+                        <a:rPr lang="en-US" sz="2000" b="0" i="1" smtClean="0">
+                          <a:latin typeface="Cambria Math" panose="02040503050406030204" pitchFamily="18" charset="0"/>
+                        </a:rPr>
+                        <m:t>𝐸</m:t>
+                      </m:r>
+                      <m:r>
                         <a:rPr lang="en-US" sz="2000" b="0" i="1">
                           <a:latin typeface="Cambria Math" panose="02040503050406030204" pitchFamily="18" charset="0"/>
                         </a:rPr>
-                        <m:t>𝐸𝑈</m:t>
+                        <m:t>𝑈</m:t>
                       </m:r>
                       <m:r>
                         <a:rPr lang="en-US" sz="2000" b="0" i="1">
@@ -34612,8 +34618,8 @@
           </mc:Fallback>
         </mc:AlternateContent>
       </p:grpSp>
-      <mc:AlternateContent xmlns:mc="http://schemas.openxmlformats.org/markup-compatibility/2006">
-        <mc:Choice xmlns:a14="http://schemas.microsoft.com/office/drawing/2010/main" Requires="a14">
+      <mc:AlternateContent xmlns:mc="http://schemas.openxmlformats.org/markup-compatibility/2006" xmlns:a14="http://schemas.microsoft.com/office/drawing/2010/main">
+        <mc:Choice Requires="a14">
           <p:sp>
             <p:nvSpPr>
               <p:cNvPr id="17" name="TextBox 16">
@@ -34820,7 +34826,7 @@
             </p:txBody>
           </p:sp>
         </mc:Choice>
-        <mc:Fallback>
+        <mc:Fallback xmlns="">
           <p:sp>
             <p:nvSpPr>
               <p:cNvPr id="17" name="TextBox 16">
@@ -35807,8 +35813,9 @@
                       <m:r>
                         <a:rPr lang="en-US" b="0" i="1" smtClean="0">
                           <a:latin typeface="Cambria Math" panose="02040503050406030204" pitchFamily="18" charset="0"/>
+                          <a:ea typeface="Cambria Math" panose="02040503050406030204" pitchFamily="18" charset="0"/>
                         </a:rPr>
-                        <m:t>𝐸</m:t>
+                        <m:t>𝔼</m:t>
                       </m:r>
                       <m:d>
                         <m:dPr>
@@ -44268,11 +44275,11 @@
                       </m:sSubPr>
                       <m:e>
                         <m:r>
-                          <a:rPr lang="en-US" b="0" i="1" smtClean="0">
+                          <a:rPr lang="en-US" i="1">
                             <a:latin typeface="Cambria Math" panose="02040503050406030204" pitchFamily="18" charset="0"/>
                             <a:ea typeface="Cambria Math" panose="02040503050406030204" pitchFamily="18" charset="0"/>
                           </a:rPr>
-                          <m:t>𝐸</m:t>
+                          <m:t>𝔼</m:t>
                         </m:r>
                       </m:e>
                       <m:sub>
@@ -44665,10 +44672,11 @@
                       </m:sSubPr>
                       <m:e>
                         <m:r>
-                          <a:rPr lang="en-US" sz="1600" b="0" i="1" smtClean="0">
+                          <a:rPr lang="en-US" sz="1600" i="1">
                             <a:latin typeface="Cambria Math" panose="02040503050406030204" pitchFamily="18" charset="0"/>
+                            <a:ea typeface="Cambria Math" panose="02040503050406030204" pitchFamily="18" charset="0"/>
                           </a:rPr>
-                          <m:t>𝐸</m:t>
+                          <m:t>𝔼</m:t>
                         </m:r>
                       </m:e>
                       <m:sub>

--- a/slides/22_Reinforcement_Learning.pptx
+++ b/slides/22_Reinforcement_Learning.pptx
@@ -6462,12 +6462,12 @@
         <p:spPr>
           <a:xfrm>
             <a:off x="1676400" y="5059998"/>
-            <a:ext cx="4572000" cy="447490"/>
+            <a:ext cx="4495800" cy="274002"/>
           </a:xfrm>
           <a:prstGeom prst="wedgeRoundRectCallout">
             <a:avLst>
-              <a:gd name="adj1" fmla="val -23277"/>
-              <a:gd name="adj2" fmla="val -220194"/>
+              <a:gd name="adj1" fmla="val -22443"/>
+              <a:gd name="adj2" fmla="val -293784"/>
               <a:gd name="adj3" fmla="val 16667"/>
             </a:avLst>
           </a:prstGeom>
@@ -6492,8 +6492,8 @@
           <a:p>
             <a:pPr algn="ctr"/>
             <a:r>
-              <a:rPr lang="en-US" dirty="0"/>
-              <a:t>It is optimal to walk away from the +1 square!</a:t>
+              <a:rPr lang="en-US" sz="1200" dirty="0"/>
+              <a:t>It is optimal to walk away from the +1 square to avoid the -1 square!</a:t>
             </a:r>
           </a:p>
         </p:txBody>
@@ -13772,12 +13772,14 @@
           </a:xfrm>
         </p:spPr>
         <p:txBody>
-          <a:bodyPr/>
+          <a:bodyPr>
+            <a:normAutofit/>
+          </a:bodyPr>
           <a:lstStyle/>
           <a:p>
             <a:r>
-              <a:rPr lang="en-US" dirty="0"/>
-              <a:t>Playing a Game as a Sequential Decision Problem: Tic-Tac-Toe</a:t>
+              <a:rPr lang="en-US" sz="4000" dirty="0"/>
+              <a:t>Find the Optimal Policy for Tic-Tac-Toe</a:t>
             </a:r>
           </a:p>
         </p:txBody>
@@ -14770,8 +14772,8 @@
           </p:style>
         </p:cxnSp>
       </p:grpSp>
-      <mc:AlternateContent xmlns:mc="http://schemas.openxmlformats.org/markup-compatibility/2006" xmlns:a14="http://schemas.microsoft.com/office/drawing/2010/main">
-        <mc:Choice Requires="a14">
+      <mc:AlternateContent xmlns:mc="http://schemas.openxmlformats.org/markup-compatibility/2006">
+        <mc:Choice xmlns:a14="http://schemas.microsoft.com/office/drawing/2010/main" Requires="a14">
           <p:sp>
             <p:nvSpPr>
               <p:cNvPr id="5" name="Content Placeholder 2">
@@ -14797,7 +14799,7 @@
             </p:spPr>
             <p:txBody>
               <a:bodyPr vert="horz" lIns="91440" tIns="45720" rIns="91440" bIns="45720" rtlCol="0">
-                <a:normAutofit fontScale="55000" lnSpcReduction="20000"/>
+                <a:normAutofit fontScale="47500" lnSpcReduction="20000"/>
               </a:bodyPr>
               <a:lstStyle>
                 <a:lvl1pPr marL="228600" indent="-228600" algn="l" defTabSz="914400" rtl="0" eaLnBrk="1" latinLnBrk="0" hangingPunct="1">
@@ -14969,7 +14971,7 @@
                 </a:pPr>
                 <a:r>
                   <a:rPr lang="en-US" b="1" dirty="0"/>
-                  <a:t>Implementation: </a:t>
+                  <a:t>Implementation as a planning agent: </a:t>
                 </a:r>
               </a:p>
               <a:p>
@@ -14979,7 +14981,7 @@
                 </a:pPr>
                 <a:r>
                   <a:rPr lang="en-US" dirty="0"/>
-                  <a:t>Model the environment as an MDP. </a:t>
+                  <a:t>Model the environment as an MDP. It is completely described by the rules of the game.</a:t>
                 </a:r>
               </a:p>
               <a:p>
@@ -15055,7 +15057,7 @@
                 </a:pPr>
                 <a:r>
                   <a:rPr lang="en-US" dirty="0"/>
-                  <a:t>Executed the policy with a simple reflex agent.</a:t>
+                  <a:t>Executed the policy.</a:t>
                 </a:r>
               </a:p>
               <a:p>
@@ -15197,14 +15199,21 @@
                 </a14:m>
                 <a:r>
                   <a:rPr lang="en-US" dirty="0"/>
-                  <a:t> needs to be known and the tables are very large.</a:t>
+                  <a:t> needs to be known. We need to assume the other player’s policy. </a:t>
                 </a:r>
               </a:p>
               <a:p>
                 <a:pPr lvl="1"/>
                 <a:r>
                   <a:rPr lang="en-US" dirty="0"/>
-                  <a:t>For games, all the reward is delayed. Immediate rewards are always 0 until the end of the game. </a:t>
+                  <a:t>The tables (value function, policy) are very large. This does not scale for more complicated games (e.g., Connect-4).</a:t>
+                </a:r>
+              </a:p>
+              <a:p>
+                <a:pPr lvl="1"/>
+                <a:r>
+                  <a:rPr lang="en-US" dirty="0"/>
+                  <a:t>For games, all the rewards are delayed. Immediate rewards are always 0 until the end of the game. </a:t>
                 </a:r>
               </a:p>
               <a:p>
@@ -15222,7 +15231,7 @@
             </p:txBody>
           </p:sp>
         </mc:Choice>
-        <mc:Fallback xmlns="">
+        <mc:Fallback>
           <p:sp>
             <p:nvSpPr>
               <p:cNvPr id="5" name="Content Placeholder 2">
@@ -15248,7 +15257,7 @@
               <a:blipFill>
                 <a:blip r:embed="rId6"/>
                 <a:stretch>
-                  <a:fillRect l="-232" t="-2450"/>
+                  <a:fillRect l="-58" t="-2004"/>
                 </a:stretch>
               </a:blipFill>
             </p:spPr>
@@ -15579,7 +15588,38 @@
                                         <p:tgtEl>
                                           <p:spTgt spid="5">
                                             <p:txEl>
-                                              <p:pRg st="10" end="10"/>
+                                              <p:pRg st="9" end="9"/>
+                                            </p:txEl>
+                                          </p:spTgt>
+                                        </p:tgtEl>
+                                        <p:attrNameLst>
+                                          <p:attrName>style.visibility</p:attrName>
+                                        </p:attrNameLst>
+                                      </p:cBhvr>
+                                      <p:to>
+                                        <p:strVal val="visible"/>
+                                      </p:to>
+                                    </p:set>
+                                  </p:childTnLst>
+                                </p:cTn>
+                              </p:par>
+                              <p:par>
+                                <p:cTn id="25" presetID="1" presetClass="entr" presetSubtype="0" fill="hold" nodeType="withEffect">
+                                  <p:stCondLst>
+                                    <p:cond delay="0"/>
+                                  </p:stCondLst>
+                                  <p:childTnLst>
+                                    <p:set>
+                                      <p:cBhvr>
+                                        <p:cTn id="26" dur="1" fill="hold">
+                                          <p:stCondLst>
+                                            <p:cond delay="0"/>
+                                          </p:stCondLst>
+                                        </p:cTn>
+                                        <p:tgtEl>
+                                          <p:spTgt spid="5">
+                                            <p:txEl>
+                                              <p:pRg st="11" end="11"/>
                                             </p:txEl>
                                           </p:spTgt>
                                         </p:tgtEl>
@@ -15626,7 +15666,7 @@
 </file>
 
 <file path=ppt/slides/slide15.xml><?xml version="1.0" encoding="utf-8"?>
-<p:sld xmlns:a="http://schemas.openxmlformats.org/drawingml/2006/main" xmlns:r="http://schemas.openxmlformats.org/officeDocument/2006/relationships" xmlns:p="http://schemas.openxmlformats.org/presentationml/2006/main">
+<p:sld xmlns:a="http://schemas.openxmlformats.org/drawingml/2006/main" xmlns:r="http://schemas.openxmlformats.org/officeDocument/2006/relationships" xmlns:p="http://schemas.openxmlformats.org/presentationml/2006/main" show="0">
   <p:cSld>
     <p:spTree>
       <p:nvGrpSpPr>
@@ -24525,20 +24565,57 @@
         </p:nvSpPr>
         <p:spPr>
           <a:xfrm>
-            <a:off x="838200" y="5795956"/>
-            <a:ext cx="10515600" cy="538163"/>
+            <a:off x="2057400" y="5777513"/>
+            <a:ext cx="7924800" cy="828441"/>
           </a:xfrm>
         </p:spPr>
+        <p:style>
+          <a:lnRef idx="2">
+            <a:schemeClr val="accent3">
+              <a:shade val="15000"/>
+            </a:schemeClr>
+          </a:lnRef>
+          <a:fillRef idx="1">
+            <a:schemeClr val="accent3"/>
+          </a:fillRef>
+          <a:effectRef idx="0">
+            <a:schemeClr val="accent3"/>
+          </a:effectRef>
+          <a:fontRef idx="minor">
+            <a:schemeClr val="lt1"/>
+          </a:fontRef>
+        </p:style>
         <p:txBody>
-          <a:bodyPr/>
+          <a:bodyPr>
+            <a:normAutofit fontScale="47500" lnSpcReduction="20000"/>
+          </a:bodyPr>
           <a:lstStyle/>
           <a:p>
-            <a:pPr marL="0" indent="0">
+            <a:pPr marL="0" indent="0" algn="ctr">
+              <a:lnSpc>
+                <a:spcPct val="120000"/>
+              </a:lnSpc>
               <a:buNone/>
             </a:pPr>
             <a:r>
               <a:rPr lang="en-US" dirty="0"/>
-              <a:t>Positive feedback from the critic reinforces the performance element.</a:t>
+              <a:t>Positive feedback from the critic, called “reward,” reinforces the performance element.</a:t>
+            </a:r>
+          </a:p>
+          <a:p>
+            <a:pPr marL="0" indent="0" algn="ctr">
+              <a:lnSpc>
+                <a:spcPct val="120000"/>
+              </a:lnSpc>
+              <a:buNone/>
+            </a:pPr>
+            <a:r>
+              <a:rPr lang="en-US" b="1" dirty="0"/>
+              <a:t>Reinforcement Learning</a:t>
+            </a:r>
+            <a:r>
+              <a:rPr lang="en-US" dirty="0"/>
+              <a:t>: How do we learn a good performance element from rewards using trial-and-error?</a:t>
             </a:r>
           </a:p>
         </p:txBody>
@@ -24590,15 +24667,15 @@
         </p:nvSpPr>
         <p:spPr>
           <a:xfrm>
-            <a:off x="2057400" y="1828800"/>
-            <a:ext cx="2630150" cy="711362"/>
+            <a:off x="1524000" y="1935318"/>
+            <a:ext cx="3163550" cy="604843"/>
           </a:xfrm>
           <a:prstGeom prst="borderCallout1">
             <a:avLst>
               <a:gd name="adj1" fmla="val 50597"/>
               <a:gd name="adj2" fmla="val 102591"/>
-              <a:gd name="adj3" fmla="val 114698"/>
-              <a:gd name="adj4" fmla="val 145426"/>
+              <a:gd name="adj3" fmla="val 110822"/>
+              <a:gd name="adj4" fmla="val 139052"/>
             </a:avLst>
           </a:prstGeom>
         </p:spPr>
@@ -24624,8 +24701,12 @@
           <a:p>
             <a:pPr algn="ctr"/>
             <a:r>
-              <a:rPr lang="en-US" dirty="0"/>
-              <a:t>Critic: How is the agent currently performing?</a:t>
+              <a:rPr lang="en-US" sz="1600" b="1" dirty="0"/>
+              <a:t>Critic</a:t>
+            </a:r>
+            <a:r>
+              <a:rPr lang="en-US" sz="1600" dirty="0"/>
+              <a:t>: How is the agent currently performing?</a:t>
             </a:r>
           </a:p>
         </p:txBody>
@@ -24647,15 +24728,15 @@
         </p:nvSpPr>
         <p:spPr>
           <a:xfrm>
-            <a:off x="2057400" y="2651197"/>
-            <a:ext cx="2630150" cy="1676400"/>
+            <a:off x="1520483" y="2976461"/>
+            <a:ext cx="3163550" cy="1060181"/>
           </a:xfrm>
           <a:prstGeom prst="borderCallout1">
             <a:avLst>
               <a:gd name="adj1" fmla="val 45008"/>
               <a:gd name="adj2" fmla="val 104907"/>
-              <a:gd name="adj3" fmla="val 64209"/>
-              <a:gd name="adj4" fmla="val 145539"/>
+              <a:gd name="adj3" fmla="val 61555"/>
+              <a:gd name="adj4" fmla="val 136645"/>
             </a:avLst>
           </a:prstGeom>
         </p:spPr>
@@ -24681,14 +24762,18 @@
           <a:p>
             <a:pPr algn="ctr"/>
             <a:r>
-              <a:rPr lang="en-US" dirty="0"/>
-              <a:t>Learning Element: Improve the performance element and changes how it selects actions.</a:t>
+              <a:rPr lang="en-US" sz="1600" b="1" dirty="0"/>
+              <a:t>Learning Element</a:t>
+            </a:r>
+            <a:r>
+              <a:rPr lang="en-US" sz="1600" dirty="0"/>
+              <a:t>: Improves the performance element and changes how it selects actions.</a:t>
             </a:r>
           </a:p>
           <a:p>
             <a:pPr algn="ctr"/>
             <a:r>
-              <a:rPr lang="en-US" dirty="0"/>
+              <a:rPr lang="en-US" sz="1600" dirty="0"/>
               <a:t>E.g., adding rules, changing weights</a:t>
             </a:r>
           </a:p>
@@ -24711,15 +24796,15 @@
         </p:nvSpPr>
         <p:spPr>
           <a:xfrm>
-            <a:off x="2057399" y="4395171"/>
-            <a:ext cx="2630150" cy="1094476"/>
+            <a:off x="1520483" y="4472943"/>
+            <a:ext cx="3163550" cy="538161"/>
           </a:xfrm>
           <a:prstGeom prst="borderCallout1">
             <a:avLst>
               <a:gd name="adj1" fmla="val 20790"/>
               <a:gd name="adj2" fmla="val 104328"/>
-              <a:gd name="adj3" fmla="val 14209"/>
-              <a:gd name="adj4" fmla="val 142608"/>
+              <a:gd name="adj3" fmla="val 268"/>
+              <a:gd name="adj4" fmla="val 137716"/>
             </a:avLst>
           </a:prstGeom>
         </p:spPr>
@@ -24745,12 +24830,167 @@
           <a:p>
             <a:pPr algn="ctr"/>
             <a:r>
-              <a:rPr lang="en-US" dirty="0"/>
-              <a:t>Problem generators: Explore new actions.</a:t>
+              <a:rPr lang="en-US" sz="1600" b="1" dirty="0"/>
+              <a:t>Problem generators</a:t>
+            </a:r>
+            <a:r>
+              <a:rPr lang="en-US" sz="1600" dirty="0"/>
+              <a:t>: Explore new actions.</a:t>
             </a:r>
           </a:p>
         </p:txBody>
       </p:sp>
+      <p:grpSp>
+        <p:nvGrpSpPr>
+          <p:cNvPr id="11" name="Group 10">
+            <a:extLst>
+              <a:ext uri="{FF2B5EF4-FFF2-40B4-BE49-F238E27FC236}">
+                <a16:creationId xmlns:a16="http://schemas.microsoft.com/office/drawing/2014/main" id="{35732D9C-F041-7351-EBF4-6DDE10865C8E}"/>
+              </a:ext>
+            </a:extLst>
+          </p:cNvPr>
+          <p:cNvGrpSpPr/>
+          <p:nvPr/>
+        </p:nvGrpSpPr>
+        <p:grpSpPr>
+          <a:xfrm>
+            <a:off x="6324600" y="2651197"/>
+            <a:ext cx="1255721" cy="890954"/>
+            <a:chOff x="6324600" y="2651197"/>
+            <a:chExt cx="1255721" cy="890954"/>
+          </a:xfrm>
+        </p:grpSpPr>
+        <p:sp>
+          <p:nvSpPr>
+            <p:cNvPr id="7" name="Freeform: Shape 6">
+              <a:extLst>
+                <a:ext uri="{FF2B5EF4-FFF2-40B4-BE49-F238E27FC236}">
+                  <a16:creationId xmlns:a16="http://schemas.microsoft.com/office/drawing/2014/main" id="{007F6CB0-D1BA-9535-0DF1-72D17616F95F}"/>
+                </a:ext>
+              </a:extLst>
+            </p:cNvPr>
+            <p:cNvSpPr/>
+            <p:nvPr/>
+          </p:nvSpPr>
+          <p:spPr>
+            <a:xfrm>
+              <a:off x="6324600" y="2651197"/>
+              <a:ext cx="1255721" cy="890954"/>
+            </a:xfrm>
+            <a:custGeom>
+              <a:avLst/>
+              <a:gdLst>
+                <a:gd name="csX0" fmla="*/ 1255721 w 1255721"/>
+                <a:gd name="csY0" fmla="*/ 0 h 890954"/>
+                <a:gd name="csX1" fmla="*/ 3696 w 1255721"/>
+                <a:gd name="csY1" fmla="*/ 440788 h 890954"/>
+                <a:gd name="csX2" fmla="*/ 946231 w 1255721"/>
+                <a:gd name="csY2" fmla="*/ 890954 h 890954"/>
+              </a:gdLst>
+              <a:ahLst/>
+              <a:cxnLst>
+                <a:cxn ang="0">
+                  <a:pos x="csX0" y="csY0"/>
+                </a:cxn>
+                <a:cxn ang="0">
+                  <a:pos x="csX1" y="csY1"/>
+                </a:cxn>
+                <a:cxn ang="0">
+                  <a:pos x="csX2" y="csY2"/>
+                </a:cxn>
+              </a:cxnLst>
+              <a:rect l="l" t="t" r="r" b="b"/>
+              <a:pathLst>
+                <a:path w="1255721" h="890954">
+                  <a:moveTo>
+                    <a:pt x="1255721" y="0"/>
+                  </a:moveTo>
+                  <a:cubicBezTo>
+                    <a:pt x="655499" y="146148"/>
+                    <a:pt x="55278" y="292296"/>
+                    <a:pt x="3696" y="440788"/>
+                  </a:cubicBezTo>
+                  <a:cubicBezTo>
+                    <a:pt x="-47886" y="589280"/>
+                    <a:pt x="449172" y="740117"/>
+                    <a:pt x="946231" y="890954"/>
+                  </a:cubicBezTo>
+                </a:path>
+              </a:pathLst>
+            </a:custGeom>
+            <a:ln w="38100" cap="flat" cmpd="sng" algn="ctr">
+              <a:solidFill>
+                <a:schemeClr val="accent3"/>
+              </a:solidFill>
+              <a:prstDash val="solid"/>
+              <a:round/>
+              <a:headEnd type="none" w="med" len="med"/>
+              <a:tailEnd type="triangle" w="med" len="med"/>
+            </a:ln>
+          </p:spPr>
+          <p:style>
+            <a:lnRef idx="0">
+              <a:scrgbClr r="0" g="0" b="0"/>
+            </a:lnRef>
+            <a:fillRef idx="0">
+              <a:scrgbClr r="0" g="0" b="0"/>
+            </a:fillRef>
+            <a:effectRef idx="0">
+              <a:scrgbClr r="0" g="0" b="0"/>
+            </a:effectRef>
+            <a:fontRef idx="minor">
+              <a:schemeClr val="tx1"/>
+            </a:fontRef>
+          </p:style>
+          <p:txBody>
+            <a:bodyPr rtlCol="0" anchor="ctr"/>
+            <a:lstStyle/>
+            <a:p>
+              <a:pPr algn="ctr"/>
+              <a:endParaRPr lang="en-US"/>
+            </a:p>
+          </p:txBody>
+        </p:sp>
+        <p:sp>
+          <p:nvSpPr>
+            <p:cNvPr id="9" name="TextBox 8">
+              <a:extLst>
+                <a:ext uri="{FF2B5EF4-FFF2-40B4-BE49-F238E27FC236}">
+                  <a16:creationId xmlns:a16="http://schemas.microsoft.com/office/drawing/2014/main" id="{2B4A9396-65C9-29CE-1E2D-947E1A4273CE}"/>
+                </a:ext>
+              </a:extLst>
+            </p:cNvPr>
+            <p:cNvSpPr txBox="1"/>
+            <p:nvPr/>
+          </p:nvSpPr>
+          <p:spPr>
+            <a:xfrm>
+              <a:off x="6781800" y="2765930"/>
+              <a:ext cx="638701" cy="276999"/>
+            </a:xfrm>
+            <a:prstGeom prst="rect">
+              <a:avLst/>
+            </a:prstGeom>
+            <a:noFill/>
+          </p:spPr>
+          <p:txBody>
+            <a:bodyPr wrap="none" rtlCol="0">
+              <a:spAutoFit/>
+            </a:bodyPr>
+            <a:lstStyle/>
+            <a:p>
+              <a:r>
+                <a:rPr lang="en-US" sz="1200" b="1" dirty="0">
+                  <a:solidFill>
+                    <a:schemeClr val="accent3"/>
+                  </a:solidFill>
+                </a:rPr>
+                <a:t>reward</a:t>
+              </a:r>
+            </a:p>
+          </p:txBody>
+        </p:sp>
+      </p:grpSp>
     </p:spTree>
     <p:extLst>
       <p:ext uri="{BB962C8B-B14F-4D97-AF65-F5344CB8AC3E}">
@@ -24795,7 +25035,7 @@
                                           </p:stCondLst>
                                         </p:cTn>
                                         <p:tgtEl>
-                                          <p:spTgt spid="3"/>
+                                          <p:spTgt spid="2"/>
                                         </p:tgtEl>
                                         <p:attrNameLst>
                                           <p:attrName>style.visibility</p:attrName>
@@ -24840,7 +25080,7 @@
                                           </p:stCondLst>
                                         </p:cTn>
                                         <p:tgtEl>
-                                          <p:spTgt spid="2"/>
+                                          <p:spTgt spid="3"/>
                                         </p:tgtEl>
                                         <p:attrNameLst>
                                           <p:attrName>style.visibility</p:attrName>
@@ -24904,6 +25144,80 @@
                       </p:childTnLst>
                     </p:cTn>
                   </p:par>
+                  <p:par>
+                    <p:cTn id="15" fill="hold">
+                      <p:stCondLst>
+                        <p:cond delay="indefinite"/>
+                      </p:stCondLst>
+                      <p:childTnLst>
+                        <p:par>
+                          <p:cTn id="16" fill="hold">
+                            <p:stCondLst>
+                              <p:cond delay="0"/>
+                            </p:stCondLst>
+                            <p:childTnLst>
+                              <p:par>
+                                <p:cTn id="17" presetID="1" presetClass="entr" presetSubtype="0" fill="hold" grpId="0" nodeType="clickEffect">
+                                  <p:stCondLst>
+                                    <p:cond delay="0"/>
+                                  </p:stCondLst>
+                                  <p:childTnLst>
+                                    <p:set>
+                                      <p:cBhvr>
+                                        <p:cTn id="18" dur="1" fill="hold">
+                                          <p:stCondLst>
+                                            <p:cond delay="0"/>
+                                          </p:stCondLst>
+                                        </p:cTn>
+                                        <p:tgtEl>
+                                          <p:spTgt spid="10">
+                                            <p:bg/>
+                                          </p:spTgt>
+                                        </p:tgtEl>
+                                        <p:attrNameLst>
+                                          <p:attrName>style.visibility</p:attrName>
+                                        </p:attrNameLst>
+                                      </p:cBhvr>
+                                      <p:to>
+                                        <p:strVal val="visible"/>
+                                      </p:to>
+                                    </p:set>
+                                  </p:childTnLst>
+                                </p:cTn>
+                              </p:par>
+                              <p:par>
+                                <p:cTn id="19" presetID="1" presetClass="entr" presetSubtype="0" fill="hold" nodeType="withEffect">
+                                  <p:stCondLst>
+                                    <p:cond delay="0"/>
+                                  </p:stCondLst>
+                                  <p:childTnLst>
+                                    <p:set>
+                                      <p:cBhvr>
+                                        <p:cTn id="20" dur="1" fill="hold">
+                                          <p:stCondLst>
+                                            <p:cond delay="0"/>
+                                          </p:stCondLst>
+                                        </p:cTn>
+                                        <p:tgtEl>
+                                          <p:spTgt spid="11"/>
+                                        </p:tgtEl>
+                                        <p:attrNameLst>
+                                          <p:attrName>style.visibility</p:attrName>
+                                        </p:attrNameLst>
+                                      </p:cBhvr>
+                                      <p:to>
+                                        <p:strVal val="visible"/>
+                                      </p:to>
+                                    </p:set>
+                                  </p:childTnLst>
+                                </p:cTn>
+                              </p:par>
+                            </p:childTnLst>
+                          </p:cTn>
+                        </p:par>
+                      </p:childTnLst>
+                    </p:cTn>
+                  </p:par>
                 </p:childTnLst>
               </p:cTn>
               <p:prevCondLst>
@@ -24926,6 +25240,7 @@
       </p:par>
     </p:tnLst>
     <p:bldLst>
+      <p:bldP spid="10" grpId="0" uiExpand="1" build="p" animBg="1"/>
       <p:bldP spid="2" grpId="0" animBg="1"/>
       <p:bldP spid="3" grpId="0" animBg="1"/>
       <p:bldP spid="8" grpId="0" animBg="1"/>
@@ -35738,8 +36053,8 @@
           </mc:Fallback>
         </mc:AlternateContent>
       </p:grpSp>
-      <mc:AlternateContent xmlns:mc="http://schemas.openxmlformats.org/markup-compatibility/2006">
-        <mc:Choice xmlns:a14="http://schemas.microsoft.com/office/drawing/2010/main" Requires="a14">
+      <mc:AlternateContent xmlns:mc="http://schemas.openxmlformats.org/markup-compatibility/2006" xmlns:a14="http://schemas.microsoft.com/office/drawing/2010/main">
+        <mc:Choice Requires="a14">
           <p:sp>
             <p:nvSpPr>
               <p:cNvPr id="24" name="TextBox 23">
@@ -36013,7 +36328,7 @@
             </p:txBody>
           </p:sp>
         </mc:Choice>
-        <mc:Fallback>
+        <mc:Fallback xmlns="">
           <p:sp>
             <p:nvSpPr>
               <p:cNvPr id="24" name="TextBox 23">
@@ -38703,7 +39018,7 @@
             <a:pPr algn="ctr"/>
             <a:r>
               <a:rPr lang="en-US" sz="1400" dirty="0"/>
-              <a:t>If we have a model of the environment then we can plan.</a:t>
+              <a:t>If we have a model of the environment, then we can plan.</a:t>
             </a:r>
           </a:p>
         </p:txBody>
@@ -38987,8 +39302,8 @@
           </a:p>
         </p:txBody>
       </p:sp>
-      <mc:AlternateContent xmlns:mc="http://schemas.openxmlformats.org/markup-compatibility/2006" xmlns:a14="http://schemas.microsoft.com/office/drawing/2010/main">
-        <mc:Choice Requires="a14">
+      <mc:AlternateContent xmlns:mc="http://schemas.openxmlformats.org/markup-compatibility/2006">
+        <mc:Choice xmlns:a14="http://schemas.microsoft.com/office/drawing/2010/main" Requires="a14">
           <p:sp>
             <p:nvSpPr>
               <p:cNvPr id="3" name="Content Placeholder 2">
@@ -39044,8 +39359,9 @@
                     <m:r>
                       <a:rPr lang="en-US" i="1" dirty="0" smtClean="0">
                         <a:latin typeface="Cambria Math" panose="02040503050406030204" pitchFamily="18" charset="0"/>
+                        <a:ea typeface="Cambria Math" panose="02040503050406030204" pitchFamily="18" charset="0"/>
                       </a:rPr>
-                      <m:t>𝑆</m:t>
+                      <m:t>𝒮</m:t>
                     </m:r>
                     <m:r>
                       <a:rPr lang="en-US" b="0" i="1" dirty="0" smtClean="0">
@@ -39533,7 +39849,7 @@
             </p:txBody>
           </p:sp>
         </mc:Choice>
-        <mc:Fallback xmlns="">
+        <mc:Fallback>
           <p:sp>
             <p:nvSpPr>
               <p:cNvPr id="3" name="Content Placeholder 2">
@@ -44014,7 +44330,7 @@
             <p:spPr>
               <a:xfrm>
                 <a:off x="838200" y="1416908"/>
-                <a:ext cx="8686800" cy="2133599"/>
+                <a:ext cx="8763000" cy="2240692"/>
               </a:xfrm>
             </p:spPr>
             <p:txBody>
@@ -44507,7 +44823,7 @@
                 </a14:m>
                 <a:r>
                   <a:rPr lang="en-US" dirty="0"/>
-                  <a:t> (also written as </a:t>
+                  <a:t> (also often written as </a:t>
                 </a:r>
                 <a14:m>
                   <m:oMath xmlns:m="http://schemas.openxmlformats.org/officeDocument/2006/math">
@@ -44547,7 +44863,7 @@
                 </a:r>
                 <a:r>
                   <a:rPr lang="en-US" dirty="0"/>
-                  <a:t>. It is often stored as a table.</a:t>
+                  <a:t>. It is stored as a table.</a:t>
                 </a:r>
               </a:p>
             </p:txBody>
@@ -44573,12 +44889,12 @@
             <p:spPr>
               <a:xfrm>
                 <a:off x="838200" y="1416908"/>
-                <a:ext cx="8686800" cy="2133599"/>
+                <a:ext cx="8763000" cy="2240692"/>
               </a:xfrm>
               <a:blipFill>
                 <a:blip r:embed="rId2"/>
                 <a:stretch>
-                  <a:fillRect l="-491" t="-4571" b="-45714"/>
+                  <a:fillRect l="-487" t="-4348" r="-487" b="-38587"/>
                 </a:stretch>
               </a:blipFill>
             </p:spPr>
@@ -44597,8 +44913,8 @@
           </p:sp>
         </mc:Fallback>
       </mc:AlternateContent>
-      <mc:AlternateContent xmlns:mc="http://schemas.openxmlformats.org/markup-compatibility/2006">
-        <mc:Choice xmlns:a14="http://schemas.microsoft.com/office/drawing/2010/main" Requires="a14">
+      <mc:AlternateContent xmlns:mc="http://schemas.openxmlformats.org/markup-compatibility/2006" xmlns:a14="http://schemas.microsoft.com/office/drawing/2010/main">
+        <mc:Choice Requires="a14">
           <p:sp>
             <p:nvSpPr>
               <p:cNvPr id="10" name="TextBox 9">
@@ -44749,7 +45065,7 @@
             </p:txBody>
           </p:sp>
         </mc:Choice>
-        <mc:Fallback>
+        <mc:Fallback xmlns="">
           <p:sp>
             <p:nvSpPr>
               <p:cNvPr id="10" name="TextBox 9">
@@ -45502,6 +45818,33 @@
                                   </p:childTnLst>
                                 </p:cTn>
                               </p:par>
+                              <p:par>
+                                <p:cTn id="11" presetID="1" presetClass="entr" presetSubtype="0" fill="hold" grpId="0" nodeType="withEffect">
+                                  <p:stCondLst>
+                                    <p:cond delay="0"/>
+                                  </p:stCondLst>
+                                  <p:childTnLst>
+                                    <p:set>
+                                      <p:cBhvr>
+                                        <p:cTn id="12" dur="1" fill="hold">
+                                          <p:stCondLst>
+                                            <p:cond delay="0"/>
+                                          </p:stCondLst>
+                                        </p:cTn>
+                                        <p:tgtEl>
+                                          <p:spTgt spid="10"/>
+                                        </p:tgtEl>
+                                        <p:attrNameLst>
+                                          <p:attrName>style.visibility</p:attrName>
+                                        </p:attrNameLst>
+                                      </p:cBhvr>
+                                      <p:to>
+                                        <p:strVal val="visible"/>
+                                      </p:to>
+                                    </p:set>
+                                  </p:childTnLst>
+                                </p:cTn>
+                              </p:par>
                             </p:childTnLst>
                           </p:cTn>
                         </p:par>
@@ -45509,26 +45852,26 @@
                     </p:cTn>
                   </p:par>
                   <p:par>
-                    <p:cTn id="11" fill="hold">
+                    <p:cTn id="13" fill="hold">
                       <p:stCondLst>
                         <p:cond delay="indefinite"/>
                       </p:stCondLst>
                       <p:childTnLst>
                         <p:par>
-                          <p:cTn id="12" fill="hold">
+                          <p:cTn id="14" fill="hold">
                             <p:stCondLst>
                               <p:cond delay="0"/>
                             </p:stCondLst>
                             <p:childTnLst>
                               <p:par>
-                                <p:cTn id="13" presetID="1" presetClass="entr" presetSubtype="0" fill="hold" grpId="0" nodeType="clickEffect">
+                                <p:cTn id="15" presetID="1" presetClass="entr" presetSubtype="0" fill="hold" grpId="0" nodeType="clickEffect">
                                   <p:stCondLst>
                                     <p:cond delay="0"/>
                                   </p:stCondLst>
                                   <p:childTnLst>
                                     <p:set>
                                       <p:cBhvr>
-                                        <p:cTn id="14" dur="1" fill="hold">
+                                        <p:cTn id="16" dur="1" fill="hold">
                                           <p:stCondLst>
                                             <p:cond delay="0"/>
                                           </p:stCondLst>
@@ -45552,14 +45895,14 @@
                                 </p:cTn>
                               </p:par>
                               <p:par>
-                                <p:cTn id="15" presetID="1" presetClass="entr" presetSubtype="0" fill="hold" grpId="0" nodeType="withEffect">
+                                <p:cTn id="17" presetID="1" presetClass="entr" presetSubtype="0" fill="hold" grpId="0" nodeType="withEffect">
                                   <p:stCondLst>
                                     <p:cond delay="0"/>
                                   </p:stCondLst>
                                   <p:childTnLst>
                                     <p:set>
                                       <p:cBhvr>
-                                        <p:cTn id="16" dur="1" fill="hold">
+                                        <p:cTn id="18" dur="1" fill="hold">
                                           <p:stCondLst>
                                             <p:cond delay="0"/>
                                           </p:stCondLst>
@@ -45579,14 +45922,14 @@
                                 </p:cTn>
                               </p:par>
                               <p:par>
-                                <p:cTn id="17" presetID="1" presetClass="entr" presetSubtype="0" fill="hold" nodeType="withEffect">
+                                <p:cTn id="19" presetID="1" presetClass="entr" presetSubtype="0" fill="hold" nodeType="withEffect">
                                   <p:stCondLst>
                                     <p:cond delay="0"/>
                                   </p:stCondLst>
                                   <p:childTnLst>
                                     <p:set>
                                       <p:cBhvr>
-                                        <p:cTn id="18" dur="1" fill="hold">
+                                        <p:cTn id="20" dur="1" fill="hold">
                                           <p:stCondLst>
                                             <p:cond delay="0"/>
                                           </p:stCondLst>
@@ -45606,20 +45949,47 @@
                                 </p:cTn>
                               </p:par>
                               <p:par>
-                                <p:cTn id="19" presetID="1" presetClass="entr" presetSubtype="0" fill="hold" grpId="0" nodeType="withEffect">
+                                <p:cTn id="21" presetID="1" presetClass="entr" presetSubtype="0" fill="hold" grpId="0" nodeType="withEffect">
                                   <p:stCondLst>
                                     <p:cond delay="0"/>
                                   </p:stCondLst>
                                   <p:childTnLst>
                                     <p:set>
                                       <p:cBhvr>
-                                        <p:cTn id="20" dur="1" fill="hold">
+                                        <p:cTn id="22" dur="1" fill="hold">
                                           <p:stCondLst>
                                             <p:cond delay="0"/>
                                           </p:stCondLst>
                                         </p:cTn>
                                         <p:tgtEl>
                                           <p:spTgt spid="11"/>
+                                        </p:tgtEl>
+                                        <p:attrNameLst>
+                                          <p:attrName>style.visibility</p:attrName>
+                                        </p:attrNameLst>
+                                      </p:cBhvr>
+                                      <p:to>
+                                        <p:strVal val="visible"/>
+                                      </p:to>
+                                    </p:set>
+                                  </p:childTnLst>
+                                </p:cTn>
+                              </p:par>
+                              <p:par>
+                                <p:cTn id="23" presetID="1" presetClass="entr" presetSubtype="0" fill="hold" nodeType="withEffect">
+                                  <p:stCondLst>
+                                    <p:cond delay="0"/>
+                                  </p:stCondLst>
+                                  <p:childTnLst>
+                                    <p:set>
+                                      <p:cBhvr>
+                                        <p:cTn id="24" dur="1" fill="hold">
+                                          <p:stCondLst>
+                                            <p:cond delay="0"/>
+                                          </p:stCondLst>
+                                        </p:cTn>
+                                        <p:tgtEl>
+                                          <p:spTgt spid="8"/>
                                         </p:tgtEl>
                                         <p:attrNameLst>
                                           <p:attrName>style.visibility</p:attrName>
@@ -45660,7 +46030,8 @@
       </p:par>
     </p:tnLst>
     <p:bldLst>
-      <p:bldP spid="3" grpId="0" build="p"/>
+      <p:bldP spid="3" grpId="0" uiExpand="1" build="p"/>
+      <p:bldP spid="10" grpId="0" animBg="1"/>
       <p:bldP spid="6" grpId="0"/>
       <p:bldP spid="11" grpId="0" animBg="1"/>
     </p:bldLst>
@@ -45713,8 +46084,8 @@
           </a:p>
         </p:txBody>
       </p:sp>
-      <mc:AlternateContent xmlns:mc="http://schemas.openxmlformats.org/markup-compatibility/2006" xmlns:a14="http://schemas.microsoft.com/office/drawing/2010/main">
-        <mc:Choice Requires="a14">
+      <mc:AlternateContent xmlns:mc="http://schemas.openxmlformats.org/markup-compatibility/2006">
+        <mc:Choice xmlns:a14="http://schemas.microsoft.com/office/drawing/2010/main" Requires="a14">
           <p:sp>
             <p:nvSpPr>
               <p:cNvPr id="3" name="Content Placeholder 2">
@@ -45927,13 +46298,11 @@
                       <m:t>∈</m:t>
                     </m:r>
                     <m:r>
-                      <m:rPr>
-                        <m:sty m:val="p"/>
-                      </m:rPr>
                       <a:rPr lang="en-US" b="0" i="1" smtClean="0">
                         <a:latin typeface="Cambria Math" panose="02040503050406030204" pitchFamily="18" charset="0"/>
+                        <a:ea typeface="Cambria Math" panose="02040503050406030204" pitchFamily="18" charset="0"/>
                       </a:rPr>
-                      <m:t>S</m:t>
+                      <m:t>𝒮</m:t>
                     </m:r>
                     <m:r>
                       <a:rPr lang="en-US" b="0" i="1" smtClean="0">
@@ -46413,7 +46782,7 @@
             </p:txBody>
           </p:sp>
         </mc:Choice>
-        <mc:Fallback xmlns="">
+        <mc:Fallback>
           <p:sp>
             <p:nvSpPr>
               <p:cNvPr id="3" name="Content Placeholder 2">
